--- a/Project slides.pptx
+++ b/Project slides.pptx
@@ -130,7 +130,7 @@
   </p:defaultTextStyle>
   <p:extLst>
     <p:ext uri="{EFAFB233-063F-42B5-8137-9DF3F51BA10A}">
-      <p15:sldGuideLst xmlns="" xmlns:p15="http://schemas.microsoft.com/office/powerpoint/2012/main">
+      <p15:sldGuideLst xmlns:p15="http://schemas.microsoft.com/office/powerpoint/2012/main" xmlns="">
         <p15:guide id="1" orient="horz" pos="2160">
           <p15:clr>
             <a:srgbClr val="A4A3A4"/>
@@ -6442,19 +6442,19 @@
     </dgm:pt>
   </dgm:ptLst>
   <dgm:cxnLst>
-    <dgm:cxn modelId="{7D900D72-C6AB-4921-BB76-14C665FE1FDC}" type="presOf" srcId="{42B3044B-4925-4F36-9321-6859E02C4215}" destId="{81297701-0B22-42B3-8F7D-5FACF7DCCEDF}" srcOrd="0" destOrd="0" presId="urn:microsoft.com/office/officeart/2005/8/layout/cycle6"/>
-    <dgm:cxn modelId="{84B62A81-3E8B-4A77-ADD9-3871C02087E4}" type="presOf" srcId="{485211C7-798D-41F9-9E97-3B9388322D8E}" destId="{4D44D4C6-CBEA-4542-8475-B1673A50D672}" srcOrd="0" destOrd="0" presId="urn:microsoft.com/office/officeart/2005/8/layout/cycle6"/>
-    <dgm:cxn modelId="{75DC23AA-8A49-4D66-A572-5FBFA440A769}" type="presOf" srcId="{11961E9E-EE78-41D6-85E1-6932C986474B}" destId="{91C74FDD-39B0-4C6E-BCD8-EF12CDFC2B75}" srcOrd="0" destOrd="0" presId="urn:microsoft.com/office/officeart/2005/8/layout/cycle6"/>
+    <dgm:cxn modelId="{9AE3D84B-0E87-452B-B721-93379403248C}" type="presOf" srcId="{4E1CBAF4-B51B-4E79-8409-1F83FAB79CAF}" destId="{4398C41E-B221-4BD2-9A58-AF80C7D140A4}" srcOrd="0" destOrd="0" presId="urn:microsoft.com/office/officeart/2005/8/layout/cycle6"/>
     <dgm:cxn modelId="{00F539C7-1D55-40DB-AE5F-E43CE2F6B67C}" type="presOf" srcId="{1BD18FD0-FECB-49A7-B219-5E85AFC70184}" destId="{9EC543B5-8CB9-49B7-B52B-0B246DBB4DA2}" srcOrd="0" destOrd="0" presId="urn:microsoft.com/office/officeart/2005/8/layout/cycle6"/>
-    <dgm:cxn modelId="{9AE3D84B-0E87-452B-B721-93379403248C}" type="presOf" srcId="{4E1CBAF4-B51B-4E79-8409-1F83FAB79CAF}" destId="{4398C41E-B221-4BD2-9A58-AF80C7D140A4}" srcOrd="0" destOrd="0" presId="urn:microsoft.com/office/officeart/2005/8/layout/cycle6"/>
-    <dgm:cxn modelId="{B8A73DC9-F450-4487-BA1F-46549B25992B}" srcId="{F1AD1042-3481-4366-A0EF-0C58CBF08849}" destId="{7C1942EB-DF71-4DCE-963E-C0B0CDCAF7D4}" srcOrd="0" destOrd="0" parTransId="{37657B3B-5172-44E3-B1DA-E8531F27A8CF}" sibTransId="{485211C7-798D-41F9-9E97-3B9388322D8E}"/>
-    <dgm:cxn modelId="{32FBB23E-8313-44E8-A6BE-804DE9438601}" srcId="{F1AD1042-3481-4366-A0EF-0C58CBF08849}" destId="{DA3290E1-D76C-4D72-B2DD-8759A794CB31}" srcOrd="2" destOrd="0" parTransId="{2F7B57BD-B3B9-43D3-BB2D-E8F72243C683}" sibTransId="{1FD77E75-2249-4B3C-B6BE-5E414B0C0DCF}"/>
-    <dgm:cxn modelId="{86A24664-3477-40D3-98C2-D5D3CD239496}" type="presOf" srcId="{7C1942EB-DF71-4DCE-963E-C0B0CDCAF7D4}" destId="{A0AAE091-9A65-4F75-8A62-FBF41852842A}" srcOrd="0" destOrd="0" presId="urn:microsoft.com/office/officeart/2005/8/layout/cycle6"/>
     <dgm:cxn modelId="{88F0E2CA-EC0A-42A4-88B2-5492F081D8A8}" srcId="{F1AD1042-3481-4366-A0EF-0C58CBF08849}" destId="{11961E9E-EE78-41D6-85E1-6932C986474B}" srcOrd="3" destOrd="0" parTransId="{52065D3D-222E-46F0-AACC-F8A86A572277}" sibTransId="{4E1CBAF4-B51B-4E79-8409-1F83FAB79CAF}"/>
-    <dgm:cxn modelId="{6C6DB612-58F1-411F-92F3-2D6287B319CA}" type="presOf" srcId="{F1AD1042-3481-4366-A0EF-0C58CBF08849}" destId="{0709B21A-2350-4A58-B74A-8845C15CD886}" srcOrd="0" destOrd="0" presId="urn:microsoft.com/office/officeart/2005/8/layout/cycle6"/>
-    <dgm:cxn modelId="{40F797DE-032E-4163-85EE-B44081FBD8EF}" type="presOf" srcId="{1FD77E75-2249-4B3C-B6BE-5E414B0C0DCF}" destId="{02632CC8-301B-4A51-B383-AA8B9DCAA124}" srcOrd="0" destOrd="0" presId="urn:microsoft.com/office/officeart/2005/8/layout/cycle6"/>
     <dgm:cxn modelId="{885D79FC-92B4-453D-98D5-AE7E836564D4}" srcId="{F1AD1042-3481-4366-A0EF-0C58CBF08849}" destId="{42B3044B-4925-4F36-9321-6859E02C4215}" srcOrd="1" destOrd="0" parTransId="{0F5C5AC0-3585-45A5-8DF3-A451EA199D31}" sibTransId="{1BD18FD0-FECB-49A7-B219-5E85AFC70184}"/>
     <dgm:cxn modelId="{2AF0111D-D6B0-4965-A7B8-BB6647408FB7}" type="presOf" srcId="{DA3290E1-D76C-4D72-B2DD-8759A794CB31}" destId="{C4973C67-5200-410C-9647-5FE1E04B54ED}" srcOrd="0" destOrd="0" presId="urn:microsoft.com/office/officeart/2005/8/layout/cycle6"/>
+    <dgm:cxn modelId="{32FBB23E-8313-44E8-A6BE-804DE9438601}" srcId="{F1AD1042-3481-4366-A0EF-0C58CBF08849}" destId="{DA3290E1-D76C-4D72-B2DD-8759A794CB31}" srcOrd="2" destOrd="0" parTransId="{2F7B57BD-B3B9-43D3-BB2D-E8F72243C683}" sibTransId="{1FD77E75-2249-4B3C-B6BE-5E414B0C0DCF}"/>
+    <dgm:cxn modelId="{40F797DE-032E-4163-85EE-B44081FBD8EF}" type="presOf" srcId="{1FD77E75-2249-4B3C-B6BE-5E414B0C0DCF}" destId="{02632CC8-301B-4A51-B383-AA8B9DCAA124}" srcOrd="0" destOrd="0" presId="urn:microsoft.com/office/officeart/2005/8/layout/cycle6"/>
+    <dgm:cxn modelId="{84B62A81-3E8B-4A77-ADD9-3871C02087E4}" type="presOf" srcId="{485211C7-798D-41F9-9E97-3B9388322D8E}" destId="{4D44D4C6-CBEA-4542-8475-B1673A50D672}" srcOrd="0" destOrd="0" presId="urn:microsoft.com/office/officeart/2005/8/layout/cycle6"/>
+    <dgm:cxn modelId="{6C6DB612-58F1-411F-92F3-2D6287B319CA}" type="presOf" srcId="{F1AD1042-3481-4366-A0EF-0C58CBF08849}" destId="{0709B21A-2350-4A58-B74A-8845C15CD886}" srcOrd="0" destOrd="0" presId="urn:microsoft.com/office/officeart/2005/8/layout/cycle6"/>
+    <dgm:cxn modelId="{B8A73DC9-F450-4487-BA1F-46549B25992B}" srcId="{F1AD1042-3481-4366-A0EF-0C58CBF08849}" destId="{7C1942EB-DF71-4DCE-963E-C0B0CDCAF7D4}" srcOrd="0" destOrd="0" parTransId="{37657B3B-5172-44E3-B1DA-E8531F27A8CF}" sibTransId="{485211C7-798D-41F9-9E97-3B9388322D8E}"/>
+    <dgm:cxn modelId="{86A24664-3477-40D3-98C2-D5D3CD239496}" type="presOf" srcId="{7C1942EB-DF71-4DCE-963E-C0B0CDCAF7D4}" destId="{A0AAE091-9A65-4F75-8A62-FBF41852842A}" srcOrd="0" destOrd="0" presId="urn:microsoft.com/office/officeart/2005/8/layout/cycle6"/>
+    <dgm:cxn modelId="{75DC23AA-8A49-4D66-A572-5FBFA440A769}" type="presOf" srcId="{11961E9E-EE78-41D6-85E1-6932C986474B}" destId="{91C74FDD-39B0-4C6E-BCD8-EF12CDFC2B75}" srcOrd="0" destOrd="0" presId="urn:microsoft.com/office/officeart/2005/8/layout/cycle6"/>
+    <dgm:cxn modelId="{7D900D72-C6AB-4921-BB76-14C665FE1FDC}" type="presOf" srcId="{42B3044B-4925-4F36-9321-6859E02C4215}" destId="{81297701-0B22-42B3-8F7D-5FACF7DCCEDF}" srcOrd="0" destOrd="0" presId="urn:microsoft.com/office/officeart/2005/8/layout/cycle6"/>
     <dgm:cxn modelId="{4D9266D3-B112-4805-AAA6-5193A72DA3FA}" type="presParOf" srcId="{0709B21A-2350-4A58-B74A-8845C15CD886}" destId="{A0AAE091-9A65-4F75-8A62-FBF41852842A}" srcOrd="0" destOrd="0" presId="urn:microsoft.com/office/officeart/2005/8/layout/cycle6"/>
     <dgm:cxn modelId="{91239156-55C2-46E7-A78A-67A808FCACAC}" type="presParOf" srcId="{0709B21A-2350-4A58-B74A-8845C15CD886}" destId="{04725288-2D8D-45F3-BA71-59E6A5C3231E}" srcOrd="1" destOrd="0" presId="urn:microsoft.com/office/officeart/2005/8/layout/cycle6"/>
     <dgm:cxn modelId="{F0234C0D-E47A-433C-980F-3AE4B6906037}" type="presParOf" srcId="{0709B21A-2350-4A58-B74A-8845C15CD886}" destId="{4D44D4C6-CBEA-4542-8475-B1673A50D672}" srcOrd="2" destOrd="0" presId="urn:microsoft.com/office/officeart/2005/8/layout/cycle6"/>
@@ -6472,7 +6472,7 @@
   <dgm:whole/>
   <dgm:extLst>
     <a:ext uri="http://schemas.microsoft.com/office/drawing/2008/diagram">
-      <dsp:dataModelExt xmlns:dsp="http://schemas.microsoft.com/office/drawing/2008/diagram" xmlns="" relId="rId6" minVer="http://schemas.openxmlformats.org/drawingml/2006/diagram"/>
+      <dsp:dataModelExt xmlns="" xmlns:dsp="http://schemas.microsoft.com/office/drawing/2008/diagram" relId="rId6" minVer="http://schemas.openxmlformats.org/drawingml/2006/diagram"/>
     </a:ext>
   </dgm:extLst>
 </dgm:dataModel>
@@ -7115,7 +7115,7 @@
   <dgm:whole/>
   <dgm:extLst>
     <a:ext uri="http://schemas.microsoft.com/office/drawing/2008/diagram">
-      <dsp:dataModelExt xmlns:dsp="http://schemas.microsoft.com/office/drawing/2008/diagram" xmlns="" relId="rId6" minVer="http://schemas.openxmlformats.org/drawingml/2006/diagram"/>
+      <dsp:dataModelExt xmlns="" xmlns:dsp="http://schemas.microsoft.com/office/drawing/2008/diagram" relId="rId6" minVer="http://schemas.openxmlformats.org/drawingml/2006/diagram"/>
     </a:ext>
   </dgm:extLst>
 </dgm:dataModel>
@@ -7698,8 +7698,8 @@
     <dgm:cxn modelId="{4AA56429-1519-4660-A7AE-DDFCDBAC71F8}" type="presOf" srcId="{9E626EBB-B485-4DDE-B5A4-380EB1A4D9AF}" destId="{79472641-66CD-4B1A-821E-23380DE6748C}" srcOrd="0" destOrd="0" presId="urn:microsoft.com/office/officeart/2005/8/layout/cycle6"/>
     <dgm:cxn modelId="{9798133A-9D44-492C-9BEE-855A28F96324}" type="presOf" srcId="{D24CCF26-F4FD-46E7-8294-4EC337385235}" destId="{927E6873-1309-4ADA-ABDE-F467470D20BE}" srcOrd="0" destOrd="0" presId="urn:microsoft.com/office/officeart/2005/8/layout/cycle6"/>
     <dgm:cxn modelId="{CA8CB9DE-031D-42C6-AF96-FDF784FAE2C2}" type="presOf" srcId="{BAD60A6A-D1F7-4C42-9B3B-08C323554D82}" destId="{C090A18A-DB05-4B47-A1A5-E1028DBA3B0A}" srcOrd="0" destOrd="0" presId="urn:microsoft.com/office/officeart/2005/8/layout/cycle6"/>
+    <dgm:cxn modelId="{CA434B0F-B49F-4ED4-AC30-92D8A74D99CD}" srcId="{BAD60A6A-D1F7-4C42-9B3B-08C323554D82}" destId="{9417A54C-EB95-4A5D-99D1-3622B07BEC7A}" srcOrd="3" destOrd="0" parTransId="{27286432-A277-4448-9FF3-F9D628284E35}" sibTransId="{1AFB04A5-BBE7-4D1E-BC70-F55A03A39DB1}"/>
     <dgm:cxn modelId="{2DC9FED3-E784-444C-9658-6CA465B9BE28}" type="presOf" srcId="{0FA78B75-082C-43DC-933C-7FFF0E969434}" destId="{B21F0599-B944-425B-B2F8-623CD6CEAC6F}" srcOrd="0" destOrd="0" presId="urn:microsoft.com/office/officeart/2005/8/layout/cycle6"/>
-    <dgm:cxn modelId="{CA434B0F-B49F-4ED4-AC30-92D8A74D99CD}" srcId="{BAD60A6A-D1F7-4C42-9B3B-08C323554D82}" destId="{9417A54C-EB95-4A5D-99D1-3622B07BEC7A}" srcOrd="3" destOrd="0" parTransId="{27286432-A277-4448-9FF3-F9D628284E35}" sibTransId="{1AFB04A5-BBE7-4D1E-BC70-F55A03A39DB1}"/>
     <dgm:cxn modelId="{EF620AFB-45B5-44DF-969A-6CB774DE2047}" type="presParOf" srcId="{C090A18A-DB05-4B47-A1A5-E1028DBA3B0A}" destId="{927E6873-1309-4ADA-ABDE-F467470D20BE}" srcOrd="0" destOrd="0" presId="urn:microsoft.com/office/officeart/2005/8/layout/cycle6"/>
     <dgm:cxn modelId="{3878F9C5-E78B-47D6-967D-098419C365E3}" type="presParOf" srcId="{C090A18A-DB05-4B47-A1A5-E1028DBA3B0A}" destId="{077C3D06-71E1-45FF-8E8E-384289E18F33}" srcOrd="1" destOrd="0" presId="urn:microsoft.com/office/officeart/2005/8/layout/cycle6"/>
     <dgm:cxn modelId="{2623E5CF-ED1B-4578-AD47-74D78A8C4A81}" type="presParOf" srcId="{C090A18A-DB05-4B47-A1A5-E1028DBA3B0A}" destId="{604D8B83-AD61-46F0-969A-B8E73AEDF0BA}" srcOrd="2" destOrd="0" presId="urn:microsoft.com/office/officeart/2005/8/layout/cycle6"/>
@@ -7726,7 +7726,7 @@
   <dgm:whole/>
   <dgm:extLst>
     <a:ext uri="http://schemas.microsoft.com/office/drawing/2008/diagram">
-      <dsp:dataModelExt xmlns:dsp="http://schemas.microsoft.com/office/drawing/2008/diagram" xmlns="" relId="rId6" minVer="http://schemas.openxmlformats.org/drawingml/2006/diagram"/>
+      <dsp:dataModelExt xmlns="" xmlns:dsp="http://schemas.microsoft.com/office/drawing/2008/diagram" relId="rId6" minVer="http://schemas.openxmlformats.org/drawingml/2006/diagram"/>
     </a:ext>
   </dgm:extLst>
 </dgm:dataModel>
@@ -7963,9 +7963,9 @@
   </dgm:ptLst>
   <dgm:cxnLst>
     <dgm:cxn modelId="{5C9A9C0B-9A10-41C8-84AA-AF8E60AC3879}" type="presOf" srcId="{F141D19B-3799-4E44-8C63-AAD5BB8C0196}" destId="{CCD1D653-ACAE-4E9D-8A3F-479870FE1CC7}" srcOrd="0" destOrd="0" presId="urn:microsoft.com/office/officeart/2005/8/layout/process1"/>
-    <dgm:cxn modelId="{5B253F82-7E42-4D9C-8728-2F2863A0C9DF}" srcId="{E9690F2D-A594-4273-9D8D-DF69D0E88CC8}" destId="{3E5AC48D-8FFD-4F63-920A-EEA2456E0C4F}" srcOrd="1" destOrd="0" parTransId="{1ADD8A08-68D1-4494-8AF7-9BEDC799364A}" sibTransId="{15EFD46D-F04A-4369-8D46-C1C3AECB007D}"/>
     <dgm:cxn modelId="{56B5122F-0DDF-4048-A67F-2E80944E2683}" type="presOf" srcId="{E9690F2D-A594-4273-9D8D-DF69D0E88CC8}" destId="{5832920E-9F4C-4474-BB71-4C3D596E0A57}" srcOrd="0" destOrd="0" presId="urn:microsoft.com/office/officeart/2005/8/layout/process1"/>
     <dgm:cxn modelId="{68660ACC-752C-44BF-881B-AD38B5460D7A}" type="presOf" srcId="{24FE2212-97F2-46D5-B20B-3757F899553A}" destId="{33CC12A8-A6A5-452B-94A6-5352401A84AA}" srcOrd="0" destOrd="0" presId="urn:microsoft.com/office/officeart/2005/8/layout/process1"/>
+    <dgm:cxn modelId="{5B253F82-7E42-4D9C-8728-2F2863A0C9DF}" srcId="{E9690F2D-A594-4273-9D8D-DF69D0E88CC8}" destId="{3E5AC48D-8FFD-4F63-920A-EEA2456E0C4F}" srcOrd="1" destOrd="0" parTransId="{1ADD8A08-68D1-4494-8AF7-9BEDC799364A}" sibTransId="{15EFD46D-F04A-4369-8D46-C1C3AECB007D}"/>
     <dgm:cxn modelId="{11A7D0CA-4A19-4994-92FD-A6ACDEAD3FBE}" type="presOf" srcId="{391BFAC2-73C2-425E-ACEF-BABF3A3404FF}" destId="{AF9F5B3C-EE69-4F92-80E6-2D2B1CDE8D57}" srcOrd="0" destOrd="0" presId="urn:microsoft.com/office/officeart/2005/8/layout/process1"/>
     <dgm:cxn modelId="{26A3F589-820F-45B8-A456-113BD84CF2DE}" type="presOf" srcId="{15EFD46D-F04A-4369-8D46-C1C3AECB007D}" destId="{703DE7D5-ACB7-4559-B7CF-C96E37936C2C}" srcOrd="1" destOrd="0" presId="urn:microsoft.com/office/officeart/2005/8/layout/process1"/>
     <dgm:cxn modelId="{7488617A-C72A-4DAA-BD89-C74A8CAB1734}" type="presOf" srcId="{F141D19B-3799-4E44-8C63-AAD5BB8C0196}" destId="{7DAE2E70-7326-455B-BC7D-704CF0D0D8AA}" srcOrd="1" destOrd="0" presId="urn:microsoft.com/office/officeart/2005/8/layout/process1"/>
@@ -8557,7 +8557,7 @@
   <dgm:whole/>
   <dgm:extLst>
     <a:ext uri="http://schemas.microsoft.com/office/drawing/2008/diagram">
-      <dsp:dataModelExt xmlns:dsp="http://schemas.microsoft.com/office/drawing/2008/diagram" xmlns="" relId="rId6" minVer="http://schemas.openxmlformats.org/drawingml/2006/diagram"/>
+      <dsp:dataModelExt xmlns="" xmlns:dsp="http://schemas.microsoft.com/office/drawing/2008/diagram" relId="rId6" minVer="http://schemas.openxmlformats.org/drawingml/2006/diagram"/>
     </a:ext>
   </dgm:extLst>
 </dgm:dataModel>
@@ -9020,7 +9020,7 @@
   <dgm:whole/>
   <dgm:extLst>
     <a:ext uri="http://schemas.microsoft.com/office/drawing/2008/diagram">
-      <dsp:dataModelExt xmlns:dsp="http://schemas.microsoft.com/office/drawing/2008/diagram" xmlns="" relId="rId6" minVer="http://schemas.openxmlformats.org/drawingml/2006/diagram"/>
+      <dsp:dataModelExt xmlns="" xmlns:dsp="http://schemas.microsoft.com/office/drawing/2008/diagram" relId="rId6" minVer="http://schemas.openxmlformats.org/drawingml/2006/diagram"/>
     </a:ext>
   </dgm:extLst>
 </dgm:dataModel>
@@ -9582,7 +9582,7 @@
   <dgm:whole/>
   <dgm:extLst>
     <a:ext uri="http://schemas.microsoft.com/office/drawing/2008/diagram">
-      <dsp:dataModelExt xmlns:dsp="http://schemas.microsoft.com/office/drawing/2008/diagram" xmlns="" relId="rId6" minVer="http://schemas.openxmlformats.org/drawingml/2006/diagram"/>
+      <dsp:dataModelExt xmlns="" xmlns:dsp="http://schemas.microsoft.com/office/drawing/2008/diagram" relId="rId6" minVer="http://schemas.openxmlformats.org/drawingml/2006/diagram"/>
     </a:ext>
   </dgm:extLst>
 </dgm:dataModel>
@@ -9725,6 +9725,13 @@
         </dgm:presLayoutVars>
       </dgm:prSet>
       <dgm:spPr/>
+      <dgm:t>
+        <a:bodyPr/>
+        <a:lstStyle/>
+        <a:p>
+          <a:endParaRPr lang="en-US"/>
+        </a:p>
+      </dgm:t>
     </dgm:pt>
     <dgm:pt modelId="{7864DDA8-FD62-47A6-9A2E-561ABDD57D13}" type="pres">
       <dgm:prSet presAssocID="{3BE4A66E-61F4-473E-865B-87202686D954}" presName="parentLin" presStyleCnt="0"/>
@@ -9733,6 +9740,13 @@
     <dgm:pt modelId="{3BB88BA3-CA82-415E-9845-0BD0F8F5B5DC}" type="pres">
       <dgm:prSet presAssocID="{3BE4A66E-61F4-473E-865B-87202686D954}" presName="parentLeftMargin" presStyleLbl="node1" presStyleIdx="0" presStyleCnt="3"/>
       <dgm:spPr/>
+      <dgm:t>
+        <a:bodyPr/>
+        <a:lstStyle/>
+        <a:p>
+          <a:endParaRPr lang="en-US"/>
+        </a:p>
+      </dgm:t>
     </dgm:pt>
     <dgm:pt modelId="{F73A6116-57CB-43B0-8946-864EDAA1473A}" type="pres">
       <dgm:prSet presAssocID="{3BE4A66E-61F4-473E-865B-87202686D954}" presName="parentText" presStyleLbl="node1" presStyleIdx="0" presStyleCnt="3">
@@ -9742,6 +9756,13 @@
         </dgm:presLayoutVars>
       </dgm:prSet>
       <dgm:spPr/>
+      <dgm:t>
+        <a:bodyPr/>
+        <a:lstStyle/>
+        <a:p>
+          <a:endParaRPr lang="en-US"/>
+        </a:p>
+      </dgm:t>
     </dgm:pt>
     <dgm:pt modelId="{90B250AF-DB2F-4A3D-8062-F44D6ECDF84B}" type="pres">
       <dgm:prSet presAssocID="{3BE4A66E-61F4-473E-865B-87202686D954}" presName="negativeSpace" presStyleCnt="0"/>
@@ -9766,6 +9787,13 @@
     <dgm:pt modelId="{1DDB1323-FFC9-4A16-BB35-C1CE04B7A632}" type="pres">
       <dgm:prSet presAssocID="{AF38DB20-6AD0-4AFF-A374-BB5D8E212A56}" presName="parentLeftMargin" presStyleLbl="node1" presStyleIdx="0" presStyleCnt="3"/>
       <dgm:spPr/>
+      <dgm:t>
+        <a:bodyPr/>
+        <a:lstStyle/>
+        <a:p>
+          <a:endParaRPr lang="en-US"/>
+        </a:p>
+      </dgm:t>
     </dgm:pt>
     <dgm:pt modelId="{DFE71EEB-7F24-40FC-847A-078AF3698038}" type="pres">
       <dgm:prSet presAssocID="{AF38DB20-6AD0-4AFF-A374-BB5D8E212A56}" presName="parentText" presStyleLbl="node1" presStyleIdx="1" presStyleCnt="3">
@@ -9775,6 +9803,13 @@
         </dgm:presLayoutVars>
       </dgm:prSet>
       <dgm:spPr/>
+      <dgm:t>
+        <a:bodyPr/>
+        <a:lstStyle/>
+        <a:p>
+          <a:endParaRPr lang="en-US"/>
+        </a:p>
+      </dgm:t>
     </dgm:pt>
     <dgm:pt modelId="{CC235A6B-8074-4682-BCFC-82F30EF1A415}" type="pres">
       <dgm:prSet presAssocID="{AF38DB20-6AD0-4AFF-A374-BB5D8E212A56}" presName="negativeSpace" presStyleCnt="0"/>
@@ -9799,6 +9834,13 @@
     <dgm:pt modelId="{68876674-E7D2-4C01-81B9-74794173CFCC}" type="pres">
       <dgm:prSet presAssocID="{753EA279-C4AE-481A-858E-B3B29ABA7523}" presName="parentLeftMargin" presStyleLbl="node1" presStyleIdx="1" presStyleCnt="3"/>
       <dgm:spPr/>
+      <dgm:t>
+        <a:bodyPr/>
+        <a:lstStyle/>
+        <a:p>
+          <a:endParaRPr lang="en-US"/>
+        </a:p>
+      </dgm:t>
     </dgm:pt>
     <dgm:pt modelId="{4A5E5B36-79BA-4BE2-9622-B85135F5C406}" type="pres">
       <dgm:prSet presAssocID="{753EA279-C4AE-481A-858E-B3B29ABA7523}" presName="parentText" presStyleLbl="node1" presStyleIdx="2" presStyleCnt="3">
@@ -9808,6 +9850,13 @@
         </dgm:presLayoutVars>
       </dgm:prSet>
       <dgm:spPr/>
+      <dgm:t>
+        <a:bodyPr/>
+        <a:lstStyle/>
+        <a:p>
+          <a:endParaRPr lang="en-US"/>
+        </a:p>
+      </dgm:t>
     </dgm:pt>
     <dgm:pt modelId="{AB88EC0E-4076-404B-9D5A-4E47955CAD1D}" type="pres">
       <dgm:prSet presAssocID="{753EA279-C4AE-481A-858E-B3B29ABA7523}" presName="negativeSpace" presStyleCnt="0"/>
@@ -33396,10 +33445,10 @@
           <p:cNvPr id="12" name="Rectangle 11">
             <a:extLst>
               <a:ext uri="{FF2B5EF4-FFF2-40B4-BE49-F238E27FC236}">
-                <a16:creationId xmlns="" xmlns:a16="http://schemas.microsoft.com/office/drawing/2014/main" id="{1FF9CEF5-A50D-4B8B-9852-D76F7037867E}"/>
+                <a16:creationId xmlns:a16="http://schemas.microsoft.com/office/drawing/2014/main" xmlns="" id="{1FF9CEF5-A50D-4B8B-9852-D76F7037867E}"/>
               </a:ext>
               <a:ext uri="{C183D7F6-B498-43B3-948B-1728B52AA6E4}">
-                <adec:decorative xmlns="" xmlns:adec="http://schemas.microsoft.com/office/drawing/2017/decorative" val="1"/>
+                <adec:decorative xmlns:adec="http://schemas.microsoft.com/office/drawing/2017/decorative" xmlns="" val="1"/>
               </a:ext>
             </a:extLst>
           </p:cNvPr>
@@ -33409,7 +33458,7 @@
           <p:nvPr>
             <p:extLst>
               <p:ext uri="{386F3935-93C4-4BCD-93E2-E3B085C9AB24}">
-                <p16:designElem xmlns="" xmlns:p16="http://schemas.microsoft.com/office/powerpoint/2015/main" val="1"/>
+                <p16:designElem xmlns:p16="http://schemas.microsoft.com/office/powerpoint/2015/main" xmlns="" val="1"/>
               </p:ext>
             </p:extLst>
           </p:nvPr>
@@ -33456,7 +33505,7 @@
           <p:cNvPr id="7" name="Picture 6">
             <a:extLst>
               <a:ext uri="{FF2B5EF4-FFF2-40B4-BE49-F238E27FC236}">
-                <a16:creationId xmlns="" xmlns:a16="http://schemas.microsoft.com/office/drawing/2014/main" id="{1AE838C9-87D8-493B-875B-C02B7A03A86F}"/>
+                <a16:creationId xmlns:a16="http://schemas.microsoft.com/office/drawing/2014/main" xmlns="" id="{1AE838C9-87D8-493B-875B-C02B7A03A86F}"/>
               </a:ext>
             </a:extLst>
           </p:cNvPr>
@@ -33487,7 +33536,7 @@
           <p:cNvPr id="2" name="Title 1">
             <a:extLst>
               <a:ext uri="{FF2B5EF4-FFF2-40B4-BE49-F238E27FC236}">
-                <a16:creationId xmlns="" xmlns:a16="http://schemas.microsoft.com/office/drawing/2014/main" id="{63A912D1-813C-4FD6-97D4-DAE0D6BD8436}"/>
+                <a16:creationId xmlns:a16="http://schemas.microsoft.com/office/drawing/2014/main" xmlns="" id="{63A912D1-813C-4FD6-97D4-DAE0D6BD8436}"/>
               </a:ext>
             </a:extLst>
           </p:cNvPr>
@@ -33536,7 +33585,7 @@
           <p:cNvPr id="3" name="Subtitle 2">
             <a:extLst>
               <a:ext uri="{FF2B5EF4-FFF2-40B4-BE49-F238E27FC236}">
-                <a16:creationId xmlns="" xmlns:a16="http://schemas.microsoft.com/office/drawing/2014/main" id="{6E08BC59-F98D-4612-8299-16FFCF3F3CB4}"/>
+                <a16:creationId xmlns:a16="http://schemas.microsoft.com/office/drawing/2014/main" xmlns="" id="{6E08BC59-F98D-4612-8299-16FFCF3F3CB4}"/>
               </a:ext>
             </a:extLst>
           </p:cNvPr>
@@ -33610,10 +33659,10 @@
           <p:cNvPr id="14" name="Rectangle 13">
             <a:extLst>
               <a:ext uri="{FF2B5EF4-FFF2-40B4-BE49-F238E27FC236}">
-                <a16:creationId xmlns="" xmlns:a16="http://schemas.microsoft.com/office/drawing/2014/main" id="{30684D86-C9D1-40C3-A9B6-EC935C7312E3}"/>
+                <a16:creationId xmlns:a16="http://schemas.microsoft.com/office/drawing/2014/main" xmlns="" id="{30684D86-C9D1-40C3-A9B6-EC935C7312E3}"/>
               </a:ext>
               <a:ext uri="{C183D7F6-B498-43B3-948B-1728B52AA6E4}">
-                <adec:decorative xmlns="" xmlns:adec="http://schemas.microsoft.com/office/drawing/2017/decorative" val="1"/>
+                <adec:decorative xmlns:adec="http://schemas.microsoft.com/office/drawing/2017/decorative" xmlns="" val="1"/>
               </a:ext>
             </a:extLst>
           </p:cNvPr>
@@ -33623,7 +33672,7 @@
           <p:nvPr>
             <p:extLst>
               <p:ext uri="{386F3935-93C4-4BCD-93E2-E3B085C9AB24}">
-                <p16:designElem xmlns="" xmlns:p16="http://schemas.microsoft.com/office/powerpoint/2015/main" val="1"/>
+                <p16:designElem xmlns:p16="http://schemas.microsoft.com/office/powerpoint/2015/main" xmlns="" val="1"/>
               </p:ext>
             </p:extLst>
           </p:nvPr>
@@ -33664,10 +33713,10 @@
           <p:cNvPr id="16" name="Freeform 33">
             <a:extLst>
               <a:ext uri="{FF2B5EF4-FFF2-40B4-BE49-F238E27FC236}">
-                <a16:creationId xmlns="" xmlns:a16="http://schemas.microsoft.com/office/drawing/2014/main" id="{1EDF7896-F56A-49DA-90F3-F5CE8B9833AD}"/>
+                <a16:creationId xmlns:a16="http://schemas.microsoft.com/office/drawing/2014/main" xmlns="" id="{1EDF7896-F56A-49DA-90F3-F5CE8B9833AD}"/>
               </a:ext>
               <a:ext uri="{C183D7F6-B498-43B3-948B-1728B52AA6E4}">
-                <adec:decorative xmlns="" xmlns:adec="http://schemas.microsoft.com/office/drawing/2017/decorative" val="1"/>
+                <adec:decorative xmlns:adec="http://schemas.microsoft.com/office/drawing/2017/decorative" xmlns="" val="1"/>
               </a:ext>
             </a:extLst>
           </p:cNvPr>
@@ -33677,7 +33726,7 @@
           <p:nvPr>
             <p:extLst>
               <p:ext uri="{386F3935-93C4-4BCD-93E2-E3B085C9AB24}">
-                <p16:designElem xmlns="" xmlns:p16="http://schemas.microsoft.com/office/powerpoint/2015/main" val="1"/>
+                <p16:designElem xmlns:p16="http://schemas.microsoft.com/office/powerpoint/2015/main" xmlns="" val="1"/>
               </p:ext>
             </p:extLst>
           </p:nvPr>
@@ -33761,7 +33810,7 @@
     </p:spTree>
     <p:extLst>
       <p:ext uri="{BB962C8B-B14F-4D97-AF65-F5344CB8AC3E}">
-        <p14:creationId xmlns:p14="http://schemas.microsoft.com/office/powerpoint/2010/main" xmlns="" val="4138910587"/>
+        <p14:creationId xmlns="" xmlns:p14="http://schemas.microsoft.com/office/powerpoint/2010/main" val="4138910587"/>
       </p:ext>
     </p:extLst>
   </p:cSld>
@@ -33803,10 +33852,10 @@
           <p:cNvPr id="8" name="Rectangle 7">
             <a:extLst>
               <a:ext uri="{FF2B5EF4-FFF2-40B4-BE49-F238E27FC236}">
-                <a16:creationId xmlns:a16="http://schemas.microsoft.com/office/drawing/2014/main" xmlns="" id="{3A3C2D7E-3F2E-404E-9B30-CB12DC972D50}"/>
+                <a16:creationId xmlns="" xmlns:a16="http://schemas.microsoft.com/office/drawing/2014/main" id="{3A3C2D7E-3F2E-404E-9B30-CB12DC972D50}"/>
               </a:ext>
               <a:ext uri="{C183D7F6-B498-43B3-948B-1728B52AA6E4}">
-                <adec:decorative xmlns:adec="http://schemas.microsoft.com/office/drawing/2017/decorative" xmlns="" val="1"/>
+                <adec:decorative xmlns="" xmlns:adec="http://schemas.microsoft.com/office/drawing/2017/decorative" val="1"/>
               </a:ext>
             </a:extLst>
           </p:cNvPr>
@@ -33816,7 +33865,7 @@
           <p:nvPr>
             <p:extLst>
               <p:ext uri="{386F3935-93C4-4BCD-93E2-E3B085C9AB24}">
-                <p16:designElem xmlns:p16="http://schemas.microsoft.com/office/powerpoint/2015/main" xmlns="" val="1"/>
+                <p16:designElem xmlns="" xmlns:p16="http://schemas.microsoft.com/office/powerpoint/2015/main" val="1"/>
               </p:ext>
             </p:extLst>
           </p:nvPr>
@@ -33867,10 +33916,10 @@
           <p:cNvPr id="10" name="Rectangle 9">
             <a:extLst>
               <a:ext uri="{FF2B5EF4-FFF2-40B4-BE49-F238E27FC236}">
-                <a16:creationId xmlns:a16="http://schemas.microsoft.com/office/drawing/2014/main" xmlns="" id="{F1F7FD00-BF97-4325-B7C2-E451F20840A7}"/>
+                <a16:creationId xmlns="" xmlns:a16="http://schemas.microsoft.com/office/drawing/2014/main" id="{F1F7FD00-BF97-4325-B7C2-E451F20840A7}"/>
               </a:ext>
               <a:ext uri="{C183D7F6-B498-43B3-948B-1728B52AA6E4}">
-                <adec:decorative xmlns:adec="http://schemas.microsoft.com/office/drawing/2017/decorative" xmlns="" val="1"/>
+                <adec:decorative xmlns="" xmlns:adec="http://schemas.microsoft.com/office/drawing/2017/decorative" val="1"/>
               </a:ext>
             </a:extLst>
           </p:cNvPr>
@@ -33880,7 +33929,7 @@
           <p:nvPr>
             <p:extLst>
               <p:ext uri="{386F3935-93C4-4BCD-93E2-E3B085C9AB24}">
-                <p16:designElem xmlns:p16="http://schemas.microsoft.com/office/powerpoint/2015/main" xmlns="" val="1"/>
+                <p16:designElem xmlns="" xmlns:p16="http://schemas.microsoft.com/office/powerpoint/2015/main" val="1"/>
               </p:ext>
             </p:extLst>
           </p:nvPr>
@@ -33923,7 +33972,7 @@
           <p:cNvPr id="2" name="Title 1">
             <a:extLst>
               <a:ext uri="{FF2B5EF4-FFF2-40B4-BE49-F238E27FC236}">
-                <a16:creationId xmlns:a16="http://schemas.microsoft.com/office/drawing/2014/main" xmlns="" id="{C60221F0-E61F-4AD3-B683-685CA8D02591}"/>
+                <a16:creationId xmlns="" xmlns:a16="http://schemas.microsoft.com/office/drawing/2014/main" id="{C60221F0-E61F-4AD3-B683-685CA8D02591}"/>
               </a:ext>
             </a:extLst>
           </p:cNvPr>
@@ -33983,10 +34032,10 @@
           <p:cNvPr id="12" name="Freeform 11">
             <a:extLst>
               <a:ext uri="{FF2B5EF4-FFF2-40B4-BE49-F238E27FC236}">
-                <a16:creationId xmlns:a16="http://schemas.microsoft.com/office/drawing/2014/main" xmlns="" id="{179B5294-DA4E-4926-B14A-DD6E07A12F67}"/>
+                <a16:creationId xmlns="" xmlns:a16="http://schemas.microsoft.com/office/drawing/2014/main" id="{179B5294-DA4E-4926-B14A-DD6E07A12F67}"/>
               </a:ext>
               <a:ext uri="{C183D7F6-B498-43B3-948B-1728B52AA6E4}">
-                <adec:decorative xmlns:adec="http://schemas.microsoft.com/office/drawing/2017/decorative" xmlns="" val="1"/>
+                <adec:decorative xmlns="" xmlns:adec="http://schemas.microsoft.com/office/drawing/2017/decorative" val="1"/>
               </a:ext>
             </a:extLst>
           </p:cNvPr>
@@ -33996,7 +34045,7 @@
           <p:nvPr>
             <p:extLst>
               <p:ext uri="{386F3935-93C4-4BCD-93E2-E3B085C9AB24}">
-                <p16:designElem xmlns:p16="http://schemas.microsoft.com/office/powerpoint/2015/main" xmlns="" val="1"/>
+                <p16:designElem xmlns="" xmlns:p16="http://schemas.microsoft.com/office/powerpoint/2015/main" val="1"/>
               </p:ext>
             </p:extLst>
           </p:nvPr>
@@ -34091,7 +34140,7 @@
           <a:blip r:embed="rId2">
             <a:extLst>
               <a:ext uri="{28A0092B-C50C-407E-A947-70E740481C1C}">
-                <a14:useLocalDpi xmlns:a14="http://schemas.microsoft.com/office/drawing/2010/main" xmlns="" val="0"/>
+                <a14:useLocalDpi xmlns="" xmlns:a14="http://schemas.microsoft.com/office/drawing/2010/main" val="0"/>
               </a:ext>
             </a:extLst>
           </a:blip>
@@ -34109,7 +34158,7 @@
     </p:spTree>
     <p:extLst>
       <p:ext uri="{BB962C8B-B14F-4D97-AF65-F5344CB8AC3E}">
-        <p14:creationId xmlns:p14="http://schemas.microsoft.com/office/powerpoint/2010/main" xmlns="" val="2600019642"/>
+        <p14:creationId xmlns="" xmlns:p14="http://schemas.microsoft.com/office/powerpoint/2010/main" val="2600019642"/>
       </p:ext>
     </p:extLst>
   </p:cSld>
@@ -34132,6 +34181,1383 @@
 <file path=ppt/slides/slide11.xml><?xml version="1.0" encoding="utf-8"?>
 <p:sld xmlns:a="http://schemas.openxmlformats.org/drawingml/2006/main" xmlns:r="http://schemas.openxmlformats.org/officeDocument/2006/relationships" xmlns:p="http://schemas.openxmlformats.org/presentationml/2006/main">
   <p:cSld>
+    <p:spTree>
+      <p:nvGrpSpPr>
+        <p:cNvPr id="1" name=""/>
+        <p:cNvGrpSpPr/>
+        <p:nvPr/>
+      </p:nvGrpSpPr>
+      <p:grpSpPr>
+        <a:xfrm>
+          <a:off x="0" y="0"/>
+          <a:ext cx="0" cy="0"/>
+          <a:chOff x="0" y="0"/>
+          <a:chExt cx="0" cy="0"/>
+        </a:xfrm>
+      </p:grpSpPr>
+      <p:sp useBgFill="1">
+        <p:nvSpPr>
+          <p:cNvPr id="8" name="Rectangle 7">
+            <a:extLst>
+              <a:ext uri="{FF2B5EF4-FFF2-40B4-BE49-F238E27FC236}">
+                <a16:creationId xmlns="" xmlns:a16="http://schemas.microsoft.com/office/drawing/2014/main" id="{3A3C2D7E-3F2E-404E-9B30-CB12DC972D50}"/>
+              </a:ext>
+              <a:ext uri="{C183D7F6-B498-43B3-948B-1728B52AA6E4}">
+                <adec:decorative xmlns="" xmlns:adec="http://schemas.microsoft.com/office/drawing/2017/decorative" val="1"/>
+              </a:ext>
+            </a:extLst>
+          </p:cNvPr>
+          <p:cNvSpPr>
+            <a:spLocks noGrp="1" noRot="1" noChangeAspect="1" noMove="1" noResize="1" noEditPoints="1" noAdjustHandles="1" noChangeArrowheads="1" noChangeShapeType="1" noTextEdit="1"/>
+          </p:cNvSpPr>
+          <p:nvPr>
+            <p:extLst>
+              <p:ext uri="{386F3935-93C4-4BCD-93E2-E3B085C9AB24}">
+                <p16:designElem xmlns="" xmlns:p16="http://schemas.microsoft.com/office/powerpoint/2015/main" val="1"/>
+              </p:ext>
+            </p:extLst>
+          </p:nvPr>
+        </p:nvSpPr>
+        <p:spPr>
+          <a:xfrm>
+            <a:off x="1" y="0"/>
+            <a:ext cx="12192000" cy="6858000"/>
+          </a:xfrm>
+          <a:prstGeom prst="rect">
+            <a:avLst/>
+          </a:prstGeom>
+          <a:ln>
+            <a:noFill/>
+          </a:ln>
+        </p:spPr>
+        <p:style>
+          <a:lnRef idx="2">
+            <a:schemeClr val="accent1">
+              <a:shade val="50000"/>
+            </a:schemeClr>
+          </a:lnRef>
+          <a:fillRef idx="1">
+            <a:schemeClr val="accent1"/>
+          </a:fillRef>
+          <a:effectRef idx="0">
+            <a:schemeClr val="accent1"/>
+          </a:effectRef>
+          <a:fontRef idx="minor">
+            <a:schemeClr val="lt1"/>
+          </a:fontRef>
+        </p:style>
+        <p:txBody>
+          <a:bodyPr rtlCol="0" anchor="ctr"/>
+          <a:lstStyle/>
+          <a:p>
+            <a:pPr algn="ctr"/>
+            <a:endParaRPr lang="en-US"/>
+          </a:p>
+        </p:txBody>
+      </p:sp>
+      <p:sp>
+        <p:nvSpPr>
+          <p:cNvPr id="10" name="Rectangle 9">
+            <a:extLst>
+              <a:ext uri="{FF2B5EF4-FFF2-40B4-BE49-F238E27FC236}">
+                <a16:creationId xmlns="" xmlns:a16="http://schemas.microsoft.com/office/drawing/2014/main" id="{F1F7FD00-BF97-4325-B7C2-E451F20840A7}"/>
+              </a:ext>
+              <a:ext uri="{C183D7F6-B498-43B3-948B-1728B52AA6E4}">
+                <adec:decorative xmlns="" xmlns:adec="http://schemas.microsoft.com/office/drawing/2017/decorative" val="1"/>
+              </a:ext>
+            </a:extLst>
+          </p:cNvPr>
+          <p:cNvSpPr>
+            <a:spLocks noGrp="1" noRot="1" noChangeAspect="1" noMove="1" noResize="1" noEditPoints="1" noAdjustHandles="1" noChangeArrowheads="1" noChangeShapeType="1" noTextEdit="1"/>
+          </p:cNvSpPr>
+          <p:nvPr>
+            <p:extLst>
+              <p:ext uri="{386F3935-93C4-4BCD-93E2-E3B085C9AB24}">
+                <p16:designElem xmlns="" xmlns:p16="http://schemas.microsoft.com/office/powerpoint/2015/main" val="1"/>
+              </p:ext>
+            </p:extLst>
+          </p:nvPr>
+        </p:nvSpPr>
+        <p:spPr>
+          <a:xfrm>
+            <a:off x="0" y="0"/>
+            <a:ext cx="12192000" cy="2306695"/>
+          </a:xfrm>
+          <a:prstGeom prst="rect">
+            <a:avLst/>
+          </a:prstGeom>
+          <a:solidFill>
+            <a:schemeClr val="tx2">
+              <a:lumMod val="50000"/>
+            </a:schemeClr>
+          </a:solidFill>
+          <a:ln>
+            <a:noFill/>
+          </a:ln>
+          <a:effectLst/>
+        </p:spPr>
+        <p:style>
+          <a:lnRef idx="1">
+            <a:schemeClr val="accent1"/>
+          </a:lnRef>
+          <a:fillRef idx="3">
+            <a:schemeClr val="accent1"/>
+          </a:fillRef>
+          <a:effectRef idx="2">
+            <a:schemeClr val="accent1"/>
+          </a:effectRef>
+          <a:fontRef idx="minor">
+            <a:schemeClr val="lt1"/>
+          </a:fontRef>
+        </p:style>
+      </p:sp>
+      <p:sp>
+        <p:nvSpPr>
+          <p:cNvPr id="2" name="Title 1">
+            <a:extLst>
+              <a:ext uri="{FF2B5EF4-FFF2-40B4-BE49-F238E27FC236}">
+                <a16:creationId xmlns="" xmlns:a16="http://schemas.microsoft.com/office/drawing/2014/main" id="{938C7F7E-8CB2-47D8-95C9-439ED4C84A5C}"/>
+              </a:ext>
+            </a:extLst>
+          </p:cNvPr>
+          <p:cNvSpPr>
+            <a:spLocks noGrp="1"/>
+          </p:cNvSpPr>
+          <p:nvPr>
+            <p:ph type="title"/>
+          </p:nvPr>
+        </p:nvSpPr>
+        <p:spPr>
+          <a:xfrm>
+            <a:off x="1843391" y="624110"/>
+            <a:ext cx="9383408" cy="1280890"/>
+          </a:xfrm>
+        </p:spPr>
+        <p:txBody>
+          <a:bodyPr>
+            <a:normAutofit/>
+          </a:bodyPr>
+          <a:lstStyle/>
+          <a:p>
+            <a:r>
+              <a:rPr lang="en-GB" b="1" dirty="0" smtClean="0">
+                <a:solidFill>
+                  <a:srgbClr val="FFFFFF"/>
+                </a:solidFill>
+              </a:rPr>
+              <a:t>7</a:t>
+            </a:r>
+            <a:r>
+              <a:rPr lang="en-GB" b="1" dirty="0" smtClean="0">
+                <a:solidFill>
+                  <a:srgbClr val="FFFFFF"/>
+                </a:solidFill>
+              </a:rPr>
+              <a:t>. </a:t>
+            </a:r>
+            <a:r>
+              <a:rPr lang="en-GB" b="1" dirty="0">
+                <a:solidFill>
+                  <a:srgbClr val="FFFFFF"/>
+                </a:solidFill>
+              </a:rPr>
+              <a:t>TARGET AUDIENCE </a:t>
+            </a:r>
+            <a:endParaRPr lang="x-none" b="1" dirty="0">
+              <a:solidFill>
+                <a:srgbClr val="FFFFFF"/>
+              </a:solidFill>
+            </a:endParaRPr>
+          </a:p>
+        </p:txBody>
+      </p:sp>
+      <p:sp>
+        <p:nvSpPr>
+          <p:cNvPr id="12" name="Freeform 11">
+            <a:extLst>
+              <a:ext uri="{FF2B5EF4-FFF2-40B4-BE49-F238E27FC236}">
+                <a16:creationId xmlns="" xmlns:a16="http://schemas.microsoft.com/office/drawing/2014/main" id="{179B5294-DA4E-4926-B14A-DD6E07A12F67}"/>
+              </a:ext>
+              <a:ext uri="{C183D7F6-B498-43B3-948B-1728B52AA6E4}">
+                <adec:decorative xmlns="" xmlns:adec="http://schemas.microsoft.com/office/drawing/2017/decorative" val="1"/>
+              </a:ext>
+            </a:extLst>
+          </p:cNvPr>
+          <p:cNvSpPr>
+            <a:spLocks noGrp="1" noRot="1" noChangeAspect="1" noMove="1" noResize="1" noEditPoints="1" noAdjustHandles="1" noChangeArrowheads="1" noChangeShapeType="1" noTextEdit="1"/>
+          </p:cNvSpPr>
+          <p:nvPr>
+            <p:extLst>
+              <p:ext uri="{386F3935-93C4-4BCD-93E2-E3B085C9AB24}">
+                <p16:designElem xmlns="" xmlns:p16="http://schemas.microsoft.com/office/powerpoint/2015/main" val="1"/>
+              </p:ext>
+            </p:extLst>
+          </p:nvPr>
+        </p:nvSpPr>
+        <p:spPr bwMode="auto">
+          <a:xfrm flipV="1">
+            <a:off x="-4189" y="714375"/>
+            <a:ext cx="1588527" cy="507297"/>
+          </a:xfrm>
+          <a:custGeom>
+            <a:avLst/>
+            <a:gdLst/>
+            <a:ahLst/>
+            <a:cxnLst/>
+            <a:rect l="l" t="t" r="r" b="b"/>
+            <a:pathLst>
+              <a:path w="9248" h="10000">
+                <a:moveTo>
+                  <a:pt x="9248" y="4701"/>
+                </a:moveTo>
+                <a:lnTo>
+                  <a:pt x="7915" y="188"/>
+                </a:lnTo>
+                <a:cubicBezTo>
+                  <a:pt x="7906" y="156"/>
+                  <a:pt x="7895" y="126"/>
+                  <a:pt x="7886" y="94"/>
+                </a:cubicBezTo>
+                <a:cubicBezTo>
+                  <a:pt x="7859" y="0"/>
+                  <a:pt x="7831" y="0"/>
+                  <a:pt x="7803" y="0"/>
+                </a:cubicBezTo>
+                <a:lnTo>
+                  <a:pt x="7275" y="0"/>
+                </a:lnTo>
+                <a:lnTo>
+                  <a:pt x="0" y="70"/>
+                </a:lnTo>
+                <a:cubicBezTo>
+                  <a:pt x="8" y="3380"/>
+                  <a:pt x="17" y="6690"/>
+                  <a:pt x="25" y="10000"/>
+                </a:cubicBezTo>
+                <a:lnTo>
+                  <a:pt x="7275" y="9966"/>
+                </a:lnTo>
+                <a:lnTo>
+                  <a:pt x="7803" y="9966"/>
+                </a:lnTo>
+                <a:cubicBezTo>
+                  <a:pt x="7831" y="9966"/>
+                  <a:pt x="7859" y="9872"/>
+                  <a:pt x="7886" y="9872"/>
+                </a:cubicBezTo>
+                <a:cubicBezTo>
+                  <a:pt x="7886" y="9778"/>
+                  <a:pt x="7915" y="9778"/>
+                  <a:pt x="7915" y="9778"/>
+                </a:cubicBezTo>
+                <a:lnTo>
+                  <a:pt x="9248" y="5265"/>
+                </a:lnTo>
+                <a:cubicBezTo>
+                  <a:pt x="9303" y="5077"/>
+                  <a:pt x="9303" y="4889"/>
+                  <a:pt x="9248" y="4701"/>
+                </a:cubicBezTo>
+                <a:close/>
+              </a:path>
+            </a:pathLst>
+          </a:custGeom>
+          <a:solidFill>
+            <a:schemeClr val="accent1"/>
+          </a:solidFill>
+          <a:ln>
+            <a:noFill/>
+          </a:ln>
+        </p:spPr>
+      </p:sp>
+      <p:graphicFrame>
+        <p:nvGraphicFramePr>
+          <p:cNvPr id="7" name="Content Placeholder 6"/>
+          <p:cNvGraphicFramePr>
+            <a:graphicFrameLocks noGrp="1"/>
+          </p:cNvGraphicFramePr>
+          <p:nvPr>
+            <p:ph idx="1"/>
+          </p:nvPr>
+        </p:nvGraphicFramePr>
+        <p:xfrm>
+          <a:off x="348342" y="2410623"/>
+          <a:ext cx="11292113" cy="4223657"/>
+        </p:xfrm>
+        <a:graphic>
+          <a:graphicData uri="http://schemas.openxmlformats.org/drawingml/2006/diagram">
+            <dgm:relIds xmlns:dgm="http://schemas.openxmlformats.org/drawingml/2006/diagram" xmlns:r="http://schemas.openxmlformats.org/officeDocument/2006/relationships" r:dm="rId2" r:lo="rId3" r:qs="rId4" r:cs="rId5"/>
+          </a:graphicData>
+        </a:graphic>
+      </p:graphicFrame>
+    </p:spTree>
+    <p:extLst>
+      <p:ext uri="{BB962C8B-B14F-4D97-AF65-F5344CB8AC3E}">
+        <p14:creationId xmlns="" xmlns:p14="http://schemas.microsoft.com/office/powerpoint/2010/main" val="245502956"/>
+      </p:ext>
+    </p:extLst>
+  </p:cSld>
+  <p:clrMapOvr>
+    <a:masterClrMapping/>
+  </p:clrMapOvr>
+  <p:transition spd="med">
+    <p:pull dir="d"/>
+  </p:transition>
+  <p:timing>
+    <p:tnLst>
+      <p:par>
+        <p:cTn id="1" dur="indefinite" restart="never" nodeType="tmRoot"/>
+      </p:par>
+    </p:tnLst>
+  </p:timing>
+</p:sld>
+</file>
+
+<file path=ppt/slides/slide12.xml><?xml version="1.0" encoding="utf-8"?>
+<p:sld xmlns:a="http://schemas.openxmlformats.org/drawingml/2006/main" xmlns:r="http://schemas.openxmlformats.org/officeDocument/2006/relationships" xmlns:p="http://schemas.openxmlformats.org/presentationml/2006/main">
+  <p:cSld>
+    <p:spTree>
+      <p:nvGrpSpPr>
+        <p:cNvPr id="1" name=""/>
+        <p:cNvGrpSpPr/>
+        <p:nvPr/>
+      </p:nvGrpSpPr>
+      <p:grpSpPr>
+        <a:xfrm>
+          <a:off x="0" y="0"/>
+          <a:ext cx="0" cy="0"/>
+          <a:chOff x="0" y="0"/>
+          <a:chExt cx="0" cy="0"/>
+        </a:xfrm>
+      </p:grpSpPr>
+      <p:sp useBgFill="1">
+        <p:nvSpPr>
+          <p:cNvPr id="8" name="Rectangle 7">
+            <a:extLst>
+              <a:ext uri="{FF2B5EF4-FFF2-40B4-BE49-F238E27FC236}">
+                <a16:creationId xmlns="" xmlns:a16="http://schemas.microsoft.com/office/drawing/2014/main" id="{3A3C2D7E-3F2E-404E-9B30-CB12DC972D50}"/>
+              </a:ext>
+              <a:ext uri="{C183D7F6-B498-43B3-948B-1728B52AA6E4}">
+                <adec:decorative xmlns="" xmlns:adec="http://schemas.microsoft.com/office/drawing/2017/decorative" val="1"/>
+              </a:ext>
+            </a:extLst>
+          </p:cNvPr>
+          <p:cNvSpPr>
+            <a:spLocks noGrp="1" noRot="1" noChangeAspect="1" noMove="1" noResize="1" noEditPoints="1" noAdjustHandles="1" noChangeArrowheads="1" noChangeShapeType="1" noTextEdit="1"/>
+          </p:cNvSpPr>
+          <p:nvPr>
+            <p:extLst>
+              <p:ext uri="{386F3935-93C4-4BCD-93E2-E3B085C9AB24}">
+                <p16:designElem xmlns="" xmlns:p16="http://schemas.microsoft.com/office/powerpoint/2015/main" val="1"/>
+              </p:ext>
+            </p:extLst>
+          </p:nvPr>
+        </p:nvSpPr>
+        <p:spPr>
+          <a:xfrm>
+            <a:off x="1" y="0"/>
+            <a:ext cx="12192000" cy="6858000"/>
+          </a:xfrm>
+          <a:prstGeom prst="rect">
+            <a:avLst/>
+          </a:prstGeom>
+          <a:ln>
+            <a:noFill/>
+          </a:ln>
+        </p:spPr>
+        <p:style>
+          <a:lnRef idx="2">
+            <a:schemeClr val="accent1">
+              <a:shade val="50000"/>
+            </a:schemeClr>
+          </a:lnRef>
+          <a:fillRef idx="1">
+            <a:schemeClr val="accent1"/>
+          </a:fillRef>
+          <a:effectRef idx="0">
+            <a:schemeClr val="accent1"/>
+          </a:effectRef>
+          <a:fontRef idx="minor">
+            <a:schemeClr val="lt1"/>
+          </a:fontRef>
+        </p:style>
+        <p:txBody>
+          <a:bodyPr rtlCol="0" anchor="ctr"/>
+          <a:lstStyle/>
+          <a:p>
+            <a:pPr algn="ctr"/>
+            <a:endParaRPr lang="en-US"/>
+          </a:p>
+        </p:txBody>
+      </p:sp>
+      <p:sp>
+        <p:nvSpPr>
+          <p:cNvPr id="10" name="Rectangle 9">
+            <a:extLst>
+              <a:ext uri="{FF2B5EF4-FFF2-40B4-BE49-F238E27FC236}">
+                <a16:creationId xmlns="" xmlns:a16="http://schemas.microsoft.com/office/drawing/2014/main" id="{F1F7FD00-BF97-4325-B7C2-E451F20840A7}"/>
+              </a:ext>
+              <a:ext uri="{C183D7F6-B498-43B3-948B-1728B52AA6E4}">
+                <adec:decorative xmlns="" xmlns:adec="http://schemas.microsoft.com/office/drawing/2017/decorative" val="1"/>
+              </a:ext>
+            </a:extLst>
+          </p:cNvPr>
+          <p:cNvSpPr>
+            <a:spLocks noGrp="1" noRot="1" noChangeAspect="1" noMove="1" noResize="1" noEditPoints="1" noAdjustHandles="1" noChangeArrowheads="1" noChangeShapeType="1" noTextEdit="1"/>
+          </p:cNvSpPr>
+          <p:nvPr>
+            <p:extLst>
+              <p:ext uri="{386F3935-93C4-4BCD-93E2-E3B085C9AB24}">
+                <p16:designElem xmlns="" xmlns:p16="http://schemas.microsoft.com/office/powerpoint/2015/main" val="1"/>
+              </p:ext>
+            </p:extLst>
+          </p:nvPr>
+        </p:nvSpPr>
+        <p:spPr>
+          <a:xfrm>
+            <a:off x="0" y="0"/>
+            <a:ext cx="12192000" cy="2306695"/>
+          </a:xfrm>
+          <a:prstGeom prst="rect">
+            <a:avLst/>
+          </a:prstGeom>
+          <a:solidFill>
+            <a:schemeClr val="tx2">
+              <a:lumMod val="50000"/>
+            </a:schemeClr>
+          </a:solidFill>
+          <a:ln>
+            <a:noFill/>
+          </a:ln>
+          <a:effectLst/>
+        </p:spPr>
+        <p:style>
+          <a:lnRef idx="1">
+            <a:schemeClr val="accent1"/>
+          </a:lnRef>
+          <a:fillRef idx="3">
+            <a:schemeClr val="accent1"/>
+          </a:fillRef>
+          <a:effectRef idx="2">
+            <a:schemeClr val="accent1"/>
+          </a:effectRef>
+          <a:fontRef idx="minor">
+            <a:schemeClr val="lt1"/>
+          </a:fontRef>
+        </p:style>
+      </p:sp>
+      <p:sp>
+        <p:nvSpPr>
+          <p:cNvPr id="2" name="Title 1">
+            <a:extLst>
+              <a:ext uri="{FF2B5EF4-FFF2-40B4-BE49-F238E27FC236}">
+                <a16:creationId xmlns="" xmlns:a16="http://schemas.microsoft.com/office/drawing/2014/main" id="{3B8A4B89-B2B3-4944-A853-1D91B1B61CA4}"/>
+              </a:ext>
+            </a:extLst>
+          </p:cNvPr>
+          <p:cNvSpPr>
+            <a:spLocks noGrp="1"/>
+          </p:cNvSpPr>
+          <p:nvPr>
+            <p:ph type="title"/>
+          </p:nvPr>
+        </p:nvSpPr>
+        <p:spPr>
+          <a:xfrm>
+            <a:off x="1843391" y="624110"/>
+            <a:ext cx="9383408" cy="1280890"/>
+          </a:xfrm>
+        </p:spPr>
+        <p:txBody>
+          <a:bodyPr>
+            <a:normAutofit/>
+          </a:bodyPr>
+          <a:lstStyle/>
+          <a:p>
+            <a:r>
+              <a:rPr lang="en-GB" b="1" dirty="0">
+                <a:solidFill>
+                  <a:srgbClr val="FFFFFF"/>
+                </a:solidFill>
+              </a:rPr>
+              <a:t>8</a:t>
+            </a:r>
+            <a:r>
+              <a:rPr lang="en-GB" b="1" dirty="0" smtClean="0">
+                <a:solidFill>
+                  <a:srgbClr val="FFFFFF"/>
+                </a:solidFill>
+              </a:rPr>
+              <a:t>. </a:t>
+            </a:r>
+            <a:r>
+              <a:rPr lang="en-GB" b="1" dirty="0">
+                <a:solidFill>
+                  <a:srgbClr val="FFFFFF"/>
+                </a:solidFill>
+              </a:rPr>
+              <a:t>EXISTING SYSTEM</a:t>
+            </a:r>
+            <a:endParaRPr lang="x-none" b="1" dirty="0">
+              <a:solidFill>
+                <a:srgbClr val="FFFFFF"/>
+              </a:solidFill>
+            </a:endParaRPr>
+          </a:p>
+        </p:txBody>
+      </p:sp>
+      <p:sp>
+        <p:nvSpPr>
+          <p:cNvPr id="12" name="Freeform 11">
+            <a:extLst>
+              <a:ext uri="{FF2B5EF4-FFF2-40B4-BE49-F238E27FC236}">
+                <a16:creationId xmlns="" xmlns:a16="http://schemas.microsoft.com/office/drawing/2014/main" id="{179B5294-DA4E-4926-B14A-DD6E07A12F67}"/>
+              </a:ext>
+              <a:ext uri="{C183D7F6-B498-43B3-948B-1728B52AA6E4}">
+                <adec:decorative xmlns="" xmlns:adec="http://schemas.microsoft.com/office/drawing/2017/decorative" val="1"/>
+              </a:ext>
+            </a:extLst>
+          </p:cNvPr>
+          <p:cNvSpPr>
+            <a:spLocks noGrp="1" noRot="1" noChangeAspect="1" noMove="1" noResize="1" noEditPoints="1" noAdjustHandles="1" noChangeArrowheads="1" noChangeShapeType="1" noTextEdit="1"/>
+          </p:cNvSpPr>
+          <p:nvPr>
+            <p:extLst>
+              <p:ext uri="{386F3935-93C4-4BCD-93E2-E3B085C9AB24}">
+                <p16:designElem xmlns="" xmlns:p16="http://schemas.microsoft.com/office/powerpoint/2015/main" val="1"/>
+              </p:ext>
+            </p:extLst>
+          </p:nvPr>
+        </p:nvSpPr>
+        <p:spPr bwMode="auto">
+          <a:xfrm flipV="1">
+            <a:off x="-4189" y="714375"/>
+            <a:ext cx="1588527" cy="507297"/>
+          </a:xfrm>
+          <a:custGeom>
+            <a:avLst/>
+            <a:gdLst/>
+            <a:ahLst/>
+            <a:cxnLst/>
+            <a:rect l="l" t="t" r="r" b="b"/>
+            <a:pathLst>
+              <a:path w="9248" h="10000">
+                <a:moveTo>
+                  <a:pt x="9248" y="4701"/>
+                </a:moveTo>
+                <a:lnTo>
+                  <a:pt x="7915" y="188"/>
+                </a:lnTo>
+                <a:cubicBezTo>
+                  <a:pt x="7906" y="156"/>
+                  <a:pt x="7895" y="126"/>
+                  <a:pt x="7886" y="94"/>
+                </a:cubicBezTo>
+                <a:cubicBezTo>
+                  <a:pt x="7859" y="0"/>
+                  <a:pt x="7831" y="0"/>
+                  <a:pt x="7803" y="0"/>
+                </a:cubicBezTo>
+                <a:lnTo>
+                  <a:pt x="7275" y="0"/>
+                </a:lnTo>
+                <a:lnTo>
+                  <a:pt x="0" y="70"/>
+                </a:lnTo>
+                <a:cubicBezTo>
+                  <a:pt x="8" y="3380"/>
+                  <a:pt x="17" y="6690"/>
+                  <a:pt x="25" y="10000"/>
+                </a:cubicBezTo>
+                <a:lnTo>
+                  <a:pt x="7275" y="9966"/>
+                </a:lnTo>
+                <a:lnTo>
+                  <a:pt x="7803" y="9966"/>
+                </a:lnTo>
+                <a:cubicBezTo>
+                  <a:pt x="7831" y="9966"/>
+                  <a:pt x="7859" y="9872"/>
+                  <a:pt x="7886" y="9872"/>
+                </a:cubicBezTo>
+                <a:cubicBezTo>
+                  <a:pt x="7886" y="9778"/>
+                  <a:pt x="7915" y="9778"/>
+                  <a:pt x="7915" y="9778"/>
+                </a:cubicBezTo>
+                <a:lnTo>
+                  <a:pt x="9248" y="5265"/>
+                </a:lnTo>
+                <a:cubicBezTo>
+                  <a:pt x="9303" y="5077"/>
+                  <a:pt x="9303" y="4889"/>
+                  <a:pt x="9248" y="4701"/>
+                </a:cubicBezTo>
+                <a:close/>
+              </a:path>
+            </a:pathLst>
+          </a:custGeom>
+          <a:solidFill>
+            <a:schemeClr val="accent1"/>
+          </a:solidFill>
+          <a:ln>
+            <a:noFill/>
+          </a:ln>
+        </p:spPr>
+      </p:sp>
+      <p:graphicFrame>
+        <p:nvGraphicFramePr>
+          <p:cNvPr id="9" name="Content Placeholder 8"/>
+          <p:cNvGraphicFramePr>
+            <a:graphicFrameLocks noGrp="1"/>
+          </p:cNvGraphicFramePr>
+          <p:nvPr>
+            <p:ph idx="1"/>
+          </p:nvPr>
+        </p:nvGraphicFramePr>
+        <p:xfrm>
+          <a:off x="3060701" y="2587925"/>
+          <a:ext cx="5486399" cy="3881885"/>
+        </p:xfrm>
+        <a:graphic>
+          <a:graphicData uri="http://schemas.openxmlformats.org/drawingml/2006/diagram">
+            <dgm:relIds xmlns:dgm="http://schemas.openxmlformats.org/drawingml/2006/diagram" xmlns:r="http://schemas.openxmlformats.org/officeDocument/2006/relationships" r:dm="rId2" r:lo="rId3" r:qs="rId4" r:cs="rId5"/>
+          </a:graphicData>
+        </a:graphic>
+      </p:graphicFrame>
+    </p:spTree>
+    <p:extLst>
+      <p:ext uri="{BB962C8B-B14F-4D97-AF65-F5344CB8AC3E}">
+        <p14:creationId xmlns="" xmlns:p14="http://schemas.microsoft.com/office/powerpoint/2010/main" val="890898475"/>
+      </p:ext>
+    </p:extLst>
+  </p:cSld>
+  <p:clrMapOvr>
+    <a:masterClrMapping/>
+  </p:clrMapOvr>
+  <p:transition spd="med">
+    <p:pull dir="d"/>
+  </p:transition>
+  <p:timing>
+    <p:tnLst>
+      <p:par>
+        <p:cTn id="1" dur="indefinite" restart="never" nodeType="tmRoot"/>
+      </p:par>
+    </p:tnLst>
+  </p:timing>
+</p:sld>
+</file>
+
+<file path=ppt/slides/slide13.xml><?xml version="1.0" encoding="utf-8"?>
+<p:sld xmlns:a="http://schemas.openxmlformats.org/drawingml/2006/main" xmlns:r="http://schemas.openxmlformats.org/officeDocument/2006/relationships" xmlns:p="http://schemas.openxmlformats.org/presentationml/2006/main">
+  <p:cSld>
+    <p:spTree>
+      <p:nvGrpSpPr>
+        <p:cNvPr id="1" name=""/>
+        <p:cNvGrpSpPr/>
+        <p:nvPr/>
+      </p:nvGrpSpPr>
+      <p:grpSpPr>
+        <a:xfrm>
+          <a:off x="0" y="0"/>
+          <a:ext cx="0" cy="0"/>
+          <a:chOff x="0" y="0"/>
+          <a:chExt cx="0" cy="0"/>
+        </a:xfrm>
+      </p:grpSpPr>
+      <p:sp useBgFill="1">
+        <p:nvSpPr>
+          <p:cNvPr id="8" name="Rectangle 7">
+            <a:extLst>
+              <a:ext uri="{FF2B5EF4-FFF2-40B4-BE49-F238E27FC236}">
+                <a16:creationId xmlns="" xmlns:a16="http://schemas.microsoft.com/office/drawing/2014/main" id="{3A3C2D7E-3F2E-404E-9B30-CB12DC972D50}"/>
+              </a:ext>
+              <a:ext uri="{C183D7F6-B498-43B3-948B-1728B52AA6E4}">
+                <adec:decorative xmlns="" xmlns:adec="http://schemas.microsoft.com/office/drawing/2017/decorative" val="1"/>
+              </a:ext>
+            </a:extLst>
+          </p:cNvPr>
+          <p:cNvSpPr>
+            <a:spLocks noGrp="1" noRot="1" noChangeAspect="1" noMove="1" noResize="1" noEditPoints="1" noAdjustHandles="1" noChangeArrowheads="1" noChangeShapeType="1" noTextEdit="1"/>
+          </p:cNvSpPr>
+          <p:nvPr>
+            <p:extLst>
+              <p:ext uri="{386F3935-93C4-4BCD-93E2-E3B085C9AB24}">
+                <p16:designElem xmlns="" xmlns:p16="http://schemas.microsoft.com/office/powerpoint/2015/main" val="1"/>
+              </p:ext>
+            </p:extLst>
+          </p:nvPr>
+        </p:nvSpPr>
+        <p:spPr>
+          <a:xfrm>
+            <a:off x="1" y="0"/>
+            <a:ext cx="12192000" cy="6858000"/>
+          </a:xfrm>
+          <a:prstGeom prst="rect">
+            <a:avLst/>
+          </a:prstGeom>
+          <a:ln>
+            <a:noFill/>
+          </a:ln>
+        </p:spPr>
+        <p:style>
+          <a:lnRef idx="2">
+            <a:schemeClr val="accent1">
+              <a:shade val="50000"/>
+            </a:schemeClr>
+          </a:lnRef>
+          <a:fillRef idx="1">
+            <a:schemeClr val="accent1"/>
+          </a:fillRef>
+          <a:effectRef idx="0">
+            <a:schemeClr val="accent1"/>
+          </a:effectRef>
+          <a:fontRef idx="minor">
+            <a:schemeClr val="lt1"/>
+          </a:fontRef>
+        </p:style>
+        <p:txBody>
+          <a:bodyPr rtlCol="0" anchor="ctr"/>
+          <a:lstStyle/>
+          <a:p>
+            <a:pPr algn="ctr"/>
+            <a:endParaRPr lang="en-US"/>
+          </a:p>
+        </p:txBody>
+      </p:sp>
+      <p:sp>
+        <p:nvSpPr>
+          <p:cNvPr id="10" name="Rectangle 9">
+            <a:extLst>
+              <a:ext uri="{FF2B5EF4-FFF2-40B4-BE49-F238E27FC236}">
+                <a16:creationId xmlns="" xmlns:a16="http://schemas.microsoft.com/office/drawing/2014/main" id="{F1F7FD00-BF97-4325-B7C2-E451F20840A7}"/>
+              </a:ext>
+              <a:ext uri="{C183D7F6-B498-43B3-948B-1728B52AA6E4}">
+                <adec:decorative xmlns="" xmlns:adec="http://schemas.microsoft.com/office/drawing/2017/decorative" val="1"/>
+              </a:ext>
+            </a:extLst>
+          </p:cNvPr>
+          <p:cNvSpPr>
+            <a:spLocks noGrp="1" noRot="1" noChangeAspect="1" noMove="1" noResize="1" noEditPoints="1" noAdjustHandles="1" noChangeArrowheads="1" noChangeShapeType="1" noTextEdit="1"/>
+          </p:cNvSpPr>
+          <p:nvPr>
+            <p:extLst>
+              <p:ext uri="{386F3935-93C4-4BCD-93E2-E3B085C9AB24}">
+                <p16:designElem xmlns="" xmlns:p16="http://schemas.microsoft.com/office/powerpoint/2015/main" val="1"/>
+              </p:ext>
+            </p:extLst>
+          </p:nvPr>
+        </p:nvSpPr>
+        <p:spPr>
+          <a:xfrm>
+            <a:off x="0" y="0"/>
+            <a:ext cx="12192000" cy="2306695"/>
+          </a:xfrm>
+          <a:prstGeom prst="rect">
+            <a:avLst/>
+          </a:prstGeom>
+          <a:solidFill>
+            <a:schemeClr val="tx2">
+              <a:lumMod val="50000"/>
+            </a:schemeClr>
+          </a:solidFill>
+          <a:ln>
+            <a:noFill/>
+          </a:ln>
+          <a:effectLst/>
+        </p:spPr>
+        <p:style>
+          <a:lnRef idx="1">
+            <a:schemeClr val="accent1"/>
+          </a:lnRef>
+          <a:fillRef idx="3">
+            <a:schemeClr val="accent1"/>
+          </a:fillRef>
+          <a:effectRef idx="2">
+            <a:schemeClr val="accent1"/>
+          </a:effectRef>
+          <a:fontRef idx="minor">
+            <a:schemeClr val="lt1"/>
+          </a:fontRef>
+        </p:style>
+      </p:sp>
+      <p:sp>
+        <p:nvSpPr>
+          <p:cNvPr id="2" name="Title 1">
+            <a:extLst>
+              <a:ext uri="{FF2B5EF4-FFF2-40B4-BE49-F238E27FC236}">
+                <a16:creationId xmlns="" xmlns:a16="http://schemas.microsoft.com/office/drawing/2014/main" id="{3B8A4B89-B2B3-4944-A853-1D91B1B61CA4}"/>
+              </a:ext>
+            </a:extLst>
+          </p:cNvPr>
+          <p:cNvSpPr>
+            <a:spLocks noGrp="1"/>
+          </p:cNvSpPr>
+          <p:nvPr>
+            <p:ph type="title"/>
+          </p:nvPr>
+        </p:nvSpPr>
+        <p:spPr>
+          <a:xfrm>
+            <a:off x="1843391" y="624110"/>
+            <a:ext cx="9383408" cy="1280890"/>
+          </a:xfrm>
+        </p:spPr>
+        <p:txBody>
+          <a:bodyPr>
+            <a:normAutofit/>
+          </a:bodyPr>
+          <a:lstStyle/>
+          <a:p>
+            <a:r>
+              <a:rPr lang="en-GB" b="1" dirty="0">
+                <a:solidFill>
+                  <a:srgbClr val="FFFFFF"/>
+                </a:solidFill>
+              </a:rPr>
+              <a:t>9</a:t>
+            </a:r>
+            <a:r>
+              <a:rPr lang="en-GB" b="1" dirty="0" smtClean="0">
+                <a:solidFill>
+                  <a:srgbClr val="FFFFFF"/>
+                </a:solidFill>
+              </a:rPr>
+              <a:t>. </a:t>
+            </a:r>
+            <a:r>
+              <a:rPr lang="en-GB" b="1" dirty="0">
+                <a:solidFill>
+                  <a:srgbClr val="FFFFFF"/>
+                </a:solidFill>
+              </a:rPr>
+              <a:t>EXISTING SYSTEM</a:t>
+            </a:r>
+            <a:endParaRPr lang="x-none" b="1" dirty="0">
+              <a:solidFill>
+                <a:srgbClr val="FFFFFF"/>
+              </a:solidFill>
+            </a:endParaRPr>
+          </a:p>
+        </p:txBody>
+      </p:sp>
+      <p:sp>
+        <p:nvSpPr>
+          <p:cNvPr id="12" name="Freeform 11">
+            <a:extLst>
+              <a:ext uri="{FF2B5EF4-FFF2-40B4-BE49-F238E27FC236}">
+                <a16:creationId xmlns="" xmlns:a16="http://schemas.microsoft.com/office/drawing/2014/main" id="{179B5294-DA4E-4926-B14A-DD6E07A12F67}"/>
+              </a:ext>
+              <a:ext uri="{C183D7F6-B498-43B3-948B-1728B52AA6E4}">
+                <adec:decorative xmlns="" xmlns:adec="http://schemas.microsoft.com/office/drawing/2017/decorative" val="1"/>
+              </a:ext>
+            </a:extLst>
+          </p:cNvPr>
+          <p:cNvSpPr>
+            <a:spLocks noGrp="1" noRot="1" noChangeAspect="1" noMove="1" noResize="1" noEditPoints="1" noAdjustHandles="1" noChangeArrowheads="1" noChangeShapeType="1" noTextEdit="1"/>
+          </p:cNvSpPr>
+          <p:nvPr>
+            <p:extLst>
+              <p:ext uri="{386F3935-93C4-4BCD-93E2-E3B085C9AB24}">
+                <p16:designElem xmlns="" xmlns:p16="http://schemas.microsoft.com/office/powerpoint/2015/main" val="1"/>
+              </p:ext>
+            </p:extLst>
+          </p:nvPr>
+        </p:nvSpPr>
+        <p:spPr bwMode="auto">
+          <a:xfrm flipV="1">
+            <a:off x="-4189" y="714375"/>
+            <a:ext cx="1588527" cy="507297"/>
+          </a:xfrm>
+          <a:custGeom>
+            <a:avLst/>
+            <a:gdLst/>
+            <a:ahLst/>
+            <a:cxnLst/>
+            <a:rect l="l" t="t" r="r" b="b"/>
+            <a:pathLst>
+              <a:path w="9248" h="10000">
+                <a:moveTo>
+                  <a:pt x="9248" y="4701"/>
+                </a:moveTo>
+                <a:lnTo>
+                  <a:pt x="7915" y="188"/>
+                </a:lnTo>
+                <a:cubicBezTo>
+                  <a:pt x="7906" y="156"/>
+                  <a:pt x="7895" y="126"/>
+                  <a:pt x="7886" y="94"/>
+                </a:cubicBezTo>
+                <a:cubicBezTo>
+                  <a:pt x="7859" y="0"/>
+                  <a:pt x="7831" y="0"/>
+                  <a:pt x="7803" y="0"/>
+                </a:cubicBezTo>
+                <a:lnTo>
+                  <a:pt x="7275" y="0"/>
+                </a:lnTo>
+                <a:lnTo>
+                  <a:pt x="0" y="70"/>
+                </a:lnTo>
+                <a:cubicBezTo>
+                  <a:pt x="8" y="3380"/>
+                  <a:pt x="17" y="6690"/>
+                  <a:pt x="25" y="10000"/>
+                </a:cubicBezTo>
+                <a:lnTo>
+                  <a:pt x="7275" y="9966"/>
+                </a:lnTo>
+                <a:lnTo>
+                  <a:pt x="7803" y="9966"/>
+                </a:lnTo>
+                <a:cubicBezTo>
+                  <a:pt x="7831" y="9966"/>
+                  <a:pt x="7859" y="9872"/>
+                  <a:pt x="7886" y="9872"/>
+                </a:cubicBezTo>
+                <a:cubicBezTo>
+                  <a:pt x="7886" y="9778"/>
+                  <a:pt x="7915" y="9778"/>
+                  <a:pt x="7915" y="9778"/>
+                </a:cubicBezTo>
+                <a:lnTo>
+                  <a:pt x="9248" y="5265"/>
+                </a:lnTo>
+                <a:cubicBezTo>
+                  <a:pt x="9303" y="5077"/>
+                  <a:pt x="9303" y="4889"/>
+                  <a:pt x="9248" y="4701"/>
+                </a:cubicBezTo>
+                <a:close/>
+              </a:path>
+            </a:pathLst>
+          </a:custGeom>
+          <a:solidFill>
+            <a:schemeClr val="accent1"/>
+          </a:solidFill>
+          <a:ln>
+            <a:noFill/>
+          </a:ln>
+        </p:spPr>
+      </p:sp>
+      <p:pic>
+        <p:nvPicPr>
+          <p:cNvPr id="11" name="Content Placeholder 6" descr="Capture.PNG"/>
+          <p:cNvPicPr>
+            <a:picLocks noGrp="1" noChangeAspect="1"/>
+          </p:cNvPicPr>
+          <p:nvPr>
+            <p:ph idx="1"/>
+          </p:nvPr>
+        </p:nvPicPr>
+        <p:blipFill>
+          <a:blip r:embed="rId2"/>
+          <a:stretch>
+            <a:fillRect/>
+          </a:stretch>
+        </p:blipFill>
+        <p:spPr>
+          <a:xfrm>
+            <a:off x="0" y="1308539"/>
+            <a:ext cx="12191999" cy="5549462"/>
+          </a:xfrm>
+        </p:spPr>
+      </p:pic>
+    </p:spTree>
+    <p:extLst>
+      <p:ext uri="{BB962C8B-B14F-4D97-AF65-F5344CB8AC3E}">
+        <p14:creationId xmlns="" xmlns:p14="http://schemas.microsoft.com/office/powerpoint/2010/main" val="890898475"/>
+      </p:ext>
+    </p:extLst>
+  </p:cSld>
+  <p:clrMapOvr>
+    <a:masterClrMapping/>
+  </p:clrMapOvr>
+  <p:transition spd="med">
+    <p:pull dir="d"/>
+  </p:transition>
+  <p:timing>
+    <p:tnLst>
+      <p:par>
+        <p:cTn id="1" dur="indefinite" restart="never" nodeType="tmRoot"/>
+      </p:par>
+    </p:tnLst>
+  </p:timing>
+</p:sld>
+</file>
+
+<file path=ppt/slides/slide14.xml><?xml version="1.0" encoding="utf-8"?>
+<p:sld xmlns:a="http://schemas.openxmlformats.org/drawingml/2006/main" xmlns:r="http://schemas.openxmlformats.org/officeDocument/2006/relationships" xmlns:p="http://schemas.openxmlformats.org/presentationml/2006/main">
+  <p:cSld>
+    <p:spTree>
+      <p:nvGrpSpPr>
+        <p:cNvPr id="1" name=""/>
+        <p:cNvGrpSpPr/>
+        <p:nvPr/>
+      </p:nvGrpSpPr>
+      <p:grpSpPr>
+        <a:xfrm>
+          <a:off x="0" y="0"/>
+          <a:ext cx="0" cy="0"/>
+          <a:chOff x="0" y="0"/>
+          <a:chExt cx="0" cy="0"/>
+        </a:xfrm>
+      </p:grpSpPr>
+      <p:sp useBgFill="1">
+        <p:nvSpPr>
+          <p:cNvPr id="8" name="Rectangle 7">
+            <a:extLst>
+              <a:ext uri="{FF2B5EF4-FFF2-40B4-BE49-F238E27FC236}">
+                <a16:creationId xmlns="" xmlns:a16="http://schemas.microsoft.com/office/drawing/2014/main" id="{3A3C2D7E-3F2E-404E-9B30-CB12DC972D50}"/>
+              </a:ext>
+              <a:ext uri="{C183D7F6-B498-43B3-948B-1728B52AA6E4}">
+                <adec:decorative xmlns="" xmlns:adec="http://schemas.microsoft.com/office/drawing/2017/decorative" val="1"/>
+              </a:ext>
+            </a:extLst>
+          </p:cNvPr>
+          <p:cNvSpPr>
+            <a:spLocks noGrp="1" noRot="1" noChangeAspect="1" noMove="1" noResize="1" noEditPoints="1" noAdjustHandles="1" noChangeArrowheads="1" noChangeShapeType="1" noTextEdit="1"/>
+          </p:cNvSpPr>
+          <p:nvPr>
+            <p:extLst>
+              <p:ext uri="{386F3935-93C4-4BCD-93E2-E3B085C9AB24}">
+                <p16:designElem xmlns="" xmlns:p16="http://schemas.microsoft.com/office/powerpoint/2015/main" val="1"/>
+              </p:ext>
+            </p:extLst>
+          </p:nvPr>
+        </p:nvSpPr>
+        <p:spPr>
+          <a:xfrm>
+            <a:off x="1" y="0"/>
+            <a:ext cx="12192000" cy="6858000"/>
+          </a:xfrm>
+          <a:prstGeom prst="rect">
+            <a:avLst/>
+          </a:prstGeom>
+          <a:ln>
+            <a:noFill/>
+          </a:ln>
+        </p:spPr>
+        <p:style>
+          <a:lnRef idx="2">
+            <a:schemeClr val="accent1">
+              <a:shade val="50000"/>
+            </a:schemeClr>
+          </a:lnRef>
+          <a:fillRef idx="1">
+            <a:schemeClr val="accent1"/>
+          </a:fillRef>
+          <a:effectRef idx="0">
+            <a:schemeClr val="accent1"/>
+          </a:effectRef>
+          <a:fontRef idx="minor">
+            <a:schemeClr val="lt1"/>
+          </a:fontRef>
+        </p:style>
+        <p:txBody>
+          <a:bodyPr rtlCol="0" anchor="ctr"/>
+          <a:lstStyle/>
+          <a:p>
+            <a:pPr algn="ctr"/>
+            <a:endParaRPr lang="en-US"/>
+          </a:p>
+        </p:txBody>
+      </p:sp>
+      <p:sp>
+        <p:nvSpPr>
+          <p:cNvPr id="10" name="Rectangle 9">
+            <a:extLst>
+              <a:ext uri="{FF2B5EF4-FFF2-40B4-BE49-F238E27FC236}">
+                <a16:creationId xmlns="" xmlns:a16="http://schemas.microsoft.com/office/drawing/2014/main" id="{F1F7FD00-BF97-4325-B7C2-E451F20840A7}"/>
+              </a:ext>
+              <a:ext uri="{C183D7F6-B498-43B3-948B-1728B52AA6E4}">
+                <adec:decorative xmlns="" xmlns:adec="http://schemas.microsoft.com/office/drawing/2017/decorative" val="1"/>
+              </a:ext>
+            </a:extLst>
+          </p:cNvPr>
+          <p:cNvSpPr>
+            <a:spLocks noGrp="1" noRot="1" noChangeAspect="1" noMove="1" noResize="1" noEditPoints="1" noAdjustHandles="1" noChangeArrowheads="1" noChangeShapeType="1" noTextEdit="1"/>
+          </p:cNvSpPr>
+          <p:nvPr>
+            <p:extLst>
+              <p:ext uri="{386F3935-93C4-4BCD-93E2-E3B085C9AB24}">
+                <p16:designElem xmlns="" xmlns:p16="http://schemas.microsoft.com/office/powerpoint/2015/main" val="1"/>
+              </p:ext>
+            </p:extLst>
+          </p:nvPr>
+        </p:nvSpPr>
+        <p:spPr>
+          <a:xfrm>
+            <a:off x="0" y="0"/>
+            <a:ext cx="12192000" cy="2306695"/>
+          </a:xfrm>
+          <a:prstGeom prst="rect">
+            <a:avLst/>
+          </a:prstGeom>
+          <a:solidFill>
+            <a:schemeClr val="tx2">
+              <a:lumMod val="50000"/>
+            </a:schemeClr>
+          </a:solidFill>
+          <a:ln>
+            <a:noFill/>
+          </a:ln>
+          <a:effectLst/>
+        </p:spPr>
+        <p:style>
+          <a:lnRef idx="1">
+            <a:schemeClr val="accent1"/>
+          </a:lnRef>
+          <a:fillRef idx="3">
+            <a:schemeClr val="accent1"/>
+          </a:fillRef>
+          <a:effectRef idx="2">
+            <a:schemeClr val="accent1"/>
+          </a:effectRef>
+          <a:fontRef idx="minor">
+            <a:schemeClr val="lt1"/>
+          </a:fontRef>
+        </p:style>
+      </p:sp>
+      <p:sp>
+        <p:nvSpPr>
+          <p:cNvPr id="2" name="Title 1">
+            <a:extLst>
+              <a:ext uri="{FF2B5EF4-FFF2-40B4-BE49-F238E27FC236}">
+                <a16:creationId xmlns="" xmlns:a16="http://schemas.microsoft.com/office/drawing/2014/main" id="{3B8A4B89-B2B3-4944-A853-1D91B1B61CA4}"/>
+              </a:ext>
+            </a:extLst>
+          </p:cNvPr>
+          <p:cNvSpPr>
+            <a:spLocks noGrp="1"/>
+          </p:cNvSpPr>
+          <p:nvPr>
+            <p:ph type="title"/>
+          </p:nvPr>
+        </p:nvSpPr>
+        <p:spPr>
+          <a:xfrm>
+            <a:off x="1843391" y="624110"/>
+            <a:ext cx="9383408" cy="1280890"/>
+          </a:xfrm>
+        </p:spPr>
+        <p:txBody>
+          <a:bodyPr>
+            <a:normAutofit/>
+          </a:bodyPr>
+          <a:lstStyle/>
+          <a:p>
+            <a:r>
+              <a:rPr lang="en-GB" b="1" dirty="0" smtClean="0">
+                <a:solidFill>
+                  <a:srgbClr val="FFFFFF"/>
+                </a:solidFill>
+              </a:rPr>
+              <a:t>10</a:t>
+            </a:r>
+            <a:r>
+              <a:rPr lang="en-GB" b="1" dirty="0" smtClean="0">
+                <a:solidFill>
+                  <a:srgbClr val="FFFFFF"/>
+                </a:solidFill>
+              </a:rPr>
+              <a:t>. </a:t>
+            </a:r>
+            <a:r>
+              <a:rPr lang="en-GB" b="1" dirty="0" smtClean="0">
+                <a:solidFill>
+                  <a:srgbClr val="FFFFFF"/>
+                </a:solidFill>
+              </a:rPr>
+              <a:t>DRAWBACKS OF EXISTING </a:t>
+            </a:r>
+            <a:r>
+              <a:rPr lang="en-GB" b="1" dirty="0">
+                <a:solidFill>
+                  <a:srgbClr val="FFFFFF"/>
+                </a:solidFill>
+              </a:rPr>
+              <a:t>SYSTEM</a:t>
+            </a:r>
+            <a:endParaRPr lang="x-none" b="1" dirty="0">
+              <a:solidFill>
+                <a:srgbClr val="FFFFFF"/>
+              </a:solidFill>
+            </a:endParaRPr>
+          </a:p>
+        </p:txBody>
+      </p:sp>
+      <p:sp>
+        <p:nvSpPr>
+          <p:cNvPr id="12" name="Freeform 11">
+            <a:extLst>
+              <a:ext uri="{FF2B5EF4-FFF2-40B4-BE49-F238E27FC236}">
+                <a16:creationId xmlns="" xmlns:a16="http://schemas.microsoft.com/office/drawing/2014/main" id="{179B5294-DA4E-4926-B14A-DD6E07A12F67}"/>
+              </a:ext>
+              <a:ext uri="{C183D7F6-B498-43B3-948B-1728B52AA6E4}">
+                <adec:decorative xmlns="" xmlns:adec="http://schemas.microsoft.com/office/drawing/2017/decorative" val="1"/>
+              </a:ext>
+            </a:extLst>
+          </p:cNvPr>
+          <p:cNvSpPr>
+            <a:spLocks noGrp="1" noRot="1" noChangeAspect="1" noMove="1" noResize="1" noEditPoints="1" noAdjustHandles="1" noChangeArrowheads="1" noChangeShapeType="1" noTextEdit="1"/>
+          </p:cNvSpPr>
+          <p:nvPr>
+            <p:extLst>
+              <p:ext uri="{386F3935-93C4-4BCD-93E2-E3B085C9AB24}">
+                <p16:designElem xmlns="" xmlns:p16="http://schemas.microsoft.com/office/powerpoint/2015/main" val="1"/>
+              </p:ext>
+            </p:extLst>
+          </p:nvPr>
+        </p:nvSpPr>
+        <p:spPr bwMode="auto">
+          <a:xfrm flipV="1">
+            <a:off x="-4189" y="714375"/>
+            <a:ext cx="1588527" cy="507297"/>
+          </a:xfrm>
+          <a:custGeom>
+            <a:avLst/>
+            <a:gdLst/>
+            <a:ahLst/>
+            <a:cxnLst/>
+            <a:rect l="l" t="t" r="r" b="b"/>
+            <a:pathLst>
+              <a:path w="9248" h="10000">
+                <a:moveTo>
+                  <a:pt x="9248" y="4701"/>
+                </a:moveTo>
+                <a:lnTo>
+                  <a:pt x="7915" y="188"/>
+                </a:lnTo>
+                <a:cubicBezTo>
+                  <a:pt x="7906" y="156"/>
+                  <a:pt x="7895" y="126"/>
+                  <a:pt x="7886" y="94"/>
+                </a:cubicBezTo>
+                <a:cubicBezTo>
+                  <a:pt x="7859" y="0"/>
+                  <a:pt x="7831" y="0"/>
+                  <a:pt x="7803" y="0"/>
+                </a:cubicBezTo>
+                <a:lnTo>
+                  <a:pt x="7275" y="0"/>
+                </a:lnTo>
+                <a:lnTo>
+                  <a:pt x="0" y="70"/>
+                </a:lnTo>
+                <a:cubicBezTo>
+                  <a:pt x="8" y="3380"/>
+                  <a:pt x="17" y="6690"/>
+                  <a:pt x="25" y="10000"/>
+                </a:cubicBezTo>
+                <a:lnTo>
+                  <a:pt x="7275" y="9966"/>
+                </a:lnTo>
+                <a:lnTo>
+                  <a:pt x="7803" y="9966"/>
+                </a:lnTo>
+                <a:cubicBezTo>
+                  <a:pt x="7831" y="9966"/>
+                  <a:pt x="7859" y="9872"/>
+                  <a:pt x="7886" y="9872"/>
+                </a:cubicBezTo>
+                <a:cubicBezTo>
+                  <a:pt x="7886" y="9778"/>
+                  <a:pt x="7915" y="9778"/>
+                  <a:pt x="7915" y="9778"/>
+                </a:cubicBezTo>
+                <a:lnTo>
+                  <a:pt x="9248" y="5265"/>
+                </a:lnTo>
+                <a:cubicBezTo>
+                  <a:pt x="9303" y="5077"/>
+                  <a:pt x="9303" y="4889"/>
+                  <a:pt x="9248" y="4701"/>
+                </a:cubicBezTo>
+                <a:close/>
+              </a:path>
+            </a:pathLst>
+          </a:custGeom>
+          <a:solidFill>
+            <a:schemeClr val="accent1"/>
+          </a:solidFill>
+          <a:ln>
+            <a:noFill/>
+          </a:ln>
+        </p:spPr>
+      </p:sp>
+      <p:graphicFrame>
+        <p:nvGraphicFramePr>
+          <p:cNvPr id="7" name="Content Placeholder 6"/>
+          <p:cNvGraphicFramePr>
+            <a:graphicFrameLocks noGrp="1"/>
+          </p:cNvGraphicFramePr>
+          <p:nvPr>
+            <p:ph idx="1"/>
+          </p:nvPr>
+        </p:nvGraphicFramePr>
+        <p:xfrm>
+          <a:off x="0" y="2336800"/>
+          <a:ext cx="12192000" cy="4271034"/>
+        </p:xfrm>
+        <a:graphic>
+          <a:graphicData uri="http://schemas.openxmlformats.org/drawingml/2006/diagram">
+            <dgm:relIds xmlns:dgm="http://schemas.openxmlformats.org/drawingml/2006/diagram" xmlns:r="http://schemas.openxmlformats.org/officeDocument/2006/relationships" r:dm="rId2" r:lo="rId3" r:qs="rId4" r:cs="rId5"/>
+          </a:graphicData>
+        </a:graphic>
+      </p:graphicFrame>
+    </p:spTree>
+    <p:extLst>
+      <p:ext uri="{BB962C8B-B14F-4D97-AF65-F5344CB8AC3E}">
+        <p14:creationId xmlns="" xmlns:p14="http://schemas.microsoft.com/office/powerpoint/2010/main" val="890898475"/>
+      </p:ext>
+    </p:extLst>
+  </p:cSld>
+  <p:clrMapOvr>
+    <a:masterClrMapping/>
+  </p:clrMapOvr>
+  <p:transition spd="med">
+    <p:pull dir="d"/>
+  </p:transition>
+  <p:timing>
+    <p:tnLst>
+      <p:par>
+        <p:cTn id="1" dur="indefinite" restart="never" nodeType="tmRoot"/>
+      </p:par>
+    </p:tnLst>
+  </p:timing>
+</p:sld>
+</file>
+
+<file path=ppt/slides/slide15.xml><?xml version="1.0" encoding="utf-8"?>
+<p:sld xmlns:a="http://schemas.openxmlformats.org/drawingml/2006/main" xmlns:r="http://schemas.openxmlformats.org/officeDocument/2006/relationships" xmlns:p="http://schemas.openxmlformats.org/presentationml/2006/main">
+  <p:cSld>
+    <p:bg>
+      <p:bgPr>
+        <a:gradFill rotWithShape="1">
+          <a:gsLst>
+            <a:gs pos="0">
+              <a:schemeClr val="bg2">
+                <a:tint val="90000"/>
+                <a:satMod val="92000"/>
+                <a:lumMod val="120000"/>
+              </a:schemeClr>
+            </a:gs>
+            <a:gs pos="100000">
+              <a:schemeClr val="bg2">
+                <a:shade val="98000"/>
+                <a:satMod val="120000"/>
+                <a:lumMod val="98000"/>
+              </a:schemeClr>
+            </a:gs>
+          </a:gsLst>
+          <a:path path="circle">
+            <a:fillToRect l="50000" t="50000" r="100000" b="100000"/>
+          </a:path>
+        </a:gradFill>
+        <a:effectLst/>
+      </p:bgPr>
+    </p:bg>
     <p:spTree>
       <p:nvGrpSpPr>
         <p:cNvPr id="1" name=""/>
@@ -34267,7 +35693,7 @@
           <p:cNvPr id="2" name="Title 1">
             <a:extLst>
               <a:ext uri="{FF2B5EF4-FFF2-40B4-BE49-F238E27FC236}">
-                <a16:creationId xmlns:a16="http://schemas.microsoft.com/office/drawing/2014/main" xmlns="" id="{938C7F7E-8CB2-47D8-95C9-439ED4C84A5C}"/>
+                <a16:creationId xmlns:a16="http://schemas.microsoft.com/office/drawing/2014/main" xmlns="" id="{C60221F0-E61F-4AD3-B683-685CA8D02591}"/>
               </a:ext>
             </a:extLst>
           </p:cNvPr>
@@ -34278,12 +35704,7 @@
             <p:ph type="title"/>
           </p:nvPr>
         </p:nvSpPr>
-        <p:spPr>
-          <a:xfrm>
-            <a:off x="1843391" y="624110"/>
-            <a:ext cx="9383408" cy="1280890"/>
-          </a:xfrm>
-        </p:spPr>
+        <p:spPr/>
         <p:txBody>
           <a:bodyPr>
             <a:normAutofit/>
@@ -34296,7 +35717,15 @@
                   <a:srgbClr val="FFFFFF"/>
                 </a:solidFill>
               </a:rPr>
-              <a:t>6. </a:t>
+              <a:t>11</a:t>
+            </a:r>
+            <a:r>
+              <a:rPr lang="en-GB" b="1" dirty="0" smtClean="0">
+                <a:solidFill>
+                  <a:srgbClr val="FFFFFF"/>
+                </a:solidFill>
+              </a:rPr>
+              <a:t>. </a:t>
             </a:r>
             <a:r>
               <a:rPr lang="en-GB" b="1" dirty="0">
@@ -34304,13 +35733,73 @@
                   <a:srgbClr val="FFFFFF"/>
                 </a:solidFill>
               </a:rPr>
-              <a:t>TARGET AUDIENCE </a:t>
+              <a:t>PROPOSED SYSTEM</a:t>
             </a:r>
-            <a:endParaRPr lang="x-none" b="1" dirty="0">
+            <a:endParaRPr lang="x-none" b="1">
               <a:solidFill>
                 <a:srgbClr val="FFFFFF"/>
               </a:solidFill>
             </a:endParaRPr>
+          </a:p>
+        </p:txBody>
+      </p:sp>
+      <p:sp>
+        <p:nvSpPr>
+          <p:cNvPr id="3" name="Content Placeholder 2">
+            <a:extLst>
+              <a:ext uri="{FF2B5EF4-FFF2-40B4-BE49-F238E27FC236}">
+                <a16:creationId xmlns:a16="http://schemas.microsoft.com/office/drawing/2014/main" xmlns="" id="{66B44562-E5EF-4950-B1F8-A0575CB9B0D8}"/>
+              </a:ext>
+            </a:extLst>
+          </p:cNvPr>
+          <p:cNvSpPr>
+            <a:spLocks noGrp="1"/>
+          </p:cNvSpPr>
+          <p:nvPr>
+            <p:ph sz="half" idx="1"/>
+          </p:nvPr>
+        </p:nvSpPr>
+        <p:spPr>
+          <a:xfrm>
+            <a:off x="1091488" y="2506716"/>
+            <a:ext cx="4313864" cy="3941379"/>
+          </a:xfrm>
+        </p:spPr>
+        <p:txBody>
+          <a:bodyPr>
+            <a:normAutofit/>
+          </a:bodyPr>
+          <a:lstStyle/>
+          <a:p>
+            <a:r>
+              <a:rPr lang="en-US" sz="2400" dirty="0" smtClean="0"/>
+              <a:t> Project Idea</a:t>
+            </a:r>
+          </a:p>
+          <a:p>
+            <a:r>
+              <a:rPr lang="en-US" sz="2400" dirty="0" smtClean="0"/>
+              <a:t> Develop a unity based desktop application</a:t>
+            </a:r>
+          </a:p>
+          <a:p>
+            <a:r>
+              <a:rPr lang="en-US" sz="2400" dirty="0" smtClean="0"/>
+              <a:t> Use python scripts for image processing</a:t>
+            </a:r>
+          </a:p>
+          <a:p>
+            <a:r>
+              <a:rPr lang="en-US" sz="2400" dirty="0" smtClean="0"/>
+              <a:t> Innovation factor</a:t>
+            </a:r>
+          </a:p>
+          <a:p>
+            <a:r>
+              <a:rPr lang="en-US" sz="2400" dirty="0" smtClean="0"/>
+              <a:t> Features </a:t>
+            </a:r>
+            <a:endParaRPr lang="x-none" sz="2400"/>
           </a:p>
         </p:txBody>
       </p:sp>
@@ -34415,17 +35904,17 @@
       </p:sp>
       <p:graphicFrame>
         <p:nvGraphicFramePr>
-          <p:cNvPr id="7" name="Content Placeholder 6"/>
+          <p:cNvPr id="15" name="Content Placeholder 14"/>
           <p:cNvGraphicFramePr>
             <a:graphicFrameLocks noGrp="1"/>
           </p:cNvGraphicFramePr>
           <p:nvPr>
-            <p:ph idx="1"/>
+            <p:ph sz="half" idx="2"/>
           </p:nvPr>
         </p:nvGraphicFramePr>
         <p:xfrm>
-          <a:off x="348342" y="2394857"/>
-          <a:ext cx="11292113" cy="4223657"/>
+          <a:off x="6526924" y="2837792"/>
+          <a:ext cx="4977689" cy="2908465"/>
         </p:xfrm>
         <a:graphic>
           <a:graphicData uri="http://schemas.openxmlformats.org/drawingml/2006/diagram">
@@ -34436,7 +35925,7 @@
     </p:spTree>
     <p:extLst>
       <p:ext uri="{BB962C8B-B14F-4D97-AF65-F5344CB8AC3E}">
-        <p14:creationId xmlns:p14="http://schemas.microsoft.com/office/powerpoint/2010/main" xmlns="" val="245502956"/>
+        <p14:creationId xmlns="" xmlns:p14="http://schemas.microsoft.com/office/powerpoint/2010/main" val="3389632859"/>
       </p:ext>
     </p:extLst>
   </p:cSld>
@@ -34456,1043 +35945,9 @@
 </p:sld>
 </file>
 
-<file path=ppt/slides/slide12.xml><?xml version="1.0" encoding="utf-8"?>
+<file path=ppt/slides/slide16.xml><?xml version="1.0" encoding="utf-8"?>
 <p:sld xmlns:a="http://schemas.openxmlformats.org/drawingml/2006/main" xmlns:r="http://schemas.openxmlformats.org/officeDocument/2006/relationships" xmlns:p="http://schemas.openxmlformats.org/presentationml/2006/main">
   <p:cSld>
-    <p:spTree>
-      <p:nvGrpSpPr>
-        <p:cNvPr id="1" name=""/>
-        <p:cNvGrpSpPr/>
-        <p:nvPr/>
-      </p:nvGrpSpPr>
-      <p:grpSpPr>
-        <a:xfrm>
-          <a:off x="0" y="0"/>
-          <a:ext cx="0" cy="0"/>
-          <a:chOff x="0" y="0"/>
-          <a:chExt cx="0" cy="0"/>
-        </a:xfrm>
-      </p:grpSpPr>
-      <p:sp useBgFill="1">
-        <p:nvSpPr>
-          <p:cNvPr id="8" name="Rectangle 7">
-            <a:extLst>
-              <a:ext uri="{FF2B5EF4-FFF2-40B4-BE49-F238E27FC236}">
-                <a16:creationId xmlns:a16="http://schemas.microsoft.com/office/drawing/2014/main" xmlns="" id="{3A3C2D7E-3F2E-404E-9B30-CB12DC972D50}"/>
-              </a:ext>
-              <a:ext uri="{C183D7F6-B498-43B3-948B-1728B52AA6E4}">
-                <adec:decorative xmlns:adec="http://schemas.microsoft.com/office/drawing/2017/decorative" xmlns="" val="1"/>
-              </a:ext>
-            </a:extLst>
-          </p:cNvPr>
-          <p:cNvSpPr>
-            <a:spLocks noGrp="1" noRot="1" noChangeAspect="1" noMove="1" noResize="1" noEditPoints="1" noAdjustHandles="1" noChangeArrowheads="1" noChangeShapeType="1" noTextEdit="1"/>
-          </p:cNvSpPr>
-          <p:nvPr>
-            <p:extLst>
-              <p:ext uri="{386F3935-93C4-4BCD-93E2-E3B085C9AB24}">
-                <p16:designElem xmlns:p16="http://schemas.microsoft.com/office/powerpoint/2015/main" xmlns="" val="1"/>
-              </p:ext>
-            </p:extLst>
-          </p:nvPr>
-        </p:nvSpPr>
-        <p:spPr>
-          <a:xfrm>
-            <a:off x="1" y="0"/>
-            <a:ext cx="12192000" cy="6858000"/>
-          </a:xfrm>
-          <a:prstGeom prst="rect">
-            <a:avLst/>
-          </a:prstGeom>
-          <a:ln>
-            <a:noFill/>
-          </a:ln>
-        </p:spPr>
-        <p:style>
-          <a:lnRef idx="2">
-            <a:schemeClr val="accent1">
-              <a:shade val="50000"/>
-            </a:schemeClr>
-          </a:lnRef>
-          <a:fillRef idx="1">
-            <a:schemeClr val="accent1"/>
-          </a:fillRef>
-          <a:effectRef idx="0">
-            <a:schemeClr val="accent1"/>
-          </a:effectRef>
-          <a:fontRef idx="minor">
-            <a:schemeClr val="lt1"/>
-          </a:fontRef>
-        </p:style>
-        <p:txBody>
-          <a:bodyPr rtlCol="0" anchor="ctr"/>
-          <a:lstStyle/>
-          <a:p>
-            <a:pPr algn="ctr"/>
-            <a:endParaRPr lang="en-US"/>
-          </a:p>
-        </p:txBody>
-      </p:sp>
-      <p:sp>
-        <p:nvSpPr>
-          <p:cNvPr id="10" name="Rectangle 9">
-            <a:extLst>
-              <a:ext uri="{FF2B5EF4-FFF2-40B4-BE49-F238E27FC236}">
-                <a16:creationId xmlns:a16="http://schemas.microsoft.com/office/drawing/2014/main" xmlns="" id="{F1F7FD00-BF97-4325-B7C2-E451F20840A7}"/>
-              </a:ext>
-              <a:ext uri="{C183D7F6-B498-43B3-948B-1728B52AA6E4}">
-                <adec:decorative xmlns:adec="http://schemas.microsoft.com/office/drawing/2017/decorative" xmlns="" val="1"/>
-              </a:ext>
-            </a:extLst>
-          </p:cNvPr>
-          <p:cNvSpPr>
-            <a:spLocks noGrp="1" noRot="1" noChangeAspect="1" noMove="1" noResize="1" noEditPoints="1" noAdjustHandles="1" noChangeArrowheads="1" noChangeShapeType="1" noTextEdit="1"/>
-          </p:cNvSpPr>
-          <p:nvPr>
-            <p:extLst>
-              <p:ext uri="{386F3935-93C4-4BCD-93E2-E3B085C9AB24}">
-                <p16:designElem xmlns:p16="http://schemas.microsoft.com/office/powerpoint/2015/main" xmlns="" val="1"/>
-              </p:ext>
-            </p:extLst>
-          </p:nvPr>
-        </p:nvSpPr>
-        <p:spPr>
-          <a:xfrm>
-            <a:off x="0" y="0"/>
-            <a:ext cx="12192000" cy="2306695"/>
-          </a:xfrm>
-          <a:prstGeom prst="rect">
-            <a:avLst/>
-          </a:prstGeom>
-          <a:solidFill>
-            <a:schemeClr val="tx2">
-              <a:lumMod val="50000"/>
-            </a:schemeClr>
-          </a:solidFill>
-          <a:ln>
-            <a:noFill/>
-          </a:ln>
-          <a:effectLst/>
-        </p:spPr>
-        <p:style>
-          <a:lnRef idx="1">
-            <a:schemeClr val="accent1"/>
-          </a:lnRef>
-          <a:fillRef idx="3">
-            <a:schemeClr val="accent1"/>
-          </a:fillRef>
-          <a:effectRef idx="2">
-            <a:schemeClr val="accent1"/>
-          </a:effectRef>
-          <a:fontRef idx="minor">
-            <a:schemeClr val="lt1"/>
-          </a:fontRef>
-        </p:style>
-      </p:sp>
-      <p:sp>
-        <p:nvSpPr>
-          <p:cNvPr id="2" name="Title 1">
-            <a:extLst>
-              <a:ext uri="{FF2B5EF4-FFF2-40B4-BE49-F238E27FC236}">
-                <a16:creationId xmlns:a16="http://schemas.microsoft.com/office/drawing/2014/main" xmlns="" id="{3B8A4B89-B2B3-4944-A853-1D91B1B61CA4}"/>
-              </a:ext>
-            </a:extLst>
-          </p:cNvPr>
-          <p:cNvSpPr>
-            <a:spLocks noGrp="1"/>
-          </p:cNvSpPr>
-          <p:nvPr>
-            <p:ph type="title"/>
-          </p:nvPr>
-        </p:nvSpPr>
-        <p:spPr>
-          <a:xfrm>
-            <a:off x="1843391" y="624110"/>
-            <a:ext cx="9383408" cy="1280890"/>
-          </a:xfrm>
-        </p:spPr>
-        <p:txBody>
-          <a:bodyPr>
-            <a:normAutofit/>
-          </a:bodyPr>
-          <a:lstStyle/>
-          <a:p>
-            <a:r>
-              <a:rPr lang="en-GB" b="1" dirty="0">
-                <a:solidFill>
-                  <a:srgbClr val="FFFFFF"/>
-                </a:solidFill>
-              </a:rPr>
-              <a:t>7</a:t>
-            </a:r>
-            <a:r>
-              <a:rPr lang="en-GB" b="1" dirty="0" smtClean="0">
-                <a:solidFill>
-                  <a:srgbClr val="FFFFFF"/>
-                </a:solidFill>
-              </a:rPr>
-              <a:t>. </a:t>
-            </a:r>
-            <a:r>
-              <a:rPr lang="en-GB" b="1" dirty="0">
-                <a:solidFill>
-                  <a:srgbClr val="FFFFFF"/>
-                </a:solidFill>
-              </a:rPr>
-              <a:t>EXISTING SYSTEM</a:t>
-            </a:r>
-            <a:endParaRPr lang="x-none" b="1" dirty="0">
-              <a:solidFill>
-                <a:srgbClr val="FFFFFF"/>
-              </a:solidFill>
-            </a:endParaRPr>
-          </a:p>
-        </p:txBody>
-      </p:sp>
-      <p:sp>
-        <p:nvSpPr>
-          <p:cNvPr id="12" name="Freeform 11">
-            <a:extLst>
-              <a:ext uri="{FF2B5EF4-FFF2-40B4-BE49-F238E27FC236}">
-                <a16:creationId xmlns:a16="http://schemas.microsoft.com/office/drawing/2014/main" xmlns="" id="{179B5294-DA4E-4926-B14A-DD6E07A12F67}"/>
-              </a:ext>
-              <a:ext uri="{C183D7F6-B498-43B3-948B-1728B52AA6E4}">
-                <adec:decorative xmlns:adec="http://schemas.microsoft.com/office/drawing/2017/decorative" xmlns="" val="1"/>
-              </a:ext>
-            </a:extLst>
-          </p:cNvPr>
-          <p:cNvSpPr>
-            <a:spLocks noGrp="1" noRot="1" noChangeAspect="1" noMove="1" noResize="1" noEditPoints="1" noAdjustHandles="1" noChangeArrowheads="1" noChangeShapeType="1" noTextEdit="1"/>
-          </p:cNvSpPr>
-          <p:nvPr>
-            <p:extLst>
-              <p:ext uri="{386F3935-93C4-4BCD-93E2-E3B085C9AB24}">
-                <p16:designElem xmlns:p16="http://schemas.microsoft.com/office/powerpoint/2015/main" xmlns="" val="1"/>
-              </p:ext>
-            </p:extLst>
-          </p:nvPr>
-        </p:nvSpPr>
-        <p:spPr bwMode="auto">
-          <a:xfrm flipV="1">
-            <a:off x="-4189" y="714375"/>
-            <a:ext cx="1588527" cy="507297"/>
-          </a:xfrm>
-          <a:custGeom>
-            <a:avLst/>
-            <a:gdLst/>
-            <a:ahLst/>
-            <a:cxnLst/>
-            <a:rect l="l" t="t" r="r" b="b"/>
-            <a:pathLst>
-              <a:path w="9248" h="10000">
-                <a:moveTo>
-                  <a:pt x="9248" y="4701"/>
-                </a:moveTo>
-                <a:lnTo>
-                  <a:pt x="7915" y="188"/>
-                </a:lnTo>
-                <a:cubicBezTo>
-                  <a:pt x="7906" y="156"/>
-                  <a:pt x="7895" y="126"/>
-                  <a:pt x="7886" y="94"/>
-                </a:cubicBezTo>
-                <a:cubicBezTo>
-                  <a:pt x="7859" y="0"/>
-                  <a:pt x="7831" y="0"/>
-                  <a:pt x="7803" y="0"/>
-                </a:cubicBezTo>
-                <a:lnTo>
-                  <a:pt x="7275" y="0"/>
-                </a:lnTo>
-                <a:lnTo>
-                  <a:pt x="0" y="70"/>
-                </a:lnTo>
-                <a:cubicBezTo>
-                  <a:pt x="8" y="3380"/>
-                  <a:pt x="17" y="6690"/>
-                  <a:pt x="25" y="10000"/>
-                </a:cubicBezTo>
-                <a:lnTo>
-                  <a:pt x="7275" y="9966"/>
-                </a:lnTo>
-                <a:lnTo>
-                  <a:pt x="7803" y="9966"/>
-                </a:lnTo>
-                <a:cubicBezTo>
-                  <a:pt x="7831" y="9966"/>
-                  <a:pt x="7859" y="9872"/>
-                  <a:pt x="7886" y="9872"/>
-                </a:cubicBezTo>
-                <a:cubicBezTo>
-                  <a:pt x="7886" y="9778"/>
-                  <a:pt x="7915" y="9778"/>
-                  <a:pt x="7915" y="9778"/>
-                </a:cubicBezTo>
-                <a:lnTo>
-                  <a:pt x="9248" y="5265"/>
-                </a:lnTo>
-                <a:cubicBezTo>
-                  <a:pt x="9303" y="5077"/>
-                  <a:pt x="9303" y="4889"/>
-                  <a:pt x="9248" y="4701"/>
-                </a:cubicBezTo>
-                <a:close/>
-              </a:path>
-            </a:pathLst>
-          </a:custGeom>
-          <a:solidFill>
-            <a:schemeClr val="accent1"/>
-          </a:solidFill>
-          <a:ln>
-            <a:noFill/>
-          </a:ln>
-        </p:spPr>
-      </p:sp>
-      <p:graphicFrame>
-        <p:nvGraphicFramePr>
-          <p:cNvPr id="9" name="Content Placeholder 8"/>
-          <p:cNvGraphicFramePr>
-            <a:graphicFrameLocks noGrp="1"/>
-          </p:cNvGraphicFramePr>
-          <p:nvPr>
-            <p:ph idx="1"/>
-          </p:nvPr>
-        </p:nvGraphicFramePr>
-        <p:xfrm>
-          <a:off x="3060701" y="2587925"/>
-          <a:ext cx="5486399" cy="3881885"/>
-        </p:xfrm>
-        <a:graphic>
-          <a:graphicData uri="http://schemas.openxmlformats.org/drawingml/2006/diagram">
-            <dgm:relIds xmlns:dgm="http://schemas.openxmlformats.org/drawingml/2006/diagram" xmlns:r="http://schemas.openxmlformats.org/officeDocument/2006/relationships" r:dm="rId2" r:lo="rId3" r:qs="rId4" r:cs="rId5"/>
-          </a:graphicData>
-        </a:graphic>
-      </p:graphicFrame>
-    </p:spTree>
-    <p:extLst>
-      <p:ext uri="{BB962C8B-B14F-4D97-AF65-F5344CB8AC3E}">
-        <p14:creationId xmlns:p14="http://schemas.microsoft.com/office/powerpoint/2010/main" xmlns="" val="890898475"/>
-      </p:ext>
-    </p:extLst>
-  </p:cSld>
-  <p:clrMapOvr>
-    <a:masterClrMapping/>
-  </p:clrMapOvr>
-  <p:transition spd="med">
-    <p:pull dir="d"/>
-  </p:transition>
-  <p:timing>
-    <p:tnLst>
-      <p:par>
-        <p:cTn id="1" dur="indefinite" restart="never" nodeType="tmRoot"/>
-      </p:par>
-    </p:tnLst>
-  </p:timing>
-</p:sld>
-</file>
-
-<file path=ppt/slides/slide13.xml><?xml version="1.0" encoding="utf-8"?>
-<p:sld xmlns:a="http://schemas.openxmlformats.org/drawingml/2006/main" xmlns:r="http://schemas.openxmlformats.org/officeDocument/2006/relationships" xmlns:p="http://schemas.openxmlformats.org/presentationml/2006/main">
-  <p:cSld>
-    <p:spTree>
-      <p:nvGrpSpPr>
-        <p:cNvPr id="1" name=""/>
-        <p:cNvGrpSpPr/>
-        <p:nvPr/>
-      </p:nvGrpSpPr>
-      <p:grpSpPr>
-        <a:xfrm>
-          <a:off x="0" y="0"/>
-          <a:ext cx="0" cy="0"/>
-          <a:chOff x="0" y="0"/>
-          <a:chExt cx="0" cy="0"/>
-        </a:xfrm>
-      </p:grpSpPr>
-      <p:sp useBgFill="1">
-        <p:nvSpPr>
-          <p:cNvPr id="8" name="Rectangle 7">
-            <a:extLst>
-              <a:ext uri="{FF2B5EF4-FFF2-40B4-BE49-F238E27FC236}">
-                <a16:creationId xmlns:a16="http://schemas.microsoft.com/office/drawing/2014/main" xmlns="" id="{3A3C2D7E-3F2E-404E-9B30-CB12DC972D50}"/>
-              </a:ext>
-              <a:ext uri="{C183D7F6-B498-43B3-948B-1728B52AA6E4}">
-                <adec:decorative xmlns:adec="http://schemas.microsoft.com/office/drawing/2017/decorative" xmlns="" val="1"/>
-              </a:ext>
-            </a:extLst>
-          </p:cNvPr>
-          <p:cNvSpPr>
-            <a:spLocks noGrp="1" noRot="1" noChangeAspect="1" noMove="1" noResize="1" noEditPoints="1" noAdjustHandles="1" noChangeArrowheads="1" noChangeShapeType="1" noTextEdit="1"/>
-          </p:cNvSpPr>
-          <p:nvPr>
-            <p:extLst>
-              <p:ext uri="{386F3935-93C4-4BCD-93E2-E3B085C9AB24}">
-                <p16:designElem xmlns:p16="http://schemas.microsoft.com/office/powerpoint/2015/main" xmlns="" val="1"/>
-              </p:ext>
-            </p:extLst>
-          </p:nvPr>
-        </p:nvSpPr>
-        <p:spPr>
-          <a:xfrm>
-            <a:off x="1" y="0"/>
-            <a:ext cx="12192000" cy="6858000"/>
-          </a:xfrm>
-          <a:prstGeom prst="rect">
-            <a:avLst/>
-          </a:prstGeom>
-          <a:ln>
-            <a:noFill/>
-          </a:ln>
-        </p:spPr>
-        <p:style>
-          <a:lnRef idx="2">
-            <a:schemeClr val="accent1">
-              <a:shade val="50000"/>
-            </a:schemeClr>
-          </a:lnRef>
-          <a:fillRef idx="1">
-            <a:schemeClr val="accent1"/>
-          </a:fillRef>
-          <a:effectRef idx="0">
-            <a:schemeClr val="accent1"/>
-          </a:effectRef>
-          <a:fontRef idx="minor">
-            <a:schemeClr val="lt1"/>
-          </a:fontRef>
-        </p:style>
-        <p:txBody>
-          <a:bodyPr rtlCol="0" anchor="ctr"/>
-          <a:lstStyle/>
-          <a:p>
-            <a:pPr algn="ctr"/>
-            <a:endParaRPr lang="en-US"/>
-          </a:p>
-        </p:txBody>
-      </p:sp>
-      <p:sp>
-        <p:nvSpPr>
-          <p:cNvPr id="10" name="Rectangle 9">
-            <a:extLst>
-              <a:ext uri="{FF2B5EF4-FFF2-40B4-BE49-F238E27FC236}">
-                <a16:creationId xmlns:a16="http://schemas.microsoft.com/office/drawing/2014/main" xmlns="" id="{F1F7FD00-BF97-4325-B7C2-E451F20840A7}"/>
-              </a:ext>
-              <a:ext uri="{C183D7F6-B498-43B3-948B-1728B52AA6E4}">
-                <adec:decorative xmlns:adec="http://schemas.microsoft.com/office/drawing/2017/decorative" xmlns="" val="1"/>
-              </a:ext>
-            </a:extLst>
-          </p:cNvPr>
-          <p:cNvSpPr>
-            <a:spLocks noGrp="1" noRot="1" noChangeAspect="1" noMove="1" noResize="1" noEditPoints="1" noAdjustHandles="1" noChangeArrowheads="1" noChangeShapeType="1" noTextEdit="1"/>
-          </p:cNvSpPr>
-          <p:nvPr>
-            <p:extLst>
-              <p:ext uri="{386F3935-93C4-4BCD-93E2-E3B085C9AB24}">
-                <p16:designElem xmlns:p16="http://schemas.microsoft.com/office/powerpoint/2015/main" xmlns="" val="1"/>
-              </p:ext>
-            </p:extLst>
-          </p:nvPr>
-        </p:nvSpPr>
-        <p:spPr>
-          <a:xfrm>
-            <a:off x="0" y="0"/>
-            <a:ext cx="12192000" cy="2306695"/>
-          </a:xfrm>
-          <a:prstGeom prst="rect">
-            <a:avLst/>
-          </a:prstGeom>
-          <a:solidFill>
-            <a:schemeClr val="tx2">
-              <a:lumMod val="50000"/>
-            </a:schemeClr>
-          </a:solidFill>
-          <a:ln>
-            <a:noFill/>
-          </a:ln>
-          <a:effectLst/>
-        </p:spPr>
-        <p:style>
-          <a:lnRef idx="1">
-            <a:schemeClr val="accent1"/>
-          </a:lnRef>
-          <a:fillRef idx="3">
-            <a:schemeClr val="accent1"/>
-          </a:fillRef>
-          <a:effectRef idx="2">
-            <a:schemeClr val="accent1"/>
-          </a:effectRef>
-          <a:fontRef idx="minor">
-            <a:schemeClr val="lt1"/>
-          </a:fontRef>
-        </p:style>
-      </p:sp>
-      <p:sp>
-        <p:nvSpPr>
-          <p:cNvPr id="2" name="Title 1">
-            <a:extLst>
-              <a:ext uri="{FF2B5EF4-FFF2-40B4-BE49-F238E27FC236}">
-                <a16:creationId xmlns:a16="http://schemas.microsoft.com/office/drawing/2014/main" xmlns="" id="{3B8A4B89-B2B3-4944-A853-1D91B1B61CA4}"/>
-              </a:ext>
-            </a:extLst>
-          </p:cNvPr>
-          <p:cNvSpPr>
-            <a:spLocks noGrp="1"/>
-          </p:cNvSpPr>
-          <p:nvPr>
-            <p:ph type="title"/>
-          </p:nvPr>
-        </p:nvSpPr>
-        <p:spPr>
-          <a:xfrm>
-            <a:off x="1843391" y="624110"/>
-            <a:ext cx="9383408" cy="1280890"/>
-          </a:xfrm>
-        </p:spPr>
-        <p:txBody>
-          <a:bodyPr>
-            <a:normAutofit/>
-          </a:bodyPr>
-          <a:lstStyle/>
-          <a:p>
-            <a:r>
-              <a:rPr lang="en-GB" b="1" dirty="0">
-                <a:solidFill>
-                  <a:srgbClr val="FFFFFF"/>
-                </a:solidFill>
-              </a:rPr>
-              <a:t>7</a:t>
-            </a:r>
-            <a:r>
-              <a:rPr lang="en-GB" b="1" dirty="0" smtClean="0">
-                <a:solidFill>
-                  <a:srgbClr val="FFFFFF"/>
-                </a:solidFill>
-              </a:rPr>
-              <a:t>. </a:t>
-            </a:r>
-            <a:r>
-              <a:rPr lang="en-GB" b="1" dirty="0">
-                <a:solidFill>
-                  <a:srgbClr val="FFFFFF"/>
-                </a:solidFill>
-              </a:rPr>
-              <a:t>EXISTING SYSTEM</a:t>
-            </a:r>
-            <a:endParaRPr lang="x-none" b="1" dirty="0">
-              <a:solidFill>
-                <a:srgbClr val="FFFFFF"/>
-              </a:solidFill>
-            </a:endParaRPr>
-          </a:p>
-        </p:txBody>
-      </p:sp>
-      <p:sp>
-        <p:nvSpPr>
-          <p:cNvPr id="12" name="Freeform 11">
-            <a:extLst>
-              <a:ext uri="{FF2B5EF4-FFF2-40B4-BE49-F238E27FC236}">
-                <a16:creationId xmlns:a16="http://schemas.microsoft.com/office/drawing/2014/main" xmlns="" id="{179B5294-DA4E-4926-B14A-DD6E07A12F67}"/>
-              </a:ext>
-              <a:ext uri="{C183D7F6-B498-43B3-948B-1728B52AA6E4}">
-                <adec:decorative xmlns:adec="http://schemas.microsoft.com/office/drawing/2017/decorative" xmlns="" val="1"/>
-              </a:ext>
-            </a:extLst>
-          </p:cNvPr>
-          <p:cNvSpPr>
-            <a:spLocks noGrp="1" noRot="1" noChangeAspect="1" noMove="1" noResize="1" noEditPoints="1" noAdjustHandles="1" noChangeArrowheads="1" noChangeShapeType="1" noTextEdit="1"/>
-          </p:cNvSpPr>
-          <p:nvPr>
-            <p:extLst>
-              <p:ext uri="{386F3935-93C4-4BCD-93E2-E3B085C9AB24}">
-                <p16:designElem xmlns:p16="http://schemas.microsoft.com/office/powerpoint/2015/main" xmlns="" val="1"/>
-              </p:ext>
-            </p:extLst>
-          </p:nvPr>
-        </p:nvSpPr>
-        <p:spPr bwMode="auto">
-          <a:xfrm flipV="1">
-            <a:off x="-4189" y="714375"/>
-            <a:ext cx="1588527" cy="507297"/>
-          </a:xfrm>
-          <a:custGeom>
-            <a:avLst/>
-            <a:gdLst/>
-            <a:ahLst/>
-            <a:cxnLst/>
-            <a:rect l="l" t="t" r="r" b="b"/>
-            <a:pathLst>
-              <a:path w="9248" h="10000">
-                <a:moveTo>
-                  <a:pt x="9248" y="4701"/>
-                </a:moveTo>
-                <a:lnTo>
-                  <a:pt x="7915" y="188"/>
-                </a:lnTo>
-                <a:cubicBezTo>
-                  <a:pt x="7906" y="156"/>
-                  <a:pt x="7895" y="126"/>
-                  <a:pt x="7886" y="94"/>
-                </a:cubicBezTo>
-                <a:cubicBezTo>
-                  <a:pt x="7859" y="0"/>
-                  <a:pt x="7831" y="0"/>
-                  <a:pt x="7803" y="0"/>
-                </a:cubicBezTo>
-                <a:lnTo>
-                  <a:pt x="7275" y="0"/>
-                </a:lnTo>
-                <a:lnTo>
-                  <a:pt x="0" y="70"/>
-                </a:lnTo>
-                <a:cubicBezTo>
-                  <a:pt x="8" y="3380"/>
-                  <a:pt x="17" y="6690"/>
-                  <a:pt x="25" y="10000"/>
-                </a:cubicBezTo>
-                <a:lnTo>
-                  <a:pt x="7275" y="9966"/>
-                </a:lnTo>
-                <a:lnTo>
-                  <a:pt x="7803" y="9966"/>
-                </a:lnTo>
-                <a:cubicBezTo>
-                  <a:pt x="7831" y="9966"/>
-                  <a:pt x="7859" y="9872"/>
-                  <a:pt x="7886" y="9872"/>
-                </a:cubicBezTo>
-                <a:cubicBezTo>
-                  <a:pt x="7886" y="9778"/>
-                  <a:pt x="7915" y="9778"/>
-                  <a:pt x="7915" y="9778"/>
-                </a:cubicBezTo>
-                <a:lnTo>
-                  <a:pt x="9248" y="5265"/>
-                </a:lnTo>
-                <a:cubicBezTo>
-                  <a:pt x="9303" y="5077"/>
-                  <a:pt x="9303" y="4889"/>
-                  <a:pt x="9248" y="4701"/>
-                </a:cubicBezTo>
-                <a:close/>
-              </a:path>
-            </a:pathLst>
-          </a:custGeom>
-          <a:solidFill>
-            <a:schemeClr val="accent1"/>
-          </a:solidFill>
-          <a:ln>
-            <a:noFill/>
-          </a:ln>
-        </p:spPr>
-      </p:sp>
-      <p:pic>
-        <p:nvPicPr>
-          <p:cNvPr id="11" name="Content Placeholder 6" descr="Capture.PNG"/>
-          <p:cNvPicPr>
-            <a:picLocks noGrp="1" noChangeAspect="1"/>
-          </p:cNvPicPr>
-          <p:nvPr>
-            <p:ph idx="1"/>
-          </p:nvPr>
-        </p:nvPicPr>
-        <p:blipFill>
-          <a:blip r:embed="rId2"/>
-          <a:stretch>
-            <a:fillRect/>
-          </a:stretch>
-        </p:blipFill>
-        <p:spPr>
-          <a:xfrm>
-            <a:off x="0" y="1308539"/>
-            <a:ext cx="12191999" cy="5549462"/>
-          </a:xfrm>
-        </p:spPr>
-      </p:pic>
-    </p:spTree>
-    <p:extLst>
-      <p:ext uri="{BB962C8B-B14F-4D97-AF65-F5344CB8AC3E}">
-        <p14:creationId xmlns:p14="http://schemas.microsoft.com/office/powerpoint/2010/main" xmlns="" val="890898475"/>
-      </p:ext>
-    </p:extLst>
-  </p:cSld>
-  <p:clrMapOvr>
-    <a:masterClrMapping/>
-  </p:clrMapOvr>
-  <p:transition spd="med">
-    <p:pull dir="d"/>
-  </p:transition>
-  <p:timing>
-    <p:tnLst>
-      <p:par>
-        <p:cTn id="1" dur="indefinite" restart="never" nodeType="tmRoot"/>
-      </p:par>
-    </p:tnLst>
-  </p:timing>
-</p:sld>
-</file>
-
-<file path=ppt/slides/slide14.xml><?xml version="1.0" encoding="utf-8"?>
-<p:sld xmlns:a="http://schemas.openxmlformats.org/drawingml/2006/main" xmlns:r="http://schemas.openxmlformats.org/officeDocument/2006/relationships" xmlns:p="http://schemas.openxmlformats.org/presentationml/2006/main">
-  <p:cSld>
-    <p:spTree>
-      <p:nvGrpSpPr>
-        <p:cNvPr id="1" name=""/>
-        <p:cNvGrpSpPr/>
-        <p:nvPr/>
-      </p:nvGrpSpPr>
-      <p:grpSpPr>
-        <a:xfrm>
-          <a:off x="0" y="0"/>
-          <a:ext cx="0" cy="0"/>
-          <a:chOff x="0" y="0"/>
-          <a:chExt cx="0" cy="0"/>
-        </a:xfrm>
-      </p:grpSpPr>
-      <p:sp useBgFill="1">
-        <p:nvSpPr>
-          <p:cNvPr id="8" name="Rectangle 7">
-            <a:extLst>
-              <a:ext uri="{FF2B5EF4-FFF2-40B4-BE49-F238E27FC236}">
-                <a16:creationId xmlns:a16="http://schemas.microsoft.com/office/drawing/2014/main" xmlns="" id="{3A3C2D7E-3F2E-404E-9B30-CB12DC972D50}"/>
-              </a:ext>
-              <a:ext uri="{C183D7F6-B498-43B3-948B-1728B52AA6E4}">
-                <adec:decorative xmlns:adec="http://schemas.microsoft.com/office/drawing/2017/decorative" xmlns="" val="1"/>
-              </a:ext>
-            </a:extLst>
-          </p:cNvPr>
-          <p:cNvSpPr>
-            <a:spLocks noGrp="1" noRot="1" noChangeAspect="1" noMove="1" noResize="1" noEditPoints="1" noAdjustHandles="1" noChangeArrowheads="1" noChangeShapeType="1" noTextEdit="1"/>
-          </p:cNvSpPr>
-          <p:nvPr>
-            <p:extLst>
-              <p:ext uri="{386F3935-93C4-4BCD-93E2-E3B085C9AB24}">
-                <p16:designElem xmlns:p16="http://schemas.microsoft.com/office/powerpoint/2015/main" xmlns="" val="1"/>
-              </p:ext>
-            </p:extLst>
-          </p:nvPr>
-        </p:nvSpPr>
-        <p:spPr>
-          <a:xfrm>
-            <a:off x="1" y="0"/>
-            <a:ext cx="12192000" cy="6858000"/>
-          </a:xfrm>
-          <a:prstGeom prst="rect">
-            <a:avLst/>
-          </a:prstGeom>
-          <a:ln>
-            <a:noFill/>
-          </a:ln>
-        </p:spPr>
-        <p:style>
-          <a:lnRef idx="2">
-            <a:schemeClr val="accent1">
-              <a:shade val="50000"/>
-            </a:schemeClr>
-          </a:lnRef>
-          <a:fillRef idx="1">
-            <a:schemeClr val="accent1"/>
-          </a:fillRef>
-          <a:effectRef idx="0">
-            <a:schemeClr val="accent1"/>
-          </a:effectRef>
-          <a:fontRef idx="minor">
-            <a:schemeClr val="lt1"/>
-          </a:fontRef>
-        </p:style>
-        <p:txBody>
-          <a:bodyPr rtlCol="0" anchor="ctr"/>
-          <a:lstStyle/>
-          <a:p>
-            <a:pPr algn="ctr"/>
-            <a:endParaRPr lang="en-US"/>
-          </a:p>
-        </p:txBody>
-      </p:sp>
-      <p:sp>
-        <p:nvSpPr>
-          <p:cNvPr id="10" name="Rectangle 9">
-            <a:extLst>
-              <a:ext uri="{FF2B5EF4-FFF2-40B4-BE49-F238E27FC236}">
-                <a16:creationId xmlns:a16="http://schemas.microsoft.com/office/drawing/2014/main" xmlns="" id="{F1F7FD00-BF97-4325-B7C2-E451F20840A7}"/>
-              </a:ext>
-              <a:ext uri="{C183D7F6-B498-43B3-948B-1728B52AA6E4}">
-                <adec:decorative xmlns:adec="http://schemas.microsoft.com/office/drawing/2017/decorative" xmlns="" val="1"/>
-              </a:ext>
-            </a:extLst>
-          </p:cNvPr>
-          <p:cNvSpPr>
-            <a:spLocks noGrp="1" noRot="1" noChangeAspect="1" noMove="1" noResize="1" noEditPoints="1" noAdjustHandles="1" noChangeArrowheads="1" noChangeShapeType="1" noTextEdit="1"/>
-          </p:cNvSpPr>
-          <p:nvPr>
-            <p:extLst>
-              <p:ext uri="{386F3935-93C4-4BCD-93E2-E3B085C9AB24}">
-                <p16:designElem xmlns:p16="http://schemas.microsoft.com/office/powerpoint/2015/main" xmlns="" val="1"/>
-              </p:ext>
-            </p:extLst>
-          </p:nvPr>
-        </p:nvSpPr>
-        <p:spPr>
-          <a:xfrm>
-            <a:off x="0" y="0"/>
-            <a:ext cx="12192000" cy="2306695"/>
-          </a:xfrm>
-          <a:prstGeom prst="rect">
-            <a:avLst/>
-          </a:prstGeom>
-          <a:solidFill>
-            <a:schemeClr val="tx2">
-              <a:lumMod val="50000"/>
-            </a:schemeClr>
-          </a:solidFill>
-          <a:ln>
-            <a:noFill/>
-          </a:ln>
-          <a:effectLst/>
-        </p:spPr>
-        <p:style>
-          <a:lnRef idx="1">
-            <a:schemeClr val="accent1"/>
-          </a:lnRef>
-          <a:fillRef idx="3">
-            <a:schemeClr val="accent1"/>
-          </a:fillRef>
-          <a:effectRef idx="2">
-            <a:schemeClr val="accent1"/>
-          </a:effectRef>
-          <a:fontRef idx="minor">
-            <a:schemeClr val="lt1"/>
-          </a:fontRef>
-        </p:style>
-      </p:sp>
-      <p:sp>
-        <p:nvSpPr>
-          <p:cNvPr id="2" name="Title 1">
-            <a:extLst>
-              <a:ext uri="{FF2B5EF4-FFF2-40B4-BE49-F238E27FC236}">
-                <a16:creationId xmlns:a16="http://schemas.microsoft.com/office/drawing/2014/main" xmlns="" id="{3B8A4B89-B2B3-4944-A853-1D91B1B61CA4}"/>
-              </a:ext>
-            </a:extLst>
-          </p:cNvPr>
-          <p:cNvSpPr>
-            <a:spLocks noGrp="1"/>
-          </p:cNvSpPr>
-          <p:nvPr>
-            <p:ph type="title"/>
-          </p:nvPr>
-        </p:nvSpPr>
-        <p:spPr>
-          <a:xfrm>
-            <a:off x="1843391" y="624110"/>
-            <a:ext cx="9383408" cy="1280890"/>
-          </a:xfrm>
-        </p:spPr>
-        <p:txBody>
-          <a:bodyPr>
-            <a:normAutofit/>
-          </a:bodyPr>
-          <a:lstStyle/>
-          <a:p>
-            <a:r>
-              <a:rPr lang="en-GB" b="1" dirty="0">
-                <a:solidFill>
-                  <a:srgbClr val="FFFFFF"/>
-                </a:solidFill>
-              </a:rPr>
-              <a:t>7</a:t>
-            </a:r>
-            <a:r>
-              <a:rPr lang="en-GB" b="1" dirty="0" smtClean="0">
-                <a:solidFill>
-                  <a:srgbClr val="FFFFFF"/>
-                </a:solidFill>
-              </a:rPr>
-              <a:t>. DRAWBACKS OF EXISTING </a:t>
-            </a:r>
-            <a:r>
-              <a:rPr lang="en-GB" b="1" dirty="0">
-                <a:solidFill>
-                  <a:srgbClr val="FFFFFF"/>
-                </a:solidFill>
-              </a:rPr>
-              <a:t>SYSTEM</a:t>
-            </a:r>
-            <a:endParaRPr lang="x-none" b="1" dirty="0">
-              <a:solidFill>
-                <a:srgbClr val="FFFFFF"/>
-              </a:solidFill>
-            </a:endParaRPr>
-          </a:p>
-        </p:txBody>
-      </p:sp>
-      <p:sp>
-        <p:nvSpPr>
-          <p:cNvPr id="12" name="Freeform 11">
-            <a:extLst>
-              <a:ext uri="{FF2B5EF4-FFF2-40B4-BE49-F238E27FC236}">
-                <a16:creationId xmlns:a16="http://schemas.microsoft.com/office/drawing/2014/main" xmlns="" id="{179B5294-DA4E-4926-B14A-DD6E07A12F67}"/>
-              </a:ext>
-              <a:ext uri="{C183D7F6-B498-43B3-948B-1728B52AA6E4}">
-                <adec:decorative xmlns:adec="http://schemas.microsoft.com/office/drawing/2017/decorative" xmlns="" val="1"/>
-              </a:ext>
-            </a:extLst>
-          </p:cNvPr>
-          <p:cNvSpPr>
-            <a:spLocks noGrp="1" noRot="1" noChangeAspect="1" noMove="1" noResize="1" noEditPoints="1" noAdjustHandles="1" noChangeArrowheads="1" noChangeShapeType="1" noTextEdit="1"/>
-          </p:cNvSpPr>
-          <p:nvPr>
-            <p:extLst>
-              <p:ext uri="{386F3935-93C4-4BCD-93E2-E3B085C9AB24}">
-                <p16:designElem xmlns:p16="http://schemas.microsoft.com/office/powerpoint/2015/main" xmlns="" val="1"/>
-              </p:ext>
-            </p:extLst>
-          </p:nvPr>
-        </p:nvSpPr>
-        <p:spPr bwMode="auto">
-          <a:xfrm flipV="1">
-            <a:off x="-4189" y="714375"/>
-            <a:ext cx="1588527" cy="507297"/>
-          </a:xfrm>
-          <a:custGeom>
-            <a:avLst/>
-            <a:gdLst/>
-            <a:ahLst/>
-            <a:cxnLst/>
-            <a:rect l="l" t="t" r="r" b="b"/>
-            <a:pathLst>
-              <a:path w="9248" h="10000">
-                <a:moveTo>
-                  <a:pt x="9248" y="4701"/>
-                </a:moveTo>
-                <a:lnTo>
-                  <a:pt x="7915" y="188"/>
-                </a:lnTo>
-                <a:cubicBezTo>
-                  <a:pt x="7906" y="156"/>
-                  <a:pt x="7895" y="126"/>
-                  <a:pt x="7886" y="94"/>
-                </a:cubicBezTo>
-                <a:cubicBezTo>
-                  <a:pt x="7859" y="0"/>
-                  <a:pt x="7831" y="0"/>
-                  <a:pt x="7803" y="0"/>
-                </a:cubicBezTo>
-                <a:lnTo>
-                  <a:pt x="7275" y="0"/>
-                </a:lnTo>
-                <a:lnTo>
-                  <a:pt x="0" y="70"/>
-                </a:lnTo>
-                <a:cubicBezTo>
-                  <a:pt x="8" y="3380"/>
-                  <a:pt x="17" y="6690"/>
-                  <a:pt x="25" y="10000"/>
-                </a:cubicBezTo>
-                <a:lnTo>
-                  <a:pt x="7275" y="9966"/>
-                </a:lnTo>
-                <a:lnTo>
-                  <a:pt x="7803" y="9966"/>
-                </a:lnTo>
-                <a:cubicBezTo>
-                  <a:pt x="7831" y="9966"/>
-                  <a:pt x="7859" y="9872"/>
-                  <a:pt x="7886" y="9872"/>
-                </a:cubicBezTo>
-                <a:cubicBezTo>
-                  <a:pt x="7886" y="9778"/>
-                  <a:pt x="7915" y="9778"/>
-                  <a:pt x="7915" y="9778"/>
-                </a:cubicBezTo>
-                <a:lnTo>
-                  <a:pt x="9248" y="5265"/>
-                </a:lnTo>
-                <a:cubicBezTo>
-                  <a:pt x="9303" y="5077"/>
-                  <a:pt x="9303" y="4889"/>
-                  <a:pt x="9248" y="4701"/>
-                </a:cubicBezTo>
-                <a:close/>
-              </a:path>
-            </a:pathLst>
-          </a:custGeom>
-          <a:solidFill>
-            <a:schemeClr val="accent1"/>
-          </a:solidFill>
-          <a:ln>
-            <a:noFill/>
-          </a:ln>
-        </p:spPr>
-      </p:sp>
-      <p:graphicFrame>
-        <p:nvGraphicFramePr>
-          <p:cNvPr id="7" name="Content Placeholder 6"/>
-          <p:cNvGraphicFramePr>
-            <a:graphicFrameLocks noGrp="1"/>
-          </p:cNvGraphicFramePr>
-          <p:nvPr>
-            <p:ph idx="1"/>
-          </p:nvPr>
-        </p:nvGraphicFramePr>
-        <p:xfrm>
-          <a:off x="0" y="2336800"/>
-          <a:ext cx="12192000" cy="4271034"/>
-        </p:xfrm>
-        <a:graphic>
-          <a:graphicData uri="http://schemas.openxmlformats.org/drawingml/2006/diagram">
-            <dgm:relIds xmlns:dgm="http://schemas.openxmlformats.org/drawingml/2006/diagram" xmlns:r="http://schemas.openxmlformats.org/officeDocument/2006/relationships" r:dm="rId2" r:lo="rId3" r:qs="rId4" r:cs="rId5"/>
-          </a:graphicData>
-        </a:graphic>
-      </p:graphicFrame>
-    </p:spTree>
-    <p:extLst>
-      <p:ext uri="{BB962C8B-B14F-4D97-AF65-F5344CB8AC3E}">
-        <p14:creationId xmlns:p14="http://schemas.microsoft.com/office/powerpoint/2010/main" xmlns="" val="890898475"/>
-      </p:ext>
-    </p:extLst>
-  </p:cSld>
-  <p:clrMapOvr>
-    <a:masterClrMapping/>
-  </p:clrMapOvr>
-  <p:transition spd="med">
-    <p:pull dir="d"/>
-  </p:transition>
-  <p:timing>
-    <p:tnLst>
-      <p:par>
-        <p:cTn id="1" dur="indefinite" restart="never" nodeType="tmRoot"/>
-      </p:par>
-    </p:tnLst>
-  </p:timing>
-</p:sld>
-</file>
-
-<file path=ppt/slides/slide15.xml><?xml version="1.0" encoding="utf-8"?>
-<p:sld xmlns:a="http://schemas.openxmlformats.org/drawingml/2006/main" xmlns:r="http://schemas.openxmlformats.org/officeDocument/2006/relationships" xmlns:p="http://schemas.openxmlformats.org/presentationml/2006/main">
-  <p:cSld>
-    <p:bg>
-      <p:bgPr>
-        <a:gradFill rotWithShape="1">
-          <a:gsLst>
-            <a:gs pos="0">
-              <a:schemeClr val="bg2">
-                <a:tint val="90000"/>
-                <a:satMod val="92000"/>
-                <a:lumMod val="120000"/>
-              </a:schemeClr>
-            </a:gs>
-            <a:gs pos="100000">
-              <a:schemeClr val="bg2">
-                <a:shade val="98000"/>
-                <a:satMod val="120000"/>
-                <a:lumMod val="98000"/>
-              </a:schemeClr>
-            </a:gs>
-          </a:gsLst>
-          <a:path path="circle">
-            <a:fillToRect l="50000" t="50000" r="100000" b="100000"/>
-          </a:path>
-        </a:gradFill>
-        <a:effectLst/>
-      </p:bgPr>
-    </p:bg>
     <p:spTree>
       <p:nvGrpSpPr>
         <p:cNvPr id="1" name=""/>
@@ -35639,417 +36094,6 @@
             <p:ph type="title"/>
           </p:nvPr>
         </p:nvSpPr>
-        <p:spPr/>
-        <p:txBody>
-          <a:bodyPr>
-            <a:normAutofit/>
-          </a:bodyPr>
-          <a:lstStyle/>
-          <a:p>
-            <a:r>
-              <a:rPr lang="en-GB" b="1" dirty="0">
-                <a:solidFill>
-                  <a:srgbClr val="FFFFFF"/>
-                </a:solidFill>
-              </a:rPr>
-              <a:t>8</a:t>
-            </a:r>
-            <a:r>
-              <a:rPr lang="en-GB" b="1" dirty="0" smtClean="0">
-                <a:solidFill>
-                  <a:srgbClr val="FFFFFF"/>
-                </a:solidFill>
-              </a:rPr>
-              <a:t>. </a:t>
-            </a:r>
-            <a:r>
-              <a:rPr lang="en-GB" b="1" dirty="0">
-                <a:solidFill>
-                  <a:srgbClr val="FFFFFF"/>
-                </a:solidFill>
-              </a:rPr>
-              <a:t>PROPOSED SYSTEM</a:t>
-            </a:r>
-            <a:endParaRPr lang="x-none" b="1">
-              <a:solidFill>
-                <a:srgbClr val="FFFFFF"/>
-              </a:solidFill>
-            </a:endParaRPr>
-          </a:p>
-        </p:txBody>
-      </p:sp>
-      <p:sp>
-        <p:nvSpPr>
-          <p:cNvPr id="3" name="Content Placeholder 2">
-            <a:extLst>
-              <a:ext uri="{FF2B5EF4-FFF2-40B4-BE49-F238E27FC236}">
-                <a16:creationId xmlns="" xmlns:a16="http://schemas.microsoft.com/office/drawing/2014/main" id="{66B44562-E5EF-4950-B1F8-A0575CB9B0D8}"/>
-              </a:ext>
-            </a:extLst>
-          </p:cNvPr>
-          <p:cNvSpPr>
-            <a:spLocks noGrp="1"/>
-          </p:cNvSpPr>
-          <p:nvPr>
-            <p:ph sz="half" idx="1"/>
-          </p:nvPr>
-        </p:nvSpPr>
-        <p:spPr>
-          <a:xfrm>
-            <a:off x="1091488" y="2506716"/>
-            <a:ext cx="4313864" cy="3941379"/>
-          </a:xfrm>
-        </p:spPr>
-        <p:txBody>
-          <a:bodyPr>
-            <a:normAutofit/>
-          </a:bodyPr>
-          <a:lstStyle/>
-          <a:p>
-            <a:r>
-              <a:rPr lang="en-US" sz="2400" dirty="0" smtClean="0"/>
-              <a:t> Project Idea</a:t>
-            </a:r>
-          </a:p>
-          <a:p>
-            <a:r>
-              <a:rPr lang="en-US" sz="2400" dirty="0" smtClean="0"/>
-              <a:t> D</a:t>
-            </a:r>
-            <a:r>
-              <a:rPr lang="en-US" sz="2400" dirty="0" smtClean="0"/>
-              <a:t>evelop </a:t>
-            </a:r>
-            <a:r>
-              <a:rPr lang="en-US" sz="2400" dirty="0" smtClean="0"/>
-              <a:t>a unity based desktop </a:t>
-            </a:r>
-            <a:r>
-              <a:rPr lang="en-US" sz="2400" dirty="0" smtClean="0"/>
-              <a:t>application</a:t>
-            </a:r>
-          </a:p>
-          <a:p>
-            <a:r>
-              <a:rPr lang="en-US" sz="2400" dirty="0" smtClean="0"/>
-              <a:t> </a:t>
-            </a:r>
-            <a:r>
-              <a:rPr lang="en-US" sz="2400" dirty="0" smtClean="0"/>
-              <a:t>Use python scripts for image processing</a:t>
-            </a:r>
-            <a:endParaRPr lang="en-US" sz="2400" dirty="0" smtClean="0"/>
-          </a:p>
-          <a:p>
-            <a:r>
-              <a:rPr lang="en-US" sz="2400" dirty="0" smtClean="0"/>
-              <a:t> Innovation factor</a:t>
-            </a:r>
-          </a:p>
-          <a:p>
-            <a:r>
-              <a:rPr lang="en-US" sz="2400" dirty="0" smtClean="0"/>
-              <a:t> Features</a:t>
-            </a:r>
-            <a:r>
-              <a:rPr lang="en-US" sz="2400" dirty="0" smtClean="0"/>
-              <a:t> </a:t>
-            </a:r>
-            <a:endParaRPr lang="x-none" sz="2400"/>
-          </a:p>
-        </p:txBody>
-      </p:sp>
-      <p:sp>
-        <p:nvSpPr>
-          <p:cNvPr id="12" name="Freeform 11">
-            <a:extLst>
-              <a:ext uri="{FF2B5EF4-FFF2-40B4-BE49-F238E27FC236}">
-                <a16:creationId xmlns="" xmlns:a16="http://schemas.microsoft.com/office/drawing/2014/main" id="{179B5294-DA4E-4926-B14A-DD6E07A12F67}"/>
-              </a:ext>
-              <a:ext uri="{C183D7F6-B498-43B3-948B-1728B52AA6E4}">
-                <adec:decorative xmlns="" xmlns:adec="http://schemas.microsoft.com/office/drawing/2017/decorative" val="1"/>
-              </a:ext>
-            </a:extLst>
-          </p:cNvPr>
-          <p:cNvSpPr>
-            <a:spLocks noGrp="1" noRot="1" noChangeAspect="1" noMove="1" noResize="1" noEditPoints="1" noAdjustHandles="1" noChangeArrowheads="1" noChangeShapeType="1" noTextEdit="1"/>
-          </p:cNvSpPr>
-          <p:nvPr>
-            <p:extLst>
-              <p:ext uri="{386F3935-93C4-4BCD-93E2-E3B085C9AB24}">
-                <p16:designElem xmlns="" xmlns:p16="http://schemas.microsoft.com/office/powerpoint/2015/main" val="1"/>
-              </p:ext>
-            </p:extLst>
-          </p:nvPr>
-        </p:nvSpPr>
-        <p:spPr bwMode="auto">
-          <a:xfrm flipV="1">
-            <a:off x="-4189" y="714375"/>
-            <a:ext cx="1588527" cy="507297"/>
-          </a:xfrm>
-          <a:custGeom>
-            <a:avLst/>
-            <a:gdLst/>
-            <a:ahLst/>
-            <a:cxnLst/>
-            <a:rect l="l" t="t" r="r" b="b"/>
-            <a:pathLst>
-              <a:path w="9248" h="10000">
-                <a:moveTo>
-                  <a:pt x="9248" y="4701"/>
-                </a:moveTo>
-                <a:lnTo>
-                  <a:pt x="7915" y="188"/>
-                </a:lnTo>
-                <a:cubicBezTo>
-                  <a:pt x="7906" y="156"/>
-                  <a:pt x="7895" y="126"/>
-                  <a:pt x="7886" y="94"/>
-                </a:cubicBezTo>
-                <a:cubicBezTo>
-                  <a:pt x="7859" y="0"/>
-                  <a:pt x="7831" y="0"/>
-                  <a:pt x="7803" y="0"/>
-                </a:cubicBezTo>
-                <a:lnTo>
-                  <a:pt x="7275" y="0"/>
-                </a:lnTo>
-                <a:lnTo>
-                  <a:pt x="0" y="70"/>
-                </a:lnTo>
-                <a:cubicBezTo>
-                  <a:pt x="8" y="3380"/>
-                  <a:pt x="17" y="6690"/>
-                  <a:pt x="25" y="10000"/>
-                </a:cubicBezTo>
-                <a:lnTo>
-                  <a:pt x="7275" y="9966"/>
-                </a:lnTo>
-                <a:lnTo>
-                  <a:pt x="7803" y="9966"/>
-                </a:lnTo>
-                <a:cubicBezTo>
-                  <a:pt x="7831" y="9966"/>
-                  <a:pt x="7859" y="9872"/>
-                  <a:pt x="7886" y="9872"/>
-                </a:cubicBezTo>
-                <a:cubicBezTo>
-                  <a:pt x="7886" y="9778"/>
-                  <a:pt x="7915" y="9778"/>
-                  <a:pt x="7915" y="9778"/>
-                </a:cubicBezTo>
-                <a:lnTo>
-                  <a:pt x="9248" y="5265"/>
-                </a:lnTo>
-                <a:cubicBezTo>
-                  <a:pt x="9303" y="5077"/>
-                  <a:pt x="9303" y="4889"/>
-                  <a:pt x="9248" y="4701"/>
-                </a:cubicBezTo>
-                <a:close/>
-              </a:path>
-            </a:pathLst>
-          </a:custGeom>
-          <a:solidFill>
-            <a:schemeClr val="accent1"/>
-          </a:solidFill>
-          <a:ln>
-            <a:noFill/>
-          </a:ln>
-        </p:spPr>
-      </p:sp>
-      <p:graphicFrame>
-        <p:nvGraphicFramePr>
-          <p:cNvPr id="15" name="Content Placeholder 14"/>
-          <p:cNvGraphicFramePr>
-            <a:graphicFrameLocks noGrp="1"/>
-          </p:cNvGraphicFramePr>
-          <p:nvPr>
-            <p:ph sz="half" idx="2"/>
-          </p:nvPr>
-        </p:nvGraphicFramePr>
-        <p:xfrm>
-          <a:off x="6526924" y="2837792"/>
-          <a:ext cx="4977689" cy="2908465"/>
-        </p:xfrm>
-        <a:graphic>
-          <a:graphicData uri="http://schemas.openxmlformats.org/drawingml/2006/diagram">
-            <dgm:relIds xmlns:dgm="http://schemas.openxmlformats.org/drawingml/2006/diagram" xmlns:r="http://schemas.openxmlformats.org/officeDocument/2006/relationships" r:dm="rId2" r:lo="rId3" r:qs="rId4" r:cs="rId5"/>
-          </a:graphicData>
-        </a:graphic>
-      </p:graphicFrame>
-    </p:spTree>
-    <p:extLst>
-      <p:ext uri="{BB962C8B-B14F-4D97-AF65-F5344CB8AC3E}">
-        <p14:creationId xmlns:p14="http://schemas.microsoft.com/office/powerpoint/2010/main" xmlns="" val="3389632859"/>
-      </p:ext>
-    </p:extLst>
-  </p:cSld>
-  <p:clrMapOvr>
-    <a:masterClrMapping/>
-  </p:clrMapOvr>
-  <p:transition spd="med">
-    <p:pull dir="d"/>
-  </p:transition>
-  <p:timing>
-    <p:tnLst>
-      <p:par>
-        <p:cTn id="1" dur="indefinite" restart="never" nodeType="tmRoot"/>
-      </p:par>
-    </p:tnLst>
-  </p:timing>
-</p:sld>
-</file>
-
-<file path=ppt/slides/slide16.xml><?xml version="1.0" encoding="utf-8"?>
-<p:sld xmlns:a="http://schemas.openxmlformats.org/drawingml/2006/main" xmlns:r="http://schemas.openxmlformats.org/officeDocument/2006/relationships" xmlns:p="http://schemas.openxmlformats.org/presentationml/2006/main">
-  <p:cSld>
-    <p:spTree>
-      <p:nvGrpSpPr>
-        <p:cNvPr id="1" name=""/>
-        <p:cNvGrpSpPr/>
-        <p:nvPr/>
-      </p:nvGrpSpPr>
-      <p:grpSpPr>
-        <a:xfrm>
-          <a:off x="0" y="0"/>
-          <a:ext cx="0" cy="0"/>
-          <a:chOff x="0" y="0"/>
-          <a:chExt cx="0" cy="0"/>
-        </a:xfrm>
-      </p:grpSpPr>
-      <p:sp useBgFill="1">
-        <p:nvSpPr>
-          <p:cNvPr id="8" name="Rectangle 7">
-            <a:extLst>
-              <a:ext uri="{FF2B5EF4-FFF2-40B4-BE49-F238E27FC236}">
-                <a16:creationId xmlns:a16="http://schemas.microsoft.com/office/drawing/2014/main" xmlns="" id="{3A3C2D7E-3F2E-404E-9B30-CB12DC972D50}"/>
-              </a:ext>
-              <a:ext uri="{C183D7F6-B498-43B3-948B-1728B52AA6E4}">
-                <adec:decorative xmlns:adec="http://schemas.microsoft.com/office/drawing/2017/decorative" xmlns="" val="1"/>
-              </a:ext>
-            </a:extLst>
-          </p:cNvPr>
-          <p:cNvSpPr>
-            <a:spLocks noGrp="1" noRot="1" noChangeAspect="1" noMove="1" noResize="1" noEditPoints="1" noAdjustHandles="1" noChangeArrowheads="1" noChangeShapeType="1" noTextEdit="1"/>
-          </p:cNvSpPr>
-          <p:nvPr>
-            <p:extLst>
-              <p:ext uri="{386F3935-93C4-4BCD-93E2-E3B085C9AB24}">
-                <p16:designElem xmlns:p16="http://schemas.microsoft.com/office/powerpoint/2015/main" xmlns="" val="1"/>
-              </p:ext>
-            </p:extLst>
-          </p:nvPr>
-        </p:nvSpPr>
-        <p:spPr>
-          <a:xfrm>
-            <a:off x="1" y="0"/>
-            <a:ext cx="12192000" cy="6858000"/>
-          </a:xfrm>
-          <a:prstGeom prst="rect">
-            <a:avLst/>
-          </a:prstGeom>
-          <a:ln>
-            <a:noFill/>
-          </a:ln>
-        </p:spPr>
-        <p:style>
-          <a:lnRef idx="2">
-            <a:schemeClr val="accent1">
-              <a:shade val="50000"/>
-            </a:schemeClr>
-          </a:lnRef>
-          <a:fillRef idx="1">
-            <a:schemeClr val="accent1"/>
-          </a:fillRef>
-          <a:effectRef idx="0">
-            <a:schemeClr val="accent1"/>
-          </a:effectRef>
-          <a:fontRef idx="minor">
-            <a:schemeClr val="lt1"/>
-          </a:fontRef>
-        </p:style>
-        <p:txBody>
-          <a:bodyPr rtlCol="0" anchor="ctr"/>
-          <a:lstStyle/>
-          <a:p>
-            <a:pPr algn="ctr"/>
-            <a:endParaRPr lang="en-US"/>
-          </a:p>
-        </p:txBody>
-      </p:sp>
-      <p:sp>
-        <p:nvSpPr>
-          <p:cNvPr id="10" name="Rectangle 9">
-            <a:extLst>
-              <a:ext uri="{FF2B5EF4-FFF2-40B4-BE49-F238E27FC236}">
-                <a16:creationId xmlns:a16="http://schemas.microsoft.com/office/drawing/2014/main" xmlns="" id="{F1F7FD00-BF97-4325-B7C2-E451F20840A7}"/>
-              </a:ext>
-              <a:ext uri="{C183D7F6-B498-43B3-948B-1728B52AA6E4}">
-                <adec:decorative xmlns:adec="http://schemas.microsoft.com/office/drawing/2017/decorative" xmlns="" val="1"/>
-              </a:ext>
-            </a:extLst>
-          </p:cNvPr>
-          <p:cNvSpPr>
-            <a:spLocks noGrp="1" noRot="1" noChangeAspect="1" noMove="1" noResize="1" noEditPoints="1" noAdjustHandles="1" noChangeArrowheads="1" noChangeShapeType="1" noTextEdit="1"/>
-          </p:cNvSpPr>
-          <p:nvPr>
-            <p:extLst>
-              <p:ext uri="{386F3935-93C4-4BCD-93E2-E3B085C9AB24}">
-                <p16:designElem xmlns:p16="http://schemas.microsoft.com/office/powerpoint/2015/main" xmlns="" val="1"/>
-              </p:ext>
-            </p:extLst>
-          </p:nvPr>
-        </p:nvSpPr>
-        <p:spPr>
-          <a:xfrm>
-            <a:off x="0" y="0"/>
-            <a:ext cx="12192000" cy="2306695"/>
-          </a:xfrm>
-          <a:prstGeom prst="rect">
-            <a:avLst/>
-          </a:prstGeom>
-          <a:solidFill>
-            <a:schemeClr val="tx2">
-              <a:lumMod val="50000"/>
-            </a:schemeClr>
-          </a:solidFill>
-          <a:ln>
-            <a:noFill/>
-          </a:ln>
-          <a:effectLst/>
-        </p:spPr>
-        <p:style>
-          <a:lnRef idx="1">
-            <a:schemeClr val="accent1"/>
-          </a:lnRef>
-          <a:fillRef idx="3">
-            <a:schemeClr val="accent1"/>
-          </a:fillRef>
-          <a:effectRef idx="2">
-            <a:schemeClr val="accent1"/>
-          </a:effectRef>
-          <a:fontRef idx="minor">
-            <a:schemeClr val="lt1"/>
-          </a:fontRef>
-        </p:style>
-      </p:sp>
-      <p:sp>
-        <p:nvSpPr>
-          <p:cNvPr id="2" name="Title 1">
-            <a:extLst>
-              <a:ext uri="{FF2B5EF4-FFF2-40B4-BE49-F238E27FC236}">
-                <a16:creationId xmlns:a16="http://schemas.microsoft.com/office/drawing/2014/main" xmlns="" id="{C60221F0-E61F-4AD3-B683-685CA8D02591}"/>
-              </a:ext>
-            </a:extLst>
-          </p:cNvPr>
-          <p:cNvSpPr>
-            <a:spLocks noGrp="1"/>
-          </p:cNvSpPr>
-          <p:nvPr>
-            <p:ph type="title"/>
-          </p:nvPr>
-        </p:nvSpPr>
         <p:spPr>
           <a:xfrm>
             <a:off x="1843391" y="624110"/>
@@ -36063,12 +36107,12 @@
           <a:lstStyle/>
           <a:p>
             <a:r>
-              <a:rPr lang="en-GB" b="1" dirty="0">
+              <a:rPr lang="en-GB" b="1" dirty="0" smtClean="0">
                 <a:solidFill>
                   <a:srgbClr val="FFFFFF"/>
                 </a:solidFill>
               </a:rPr>
-              <a:t>9</a:t>
+              <a:t>12</a:t>
             </a:r>
             <a:r>
               <a:rPr lang="en-GB" b="1" dirty="0" smtClean="0">
@@ -36099,10 +36143,10 @@
           <p:cNvPr id="12" name="Freeform 11">
             <a:extLst>
               <a:ext uri="{FF2B5EF4-FFF2-40B4-BE49-F238E27FC236}">
-                <a16:creationId xmlns:a16="http://schemas.microsoft.com/office/drawing/2014/main" xmlns="" id="{179B5294-DA4E-4926-B14A-DD6E07A12F67}"/>
+                <a16:creationId xmlns="" xmlns:a16="http://schemas.microsoft.com/office/drawing/2014/main" id="{179B5294-DA4E-4926-B14A-DD6E07A12F67}"/>
               </a:ext>
               <a:ext uri="{C183D7F6-B498-43B3-948B-1728B52AA6E4}">
-                <adec:decorative xmlns:adec="http://schemas.microsoft.com/office/drawing/2017/decorative" xmlns="" val="1"/>
+                <adec:decorative xmlns="" xmlns:adec="http://schemas.microsoft.com/office/drawing/2017/decorative" val="1"/>
               </a:ext>
             </a:extLst>
           </p:cNvPr>
@@ -36112,7 +36156,7 @@
           <p:nvPr>
             <p:extLst>
               <p:ext uri="{386F3935-93C4-4BCD-93E2-E3B085C9AB24}">
-                <p16:designElem xmlns:p16="http://schemas.microsoft.com/office/powerpoint/2015/main" xmlns="" val="1"/>
+                <p16:designElem xmlns="" xmlns:p16="http://schemas.microsoft.com/office/powerpoint/2015/main" val="1"/>
               </p:ext>
             </p:extLst>
           </p:nvPr>
@@ -36376,7 +36420,7 @@
     </p:spTree>
     <p:extLst>
       <p:ext uri="{BB962C8B-B14F-4D97-AF65-F5344CB8AC3E}">
-        <p14:creationId xmlns:p14="http://schemas.microsoft.com/office/powerpoint/2010/main" xmlns="" val="1939423074"/>
+        <p14:creationId xmlns="" xmlns:p14="http://schemas.microsoft.com/office/powerpoint/2010/main" val="1939423074"/>
       </p:ext>
     </p:extLst>
   </p:cSld>
@@ -36418,10 +36462,10 @@
           <p:cNvPr id="8" name="Rectangle 7">
             <a:extLst>
               <a:ext uri="{FF2B5EF4-FFF2-40B4-BE49-F238E27FC236}">
-                <a16:creationId xmlns:a16="http://schemas.microsoft.com/office/drawing/2014/main" xmlns="" id="{3A3C2D7E-3F2E-404E-9B30-CB12DC972D50}"/>
+                <a16:creationId xmlns="" xmlns:a16="http://schemas.microsoft.com/office/drawing/2014/main" id="{3A3C2D7E-3F2E-404E-9B30-CB12DC972D50}"/>
               </a:ext>
               <a:ext uri="{C183D7F6-B498-43B3-948B-1728B52AA6E4}">
-                <adec:decorative xmlns:adec="http://schemas.microsoft.com/office/drawing/2017/decorative" xmlns="" val="1"/>
+                <adec:decorative xmlns="" xmlns:adec="http://schemas.microsoft.com/office/drawing/2017/decorative" val="1"/>
               </a:ext>
             </a:extLst>
           </p:cNvPr>
@@ -36431,7 +36475,7 @@
           <p:nvPr>
             <p:extLst>
               <p:ext uri="{386F3935-93C4-4BCD-93E2-E3B085C9AB24}">
-                <p16:designElem xmlns:p16="http://schemas.microsoft.com/office/powerpoint/2015/main" xmlns="" val="1"/>
+                <p16:designElem xmlns="" xmlns:p16="http://schemas.microsoft.com/office/powerpoint/2015/main" val="1"/>
               </p:ext>
             </p:extLst>
           </p:nvPr>
@@ -36482,10 +36526,10 @@
           <p:cNvPr id="10" name="Rectangle 9">
             <a:extLst>
               <a:ext uri="{FF2B5EF4-FFF2-40B4-BE49-F238E27FC236}">
-                <a16:creationId xmlns:a16="http://schemas.microsoft.com/office/drawing/2014/main" xmlns="" id="{F1F7FD00-BF97-4325-B7C2-E451F20840A7}"/>
+                <a16:creationId xmlns="" xmlns:a16="http://schemas.microsoft.com/office/drawing/2014/main" id="{F1F7FD00-BF97-4325-B7C2-E451F20840A7}"/>
               </a:ext>
               <a:ext uri="{C183D7F6-B498-43B3-948B-1728B52AA6E4}">
-                <adec:decorative xmlns:adec="http://schemas.microsoft.com/office/drawing/2017/decorative" xmlns="" val="1"/>
+                <adec:decorative xmlns="" xmlns:adec="http://schemas.microsoft.com/office/drawing/2017/decorative" val="1"/>
               </a:ext>
             </a:extLst>
           </p:cNvPr>
@@ -36495,7 +36539,7 @@
           <p:nvPr>
             <p:extLst>
               <p:ext uri="{386F3935-93C4-4BCD-93E2-E3B085C9AB24}">
-                <p16:designElem xmlns:p16="http://schemas.microsoft.com/office/powerpoint/2015/main" xmlns="" val="1"/>
+                <p16:designElem xmlns="" xmlns:p16="http://schemas.microsoft.com/office/powerpoint/2015/main" val="1"/>
               </p:ext>
             </p:extLst>
           </p:nvPr>
@@ -36538,7 +36582,7 @@
           <p:cNvPr id="2" name="Title 1">
             <a:extLst>
               <a:ext uri="{FF2B5EF4-FFF2-40B4-BE49-F238E27FC236}">
-                <a16:creationId xmlns:a16="http://schemas.microsoft.com/office/drawing/2014/main" xmlns="" id="{2A87B431-52D1-443E-8FC5-EBEABF21BD8E}"/>
+                <a16:creationId xmlns="" xmlns:a16="http://schemas.microsoft.com/office/drawing/2014/main" id="{2A87B431-52D1-443E-8FC5-EBEABF21BD8E}"/>
               </a:ext>
             </a:extLst>
           </p:cNvPr>
@@ -36562,7 +36606,7 @@
                   <a:srgbClr val="FFFFFF"/>
                 </a:solidFill>
               </a:rPr>
-              <a:t>10. </a:t>
+              <a:t>13. </a:t>
             </a:r>
             <a:r>
               <a:rPr lang="en-GB" b="1" dirty="0">
@@ -36605,10 +36649,10 @@
           <p:cNvPr id="12" name="Freeform 11">
             <a:extLst>
               <a:ext uri="{FF2B5EF4-FFF2-40B4-BE49-F238E27FC236}">
-                <a16:creationId xmlns:a16="http://schemas.microsoft.com/office/drawing/2014/main" xmlns="" id="{179B5294-DA4E-4926-B14A-DD6E07A12F67}"/>
+                <a16:creationId xmlns="" xmlns:a16="http://schemas.microsoft.com/office/drawing/2014/main" id="{179B5294-DA4E-4926-B14A-DD6E07A12F67}"/>
               </a:ext>
               <a:ext uri="{C183D7F6-B498-43B3-948B-1728B52AA6E4}">
-                <adec:decorative xmlns:adec="http://schemas.microsoft.com/office/drawing/2017/decorative" xmlns="" val="1"/>
+                <adec:decorative xmlns="" xmlns:adec="http://schemas.microsoft.com/office/drawing/2017/decorative" val="1"/>
               </a:ext>
             </a:extLst>
           </p:cNvPr>
@@ -36618,7 +36662,7 @@
           <p:nvPr>
             <p:extLst>
               <p:ext uri="{386F3935-93C4-4BCD-93E2-E3B085C9AB24}">
-                <p16:designElem xmlns:p16="http://schemas.microsoft.com/office/powerpoint/2015/main" xmlns="" val="1"/>
+                <p16:designElem xmlns="" xmlns:p16="http://schemas.microsoft.com/office/powerpoint/2015/main" val="1"/>
               </p:ext>
             </p:extLst>
           </p:nvPr>
@@ -36805,7 +36849,7 @@
     </p:spTree>
     <p:extLst>
       <p:ext uri="{BB962C8B-B14F-4D97-AF65-F5344CB8AC3E}">
-        <p14:creationId xmlns:p14="http://schemas.microsoft.com/office/powerpoint/2010/main" xmlns="" val="524905541"/>
+        <p14:creationId xmlns="" xmlns:p14="http://schemas.microsoft.com/office/powerpoint/2010/main" val="524905541"/>
       </p:ext>
     </p:extLst>
   </p:cSld>
@@ -36826,6 +36870,333 @@
 </file>
 
 <file path=ppt/slides/slide18.xml><?xml version="1.0" encoding="utf-8"?>
+<p:sld xmlns:a="http://schemas.openxmlformats.org/drawingml/2006/main" xmlns:r="http://schemas.openxmlformats.org/officeDocument/2006/relationships" xmlns:p="http://schemas.openxmlformats.org/presentationml/2006/main">
+  <p:cSld>
+    <p:spTree>
+      <p:nvGrpSpPr>
+        <p:cNvPr id="1" name=""/>
+        <p:cNvGrpSpPr/>
+        <p:nvPr/>
+      </p:nvGrpSpPr>
+      <p:grpSpPr>
+        <a:xfrm>
+          <a:off x="0" y="0"/>
+          <a:ext cx="0" cy="0"/>
+          <a:chOff x="0" y="0"/>
+          <a:chExt cx="0" cy="0"/>
+        </a:xfrm>
+      </p:grpSpPr>
+      <p:sp useBgFill="1">
+        <p:nvSpPr>
+          <p:cNvPr id="8" name="Rectangle 7">
+            <a:extLst>
+              <a:ext uri="{FF2B5EF4-FFF2-40B4-BE49-F238E27FC236}">
+                <a16:creationId xmlns="" xmlns:a16="http://schemas.microsoft.com/office/drawing/2014/main" id="{3A3C2D7E-3F2E-404E-9B30-CB12DC972D50}"/>
+              </a:ext>
+              <a:ext uri="{C183D7F6-B498-43B3-948B-1728B52AA6E4}">
+                <adec:decorative xmlns="" xmlns:adec="http://schemas.microsoft.com/office/drawing/2017/decorative" val="1"/>
+              </a:ext>
+            </a:extLst>
+          </p:cNvPr>
+          <p:cNvSpPr>
+            <a:spLocks noGrp="1" noRot="1" noChangeAspect="1" noMove="1" noResize="1" noEditPoints="1" noAdjustHandles="1" noChangeArrowheads="1" noChangeShapeType="1" noTextEdit="1"/>
+          </p:cNvSpPr>
+          <p:nvPr>
+            <p:extLst>
+              <p:ext uri="{386F3935-93C4-4BCD-93E2-E3B085C9AB24}">
+                <p16:designElem xmlns="" xmlns:p16="http://schemas.microsoft.com/office/powerpoint/2015/main" val="1"/>
+              </p:ext>
+            </p:extLst>
+          </p:nvPr>
+        </p:nvSpPr>
+        <p:spPr>
+          <a:xfrm>
+            <a:off x="1" y="0"/>
+            <a:ext cx="12192000" cy="6858000"/>
+          </a:xfrm>
+          <a:prstGeom prst="rect">
+            <a:avLst/>
+          </a:prstGeom>
+          <a:ln>
+            <a:noFill/>
+          </a:ln>
+        </p:spPr>
+        <p:style>
+          <a:lnRef idx="2">
+            <a:schemeClr val="accent1">
+              <a:shade val="50000"/>
+            </a:schemeClr>
+          </a:lnRef>
+          <a:fillRef idx="1">
+            <a:schemeClr val="accent1"/>
+          </a:fillRef>
+          <a:effectRef idx="0">
+            <a:schemeClr val="accent1"/>
+          </a:effectRef>
+          <a:fontRef idx="minor">
+            <a:schemeClr val="lt1"/>
+          </a:fontRef>
+        </p:style>
+        <p:txBody>
+          <a:bodyPr rtlCol="0" anchor="ctr"/>
+          <a:lstStyle/>
+          <a:p>
+            <a:pPr algn="ctr"/>
+            <a:endParaRPr lang="en-US"/>
+          </a:p>
+        </p:txBody>
+      </p:sp>
+      <p:sp>
+        <p:nvSpPr>
+          <p:cNvPr id="10" name="Rectangle 9">
+            <a:extLst>
+              <a:ext uri="{FF2B5EF4-FFF2-40B4-BE49-F238E27FC236}">
+                <a16:creationId xmlns="" xmlns:a16="http://schemas.microsoft.com/office/drawing/2014/main" id="{F1F7FD00-BF97-4325-B7C2-E451F20840A7}"/>
+              </a:ext>
+              <a:ext uri="{C183D7F6-B498-43B3-948B-1728B52AA6E4}">
+                <adec:decorative xmlns="" xmlns:adec="http://schemas.microsoft.com/office/drawing/2017/decorative" val="1"/>
+              </a:ext>
+            </a:extLst>
+          </p:cNvPr>
+          <p:cNvSpPr>
+            <a:spLocks noGrp="1" noRot="1" noChangeAspect="1" noMove="1" noResize="1" noEditPoints="1" noAdjustHandles="1" noChangeArrowheads="1" noChangeShapeType="1" noTextEdit="1"/>
+          </p:cNvSpPr>
+          <p:nvPr>
+            <p:extLst>
+              <p:ext uri="{386F3935-93C4-4BCD-93E2-E3B085C9AB24}">
+                <p16:designElem xmlns="" xmlns:p16="http://schemas.microsoft.com/office/powerpoint/2015/main" val="1"/>
+              </p:ext>
+            </p:extLst>
+          </p:nvPr>
+        </p:nvSpPr>
+        <p:spPr>
+          <a:xfrm>
+            <a:off x="0" y="0"/>
+            <a:ext cx="12192000" cy="2306695"/>
+          </a:xfrm>
+          <a:prstGeom prst="rect">
+            <a:avLst/>
+          </a:prstGeom>
+          <a:solidFill>
+            <a:schemeClr val="tx2">
+              <a:lumMod val="50000"/>
+            </a:schemeClr>
+          </a:solidFill>
+          <a:ln>
+            <a:noFill/>
+          </a:ln>
+          <a:effectLst/>
+        </p:spPr>
+        <p:style>
+          <a:lnRef idx="1">
+            <a:schemeClr val="accent1"/>
+          </a:lnRef>
+          <a:fillRef idx="3">
+            <a:schemeClr val="accent1"/>
+          </a:fillRef>
+          <a:effectRef idx="2">
+            <a:schemeClr val="accent1"/>
+          </a:effectRef>
+          <a:fontRef idx="minor">
+            <a:schemeClr val="lt1"/>
+          </a:fontRef>
+        </p:style>
+      </p:sp>
+      <p:sp>
+        <p:nvSpPr>
+          <p:cNvPr id="2" name="Title 1">
+            <a:extLst>
+              <a:ext uri="{FF2B5EF4-FFF2-40B4-BE49-F238E27FC236}">
+                <a16:creationId xmlns="" xmlns:a16="http://schemas.microsoft.com/office/drawing/2014/main" id="{A875E76E-82C7-4FA8-9842-E997F8767AB0}"/>
+              </a:ext>
+            </a:extLst>
+          </p:cNvPr>
+          <p:cNvSpPr>
+            <a:spLocks noGrp="1"/>
+          </p:cNvSpPr>
+          <p:nvPr>
+            <p:ph type="title"/>
+          </p:nvPr>
+        </p:nvSpPr>
+        <p:spPr>
+          <a:xfrm>
+            <a:off x="1843391" y="624110"/>
+            <a:ext cx="9383408" cy="1280890"/>
+          </a:xfrm>
+        </p:spPr>
+        <p:txBody>
+          <a:bodyPr>
+            <a:normAutofit/>
+          </a:bodyPr>
+          <a:lstStyle/>
+          <a:p>
+            <a:r>
+              <a:rPr lang="en-GB" b="1" dirty="0" smtClean="0">
+                <a:solidFill>
+                  <a:srgbClr val="FFFFFF"/>
+                </a:solidFill>
+              </a:rPr>
+              <a:t>14. </a:t>
+            </a:r>
+            <a:r>
+              <a:rPr lang="en-GB" b="1" dirty="0">
+                <a:solidFill>
+                  <a:srgbClr val="FFFFFF"/>
+                </a:solidFill>
+              </a:rPr>
+              <a:t>POSSIBLE APPLICATION OF WORK </a:t>
+            </a:r>
+            <a:endParaRPr lang="x-none" b="1" dirty="0">
+              <a:solidFill>
+                <a:srgbClr val="FFFFFF"/>
+              </a:solidFill>
+            </a:endParaRPr>
+          </a:p>
+        </p:txBody>
+      </p:sp>
+      <p:sp>
+        <p:nvSpPr>
+          <p:cNvPr id="12" name="Freeform 11">
+            <a:extLst>
+              <a:ext uri="{FF2B5EF4-FFF2-40B4-BE49-F238E27FC236}">
+                <a16:creationId xmlns="" xmlns:a16="http://schemas.microsoft.com/office/drawing/2014/main" id="{179B5294-DA4E-4926-B14A-DD6E07A12F67}"/>
+              </a:ext>
+              <a:ext uri="{C183D7F6-B498-43B3-948B-1728B52AA6E4}">
+                <adec:decorative xmlns="" xmlns:adec="http://schemas.microsoft.com/office/drawing/2017/decorative" val="1"/>
+              </a:ext>
+            </a:extLst>
+          </p:cNvPr>
+          <p:cNvSpPr>
+            <a:spLocks noGrp="1" noRot="1" noChangeAspect="1" noMove="1" noResize="1" noEditPoints="1" noAdjustHandles="1" noChangeArrowheads="1" noChangeShapeType="1" noTextEdit="1"/>
+          </p:cNvSpPr>
+          <p:nvPr>
+            <p:extLst>
+              <p:ext uri="{386F3935-93C4-4BCD-93E2-E3B085C9AB24}">
+                <p16:designElem xmlns="" xmlns:p16="http://schemas.microsoft.com/office/powerpoint/2015/main" val="1"/>
+              </p:ext>
+            </p:extLst>
+          </p:nvPr>
+        </p:nvSpPr>
+        <p:spPr bwMode="auto">
+          <a:xfrm flipV="1">
+            <a:off x="-4189" y="714375"/>
+            <a:ext cx="1588527" cy="507297"/>
+          </a:xfrm>
+          <a:custGeom>
+            <a:avLst/>
+            <a:gdLst/>
+            <a:ahLst/>
+            <a:cxnLst/>
+            <a:rect l="l" t="t" r="r" b="b"/>
+            <a:pathLst>
+              <a:path w="9248" h="10000">
+                <a:moveTo>
+                  <a:pt x="9248" y="4701"/>
+                </a:moveTo>
+                <a:lnTo>
+                  <a:pt x="7915" y="188"/>
+                </a:lnTo>
+                <a:cubicBezTo>
+                  <a:pt x="7906" y="156"/>
+                  <a:pt x="7895" y="126"/>
+                  <a:pt x="7886" y="94"/>
+                </a:cubicBezTo>
+                <a:cubicBezTo>
+                  <a:pt x="7859" y="0"/>
+                  <a:pt x="7831" y="0"/>
+                  <a:pt x="7803" y="0"/>
+                </a:cubicBezTo>
+                <a:lnTo>
+                  <a:pt x="7275" y="0"/>
+                </a:lnTo>
+                <a:lnTo>
+                  <a:pt x="0" y="70"/>
+                </a:lnTo>
+                <a:cubicBezTo>
+                  <a:pt x="8" y="3380"/>
+                  <a:pt x="17" y="6690"/>
+                  <a:pt x="25" y="10000"/>
+                </a:cubicBezTo>
+                <a:lnTo>
+                  <a:pt x="7275" y="9966"/>
+                </a:lnTo>
+                <a:lnTo>
+                  <a:pt x="7803" y="9966"/>
+                </a:lnTo>
+                <a:cubicBezTo>
+                  <a:pt x="7831" y="9966"/>
+                  <a:pt x="7859" y="9872"/>
+                  <a:pt x="7886" y="9872"/>
+                </a:cubicBezTo>
+                <a:cubicBezTo>
+                  <a:pt x="7886" y="9778"/>
+                  <a:pt x="7915" y="9778"/>
+                  <a:pt x="7915" y="9778"/>
+                </a:cubicBezTo>
+                <a:lnTo>
+                  <a:pt x="9248" y="5265"/>
+                </a:lnTo>
+                <a:cubicBezTo>
+                  <a:pt x="9303" y="5077"/>
+                  <a:pt x="9303" y="4889"/>
+                  <a:pt x="9248" y="4701"/>
+                </a:cubicBezTo>
+                <a:close/>
+              </a:path>
+            </a:pathLst>
+          </a:custGeom>
+          <a:solidFill>
+            <a:schemeClr val="accent1"/>
+          </a:solidFill>
+          <a:ln>
+            <a:noFill/>
+          </a:ln>
+        </p:spPr>
+      </p:sp>
+      <p:graphicFrame>
+        <p:nvGraphicFramePr>
+          <p:cNvPr id="11" name="Content Placeholder 10"/>
+          <p:cNvGraphicFramePr>
+            <a:graphicFrameLocks noGrp="1"/>
+          </p:cNvGraphicFramePr>
+          <p:nvPr>
+            <p:ph idx="1"/>
+          </p:nvPr>
+        </p:nvGraphicFramePr>
+        <p:xfrm>
+          <a:off x="1752599" y="2380343"/>
+          <a:ext cx="8140701" cy="4180114"/>
+        </p:xfrm>
+        <a:graphic>
+          <a:graphicData uri="http://schemas.openxmlformats.org/drawingml/2006/diagram">
+            <dgm:relIds xmlns:dgm="http://schemas.openxmlformats.org/drawingml/2006/diagram" xmlns:r="http://schemas.openxmlformats.org/officeDocument/2006/relationships" r:dm="rId2" r:lo="rId3" r:qs="rId4" r:cs="rId5"/>
+          </a:graphicData>
+        </a:graphic>
+      </p:graphicFrame>
+    </p:spTree>
+    <p:extLst>
+      <p:ext uri="{BB962C8B-B14F-4D97-AF65-F5344CB8AC3E}">
+        <p14:creationId xmlns="" xmlns:p14="http://schemas.microsoft.com/office/powerpoint/2010/main" val="119922345"/>
+      </p:ext>
+    </p:extLst>
+  </p:cSld>
+  <p:clrMapOvr>
+    <a:masterClrMapping/>
+  </p:clrMapOvr>
+  <p:transition spd="med">
+    <p:pull dir="d"/>
+  </p:transition>
+  <p:timing>
+    <p:tnLst>
+      <p:par>
+        <p:cTn id="1" dur="indefinite" restart="never" nodeType="tmRoot"/>
+      </p:par>
+    </p:tnLst>
+  </p:timing>
+</p:sld>
+</file>
+
+<file path=ppt/slides/slide19.xml><?xml version="1.0" encoding="utf-8"?>
 <p:sld xmlns:a="http://schemas.openxmlformats.org/drawingml/2006/main" xmlns:r="http://schemas.openxmlformats.org/officeDocument/2006/relationships" xmlns:p="http://schemas.openxmlformats.org/presentationml/2006/main">
   <p:cSld>
     <p:spTree>
@@ -36963,7 +37334,7 @@
           <p:cNvPr id="2" name="Title 1">
             <a:extLst>
               <a:ext uri="{FF2B5EF4-FFF2-40B4-BE49-F238E27FC236}">
-                <a16:creationId xmlns:a16="http://schemas.microsoft.com/office/drawing/2014/main" xmlns="" id="{A875E76E-82C7-4FA8-9842-E997F8767AB0}"/>
+                <a16:creationId xmlns:a16="http://schemas.microsoft.com/office/drawing/2014/main" xmlns="" id="{705EB085-B337-4199-A40E-269BA49121BE}"/>
               </a:ext>
             </a:extLst>
           </p:cNvPr>
@@ -36992,7 +37363,7 @@
                   <a:srgbClr val="FFFFFF"/>
                 </a:solidFill>
               </a:rPr>
-              <a:t>11. </a:t>
+              <a:t>15. </a:t>
             </a:r>
             <a:r>
               <a:rPr lang="en-GB" b="1" dirty="0">
@@ -37000,9 +37371,9 @@
                   <a:srgbClr val="FFFFFF"/>
                 </a:solidFill>
               </a:rPr>
-              <a:t>POSSIBLE APPLICATION OF WORK </a:t>
+              <a:t>FEASIBILITY STUDY </a:t>
             </a:r>
-            <a:endParaRPr lang="x-none" b="1" dirty="0">
+            <a:endParaRPr lang="x-none" b="1">
               <a:solidFill>
                 <a:srgbClr val="FFFFFF"/>
               </a:solidFill>
@@ -37111,333 +37482,6 @@
       </p:sp>
       <p:graphicFrame>
         <p:nvGraphicFramePr>
-          <p:cNvPr id="11" name="Content Placeholder 10"/>
-          <p:cNvGraphicFramePr>
-            <a:graphicFrameLocks noGrp="1"/>
-          </p:cNvGraphicFramePr>
-          <p:nvPr>
-            <p:ph idx="1"/>
-          </p:nvPr>
-        </p:nvGraphicFramePr>
-        <p:xfrm>
-          <a:off x="1752599" y="2380343"/>
-          <a:ext cx="8140701" cy="4180114"/>
-        </p:xfrm>
-        <a:graphic>
-          <a:graphicData uri="http://schemas.openxmlformats.org/drawingml/2006/diagram">
-            <dgm:relIds xmlns:dgm="http://schemas.openxmlformats.org/drawingml/2006/diagram" xmlns:r="http://schemas.openxmlformats.org/officeDocument/2006/relationships" r:dm="rId2" r:lo="rId3" r:qs="rId4" r:cs="rId5"/>
-          </a:graphicData>
-        </a:graphic>
-      </p:graphicFrame>
-    </p:spTree>
-    <p:extLst>
-      <p:ext uri="{BB962C8B-B14F-4D97-AF65-F5344CB8AC3E}">
-        <p14:creationId xmlns:p14="http://schemas.microsoft.com/office/powerpoint/2010/main" xmlns="" val="119922345"/>
-      </p:ext>
-    </p:extLst>
-  </p:cSld>
-  <p:clrMapOvr>
-    <a:masterClrMapping/>
-  </p:clrMapOvr>
-  <p:transition spd="med">
-    <p:pull dir="d"/>
-  </p:transition>
-  <p:timing>
-    <p:tnLst>
-      <p:par>
-        <p:cTn id="1" dur="indefinite" restart="never" nodeType="tmRoot"/>
-      </p:par>
-    </p:tnLst>
-  </p:timing>
-</p:sld>
-</file>
-
-<file path=ppt/slides/slide19.xml><?xml version="1.0" encoding="utf-8"?>
-<p:sld xmlns:a="http://schemas.openxmlformats.org/drawingml/2006/main" xmlns:r="http://schemas.openxmlformats.org/officeDocument/2006/relationships" xmlns:p="http://schemas.openxmlformats.org/presentationml/2006/main">
-  <p:cSld>
-    <p:spTree>
-      <p:nvGrpSpPr>
-        <p:cNvPr id="1" name=""/>
-        <p:cNvGrpSpPr/>
-        <p:nvPr/>
-      </p:nvGrpSpPr>
-      <p:grpSpPr>
-        <a:xfrm>
-          <a:off x="0" y="0"/>
-          <a:ext cx="0" cy="0"/>
-          <a:chOff x="0" y="0"/>
-          <a:chExt cx="0" cy="0"/>
-        </a:xfrm>
-      </p:grpSpPr>
-      <p:sp useBgFill="1">
-        <p:nvSpPr>
-          <p:cNvPr id="8" name="Rectangle 7">
-            <a:extLst>
-              <a:ext uri="{FF2B5EF4-FFF2-40B4-BE49-F238E27FC236}">
-                <a16:creationId xmlns="" xmlns:a16="http://schemas.microsoft.com/office/drawing/2014/main" id="{3A3C2D7E-3F2E-404E-9B30-CB12DC972D50}"/>
-              </a:ext>
-              <a:ext uri="{C183D7F6-B498-43B3-948B-1728B52AA6E4}">
-                <adec:decorative xmlns="" xmlns:adec="http://schemas.microsoft.com/office/drawing/2017/decorative" val="1"/>
-              </a:ext>
-            </a:extLst>
-          </p:cNvPr>
-          <p:cNvSpPr>
-            <a:spLocks noGrp="1" noRot="1" noChangeAspect="1" noMove="1" noResize="1" noEditPoints="1" noAdjustHandles="1" noChangeArrowheads="1" noChangeShapeType="1" noTextEdit="1"/>
-          </p:cNvSpPr>
-          <p:nvPr>
-            <p:extLst>
-              <p:ext uri="{386F3935-93C4-4BCD-93E2-E3B085C9AB24}">
-                <p16:designElem xmlns="" xmlns:p16="http://schemas.microsoft.com/office/powerpoint/2015/main" val="1"/>
-              </p:ext>
-            </p:extLst>
-          </p:nvPr>
-        </p:nvSpPr>
-        <p:spPr>
-          <a:xfrm>
-            <a:off x="1" y="0"/>
-            <a:ext cx="12192000" cy="6858000"/>
-          </a:xfrm>
-          <a:prstGeom prst="rect">
-            <a:avLst/>
-          </a:prstGeom>
-          <a:ln>
-            <a:noFill/>
-          </a:ln>
-        </p:spPr>
-        <p:style>
-          <a:lnRef idx="2">
-            <a:schemeClr val="accent1">
-              <a:shade val="50000"/>
-            </a:schemeClr>
-          </a:lnRef>
-          <a:fillRef idx="1">
-            <a:schemeClr val="accent1"/>
-          </a:fillRef>
-          <a:effectRef idx="0">
-            <a:schemeClr val="accent1"/>
-          </a:effectRef>
-          <a:fontRef idx="minor">
-            <a:schemeClr val="lt1"/>
-          </a:fontRef>
-        </p:style>
-        <p:txBody>
-          <a:bodyPr rtlCol="0" anchor="ctr"/>
-          <a:lstStyle/>
-          <a:p>
-            <a:pPr algn="ctr"/>
-            <a:endParaRPr lang="en-US"/>
-          </a:p>
-        </p:txBody>
-      </p:sp>
-      <p:sp>
-        <p:nvSpPr>
-          <p:cNvPr id="10" name="Rectangle 9">
-            <a:extLst>
-              <a:ext uri="{FF2B5EF4-FFF2-40B4-BE49-F238E27FC236}">
-                <a16:creationId xmlns="" xmlns:a16="http://schemas.microsoft.com/office/drawing/2014/main" id="{F1F7FD00-BF97-4325-B7C2-E451F20840A7}"/>
-              </a:ext>
-              <a:ext uri="{C183D7F6-B498-43B3-948B-1728B52AA6E4}">
-                <adec:decorative xmlns="" xmlns:adec="http://schemas.microsoft.com/office/drawing/2017/decorative" val="1"/>
-              </a:ext>
-            </a:extLst>
-          </p:cNvPr>
-          <p:cNvSpPr>
-            <a:spLocks noGrp="1" noRot="1" noChangeAspect="1" noMove="1" noResize="1" noEditPoints="1" noAdjustHandles="1" noChangeArrowheads="1" noChangeShapeType="1" noTextEdit="1"/>
-          </p:cNvSpPr>
-          <p:nvPr>
-            <p:extLst>
-              <p:ext uri="{386F3935-93C4-4BCD-93E2-E3B085C9AB24}">
-                <p16:designElem xmlns="" xmlns:p16="http://schemas.microsoft.com/office/powerpoint/2015/main" val="1"/>
-              </p:ext>
-            </p:extLst>
-          </p:nvPr>
-        </p:nvSpPr>
-        <p:spPr>
-          <a:xfrm>
-            <a:off x="0" y="0"/>
-            <a:ext cx="12192000" cy="2306695"/>
-          </a:xfrm>
-          <a:prstGeom prst="rect">
-            <a:avLst/>
-          </a:prstGeom>
-          <a:solidFill>
-            <a:schemeClr val="tx2">
-              <a:lumMod val="50000"/>
-            </a:schemeClr>
-          </a:solidFill>
-          <a:ln>
-            <a:noFill/>
-          </a:ln>
-          <a:effectLst/>
-        </p:spPr>
-        <p:style>
-          <a:lnRef idx="1">
-            <a:schemeClr val="accent1"/>
-          </a:lnRef>
-          <a:fillRef idx="3">
-            <a:schemeClr val="accent1"/>
-          </a:fillRef>
-          <a:effectRef idx="2">
-            <a:schemeClr val="accent1"/>
-          </a:effectRef>
-          <a:fontRef idx="minor">
-            <a:schemeClr val="lt1"/>
-          </a:fontRef>
-        </p:style>
-      </p:sp>
-      <p:sp>
-        <p:nvSpPr>
-          <p:cNvPr id="2" name="Title 1">
-            <a:extLst>
-              <a:ext uri="{FF2B5EF4-FFF2-40B4-BE49-F238E27FC236}">
-                <a16:creationId xmlns="" xmlns:a16="http://schemas.microsoft.com/office/drawing/2014/main" id="{705EB085-B337-4199-A40E-269BA49121BE}"/>
-              </a:ext>
-            </a:extLst>
-          </p:cNvPr>
-          <p:cNvSpPr>
-            <a:spLocks noGrp="1"/>
-          </p:cNvSpPr>
-          <p:nvPr>
-            <p:ph type="title"/>
-          </p:nvPr>
-        </p:nvSpPr>
-        <p:spPr>
-          <a:xfrm>
-            <a:off x="1843391" y="624110"/>
-            <a:ext cx="9383408" cy="1280890"/>
-          </a:xfrm>
-        </p:spPr>
-        <p:txBody>
-          <a:bodyPr>
-            <a:normAutofit/>
-          </a:bodyPr>
-          <a:lstStyle/>
-          <a:p>
-            <a:r>
-              <a:rPr lang="en-GB" b="1" dirty="0" smtClean="0">
-                <a:solidFill>
-                  <a:srgbClr val="FFFFFF"/>
-                </a:solidFill>
-              </a:rPr>
-              <a:t>12. </a:t>
-            </a:r>
-            <a:r>
-              <a:rPr lang="en-GB" b="1" dirty="0">
-                <a:solidFill>
-                  <a:srgbClr val="FFFFFF"/>
-                </a:solidFill>
-              </a:rPr>
-              <a:t>FEASIBILITY STUDY </a:t>
-            </a:r>
-            <a:endParaRPr lang="x-none" b="1">
-              <a:solidFill>
-                <a:srgbClr val="FFFFFF"/>
-              </a:solidFill>
-            </a:endParaRPr>
-          </a:p>
-        </p:txBody>
-      </p:sp>
-      <p:sp>
-        <p:nvSpPr>
-          <p:cNvPr id="12" name="Freeform 11">
-            <a:extLst>
-              <a:ext uri="{FF2B5EF4-FFF2-40B4-BE49-F238E27FC236}">
-                <a16:creationId xmlns="" xmlns:a16="http://schemas.microsoft.com/office/drawing/2014/main" id="{179B5294-DA4E-4926-B14A-DD6E07A12F67}"/>
-              </a:ext>
-              <a:ext uri="{C183D7F6-B498-43B3-948B-1728B52AA6E4}">
-                <adec:decorative xmlns="" xmlns:adec="http://schemas.microsoft.com/office/drawing/2017/decorative" val="1"/>
-              </a:ext>
-            </a:extLst>
-          </p:cNvPr>
-          <p:cNvSpPr>
-            <a:spLocks noGrp="1" noRot="1" noChangeAspect="1" noMove="1" noResize="1" noEditPoints="1" noAdjustHandles="1" noChangeArrowheads="1" noChangeShapeType="1" noTextEdit="1"/>
-          </p:cNvSpPr>
-          <p:nvPr>
-            <p:extLst>
-              <p:ext uri="{386F3935-93C4-4BCD-93E2-E3B085C9AB24}">
-                <p16:designElem xmlns="" xmlns:p16="http://schemas.microsoft.com/office/powerpoint/2015/main" val="1"/>
-              </p:ext>
-            </p:extLst>
-          </p:nvPr>
-        </p:nvSpPr>
-        <p:spPr bwMode="auto">
-          <a:xfrm flipV="1">
-            <a:off x="-4189" y="714375"/>
-            <a:ext cx="1588527" cy="507297"/>
-          </a:xfrm>
-          <a:custGeom>
-            <a:avLst/>
-            <a:gdLst/>
-            <a:ahLst/>
-            <a:cxnLst/>
-            <a:rect l="l" t="t" r="r" b="b"/>
-            <a:pathLst>
-              <a:path w="9248" h="10000">
-                <a:moveTo>
-                  <a:pt x="9248" y="4701"/>
-                </a:moveTo>
-                <a:lnTo>
-                  <a:pt x="7915" y="188"/>
-                </a:lnTo>
-                <a:cubicBezTo>
-                  <a:pt x="7906" y="156"/>
-                  <a:pt x="7895" y="126"/>
-                  <a:pt x="7886" y="94"/>
-                </a:cubicBezTo>
-                <a:cubicBezTo>
-                  <a:pt x="7859" y="0"/>
-                  <a:pt x="7831" y="0"/>
-                  <a:pt x="7803" y="0"/>
-                </a:cubicBezTo>
-                <a:lnTo>
-                  <a:pt x="7275" y="0"/>
-                </a:lnTo>
-                <a:lnTo>
-                  <a:pt x="0" y="70"/>
-                </a:lnTo>
-                <a:cubicBezTo>
-                  <a:pt x="8" y="3380"/>
-                  <a:pt x="17" y="6690"/>
-                  <a:pt x="25" y="10000"/>
-                </a:cubicBezTo>
-                <a:lnTo>
-                  <a:pt x="7275" y="9966"/>
-                </a:lnTo>
-                <a:lnTo>
-                  <a:pt x="7803" y="9966"/>
-                </a:lnTo>
-                <a:cubicBezTo>
-                  <a:pt x="7831" y="9966"/>
-                  <a:pt x="7859" y="9872"/>
-                  <a:pt x="7886" y="9872"/>
-                </a:cubicBezTo>
-                <a:cubicBezTo>
-                  <a:pt x="7886" y="9778"/>
-                  <a:pt x="7915" y="9778"/>
-                  <a:pt x="7915" y="9778"/>
-                </a:cubicBezTo>
-                <a:lnTo>
-                  <a:pt x="9248" y="5265"/>
-                </a:lnTo>
-                <a:cubicBezTo>
-                  <a:pt x="9303" y="5077"/>
-                  <a:pt x="9303" y="4889"/>
-                  <a:pt x="9248" y="4701"/>
-                </a:cubicBezTo>
-                <a:close/>
-              </a:path>
-            </a:pathLst>
-          </a:custGeom>
-          <a:solidFill>
-            <a:schemeClr val="accent1"/>
-          </a:solidFill>
-          <a:ln>
-            <a:noFill/>
-          </a:ln>
-        </p:spPr>
-      </p:sp>
-      <p:graphicFrame>
-        <p:nvGraphicFramePr>
           <p:cNvPr id="9" name="Content Placeholder 8"/>
           <p:cNvGraphicFramePr>
             <a:graphicFrameLocks noGrp="1"/>
@@ -37459,7 +37503,7 @@
     </p:spTree>
     <p:extLst>
       <p:ext uri="{BB962C8B-B14F-4D97-AF65-F5344CB8AC3E}">
-        <p14:creationId xmlns:p14="http://schemas.microsoft.com/office/powerpoint/2010/main" xmlns="" val="2977952652"/>
+        <p14:creationId xmlns="" xmlns:p14="http://schemas.microsoft.com/office/powerpoint/2010/main" val="2977952652"/>
       </p:ext>
     </p:extLst>
   </p:cSld>
@@ -37527,10 +37571,10 @@
           <p:cNvPr id="8" name="Rectangle 7">
             <a:extLst>
               <a:ext uri="{FF2B5EF4-FFF2-40B4-BE49-F238E27FC236}">
-                <a16:creationId xmlns="" xmlns:a16="http://schemas.microsoft.com/office/drawing/2014/main" id="{3A3C2D7E-3F2E-404E-9B30-CB12DC972D50}"/>
+                <a16:creationId xmlns:a16="http://schemas.microsoft.com/office/drawing/2014/main" xmlns="" id="{3A3C2D7E-3F2E-404E-9B30-CB12DC972D50}"/>
               </a:ext>
               <a:ext uri="{C183D7F6-B498-43B3-948B-1728B52AA6E4}">
-                <adec:decorative xmlns="" xmlns:adec="http://schemas.microsoft.com/office/drawing/2017/decorative" val="1"/>
+                <adec:decorative xmlns:adec="http://schemas.microsoft.com/office/drawing/2017/decorative" xmlns="" val="1"/>
               </a:ext>
             </a:extLst>
           </p:cNvPr>
@@ -37540,7 +37584,7 @@
           <p:nvPr>
             <p:extLst>
               <p:ext uri="{386F3935-93C4-4BCD-93E2-E3B085C9AB24}">
-                <p16:designElem xmlns="" xmlns:p16="http://schemas.microsoft.com/office/powerpoint/2015/main" val="1"/>
+                <p16:designElem xmlns:p16="http://schemas.microsoft.com/office/powerpoint/2015/main" xmlns="" val="1"/>
               </p:ext>
             </p:extLst>
           </p:nvPr>
@@ -37587,10 +37631,10 @@
           <p:cNvPr id="10" name="Rectangle 9">
             <a:extLst>
               <a:ext uri="{FF2B5EF4-FFF2-40B4-BE49-F238E27FC236}">
-                <a16:creationId xmlns="" xmlns:a16="http://schemas.microsoft.com/office/drawing/2014/main" id="{F1F7FD00-BF97-4325-B7C2-E451F20840A7}"/>
+                <a16:creationId xmlns:a16="http://schemas.microsoft.com/office/drawing/2014/main" xmlns="" id="{F1F7FD00-BF97-4325-B7C2-E451F20840A7}"/>
               </a:ext>
               <a:ext uri="{C183D7F6-B498-43B3-948B-1728B52AA6E4}">
-                <adec:decorative xmlns="" xmlns:adec="http://schemas.microsoft.com/office/drawing/2017/decorative" val="1"/>
+                <adec:decorative xmlns:adec="http://schemas.microsoft.com/office/drawing/2017/decorative" xmlns="" val="1"/>
               </a:ext>
             </a:extLst>
           </p:cNvPr>
@@ -37600,7 +37644,7 @@
           <p:nvPr>
             <p:extLst>
               <p:ext uri="{386F3935-93C4-4BCD-93E2-E3B085C9AB24}">
-                <p16:designElem xmlns="" xmlns:p16="http://schemas.microsoft.com/office/powerpoint/2015/main" val="1"/>
+                <p16:designElem xmlns:p16="http://schemas.microsoft.com/office/powerpoint/2015/main" xmlns="" val="1"/>
               </p:ext>
             </p:extLst>
           </p:nvPr>
@@ -37643,7 +37687,7 @@
           <p:cNvPr id="2" name="Title 1">
             <a:extLst>
               <a:ext uri="{FF2B5EF4-FFF2-40B4-BE49-F238E27FC236}">
-                <a16:creationId xmlns="" xmlns:a16="http://schemas.microsoft.com/office/drawing/2014/main" id="{BA2BFF53-F080-4837-B3FC-77C4CC391CF6}"/>
+                <a16:creationId xmlns:a16="http://schemas.microsoft.com/office/drawing/2014/main" xmlns="" id="{BA2BFF53-F080-4837-B3FC-77C4CC391CF6}"/>
               </a:ext>
             </a:extLst>
           </p:cNvPr>
@@ -37682,7 +37726,7 @@
           <p:cNvPr id="3" name="Content Placeholder 2">
             <a:extLst>
               <a:ext uri="{FF2B5EF4-FFF2-40B4-BE49-F238E27FC236}">
-                <a16:creationId xmlns="" xmlns:a16="http://schemas.microsoft.com/office/drawing/2014/main" id="{5AE71383-70B6-4A9E-A22E-EE6057E31C1C}"/>
+                <a16:creationId xmlns:a16="http://schemas.microsoft.com/office/drawing/2014/main" xmlns="" id="{5AE71383-70B6-4A9E-A22E-EE6057E31C1C}"/>
               </a:ext>
             </a:extLst>
           </p:cNvPr>
@@ -37786,10 +37830,10 @@
           <p:cNvPr id="12" name="Freeform 11">
             <a:extLst>
               <a:ext uri="{FF2B5EF4-FFF2-40B4-BE49-F238E27FC236}">
-                <a16:creationId xmlns="" xmlns:a16="http://schemas.microsoft.com/office/drawing/2014/main" id="{179B5294-DA4E-4926-B14A-DD6E07A12F67}"/>
+                <a16:creationId xmlns:a16="http://schemas.microsoft.com/office/drawing/2014/main" xmlns="" id="{179B5294-DA4E-4926-B14A-DD6E07A12F67}"/>
               </a:ext>
               <a:ext uri="{C183D7F6-B498-43B3-948B-1728B52AA6E4}">
-                <adec:decorative xmlns="" xmlns:adec="http://schemas.microsoft.com/office/drawing/2017/decorative" val="1"/>
+                <adec:decorative xmlns:adec="http://schemas.microsoft.com/office/drawing/2017/decorative" xmlns="" val="1"/>
               </a:ext>
             </a:extLst>
           </p:cNvPr>
@@ -37799,7 +37843,7 @@
           <p:nvPr>
             <p:extLst>
               <p:ext uri="{386F3935-93C4-4BCD-93E2-E3B085C9AB24}">
-                <p16:designElem xmlns="" xmlns:p16="http://schemas.microsoft.com/office/powerpoint/2015/main" val="1"/>
+                <p16:designElem xmlns:p16="http://schemas.microsoft.com/office/powerpoint/2015/main" xmlns="" val="1"/>
               </p:ext>
             </p:extLst>
           </p:nvPr>
@@ -37883,7 +37927,7 @@
     </p:spTree>
     <p:extLst>
       <p:ext uri="{BB962C8B-B14F-4D97-AF65-F5344CB8AC3E}">
-        <p14:creationId xmlns:p14="http://schemas.microsoft.com/office/powerpoint/2010/main" xmlns="" val="3974696075"/>
+        <p14:creationId xmlns="" xmlns:p14="http://schemas.microsoft.com/office/powerpoint/2010/main" val="3974696075"/>
       </p:ext>
     </p:extLst>
   </p:cSld>
@@ -37951,10 +37995,10 @@
           <p:cNvPr id="8" name="Rectangle 7">
             <a:extLst>
               <a:ext uri="{FF2B5EF4-FFF2-40B4-BE49-F238E27FC236}">
-                <a16:creationId xmlns="" xmlns:a16="http://schemas.microsoft.com/office/drawing/2014/main" id="{3A3C2D7E-3F2E-404E-9B30-CB12DC972D50}"/>
+                <a16:creationId xmlns:a16="http://schemas.microsoft.com/office/drawing/2014/main" xmlns="" id="{3A3C2D7E-3F2E-404E-9B30-CB12DC972D50}"/>
               </a:ext>
               <a:ext uri="{C183D7F6-B498-43B3-948B-1728B52AA6E4}">
-                <adec:decorative xmlns="" xmlns:adec="http://schemas.microsoft.com/office/drawing/2017/decorative" val="1"/>
+                <adec:decorative xmlns:adec="http://schemas.microsoft.com/office/drawing/2017/decorative" xmlns="" val="1"/>
               </a:ext>
             </a:extLst>
           </p:cNvPr>
@@ -37964,7 +38008,7 @@
           <p:nvPr>
             <p:extLst>
               <p:ext uri="{386F3935-93C4-4BCD-93E2-E3B085C9AB24}">
-                <p16:designElem xmlns="" xmlns:p16="http://schemas.microsoft.com/office/powerpoint/2015/main" val="1"/>
+                <p16:designElem xmlns:p16="http://schemas.microsoft.com/office/powerpoint/2015/main" xmlns="" val="1"/>
               </p:ext>
             </p:extLst>
           </p:nvPr>
@@ -38011,10 +38055,10 @@
           <p:cNvPr id="10" name="Rectangle 9">
             <a:extLst>
               <a:ext uri="{FF2B5EF4-FFF2-40B4-BE49-F238E27FC236}">
-                <a16:creationId xmlns="" xmlns:a16="http://schemas.microsoft.com/office/drawing/2014/main" id="{F1F7FD00-BF97-4325-B7C2-E451F20840A7}"/>
+                <a16:creationId xmlns:a16="http://schemas.microsoft.com/office/drawing/2014/main" xmlns="" id="{F1F7FD00-BF97-4325-B7C2-E451F20840A7}"/>
               </a:ext>
               <a:ext uri="{C183D7F6-B498-43B3-948B-1728B52AA6E4}">
-                <adec:decorative xmlns="" xmlns:adec="http://schemas.microsoft.com/office/drawing/2017/decorative" val="1"/>
+                <adec:decorative xmlns:adec="http://schemas.microsoft.com/office/drawing/2017/decorative" xmlns="" val="1"/>
               </a:ext>
             </a:extLst>
           </p:cNvPr>
@@ -38024,7 +38068,7 @@
           <p:nvPr>
             <p:extLst>
               <p:ext uri="{386F3935-93C4-4BCD-93E2-E3B085C9AB24}">
-                <p16:designElem xmlns="" xmlns:p16="http://schemas.microsoft.com/office/powerpoint/2015/main" val="1"/>
+                <p16:designElem xmlns:p16="http://schemas.microsoft.com/office/powerpoint/2015/main" xmlns="" val="1"/>
               </p:ext>
             </p:extLst>
           </p:nvPr>
@@ -38067,7 +38111,7 @@
           <p:cNvPr id="2" name="Title 1">
             <a:extLst>
               <a:ext uri="{FF2B5EF4-FFF2-40B4-BE49-F238E27FC236}">
-                <a16:creationId xmlns="" xmlns:a16="http://schemas.microsoft.com/office/drawing/2014/main" id="{705EB085-B337-4199-A40E-269BA49121BE}"/>
+                <a16:creationId xmlns:a16="http://schemas.microsoft.com/office/drawing/2014/main" xmlns="" id="{705EB085-B337-4199-A40E-269BA49121BE}"/>
               </a:ext>
             </a:extLst>
           </p:cNvPr>
@@ -38096,7 +38140,7 @@
                   <a:srgbClr val="FFFFFF"/>
                 </a:solidFill>
               </a:rPr>
-              <a:t>12. </a:t>
+              <a:t>16. </a:t>
             </a:r>
             <a:r>
               <a:rPr lang="en-GB" b="1" dirty="0">
@@ -38119,10 +38163,10 @@
           <p:cNvPr id="12" name="Freeform 11">
             <a:extLst>
               <a:ext uri="{FF2B5EF4-FFF2-40B4-BE49-F238E27FC236}">
-                <a16:creationId xmlns="" xmlns:a16="http://schemas.microsoft.com/office/drawing/2014/main" id="{179B5294-DA4E-4926-B14A-DD6E07A12F67}"/>
+                <a16:creationId xmlns:a16="http://schemas.microsoft.com/office/drawing/2014/main" xmlns="" id="{179B5294-DA4E-4926-B14A-DD6E07A12F67}"/>
               </a:ext>
               <a:ext uri="{C183D7F6-B498-43B3-948B-1728B52AA6E4}">
-                <adec:decorative xmlns="" xmlns:adec="http://schemas.microsoft.com/office/drawing/2017/decorative" val="1"/>
+                <adec:decorative xmlns:adec="http://schemas.microsoft.com/office/drawing/2017/decorative" xmlns="" val="1"/>
               </a:ext>
             </a:extLst>
           </p:cNvPr>
@@ -38132,7 +38176,7 @@
           <p:nvPr>
             <p:extLst>
               <p:ext uri="{386F3935-93C4-4BCD-93E2-E3B085C9AB24}">
-                <p16:designElem xmlns="" xmlns:p16="http://schemas.microsoft.com/office/powerpoint/2015/main" val="1"/>
+                <p16:designElem xmlns:p16="http://schemas.microsoft.com/office/powerpoint/2015/main" xmlns="" val="1"/>
               </p:ext>
             </p:extLst>
           </p:nvPr>
@@ -38252,7 +38296,7 @@
     </p:spTree>
     <p:extLst>
       <p:ext uri="{BB962C8B-B14F-4D97-AF65-F5344CB8AC3E}">
-        <p14:creationId xmlns:p14="http://schemas.microsoft.com/office/powerpoint/2010/main" xmlns="" val="2977952652"/>
+        <p14:creationId xmlns="" xmlns:p14="http://schemas.microsoft.com/office/powerpoint/2010/main" val="2977952652"/>
       </p:ext>
     </p:extLst>
   </p:cSld>
@@ -38320,10 +38364,10 @@
           <p:cNvPr id="8" name="Rectangle 7">
             <a:extLst>
               <a:ext uri="{FF2B5EF4-FFF2-40B4-BE49-F238E27FC236}">
-                <a16:creationId xmlns="" xmlns:a16="http://schemas.microsoft.com/office/drawing/2014/main" id="{3A3C2D7E-3F2E-404E-9B30-CB12DC972D50}"/>
+                <a16:creationId xmlns:a16="http://schemas.microsoft.com/office/drawing/2014/main" xmlns="" id="{3A3C2D7E-3F2E-404E-9B30-CB12DC972D50}"/>
               </a:ext>
               <a:ext uri="{C183D7F6-B498-43B3-948B-1728B52AA6E4}">
-                <adec:decorative xmlns="" xmlns:adec="http://schemas.microsoft.com/office/drawing/2017/decorative" val="1"/>
+                <adec:decorative xmlns:adec="http://schemas.microsoft.com/office/drawing/2017/decorative" xmlns="" val="1"/>
               </a:ext>
             </a:extLst>
           </p:cNvPr>
@@ -38333,7 +38377,7 @@
           <p:nvPr>
             <p:extLst>
               <p:ext uri="{386F3935-93C4-4BCD-93E2-E3B085C9AB24}">
-                <p16:designElem xmlns="" xmlns:p16="http://schemas.microsoft.com/office/powerpoint/2015/main" val="1"/>
+                <p16:designElem xmlns:p16="http://schemas.microsoft.com/office/powerpoint/2015/main" xmlns="" val="1"/>
               </p:ext>
             </p:extLst>
           </p:nvPr>
@@ -38380,10 +38424,10 @@
           <p:cNvPr id="10" name="Rectangle 9">
             <a:extLst>
               <a:ext uri="{FF2B5EF4-FFF2-40B4-BE49-F238E27FC236}">
-                <a16:creationId xmlns="" xmlns:a16="http://schemas.microsoft.com/office/drawing/2014/main" id="{F1F7FD00-BF97-4325-B7C2-E451F20840A7}"/>
+                <a16:creationId xmlns:a16="http://schemas.microsoft.com/office/drawing/2014/main" xmlns="" id="{F1F7FD00-BF97-4325-B7C2-E451F20840A7}"/>
               </a:ext>
               <a:ext uri="{C183D7F6-B498-43B3-948B-1728B52AA6E4}">
-                <adec:decorative xmlns="" xmlns:adec="http://schemas.microsoft.com/office/drawing/2017/decorative" val="1"/>
+                <adec:decorative xmlns:adec="http://schemas.microsoft.com/office/drawing/2017/decorative" xmlns="" val="1"/>
               </a:ext>
             </a:extLst>
           </p:cNvPr>
@@ -38393,7 +38437,7 @@
           <p:nvPr>
             <p:extLst>
               <p:ext uri="{386F3935-93C4-4BCD-93E2-E3B085C9AB24}">
-                <p16:designElem xmlns="" xmlns:p16="http://schemas.microsoft.com/office/powerpoint/2015/main" val="1"/>
+                <p16:designElem xmlns:p16="http://schemas.microsoft.com/office/powerpoint/2015/main" xmlns="" val="1"/>
               </p:ext>
             </p:extLst>
           </p:nvPr>
@@ -38436,7 +38480,7 @@
           <p:cNvPr id="2" name="Title 1">
             <a:extLst>
               <a:ext uri="{FF2B5EF4-FFF2-40B4-BE49-F238E27FC236}">
-                <a16:creationId xmlns="" xmlns:a16="http://schemas.microsoft.com/office/drawing/2014/main" id="{705EB085-B337-4199-A40E-269BA49121BE}"/>
+                <a16:creationId xmlns:a16="http://schemas.microsoft.com/office/drawing/2014/main" xmlns="" id="{705EB085-B337-4199-A40E-269BA49121BE}"/>
               </a:ext>
             </a:extLst>
           </p:cNvPr>
@@ -38465,7 +38509,7 @@
                   <a:srgbClr val="FFFFFF"/>
                 </a:solidFill>
               </a:rPr>
-              <a:t>12. </a:t>
+              <a:t>17. </a:t>
             </a:r>
             <a:r>
               <a:rPr lang="en-GB" b="1" dirty="0">
@@ -38488,10 +38532,10 @@
           <p:cNvPr id="12" name="Freeform 11">
             <a:extLst>
               <a:ext uri="{FF2B5EF4-FFF2-40B4-BE49-F238E27FC236}">
-                <a16:creationId xmlns="" xmlns:a16="http://schemas.microsoft.com/office/drawing/2014/main" id="{179B5294-DA4E-4926-B14A-DD6E07A12F67}"/>
+                <a16:creationId xmlns:a16="http://schemas.microsoft.com/office/drawing/2014/main" xmlns="" id="{179B5294-DA4E-4926-B14A-DD6E07A12F67}"/>
               </a:ext>
               <a:ext uri="{C183D7F6-B498-43B3-948B-1728B52AA6E4}">
-                <adec:decorative xmlns="" xmlns:adec="http://schemas.microsoft.com/office/drawing/2017/decorative" val="1"/>
+                <adec:decorative xmlns:adec="http://schemas.microsoft.com/office/drawing/2017/decorative" xmlns="" val="1"/>
               </a:ext>
             </a:extLst>
           </p:cNvPr>
@@ -38501,7 +38545,7 @@
           <p:nvPr>
             <p:extLst>
               <p:ext uri="{386F3935-93C4-4BCD-93E2-E3B085C9AB24}">
-                <p16:designElem xmlns="" xmlns:p16="http://schemas.microsoft.com/office/powerpoint/2015/main" val="1"/>
+                <p16:designElem xmlns:p16="http://schemas.microsoft.com/office/powerpoint/2015/main" xmlns="" val="1"/>
               </p:ext>
             </p:extLst>
           </p:nvPr>
@@ -38619,7 +38663,7 @@
     </p:spTree>
     <p:extLst>
       <p:ext uri="{BB962C8B-B14F-4D97-AF65-F5344CB8AC3E}">
-        <p14:creationId xmlns:p14="http://schemas.microsoft.com/office/powerpoint/2010/main" xmlns="" val="2977952652"/>
+        <p14:creationId xmlns="" xmlns:p14="http://schemas.microsoft.com/office/powerpoint/2010/main" val="2977952652"/>
       </p:ext>
     </p:extLst>
   </p:cSld>
@@ -38687,10 +38731,10 @@
           <p:cNvPr id="8" name="Rectangle 7">
             <a:extLst>
               <a:ext uri="{FF2B5EF4-FFF2-40B4-BE49-F238E27FC236}">
-                <a16:creationId xmlns="" xmlns:a16="http://schemas.microsoft.com/office/drawing/2014/main" id="{3A3C2D7E-3F2E-404E-9B30-CB12DC972D50}"/>
+                <a16:creationId xmlns:a16="http://schemas.microsoft.com/office/drawing/2014/main" xmlns="" id="{3A3C2D7E-3F2E-404E-9B30-CB12DC972D50}"/>
               </a:ext>
               <a:ext uri="{C183D7F6-B498-43B3-948B-1728B52AA6E4}">
-                <adec:decorative xmlns="" xmlns:adec="http://schemas.microsoft.com/office/drawing/2017/decorative" val="1"/>
+                <adec:decorative xmlns:adec="http://schemas.microsoft.com/office/drawing/2017/decorative" xmlns="" val="1"/>
               </a:ext>
             </a:extLst>
           </p:cNvPr>
@@ -38700,7 +38744,7 @@
           <p:nvPr>
             <p:extLst>
               <p:ext uri="{386F3935-93C4-4BCD-93E2-E3B085C9AB24}">
-                <p16:designElem xmlns="" xmlns:p16="http://schemas.microsoft.com/office/powerpoint/2015/main" val="1"/>
+                <p16:designElem xmlns:p16="http://schemas.microsoft.com/office/powerpoint/2015/main" xmlns="" val="1"/>
               </p:ext>
             </p:extLst>
           </p:nvPr>
@@ -38747,10 +38791,10 @@
           <p:cNvPr id="10" name="Rectangle 9">
             <a:extLst>
               <a:ext uri="{FF2B5EF4-FFF2-40B4-BE49-F238E27FC236}">
-                <a16:creationId xmlns="" xmlns:a16="http://schemas.microsoft.com/office/drawing/2014/main" id="{F1F7FD00-BF97-4325-B7C2-E451F20840A7}"/>
+                <a16:creationId xmlns:a16="http://schemas.microsoft.com/office/drawing/2014/main" xmlns="" id="{F1F7FD00-BF97-4325-B7C2-E451F20840A7}"/>
               </a:ext>
               <a:ext uri="{C183D7F6-B498-43B3-948B-1728B52AA6E4}">
-                <adec:decorative xmlns="" xmlns:adec="http://schemas.microsoft.com/office/drawing/2017/decorative" val="1"/>
+                <adec:decorative xmlns:adec="http://schemas.microsoft.com/office/drawing/2017/decorative" xmlns="" val="1"/>
               </a:ext>
             </a:extLst>
           </p:cNvPr>
@@ -38760,7 +38804,7 @@
           <p:nvPr>
             <p:extLst>
               <p:ext uri="{386F3935-93C4-4BCD-93E2-E3B085C9AB24}">
-                <p16:designElem xmlns="" xmlns:p16="http://schemas.microsoft.com/office/powerpoint/2015/main" val="1"/>
+                <p16:designElem xmlns:p16="http://schemas.microsoft.com/office/powerpoint/2015/main" xmlns="" val="1"/>
               </p:ext>
             </p:extLst>
           </p:nvPr>
@@ -38803,7 +38847,7 @@
           <p:cNvPr id="2" name="Title 1">
             <a:extLst>
               <a:ext uri="{FF2B5EF4-FFF2-40B4-BE49-F238E27FC236}">
-                <a16:creationId xmlns="" xmlns:a16="http://schemas.microsoft.com/office/drawing/2014/main" id="{705EB085-B337-4199-A40E-269BA49121BE}"/>
+                <a16:creationId xmlns:a16="http://schemas.microsoft.com/office/drawing/2014/main" xmlns="" id="{705EB085-B337-4199-A40E-269BA49121BE}"/>
               </a:ext>
             </a:extLst>
           </p:cNvPr>
@@ -38832,7 +38876,7 @@
                   <a:srgbClr val="FFFFFF"/>
                 </a:solidFill>
               </a:rPr>
-              <a:t>12. </a:t>
+              <a:t>18. </a:t>
             </a:r>
             <a:r>
               <a:rPr lang="en-GB" b="1" dirty="0">
@@ -38855,10 +38899,10 @@
           <p:cNvPr id="12" name="Freeform 11">
             <a:extLst>
               <a:ext uri="{FF2B5EF4-FFF2-40B4-BE49-F238E27FC236}">
-                <a16:creationId xmlns="" xmlns:a16="http://schemas.microsoft.com/office/drawing/2014/main" id="{179B5294-DA4E-4926-B14A-DD6E07A12F67}"/>
+                <a16:creationId xmlns:a16="http://schemas.microsoft.com/office/drawing/2014/main" xmlns="" id="{179B5294-DA4E-4926-B14A-DD6E07A12F67}"/>
               </a:ext>
               <a:ext uri="{C183D7F6-B498-43B3-948B-1728B52AA6E4}">
-                <adec:decorative xmlns="" xmlns:adec="http://schemas.microsoft.com/office/drawing/2017/decorative" val="1"/>
+                <adec:decorative xmlns:adec="http://schemas.microsoft.com/office/drawing/2017/decorative" xmlns="" val="1"/>
               </a:ext>
             </a:extLst>
           </p:cNvPr>
@@ -38868,7 +38912,7 @@
           <p:nvPr>
             <p:extLst>
               <p:ext uri="{386F3935-93C4-4BCD-93E2-E3B085C9AB24}">
-                <p16:designElem xmlns="" xmlns:p16="http://schemas.microsoft.com/office/powerpoint/2015/main" val="1"/>
+                <p16:designElem xmlns:p16="http://schemas.microsoft.com/office/powerpoint/2015/main" xmlns="" val="1"/>
               </p:ext>
             </p:extLst>
           </p:nvPr>
@@ -38988,7 +39032,7 @@
     </p:spTree>
     <p:extLst>
       <p:ext uri="{BB962C8B-B14F-4D97-AF65-F5344CB8AC3E}">
-        <p14:creationId xmlns:p14="http://schemas.microsoft.com/office/powerpoint/2010/main" xmlns="" val="2977952652"/>
+        <p14:creationId xmlns="" xmlns:p14="http://schemas.microsoft.com/office/powerpoint/2010/main" val="2977952652"/>
       </p:ext>
     </p:extLst>
   </p:cSld>
@@ -39056,10 +39100,10 @@
           <p:cNvPr id="8" name="Rectangle 7">
             <a:extLst>
               <a:ext uri="{FF2B5EF4-FFF2-40B4-BE49-F238E27FC236}">
-                <a16:creationId xmlns="" xmlns:a16="http://schemas.microsoft.com/office/drawing/2014/main" id="{3A3C2D7E-3F2E-404E-9B30-CB12DC972D50}"/>
+                <a16:creationId xmlns:a16="http://schemas.microsoft.com/office/drawing/2014/main" xmlns="" id="{3A3C2D7E-3F2E-404E-9B30-CB12DC972D50}"/>
               </a:ext>
               <a:ext uri="{C183D7F6-B498-43B3-948B-1728B52AA6E4}">
-                <adec:decorative xmlns="" xmlns:adec="http://schemas.microsoft.com/office/drawing/2017/decorative" val="1"/>
+                <adec:decorative xmlns:adec="http://schemas.microsoft.com/office/drawing/2017/decorative" xmlns="" val="1"/>
               </a:ext>
             </a:extLst>
           </p:cNvPr>
@@ -39069,7 +39113,7 @@
           <p:nvPr>
             <p:extLst>
               <p:ext uri="{386F3935-93C4-4BCD-93E2-E3B085C9AB24}">
-                <p16:designElem xmlns="" xmlns:p16="http://schemas.microsoft.com/office/powerpoint/2015/main" val="1"/>
+                <p16:designElem xmlns:p16="http://schemas.microsoft.com/office/powerpoint/2015/main" xmlns="" val="1"/>
               </p:ext>
             </p:extLst>
           </p:nvPr>
@@ -39116,10 +39160,10 @@
           <p:cNvPr id="10" name="Rectangle 9">
             <a:extLst>
               <a:ext uri="{FF2B5EF4-FFF2-40B4-BE49-F238E27FC236}">
-                <a16:creationId xmlns="" xmlns:a16="http://schemas.microsoft.com/office/drawing/2014/main" id="{F1F7FD00-BF97-4325-B7C2-E451F20840A7}"/>
+                <a16:creationId xmlns:a16="http://schemas.microsoft.com/office/drawing/2014/main" xmlns="" id="{F1F7FD00-BF97-4325-B7C2-E451F20840A7}"/>
               </a:ext>
               <a:ext uri="{C183D7F6-B498-43B3-948B-1728B52AA6E4}">
-                <adec:decorative xmlns="" xmlns:adec="http://schemas.microsoft.com/office/drawing/2017/decorative" val="1"/>
+                <adec:decorative xmlns:adec="http://schemas.microsoft.com/office/drawing/2017/decorative" xmlns="" val="1"/>
               </a:ext>
             </a:extLst>
           </p:cNvPr>
@@ -39129,7 +39173,7 @@
           <p:nvPr>
             <p:extLst>
               <p:ext uri="{386F3935-93C4-4BCD-93E2-E3B085C9AB24}">
-                <p16:designElem xmlns="" xmlns:p16="http://schemas.microsoft.com/office/powerpoint/2015/main" val="1"/>
+                <p16:designElem xmlns:p16="http://schemas.microsoft.com/office/powerpoint/2015/main" xmlns="" val="1"/>
               </p:ext>
             </p:extLst>
           </p:nvPr>
@@ -39172,7 +39216,7 @@
           <p:cNvPr id="2" name="Title 1">
             <a:extLst>
               <a:ext uri="{FF2B5EF4-FFF2-40B4-BE49-F238E27FC236}">
-                <a16:creationId xmlns="" xmlns:a16="http://schemas.microsoft.com/office/drawing/2014/main" id="{93B97C3A-D8DD-49BC-B84D-44CD0BB5C8AC}"/>
+                <a16:creationId xmlns:a16="http://schemas.microsoft.com/office/drawing/2014/main" xmlns="" id="{93B97C3A-D8DD-49BC-B84D-44CD0BB5C8AC}"/>
               </a:ext>
             </a:extLst>
           </p:cNvPr>
@@ -39201,7 +39245,7 @@
                   <a:srgbClr val="FFFFFF"/>
                 </a:solidFill>
               </a:rPr>
-              <a:t>13. </a:t>
+              <a:t>19. </a:t>
             </a:r>
             <a:r>
               <a:rPr lang="en-GB" b="1" dirty="0">
@@ -39224,10 +39268,10 @@
           <p:cNvPr id="12" name="Freeform 11">
             <a:extLst>
               <a:ext uri="{FF2B5EF4-FFF2-40B4-BE49-F238E27FC236}">
-                <a16:creationId xmlns="" xmlns:a16="http://schemas.microsoft.com/office/drawing/2014/main" id="{179B5294-DA4E-4926-B14A-DD6E07A12F67}"/>
+                <a16:creationId xmlns:a16="http://schemas.microsoft.com/office/drawing/2014/main" xmlns="" id="{179B5294-DA4E-4926-B14A-DD6E07A12F67}"/>
               </a:ext>
               <a:ext uri="{C183D7F6-B498-43B3-948B-1728B52AA6E4}">
-                <adec:decorative xmlns="" xmlns:adec="http://schemas.microsoft.com/office/drawing/2017/decorative" val="1"/>
+                <adec:decorative xmlns:adec="http://schemas.microsoft.com/office/drawing/2017/decorative" xmlns="" val="1"/>
               </a:ext>
             </a:extLst>
           </p:cNvPr>
@@ -39237,7 +39281,7 @@
           <p:nvPr>
             <p:extLst>
               <p:ext uri="{386F3935-93C4-4BCD-93E2-E3B085C9AB24}">
-                <p16:designElem xmlns="" xmlns:p16="http://schemas.microsoft.com/office/powerpoint/2015/main" val="1"/>
+                <p16:designElem xmlns:p16="http://schemas.microsoft.com/office/powerpoint/2015/main" xmlns="" val="1"/>
               </p:ext>
             </p:extLst>
           </p:nvPr>
@@ -39357,7 +39401,7 @@
     </p:spTree>
     <p:extLst>
       <p:ext uri="{BB962C8B-B14F-4D97-AF65-F5344CB8AC3E}">
-        <p14:creationId xmlns:p14="http://schemas.microsoft.com/office/powerpoint/2010/main" xmlns="" val="210636299"/>
+        <p14:creationId xmlns="" xmlns:p14="http://schemas.microsoft.com/office/powerpoint/2010/main" val="210636299"/>
       </p:ext>
     </p:extLst>
   </p:cSld>
@@ -39425,10 +39469,10 @@
           <p:cNvPr id="8" name="Rectangle 7">
             <a:extLst>
               <a:ext uri="{FF2B5EF4-FFF2-40B4-BE49-F238E27FC236}">
-                <a16:creationId xmlns="" xmlns:a16="http://schemas.microsoft.com/office/drawing/2014/main" id="{3A3C2D7E-3F2E-404E-9B30-CB12DC972D50}"/>
+                <a16:creationId xmlns:a16="http://schemas.microsoft.com/office/drawing/2014/main" xmlns="" id="{3A3C2D7E-3F2E-404E-9B30-CB12DC972D50}"/>
               </a:ext>
               <a:ext uri="{C183D7F6-B498-43B3-948B-1728B52AA6E4}">
-                <adec:decorative xmlns="" xmlns:adec="http://schemas.microsoft.com/office/drawing/2017/decorative" val="1"/>
+                <adec:decorative xmlns:adec="http://schemas.microsoft.com/office/drawing/2017/decorative" xmlns="" val="1"/>
               </a:ext>
             </a:extLst>
           </p:cNvPr>
@@ -39438,7 +39482,7 @@
           <p:nvPr>
             <p:extLst>
               <p:ext uri="{386F3935-93C4-4BCD-93E2-E3B085C9AB24}">
-                <p16:designElem xmlns="" xmlns:p16="http://schemas.microsoft.com/office/powerpoint/2015/main" val="1"/>
+                <p16:designElem xmlns:p16="http://schemas.microsoft.com/office/powerpoint/2015/main" xmlns="" val="1"/>
               </p:ext>
             </p:extLst>
           </p:nvPr>
@@ -39485,10 +39529,10 @@
           <p:cNvPr id="10" name="Rectangle 9">
             <a:extLst>
               <a:ext uri="{FF2B5EF4-FFF2-40B4-BE49-F238E27FC236}">
-                <a16:creationId xmlns="" xmlns:a16="http://schemas.microsoft.com/office/drawing/2014/main" id="{F1F7FD00-BF97-4325-B7C2-E451F20840A7}"/>
+                <a16:creationId xmlns:a16="http://schemas.microsoft.com/office/drawing/2014/main" xmlns="" id="{F1F7FD00-BF97-4325-B7C2-E451F20840A7}"/>
               </a:ext>
               <a:ext uri="{C183D7F6-B498-43B3-948B-1728B52AA6E4}">
-                <adec:decorative xmlns="" xmlns:adec="http://schemas.microsoft.com/office/drawing/2017/decorative" val="1"/>
+                <adec:decorative xmlns:adec="http://schemas.microsoft.com/office/drawing/2017/decorative" xmlns="" val="1"/>
               </a:ext>
             </a:extLst>
           </p:cNvPr>
@@ -39498,7 +39542,7 @@
           <p:nvPr>
             <p:extLst>
               <p:ext uri="{386F3935-93C4-4BCD-93E2-E3B085C9AB24}">
-                <p16:designElem xmlns="" xmlns:p16="http://schemas.microsoft.com/office/powerpoint/2015/main" val="1"/>
+                <p16:designElem xmlns:p16="http://schemas.microsoft.com/office/powerpoint/2015/main" xmlns="" val="1"/>
               </p:ext>
             </p:extLst>
           </p:nvPr>
@@ -39541,7 +39585,7 @@
           <p:cNvPr id="2" name="Title 1">
             <a:extLst>
               <a:ext uri="{FF2B5EF4-FFF2-40B4-BE49-F238E27FC236}">
-                <a16:creationId xmlns="" xmlns:a16="http://schemas.microsoft.com/office/drawing/2014/main" id="{5C40D58B-9133-4C06-AAD6-7E29E772C732}"/>
+                <a16:creationId xmlns:a16="http://schemas.microsoft.com/office/drawing/2014/main" xmlns="" id="{5C40D58B-9133-4C06-AAD6-7E29E772C732}"/>
               </a:ext>
             </a:extLst>
           </p:cNvPr>
@@ -39565,12 +39609,20 @@
           <a:lstStyle/>
           <a:p>
             <a:r>
-              <a:rPr lang="en-GB" b="1" dirty="0" smtClean="0">
+              <a:rPr lang="en-GB" b="1" smtClean="0">
                 <a:solidFill>
                   <a:srgbClr val="FFFFFF"/>
                 </a:solidFill>
               </a:rPr>
-              <a:t>14. </a:t>
+              <a:t>20</a:t>
+            </a:r>
+            <a:r>
+              <a:rPr lang="en-GB" b="1" smtClean="0">
+                <a:solidFill>
+                  <a:srgbClr val="FFFFFF"/>
+                </a:solidFill>
+              </a:rPr>
+              <a:t>. </a:t>
             </a:r>
             <a:r>
               <a:rPr lang="en-GB" b="1" dirty="0">
@@ -39593,10 +39645,10 @@
           <p:cNvPr id="12" name="Freeform 11">
             <a:extLst>
               <a:ext uri="{FF2B5EF4-FFF2-40B4-BE49-F238E27FC236}">
-                <a16:creationId xmlns="" xmlns:a16="http://schemas.microsoft.com/office/drawing/2014/main" id="{179B5294-DA4E-4926-B14A-DD6E07A12F67}"/>
+                <a16:creationId xmlns:a16="http://schemas.microsoft.com/office/drawing/2014/main" xmlns="" id="{179B5294-DA4E-4926-B14A-DD6E07A12F67}"/>
               </a:ext>
               <a:ext uri="{C183D7F6-B498-43B3-948B-1728B52AA6E4}">
-                <adec:decorative xmlns="" xmlns:adec="http://schemas.microsoft.com/office/drawing/2017/decorative" val="1"/>
+                <adec:decorative xmlns:adec="http://schemas.microsoft.com/office/drawing/2017/decorative" xmlns="" val="1"/>
               </a:ext>
             </a:extLst>
           </p:cNvPr>
@@ -39606,7 +39658,7 @@
           <p:nvPr>
             <p:extLst>
               <p:ext uri="{386F3935-93C4-4BCD-93E2-E3B085C9AB24}">
-                <p16:designElem xmlns="" xmlns:p16="http://schemas.microsoft.com/office/powerpoint/2015/main" val="1"/>
+                <p16:designElem xmlns:p16="http://schemas.microsoft.com/office/powerpoint/2015/main" xmlns="" val="1"/>
               </p:ext>
             </p:extLst>
           </p:nvPr>
@@ -39692,7 +39744,7 @@
           <p:cNvPr id="3" name="Content Placeholder 2">
             <a:extLst>
               <a:ext uri="{FF2B5EF4-FFF2-40B4-BE49-F238E27FC236}">
-                <a16:creationId xmlns="" xmlns:a16="http://schemas.microsoft.com/office/drawing/2014/main" id="{7D0FD512-3ED8-4D99-AC7E-FFC3F80BEE8B}"/>
+                <a16:creationId xmlns:a16="http://schemas.microsoft.com/office/drawing/2014/main" xmlns="" id="{7D0FD512-3ED8-4D99-AC7E-FFC3F80BEE8B}"/>
               </a:ext>
             </a:extLst>
           </p:cNvPr>
@@ -39756,11 +39808,7 @@
             </a:r>
             <a:r>
               <a:rPr lang="en-US" sz="2400" dirty="0" smtClean="0"/>
-              <a:t>furniture</a:t>
-            </a:r>
-            <a:r>
-              <a:rPr lang="en-US" sz="2400" dirty="0" smtClean="0"/>
-              <a:t> </a:t>
+              <a:t>furniture </a:t>
             </a:r>
             <a:r>
               <a:rPr lang="en-US" sz="2400" dirty="0"/>
@@ -39773,7 +39821,7 @@
     </p:spTree>
     <p:extLst>
       <p:ext uri="{BB962C8B-B14F-4D97-AF65-F5344CB8AC3E}">
-        <p14:creationId xmlns:p14="http://schemas.microsoft.com/office/powerpoint/2010/main" xmlns="" val="1587355965"/>
+        <p14:creationId xmlns="" xmlns:p14="http://schemas.microsoft.com/office/powerpoint/2010/main" val="1587355965"/>
       </p:ext>
     </p:extLst>
   </p:cSld>
@@ -40265,7 +40313,7 @@
           <p:cNvPr id="5" name="Content Placeholder 4" descr="A close up of a logo&#10;&#10;Description automatically generated">
             <a:extLst>
               <a:ext uri="{FF2B5EF4-FFF2-40B4-BE49-F238E27FC236}">
-                <a16:creationId xmlns="" xmlns:a16="http://schemas.microsoft.com/office/drawing/2014/main" id="{C1A8FEED-AADA-461C-9F95-1647F28E3199}"/>
+                <a16:creationId xmlns:a16="http://schemas.microsoft.com/office/drawing/2014/main" xmlns="" id="{C1A8FEED-AADA-461C-9F95-1647F28E3199}"/>
               </a:ext>
             </a:extLst>
           </p:cNvPr>
@@ -40292,7 +40340,7 @@
     </p:spTree>
     <p:extLst>
       <p:ext uri="{BB962C8B-B14F-4D97-AF65-F5344CB8AC3E}">
-        <p14:creationId xmlns:p14="http://schemas.microsoft.com/office/powerpoint/2010/main" xmlns="" val="4224507378"/>
+        <p14:creationId xmlns="" xmlns:p14="http://schemas.microsoft.com/office/powerpoint/2010/main" val="4224507378"/>
       </p:ext>
     </p:extLst>
   </p:cSld>
@@ -40360,10 +40408,10 @@
           <p:cNvPr id="8" name="Rectangle 7">
             <a:extLst>
               <a:ext uri="{FF2B5EF4-FFF2-40B4-BE49-F238E27FC236}">
-                <a16:creationId xmlns="" xmlns:a16="http://schemas.microsoft.com/office/drawing/2014/main" id="{3A3C2D7E-3F2E-404E-9B30-CB12DC972D50}"/>
+                <a16:creationId xmlns:a16="http://schemas.microsoft.com/office/drawing/2014/main" xmlns="" id="{3A3C2D7E-3F2E-404E-9B30-CB12DC972D50}"/>
               </a:ext>
               <a:ext uri="{C183D7F6-B498-43B3-948B-1728B52AA6E4}">
-                <adec:decorative xmlns="" xmlns:adec="http://schemas.microsoft.com/office/drawing/2017/decorative" val="1"/>
+                <adec:decorative xmlns:adec="http://schemas.microsoft.com/office/drawing/2017/decorative" xmlns="" val="1"/>
               </a:ext>
             </a:extLst>
           </p:cNvPr>
@@ -40373,7 +40421,7 @@
           <p:nvPr>
             <p:extLst>
               <p:ext uri="{386F3935-93C4-4BCD-93E2-E3B085C9AB24}">
-                <p16:designElem xmlns="" xmlns:p16="http://schemas.microsoft.com/office/powerpoint/2015/main" val="1"/>
+                <p16:designElem xmlns:p16="http://schemas.microsoft.com/office/powerpoint/2015/main" xmlns="" val="1"/>
               </p:ext>
             </p:extLst>
           </p:nvPr>
@@ -40420,10 +40468,10 @@
           <p:cNvPr id="10" name="Rectangle 9">
             <a:extLst>
               <a:ext uri="{FF2B5EF4-FFF2-40B4-BE49-F238E27FC236}">
-                <a16:creationId xmlns="" xmlns:a16="http://schemas.microsoft.com/office/drawing/2014/main" id="{F1F7FD00-BF97-4325-B7C2-E451F20840A7}"/>
+                <a16:creationId xmlns:a16="http://schemas.microsoft.com/office/drawing/2014/main" xmlns="" id="{F1F7FD00-BF97-4325-B7C2-E451F20840A7}"/>
               </a:ext>
               <a:ext uri="{C183D7F6-B498-43B3-948B-1728B52AA6E4}">
-                <adec:decorative xmlns="" xmlns:adec="http://schemas.microsoft.com/office/drawing/2017/decorative" val="1"/>
+                <adec:decorative xmlns:adec="http://schemas.microsoft.com/office/drawing/2017/decorative" xmlns="" val="1"/>
               </a:ext>
             </a:extLst>
           </p:cNvPr>
@@ -40433,7 +40481,7 @@
           <p:nvPr>
             <p:extLst>
               <p:ext uri="{386F3935-93C4-4BCD-93E2-E3B085C9AB24}">
-                <p16:designElem xmlns="" xmlns:p16="http://schemas.microsoft.com/office/powerpoint/2015/main" val="1"/>
+                <p16:designElem xmlns:p16="http://schemas.microsoft.com/office/powerpoint/2015/main" xmlns="" val="1"/>
               </p:ext>
             </p:extLst>
           </p:nvPr>
@@ -40476,7 +40524,7 @@
           <p:cNvPr id="2" name="Title 1">
             <a:extLst>
               <a:ext uri="{FF2B5EF4-FFF2-40B4-BE49-F238E27FC236}">
-                <a16:creationId xmlns="" xmlns:a16="http://schemas.microsoft.com/office/drawing/2014/main" id="{0652C70D-7098-408E-880E-3F22F905AF82}"/>
+                <a16:creationId xmlns:a16="http://schemas.microsoft.com/office/drawing/2014/main" xmlns="" id="{0652C70D-7098-408E-880E-3F22F905AF82}"/>
               </a:ext>
             </a:extLst>
           </p:cNvPr>
@@ -40525,10 +40573,10 @@
           <p:cNvPr id="12" name="Freeform 11">
             <a:extLst>
               <a:ext uri="{FF2B5EF4-FFF2-40B4-BE49-F238E27FC236}">
-                <a16:creationId xmlns="" xmlns:a16="http://schemas.microsoft.com/office/drawing/2014/main" id="{179B5294-DA4E-4926-B14A-DD6E07A12F67}"/>
+                <a16:creationId xmlns:a16="http://schemas.microsoft.com/office/drawing/2014/main" xmlns="" id="{179B5294-DA4E-4926-B14A-DD6E07A12F67}"/>
               </a:ext>
               <a:ext uri="{C183D7F6-B498-43B3-948B-1728B52AA6E4}">
-                <adec:decorative xmlns="" xmlns:adec="http://schemas.microsoft.com/office/drawing/2017/decorative" val="1"/>
+                <adec:decorative xmlns:adec="http://schemas.microsoft.com/office/drawing/2017/decorative" xmlns="" val="1"/>
               </a:ext>
             </a:extLst>
           </p:cNvPr>
@@ -40538,7 +40586,7 @@
           <p:nvPr>
             <p:extLst>
               <p:ext uri="{386F3935-93C4-4BCD-93E2-E3B085C9AB24}">
-                <p16:designElem xmlns="" xmlns:p16="http://schemas.microsoft.com/office/powerpoint/2015/main" val="1"/>
+                <p16:designElem xmlns:p16="http://schemas.microsoft.com/office/powerpoint/2015/main" xmlns="" val="1"/>
               </p:ext>
             </p:extLst>
           </p:nvPr>
@@ -40624,7 +40672,7 @@
           <p:cNvPr id="3" name="Content Placeholder 2">
             <a:extLst>
               <a:ext uri="{FF2B5EF4-FFF2-40B4-BE49-F238E27FC236}">
-                <a16:creationId xmlns="" xmlns:a16="http://schemas.microsoft.com/office/drawing/2014/main" id="{B1C6EA51-866C-4C34-B123-039CBFDAA574}"/>
+                <a16:creationId xmlns:a16="http://schemas.microsoft.com/office/drawing/2014/main" xmlns="" id="{B1C6EA51-866C-4C34-B123-039CBFDAA574}"/>
               </a:ext>
             </a:extLst>
           </p:cNvPr>
@@ -40713,7 +40761,7 @@
           <p:cNvPr id="4" name="Content Placeholder 2">
             <a:extLst>
               <a:ext uri="{FF2B5EF4-FFF2-40B4-BE49-F238E27FC236}">
-                <a16:creationId xmlns="" xmlns:a16="http://schemas.microsoft.com/office/drawing/2014/main" id="{9FA367FB-AF4D-4D32-B56D-4069D1ED2CA0}"/>
+                <a16:creationId xmlns:a16="http://schemas.microsoft.com/office/drawing/2014/main" xmlns="" id="{9FA367FB-AF4D-4D32-B56D-4069D1ED2CA0}"/>
               </a:ext>
             </a:extLst>
           </p:cNvPr>
@@ -41015,7 +41063,7 @@
     </p:spTree>
     <p:extLst>
       <p:ext uri="{BB962C8B-B14F-4D97-AF65-F5344CB8AC3E}">
-        <p14:creationId xmlns:p14="http://schemas.microsoft.com/office/powerpoint/2010/main" xmlns="" val="2976388370"/>
+        <p14:creationId xmlns="" xmlns:p14="http://schemas.microsoft.com/office/powerpoint/2010/main" val="2976388370"/>
       </p:ext>
     </p:extLst>
   </p:cSld>
@@ -41083,10 +41131,10 @@
           <p:cNvPr id="8" name="Rectangle 7">
             <a:extLst>
               <a:ext uri="{FF2B5EF4-FFF2-40B4-BE49-F238E27FC236}">
-                <a16:creationId xmlns="" xmlns:a16="http://schemas.microsoft.com/office/drawing/2014/main" id="{3A3C2D7E-3F2E-404E-9B30-CB12DC972D50}"/>
+                <a16:creationId xmlns:a16="http://schemas.microsoft.com/office/drawing/2014/main" xmlns="" id="{3A3C2D7E-3F2E-404E-9B30-CB12DC972D50}"/>
               </a:ext>
               <a:ext uri="{C183D7F6-B498-43B3-948B-1728B52AA6E4}">
-                <adec:decorative xmlns="" xmlns:adec="http://schemas.microsoft.com/office/drawing/2017/decorative" val="1"/>
+                <adec:decorative xmlns:adec="http://schemas.microsoft.com/office/drawing/2017/decorative" xmlns="" val="1"/>
               </a:ext>
             </a:extLst>
           </p:cNvPr>
@@ -41096,7 +41144,7 @@
           <p:nvPr>
             <p:extLst>
               <p:ext uri="{386F3935-93C4-4BCD-93E2-E3B085C9AB24}">
-                <p16:designElem xmlns="" xmlns:p16="http://schemas.microsoft.com/office/powerpoint/2015/main" val="1"/>
+                <p16:designElem xmlns:p16="http://schemas.microsoft.com/office/powerpoint/2015/main" xmlns="" val="1"/>
               </p:ext>
             </p:extLst>
           </p:nvPr>
@@ -41143,10 +41191,10 @@
           <p:cNvPr id="10" name="Rectangle 9">
             <a:extLst>
               <a:ext uri="{FF2B5EF4-FFF2-40B4-BE49-F238E27FC236}">
-                <a16:creationId xmlns="" xmlns:a16="http://schemas.microsoft.com/office/drawing/2014/main" id="{F1F7FD00-BF97-4325-B7C2-E451F20840A7}"/>
+                <a16:creationId xmlns:a16="http://schemas.microsoft.com/office/drawing/2014/main" xmlns="" id="{F1F7FD00-BF97-4325-B7C2-E451F20840A7}"/>
               </a:ext>
               <a:ext uri="{C183D7F6-B498-43B3-948B-1728B52AA6E4}">
-                <adec:decorative xmlns="" xmlns:adec="http://schemas.microsoft.com/office/drawing/2017/decorative" val="1"/>
+                <adec:decorative xmlns:adec="http://schemas.microsoft.com/office/drawing/2017/decorative" xmlns="" val="1"/>
               </a:ext>
             </a:extLst>
           </p:cNvPr>
@@ -41156,7 +41204,7 @@
           <p:nvPr>
             <p:extLst>
               <p:ext uri="{386F3935-93C4-4BCD-93E2-E3B085C9AB24}">
-                <p16:designElem xmlns="" xmlns:p16="http://schemas.microsoft.com/office/powerpoint/2015/main" val="1"/>
+                <p16:designElem xmlns:p16="http://schemas.microsoft.com/office/powerpoint/2015/main" xmlns="" val="1"/>
               </p:ext>
             </p:extLst>
           </p:nvPr>
@@ -41199,7 +41247,7 @@
           <p:cNvPr id="2" name="Title 1">
             <a:extLst>
               <a:ext uri="{FF2B5EF4-FFF2-40B4-BE49-F238E27FC236}">
-                <a16:creationId xmlns="" xmlns:a16="http://schemas.microsoft.com/office/drawing/2014/main" id="{BA2BFF53-F080-4837-B3FC-77C4CC391CF6}"/>
+                <a16:creationId xmlns:a16="http://schemas.microsoft.com/office/drawing/2014/main" xmlns="" id="{BA2BFF53-F080-4837-B3FC-77C4CC391CF6}"/>
               </a:ext>
             </a:extLst>
           </p:cNvPr>
@@ -41238,7 +41286,7 @@
           <p:cNvPr id="3" name="Content Placeholder 2">
             <a:extLst>
               <a:ext uri="{FF2B5EF4-FFF2-40B4-BE49-F238E27FC236}">
-                <a16:creationId xmlns="" xmlns:a16="http://schemas.microsoft.com/office/drawing/2014/main" id="{5AE71383-70B6-4A9E-A22E-EE6057E31C1C}"/>
+                <a16:creationId xmlns:a16="http://schemas.microsoft.com/office/drawing/2014/main" xmlns="" id="{5AE71383-70B6-4A9E-A22E-EE6057E31C1C}"/>
               </a:ext>
             </a:extLst>
           </p:cNvPr>
@@ -41322,10 +41370,10 @@
           <p:cNvPr id="12" name="Freeform 11">
             <a:extLst>
               <a:ext uri="{FF2B5EF4-FFF2-40B4-BE49-F238E27FC236}">
-                <a16:creationId xmlns="" xmlns:a16="http://schemas.microsoft.com/office/drawing/2014/main" id="{179B5294-DA4E-4926-B14A-DD6E07A12F67}"/>
+                <a16:creationId xmlns:a16="http://schemas.microsoft.com/office/drawing/2014/main" xmlns="" id="{179B5294-DA4E-4926-B14A-DD6E07A12F67}"/>
               </a:ext>
               <a:ext uri="{C183D7F6-B498-43B3-948B-1728B52AA6E4}">
-                <adec:decorative xmlns="" xmlns:adec="http://schemas.microsoft.com/office/drawing/2017/decorative" val="1"/>
+                <adec:decorative xmlns:adec="http://schemas.microsoft.com/office/drawing/2017/decorative" xmlns="" val="1"/>
               </a:ext>
             </a:extLst>
           </p:cNvPr>
@@ -41335,7 +41383,7 @@
           <p:nvPr>
             <p:extLst>
               <p:ext uri="{386F3935-93C4-4BCD-93E2-E3B085C9AB24}">
-                <p16:designElem xmlns="" xmlns:p16="http://schemas.microsoft.com/office/powerpoint/2015/main" val="1"/>
+                <p16:designElem xmlns:p16="http://schemas.microsoft.com/office/powerpoint/2015/main" xmlns="" val="1"/>
               </p:ext>
             </p:extLst>
           </p:nvPr>
@@ -41419,7 +41467,7 @@
     </p:spTree>
     <p:extLst>
       <p:ext uri="{BB962C8B-B14F-4D97-AF65-F5344CB8AC3E}">
-        <p14:creationId xmlns:p14="http://schemas.microsoft.com/office/powerpoint/2010/main" xmlns="" val="2995477651"/>
+        <p14:creationId xmlns="" xmlns:p14="http://schemas.microsoft.com/office/powerpoint/2010/main" val="2995477651"/>
       </p:ext>
     </p:extLst>
   </p:cSld>
@@ -41792,10 +41840,10 @@
           <p:cNvPr id="8" name="Rectangle 7">
             <a:extLst>
               <a:ext uri="{FF2B5EF4-FFF2-40B4-BE49-F238E27FC236}">
-                <a16:creationId xmlns="" xmlns:a16="http://schemas.microsoft.com/office/drawing/2014/main" id="{3A3C2D7E-3F2E-404E-9B30-CB12DC972D50}"/>
+                <a16:creationId xmlns:a16="http://schemas.microsoft.com/office/drawing/2014/main" xmlns="" id="{3A3C2D7E-3F2E-404E-9B30-CB12DC972D50}"/>
               </a:ext>
               <a:ext uri="{C183D7F6-B498-43B3-948B-1728B52AA6E4}">
-                <adec:decorative xmlns="" xmlns:adec="http://schemas.microsoft.com/office/drawing/2017/decorative" val="1"/>
+                <adec:decorative xmlns:adec="http://schemas.microsoft.com/office/drawing/2017/decorative" xmlns="" val="1"/>
               </a:ext>
             </a:extLst>
           </p:cNvPr>
@@ -41805,7 +41853,7 @@
           <p:nvPr>
             <p:extLst>
               <p:ext uri="{386F3935-93C4-4BCD-93E2-E3B085C9AB24}">
-                <p16:designElem xmlns="" xmlns:p16="http://schemas.microsoft.com/office/powerpoint/2015/main" val="1"/>
+                <p16:designElem xmlns:p16="http://schemas.microsoft.com/office/powerpoint/2015/main" xmlns="" val="1"/>
               </p:ext>
             </p:extLst>
           </p:nvPr>
@@ -41852,10 +41900,10 @@
           <p:cNvPr id="10" name="Rectangle 9">
             <a:extLst>
               <a:ext uri="{FF2B5EF4-FFF2-40B4-BE49-F238E27FC236}">
-                <a16:creationId xmlns="" xmlns:a16="http://schemas.microsoft.com/office/drawing/2014/main" id="{F1F7FD00-BF97-4325-B7C2-E451F20840A7}"/>
+                <a16:creationId xmlns:a16="http://schemas.microsoft.com/office/drawing/2014/main" xmlns="" id="{F1F7FD00-BF97-4325-B7C2-E451F20840A7}"/>
               </a:ext>
               <a:ext uri="{C183D7F6-B498-43B3-948B-1728B52AA6E4}">
-                <adec:decorative xmlns="" xmlns:adec="http://schemas.microsoft.com/office/drawing/2017/decorative" val="1"/>
+                <adec:decorative xmlns:adec="http://schemas.microsoft.com/office/drawing/2017/decorative" xmlns="" val="1"/>
               </a:ext>
             </a:extLst>
           </p:cNvPr>
@@ -41865,7 +41913,7 @@
           <p:nvPr>
             <p:extLst>
               <p:ext uri="{386F3935-93C4-4BCD-93E2-E3B085C9AB24}">
-                <p16:designElem xmlns="" xmlns:p16="http://schemas.microsoft.com/office/powerpoint/2015/main" val="1"/>
+                <p16:designElem xmlns:p16="http://schemas.microsoft.com/office/powerpoint/2015/main" xmlns="" val="1"/>
               </p:ext>
             </p:extLst>
           </p:nvPr>
@@ -41908,7 +41956,7 @@
           <p:cNvPr id="2" name="Title 1">
             <a:extLst>
               <a:ext uri="{FF2B5EF4-FFF2-40B4-BE49-F238E27FC236}">
-                <a16:creationId xmlns="" xmlns:a16="http://schemas.microsoft.com/office/drawing/2014/main" id="{BA2BFF53-F080-4837-B3FC-77C4CC391CF6}"/>
+                <a16:creationId xmlns:a16="http://schemas.microsoft.com/office/drawing/2014/main" xmlns="" id="{BA2BFF53-F080-4837-B3FC-77C4CC391CF6}"/>
               </a:ext>
             </a:extLst>
           </p:cNvPr>
@@ -41947,7 +41995,7 @@
           <p:cNvPr id="3" name="Content Placeholder 2">
             <a:extLst>
               <a:ext uri="{FF2B5EF4-FFF2-40B4-BE49-F238E27FC236}">
-                <a16:creationId xmlns="" xmlns:a16="http://schemas.microsoft.com/office/drawing/2014/main" id="{5AE71383-70B6-4A9E-A22E-EE6057E31C1C}"/>
+                <a16:creationId xmlns:a16="http://schemas.microsoft.com/office/drawing/2014/main" xmlns="" id="{5AE71383-70B6-4A9E-A22E-EE6057E31C1C}"/>
               </a:ext>
             </a:extLst>
           </p:cNvPr>
@@ -42009,10 +42057,10 @@
           <p:cNvPr id="12" name="Freeform 11">
             <a:extLst>
               <a:ext uri="{FF2B5EF4-FFF2-40B4-BE49-F238E27FC236}">
-                <a16:creationId xmlns="" xmlns:a16="http://schemas.microsoft.com/office/drawing/2014/main" id="{179B5294-DA4E-4926-B14A-DD6E07A12F67}"/>
+                <a16:creationId xmlns:a16="http://schemas.microsoft.com/office/drawing/2014/main" xmlns="" id="{179B5294-DA4E-4926-B14A-DD6E07A12F67}"/>
               </a:ext>
               <a:ext uri="{C183D7F6-B498-43B3-948B-1728B52AA6E4}">
-                <adec:decorative xmlns="" xmlns:adec="http://schemas.microsoft.com/office/drawing/2017/decorative" val="1"/>
+                <adec:decorative xmlns:adec="http://schemas.microsoft.com/office/drawing/2017/decorative" xmlns="" val="1"/>
               </a:ext>
             </a:extLst>
           </p:cNvPr>
@@ -42022,7 +42070,7 @@
           <p:nvPr>
             <p:extLst>
               <p:ext uri="{386F3935-93C4-4BCD-93E2-E3B085C9AB24}">
-                <p16:designElem xmlns="" xmlns:p16="http://schemas.microsoft.com/office/powerpoint/2015/main" val="1"/>
+                <p16:designElem xmlns:p16="http://schemas.microsoft.com/office/powerpoint/2015/main" xmlns="" val="1"/>
               </p:ext>
             </p:extLst>
           </p:nvPr>
@@ -42108,7 +42156,7 @@
           <p:cNvPr id="4" name="Picture 4">
             <a:extLst>
               <a:ext uri="{FF2B5EF4-FFF2-40B4-BE49-F238E27FC236}">
-                <a16:creationId xmlns="" xmlns:a16="http://schemas.microsoft.com/office/drawing/2014/main" id="{51B23E30-1143-449A-BE02-554D6258FD57}"/>
+                <a16:creationId xmlns:a16="http://schemas.microsoft.com/office/drawing/2014/main" xmlns="" id="{51B23E30-1143-449A-BE02-554D6258FD57}"/>
               </a:ext>
             </a:extLst>
           </p:cNvPr>
@@ -42138,7 +42186,7 @@
           <p:cNvPr id="6" name="Picture 6">
             <a:extLst>
               <a:ext uri="{FF2B5EF4-FFF2-40B4-BE49-F238E27FC236}">
-                <a16:creationId xmlns="" xmlns:a16="http://schemas.microsoft.com/office/drawing/2014/main" id="{88990048-B9F8-49D5-B15C-2D7E26EC636A}"/>
+                <a16:creationId xmlns:a16="http://schemas.microsoft.com/office/drawing/2014/main" xmlns="" id="{88990048-B9F8-49D5-B15C-2D7E26EC636A}"/>
               </a:ext>
             </a:extLst>
           </p:cNvPr>
@@ -42168,7 +42216,7 @@
           <p:cNvPr id="21" name="Picture 21">
             <a:extLst>
               <a:ext uri="{FF2B5EF4-FFF2-40B4-BE49-F238E27FC236}">
-                <a16:creationId xmlns="" xmlns:a16="http://schemas.microsoft.com/office/drawing/2014/main" id="{161F73F1-2999-4D23-B653-3E56A238A0C7}"/>
+                <a16:creationId xmlns:a16="http://schemas.microsoft.com/office/drawing/2014/main" xmlns="" id="{161F73F1-2999-4D23-B653-3E56A238A0C7}"/>
               </a:ext>
             </a:extLst>
           </p:cNvPr>
@@ -42196,7 +42244,7 @@
     </p:spTree>
     <p:extLst>
       <p:ext uri="{BB962C8B-B14F-4D97-AF65-F5344CB8AC3E}">
-        <p14:creationId xmlns:p14="http://schemas.microsoft.com/office/powerpoint/2010/main" xmlns="" val="3397500478"/>
+        <p14:creationId xmlns="" xmlns:p14="http://schemas.microsoft.com/office/powerpoint/2010/main" val="3397500478"/>
       </p:ext>
     </p:extLst>
   </p:cSld>
@@ -42575,10 +42623,10 @@
           <p:cNvPr id="8" name="Rectangle 7">
             <a:extLst>
               <a:ext uri="{FF2B5EF4-FFF2-40B4-BE49-F238E27FC236}">
-                <a16:creationId xmlns="" xmlns:a16="http://schemas.microsoft.com/office/drawing/2014/main" id="{3A3C2D7E-3F2E-404E-9B30-CB12DC972D50}"/>
+                <a16:creationId xmlns:a16="http://schemas.microsoft.com/office/drawing/2014/main" xmlns="" id="{3A3C2D7E-3F2E-404E-9B30-CB12DC972D50}"/>
               </a:ext>
               <a:ext uri="{C183D7F6-B498-43B3-948B-1728B52AA6E4}">
-                <adec:decorative xmlns="" xmlns:adec="http://schemas.microsoft.com/office/drawing/2017/decorative" val="1"/>
+                <adec:decorative xmlns:adec="http://schemas.microsoft.com/office/drawing/2017/decorative" xmlns="" val="1"/>
               </a:ext>
             </a:extLst>
           </p:cNvPr>
@@ -42588,7 +42636,7 @@
           <p:nvPr>
             <p:extLst>
               <p:ext uri="{386F3935-93C4-4BCD-93E2-E3B085C9AB24}">
-                <p16:designElem xmlns="" xmlns:p16="http://schemas.microsoft.com/office/powerpoint/2015/main" val="1"/>
+                <p16:designElem xmlns:p16="http://schemas.microsoft.com/office/powerpoint/2015/main" xmlns="" val="1"/>
               </p:ext>
             </p:extLst>
           </p:nvPr>
@@ -42635,10 +42683,10 @@
           <p:cNvPr id="10" name="Rectangle 9">
             <a:extLst>
               <a:ext uri="{FF2B5EF4-FFF2-40B4-BE49-F238E27FC236}">
-                <a16:creationId xmlns="" xmlns:a16="http://schemas.microsoft.com/office/drawing/2014/main" id="{F1F7FD00-BF97-4325-B7C2-E451F20840A7}"/>
+                <a16:creationId xmlns:a16="http://schemas.microsoft.com/office/drawing/2014/main" xmlns="" id="{F1F7FD00-BF97-4325-B7C2-E451F20840A7}"/>
               </a:ext>
               <a:ext uri="{C183D7F6-B498-43B3-948B-1728B52AA6E4}">
-                <adec:decorative xmlns="" xmlns:adec="http://schemas.microsoft.com/office/drawing/2017/decorative" val="1"/>
+                <adec:decorative xmlns:adec="http://schemas.microsoft.com/office/drawing/2017/decorative" xmlns="" val="1"/>
               </a:ext>
             </a:extLst>
           </p:cNvPr>
@@ -42648,7 +42696,7 @@
           <p:nvPr>
             <p:extLst>
               <p:ext uri="{386F3935-93C4-4BCD-93E2-E3B085C9AB24}">
-                <p16:designElem xmlns="" xmlns:p16="http://schemas.microsoft.com/office/powerpoint/2015/main" val="1"/>
+                <p16:designElem xmlns:p16="http://schemas.microsoft.com/office/powerpoint/2015/main" xmlns="" val="1"/>
               </p:ext>
             </p:extLst>
           </p:nvPr>
@@ -42691,7 +42739,7 @@
           <p:cNvPr id="2" name="Title 1">
             <a:extLst>
               <a:ext uri="{FF2B5EF4-FFF2-40B4-BE49-F238E27FC236}">
-                <a16:creationId xmlns="" xmlns:a16="http://schemas.microsoft.com/office/drawing/2014/main" id="{62E540F1-2380-4634-BD56-DBBD8B0EB077}"/>
+                <a16:creationId xmlns:a16="http://schemas.microsoft.com/office/drawing/2014/main" xmlns="" id="{62E540F1-2380-4634-BD56-DBBD8B0EB077}"/>
               </a:ext>
             </a:extLst>
           </p:cNvPr>
@@ -42743,10 +42791,10 @@
           <p:cNvPr id="12" name="Freeform 11">
             <a:extLst>
               <a:ext uri="{FF2B5EF4-FFF2-40B4-BE49-F238E27FC236}">
-                <a16:creationId xmlns="" xmlns:a16="http://schemas.microsoft.com/office/drawing/2014/main" id="{179B5294-DA4E-4926-B14A-DD6E07A12F67}"/>
+                <a16:creationId xmlns:a16="http://schemas.microsoft.com/office/drawing/2014/main" xmlns="" id="{179B5294-DA4E-4926-B14A-DD6E07A12F67}"/>
               </a:ext>
               <a:ext uri="{C183D7F6-B498-43B3-948B-1728B52AA6E4}">
-                <adec:decorative xmlns="" xmlns:adec="http://schemas.microsoft.com/office/drawing/2017/decorative" val="1"/>
+                <adec:decorative xmlns:adec="http://schemas.microsoft.com/office/drawing/2017/decorative" xmlns="" val="1"/>
               </a:ext>
             </a:extLst>
           </p:cNvPr>
@@ -42756,7 +42804,7 @@
           <p:nvPr>
             <p:extLst>
               <p:ext uri="{386F3935-93C4-4BCD-93E2-E3B085C9AB24}">
-                <p16:designElem xmlns="" xmlns:p16="http://schemas.microsoft.com/office/powerpoint/2015/main" val="1"/>
+                <p16:designElem xmlns:p16="http://schemas.microsoft.com/office/powerpoint/2015/main" xmlns="" val="1"/>
               </p:ext>
             </p:extLst>
           </p:nvPr>
@@ -42842,7 +42890,7 @@
           <p:cNvPr id="3" name="Content Placeholder 2">
             <a:extLst>
               <a:ext uri="{FF2B5EF4-FFF2-40B4-BE49-F238E27FC236}">
-                <a16:creationId xmlns="" xmlns:a16="http://schemas.microsoft.com/office/drawing/2014/main" id="{9C657378-D759-4613-A83A-E0D10AE57573}"/>
+                <a16:creationId xmlns:a16="http://schemas.microsoft.com/office/drawing/2014/main" xmlns="" id="{9C657378-D759-4613-A83A-E0D10AE57573}"/>
               </a:ext>
             </a:extLst>
           </p:cNvPr>
@@ -42891,7 +42939,7 @@
           <p:cNvPr id="4" name="Picture 4">
             <a:extLst>
               <a:ext uri="{FF2B5EF4-FFF2-40B4-BE49-F238E27FC236}">
-                <a16:creationId xmlns="" xmlns:a16="http://schemas.microsoft.com/office/drawing/2014/main" id="{EE027726-0F37-434C-A68F-B6FD0BFA07A6}"/>
+                <a16:creationId xmlns:a16="http://schemas.microsoft.com/office/drawing/2014/main" xmlns="" id="{EE027726-0F37-434C-A68F-B6FD0BFA07A6}"/>
               </a:ext>
             </a:extLst>
           </p:cNvPr>
@@ -42919,7 +42967,7 @@
     </p:spTree>
     <p:extLst>
       <p:ext uri="{BB962C8B-B14F-4D97-AF65-F5344CB8AC3E}">
-        <p14:creationId xmlns:p14="http://schemas.microsoft.com/office/powerpoint/2010/main" xmlns="" val="1558129202"/>
+        <p14:creationId xmlns="" xmlns:p14="http://schemas.microsoft.com/office/powerpoint/2010/main" val="1558129202"/>
       </p:ext>
     </p:extLst>
   </p:cSld>
@@ -42987,10 +43035,10 @@
           <p:cNvPr id="8" name="Rectangle 7">
             <a:extLst>
               <a:ext uri="{FF2B5EF4-FFF2-40B4-BE49-F238E27FC236}">
-                <a16:creationId xmlns="" xmlns:a16="http://schemas.microsoft.com/office/drawing/2014/main" id="{3A3C2D7E-3F2E-404E-9B30-CB12DC972D50}"/>
+                <a16:creationId xmlns:a16="http://schemas.microsoft.com/office/drawing/2014/main" xmlns="" id="{3A3C2D7E-3F2E-404E-9B30-CB12DC972D50}"/>
               </a:ext>
               <a:ext uri="{C183D7F6-B498-43B3-948B-1728B52AA6E4}">
-                <adec:decorative xmlns="" xmlns:adec="http://schemas.microsoft.com/office/drawing/2017/decorative" val="1"/>
+                <adec:decorative xmlns:adec="http://schemas.microsoft.com/office/drawing/2017/decorative" xmlns="" val="1"/>
               </a:ext>
             </a:extLst>
           </p:cNvPr>
@@ -43000,7 +43048,7 @@
           <p:nvPr>
             <p:extLst>
               <p:ext uri="{386F3935-93C4-4BCD-93E2-E3B085C9AB24}">
-                <p16:designElem xmlns="" xmlns:p16="http://schemas.microsoft.com/office/powerpoint/2015/main" val="1"/>
+                <p16:designElem xmlns:p16="http://schemas.microsoft.com/office/powerpoint/2015/main" xmlns="" val="1"/>
               </p:ext>
             </p:extLst>
           </p:nvPr>
@@ -43047,10 +43095,10 @@
           <p:cNvPr id="10" name="Rectangle 9">
             <a:extLst>
               <a:ext uri="{FF2B5EF4-FFF2-40B4-BE49-F238E27FC236}">
-                <a16:creationId xmlns="" xmlns:a16="http://schemas.microsoft.com/office/drawing/2014/main" id="{F1F7FD00-BF97-4325-B7C2-E451F20840A7}"/>
+                <a16:creationId xmlns:a16="http://schemas.microsoft.com/office/drawing/2014/main" xmlns="" id="{F1F7FD00-BF97-4325-B7C2-E451F20840A7}"/>
               </a:ext>
               <a:ext uri="{C183D7F6-B498-43B3-948B-1728B52AA6E4}">
-                <adec:decorative xmlns="" xmlns:adec="http://schemas.microsoft.com/office/drawing/2017/decorative" val="1"/>
+                <adec:decorative xmlns:adec="http://schemas.microsoft.com/office/drawing/2017/decorative" xmlns="" val="1"/>
               </a:ext>
             </a:extLst>
           </p:cNvPr>
@@ -43060,7 +43108,7 @@
           <p:nvPr>
             <p:extLst>
               <p:ext uri="{386F3935-93C4-4BCD-93E2-E3B085C9AB24}">
-                <p16:designElem xmlns="" xmlns:p16="http://schemas.microsoft.com/office/powerpoint/2015/main" val="1"/>
+                <p16:designElem xmlns:p16="http://schemas.microsoft.com/office/powerpoint/2015/main" xmlns="" val="1"/>
               </p:ext>
             </p:extLst>
           </p:nvPr>
@@ -43103,7 +43151,7 @@
           <p:cNvPr id="2" name="Title 1">
             <a:extLst>
               <a:ext uri="{FF2B5EF4-FFF2-40B4-BE49-F238E27FC236}">
-                <a16:creationId xmlns="" xmlns:a16="http://schemas.microsoft.com/office/drawing/2014/main" id="{0652C70D-7098-408E-880E-3F22F905AF82}"/>
+                <a16:creationId xmlns:a16="http://schemas.microsoft.com/office/drawing/2014/main" xmlns="" id="{0652C70D-7098-408E-880E-3F22F905AF82}"/>
               </a:ext>
             </a:extLst>
           </p:cNvPr>
@@ -43164,10 +43212,10 @@
           <p:cNvPr id="12" name="Freeform 11">
             <a:extLst>
               <a:ext uri="{FF2B5EF4-FFF2-40B4-BE49-F238E27FC236}">
-                <a16:creationId xmlns="" xmlns:a16="http://schemas.microsoft.com/office/drawing/2014/main" id="{179B5294-DA4E-4926-B14A-DD6E07A12F67}"/>
+                <a16:creationId xmlns:a16="http://schemas.microsoft.com/office/drawing/2014/main" xmlns="" id="{179B5294-DA4E-4926-B14A-DD6E07A12F67}"/>
               </a:ext>
               <a:ext uri="{C183D7F6-B498-43B3-948B-1728B52AA6E4}">
-                <adec:decorative xmlns="" xmlns:adec="http://schemas.microsoft.com/office/drawing/2017/decorative" val="1"/>
+                <adec:decorative xmlns:adec="http://schemas.microsoft.com/office/drawing/2017/decorative" xmlns="" val="1"/>
               </a:ext>
             </a:extLst>
           </p:cNvPr>
@@ -43177,7 +43225,7 @@
           <p:nvPr>
             <p:extLst>
               <p:ext uri="{386F3935-93C4-4BCD-93E2-E3B085C9AB24}">
-                <p16:designElem xmlns="" xmlns:p16="http://schemas.microsoft.com/office/powerpoint/2015/main" val="1"/>
+                <p16:designElem xmlns:p16="http://schemas.microsoft.com/office/powerpoint/2015/main" xmlns="" val="1"/>
               </p:ext>
             </p:extLst>
           </p:nvPr>
@@ -43263,7 +43311,7 @@
           <p:cNvPr id="3" name="Content Placeholder 2">
             <a:extLst>
               <a:ext uri="{FF2B5EF4-FFF2-40B4-BE49-F238E27FC236}">
-                <a16:creationId xmlns="" xmlns:a16="http://schemas.microsoft.com/office/drawing/2014/main" id="{B1C6EA51-866C-4C34-B123-039CBFDAA574}"/>
+                <a16:creationId xmlns:a16="http://schemas.microsoft.com/office/drawing/2014/main" xmlns="" id="{B1C6EA51-866C-4C34-B123-039CBFDAA574}"/>
               </a:ext>
             </a:extLst>
           </p:cNvPr>
@@ -43325,7 +43373,7 @@
           <p:cNvPr id="11" name="Picture 4">
             <a:extLst>
               <a:ext uri="{FF2B5EF4-FFF2-40B4-BE49-F238E27FC236}">
-                <a16:creationId xmlns:a16="http://schemas.microsoft.com/office/drawing/2014/main" xmlns="" id="{4DC381FF-3D9B-4D35-B828-5977733C5B48}"/>
+                <a16:creationId xmlns="" xmlns:a16="http://schemas.microsoft.com/office/drawing/2014/main" id="{4DC381FF-3D9B-4D35-B828-5977733C5B48}"/>
               </a:ext>
             </a:extLst>
           </p:cNvPr>
@@ -43353,7 +43401,7 @@
     </p:spTree>
     <p:extLst>
       <p:ext uri="{BB962C8B-B14F-4D97-AF65-F5344CB8AC3E}">
-        <p14:creationId xmlns:p14="http://schemas.microsoft.com/office/powerpoint/2010/main" xmlns="" val="2092328621"/>
+        <p14:creationId xmlns="" xmlns:p14="http://schemas.microsoft.com/office/powerpoint/2010/main" val="2092328621"/>
       </p:ext>
     </p:extLst>
   </p:cSld>
@@ -43421,10 +43469,10 @@
           <p:cNvPr id="8" name="Rectangle 7">
             <a:extLst>
               <a:ext uri="{FF2B5EF4-FFF2-40B4-BE49-F238E27FC236}">
-                <a16:creationId xmlns="" xmlns:a16="http://schemas.microsoft.com/office/drawing/2014/main" id="{3A3C2D7E-3F2E-404E-9B30-CB12DC972D50}"/>
+                <a16:creationId xmlns:a16="http://schemas.microsoft.com/office/drawing/2014/main" xmlns="" id="{3A3C2D7E-3F2E-404E-9B30-CB12DC972D50}"/>
               </a:ext>
               <a:ext uri="{C183D7F6-B498-43B3-948B-1728B52AA6E4}">
-                <adec:decorative xmlns="" xmlns:adec="http://schemas.microsoft.com/office/drawing/2017/decorative" val="1"/>
+                <adec:decorative xmlns:adec="http://schemas.microsoft.com/office/drawing/2017/decorative" xmlns="" val="1"/>
               </a:ext>
             </a:extLst>
           </p:cNvPr>
@@ -43434,7 +43482,7 @@
           <p:nvPr>
             <p:extLst>
               <p:ext uri="{386F3935-93C4-4BCD-93E2-E3B085C9AB24}">
-                <p16:designElem xmlns="" xmlns:p16="http://schemas.microsoft.com/office/powerpoint/2015/main" val="1"/>
+                <p16:designElem xmlns:p16="http://schemas.microsoft.com/office/powerpoint/2015/main" xmlns="" val="1"/>
               </p:ext>
             </p:extLst>
           </p:nvPr>
@@ -43481,10 +43529,10 @@
           <p:cNvPr id="10" name="Rectangle 9">
             <a:extLst>
               <a:ext uri="{FF2B5EF4-FFF2-40B4-BE49-F238E27FC236}">
-                <a16:creationId xmlns="" xmlns:a16="http://schemas.microsoft.com/office/drawing/2014/main" id="{F1F7FD00-BF97-4325-B7C2-E451F20840A7}"/>
+                <a16:creationId xmlns:a16="http://schemas.microsoft.com/office/drawing/2014/main" xmlns="" id="{F1F7FD00-BF97-4325-B7C2-E451F20840A7}"/>
               </a:ext>
               <a:ext uri="{C183D7F6-B498-43B3-948B-1728B52AA6E4}">
-                <adec:decorative xmlns="" xmlns:adec="http://schemas.microsoft.com/office/drawing/2017/decorative" val="1"/>
+                <adec:decorative xmlns:adec="http://schemas.microsoft.com/office/drawing/2017/decorative" xmlns="" val="1"/>
               </a:ext>
             </a:extLst>
           </p:cNvPr>
@@ -43494,7 +43542,7 @@
           <p:nvPr>
             <p:extLst>
               <p:ext uri="{386F3935-93C4-4BCD-93E2-E3B085C9AB24}">
-                <p16:designElem xmlns="" xmlns:p16="http://schemas.microsoft.com/office/powerpoint/2015/main" val="1"/>
+                <p16:designElem xmlns:p16="http://schemas.microsoft.com/office/powerpoint/2015/main" xmlns="" val="1"/>
               </p:ext>
             </p:extLst>
           </p:nvPr>
@@ -43537,7 +43585,7 @@
           <p:cNvPr id="2" name="Title 1">
             <a:extLst>
               <a:ext uri="{FF2B5EF4-FFF2-40B4-BE49-F238E27FC236}">
-                <a16:creationId xmlns="" xmlns:a16="http://schemas.microsoft.com/office/drawing/2014/main" id="{0652C70D-7098-408E-880E-3F22F905AF82}"/>
+                <a16:creationId xmlns:a16="http://schemas.microsoft.com/office/drawing/2014/main" xmlns="" id="{0652C70D-7098-408E-880E-3F22F905AF82}"/>
               </a:ext>
             </a:extLst>
           </p:cNvPr>
@@ -43597,10 +43645,10 @@
           <p:cNvPr id="12" name="Freeform 11">
             <a:extLst>
               <a:ext uri="{FF2B5EF4-FFF2-40B4-BE49-F238E27FC236}">
-                <a16:creationId xmlns="" xmlns:a16="http://schemas.microsoft.com/office/drawing/2014/main" id="{179B5294-DA4E-4926-B14A-DD6E07A12F67}"/>
+                <a16:creationId xmlns:a16="http://schemas.microsoft.com/office/drawing/2014/main" xmlns="" id="{179B5294-DA4E-4926-B14A-DD6E07A12F67}"/>
               </a:ext>
               <a:ext uri="{C183D7F6-B498-43B3-948B-1728B52AA6E4}">
-                <adec:decorative xmlns="" xmlns:adec="http://schemas.microsoft.com/office/drawing/2017/decorative" val="1"/>
+                <adec:decorative xmlns:adec="http://schemas.microsoft.com/office/drawing/2017/decorative" xmlns="" val="1"/>
               </a:ext>
             </a:extLst>
           </p:cNvPr>
@@ -43610,7 +43658,7 @@
           <p:nvPr>
             <p:extLst>
               <p:ext uri="{386F3935-93C4-4BCD-93E2-E3B085C9AB24}">
-                <p16:designElem xmlns="" xmlns:p16="http://schemas.microsoft.com/office/powerpoint/2015/main" val="1"/>
+                <p16:designElem xmlns:p16="http://schemas.microsoft.com/office/powerpoint/2015/main" xmlns="" val="1"/>
               </p:ext>
             </p:extLst>
           </p:nvPr>
@@ -43696,7 +43744,7 @@
           <p:cNvPr id="3" name="Content Placeholder 2">
             <a:extLst>
               <a:ext uri="{FF2B5EF4-FFF2-40B4-BE49-F238E27FC236}">
-                <a16:creationId xmlns="" xmlns:a16="http://schemas.microsoft.com/office/drawing/2014/main" id="{B1C6EA51-866C-4C34-B123-039CBFDAA574}"/>
+                <a16:creationId xmlns:a16="http://schemas.microsoft.com/office/drawing/2014/main" xmlns="" id="{B1C6EA51-866C-4C34-B123-039CBFDAA574}"/>
               </a:ext>
             </a:extLst>
           </p:cNvPr>
@@ -43785,14 +43833,7 @@
                 <a:ea typeface="+mn-lt"/>
                 <a:cs typeface="+mn-lt"/>
               </a:rPr>
-              <a:t>system </a:t>
-            </a:r>
-            <a:r>
-              <a:rPr lang="en-US" dirty="0" smtClean="0">
-                <a:ea typeface="+mn-lt"/>
-                <a:cs typeface="+mn-lt"/>
-              </a:rPr>
-              <a:t>that </a:t>
+              <a:t>system that </a:t>
             </a:r>
             <a:r>
               <a:rPr lang="en-US" dirty="0">
@@ -43828,7 +43869,7 @@
     </p:spTree>
     <p:extLst>
       <p:ext uri="{BB962C8B-B14F-4D97-AF65-F5344CB8AC3E}">
-        <p14:creationId xmlns:p14="http://schemas.microsoft.com/office/powerpoint/2010/main" xmlns="" val="2873321571"/>
+        <p14:creationId xmlns="" xmlns:p14="http://schemas.microsoft.com/office/powerpoint/2010/main" val="2873321571"/>
       </p:ext>
     </p:extLst>
   </p:cSld>
@@ -44163,10 +44204,10 @@
           <p:cNvPr id="8" name="Rectangle 7">
             <a:extLst>
               <a:ext uri="{FF2B5EF4-FFF2-40B4-BE49-F238E27FC236}">
-                <a16:creationId xmlns="" xmlns:a16="http://schemas.microsoft.com/office/drawing/2014/main" id="{3A3C2D7E-3F2E-404E-9B30-CB12DC972D50}"/>
+                <a16:creationId xmlns:a16="http://schemas.microsoft.com/office/drawing/2014/main" xmlns="" id="{3A3C2D7E-3F2E-404E-9B30-CB12DC972D50}"/>
               </a:ext>
               <a:ext uri="{C183D7F6-B498-43B3-948B-1728B52AA6E4}">
-                <adec:decorative xmlns="" xmlns:adec="http://schemas.microsoft.com/office/drawing/2017/decorative" val="1"/>
+                <adec:decorative xmlns:adec="http://schemas.microsoft.com/office/drawing/2017/decorative" xmlns="" val="1"/>
               </a:ext>
             </a:extLst>
           </p:cNvPr>
@@ -44176,7 +44217,7 @@
           <p:nvPr>
             <p:extLst>
               <p:ext uri="{386F3935-93C4-4BCD-93E2-E3B085C9AB24}">
-                <p16:designElem xmlns="" xmlns:p16="http://schemas.microsoft.com/office/powerpoint/2015/main" val="1"/>
+                <p16:designElem xmlns:p16="http://schemas.microsoft.com/office/powerpoint/2015/main" xmlns="" val="1"/>
               </p:ext>
             </p:extLst>
           </p:nvPr>
@@ -44223,10 +44264,10 @@
           <p:cNvPr id="10" name="Rectangle 9">
             <a:extLst>
               <a:ext uri="{FF2B5EF4-FFF2-40B4-BE49-F238E27FC236}">
-                <a16:creationId xmlns="" xmlns:a16="http://schemas.microsoft.com/office/drawing/2014/main" id="{F1F7FD00-BF97-4325-B7C2-E451F20840A7}"/>
+                <a16:creationId xmlns:a16="http://schemas.microsoft.com/office/drawing/2014/main" xmlns="" id="{F1F7FD00-BF97-4325-B7C2-E451F20840A7}"/>
               </a:ext>
               <a:ext uri="{C183D7F6-B498-43B3-948B-1728B52AA6E4}">
-                <adec:decorative xmlns="" xmlns:adec="http://schemas.microsoft.com/office/drawing/2017/decorative" val="1"/>
+                <adec:decorative xmlns:adec="http://schemas.microsoft.com/office/drawing/2017/decorative" xmlns="" val="1"/>
               </a:ext>
             </a:extLst>
           </p:cNvPr>
@@ -44236,7 +44277,7 @@
           <p:nvPr>
             <p:extLst>
               <p:ext uri="{386F3935-93C4-4BCD-93E2-E3B085C9AB24}">
-                <p16:designElem xmlns="" xmlns:p16="http://schemas.microsoft.com/office/powerpoint/2015/main" val="1"/>
+                <p16:designElem xmlns:p16="http://schemas.microsoft.com/office/powerpoint/2015/main" xmlns="" val="1"/>
               </p:ext>
             </p:extLst>
           </p:nvPr>
@@ -44279,7 +44320,7 @@
           <p:cNvPr id="2" name="Title 1">
             <a:extLst>
               <a:ext uri="{FF2B5EF4-FFF2-40B4-BE49-F238E27FC236}">
-                <a16:creationId xmlns="" xmlns:a16="http://schemas.microsoft.com/office/drawing/2014/main" id="{0652C70D-7098-408E-880E-3F22F905AF82}"/>
+                <a16:creationId xmlns:a16="http://schemas.microsoft.com/office/drawing/2014/main" xmlns="" id="{0652C70D-7098-408E-880E-3F22F905AF82}"/>
               </a:ext>
             </a:extLst>
           </p:cNvPr>
@@ -44339,10 +44380,10 @@
           <p:cNvPr id="12" name="Freeform 11">
             <a:extLst>
               <a:ext uri="{FF2B5EF4-FFF2-40B4-BE49-F238E27FC236}">
-                <a16:creationId xmlns="" xmlns:a16="http://schemas.microsoft.com/office/drawing/2014/main" id="{179B5294-DA4E-4926-B14A-DD6E07A12F67}"/>
+                <a16:creationId xmlns:a16="http://schemas.microsoft.com/office/drawing/2014/main" xmlns="" id="{179B5294-DA4E-4926-B14A-DD6E07A12F67}"/>
               </a:ext>
               <a:ext uri="{C183D7F6-B498-43B3-948B-1728B52AA6E4}">
-                <adec:decorative xmlns="" xmlns:adec="http://schemas.microsoft.com/office/drawing/2017/decorative" val="1"/>
+                <adec:decorative xmlns:adec="http://schemas.microsoft.com/office/drawing/2017/decorative" xmlns="" val="1"/>
               </a:ext>
             </a:extLst>
           </p:cNvPr>
@@ -44352,7 +44393,7 @@
           <p:nvPr>
             <p:extLst>
               <p:ext uri="{386F3935-93C4-4BCD-93E2-E3B085C9AB24}">
-                <p16:designElem xmlns="" xmlns:p16="http://schemas.microsoft.com/office/powerpoint/2015/main" val="1"/>
+                <p16:designElem xmlns:p16="http://schemas.microsoft.com/office/powerpoint/2015/main" xmlns="" val="1"/>
               </p:ext>
             </p:extLst>
           </p:nvPr>
@@ -44438,7 +44479,7 @@
           <p:cNvPr id="3" name="Content Placeholder 2">
             <a:extLst>
               <a:ext uri="{FF2B5EF4-FFF2-40B4-BE49-F238E27FC236}">
-                <a16:creationId xmlns="" xmlns:a16="http://schemas.microsoft.com/office/drawing/2014/main" id="{B1C6EA51-866C-4C34-B123-039CBFDAA574}"/>
+                <a16:creationId xmlns:a16="http://schemas.microsoft.com/office/drawing/2014/main" xmlns="" id="{B1C6EA51-866C-4C34-B123-039CBFDAA574}"/>
               </a:ext>
             </a:extLst>
           </p:cNvPr>
@@ -44519,7 +44560,7 @@
           <p:cNvPr id="14" name="Picture 4">
             <a:extLst>
               <a:ext uri="{FF2B5EF4-FFF2-40B4-BE49-F238E27FC236}">
-                <a16:creationId xmlns:a16="http://schemas.microsoft.com/office/drawing/2014/main" xmlns="" id="{7EEAB0AE-0460-41B8-9D67-191EB26FCEE5}"/>
+                <a16:creationId xmlns="" xmlns:a16="http://schemas.microsoft.com/office/drawing/2014/main" id="{7EEAB0AE-0460-41B8-9D67-191EB26FCEE5}"/>
               </a:ext>
             </a:extLst>
           </p:cNvPr>
@@ -44549,7 +44590,7 @@
           <p:cNvPr id="15" name="Picture 6">
             <a:extLst>
               <a:ext uri="{FF2B5EF4-FFF2-40B4-BE49-F238E27FC236}">
-                <a16:creationId xmlns:a16="http://schemas.microsoft.com/office/drawing/2014/main" xmlns="" id="{8AD37409-6513-4DCC-BDCD-33581937F0C1}"/>
+                <a16:creationId xmlns="" xmlns:a16="http://schemas.microsoft.com/office/drawing/2014/main" id="{8AD37409-6513-4DCC-BDCD-33581937F0C1}"/>
               </a:ext>
             </a:extLst>
           </p:cNvPr>
@@ -44577,7 +44618,7 @@
     </p:spTree>
     <p:extLst>
       <p:ext uri="{BB962C8B-B14F-4D97-AF65-F5344CB8AC3E}">
-        <p14:creationId xmlns:p14="http://schemas.microsoft.com/office/powerpoint/2010/main" xmlns="" val="1640973740"/>
+        <p14:creationId xmlns="" xmlns:p14="http://schemas.microsoft.com/office/powerpoint/2010/main" val="1640973740"/>
       </p:ext>
     </p:extLst>
   </p:cSld>
@@ -44834,7 +44875,7 @@
   <a:extraClrSchemeLst/>
   <a:extLst>
     <a:ext uri="{05A4C25C-085E-4340-85A3-A5531E510DB2}">
-      <thm15:themeFamily xmlns="" xmlns:thm15="http://schemas.microsoft.com/office/thememl/2012/main" name="Wisp" id="{7CB32D59-10C0-40DD-B7BD-2E94284A981C}" vid="{24B1A44C-C006-48B2-A4D7-E5549B3D8CD4}"/>
+      <thm15:themeFamily xmlns:thm15="http://schemas.microsoft.com/office/thememl/2012/main" xmlns="" name="Wisp" id="{7CB32D59-10C0-40DD-B7BD-2E94284A981C}" vid="{24B1A44C-C006-48B2-A4D7-E5549B3D8CD4}"/>
     </a:ext>
   </a:extLst>
 </a:theme>

--- a/Project slides.pptx
+++ b/Project slides.pptx
@@ -135,7 +135,7 @@
   </p:defaultTextStyle>
   <p:extLst>
     <p:ext uri="{EFAFB233-063F-42B5-8137-9DF3F51BA10A}">
-      <p15:sldGuideLst xmlns="" xmlns:p15="http://schemas.microsoft.com/office/powerpoint/2012/main">
+      <p15:sldGuideLst xmlns:p15="http://schemas.microsoft.com/office/powerpoint/2012/main" xmlns="">
         <p15:guide id="1" orient="horz" pos="2160">
           <p15:clr>
             <a:srgbClr val="A4A3A4"/>
@@ -7610,7 +7610,7 @@
   <dgm:whole/>
   <dgm:extLst>
     <a:ext uri="http://schemas.microsoft.com/office/drawing/2008/diagram">
-      <dsp:dataModelExt xmlns:dsp="http://schemas.microsoft.com/office/drawing/2008/diagram" xmlns="" relId="rId6" minVer="http://schemas.openxmlformats.org/drawingml/2006/diagram"/>
+      <dsp:dataModelExt xmlns="" xmlns:dsp="http://schemas.microsoft.com/office/drawing/2008/diagram" relId="rId6" minVer="http://schemas.openxmlformats.org/drawingml/2006/diagram"/>
     </a:ext>
   </dgm:extLst>
 </dgm:dataModel>
@@ -8253,7 +8253,7 @@
   <dgm:whole/>
   <dgm:extLst>
     <a:ext uri="http://schemas.microsoft.com/office/drawing/2008/diagram">
-      <dsp:dataModelExt xmlns:dsp="http://schemas.microsoft.com/office/drawing/2008/diagram" xmlns="" relId="rId6" minVer="http://schemas.openxmlformats.org/drawingml/2006/diagram"/>
+      <dsp:dataModelExt xmlns="" xmlns:dsp="http://schemas.microsoft.com/office/drawing/2008/diagram" relId="rId6" minVer="http://schemas.openxmlformats.org/drawingml/2006/diagram"/>
     </a:ext>
   </dgm:extLst>
 </dgm:dataModel>
@@ -8836,8 +8836,8 @@
     <dgm:cxn modelId="{4AA56429-1519-4660-A7AE-DDFCDBAC71F8}" type="presOf" srcId="{9E626EBB-B485-4DDE-B5A4-380EB1A4D9AF}" destId="{79472641-66CD-4B1A-821E-23380DE6748C}" srcOrd="0" destOrd="0" presId="urn:microsoft.com/office/officeart/2005/8/layout/cycle6"/>
     <dgm:cxn modelId="{9798133A-9D44-492C-9BEE-855A28F96324}" type="presOf" srcId="{D24CCF26-F4FD-46E7-8294-4EC337385235}" destId="{927E6873-1309-4ADA-ABDE-F467470D20BE}" srcOrd="0" destOrd="0" presId="urn:microsoft.com/office/officeart/2005/8/layout/cycle6"/>
     <dgm:cxn modelId="{CA8CB9DE-031D-42C6-AF96-FDF784FAE2C2}" type="presOf" srcId="{BAD60A6A-D1F7-4C42-9B3B-08C323554D82}" destId="{C090A18A-DB05-4B47-A1A5-E1028DBA3B0A}" srcOrd="0" destOrd="0" presId="urn:microsoft.com/office/officeart/2005/8/layout/cycle6"/>
+    <dgm:cxn modelId="{CA434B0F-B49F-4ED4-AC30-92D8A74D99CD}" srcId="{BAD60A6A-D1F7-4C42-9B3B-08C323554D82}" destId="{9417A54C-EB95-4A5D-99D1-3622B07BEC7A}" srcOrd="3" destOrd="0" parTransId="{27286432-A277-4448-9FF3-F9D628284E35}" sibTransId="{1AFB04A5-BBE7-4D1E-BC70-F55A03A39DB1}"/>
     <dgm:cxn modelId="{2DC9FED3-E784-444C-9658-6CA465B9BE28}" type="presOf" srcId="{0FA78B75-082C-43DC-933C-7FFF0E969434}" destId="{B21F0599-B944-425B-B2F8-623CD6CEAC6F}" srcOrd="0" destOrd="0" presId="urn:microsoft.com/office/officeart/2005/8/layout/cycle6"/>
-    <dgm:cxn modelId="{CA434B0F-B49F-4ED4-AC30-92D8A74D99CD}" srcId="{BAD60A6A-D1F7-4C42-9B3B-08C323554D82}" destId="{9417A54C-EB95-4A5D-99D1-3622B07BEC7A}" srcOrd="3" destOrd="0" parTransId="{27286432-A277-4448-9FF3-F9D628284E35}" sibTransId="{1AFB04A5-BBE7-4D1E-BC70-F55A03A39DB1}"/>
     <dgm:cxn modelId="{EF620AFB-45B5-44DF-969A-6CB774DE2047}" type="presParOf" srcId="{C090A18A-DB05-4B47-A1A5-E1028DBA3B0A}" destId="{927E6873-1309-4ADA-ABDE-F467470D20BE}" srcOrd="0" destOrd="0" presId="urn:microsoft.com/office/officeart/2005/8/layout/cycle6"/>
     <dgm:cxn modelId="{3878F9C5-E78B-47D6-967D-098419C365E3}" type="presParOf" srcId="{C090A18A-DB05-4B47-A1A5-E1028DBA3B0A}" destId="{077C3D06-71E1-45FF-8E8E-384289E18F33}" srcOrd="1" destOrd="0" presId="urn:microsoft.com/office/officeart/2005/8/layout/cycle6"/>
     <dgm:cxn modelId="{2623E5CF-ED1B-4578-AD47-74D78A8C4A81}" type="presParOf" srcId="{C090A18A-DB05-4B47-A1A5-E1028DBA3B0A}" destId="{604D8B83-AD61-46F0-969A-B8E73AEDF0BA}" srcOrd="2" destOrd="0" presId="urn:microsoft.com/office/officeart/2005/8/layout/cycle6"/>
@@ -8864,7 +8864,7 @@
   <dgm:whole/>
   <dgm:extLst>
     <a:ext uri="http://schemas.microsoft.com/office/drawing/2008/diagram">
-      <dsp:dataModelExt xmlns:dsp="http://schemas.microsoft.com/office/drawing/2008/diagram" xmlns="" relId="rId6" minVer="http://schemas.openxmlformats.org/drawingml/2006/diagram"/>
+      <dsp:dataModelExt xmlns="" xmlns:dsp="http://schemas.microsoft.com/office/drawing/2008/diagram" relId="rId6" minVer="http://schemas.openxmlformats.org/drawingml/2006/diagram"/>
     </a:ext>
   </dgm:extLst>
 </dgm:dataModel>
@@ -9695,7 +9695,7 @@
   <dgm:whole/>
   <dgm:extLst>
     <a:ext uri="http://schemas.microsoft.com/office/drawing/2008/diagram">
-      <dsp:dataModelExt xmlns:dsp="http://schemas.microsoft.com/office/drawing/2008/diagram" xmlns="" relId="rId6" minVer="http://schemas.openxmlformats.org/drawingml/2006/diagram"/>
+      <dsp:dataModelExt xmlns="" xmlns:dsp="http://schemas.microsoft.com/office/drawing/2008/diagram" relId="rId6" minVer="http://schemas.openxmlformats.org/drawingml/2006/diagram"/>
     </a:ext>
   </dgm:extLst>
 </dgm:dataModel>
@@ -10158,7 +10158,7 @@
   <dgm:whole/>
   <dgm:extLst>
     <a:ext uri="http://schemas.microsoft.com/office/drawing/2008/diagram">
-      <dsp:dataModelExt xmlns:dsp="http://schemas.microsoft.com/office/drawing/2008/diagram" xmlns="" relId="rId6" minVer="http://schemas.openxmlformats.org/drawingml/2006/diagram"/>
+      <dsp:dataModelExt xmlns="" xmlns:dsp="http://schemas.microsoft.com/office/drawing/2008/diagram" relId="rId6" minVer="http://schemas.openxmlformats.org/drawingml/2006/diagram"/>
     </a:ext>
   </dgm:extLst>
 </dgm:dataModel>
@@ -10175,82 +10175,6 @@
         <a:lstStyle/>
         <a:p>
           <a:endParaRPr lang="en-US"/>
-        </a:p>
-      </dgm:t>
-    </dgm:pt>
-    <dgm:pt modelId="{BEDA336E-E5A9-4114-8DB7-F4F0CA35F669}">
-      <dgm:prSet custT="1"/>
-      <dgm:spPr/>
-      <dgm:t>
-        <a:bodyPr/>
-        <a:lstStyle/>
-        <a:p>
-          <a:pPr rtl="0"/>
-          <a:r>
-            <a:rPr lang="en-US" sz="1800" dirty="0" smtClean="0"/>
-            <a:t>Importing of 2D floor plan in image format</a:t>
-          </a:r>
-          <a:endParaRPr lang="en-US" sz="1800" dirty="0"/>
-        </a:p>
-      </dgm:t>
-    </dgm:pt>
-    <dgm:pt modelId="{04D812CA-C428-4785-BF16-6BBD5AC5A31F}" type="parTrans" cxnId="{EE008F4E-D27A-4161-97D4-A21F3A9C3783}">
-      <dgm:prSet/>
-      <dgm:spPr/>
-      <dgm:t>
-        <a:bodyPr/>
-        <a:lstStyle/>
-        <a:p>
-          <a:endParaRPr lang="en-US"/>
-        </a:p>
-      </dgm:t>
-    </dgm:pt>
-    <dgm:pt modelId="{2903054D-6DFE-4E59-A4DA-F4C6432D28C2}" type="sibTrans" cxnId="{EE008F4E-D27A-4161-97D4-A21F3A9C3783}">
-      <dgm:prSet/>
-      <dgm:spPr/>
-      <dgm:t>
-        <a:bodyPr/>
-        <a:lstStyle/>
-        <a:p>
-          <a:endParaRPr lang="en-US" dirty="0"/>
-        </a:p>
-      </dgm:t>
-    </dgm:pt>
-    <dgm:pt modelId="{27307FE8-E84D-4327-9EC1-992183EFD6C5}">
-      <dgm:prSet custT="1"/>
-      <dgm:spPr/>
-      <dgm:t>
-        <a:bodyPr/>
-        <a:lstStyle/>
-        <a:p>
-          <a:pPr rtl="0"/>
-          <a:r>
-            <a:rPr lang="en-US" sz="1800" dirty="0" smtClean="0"/>
-            <a:t>Generate 3D model according to imported floor plan</a:t>
-          </a:r>
-          <a:endParaRPr lang="en-US" sz="1800" i="1" dirty="0"/>
-        </a:p>
-      </dgm:t>
-    </dgm:pt>
-    <dgm:pt modelId="{F0DFD6E2-9DF6-4305-93FF-E0C8913C2539}" type="parTrans" cxnId="{94EC8AAD-C6BF-4DF2-B561-3A9C26A22D7D}">
-      <dgm:prSet/>
-      <dgm:spPr/>
-      <dgm:t>
-        <a:bodyPr/>
-        <a:lstStyle/>
-        <a:p>
-          <a:endParaRPr lang="en-US"/>
-        </a:p>
-      </dgm:t>
-    </dgm:pt>
-    <dgm:pt modelId="{EB9C14D5-34B9-4898-ACB5-13B02506666B}" type="sibTrans" cxnId="{94EC8AAD-C6BF-4DF2-B561-3A9C26A22D7D}">
-      <dgm:prSet/>
-      <dgm:spPr/>
-      <dgm:t>
-        <a:bodyPr/>
-        <a:lstStyle/>
-        <a:p>
-          <a:endParaRPr lang="en-US" dirty="0"/>
         </a:p>
       </dgm:t>
     </dgm:pt>
@@ -10368,74 +10292,6 @@
         </a:p>
       </dgm:t>
     </dgm:pt>
-    <dgm:pt modelId="{0C99973C-CB25-4721-95D9-23022E1EDD52}">
-      <dgm:prSet/>
-      <dgm:spPr/>
-      <dgm:t>
-        <a:bodyPr/>
-        <a:lstStyle/>
-        <a:p>
-          <a:pPr rtl="0"/>
-          <a:endParaRPr lang="en-US" i="1" dirty="0"/>
-        </a:p>
-      </dgm:t>
-    </dgm:pt>
-    <dgm:pt modelId="{A21CECAD-13D0-4C0E-B35C-FBE0B2841FB0}" type="parTrans" cxnId="{6A252B6F-80C0-4FE1-A623-EEF6003BA23D}">
-      <dgm:prSet/>
-      <dgm:spPr/>
-      <dgm:t>
-        <a:bodyPr/>
-        <a:lstStyle/>
-        <a:p>
-          <a:endParaRPr lang="en-US"/>
-        </a:p>
-      </dgm:t>
-    </dgm:pt>
-    <dgm:pt modelId="{13241422-43E8-4922-9238-CB5E3485E92A}" type="sibTrans" cxnId="{6A252B6F-80C0-4FE1-A623-EEF6003BA23D}">
-      <dgm:prSet/>
-      <dgm:spPr/>
-      <dgm:t>
-        <a:bodyPr/>
-        <a:lstStyle/>
-        <a:p>
-          <a:endParaRPr lang="en-US"/>
-        </a:p>
-      </dgm:t>
-    </dgm:pt>
-    <dgm:pt modelId="{C4E3E5EF-C5C9-49E5-9A07-21EB80F58E98}">
-      <dgm:prSet/>
-      <dgm:spPr/>
-      <dgm:t>
-        <a:bodyPr/>
-        <a:lstStyle/>
-        <a:p>
-          <a:pPr rtl="0"/>
-          <a:endParaRPr lang="en-US" dirty="0"/>
-        </a:p>
-      </dgm:t>
-    </dgm:pt>
-    <dgm:pt modelId="{AB731084-5B82-4CD3-BF6B-9C898B9778DB}" type="parTrans" cxnId="{4F83B4D2-BFE3-4BCB-B9D3-457D23B1AFC4}">
-      <dgm:prSet/>
-      <dgm:spPr/>
-      <dgm:t>
-        <a:bodyPr/>
-        <a:lstStyle/>
-        <a:p>
-          <a:endParaRPr lang="en-US"/>
-        </a:p>
-      </dgm:t>
-    </dgm:pt>
-    <dgm:pt modelId="{A319CF38-805F-40A8-B46F-ACAE61DE5797}" type="sibTrans" cxnId="{4F83B4D2-BFE3-4BCB-B9D3-457D23B1AFC4}">
-      <dgm:prSet/>
-      <dgm:spPr/>
-      <dgm:t>
-        <a:bodyPr/>
-        <a:lstStyle/>
-        <a:p>
-          <a:endParaRPr lang="en-US"/>
-        </a:p>
-      </dgm:t>
-    </dgm:pt>
     <dgm:pt modelId="{8CD406DB-898E-4C6F-85F7-2A0C7B577420}" type="pres">
       <dgm:prSet presAssocID="{78AF6D12-7132-4857-A48B-235039694114}" presName="outerComposite" presStyleCnt="0">
         <dgm:presLayoutVars>
@@ -10466,8 +10322,8 @@
         </a:p>
       </dgm:t>
     </dgm:pt>
-    <dgm:pt modelId="{B29DFF50-A2FD-406E-A993-0C7FE7F2DA6E}" type="pres">
-      <dgm:prSet presAssocID="{78AF6D12-7132-4857-A48B-235039694114}" presName="FiveNodes_1" presStyleLbl="node1" presStyleIdx="0" presStyleCnt="5">
+    <dgm:pt modelId="{A439171F-86BA-4847-A5FF-7A9EAC4AFF3D}" type="pres">
+      <dgm:prSet presAssocID="{78AF6D12-7132-4857-A48B-235039694114}" presName="ThreeNodes_1" presStyleLbl="node1" presStyleIdx="0" presStyleCnt="3">
         <dgm:presLayoutVars>
           <dgm:bulletEnabled val="1"/>
         </dgm:presLayoutVars>
@@ -10481,8 +10337,8 @@
         </a:p>
       </dgm:t>
     </dgm:pt>
-    <dgm:pt modelId="{F7F92F77-66AE-4CF9-A65C-C2A9C3C5C4C1}" type="pres">
-      <dgm:prSet presAssocID="{78AF6D12-7132-4857-A48B-235039694114}" presName="FiveNodes_2" presStyleLbl="node1" presStyleIdx="1" presStyleCnt="5">
+    <dgm:pt modelId="{C9BDDBA8-0E9A-4E79-9349-9F896333209B}" type="pres">
+      <dgm:prSet presAssocID="{78AF6D12-7132-4857-A48B-235039694114}" presName="ThreeNodes_2" presStyleLbl="node1" presStyleIdx="1" presStyleCnt="3">
         <dgm:presLayoutVars>
           <dgm:bulletEnabled val="1"/>
         </dgm:presLayoutVars>
@@ -10496,8 +10352,8 @@
         </a:p>
       </dgm:t>
     </dgm:pt>
-    <dgm:pt modelId="{467F207A-C752-4474-A4A7-B6A34B5E3FFB}" type="pres">
-      <dgm:prSet presAssocID="{78AF6D12-7132-4857-A48B-235039694114}" presName="FiveNodes_3" presStyleLbl="node1" presStyleIdx="2" presStyleCnt="5">
+    <dgm:pt modelId="{F4B7FD0D-AE1E-4368-9C3D-06BB52154F65}" type="pres">
+      <dgm:prSet presAssocID="{78AF6D12-7132-4857-A48B-235039694114}" presName="ThreeNodes_3" presStyleLbl="node1" presStyleIdx="2" presStyleCnt="3">
         <dgm:presLayoutVars>
           <dgm:bulletEnabled val="1"/>
         </dgm:presLayoutVars>
@@ -10511,8 +10367,8 @@
         </a:p>
       </dgm:t>
     </dgm:pt>
-    <dgm:pt modelId="{01B633B3-3AF2-4C4B-90FA-2EAB9E8E87E8}" type="pres">
-      <dgm:prSet presAssocID="{78AF6D12-7132-4857-A48B-235039694114}" presName="FiveNodes_4" presStyleLbl="node1" presStyleIdx="3" presStyleCnt="5">
+    <dgm:pt modelId="{51E5F39E-DFAF-483E-AF2C-DC1391FFC3D3}" type="pres">
+      <dgm:prSet presAssocID="{78AF6D12-7132-4857-A48B-235039694114}" presName="ThreeConn_1-2" presStyleLbl="fgAccFollowNode1" presStyleIdx="0" presStyleCnt="2">
         <dgm:presLayoutVars>
           <dgm:bulletEnabled val="1"/>
         </dgm:presLayoutVars>
@@ -10526,8 +10382,8 @@
         </a:p>
       </dgm:t>
     </dgm:pt>
-    <dgm:pt modelId="{716DBE3D-679D-43BD-89F5-B19B2A45B042}" type="pres">
-      <dgm:prSet presAssocID="{78AF6D12-7132-4857-A48B-235039694114}" presName="FiveNodes_5" presStyleLbl="node1" presStyleIdx="4" presStyleCnt="5">
+    <dgm:pt modelId="{FBF4CDB4-5553-4E1A-BB9B-D09027C55F30}" type="pres">
+      <dgm:prSet presAssocID="{78AF6D12-7132-4857-A48B-235039694114}" presName="ThreeConn_2-3" presStyleLbl="fgAccFollowNode1" presStyleIdx="1" presStyleCnt="2">
         <dgm:presLayoutVars>
           <dgm:bulletEnabled val="1"/>
         </dgm:presLayoutVars>
@@ -10541,8 +10397,8 @@
         </a:p>
       </dgm:t>
     </dgm:pt>
-    <dgm:pt modelId="{D2E95982-D980-4900-AE3A-F7C757F98783}" type="pres">
-      <dgm:prSet presAssocID="{78AF6D12-7132-4857-A48B-235039694114}" presName="FiveConn_1-2" presStyleLbl="fgAccFollowNode1" presStyleIdx="0" presStyleCnt="4">
+    <dgm:pt modelId="{1F08600C-FF6E-4AA1-B98D-0EBBF757613F}" type="pres">
+      <dgm:prSet presAssocID="{78AF6D12-7132-4857-A48B-235039694114}" presName="ThreeNodes_1_text" presStyleLbl="node1" presStyleIdx="2" presStyleCnt="3">
         <dgm:presLayoutVars>
           <dgm:bulletEnabled val="1"/>
         </dgm:presLayoutVars>
@@ -10556,8 +10412,8 @@
         </a:p>
       </dgm:t>
     </dgm:pt>
-    <dgm:pt modelId="{91EAA7E2-7343-4847-A36A-4033AD23C739}" type="pres">
-      <dgm:prSet presAssocID="{78AF6D12-7132-4857-A48B-235039694114}" presName="FiveConn_2-3" presStyleLbl="fgAccFollowNode1" presStyleIdx="1" presStyleCnt="4">
+    <dgm:pt modelId="{46C12065-91B1-42A4-8091-3178E06AC19B}" type="pres">
+      <dgm:prSet presAssocID="{78AF6D12-7132-4857-A48B-235039694114}" presName="ThreeNodes_2_text" presStyleLbl="node1" presStyleIdx="2" presStyleCnt="3">
         <dgm:presLayoutVars>
           <dgm:bulletEnabled val="1"/>
         </dgm:presLayoutVars>
@@ -10571,98 +10427,8 @@
         </a:p>
       </dgm:t>
     </dgm:pt>
-    <dgm:pt modelId="{2D67627C-52A9-48C6-8F00-37327400D48C}" type="pres">
-      <dgm:prSet presAssocID="{78AF6D12-7132-4857-A48B-235039694114}" presName="FiveConn_3-4" presStyleLbl="fgAccFollowNode1" presStyleIdx="2" presStyleCnt="4">
-        <dgm:presLayoutVars>
-          <dgm:bulletEnabled val="1"/>
-        </dgm:presLayoutVars>
-      </dgm:prSet>
-      <dgm:spPr/>
-      <dgm:t>
-        <a:bodyPr/>
-        <a:lstStyle/>
-        <a:p>
-          <a:endParaRPr lang="en-US"/>
-        </a:p>
-      </dgm:t>
-    </dgm:pt>
-    <dgm:pt modelId="{6A61F94B-2138-4563-A975-82E37216FE74}" type="pres">
-      <dgm:prSet presAssocID="{78AF6D12-7132-4857-A48B-235039694114}" presName="FiveConn_4-5" presStyleLbl="fgAccFollowNode1" presStyleIdx="3" presStyleCnt="4">
-        <dgm:presLayoutVars>
-          <dgm:bulletEnabled val="1"/>
-        </dgm:presLayoutVars>
-      </dgm:prSet>
-      <dgm:spPr/>
-      <dgm:t>
-        <a:bodyPr/>
-        <a:lstStyle/>
-        <a:p>
-          <a:endParaRPr lang="en-US"/>
-        </a:p>
-      </dgm:t>
-    </dgm:pt>
-    <dgm:pt modelId="{869E5C11-B20A-4D22-8CD7-E420599C5ED6}" type="pres">
-      <dgm:prSet presAssocID="{78AF6D12-7132-4857-A48B-235039694114}" presName="FiveNodes_1_text" presStyleLbl="node1" presStyleIdx="4" presStyleCnt="5">
-        <dgm:presLayoutVars>
-          <dgm:bulletEnabled val="1"/>
-        </dgm:presLayoutVars>
-      </dgm:prSet>
-      <dgm:spPr/>
-      <dgm:t>
-        <a:bodyPr/>
-        <a:lstStyle/>
-        <a:p>
-          <a:endParaRPr lang="en-US"/>
-        </a:p>
-      </dgm:t>
-    </dgm:pt>
-    <dgm:pt modelId="{6EF2D97D-C3FD-476E-9788-DBCB43D02CA3}" type="pres">
-      <dgm:prSet presAssocID="{78AF6D12-7132-4857-A48B-235039694114}" presName="FiveNodes_2_text" presStyleLbl="node1" presStyleIdx="4" presStyleCnt="5">
-        <dgm:presLayoutVars>
-          <dgm:bulletEnabled val="1"/>
-        </dgm:presLayoutVars>
-      </dgm:prSet>
-      <dgm:spPr/>
-      <dgm:t>
-        <a:bodyPr/>
-        <a:lstStyle/>
-        <a:p>
-          <a:endParaRPr lang="en-US"/>
-        </a:p>
-      </dgm:t>
-    </dgm:pt>
-    <dgm:pt modelId="{C07F6F9C-FD82-4053-990C-408D34C5465D}" type="pres">
-      <dgm:prSet presAssocID="{78AF6D12-7132-4857-A48B-235039694114}" presName="FiveNodes_3_text" presStyleLbl="node1" presStyleIdx="4" presStyleCnt="5">
-        <dgm:presLayoutVars>
-          <dgm:bulletEnabled val="1"/>
-        </dgm:presLayoutVars>
-      </dgm:prSet>
-      <dgm:spPr/>
-      <dgm:t>
-        <a:bodyPr/>
-        <a:lstStyle/>
-        <a:p>
-          <a:endParaRPr lang="en-US"/>
-        </a:p>
-      </dgm:t>
-    </dgm:pt>
-    <dgm:pt modelId="{7D5EAC20-D70A-4FAF-9664-98722C038453}" type="pres">
-      <dgm:prSet presAssocID="{78AF6D12-7132-4857-A48B-235039694114}" presName="FiveNodes_4_text" presStyleLbl="node1" presStyleIdx="4" presStyleCnt="5">
-        <dgm:presLayoutVars>
-          <dgm:bulletEnabled val="1"/>
-        </dgm:presLayoutVars>
-      </dgm:prSet>
-      <dgm:spPr/>
-      <dgm:t>
-        <a:bodyPr/>
-        <a:lstStyle/>
-        <a:p>
-          <a:endParaRPr lang="en-US"/>
-        </a:p>
-      </dgm:t>
-    </dgm:pt>
-    <dgm:pt modelId="{0A19511C-C028-4677-B45B-E62DF1F78A25}" type="pres">
-      <dgm:prSet presAssocID="{78AF6D12-7132-4857-A48B-235039694114}" presName="FiveNodes_5_text" presStyleLbl="node1" presStyleIdx="4" presStyleCnt="5">
+    <dgm:pt modelId="{78B3AF84-FBCA-4DC1-9275-2E5B2EE7DD35}" type="pres">
+      <dgm:prSet presAssocID="{78AF6D12-7132-4857-A48B-235039694114}" presName="ThreeNodes_3_text" presStyleLbl="node1" presStyleIdx="2" presStyleCnt="3">
         <dgm:presLayoutVars>
           <dgm:bulletEnabled val="1"/>
         </dgm:presLayoutVars>
@@ -10678,49 +10444,33 @@
     </dgm:pt>
   </dgm:ptLst>
   <dgm:cxnLst>
-    <dgm:cxn modelId="{1AB93788-02B5-41E9-ACB5-E8E162770FE7}" type="presOf" srcId="{27307FE8-E84D-4327-9EC1-992183EFD6C5}" destId="{F7F92F77-66AE-4CF9-A65C-C2A9C3C5C4C1}" srcOrd="0" destOrd="0" presId="urn:microsoft.com/office/officeart/2005/8/layout/vProcess5"/>
-    <dgm:cxn modelId="{26CDE65C-D08F-4951-AA10-B05F911687C2}" type="presOf" srcId="{6E67C376-1ABB-4654-9BC6-B3EBE7DDB5EE}" destId="{C07F6F9C-FD82-4053-990C-408D34C5465D}" srcOrd="1" destOrd="0" presId="urn:microsoft.com/office/officeart/2005/8/layout/vProcess5"/>
-    <dgm:cxn modelId="{5AFBBA90-1351-403D-87F0-B2CF6A88036D}" type="presOf" srcId="{3C168FB4-280A-464D-913C-9501F50D9B0C}" destId="{0A19511C-C028-4677-B45B-E62DF1F78A25}" srcOrd="1" destOrd="0" presId="urn:microsoft.com/office/officeart/2005/8/layout/vProcess5"/>
-    <dgm:cxn modelId="{9AF06624-01E8-4643-95AD-B44D50E493EB}" type="presOf" srcId="{6E67C376-1ABB-4654-9BC6-B3EBE7DDB5EE}" destId="{467F207A-C752-4474-A4A7-B6A34B5E3FFB}" srcOrd="0" destOrd="0" presId="urn:microsoft.com/office/officeart/2005/8/layout/vProcess5"/>
-    <dgm:cxn modelId="{242541A8-E196-496E-A11A-63326CBF26F9}" srcId="{78AF6D12-7132-4857-A48B-235039694114}" destId="{C2553214-337A-49BD-BEBB-C37947F6D9C5}" srcOrd="3" destOrd="0" parTransId="{899699ED-0DF4-4E96-9519-D5B9786AFFF1}" sibTransId="{B229CDB2-6C7A-432D-A49A-D518142AB75D}"/>
-    <dgm:cxn modelId="{B158678C-7E23-4CEF-A2D1-9B05D15450F0}" type="presOf" srcId="{F0584FD5-344B-44BD-8017-764EB89418F6}" destId="{2D67627C-52A9-48C6-8F00-37327400D48C}" srcOrd="0" destOrd="0" presId="urn:microsoft.com/office/officeart/2005/8/layout/vProcess5"/>
-    <dgm:cxn modelId="{94EC8AAD-C6BF-4DF2-B561-3A9C26A22D7D}" srcId="{78AF6D12-7132-4857-A48B-235039694114}" destId="{27307FE8-E84D-4327-9EC1-992183EFD6C5}" srcOrd="1" destOrd="0" parTransId="{F0DFD6E2-9DF6-4305-93FF-E0C8913C2539}" sibTransId="{EB9C14D5-34B9-4898-ACB5-13B02506666B}"/>
-    <dgm:cxn modelId="{560321DC-11AE-4EA4-B8CB-94B893629EBC}" type="presOf" srcId="{BEDA336E-E5A9-4114-8DB7-F4F0CA35F669}" destId="{869E5C11-B20A-4D22-8CD7-E420599C5ED6}" srcOrd="1" destOrd="0" presId="urn:microsoft.com/office/officeart/2005/8/layout/vProcess5"/>
-    <dgm:cxn modelId="{4F83B4D2-BFE3-4BCB-B9D3-457D23B1AFC4}" srcId="{78AF6D12-7132-4857-A48B-235039694114}" destId="{C4E3E5EF-C5C9-49E5-9A07-21EB80F58E98}" srcOrd="6" destOrd="0" parTransId="{AB731084-5B82-4CD3-BF6B-9C898B9778DB}" sibTransId="{A319CF38-805F-40A8-B46F-ACAE61DE5797}"/>
-    <dgm:cxn modelId="{93D9C708-309F-41E0-9D91-B99F3067D0F6}" type="presOf" srcId="{B229CDB2-6C7A-432D-A49A-D518142AB75D}" destId="{6A61F94B-2138-4563-A975-82E37216FE74}" srcOrd="0" destOrd="0" presId="urn:microsoft.com/office/officeart/2005/8/layout/vProcess5"/>
-    <dgm:cxn modelId="{E05A5A41-A891-483C-B36B-FD7F4EFFCDDA}" type="presOf" srcId="{BEDA336E-E5A9-4114-8DB7-F4F0CA35F669}" destId="{B29DFF50-A2FD-406E-A993-0C7FE7F2DA6E}" srcOrd="0" destOrd="0" presId="urn:microsoft.com/office/officeart/2005/8/layout/vProcess5"/>
-    <dgm:cxn modelId="{4A31A47E-19C2-4E9D-AE56-056BC719E655}" type="presOf" srcId="{2903054D-6DFE-4E59-A4DA-F4C6432D28C2}" destId="{D2E95982-D980-4900-AE3A-F7C757F98783}" srcOrd="0" destOrd="0" presId="urn:microsoft.com/office/officeart/2005/8/layout/vProcess5"/>
+    <dgm:cxn modelId="{242541A8-E196-496E-A11A-63326CBF26F9}" srcId="{78AF6D12-7132-4857-A48B-235039694114}" destId="{C2553214-337A-49BD-BEBB-C37947F6D9C5}" srcOrd="1" destOrd="0" parTransId="{899699ED-0DF4-4E96-9519-D5B9786AFFF1}" sibTransId="{B229CDB2-6C7A-432D-A49A-D518142AB75D}"/>
+    <dgm:cxn modelId="{C13B5278-8363-47E8-AA32-53537D84BD25}" type="presOf" srcId="{F0584FD5-344B-44BD-8017-764EB89418F6}" destId="{51E5F39E-DFAF-483E-AF2C-DC1391FFC3D3}" srcOrd="0" destOrd="0" presId="urn:microsoft.com/office/officeart/2005/8/layout/vProcess5"/>
+    <dgm:cxn modelId="{F93C665D-92A4-4509-803F-8258D8EF6530}" srcId="{78AF6D12-7132-4857-A48B-235039694114}" destId="{6E67C376-1ABB-4654-9BC6-B3EBE7DDB5EE}" srcOrd="0" destOrd="0" parTransId="{D0536690-4E7C-4E8C-9F46-D9AAA41B6783}" sibTransId="{F0584FD5-344B-44BD-8017-764EB89418F6}"/>
+    <dgm:cxn modelId="{35741374-E292-41E4-9F4B-90CC47A41643}" type="presOf" srcId="{C2553214-337A-49BD-BEBB-C37947F6D9C5}" destId="{46C12065-91B1-42A4-8091-3178E06AC19B}" srcOrd="1" destOrd="0" presId="urn:microsoft.com/office/officeart/2005/8/layout/vProcess5"/>
+    <dgm:cxn modelId="{0FF74C2F-51A2-48D7-AA80-8CB51759B417}" type="presOf" srcId="{B229CDB2-6C7A-432D-A49A-D518142AB75D}" destId="{FBF4CDB4-5553-4E1A-BB9B-D09027C55F30}" srcOrd="0" destOrd="0" presId="urn:microsoft.com/office/officeart/2005/8/layout/vProcess5"/>
+    <dgm:cxn modelId="{73A4DAE5-79E9-46A1-9B82-E6EFF5C94313}" srcId="{78AF6D12-7132-4857-A48B-235039694114}" destId="{3C168FB4-280A-464D-913C-9501F50D9B0C}" srcOrd="2" destOrd="0" parTransId="{2680BA29-8F49-4B3A-87D4-D293D4464705}" sibTransId="{C32153BF-43BC-454E-94DD-BBA7696F7D16}"/>
+    <dgm:cxn modelId="{D523D6B2-DDD4-4F20-A8D6-ABAC3861199E}" type="presOf" srcId="{3C168FB4-280A-464D-913C-9501F50D9B0C}" destId="{F4B7FD0D-AE1E-4368-9C3D-06BB52154F65}" srcOrd="0" destOrd="0" presId="urn:microsoft.com/office/officeart/2005/8/layout/vProcess5"/>
+    <dgm:cxn modelId="{6E88BE75-4FD0-438F-BB23-4D21F2161F4D}" type="presOf" srcId="{C2553214-337A-49BD-BEBB-C37947F6D9C5}" destId="{C9BDDBA8-0E9A-4E79-9349-9F896333209B}" srcOrd="0" destOrd="0" presId="urn:microsoft.com/office/officeart/2005/8/layout/vProcess5"/>
     <dgm:cxn modelId="{B55FCBBE-1661-4CDD-95B6-9C69E3F007D3}" type="presOf" srcId="{78AF6D12-7132-4857-A48B-235039694114}" destId="{8CD406DB-898E-4C6F-85F7-2A0C7B577420}" srcOrd="0" destOrd="0" presId="urn:microsoft.com/office/officeart/2005/8/layout/vProcess5"/>
-    <dgm:cxn modelId="{F4DDAF6D-A7E3-4657-8C90-2D1F554EA356}" type="presOf" srcId="{EB9C14D5-34B9-4898-ACB5-13B02506666B}" destId="{91EAA7E2-7343-4847-A36A-4033AD23C739}" srcOrd="0" destOrd="0" presId="urn:microsoft.com/office/officeart/2005/8/layout/vProcess5"/>
-    <dgm:cxn modelId="{BB948182-3ADA-4BE6-B1BB-0E4C9D163EA5}" type="presOf" srcId="{C2553214-337A-49BD-BEBB-C37947F6D9C5}" destId="{7D5EAC20-D70A-4FAF-9664-98722C038453}" srcOrd="1" destOrd="0" presId="urn:microsoft.com/office/officeart/2005/8/layout/vProcess5"/>
-    <dgm:cxn modelId="{3C3927BF-A95C-4D92-A53E-9BDDD7C49B8F}" type="presOf" srcId="{27307FE8-E84D-4327-9EC1-992183EFD6C5}" destId="{6EF2D97D-C3FD-476E-9788-DBCB43D02CA3}" srcOrd="1" destOrd="0" presId="urn:microsoft.com/office/officeart/2005/8/layout/vProcess5"/>
-    <dgm:cxn modelId="{73A4DAE5-79E9-46A1-9B82-E6EFF5C94313}" srcId="{78AF6D12-7132-4857-A48B-235039694114}" destId="{3C168FB4-280A-464D-913C-9501F50D9B0C}" srcOrd="4" destOrd="0" parTransId="{2680BA29-8F49-4B3A-87D4-D293D4464705}" sibTransId="{C32153BF-43BC-454E-94DD-BBA7696F7D16}"/>
-    <dgm:cxn modelId="{F93C665D-92A4-4509-803F-8258D8EF6530}" srcId="{78AF6D12-7132-4857-A48B-235039694114}" destId="{6E67C376-1ABB-4654-9BC6-B3EBE7DDB5EE}" srcOrd="2" destOrd="0" parTransId="{D0536690-4E7C-4E8C-9F46-D9AAA41B6783}" sibTransId="{F0584FD5-344B-44BD-8017-764EB89418F6}"/>
-    <dgm:cxn modelId="{EE008F4E-D27A-4161-97D4-A21F3A9C3783}" srcId="{78AF6D12-7132-4857-A48B-235039694114}" destId="{BEDA336E-E5A9-4114-8DB7-F4F0CA35F669}" srcOrd="0" destOrd="0" parTransId="{04D812CA-C428-4785-BF16-6BBD5AC5A31F}" sibTransId="{2903054D-6DFE-4E59-A4DA-F4C6432D28C2}"/>
-    <dgm:cxn modelId="{6A252B6F-80C0-4FE1-A623-EEF6003BA23D}" srcId="{78AF6D12-7132-4857-A48B-235039694114}" destId="{0C99973C-CB25-4721-95D9-23022E1EDD52}" srcOrd="5" destOrd="0" parTransId="{A21CECAD-13D0-4C0E-B35C-FBE0B2841FB0}" sibTransId="{13241422-43E8-4922-9238-CB5E3485E92A}"/>
-    <dgm:cxn modelId="{30B61D7F-7C01-43C5-B7FC-75CB24929A9F}" type="presOf" srcId="{C2553214-337A-49BD-BEBB-C37947F6D9C5}" destId="{01B633B3-3AF2-4C4B-90FA-2EAB9E8E87E8}" srcOrd="0" destOrd="0" presId="urn:microsoft.com/office/officeart/2005/8/layout/vProcess5"/>
-    <dgm:cxn modelId="{DBB7B175-0A5E-4744-8D3C-16AB9F64F4BA}" type="presOf" srcId="{3C168FB4-280A-464D-913C-9501F50D9B0C}" destId="{716DBE3D-679D-43BD-89F5-B19B2A45B042}" srcOrd="0" destOrd="0" presId="urn:microsoft.com/office/officeart/2005/8/layout/vProcess5"/>
+    <dgm:cxn modelId="{71729B4E-6DCB-4FCD-B204-38FB65108971}" type="presOf" srcId="{6E67C376-1ABB-4654-9BC6-B3EBE7DDB5EE}" destId="{1F08600C-FF6E-4AA1-B98D-0EBBF757613F}" srcOrd="1" destOrd="0" presId="urn:microsoft.com/office/officeart/2005/8/layout/vProcess5"/>
+    <dgm:cxn modelId="{B37C3008-65F1-4248-B529-B15ABA6FF071}" type="presOf" srcId="{6E67C376-1ABB-4654-9BC6-B3EBE7DDB5EE}" destId="{A439171F-86BA-4847-A5FF-7A9EAC4AFF3D}" srcOrd="0" destOrd="0" presId="urn:microsoft.com/office/officeart/2005/8/layout/vProcess5"/>
+    <dgm:cxn modelId="{9EA2EC6B-C2BA-411B-A50F-CD35D496F22E}" type="presOf" srcId="{3C168FB4-280A-464D-913C-9501F50D9B0C}" destId="{78B3AF84-FBCA-4DC1-9275-2E5B2EE7DD35}" srcOrd="1" destOrd="0" presId="urn:microsoft.com/office/officeart/2005/8/layout/vProcess5"/>
     <dgm:cxn modelId="{B133FA66-5B52-4591-88C1-DF21F70754C7}" type="presParOf" srcId="{8CD406DB-898E-4C6F-85F7-2A0C7B577420}" destId="{E96FFECF-C0D0-4499-9E76-F694247A2E9B}" srcOrd="0" destOrd="0" presId="urn:microsoft.com/office/officeart/2005/8/layout/vProcess5"/>
-    <dgm:cxn modelId="{C2AAEB0D-7E6A-4034-B327-89188ECCD314}" type="presParOf" srcId="{8CD406DB-898E-4C6F-85F7-2A0C7B577420}" destId="{B29DFF50-A2FD-406E-A993-0C7FE7F2DA6E}" srcOrd="1" destOrd="0" presId="urn:microsoft.com/office/officeart/2005/8/layout/vProcess5"/>
-    <dgm:cxn modelId="{80A06EDB-5DFA-4F58-A092-ADEB769F2487}" type="presParOf" srcId="{8CD406DB-898E-4C6F-85F7-2A0C7B577420}" destId="{F7F92F77-66AE-4CF9-A65C-C2A9C3C5C4C1}" srcOrd="2" destOrd="0" presId="urn:microsoft.com/office/officeart/2005/8/layout/vProcess5"/>
-    <dgm:cxn modelId="{256257D1-1526-4F57-84E2-E105B0D732D7}" type="presParOf" srcId="{8CD406DB-898E-4C6F-85F7-2A0C7B577420}" destId="{467F207A-C752-4474-A4A7-B6A34B5E3FFB}" srcOrd="3" destOrd="0" presId="urn:microsoft.com/office/officeart/2005/8/layout/vProcess5"/>
-    <dgm:cxn modelId="{EB182936-201F-4597-8778-2461382180CD}" type="presParOf" srcId="{8CD406DB-898E-4C6F-85F7-2A0C7B577420}" destId="{01B633B3-3AF2-4C4B-90FA-2EAB9E8E87E8}" srcOrd="4" destOrd="0" presId="urn:microsoft.com/office/officeart/2005/8/layout/vProcess5"/>
-    <dgm:cxn modelId="{90E4171A-AE25-4D24-8014-6201A9BF3441}" type="presParOf" srcId="{8CD406DB-898E-4C6F-85F7-2A0C7B577420}" destId="{716DBE3D-679D-43BD-89F5-B19B2A45B042}" srcOrd="5" destOrd="0" presId="urn:microsoft.com/office/officeart/2005/8/layout/vProcess5"/>
-    <dgm:cxn modelId="{6CF2F069-FB2B-4CA3-9BDA-6DB9FACF53F1}" type="presParOf" srcId="{8CD406DB-898E-4C6F-85F7-2A0C7B577420}" destId="{D2E95982-D980-4900-AE3A-F7C757F98783}" srcOrd="6" destOrd="0" presId="urn:microsoft.com/office/officeart/2005/8/layout/vProcess5"/>
-    <dgm:cxn modelId="{AE7E1919-3623-4D6B-91DA-6EB5EF963EDB}" type="presParOf" srcId="{8CD406DB-898E-4C6F-85F7-2A0C7B577420}" destId="{91EAA7E2-7343-4847-A36A-4033AD23C739}" srcOrd="7" destOrd="0" presId="urn:microsoft.com/office/officeart/2005/8/layout/vProcess5"/>
-    <dgm:cxn modelId="{3143075C-8209-4AF4-AF13-7B01BFCA761D}" type="presParOf" srcId="{8CD406DB-898E-4C6F-85F7-2A0C7B577420}" destId="{2D67627C-52A9-48C6-8F00-37327400D48C}" srcOrd="8" destOrd="0" presId="urn:microsoft.com/office/officeart/2005/8/layout/vProcess5"/>
-    <dgm:cxn modelId="{5DB8FE0F-46BE-4126-86DC-482C2B597600}" type="presParOf" srcId="{8CD406DB-898E-4C6F-85F7-2A0C7B577420}" destId="{6A61F94B-2138-4563-A975-82E37216FE74}" srcOrd="9" destOrd="0" presId="urn:microsoft.com/office/officeart/2005/8/layout/vProcess5"/>
-    <dgm:cxn modelId="{27C76B12-8CA9-4468-BCF1-2A98F0C57CC3}" type="presParOf" srcId="{8CD406DB-898E-4C6F-85F7-2A0C7B577420}" destId="{869E5C11-B20A-4D22-8CD7-E420599C5ED6}" srcOrd="10" destOrd="0" presId="urn:microsoft.com/office/officeart/2005/8/layout/vProcess5"/>
-    <dgm:cxn modelId="{183B2F5E-880E-4B59-B83B-E974EA3DDCCC}" type="presParOf" srcId="{8CD406DB-898E-4C6F-85F7-2A0C7B577420}" destId="{6EF2D97D-C3FD-476E-9788-DBCB43D02CA3}" srcOrd="11" destOrd="0" presId="urn:microsoft.com/office/officeart/2005/8/layout/vProcess5"/>
-    <dgm:cxn modelId="{7737A95F-AD82-46F0-BD99-49E5DEC4D4BD}" type="presParOf" srcId="{8CD406DB-898E-4C6F-85F7-2A0C7B577420}" destId="{C07F6F9C-FD82-4053-990C-408D34C5465D}" srcOrd="12" destOrd="0" presId="urn:microsoft.com/office/officeart/2005/8/layout/vProcess5"/>
-    <dgm:cxn modelId="{5DFD93B9-3ACA-4FA6-9F13-C201E95D7D5F}" type="presParOf" srcId="{8CD406DB-898E-4C6F-85F7-2A0C7B577420}" destId="{7D5EAC20-D70A-4FAF-9664-98722C038453}" srcOrd="13" destOrd="0" presId="urn:microsoft.com/office/officeart/2005/8/layout/vProcess5"/>
-    <dgm:cxn modelId="{BB556C0F-46EB-46CD-856C-CD581275C574}" type="presParOf" srcId="{8CD406DB-898E-4C6F-85F7-2A0C7B577420}" destId="{0A19511C-C028-4677-B45B-E62DF1F78A25}" srcOrd="14" destOrd="0" presId="urn:microsoft.com/office/officeart/2005/8/layout/vProcess5"/>
+    <dgm:cxn modelId="{733CC450-352B-4473-9AFB-9FAB5F9C4FA9}" type="presParOf" srcId="{8CD406DB-898E-4C6F-85F7-2A0C7B577420}" destId="{A439171F-86BA-4847-A5FF-7A9EAC4AFF3D}" srcOrd="1" destOrd="0" presId="urn:microsoft.com/office/officeart/2005/8/layout/vProcess5"/>
+    <dgm:cxn modelId="{9F7F25CE-00A7-492A-A3DF-B3DB1018E38B}" type="presParOf" srcId="{8CD406DB-898E-4C6F-85F7-2A0C7B577420}" destId="{C9BDDBA8-0E9A-4E79-9349-9F896333209B}" srcOrd="2" destOrd="0" presId="urn:microsoft.com/office/officeart/2005/8/layout/vProcess5"/>
+    <dgm:cxn modelId="{444C78D0-7B27-4EF6-9F9C-656D20A392E6}" type="presParOf" srcId="{8CD406DB-898E-4C6F-85F7-2A0C7B577420}" destId="{F4B7FD0D-AE1E-4368-9C3D-06BB52154F65}" srcOrd="3" destOrd="0" presId="urn:microsoft.com/office/officeart/2005/8/layout/vProcess5"/>
+    <dgm:cxn modelId="{D556FEDA-E77F-4D2F-8558-3CCAB1A00EA5}" type="presParOf" srcId="{8CD406DB-898E-4C6F-85F7-2A0C7B577420}" destId="{51E5F39E-DFAF-483E-AF2C-DC1391FFC3D3}" srcOrd="4" destOrd="0" presId="urn:microsoft.com/office/officeart/2005/8/layout/vProcess5"/>
+    <dgm:cxn modelId="{1388BB92-8434-4785-9CFA-9F5A8603B59E}" type="presParOf" srcId="{8CD406DB-898E-4C6F-85F7-2A0C7B577420}" destId="{FBF4CDB4-5553-4E1A-BB9B-D09027C55F30}" srcOrd="5" destOrd="0" presId="urn:microsoft.com/office/officeart/2005/8/layout/vProcess5"/>
+    <dgm:cxn modelId="{118810E6-17C4-4480-951D-BDBCBB6B1A6A}" type="presParOf" srcId="{8CD406DB-898E-4C6F-85F7-2A0C7B577420}" destId="{1F08600C-FF6E-4AA1-B98D-0EBBF757613F}" srcOrd="6" destOrd="0" presId="urn:microsoft.com/office/officeart/2005/8/layout/vProcess5"/>
+    <dgm:cxn modelId="{9EE54A25-38A4-4647-BB2C-D69597CD3675}" type="presParOf" srcId="{8CD406DB-898E-4C6F-85F7-2A0C7B577420}" destId="{46C12065-91B1-42A4-8091-3178E06AC19B}" srcOrd="7" destOrd="0" presId="urn:microsoft.com/office/officeart/2005/8/layout/vProcess5"/>
+    <dgm:cxn modelId="{F7424381-71A2-4AC2-BB36-C27541E47B59}" type="presParOf" srcId="{8CD406DB-898E-4C6F-85F7-2A0C7B577420}" destId="{78B3AF84-FBCA-4DC1-9275-2E5B2EE7DD35}" srcOrd="8" destOrd="0" presId="urn:microsoft.com/office/officeart/2005/8/layout/vProcess5"/>
   </dgm:cxnLst>
   <dgm:bg/>
   <dgm:whole/>
   <dgm:extLst>
     <a:ext uri="http://schemas.microsoft.com/office/drawing/2008/diagram">
-      <dsp:dataModelExt xmlns:dsp="http://schemas.microsoft.com/office/drawing/2008/diagram" xmlns="" relId="rId6" minVer="http://schemas.openxmlformats.org/drawingml/2006/diagram"/>
+      <dsp:dataModelExt xmlns="" xmlns:dsp="http://schemas.microsoft.com/office/drawing/2008/diagram" relId="rId6" minVer="http://schemas.openxmlformats.org/drawingml/2006/diagram"/>
     </a:ext>
   </dgm:extLst>
 </dgm:dataModel>
@@ -28406,7 +28156,7 @@
             <a:fld id="{F24FA93D-49F0-4227-B2BD-3971B8090463}" type="datetimeFigureOut">
               <a:rPr lang="en-US" smtClean="0"/>
               <a:pPr/>
-              <a:t>9/11/2019</a:t>
+              <a:t>9/12/2019</a:t>
             </a:fld>
             <a:endParaRPr lang="en-US" dirty="0"/>
           </a:p>
@@ -29105,7 +28855,7 @@
             <a:fld id="{B61BEF0D-F0BB-DE4B-95CE-6DB70DBA9567}" type="datetimeFigureOut">
               <a:rPr lang="en-US" dirty="0"/>
               <a:pPr/>
-              <a:t>9/11/2019</a:t>
+              <a:t>9/12/2019</a:t>
             </a:fld>
             <a:endParaRPr lang="en-US" dirty="0"/>
           </a:p>
@@ -29442,7 +29192,7 @@
             <a:fld id="{B61BEF0D-F0BB-DE4B-95CE-6DB70DBA9567}" type="datetimeFigureOut">
               <a:rPr lang="en-US" dirty="0"/>
               <a:pPr/>
-              <a:t>9/11/2019</a:t>
+              <a:t>9/12/2019</a:t>
             </a:fld>
             <a:endParaRPr lang="en-US" dirty="0"/>
           </a:p>
@@ -29842,7 +29592,7 @@
             <a:fld id="{B61BEF0D-F0BB-DE4B-95CE-6DB70DBA9567}" type="datetimeFigureOut">
               <a:rPr lang="en-US" dirty="0"/>
               <a:pPr/>
-              <a:t>9/11/2019</a:t>
+              <a:t>9/12/2019</a:t>
             </a:fld>
             <a:endParaRPr lang="en-US" dirty="0"/>
           </a:p>
@@ -30177,7 +29927,7 @@
             <a:fld id="{B61BEF0D-F0BB-DE4B-95CE-6DB70DBA9567}" type="datetimeFigureOut">
               <a:rPr lang="en-US" dirty="0"/>
               <a:pPr/>
-              <a:t>9/11/2019</a:t>
+              <a:t>9/12/2019</a:t>
             </a:fld>
             <a:endParaRPr lang="en-US" dirty="0"/>
           </a:p>
@@ -30496,7 +30246,7 @@
             <a:fld id="{B61BEF0D-F0BB-DE4B-95CE-6DB70DBA9567}" type="datetimeFigureOut">
               <a:rPr lang="en-US" dirty="0"/>
               <a:pPr/>
-              <a:t>9/11/2019</a:t>
+              <a:t>9/12/2019</a:t>
             </a:fld>
             <a:endParaRPr lang="en-US" dirty="0"/>
           </a:p>
@@ -30891,7 +30641,7 @@
             <a:fld id="{B61BEF0D-F0BB-DE4B-95CE-6DB70DBA9567}" type="datetimeFigureOut">
               <a:rPr lang="en-US" dirty="0"/>
               <a:pPr/>
-              <a:t>9/11/2019</a:t>
+              <a:t>9/12/2019</a:t>
             </a:fld>
             <a:endParaRPr lang="en-US" dirty="0"/>
           </a:p>
@@ -31146,7 +30896,7 @@
             <a:fld id="{B61BEF0D-F0BB-DE4B-95CE-6DB70DBA9567}" type="datetimeFigureOut">
               <a:rPr lang="en-US" dirty="0"/>
               <a:pPr/>
-              <a:t>9/11/2019</a:t>
+              <a:t>9/12/2019</a:t>
             </a:fld>
             <a:endParaRPr lang="en-US" dirty="0"/>
           </a:p>
@@ -31406,7 +31156,7 @@
             <a:fld id="{B61BEF0D-F0BB-DE4B-95CE-6DB70DBA9567}" type="datetimeFigureOut">
               <a:rPr lang="en-US" dirty="0"/>
               <a:pPr/>
-              <a:t>9/11/2019</a:t>
+              <a:t>9/12/2019</a:t>
             </a:fld>
             <a:endParaRPr lang="en-US" dirty="0"/>
           </a:p>
@@ -31666,7 +31416,7 @@
             <a:fld id="{B61BEF0D-F0BB-DE4B-95CE-6DB70DBA9567}" type="datetimeFigureOut">
               <a:rPr lang="en-US" dirty="0"/>
               <a:pPr/>
-              <a:t>9/11/2019</a:t>
+              <a:t>9/12/2019</a:t>
             </a:fld>
             <a:endParaRPr lang="en-US" dirty="0"/>
           </a:p>
@@ -31994,7 +31744,7 @@
             <a:fld id="{B61BEF0D-F0BB-DE4B-95CE-6DB70DBA9567}" type="datetimeFigureOut">
               <a:rPr lang="en-US" dirty="0"/>
               <a:pPr/>
-              <a:t>9/11/2019</a:t>
+              <a:t>9/12/2019</a:t>
             </a:fld>
             <a:endParaRPr lang="en-US" dirty="0"/>
           </a:p>
@@ -32314,7 +32064,7 @@
             <a:fld id="{B61BEF0D-F0BB-DE4B-95CE-6DB70DBA9567}" type="datetimeFigureOut">
               <a:rPr lang="en-US" dirty="0"/>
               <a:pPr/>
-              <a:t>9/11/2019</a:t>
+              <a:t>9/12/2019</a:t>
             </a:fld>
             <a:endParaRPr lang="en-US" dirty="0"/>
           </a:p>
@@ -32768,7 +32518,7 @@
             <a:fld id="{B61BEF0D-F0BB-DE4B-95CE-6DB70DBA9567}" type="datetimeFigureOut">
               <a:rPr lang="en-US" dirty="0"/>
               <a:pPr/>
-              <a:t>9/11/2019</a:t>
+              <a:t>9/12/2019</a:t>
             </a:fld>
             <a:endParaRPr lang="en-US" dirty="0"/>
           </a:p>
@@ -32972,7 +32722,7 @@
             <a:fld id="{B61BEF0D-F0BB-DE4B-95CE-6DB70DBA9567}" type="datetimeFigureOut">
               <a:rPr lang="en-US" dirty="0"/>
               <a:pPr/>
-              <a:t>9/11/2019</a:t>
+              <a:t>9/12/2019</a:t>
             </a:fld>
             <a:endParaRPr lang="en-US" dirty="0"/>
           </a:p>
@@ -33149,7 +32899,7 @@
             <a:fld id="{B61BEF0D-F0BB-DE4B-95CE-6DB70DBA9567}" type="datetimeFigureOut">
               <a:rPr lang="en-US" dirty="0"/>
               <a:pPr/>
-              <a:t>9/11/2019</a:t>
+              <a:t>9/12/2019</a:t>
             </a:fld>
             <a:endParaRPr lang="en-US" dirty="0"/>
           </a:p>
@@ -33480,7 +33230,7 @@
             <a:fld id="{B61BEF0D-F0BB-DE4B-95CE-6DB70DBA9567}" type="datetimeFigureOut">
               <a:rPr lang="en-US" dirty="0"/>
               <a:pPr/>
-              <a:t>9/11/2019</a:t>
+              <a:t>9/12/2019</a:t>
             </a:fld>
             <a:endParaRPr lang="en-US" dirty="0"/>
           </a:p>
@@ -33823,7 +33573,7 @@
             <a:fld id="{B61BEF0D-F0BB-DE4B-95CE-6DB70DBA9567}" type="datetimeFigureOut">
               <a:rPr lang="en-US" dirty="0"/>
               <a:pPr/>
-              <a:t>9/11/2019</a:t>
+              <a:t>9/12/2019</a:t>
             </a:fld>
             <a:endParaRPr lang="en-US" dirty="0"/>
           </a:p>
@@ -35938,7 +35688,7 @@
             <a:fld id="{B61BEF0D-F0BB-DE4B-95CE-6DB70DBA9567}" type="datetimeFigureOut">
               <a:rPr lang="en-US" dirty="0"/>
               <a:pPr/>
-              <a:t>9/11/2019</a:t>
+              <a:t>9/12/2019</a:t>
             </a:fld>
             <a:endParaRPr lang="en-US" dirty="0"/>
           </a:p>
@@ -36468,10 +36218,10 @@
           <p:cNvPr id="12" name="Rectangle 11">
             <a:extLst>
               <a:ext uri="{FF2B5EF4-FFF2-40B4-BE49-F238E27FC236}">
-                <a16:creationId xmlns="" xmlns:a16="http://schemas.microsoft.com/office/drawing/2014/main" id="{1FF9CEF5-A50D-4B8B-9852-D76F7037867E}"/>
+                <a16:creationId xmlns:a16="http://schemas.microsoft.com/office/drawing/2014/main" xmlns="" id="{1FF9CEF5-A50D-4B8B-9852-D76F7037867E}"/>
               </a:ext>
               <a:ext uri="{C183D7F6-B498-43B3-948B-1728B52AA6E4}">
-                <adec:decorative xmlns="" xmlns:adec="http://schemas.microsoft.com/office/drawing/2017/decorative" val="1"/>
+                <adec:decorative xmlns:adec="http://schemas.microsoft.com/office/drawing/2017/decorative" xmlns="" val="1"/>
               </a:ext>
             </a:extLst>
           </p:cNvPr>
@@ -36481,7 +36231,7 @@
           <p:nvPr>
             <p:extLst>
               <p:ext uri="{386F3935-93C4-4BCD-93E2-E3B085C9AB24}">
-                <p16:designElem xmlns="" xmlns:p16="http://schemas.microsoft.com/office/powerpoint/2015/main" val="1"/>
+                <p16:designElem xmlns:p16="http://schemas.microsoft.com/office/powerpoint/2015/main" xmlns="" val="1"/>
               </p:ext>
             </p:extLst>
           </p:nvPr>
@@ -36528,7 +36278,7 @@
           <p:cNvPr id="7" name="Picture 6">
             <a:extLst>
               <a:ext uri="{FF2B5EF4-FFF2-40B4-BE49-F238E27FC236}">
-                <a16:creationId xmlns="" xmlns:a16="http://schemas.microsoft.com/office/drawing/2014/main" id="{1AE838C9-87D8-493B-875B-C02B7A03A86F}"/>
+                <a16:creationId xmlns:a16="http://schemas.microsoft.com/office/drawing/2014/main" xmlns="" id="{1AE838C9-87D8-493B-875B-C02B7A03A86F}"/>
               </a:ext>
             </a:extLst>
           </p:cNvPr>
@@ -36559,7 +36309,7 @@
           <p:cNvPr id="2" name="Title 1">
             <a:extLst>
               <a:ext uri="{FF2B5EF4-FFF2-40B4-BE49-F238E27FC236}">
-                <a16:creationId xmlns="" xmlns:a16="http://schemas.microsoft.com/office/drawing/2014/main" id="{63A912D1-813C-4FD6-97D4-DAE0D6BD8436}"/>
+                <a16:creationId xmlns:a16="http://schemas.microsoft.com/office/drawing/2014/main" xmlns="" id="{63A912D1-813C-4FD6-97D4-DAE0D6BD8436}"/>
               </a:ext>
             </a:extLst>
           </p:cNvPr>
@@ -36608,7 +36358,7 @@
           <p:cNvPr id="3" name="Subtitle 2">
             <a:extLst>
               <a:ext uri="{FF2B5EF4-FFF2-40B4-BE49-F238E27FC236}">
-                <a16:creationId xmlns="" xmlns:a16="http://schemas.microsoft.com/office/drawing/2014/main" id="{6E08BC59-F98D-4612-8299-16FFCF3F3CB4}"/>
+                <a16:creationId xmlns:a16="http://schemas.microsoft.com/office/drawing/2014/main" xmlns="" id="{6E08BC59-F98D-4612-8299-16FFCF3F3CB4}"/>
               </a:ext>
             </a:extLst>
           </p:cNvPr>
@@ -36682,10 +36432,10 @@
           <p:cNvPr id="14" name="Rectangle 13">
             <a:extLst>
               <a:ext uri="{FF2B5EF4-FFF2-40B4-BE49-F238E27FC236}">
-                <a16:creationId xmlns="" xmlns:a16="http://schemas.microsoft.com/office/drawing/2014/main" id="{30684D86-C9D1-40C3-A9B6-EC935C7312E3}"/>
+                <a16:creationId xmlns:a16="http://schemas.microsoft.com/office/drawing/2014/main" xmlns="" id="{30684D86-C9D1-40C3-A9B6-EC935C7312E3}"/>
               </a:ext>
               <a:ext uri="{C183D7F6-B498-43B3-948B-1728B52AA6E4}">
-                <adec:decorative xmlns="" xmlns:adec="http://schemas.microsoft.com/office/drawing/2017/decorative" val="1"/>
+                <adec:decorative xmlns:adec="http://schemas.microsoft.com/office/drawing/2017/decorative" xmlns="" val="1"/>
               </a:ext>
             </a:extLst>
           </p:cNvPr>
@@ -36695,7 +36445,7 @@
           <p:nvPr>
             <p:extLst>
               <p:ext uri="{386F3935-93C4-4BCD-93E2-E3B085C9AB24}">
-                <p16:designElem xmlns="" xmlns:p16="http://schemas.microsoft.com/office/powerpoint/2015/main" val="1"/>
+                <p16:designElem xmlns:p16="http://schemas.microsoft.com/office/powerpoint/2015/main" xmlns="" val="1"/>
               </p:ext>
             </p:extLst>
           </p:nvPr>
@@ -36736,10 +36486,10 @@
           <p:cNvPr id="16" name="Freeform 33">
             <a:extLst>
               <a:ext uri="{FF2B5EF4-FFF2-40B4-BE49-F238E27FC236}">
-                <a16:creationId xmlns="" xmlns:a16="http://schemas.microsoft.com/office/drawing/2014/main" id="{1EDF7896-F56A-49DA-90F3-F5CE8B9833AD}"/>
+                <a16:creationId xmlns:a16="http://schemas.microsoft.com/office/drawing/2014/main" xmlns="" id="{1EDF7896-F56A-49DA-90F3-F5CE8B9833AD}"/>
               </a:ext>
               <a:ext uri="{C183D7F6-B498-43B3-948B-1728B52AA6E4}">
-                <adec:decorative xmlns="" xmlns:adec="http://schemas.microsoft.com/office/drawing/2017/decorative" val="1"/>
+                <adec:decorative xmlns:adec="http://schemas.microsoft.com/office/drawing/2017/decorative" xmlns="" val="1"/>
               </a:ext>
             </a:extLst>
           </p:cNvPr>
@@ -36749,7 +36499,7 @@
           <p:nvPr>
             <p:extLst>
               <p:ext uri="{386F3935-93C4-4BCD-93E2-E3B085C9AB24}">
-                <p16:designElem xmlns="" xmlns:p16="http://schemas.microsoft.com/office/powerpoint/2015/main" val="1"/>
+                <p16:designElem xmlns:p16="http://schemas.microsoft.com/office/powerpoint/2015/main" xmlns="" val="1"/>
               </p:ext>
             </p:extLst>
           </p:nvPr>
@@ -36833,7 +36583,7 @@
     </p:spTree>
     <p:extLst>
       <p:ext uri="{BB962C8B-B14F-4D97-AF65-F5344CB8AC3E}">
-        <p14:creationId xmlns:p14="http://schemas.microsoft.com/office/powerpoint/2010/main" xmlns="" val="4138910587"/>
+        <p14:creationId xmlns="" xmlns:p14="http://schemas.microsoft.com/office/powerpoint/2010/main" val="4138910587"/>
       </p:ext>
     </p:extLst>
   </p:cSld>
@@ -36901,10 +36651,10 @@
           <p:cNvPr id="8" name="Rectangle 7">
             <a:extLst>
               <a:ext uri="{FF2B5EF4-FFF2-40B4-BE49-F238E27FC236}">
-                <a16:creationId xmlns="" xmlns:a16="http://schemas.microsoft.com/office/drawing/2014/main" id="{3A3C2D7E-3F2E-404E-9B30-CB12DC972D50}"/>
+                <a16:creationId xmlns:a16="http://schemas.microsoft.com/office/drawing/2014/main" xmlns="" id="{3A3C2D7E-3F2E-404E-9B30-CB12DC972D50}"/>
               </a:ext>
               <a:ext uri="{C183D7F6-B498-43B3-948B-1728B52AA6E4}">
-                <adec:decorative xmlns="" xmlns:adec="http://schemas.microsoft.com/office/drawing/2017/decorative" val="1"/>
+                <adec:decorative xmlns:adec="http://schemas.microsoft.com/office/drawing/2017/decorative" xmlns="" val="1"/>
               </a:ext>
             </a:extLst>
           </p:cNvPr>
@@ -36914,7 +36664,7 @@
           <p:nvPr>
             <p:extLst>
               <p:ext uri="{386F3935-93C4-4BCD-93E2-E3B085C9AB24}">
-                <p16:designElem xmlns="" xmlns:p16="http://schemas.microsoft.com/office/powerpoint/2015/main" val="1"/>
+                <p16:designElem xmlns:p16="http://schemas.microsoft.com/office/powerpoint/2015/main" xmlns="" val="1"/>
               </p:ext>
             </p:extLst>
           </p:nvPr>
@@ -36961,10 +36711,10 @@
           <p:cNvPr id="10" name="Rectangle 9">
             <a:extLst>
               <a:ext uri="{FF2B5EF4-FFF2-40B4-BE49-F238E27FC236}">
-                <a16:creationId xmlns="" xmlns:a16="http://schemas.microsoft.com/office/drawing/2014/main" id="{F1F7FD00-BF97-4325-B7C2-E451F20840A7}"/>
+                <a16:creationId xmlns:a16="http://schemas.microsoft.com/office/drawing/2014/main" xmlns="" id="{F1F7FD00-BF97-4325-B7C2-E451F20840A7}"/>
               </a:ext>
               <a:ext uri="{C183D7F6-B498-43B3-948B-1728B52AA6E4}">
-                <adec:decorative xmlns="" xmlns:adec="http://schemas.microsoft.com/office/drawing/2017/decorative" val="1"/>
+                <adec:decorative xmlns:adec="http://schemas.microsoft.com/office/drawing/2017/decorative" xmlns="" val="1"/>
               </a:ext>
             </a:extLst>
           </p:cNvPr>
@@ -36974,7 +36724,7 @@
           <p:nvPr>
             <p:extLst>
               <p:ext uri="{386F3935-93C4-4BCD-93E2-E3B085C9AB24}">
-                <p16:designElem xmlns="" xmlns:p16="http://schemas.microsoft.com/office/powerpoint/2015/main" val="1"/>
+                <p16:designElem xmlns:p16="http://schemas.microsoft.com/office/powerpoint/2015/main" xmlns="" val="1"/>
               </p:ext>
             </p:extLst>
           </p:nvPr>
@@ -37017,7 +36767,7 @@
           <p:cNvPr id="2" name="Title 1">
             <a:extLst>
               <a:ext uri="{FF2B5EF4-FFF2-40B4-BE49-F238E27FC236}">
-                <a16:creationId xmlns="" xmlns:a16="http://schemas.microsoft.com/office/drawing/2014/main" id="{0652C70D-7098-408E-880E-3F22F905AF82}"/>
+                <a16:creationId xmlns:a16="http://schemas.microsoft.com/office/drawing/2014/main" xmlns="" id="{0652C70D-7098-408E-880E-3F22F905AF82}"/>
               </a:ext>
             </a:extLst>
           </p:cNvPr>
@@ -37069,10 +36819,10 @@
           <p:cNvPr id="12" name="Freeform 11">
             <a:extLst>
               <a:ext uri="{FF2B5EF4-FFF2-40B4-BE49-F238E27FC236}">
-                <a16:creationId xmlns="" xmlns:a16="http://schemas.microsoft.com/office/drawing/2014/main" id="{179B5294-DA4E-4926-B14A-DD6E07A12F67}"/>
+                <a16:creationId xmlns:a16="http://schemas.microsoft.com/office/drawing/2014/main" xmlns="" id="{179B5294-DA4E-4926-B14A-DD6E07A12F67}"/>
               </a:ext>
               <a:ext uri="{C183D7F6-B498-43B3-948B-1728B52AA6E4}">
-                <adec:decorative xmlns="" xmlns:adec="http://schemas.microsoft.com/office/drawing/2017/decorative" val="1"/>
+                <adec:decorative xmlns:adec="http://schemas.microsoft.com/office/drawing/2017/decorative" xmlns="" val="1"/>
               </a:ext>
             </a:extLst>
           </p:cNvPr>
@@ -37082,7 +36832,7 @@
           <p:nvPr>
             <p:extLst>
               <p:ext uri="{386F3935-93C4-4BCD-93E2-E3B085C9AB24}">
-                <p16:designElem xmlns="" xmlns:p16="http://schemas.microsoft.com/office/powerpoint/2015/main" val="1"/>
+                <p16:designElem xmlns:p16="http://schemas.microsoft.com/office/powerpoint/2015/main" xmlns="" val="1"/>
               </p:ext>
             </p:extLst>
           </p:nvPr>
@@ -37168,7 +36918,7 @@
           <p:cNvPr id="3" name="Content Placeholder 2">
             <a:extLst>
               <a:ext uri="{FF2B5EF4-FFF2-40B4-BE49-F238E27FC236}">
-                <a16:creationId xmlns="" xmlns:a16="http://schemas.microsoft.com/office/drawing/2014/main" id="{B1C6EA51-866C-4C34-B123-039CBFDAA574}"/>
+                <a16:creationId xmlns:a16="http://schemas.microsoft.com/office/drawing/2014/main" xmlns="" id="{B1C6EA51-866C-4C34-B123-039CBFDAA574}"/>
               </a:ext>
             </a:extLst>
           </p:cNvPr>
@@ -37275,7 +37025,7 @@
     </p:spTree>
     <p:extLst>
       <p:ext uri="{BB962C8B-B14F-4D97-AF65-F5344CB8AC3E}">
-        <p14:creationId xmlns:p14="http://schemas.microsoft.com/office/powerpoint/2010/main" xmlns="" val="2873321571"/>
+        <p14:creationId xmlns="" xmlns:p14="http://schemas.microsoft.com/office/powerpoint/2010/main" val="2873321571"/>
       </p:ext>
     </p:extLst>
   </p:cSld>
@@ -37470,10 +37220,10 @@
           <p:cNvPr id="8" name="Rectangle 7">
             <a:extLst>
               <a:ext uri="{FF2B5EF4-FFF2-40B4-BE49-F238E27FC236}">
-                <a16:creationId xmlns="" xmlns:a16="http://schemas.microsoft.com/office/drawing/2014/main" id="{3A3C2D7E-3F2E-404E-9B30-CB12DC972D50}"/>
+                <a16:creationId xmlns:a16="http://schemas.microsoft.com/office/drawing/2014/main" xmlns="" id="{3A3C2D7E-3F2E-404E-9B30-CB12DC972D50}"/>
               </a:ext>
               <a:ext uri="{C183D7F6-B498-43B3-948B-1728B52AA6E4}">
-                <adec:decorative xmlns="" xmlns:adec="http://schemas.microsoft.com/office/drawing/2017/decorative" val="1"/>
+                <adec:decorative xmlns:adec="http://schemas.microsoft.com/office/drawing/2017/decorative" xmlns="" val="1"/>
               </a:ext>
             </a:extLst>
           </p:cNvPr>
@@ -37483,7 +37233,7 @@
           <p:nvPr>
             <p:extLst>
               <p:ext uri="{386F3935-93C4-4BCD-93E2-E3B085C9AB24}">
-                <p16:designElem xmlns="" xmlns:p16="http://schemas.microsoft.com/office/powerpoint/2015/main" val="1"/>
+                <p16:designElem xmlns:p16="http://schemas.microsoft.com/office/powerpoint/2015/main" xmlns="" val="1"/>
               </p:ext>
             </p:extLst>
           </p:nvPr>
@@ -37530,10 +37280,10 @@
           <p:cNvPr id="10" name="Rectangle 9">
             <a:extLst>
               <a:ext uri="{FF2B5EF4-FFF2-40B4-BE49-F238E27FC236}">
-                <a16:creationId xmlns="" xmlns:a16="http://schemas.microsoft.com/office/drawing/2014/main" id="{F1F7FD00-BF97-4325-B7C2-E451F20840A7}"/>
+                <a16:creationId xmlns:a16="http://schemas.microsoft.com/office/drawing/2014/main" xmlns="" id="{F1F7FD00-BF97-4325-B7C2-E451F20840A7}"/>
               </a:ext>
               <a:ext uri="{C183D7F6-B498-43B3-948B-1728B52AA6E4}">
-                <adec:decorative xmlns="" xmlns:adec="http://schemas.microsoft.com/office/drawing/2017/decorative" val="1"/>
+                <adec:decorative xmlns:adec="http://schemas.microsoft.com/office/drawing/2017/decorative" xmlns="" val="1"/>
               </a:ext>
             </a:extLst>
           </p:cNvPr>
@@ -37543,7 +37293,7 @@
           <p:nvPr>
             <p:extLst>
               <p:ext uri="{386F3935-93C4-4BCD-93E2-E3B085C9AB24}">
-                <p16:designElem xmlns="" xmlns:p16="http://schemas.microsoft.com/office/powerpoint/2015/main" val="1"/>
+                <p16:designElem xmlns:p16="http://schemas.microsoft.com/office/powerpoint/2015/main" xmlns="" val="1"/>
               </p:ext>
             </p:extLst>
           </p:nvPr>
@@ -37586,7 +37336,7 @@
           <p:cNvPr id="2" name="Title 1">
             <a:extLst>
               <a:ext uri="{FF2B5EF4-FFF2-40B4-BE49-F238E27FC236}">
-                <a16:creationId xmlns="" xmlns:a16="http://schemas.microsoft.com/office/drawing/2014/main" id="{0652C70D-7098-408E-880E-3F22F905AF82}"/>
+                <a16:creationId xmlns:a16="http://schemas.microsoft.com/office/drawing/2014/main" xmlns="" id="{0652C70D-7098-408E-880E-3F22F905AF82}"/>
               </a:ext>
             </a:extLst>
           </p:cNvPr>
@@ -37641,7 +37391,7 @@
           <p:cNvPr id="3" name="Content Placeholder 2">
             <a:extLst>
               <a:ext uri="{FF2B5EF4-FFF2-40B4-BE49-F238E27FC236}">
-                <a16:creationId xmlns="" xmlns:a16="http://schemas.microsoft.com/office/drawing/2014/main" id="{B1C6EA51-866C-4C34-B123-039CBFDAA574}"/>
+                <a16:creationId xmlns:a16="http://schemas.microsoft.com/office/drawing/2014/main" xmlns="" id="{B1C6EA51-866C-4C34-B123-039CBFDAA574}"/>
               </a:ext>
             </a:extLst>
           </p:cNvPr>
@@ -37739,10 +37489,10 @@
           <p:cNvPr id="12" name="Freeform 11">
             <a:extLst>
               <a:ext uri="{FF2B5EF4-FFF2-40B4-BE49-F238E27FC236}">
-                <a16:creationId xmlns="" xmlns:a16="http://schemas.microsoft.com/office/drawing/2014/main" id="{179B5294-DA4E-4926-B14A-DD6E07A12F67}"/>
+                <a16:creationId xmlns:a16="http://schemas.microsoft.com/office/drawing/2014/main" xmlns="" id="{179B5294-DA4E-4926-B14A-DD6E07A12F67}"/>
               </a:ext>
               <a:ext uri="{C183D7F6-B498-43B3-948B-1728B52AA6E4}">
-                <adec:decorative xmlns="" xmlns:adec="http://schemas.microsoft.com/office/drawing/2017/decorative" val="1"/>
+                <adec:decorative xmlns:adec="http://schemas.microsoft.com/office/drawing/2017/decorative" xmlns="" val="1"/>
               </a:ext>
             </a:extLst>
           </p:cNvPr>
@@ -37752,7 +37502,7 @@
           <p:nvPr>
             <p:extLst>
               <p:ext uri="{386F3935-93C4-4BCD-93E2-E3B085C9AB24}">
-                <p16:designElem xmlns="" xmlns:p16="http://schemas.microsoft.com/office/powerpoint/2015/main" val="1"/>
+                <p16:designElem xmlns:p16="http://schemas.microsoft.com/office/powerpoint/2015/main" xmlns="" val="1"/>
               </p:ext>
             </p:extLst>
           </p:nvPr>
@@ -37862,7 +37612,7 @@
           <p:cNvPr id="14" name="Picture 4">
             <a:extLst>
               <a:ext uri="{FF2B5EF4-FFF2-40B4-BE49-F238E27FC236}">
-                <a16:creationId xmlns:a16="http://schemas.microsoft.com/office/drawing/2014/main" xmlns="" id="{7EEAB0AE-0460-41B8-9D67-191EB26FCEE5}"/>
+                <a16:creationId xmlns="" xmlns:a16="http://schemas.microsoft.com/office/drawing/2014/main" id="{7EEAB0AE-0460-41B8-9D67-191EB26FCEE5}"/>
               </a:ext>
             </a:extLst>
           </p:cNvPr>
@@ -37892,7 +37642,7 @@
           <p:cNvPr id="15" name="Picture 6">
             <a:extLst>
               <a:ext uri="{FF2B5EF4-FFF2-40B4-BE49-F238E27FC236}">
-                <a16:creationId xmlns:a16="http://schemas.microsoft.com/office/drawing/2014/main" xmlns="" id="{8AD37409-6513-4DCC-BDCD-33581937F0C1}"/>
+                <a16:creationId xmlns="" xmlns:a16="http://schemas.microsoft.com/office/drawing/2014/main" id="{8AD37409-6513-4DCC-BDCD-33581937F0C1}"/>
               </a:ext>
             </a:extLst>
           </p:cNvPr>
@@ -37944,7 +37694,7 @@
     </p:spTree>
     <p:extLst>
       <p:ext uri="{BB962C8B-B14F-4D97-AF65-F5344CB8AC3E}">
-        <p14:creationId xmlns:p14="http://schemas.microsoft.com/office/powerpoint/2010/main" xmlns="" val="1640973740"/>
+        <p14:creationId xmlns="" xmlns:p14="http://schemas.microsoft.com/office/powerpoint/2010/main" val="1640973740"/>
       </p:ext>
     </p:extLst>
   </p:cSld>
@@ -38242,10 +37992,10 @@
           <p:cNvPr id="8" name="Rectangle 7">
             <a:extLst>
               <a:ext uri="{FF2B5EF4-FFF2-40B4-BE49-F238E27FC236}">
-                <a16:creationId xmlns:a16="http://schemas.microsoft.com/office/drawing/2014/main" xmlns="" id="{3A3C2D7E-3F2E-404E-9B30-CB12DC972D50}"/>
+                <a16:creationId xmlns="" xmlns:a16="http://schemas.microsoft.com/office/drawing/2014/main" id="{3A3C2D7E-3F2E-404E-9B30-CB12DC972D50}"/>
               </a:ext>
               <a:ext uri="{C183D7F6-B498-43B3-948B-1728B52AA6E4}">
-                <adec:decorative xmlns:adec="http://schemas.microsoft.com/office/drawing/2017/decorative" xmlns="" val="1"/>
+                <adec:decorative xmlns="" xmlns:adec="http://schemas.microsoft.com/office/drawing/2017/decorative" val="1"/>
               </a:ext>
             </a:extLst>
           </p:cNvPr>
@@ -38255,7 +38005,7 @@
           <p:nvPr>
             <p:extLst>
               <p:ext uri="{386F3935-93C4-4BCD-93E2-E3B085C9AB24}">
-                <p16:designElem xmlns:p16="http://schemas.microsoft.com/office/powerpoint/2015/main" xmlns="" val="1"/>
+                <p16:designElem xmlns="" xmlns:p16="http://schemas.microsoft.com/office/powerpoint/2015/main" val="1"/>
               </p:ext>
             </p:extLst>
           </p:nvPr>
@@ -38306,10 +38056,10 @@
           <p:cNvPr id="10" name="Rectangle 9">
             <a:extLst>
               <a:ext uri="{FF2B5EF4-FFF2-40B4-BE49-F238E27FC236}">
-                <a16:creationId xmlns:a16="http://schemas.microsoft.com/office/drawing/2014/main" xmlns="" id="{F1F7FD00-BF97-4325-B7C2-E451F20840A7}"/>
+                <a16:creationId xmlns="" xmlns:a16="http://schemas.microsoft.com/office/drawing/2014/main" id="{F1F7FD00-BF97-4325-B7C2-E451F20840A7}"/>
               </a:ext>
               <a:ext uri="{C183D7F6-B498-43B3-948B-1728B52AA6E4}">
-                <adec:decorative xmlns:adec="http://schemas.microsoft.com/office/drawing/2017/decorative" xmlns="" val="1"/>
+                <adec:decorative xmlns="" xmlns:adec="http://schemas.microsoft.com/office/drawing/2017/decorative" val="1"/>
               </a:ext>
             </a:extLst>
           </p:cNvPr>
@@ -38319,7 +38069,7 @@
           <p:nvPr>
             <p:extLst>
               <p:ext uri="{386F3935-93C4-4BCD-93E2-E3B085C9AB24}">
-                <p16:designElem xmlns:p16="http://schemas.microsoft.com/office/powerpoint/2015/main" xmlns="" val="1"/>
+                <p16:designElem xmlns="" xmlns:p16="http://schemas.microsoft.com/office/powerpoint/2015/main" val="1"/>
               </p:ext>
             </p:extLst>
           </p:nvPr>
@@ -38362,7 +38112,7 @@
           <p:cNvPr id="2" name="Title 1">
             <a:extLst>
               <a:ext uri="{FF2B5EF4-FFF2-40B4-BE49-F238E27FC236}">
-                <a16:creationId xmlns:a16="http://schemas.microsoft.com/office/drawing/2014/main" xmlns="" id="{C60221F0-E61F-4AD3-B683-685CA8D02591}"/>
+                <a16:creationId xmlns="" xmlns:a16="http://schemas.microsoft.com/office/drawing/2014/main" id="{C60221F0-E61F-4AD3-B683-685CA8D02591}"/>
               </a:ext>
             </a:extLst>
           </p:cNvPr>
@@ -38426,7 +38176,7 @@
           <a:blip r:embed="rId2">
             <a:extLst>
               <a:ext uri="{28A0092B-C50C-407E-A947-70E740481C1C}">
-                <a14:useLocalDpi xmlns="" xmlns:a14="http://schemas.microsoft.com/office/drawing/2010/main" val="0"/>
+                <a14:useLocalDpi xmlns:a14="http://schemas.microsoft.com/office/drawing/2010/main" xmlns="" val="0"/>
               </a:ext>
             </a:extLst>
           </a:blip>
@@ -38479,10 +38229,10 @@
           <p:cNvPr id="12" name="Freeform 11">
             <a:extLst>
               <a:ext uri="{FF2B5EF4-FFF2-40B4-BE49-F238E27FC236}">
-                <a16:creationId xmlns:a16="http://schemas.microsoft.com/office/drawing/2014/main" xmlns="" id="{179B5294-DA4E-4926-B14A-DD6E07A12F67}"/>
+                <a16:creationId xmlns="" xmlns:a16="http://schemas.microsoft.com/office/drawing/2014/main" id="{179B5294-DA4E-4926-B14A-DD6E07A12F67}"/>
               </a:ext>
               <a:ext uri="{C183D7F6-B498-43B3-948B-1728B52AA6E4}">
-                <adec:decorative xmlns:adec="http://schemas.microsoft.com/office/drawing/2017/decorative" xmlns="" val="1"/>
+                <adec:decorative xmlns="" xmlns:adec="http://schemas.microsoft.com/office/drawing/2017/decorative" val="1"/>
               </a:ext>
             </a:extLst>
           </p:cNvPr>
@@ -38492,7 +38242,7 @@
           <p:nvPr>
             <p:extLst>
               <p:ext uri="{386F3935-93C4-4BCD-93E2-E3B085C9AB24}">
-                <p16:designElem xmlns:p16="http://schemas.microsoft.com/office/powerpoint/2015/main" xmlns="" val="1"/>
+                <p16:designElem xmlns="" xmlns:p16="http://schemas.microsoft.com/office/powerpoint/2015/main" val="1"/>
               </p:ext>
             </p:extLst>
           </p:nvPr>
@@ -38576,7 +38326,7 @@
     </p:spTree>
     <p:extLst>
       <p:ext uri="{BB962C8B-B14F-4D97-AF65-F5344CB8AC3E}">
-        <p14:creationId xmlns="" xmlns:p14="http://schemas.microsoft.com/office/powerpoint/2010/main" val="2600019642"/>
+        <p14:creationId xmlns:p14="http://schemas.microsoft.com/office/powerpoint/2010/main" xmlns="" val="2600019642"/>
       </p:ext>
     </p:extLst>
   </p:cSld>
@@ -38599,6 +38349,1359 @@
 <file path=ppt/slides/slide13.xml><?xml version="1.0" encoding="utf-8"?>
 <p:sld xmlns:a="http://schemas.openxmlformats.org/drawingml/2006/main" xmlns:r="http://schemas.openxmlformats.org/officeDocument/2006/relationships" xmlns:p="http://schemas.openxmlformats.org/presentationml/2006/main">
   <p:cSld>
+    <p:spTree>
+      <p:nvGrpSpPr>
+        <p:cNvPr id="1" name=""/>
+        <p:cNvGrpSpPr/>
+        <p:nvPr/>
+      </p:nvGrpSpPr>
+      <p:grpSpPr>
+        <a:xfrm>
+          <a:off x="0" y="0"/>
+          <a:ext cx="0" cy="0"/>
+          <a:chOff x="0" y="0"/>
+          <a:chExt cx="0" cy="0"/>
+        </a:xfrm>
+      </p:grpSpPr>
+      <p:sp useBgFill="1">
+        <p:nvSpPr>
+          <p:cNvPr id="8" name="Rectangle 7">
+            <a:extLst>
+              <a:ext uri="{FF2B5EF4-FFF2-40B4-BE49-F238E27FC236}">
+                <a16:creationId xmlns="" xmlns:a16="http://schemas.microsoft.com/office/drawing/2014/main" id="{3A3C2D7E-3F2E-404E-9B30-CB12DC972D50}"/>
+              </a:ext>
+              <a:ext uri="{C183D7F6-B498-43B3-948B-1728B52AA6E4}">
+                <adec:decorative xmlns="" xmlns:adec="http://schemas.microsoft.com/office/drawing/2017/decorative" val="1"/>
+              </a:ext>
+            </a:extLst>
+          </p:cNvPr>
+          <p:cNvSpPr>
+            <a:spLocks noGrp="1" noRot="1" noChangeAspect="1" noMove="1" noResize="1" noEditPoints="1" noAdjustHandles="1" noChangeArrowheads="1" noChangeShapeType="1" noTextEdit="1"/>
+          </p:cNvSpPr>
+          <p:nvPr>
+            <p:extLst>
+              <p:ext uri="{386F3935-93C4-4BCD-93E2-E3B085C9AB24}">
+                <p16:designElem xmlns="" xmlns:p16="http://schemas.microsoft.com/office/powerpoint/2015/main" val="1"/>
+              </p:ext>
+            </p:extLst>
+          </p:nvPr>
+        </p:nvSpPr>
+        <p:spPr>
+          <a:xfrm>
+            <a:off x="1" y="0"/>
+            <a:ext cx="12192000" cy="6858000"/>
+          </a:xfrm>
+          <a:prstGeom prst="rect">
+            <a:avLst/>
+          </a:prstGeom>
+          <a:ln>
+            <a:noFill/>
+          </a:ln>
+        </p:spPr>
+        <p:style>
+          <a:lnRef idx="2">
+            <a:schemeClr val="accent1">
+              <a:shade val="50000"/>
+            </a:schemeClr>
+          </a:lnRef>
+          <a:fillRef idx="1">
+            <a:schemeClr val="accent1"/>
+          </a:fillRef>
+          <a:effectRef idx="0">
+            <a:schemeClr val="accent1"/>
+          </a:effectRef>
+          <a:fontRef idx="minor">
+            <a:schemeClr val="lt1"/>
+          </a:fontRef>
+        </p:style>
+        <p:txBody>
+          <a:bodyPr rtlCol="0" anchor="ctr"/>
+          <a:lstStyle/>
+          <a:p>
+            <a:pPr algn="ctr"/>
+            <a:endParaRPr lang="en-US" dirty="0"/>
+          </a:p>
+        </p:txBody>
+      </p:sp>
+      <p:sp>
+        <p:nvSpPr>
+          <p:cNvPr id="10" name="Rectangle 9">
+            <a:extLst>
+              <a:ext uri="{FF2B5EF4-FFF2-40B4-BE49-F238E27FC236}">
+                <a16:creationId xmlns="" xmlns:a16="http://schemas.microsoft.com/office/drawing/2014/main" id="{F1F7FD00-BF97-4325-B7C2-E451F20840A7}"/>
+              </a:ext>
+              <a:ext uri="{C183D7F6-B498-43B3-948B-1728B52AA6E4}">
+                <adec:decorative xmlns="" xmlns:adec="http://schemas.microsoft.com/office/drawing/2017/decorative" val="1"/>
+              </a:ext>
+            </a:extLst>
+          </p:cNvPr>
+          <p:cNvSpPr>
+            <a:spLocks noGrp="1" noRot="1" noChangeAspect="1" noMove="1" noResize="1" noEditPoints="1" noAdjustHandles="1" noChangeArrowheads="1" noChangeShapeType="1" noTextEdit="1"/>
+          </p:cNvSpPr>
+          <p:nvPr>
+            <p:extLst>
+              <p:ext uri="{386F3935-93C4-4BCD-93E2-E3B085C9AB24}">
+                <p16:designElem xmlns="" xmlns:p16="http://schemas.microsoft.com/office/powerpoint/2015/main" val="1"/>
+              </p:ext>
+            </p:extLst>
+          </p:nvPr>
+        </p:nvSpPr>
+        <p:spPr>
+          <a:xfrm>
+            <a:off x="0" y="0"/>
+            <a:ext cx="12192000" cy="2306695"/>
+          </a:xfrm>
+          <a:prstGeom prst="rect">
+            <a:avLst/>
+          </a:prstGeom>
+          <a:solidFill>
+            <a:schemeClr val="tx2">
+              <a:lumMod val="50000"/>
+            </a:schemeClr>
+          </a:solidFill>
+          <a:ln>
+            <a:noFill/>
+          </a:ln>
+          <a:effectLst/>
+        </p:spPr>
+        <p:style>
+          <a:lnRef idx="1">
+            <a:schemeClr val="accent1"/>
+          </a:lnRef>
+          <a:fillRef idx="3">
+            <a:schemeClr val="accent1"/>
+          </a:fillRef>
+          <a:effectRef idx="2">
+            <a:schemeClr val="accent1"/>
+          </a:effectRef>
+          <a:fontRef idx="minor">
+            <a:schemeClr val="lt1"/>
+          </a:fontRef>
+        </p:style>
+      </p:sp>
+      <p:sp>
+        <p:nvSpPr>
+          <p:cNvPr id="2" name="Title 1">
+            <a:extLst>
+              <a:ext uri="{FF2B5EF4-FFF2-40B4-BE49-F238E27FC236}">
+                <a16:creationId xmlns="" xmlns:a16="http://schemas.microsoft.com/office/drawing/2014/main" id="{938C7F7E-8CB2-47D8-95C9-439ED4C84A5C}"/>
+              </a:ext>
+            </a:extLst>
+          </p:cNvPr>
+          <p:cNvSpPr>
+            <a:spLocks noGrp="1"/>
+          </p:cNvSpPr>
+          <p:nvPr>
+            <p:ph type="title"/>
+          </p:nvPr>
+        </p:nvSpPr>
+        <p:spPr>
+          <a:xfrm>
+            <a:off x="1843391" y="624110"/>
+            <a:ext cx="9383408" cy="1280890"/>
+          </a:xfrm>
+        </p:spPr>
+        <p:txBody>
+          <a:bodyPr>
+            <a:normAutofit/>
+          </a:bodyPr>
+          <a:lstStyle/>
+          <a:p>
+            <a:r>
+              <a:rPr lang="en-GB" b="1" dirty="0" smtClean="0">
+                <a:solidFill>
+                  <a:srgbClr val="FFFFFF"/>
+                </a:solidFill>
+              </a:rPr>
+              <a:t>7. </a:t>
+            </a:r>
+            <a:r>
+              <a:rPr lang="en-GB" b="1" dirty="0">
+                <a:solidFill>
+                  <a:srgbClr val="FFFFFF"/>
+                </a:solidFill>
+              </a:rPr>
+              <a:t>TARGET AUDIENCE </a:t>
+            </a:r>
+            <a:endParaRPr lang="x-none" b="1" dirty="0">
+              <a:solidFill>
+                <a:srgbClr val="FFFFFF"/>
+              </a:solidFill>
+            </a:endParaRPr>
+          </a:p>
+        </p:txBody>
+      </p:sp>
+      <p:sp>
+        <p:nvSpPr>
+          <p:cNvPr id="12" name="Freeform 11">
+            <a:extLst>
+              <a:ext uri="{FF2B5EF4-FFF2-40B4-BE49-F238E27FC236}">
+                <a16:creationId xmlns="" xmlns:a16="http://schemas.microsoft.com/office/drawing/2014/main" id="{179B5294-DA4E-4926-B14A-DD6E07A12F67}"/>
+              </a:ext>
+              <a:ext uri="{C183D7F6-B498-43B3-948B-1728B52AA6E4}">
+                <adec:decorative xmlns="" xmlns:adec="http://schemas.microsoft.com/office/drawing/2017/decorative" val="1"/>
+              </a:ext>
+            </a:extLst>
+          </p:cNvPr>
+          <p:cNvSpPr>
+            <a:spLocks noGrp="1" noRot="1" noChangeAspect="1" noMove="1" noResize="1" noEditPoints="1" noAdjustHandles="1" noChangeArrowheads="1" noChangeShapeType="1" noTextEdit="1"/>
+          </p:cNvSpPr>
+          <p:nvPr>
+            <p:extLst>
+              <p:ext uri="{386F3935-93C4-4BCD-93E2-E3B085C9AB24}">
+                <p16:designElem xmlns="" xmlns:p16="http://schemas.microsoft.com/office/powerpoint/2015/main" val="1"/>
+              </p:ext>
+            </p:extLst>
+          </p:nvPr>
+        </p:nvSpPr>
+        <p:spPr bwMode="auto">
+          <a:xfrm flipV="1">
+            <a:off x="-4189" y="714375"/>
+            <a:ext cx="1588527" cy="507297"/>
+          </a:xfrm>
+          <a:custGeom>
+            <a:avLst/>
+            <a:gdLst/>
+            <a:ahLst/>
+            <a:cxnLst/>
+            <a:rect l="l" t="t" r="r" b="b"/>
+            <a:pathLst>
+              <a:path w="9248" h="10000">
+                <a:moveTo>
+                  <a:pt x="9248" y="4701"/>
+                </a:moveTo>
+                <a:lnTo>
+                  <a:pt x="7915" y="188"/>
+                </a:lnTo>
+                <a:cubicBezTo>
+                  <a:pt x="7906" y="156"/>
+                  <a:pt x="7895" y="126"/>
+                  <a:pt x="7886" y="94"/>
+                </a:cubicBezTo>
+                <a:cubicBezTo>
+                  <a:pt x="7859" y="0"/>
+                  <a:pt x="7831" y="0"/>
+                  <a:pt x="7803" y="0"/>
+                </a:cubicBezTo>
+                <a:lnTo>
+                  <a:pt x="7275" y="0"/>
+                </a:lnTo>
+                <a:lnTo>
+                  <a:pt x="0" y="70"/>
+                </a:lnTo>
+                <a:cubicBezTo>
+                  <a:pt x="8" y="3380"/>
+                  <a:pt x="17" y="6690"/>
+                  <a:pt x="25" y="10000"/>
+                </a:cubicBezTo>
+                <a:lnTo>
+                  <a:pt x="7275" y="9966"/>
+                </a:lnTo>
+                <a:lnTo>
+                  <a:pt x="7803" y="9966"/>
+                </a:lnTo>
+                <a:cubicBezTo>
+                  <a:pt x="7831" y="9966"/>
+                  <a:pt x="7859" y="9872"/>
+                  <a:pt x="7886" y="9872"/>
+                </a:cubicBezTo>
+                <a:cubicBezTo>
+                  <a:pt x="7886" y="9778"/>
+                  <a:pt x="7915" y="9778"/>
+                  <a:pt x="7915" y="9778"/>
+                </a:cubicBezTo>
+                <a:lnTo>
+                  <a:pt x="9248" y="5265"/>
+                </a:lnTo>
+                <a:cubicBezTo>
+                  <a:pt x="9303" y="5077"/>
+                  <a:pt x="9303" y="4889"/>
+                  <a:pt x="9248" y="4701"/>
+                </a:cubicBezTo>
+                <a:close/>
+              </a:path>
+            </a:pathLst>
+          </a:custGeom>
+          <a:solidFill>
+            <a:schemeClr val="accent1"/>
+          </a:solidFill>
+          <a:ln>
+            <a:noFill/>
+          </a:ln>
+        </p:spPr>
+      </p:sp>
+      <p:graphicFrame>
+        <p:nvGraphicFramePr>
+          <p:cNvPr id="7" name="Content Placeholder 6"/>
+          <p:cNvGraphicFramePr>
+            <a:graphicFrameLocks noGrp="1"/>
+          </p:cNvGraphicFramePr>
+          <p:nvPr>
+            <p:ph idx="1"/>
+          </p:nvPr>
+        </p:nvGraphicFramePr>
+        <p:xfrm>
+          <a:off x="348342" y="2410623"/>
+          <a:ext cx="11292113" cy="4223657"/>
+        </p:xfrm>
+        <a:graphic>
+          <a:graphicData uri="http://schemas.openxmlformats.org/drawingml/2006/diagram">
+            <dgm:relIds xmlns:dgm="http://schemas.openxmlformats.org/drawingml/2006/diagram" xmlns:r="http://schemas.openxmlformats.org/officeDocument/2006/relationships" r:dm="rId2" r:lo="rId3" r:qs="rId4" r:cs="rId5"/>
+          </a:graphicData>
+        </a:graphic>
+      </p:graphicFrame>
+    </p:spTree>
+    <p:extLst>
+      <p:ext uri="{BB962C8B-B14F-4D97-AF65-F5344CB8AC3E}">
+        <p14:creationId xmlns="" xmlns:p14="http://schemas.microsoft.com/office/powerpoint/2010/main" val="245502956"/>
+      </p:ext>
+    </p:extLst>
+  </p:cSld>
+  <p:clrMapOvr>
+    <a:masterClrMapping/>
+  </p:clrMapOvr>
+  <p:transition spd="med">
+    <p:pull dir="d"/>
+  </p:transition>
+  <p:timing>
+    <p:tnLst>
+      <p:par>
+        <p:cTn id="1" dur="indefinite" restart="never" nodeType="tmRoot"/>
+      </p:par>
+    </p:tnLst>
+  </p:timing>
+</p:sld>
+</file>
+
+<file path=ppt/slides/slide14.xml><?xml version="1.0" encoding="utf-8"?>
+<p:sld xmlns:a="http://schemas.openxmlformats.org/drawingml/2006/main" xmlns:r="http://schemas.openxmlformats.org/officeDocument/2006/relationships" xmlns:p="http://schemas.openxmlformats.org/presentationml/2006/main">
+  <p:cSld>
+    <p:spTree>
+      <p:nvGrpSpPr>
+        <p:cNvPr id="1" name=""/>
+        <p:cNvGrpSpPr/>
+        <p:nvPr/>
+      </p:nvGrpSpPr>
+      <p:grpSpPr>
+        <a:xfrm>
+          <a:off x="0" y="0"/>
+          <a:ext cx="0" cy="0"/>
+          <a:chOff x="0" y="0"/>
+          <a:chExt cx="0" cy="0"/>
+        </a:xfrm>
+      </p:grpSpPr>
+      <p:sp useBgFill="1">
+        <p:nvSpPr>
+          <p:cNvPr id="8" name="Rectangle 7">
+            <a:extLst>
+              <a:ext uri="{FF2B5EF4-FFF2-40B4-BE49-F238E27FC236}">
+                <a16:creationId xmlns="" xmlns:a16="http://schemas.microsoft.com/office/drawing/2014/main" id="{3A3C2D7E-3F2E-404E-9B30-CB12DC972D50}"/>
+              </a:ext>
+              <a:ext uri="{C183D7F6-B498-43B3-948B-1728B52AA6E4}">
+                <adec:decorative xmlns="" xmlns:adec="http://schemas.microsoft.com/office/drawing/2017/decorative" val="1"/>
+              </a:ext>
+            </a:extLst>
+          </p:cNvPr>
+          <p:cNvSpPr>
+            <a:spLocks noGrp="1" noRot="1" noChangeAspect="1" noMove="1" noResize="1" noEditPoints="1" noAdjustHandles="1" noChangeArrowheads="1" noChangeShapeType="1" noTextEdit="1"/>
+          </p:cNvSpPr>
+          <p:nvPr>
+            <p:extLst>
+              <p:ext uri="{386F3935-93C4-4BCD-93E2-E3B085C9AB24}">
+                <p16:designElem xmlns="" xmlns:p16="http://schemas.microsoft.com/office/powerpoint/2015/main" val="1"/>
+              </p:ext>
+            </p:extLst>
+          </p:nvPr>
+        </p:nvSpPr>
+        <p:spPr>
+          <a:xfrm>
+            <a:off x="1" y="0"/>
+            <a:ext cx="12192000" cy="6858000"/>
+          </a:xfrm>
+          <a:prstGeom prst="rect">
+            <a:avLst/>
+          </a:prstGeom>
+          <a:ln>
+            <a:noFill/>
+          </a:ln>
+        </p:spPr>
+        <p:style>
+          <a:lnRef idx="2">
+            <a:schemeClr val="accent1">
+              <a:shade val="50000"/>
+            </a:schemeClr>
+          </a:lnRef>
+          <a:fillRef idx="1">
+            <a:schemeClr val="accent1"/>
+          </a:fillRef>
+          <a:effectRef idx="0">
+            <a:schemeClr val="accent1"/>
+          </a:effectRef>
+          <a:fontRef idx="minor">
+            <a:schemeClr val="lt1"/>
+          </a:fontRef>
+        </p:style>
+        <p:txBody>
+          <a:bodyPr rtlCol="0" anchor="ctr"/>
+          <a:lstStyle/>
+          <a:p>
+            <a:pPr algn="ctr"/>
+            <a:endParaRPr lang="en-US" dirty="0"/>
+          </a:p>
+        </p:txBody>
+      </p:sp>
+      <p:sp>
+        <p:nvSpPr>
+          <p:cNvPr id="10" name="Rectangle 9">
+            <a:extLst>
+              <a:ext uri="{FF2B5EF4-FFF2-40B4-BE49-F238E27FC236}">
+                <a16:creationId xmlns="" xmlns:a16="http://schemas.microsoft.com/office/drawing/2014/main" id="{F1F7FD00-BF97-4325-B7C2-E451F20840A7}"/>
+              </a:ext>
+              <a:ext uri="{C183D7F6-B498-43B3-948B-1728B52AA6E4}">
+                <adec:decorative xmlns="" xmlns:adec="http://schemas.microsoft.com/office/drawing/2017/decorative" val="1"/>
+              </a:ext>
+            </a:extLst>
+          </p:cNvPr>
+          <p:cNvSpPr>
+            <a:spLocks noGrp="1" noRot="1" noChangeAspect="1" noMove="1" noResize="1" noEditPoints="1" noAdjustHandles="1" noChangeArrowheads="1" noChangeShapeType="1" noTextEdit="1"/>
+          </p:cNvSpPr>
+          <p:nvPr>
+            <p:extLst>
+              <p:ext uri="{386F3935-93C4-4BCD-93E2-E3B085C9AB24}">
+                <p16:designElem xmlns="" xmlns:p16="http://schemas.microsoft.com/office/powerpoint/2015/main" val="1"/>
+              </p:ext>
+            </p:extLst>
+          </p:nvPr>
+        </p:nvSpPr>
+        <p:spPr>
+          <a:xfrm>
+            <a:off x="0" y="0"/>
+            <a:ext cx="12192000" cy="2306695"/>
+          </a:xfrm>
+          <a:prstGeom prst="rect">
+            <a:avLst/>
+          </a:prstGeom>
+          <a:solidFill>
+            <a:schemeClr val="tx2">
+              <a:lumMod val="50000"/>
+            </a:schemeClr>
+          </a:solidFill>
+          <a:ln>
+            <a:noFill/>
+          </a:ln>
+          <a:effectLst/>
+        </p:spPr>
+        <p:style>
+          <a:lnRef idx="1">
+            <a:schemeClr val="accent1"/>
+          </a:lnRef>
+          <a:fillRef idx="3">
+            <a:schemeClr val="accent1"/>
+          </a:fillRef>
+          <a:effectRef idx="2">
+            <a:schemeClr val="accent1"/>
+          </a:effectRef>
+          <a:fontRef idx="minor">
+            <a:schemeClr val="lt1"/>
+          </a:fontRef>
+        </p:style>
+      </p:sp>
+      <p:sp>
+        <p:nvSpPr>
+          <p:cNvPr id="2" name="Title 1">
+            <a:extLst>
+              <a:ext uri="{FF2B5EF4-FFF2-40B4-BE49-F238E27FC236}">
+                <a16:creationId xmlns="" xmlns:a16="http://schemas.microsoft.com/office/drawing/2014/main" id="{3B8A4B89-B2B3-4944-A853-1D91B1B61CA4}"/>
+              </a:ext>
+            </a:extLst>
+          </p:cNvPr>
+          <p:cNvSpPr>
+            <a:spLocks noGrp="1"/>
+          </p:cNvSpPr>
+          <p:nvPr>
+            <p:ph type="title"/>
+          </p:nvPr>
+        </p:nvSpPr>
+        <p:spPr>
+          <a:xfrm>
+            <a:off x="1843391" y="624110"/>
+            <a:ext cx="9383408" cy="1280890"/>
+          </a:xfrm>
+        </p:spPr>
+        <p:txBody>
+          <a:bodyPr>
+            <a:normAutofit/>
+          </a:bodyPr>
+          <a:lstStyle/>
+          <a:p>
+            <a:r>
+              <a:rPr lang="en-GB" b="1" dirty="0">
+                <a:solidFill>
+                  <a:srgbClr val="FFFFFF"/>
+                </a:solidFill>
+              </a:rPr>
+              <a:t>8</a:t>
+            </a:r>
+            <a:r>
+              <a:rPr lang="en-GB" b="1" dirty="0" smtClean="0">
+                <a:solidFill>
+                  <a:srgbClr val="FFFFFF"/>
+                </a:solidFill>
+              </a:rPr>
+              <a:t>. </a:t>
+            </a:r>
+            <a:r>
+              <a:rPr lang="en-GB" b="1" dirty="0">
+                <a:solidFill>
+                  <a:srgbClr val="FFFFFF"/>
+                </a:solidFill>
+              </a:rPr>
+              <a:t>EXISTING SYSTEM</a:t>
+            </a:r>
+            <a:endParaRPr lang="x-none" b="1" dirty="0">
+              <a:solidFill>
+                <a:srgbClr val="FFFFFF"/>
+              </a:solidFill>
+            </a:endParaRPr>
+          </a:p>
+        </p:txBody>
+      </p:sp>
+      <p:sp>
+        <p:nvSpPr>
+          <p:cNvPr id="12" name="Freeform 11">
+            <a:extLst>
+              <a:ext uri="{FF2B5EF4-FFF2-40B4-BE49-F238E27FC236}">
+                <a16:creationId xmlns="" xmlns:a16="http://schemas.microsoft.com/office/drawing/2014/main" id="{179B5294-DA4E-4926-B14A-DD6E07A12F67}"/>
+              </a:ext>
+              <a:ext uri="{C183D7F6-B498-43B3-948B-1728B52AA6E4}">
+                <adec:decorative xmlns="" xmlns:adec="http://schemas.microsoft.com/office/drawing/2017/decorative" val="1"/>
+              </a:ext>
+            </a:extLst>
+          </p:cNvPr>
+          <p:cNvSpPr>
+            <a:spLocks noGrp="1" noRot="1" noChangeAspect="1" noMove="1" noResize="1" noEditPoints="1" noAdjustHandles="1" noChangeArrowheads="1" noChangeShapeType="1" noTextEdit="1"/>
+          </p:cNvSpPr>
+          <p:nvPr>
+            <p:extLst>
+              <p:ext uri="{386F3935-93C4-4BCD-93E2-E3B085C9AB24}">
+                <p16:designElem xmlns="" xmlns:p16="http://schemas.microsoft.com/office/powerpoint/2015/main" val="1"/>
+              </p:ext>
+            </p:extLst>
+          </p:nvPr>
+        </p:nvSpPr>
+        <p:spPr bwMode="auto">
+          <a:xfrm flipV="1">
+            <a:off x="-4189" y="714375"/>
+            <a:ext cx="1588527" cy="507297"/>
+          </a:xfrm>
+          <a:custGeom>
+            <a:avLst/>
+            <a:gdLst/>
+            <a:ahLst/>
+            <a:cxnLst/>
+            <a:rect l="l" t="t" r="r" b="b"/>
+            <a:pathLst>
+              <a:path w="9248" h="10000">
+                <a:moveTo>
+                  <a:pt x="9248" y="4701"/>
+                </a:moveTo>
+                <a:lnTo>
+                  <a:pt x="7915" y="188"/>
+                </a:lnTo>
+                <a:cubicBezTo>
+                  <a:pt x="7906" y="156"/>
+                  <a:pt x="7895" y="126"/>
+                  <a:pt x="7886" y="94"/>
+                </a:cubicBezTo>
+                <a:cubicBezTo>
+                  <a:pt x="7859" y="0"/>
+                  <a:pt x="7831" y="0"/>
+                  <a:pt x="7803" y="0"/>
+                </a:cubicBezTo>
+                <a:lnTo>
+                  <a:pt x="7275" y="0"/>
+                </a:lnTo>
+                <a:lnTo>
+                  <a:pt x="0" y="70"/>
+                </a:lnTo>
+                <a:cubicBezTo>
+                  <a:pt x="8" y="3380"/>
+                  <a:pt x="17" y="6690"/>
+                  <a:pt x="25" y="10000"/>
+                </a:cubicBezTo>
+                <a:lnTo>
+                  <a:pt x="7275" y="9966"/>
+                </a:lnTo>
+                <a:lnTo>
+                  <a:pt x="7803" y="9966"/>
+                </a:lnTo>
+                <a:cubicBezTo>
+                  <a:pt x="7831" y="9966"/>
+                  <a:pt x="7859" y="9872"/>
+                  <a:pt x="7886" y="9872"/>
+                </a:cubicBezTo>
+                <a:cubicBezTo>
+                  <a:pt x="7886" y="9778"/>
+                  <a:pt x="7915" y="9778"/>
+                  <a:pt x="7915" y="9778"/>
+                </a:cubicBezTo>
+                <a:lnTo>
+                  <a:pt x="9248" y="5265"/>
+                </a:lnTo>
+                <a:cubicBezTo>
+                  <a:pt x="9303" y="5077"/>
+                  <a:pt x="9303" y="4889"/>
+                  <a:pt x="9248" y="4701"/>
+                </a:cubicBezTo>
+                <a:close/>
+              </a:path>
+            </a:pathLst>
+          </a:custGeom>
+          <a:solidFill>
+            <a:schemeClr val="accent1"/>
+          </a:solidFill>
+          <a:ln>
+            <a:noFill/>
+          </a:ln>
+        </p:spPr>
+      </p:sp>
+      <p:graphicFrame>
+        <p:nvGraphicFramePr>
+          <p:cNvPr id="9" name="Content Placeholder 8"/>
+          <p:cNvGraphicFramePr>
+            <a:graphicFrameLocks noGrp="1"/>
+          </p:cNvGraphicFramePr>
+          <p:nvPr>
+            <p:ph idx="1"/>
+          </p:nvPr>
+        </p:nvGraphicFramePr>
+        <p:xfrm>
+          <a:off x="3060701" y="2587925"/>
+          <a:ext cx="5486399" cy="3881885"/>
+        </p:xfrm>
+        <a:graphic>
+          <a:graphicData uri="http://schemas.openxmlformats.org/drawingml/2006/diagram">
+            <dgm:relIds xmlns:dgm="http://schemas.openxmlformats.org/drawingml/2006/diagram" xmlns:r="http://schemas.openxmlformats.org/officeDocument/2006/relationships" r:dm="rId2" r:lo="rId3" r:qs="rId4" r:cs="rId5"/>
+          </a:graphicData>
+        </a:graphic>
+      </p:graphicFrame>
+    </p:spTree>
+    <p:extLst>
+      <p:ext uri="{BB962C8B-B14F-4D97-AF65-F5344CB8AC3E}">
+        <p14:creationId xmlns="" xmlns:p14="http://schemas.microsoft.com/office/powerpoint/2010/main" val="890898475"/>
+      </p:ext>
+    </p:extLst>
+  </p:cSld>
+  <p:clrMapOvr>
+    <a:masterClrMapping/>
+  </p:clrMapOvr>
+  <p:transition spd="med">
+    <p:pull dir="d"/>
+  </p:transition>
+  <p:timing>
+    <p:tnLst>
+      <p:par>
+        <p:cTn id="1" dur="indefinite" restart="never" nodeType="tmRoot"/>
+      </p:par>
+    </p:tnLst>
+  </p:timing>
+</p:sld>
+</file>
+
+<file path=ppt/slides/slide15.xml><?xml version="1.0" encoding="utf-8"?>
+<p:sld xmlns:a="http://schemas.openxmlformats.org/drawingml/2006/main" xmlns:r="http://schemas.openxmlformats.org/officeDocument/2006/relationships" xmlns:p="http://schemas.openxmlformats.org/presentationml/2006/main">
+  <p:cSld>
+    <p:spTree>
+      <p:nvGrpSpPr>
+        <p:cNvPr id="1" name=""/>
+        <p:cNvGrpSpPr/>
+        <p:nvPr/>
+      </p:nvGrpSpPr>
+      <p:grpSpPr>
+        <a:xfrm>
+          <a:off x="0" y="0"/>
+          <a:ext cx="0" cy="0"/>
+          <a:chOff x="0" y="0"/>
+          <a:chExt cx="0" cy="0"/>
+        </a:xfrm>
+      </p:grpSpPr>
+      <p:sp useBgFill="1">
+        <p:nvSpPr>
+          <p:cNvPr id="8" name="Rectangle 7">
+            <a:extLst>
+              <a:ext uri="{FF2B5EF4-FFF2-40B4-BE49-F238E27FC236}">
+                <a16:creationId xmlns="" xmlns:a16="http://schemas.microsoft.com/office/drawing/2014/main" id="{3A3C2D7E-3F2E-404E-9B30-CB12DC972D50}"/>
+              </a:ext>
+              <a:ext uri="{C183D7F6-B498-43B3-948B-1728B52AA6E4}">
+                <adec:decorative xmlns="" xmlns:adec="http://schemas.microsoft.com/office/drawing/2017/decorative" val="1"/>
+              </a:ext>
+            </a:extLst>
+          </p:cNvPr>
+          <p:cNvSpPr>
+            <a:spLocks noGrp="1" noRot="1" noChangeAspect="1" noMove="1" noResize="1" noEditPoints="1" noAdjustHandles="1" noChangeArrowheads="1" noChangeShapeType="1" noTextEdit="1"/>
+          </p:cNvSpPr>
+          <p:nvPr>
+            <p:extLst>
+              <p:ext uri="{386F3935-93C4-4BCD-93E2-E3B085C9AB24}">
+                <p16:designElem xmlns="" xmlns:p16="http://schemas.microsoft.com/office/powerpoint/2015/main" val="1"/>
+              </p:ext>
+            </p:extLst>
+          </p:nvPr>
+        </p:nvSpPr>
+        <p:spPr>
+          <a:xfrm>
+            <a:off x="1" y="0"/>
+            <a:ext cx="12192000" cy="6858000"/>
+          </a:xfrm>
+          <a:prstGeom prst="rect">
+            <a:avLst/>
+          </a:prstGeom>
+          <a:ln>
+            <a:noFill/>
+          </a:ln>
+        </p:spPr>
+        <p:style>
+          <a:lnRef idx="2">
+            <a:schemeClr val="accent1">
+              <a:shade val="50000"/>
+            </a:schemeClr>
+          </a:lnRef>
+          <a:fillRef idx="1">
+            <a:schemeClr val="accent1"/>
+          </a:fillRef>
+          <a:effectRef idx="0">
+            <a:schemeClr val="accent1"/>
+          </a:effectRef>
+          <a:fontRef idx="minor">
+            <a:schemeClr val="lt1"/>
+          </a:fontRef>
+        </p:style>
+        <p:txBody>
+          <a:bodyPr rtlCol="0" anchor="ctr"/>
+          <a:lstStyle/>
+          <a:p>
+            <a:pPr algn="ctr"/>
+            <a:endParaRPr lang="en-US" dirty="0"/>
+          </a:p>
+        </p:txBody>
+      </p:sp>
+      <p:sp>
+        <p:nvSpPr>
+          <p:cNvPr id="10" name="Rectangle 9">
+            <a:extLst>
+              <a:ext uri="{FF2B5EF4-FFF2-40B4-BE49-F238E27FC236}">
+                <a16:creationId xmlns="" xmlns:a16="http://schemas.microsoft.com/office/drawing/2014/main" id="{F1F7FD00-BF97-4325-B7C2-E451F20840A7}"/>
+              </a:ext>
+              <a:ext uri="{C183D7F6-B498-43B3-948B-1728B52AA6E4}">
+                <adec:decorative xmlns="" xmlns:adec="http://schemas.microsoft.com/office/drawing/2017/decorative" val="1"/>
+              </a:ext>
+            </a:extLst>
+          </p:cNvPr>
+          <p:cNvSpPr>
+            <a:spLocks noGrp="1" noRot="1" noChangeAspect="1" noMove="1" noResize="1" noEditPoints="1" noAdjustHandles="1" noChangeArrowheads="1" noChangeShapeType="1" noTextEdit="1"/>
+          </p:cNvSpPr>
+          <p:nvPr>
+            <p:extLst>
+              <p:ext uri="{386F3935-93C4-4BCD-93E2-E3B085C9AB24}">
+                <p16:designElem xmlns="" xmlns:p16="http://schemas.microsoft.com/office/powerpoint/2015/main" val="1"/>
+              </p:ext>
+            </p:extLst>
+          </p:nvPr>
+        </p:nvSpPr>
+        <p:spPr>
+          <a:xfrm>
+            <a:off x="0" y="0"/>
+            <a:ext cx="12192000" cy="2306695"/>
+          </a:xfrm>
+          <a:prstGeom prst="rect">
+            <a:avLst/>
+          </a:prstGeom>
+          <a:solidFill>
+            <a:schemeClr val="tx2">
+              <a:lumMod val="50000"/>
+            </a:schemeClr>
+          </a:solidFill>
+          <a:ln>
+            <a:noFill/>
+          </a:ln>
+          <a:effectLst/>
+        </p:spPr>
+        <p:style>
+          <a:lnRef idx="1">
+            <a:schemeClr val="accent1"/>
+          </a:lnRef>
+          <a:fillRef idx="3">
+            <a:schemeClr val="accent1"/>
+          </a:fillRef>
+          <a:effectRef idx="2">
+            <a:schemeClr val="accent1"/>
+          </a:effectRef>
+          <a:fontRef idx="minor">
+            <a:schemeClr val="lt1"/>
+          </a:fontRef>
+        </p:style>
+      </p:sp>
+      <p:sp>
+        <p:nvSpPr>
+          <p:cNvPr id="2" name="Title 1">
+            <a:extLst>
+              <a:ext uri="{FF2B5EF4-FFF2-40B4-BE49-F238E27FC236}">
+                <a16:creationId xmlns="" xmlns:a16="http://schemas.microsoft.com/office/drawing/2014/main" id="{3B8A4B89-B2B3-4944-A853-1D91B1B61CA4}"/>
+              </a:ext>
+            </a:extLst>
+          </p:cNvPr>
+          <p:cNvSpPr>
+            <a:spLocks noGrp="1"/>
+          </p:cNvSpPr>
+          <p:nvPr>
+            <p:ph type="title"/>
+          </p:nvPr>
+        </p:nvSpPr>
+        <p:spPr>
+          <a:xfrm>
+            <a:off x="1843391" y="624110"/>
+            <a:ext cx="9383408" cy="1280890"/>
+          </a:xfrm>
+        </p:spPr>
+        <p:txBody>
+          <a:bodyPr>
+            <a:normAutofit/>
+          </a:bodyPr>
+          <a:lstStyle/>
+          <a:p>
+            <a:r>
+              <a:rPr lang="en-GB" b="1" dirty="0">
+                <a:solidFill>
+                  <a:srgbClr val="FFFFFF"/>
+                </a:solidFill>
+              </a:rPr>
+              <a:t>9</a:t>
+            </a:r>
+            <a:r>
+              <a:rPr lang="en-GB" b="1" dirty="0" smtClean="0">
+                <a:solidFill>
+                  <a:srgbClr val="FFFFFF"/>
+                </a:solidFill>
+              </a:rPr>
+              <a:t>. </a:t>
+            </a:r>
+            <a:r>
+              <a:rPr lang="en-GB" b="1" dirty="0">
+                <a:solidFill>
+                  <a:srgbClr val="FFFFFF"/>
+                </a:solidFill>
+              </a:rPr>
+              <a:t>EXISTING SYSTEM</a:t>
+            </a:r>
+            <a:endParaRPr lang="x-none" b="1" dirty="0">
+              <a:solidFill>
+                <a:srgbClr val="FFFFFF"/>
+              </a:solidFill>
+            </a:endParaRPr>
+          </a:p>
+        </p:txBody>
+      </p:sp>
+      <p:sp>
+        <p:nvSpPr>
+          <p:cNvPr id="12" name="Freeform 11">
+            <a:extLst>
+              <a:ext uri="{FF2B5EF4-FFF2-40B4-BE49-F238E27FC236}">
+                <a16:creationId xmlns="" xmlns:a16="http://schemas.microsoft.com/office/drawing/2014/main" id="{179B5294-DA4E-4926-B14A-DD6E07A12F67}"/>
+              </a:ext>
+              <a:ext uri="{C183D7F6-B498-43B3-948B-1728B52AA6E4}">
+                <adec:decorative xmlns="" xmlns:adec="http://schemas.microsoft.com/office/drawing/2017/decorative" val="1"/>
+              </a:ext>
+            </a:extLst>
+          </p:cNvPr>
+          <p:cNvSpPr>
+            <a:spLocks noGrp="1" noRot="1" noChangeAspect="1" noMove="1" noResize="1" noEditPoints="1" noAdjustHandles="1" noChangeArrowheads="1" noChangeShapeType="1" noTextEdit="1"/>
+          </p:cNvSpPr>
+          <p:nvPr>
+            <p:extLst>
+              <p:ext uri="{386F3935-93C4-4BCD-93E2-E3B085C9AB24}">
+                <p16:designElem xmlns="" xmlns:p16="http://schemas.microsoft.com/office/powerpoint/2015/main" val="1"/>
+              </p:ext>
+            </p:extLst>
+          </p:nvPr>
+        </p:nvSpPr>
+        <p:spPr bwMode="auto">
+          <a:xfrm flipV="1">
+            <a:off x="-4189" y="714375"/>
+            <a:ext cx="1588527" cy="507297"/>
+          </a:xfrm>
+          <a:custGeom>
+            <a:avLst/>
+            <a:gdLst/>
+            <a:ahLst/>
+            <a:cxnLst/>
+            <a:rect l="l" t="t" r="r" b="b"/>
+            <a:pathLst>
+              <a:path w="9248" h="10000">
+                <a:moveTo>
+                  <a:pt x="9248" y="4701"/>
+                </a:moveTo>
+                <a:lnTo>
+                  <a:pt x="7915" y="188"/>
+                </a:lnTo>
+                <a:cubicBezTo>
+                  <a:pt x="7906" y="156"/>
+                  <a:pt x="7895" y="126"/>
+                  <a:pt x="7886" y="94"/>
+                </a:cubicBezTo>
+                <a:cubicBezTo>
+                  <a:pt x="7859" y="0"/>
+                  <a:pt x="7831" y="0"/>
+                  <a:pt x="7803" y="0"/>
+                </a:cubicBezTo>
+                <a:lnTo>
+                  <a:pt x="7275" y="0"/>
+                </a:lnTo>
+                <a:lnTo>
+                  <a:pt x="0" y="70"/>
+                </a:lnTo>
+                <a:cubicBezTo>
+                  <a:pt x="8" y="3380"/>
+                  <a:pt x="17" y="6690"/>
+                  <a:pt x="25" y="10000"/>
+                </a:cubicBezTo>
+                <a:lnTo>
+                  <a:pt x="7275" y="9966"/>
+                </a:lnTo>
+                <a:lnTo>
+                  <a:pt x="7803" y="9966"/>
+                </a:lnTo>
+                <a:cubicBezTo>
+                  <a:pt x="7831" y="9966"/>
+                  <a:pt x="7859" y="9872"/>
+                  <a:pt x="7886" y="9872"/>
+                </a:cubicBezTo>
+                <a:cubicBezTo>
+                  <a:pt x="7886" y="9778"/>
+                  <a:pt x="7915" y="9778"/>
+                  <a:pt x="7915" y="9778"/>
+                </a:cubicBezTo>
+                <a:lnTo>
+                  <a:pt x="9248" y="5265"/>
+                </a:lnTo>
+                <a:cubicBezTo>
+                  <a:pt x="9303" y="5077"/>
+                  <a:pt x="9303" y="4889"/>
+                  <a:pt x="9248" y="4701"/>
+                </a:cubicBezTo>
+                <a:close/>
+              </a:path>
+            </a:pathLst>
+          </a:custGeom>
+          <a:solidFill>
+            <a:schemeClr val="accent1"/>
+          </a:solidFill>
+          <a:ln>
+            <a:noFill/>
+          </a:ln>
+        </p:spPr>
+      </p:sp>
+      <p:pic>
+        <p:nvPicPr>
+          <p:cNvPr id="11" name="Content Placeholder 6" descr="Capture.PNG"/>
+          <p:cNvPicPr>
+            <a:picLocks noGrp="1" noChangeAspect="1"/>
+          </p:cNvPicPr>
+          <p:nvPr>
+            <p:ph idx="1"/>
+          </p:nvPr>
+        </p:nvPicPr>
+        <p:blipFill>
+          <a:blip r:embed="rId2"/>
+          <a:stretch>
+            <a:fillRect/>
+          </a:stretch>
+        </p:blipFill>
+        <p:spPr>
+          <a:xfrm>
+            <a:off x="0" y="1308539"/>
+            <a:ext cx="12191999" cy="5549462"/>
+          </a:xfrm>
+        </p:spPr>
+      </p:pic>
+    </p:spTree>
+    <p:extLst>
+      <p:ext uri="{BB962C8B-B14F-4D97-AF65-F5344CB8AC3E}">
+        <p14:creationId xmlns="" xmlns:p14="http://schemas.microsoft.com/office/powerpoint/2010/main" val="890898475"/>
+      </p:ext>
+    </p:extLst>
+  </p:cSld>
+  <p:clrMapOvr>
+    <a:masterClrMapping/>
+  </p:clrMapOvr>
+  <p:transition spd="med">
+    <p:pull dir="d"/>
+  </p:transition>
+  <p:timing>
+    <p:tnLst>
+      <p:par>
+        <p:cTn id="1" dur="indefinite" restart="never" nodeType="tmRoot"/>
+      </p:par>
+    </p:tnLst>
+  </p:timing>
+</p:sld>
+</file>
+
+<file path=ppt/slides/slide16.xml><?xml version="1.0" encoding="utf-8"?>
+<p:sld xmlns:a="http://schemas.openxmlformats.org/drawingml/2006/main" xmlns:r="http://schemas.openxmlformats.org/officeDocument/2006/relationships" xmlns:p="http://schemas.openxmlformats.org/presentationml/2006/main">
+  <p:cSld>
+    <p:spTree>
+      <p:nvGrpSpPr>
+        <p:cNvPr id="1" name=""/>
+        <p:cNvGrpSpPr/>
+        <p:nvPr/>
+      </p:nvGrpSpPr>
+      <p:grpSpPr>
+        <a:xfrm>
+          <a:off x="0" y="0"/>
+          <a:ext cx="0" cy="0"/>
+          <a:chOff x="0" y="0"/>
+          <a:chExt cx="0" cy="0"/>
+        </a:xfrm>
+      </p:grpSpPr>
+      <p:sp useBgFill="1">
+        <p:nvSpPr>
+          <p:cNvPr id="8" name="Rectangle 7">
+            <a:extLst>
+              <a:ext uri="{FF2B5EF4-FFF2-40B4-BE49-F238E27FC236}">
+                <a16:creationId xmlns="" xmlns:a16="http://schemas.microsoft.com/office/drawing/2014/main" id="{3A3C2D7E-3F2E-404E-9B30-CB12DC972D50}"/>
+              </a:ext>
+              <a:ext uri="{C183D7F6-B498-43B3-948B-1728B52AA6E4}">
+                <adec:decorative xmlns="" xmlns:adec="http://schemas.microsoft.com/office/drawing/2017/decorative" val="1"/>
+              </a:ext>
+            </a:extLst>
+          </p:cNvPr>
+          <p:cNvSpPr>
+            <a:spLocks noGrp="1" noRot="1" noChangeAspect="1" noMove="1" noResize="1" noEditPoints="1" noAdjustHandles="1" noChangeArrowheads="1" noChangeShapeType="1" noTextEdit="1"/>
+          </p:cNvSpPr>
+          <p:nvPr>
+            <p:extLst>
+              <p:ext uri="{386F3935-93C4-4BCD-93E2-E3B085C9AB24}">
+                <p16:designElem xmlns="" xmlns:p16="http://schemas.microsoft.com/office/powerpoint/2015/main" val="1"/>
+              </p:ext>
+            </p:extLst>
+          </p:nvPr>
+        </p:nvSpPr>
+        <p:spPr>
+          <a:xfrm>
+            <a:off x="1" y="0"/>
+            <a:ext cx="12192000" cy="6858000"/>
+          </a:xfrm>
+          <a:prstGeom prst="rect">
+            <a:avLst/>
+          </a:prstGeom>
+          <a:ln>
+            <a:noFill/>
+          </a:ln>
+        </p:spPr>
+        <p:style>
+          <a:lnRef idx="2">
+            <a:schemeClr val="accent1">
+              <a:shade val="50000"/>
+            </a:schemeClr>
+          </a:lnRef>
+          <a:fillRef idx="1">
+            <a:schemeClr val="accent1"/>
+          </a:fillRef>
+          <a:effectRef idx="0">
+            <a:schemeClr val="accent1"/>
+          </a:effectRef>
+          <a:fontRef idx="minor">
+            <a:schemeClr val="lt1"/>
+          </a:fontRef>
+        </p:style>
+        <p:txBody>
+          <a:bodyPr rtlCol="0" anchor="ctr"/>
+          <a:lstStyle/>
+          <a:p>
+            <a:pPr algn="ctr"/>
+            <a:endParaRPr lang="en-US" dirty="0"/>
+          </a:p>
+        </p:txBody>
+      </p:sp>
+      <p:sp>
+        <p:nvSpPr>
+          <p:cNvPr id="10" name="Rectangle 9">
+            <a:extLst>
+              <a:ext uri="{FF2B5EF4-FFF2-40B4-BE49-F238E27FC236}">
+                <a16:creationId xmlns="" xmlns:a16="http://schemas.microsoft.com/office/drawing/2014/main" id="{F1F7FD00-BF97-4325-B7C2-E451F20840A7}"/>
+              </a:ext>
+              <a:ext uri="{C183D7F6-B498-43B3-948B-1728B52AA6E4}">
+                <adec:decorative xmlns="" xmlns:adec="http://schemas.microsoft.com/office/drawing/2017/decorative" val="1"/>
+              </a:ext>
+            </a:extLst>
+          </p:cNvPr>
+          <p:cNvSpPr>
+            <a:spLocks noGrp="1" noRot="1" noChangeAspect="1" noMove="1" noResize="1" noEditPoints="1" noAdjustHandles="1" noChangeArrowheads="1" noChangeShapeType="1" noTextEdit="1"/>
+          </p:cNvSpPr>
+          <p:nvPr>
+            <p:extLst>
+              <p:ext uri="{386F3935-93C4-4BCD-93E2-E3B085C9AB24}">
+                <p16:designElem xmlns="" xmlns:p16="http://schemas.microsoft.com/office/powerpoint/2015/main" val="1"/>
+              </p:ext>
+            </p:extLst>
+          </p:nvPr>
+        </p:nvSpPr>
+        <p:spPr>
+          <a:xfrm>
+            <a:off x="0" y="0"/>
+            <a:ext cx="12192000" cy="2306695"/>
+          </a:xfrm>
+          <a:prstGeom prst="rect">
+            <a:avLst/>
+          </a:prstGeom>
+          <a:solidFill>
+            <a:schemeClr val="tx2">
+              <a:lumMod val="50000"/>
+            </a:schemeClr>
+          </a:solidFill>
+          <a:ln>
+            <a:noFill/>
+          </a:ln>
+          <a:effectLst/>
+        </p:spPr>
+        <p:style>
+          <a:lnRef idx="1">
+            <a:schemeClr val="accent1"/>
+          </a:lnRef>
+          <a:fillRef idx="3">
+            <a:schemeClr val="accent1"/>
+          </a:fillRef>
+          <a:effectRef idx="2">
+            <a:schemeClr val="accent1"/>
+          </a:effectRef>
+          <a:fontRef idx="minor">
+            <a:schemeClr val="lt1"/>
+          </a:fontRef>
+        </p:style>
+      </p:sp>
+      <p:sp>
+        <p:nvSpPr>
+          <p:cNvPr id="2" name="Title 1">
+            <a:extLst>
+              <a:ext uri="{FF2B5EF4-FFF2-40B4-BE49-F238E27FC236}">
+                <a16:creationId xmlns="" xmlns:a16="http://schemas.microsoft.com/office/drawing/2014/main" id="{3B8A4B89-B2B3-4944-A853-1D91B1B61CA4}"/>
+              </a:ext>
+            </a:extLst>
+          </p:cNvPr>
+          <p:cNvSpPr>
+            <a:spLocks noGrp="1"/>
+          </p:cNvSpPr>
+          <p:nvPr>
+            <p:ph type="title"/>
+          </p:nvPr>
+        </p:nvSpPr>
+        <p:spPr>
+          <a:xfrm>
+            <a:off x="1843391" y="624110"/>
+            <a:ext cx="9383408" cy="1280890"/>
+          </a:xfrm>
+        </p:spPr>
+        <p:txBody>
+          <a:bodyPr>
+            <a:normAutofit/>
+          </a:bodyPr>
+          <a:lstStyle/>
+          <a:p>
+            <a:r>
+              <a:rPr lang="en-GB" b="1" dirty="0" smtClean="0">
+                <a:solidFill>
+                  <a:srgbClr val="FFFFFF"/>
+                </a:solidFill>
+              </a:rPr>
+              <a:t>10. DRAWBACKS OF EXISTING </a:t>
+            </a:r>
+            <a:r>
+              <a:rPr lang="en-GB" b="1" dirty="0">
+                <a:solidFill>
+                  <a:srgbClr val="FFFFFF"/>
+                </a:solidFill>
+              </a:rPr>
+              <a:t>SYSTEM</a:t>
+            </a:r>
+            <a:endParaRPr lang="x-none" b="1" dirty="0">
+              <a:solidFill>
+                <a:srgbClr val="FFFFFF"/>
+              </a:solidFill>
+            </a:endParaRPr>
+          </a:p>
+        </p:txBody>
+      </p:sp>
+      <p:sp>
+        <p:nvSpPr>
+          <p:cNvPr id="12" name="Freeform 11">
+            <a:extLst>
+              <a:ext uri="{FF2B5EF4-FFF2-40B4-BE49-F238E27FC236}">
+                <a16:creationId xmlns="" xmlns:a16="http://schemas.microsoft.com/office/drawing/2014/main" id="{179B5294-DA4E-4926-B14A-DD6E07A12F67}"/>
+              </a:ext>
+              <a:ext uri="{C183D7F6-B498-43B3-948B-1728B52AA6E4}">
+                <adec:decorative xmlns="" xmlns:adec="http://schemas.microsoft.com/office/drawing/2017/decorative" val="1"/>
+              </a:ext>
+            </a:extLst>
+          </p:cNvPr>
+          <p:cNvSpPr>
+            <a:spLocks noGrp="1" noRot="1" noChangeAspect="1" noMove="1" noResize="1" noEditPoints="1" noAdjustHandles="1" noChangeArrowheads="1" noChangeShapeType="1" noTextEdit="1"/>
+          </p:cNvSpPr>
+          <p:nvPr>
+            <p:extLst>
+              <p:ext uri="{386F3935-93C4-4BCD-93E2-E3B085C9AB24}">
+                <p16:designElem xmlns="" xmlns:p16="http://schemas.microsoft.com/office/powerpoint/2015/main" val="1"/>
+              </p:ext>
+            </p:extLst>
+          </p:nvPr>
+        </p:nvSpPr>
+        <p:spPr bwMode="auto">
+          <a:xfrm flipV="1">
+            <a:off x="-4189" y="714375"/>
+            <a:ext cx="1588527" cy="507297"/>
+          </a:xfrm>
+          <a:custGeom>
+            <a:avLst/>
+            <a:gdLst/>
+            <a:ahLst/>
+            <a:cxnLst/>
+            <a:rect l="l" t="t" r="r" b="b"/>
+            <a:pathLst>
+              <a:path w="9248" h="10000">
+                <a:moveTo>
+                  <a:pt x="9248" y="4701"/>
+                </a:moveTo>
+                <a:lnTo>
+                  <a:pt x="7915" y="188"/>
+                </a:lnTo>
+                <a:cubicBezTo>
+                  <a:pt x="7906" y="156"/>
+                  <a:pt x="7895" y="126"/>
+                  <a:pt x="7886" y="94"/>
+                </a:cubicBezTo>
+                <a:cubicBezTo>
+                  <a:pt x="7859" y="0"/>
+                  <a:pt x="7831" y="0"/>
+                  <a:pt x="7803" y="0"/>
+                </a:cubicBezTo>
+                <a:lnTo>
+                  <a:pt x="7275" y="0"/>
+                </a:lnTo>
+                <a:lnTo>
+                  <a:pt x="0" y="70"/>
+                </a:lnTo>
+                <a:cubicBezTo>
+                  <a:pt x="8" y="3380"/>
+                  <a:pt x="17" y="6690"/>
+                  <a:pt x="25" y="10000"/>
+                </a:cubicBezTo>
+                <a:lnTo>
+                  <a:pt x="7275" y="9966"/>
+                </a:lnTo>
+                <a:lnTo>
+                  <a:pt x="7803" y="9966"/>
+                </a:lnTo>
+                <a:cubicBezTo>
+                  <a:pt x="7831" y="9966"/>
+                  <a:pt x="7859" y="9872"/>
+                  <a:pt x="7886" y="9872"/>
+                </a:cubicBezTo>
+                <a:cubicBezTo>
+                  <a:pt x="7886" y="9778"/>
+                  <a:pt x="7915" y="9778"/>
+                  <a:pt x="7915" y="9778"/>
+                </a:cubicBezTo>
+                <a:lnTo>
+                  <a:pt x="9248" y="5265"/>
+                </a:lnTo>
+                <a:cubicBezTo>
+                  <a:pt x="9303" y="5077"/>
+                  <a:pt x="9303" y="4889"/>
+                  <a:pt x="9248" y="4701"/>
+                </a:cubicBezTo>
+                <a:close/>
+              </a:path>
+            </a:pathLst>
+          </a:custGeom>
+          <a:solidFill>
+            <a:schemeClr val="accent1"/>
+          </a:solidFill>
+          <a:ln>
+            <a:noFill/>
+          </a:ln>
+        </p:spPr>
+      </p:sp>
+      <p:graphicFrame>
+        <p:nvGraphicFramePr>
+          <p:cNvPr id="7" name="Content Placeholder 6"/>
+          <p:cNvGraphicFramePr>
+            <a:graphicFrameLocks noGrp="1"/>
+          </p:cNvGraphicFramePr>
+          <p:nvPr>
+            <p:ph idx="1"/>
+          </p:nvPr>
+        </p:nvGraphicFramePr>
+        <p:xfrm>
+          <a:off x="0" y="2336800"/>
+          <a:ext cx="12192000" cy="4271034"/>
+        </p:xfrm>
+        <a:graphic>
+          <a:graphicData uri="http://schemas.openxmlformats.org/drawingml/2006/diagram">
+            <dgm:relIds xmlns:dgm="http://schemas.openxmlformats.org/drawingml/2006/diagram" xmlns:r="http://schemas.openxmlformats.org/officeDocument/2006/relationships" r:dm="rId2" r:lo="rId3" r:qs="rId4" r:cs="rId5"/>
+          </a:graphicData>
+        </a:graphic>
+      </p:graphicFrame>
+    </p:spTree>
+    <p:extLst>
+      <p:ext uri="{BB962C8B-B14F-4D97-AF65-F5344CB8AC3E}">
+        <p14:creationId xmlns="" xmlns:p14="http://schemas.microsoft.com/office/powerpoint/2010/main" val="890898475"/>
+      </p:ext>
+    </p:extLst>
+  </p:cSld>
+  <p:clrMapOvr>
+    <a:masterClrMapping/>
+  </p:clrMapOvr>
+  <p:transition spd="med">
+    <p:pull dir="d"/>
+  </p:transition>
+  <p:timing>
+    <p:tnLst>
+      <p:par>
+        <p:cTn id="1" dur="indefinite" restart="never" nodeType="tmRoot"/>
+      </p:par>
+    </p:tnLst>
+  </p:timing>
+</p:sld>
+</file>
+
+<file path=ppt/slides/slide17.xml><?xml version="1.0" encoding="utf-8"?>
+<p:sld xmlns:a="http://schemas.openxmlformats.org/drawingml/2006/main" xmlns:r="http://schemas.openxmlformats.org/officeDocument/2006/relationships" xmlns:p="http://schemas.openxmlformats.org/presentationml/2006/main">
+  <p:cSld>
+    <p:bg>
+      <p:bgPr>
+        <a:gradFill rotWithShape="1">
+          <a:gsLst>
+            <a:gs pos="0">
+              <a:schemeClr val="bg2">
+                <a:tint val="90000"/>
+                <a:satMod val="92000"/>
+                <a:lumMod val="120000"/>
+              </a:schemeClr>
+            </a:gs>
+            <a:gs pos="100000">
+              <a:schemeClr val="bg2">
+                <a:shade val="98000"/>
+                <a:satMod val="120000"/>
+                <a:lumMod val="98000"/>
+              </a:schemeClr>
+            </a:gs>
+          </a:gsLst>
+          <a:path path="circle">
+            <a:fillToRect l="50000" t="50000" r="100000" b="100000"/>
+          </a:path>
+        </a:gradFill>
+        <a:effectLst/>
+      </p:bgPr>
+    </p:bg>
     <p:spTree>
       <p:nvGrpSpPr>
         <p:cNvPr id="1" name=""/>
@@ -38734,7 +39837,7 @@
           <p:cNvPr id="2" name="Title 1">
             <a:extLst>
               <a:ext uri="{FF2B5EF4-FFF2-40B4-BE49-F238E27FC236}">
-                <a16:creationId xmlns:a16="http://schemas.microsoft.com/office/drawing/2014/main" xmlns="" id="{938C7F7E-8CB2-47D8-95C9-439ED4C84A5C}"/>
+                <a16:creationId xmlns:a16="http://schemas.microsoft.com/office/drawing/2014/main" xmlns="" id="{C60221F0-E61F-4AD3-B683-685CA8D02591}"/>
               </a:ext>
             </a:extLst>
           </p:cNvPr>
@@ -38745,12 +39848,7 @@
             <p:ph type="title"/>
           </p:nvPr>
         </p:nvSpPr>
-        <p:spPr>
-          <a:xfrm>
-            <a:off x="1843391" y="624110"/>
-            <a:ext cx="9383408" cy="1280890"/>
-          </a:xfrm>
-        </p:spPr>
+        <p:spPr/>
         <p:txBody>
           <a:bodyPr>
             <a:normAutofit/>
@@ -38763,7 +39861,7 @@
                   <a:srgbClr val="FFFFFF"/>
                 </a:solidFill>
               </a:rPr>
-              <a:t>7. </a:t>
+              <a:t>11. </a:t>
             </a:r>
             <a:r>
               <a:rPr lang="en-GB" b="1" dirty="0">
@@ -38771,13 +39869,73 @@
                   <a:srgbClr val="FFFFFF"/>
                 </a:solidFill>
               </a:rPr>
-              <a:t>TARGET AUDIENCE </a:t>
+              <a:t>PROPOSED SYSTEM</a:t>
             </a:r>
-            <a:endParaRPr lang="x-none" b="1" dirty="0">
+            <a:endParaRPr lang="x-none" b="1">
               <a:solidFill>
                 <a:srgbClr val="FFFFFF"/>
               </a:solidFill>
             </a:endParaRPr>
+          </a:p>
+        </p:txBody>
+      </p:sp>
+      <p:sp>
+        <p:nvSpPr>
+          <p:cNvPr id="3" name="Content Placeholder 2">
+            <a:extLst>
+              <a:ext uri="{FF2B5EF4-FFF2-40B4-BE49-F238E27FC236}">
+                <a16:creationId xmlns:a16="http://schemas.microsoft.com/office/drawing/2014/main" xmlns="" id="{66B44562-E5EF-4950-B1F8-A0575CB9B0D8}"/>
+              </a:ext>
+            </a:extLst>
+          </p:cNvPr>
+          <p:cNvSpPr>
+            <a:spLocks noGrp="1"/>
+          </p:cNvSpPr>
+          <p:nvPr>
+            <p:ph sz="half" idx="1"/>
+          </p:nvPr>
+        </p:nvSpPr>
+        <p:spPr>
+          <a:xfrm>
+            <a:off x="1091488" y="2506716"/>
+            <a:ext cx="4313864" cy="3941379"/>
+          </a:xfrm>
+        </p:spPr>
+        <p:txBody>
+          <a:bodyPr>
+            <a:normAutofit/>
+          </a:bodyPr>
+          <a:lstStyle/>
+          <a:p>
+            <a:r>
+              <a:rPr lang="en-US" sz="2400" dirty="0" smtClean="0"/>
+              <a:t> Project Idea</a:t>
+            </a:r>
+          </a:p>
+          <a:p>
+            <a:r>
+              <a:rPr lang="en-US" sz="2400" dirty="0" smtClean="0"/>
+              <a:t> Develop a unity based desktop application</a:t>
+            </a:r>
+          </a:p>
+          <a:p>
+            <a:r>
+              <a:rPr lang="en-US" sz="2400" dirty="0" smtClean="0"/>
+              <a:t> Use python scripts for image processing</a:t>
+            </a:r>
+          </a:p>
+          <a:p>
+            <a:r>
+              <a:rPr lang="en-US" sz="2400" dirty="0" smtClean="0"/>
+              <a:t> Innovation factor</a:t>
+            </a:r>
+          </a:p>
+          <a:p>
+            <a:r>
+              <a:rPr lang="en-US" sz="2400" dirty="0" smtClean="0"/>
+              <a:t> Features </a:t>
+            </a:r>
+            <a:endParaRPr lang="x-none" sz="2400"/>
           </a:p>
         </p:txBody>
       </p:sp>
@@ -38882,17 +40040,17 @@
       </p:sp>
       <p:graphicFrame>
         <p:nvGraphicFramePr>
-          <p:cNvPr id="7" name="Content Placeholder 6"/>
+          <p:cNvPr id="15" name="Content Placeholder 14"/>
           <p:cNvGraphicFramePr>
             <a:graphicFrameLocks noGrp="1"/>
           </p:cNvGraphicFramePr>
           <p:nvPr>
-            <p:ph idx="1"/>
+            <p:ph sz="half" idx="2"/>
           </p:nvPr>
         </p:nvGraphicFramePr>
         <p:xfrm>
-          <a:off x="348342" y="2410623"/>
-          <a:ext cx="11292113" cy="4223657"/>
+          <a:off x="6526924" y="2837792"/>
+          <a:ext cx="4977689" cy="2908465"/>
         </p:xfrm>
         <a:graphic>
           <a:graphicData uri="http://schemas.openxmlformats.org/drawingml/2006/diagram">
@@ -38903,7 +40061,7 @@
     </p:spTree>
     <p:extLst>
       <p:ext uri="{BB962C8B-B14F-4D97-AF65-F5344CB8AC3E}">
-        <p14:creationId xmlns:p14="http://schemas.microsoft.com/office/powerpoint/2010/main" xmlns="" val="245502956"/>
+        <p14:creationId xmlns="" xmlns:p14="http://schemas.microsoft.com/office/powerpoint/2010/main" val="3389632859"/>
       </p:ext>
     </p:extLst>
   </p:cSld>
@@ -38923,1035 +40081,9 @@
 </p:sld>
 </file>
 
-<file path=ppt/slides/slide14.xml><?xml version="1.0" encoding="utf-8"?>
+<file path=ppt/slides/slide18.xml><?xml version="1.0" encoding="utf-8"?>
 <p:sld xmlns:a="http://schemas.openxmlformats.org/drawingml/2006/main" xmlns:r="http://schemas.openxmlformats.org/officeDocument/2006/relationships" xmlns:p="http://schemas.openxmlformats.org/presentationml/2006/main">
   <p:cSld>
-    <p:spTree>
-      <p:nvGrpSpPr>
-        <p:cNvPr id="1" name=""/>
-        <p:cNvGrpSpPr/>
-        <p:nvPr/>
-      </p:nvGrpSpPr>
-      <p:grpSpPr>
-        <a:xfrm>
-          <a:off x="0" y="0"/>
-          <a:ext cx="0" cy="0"/>
-          <a:chOff x="0" y="0"/>
-          <a:chExt cx="0" cy="0"/>
-        </a:xfrm>
-      </p:grpSpPr>
-      <p:sp useBgFill="1">
-        <p:nvSpPr>
-          <p:cNvPr id="8" name="Rectangle 7">
-            <a:extLst>
-              <a:ext uri="{FF2B5EF4-FFF2-40B4-BE49-F238E27FC236}">
-                <a16:creationId xmlns:a16="http://schemas.microsoft.com/office/drawing/2014/main" xmlns="" id="{3A3C2D7E-3F2E-404E-9B30-CB12DC972D50}"/>
-              </a:ext>
-              <a:ext uri="{C183D7F6-B498-43B3-948B-1728B52AA6E4}">
-                <adec:decorative xmlns:adec="http://schemas.microsoft.com/office/drawing/2017/decorative" xmlns="" val="1"/>
-              </a:ext>
-            </a:extLst>
-          </p:cNvPr>
-          <p:cNvSpPr>
-            <a:spLocks noGrp="1" noRot="1" noChangeAspect="1" noMove="1" noResize="1" noEditPoints="1" noAdjustHandles="1" noChangeArrowheads="1" noChangeShapeType="1" noTextEdit="1"/>
-          </p:cNvSpPr>
-          <p:nvPr>
-            <p:extLst>
-              <p:ext uri="{386F3935-93C4-4BCD-93E2-E3B085C9AB24}">
-                <p16:designElem xmlns:p16="http://schemas.microsoft.com/office/powerpoint/2015/main" xmlns="" val="1"/>
-              </p:ext>
-            </p:extLst>
-          </p:nvPr>
-        </p:nvSpPr>
-        <p:spPr>
-          <a:xfrm>
-            <a:off x="1" y="0"/>
-            <a:ext cx="12192000" cy="6858000"/>
-          </a:xfrm>
-          <a:prstGeom prst="rect">
-            <a:avLst/>
-          </a:prstGeom>
-          <a:ln>
-            <a:noFill/>
-          </a:ln>
-        </p:spPr>
-        <p:style>
-          <a:lnRef idx="2">
-            <a:schemeClr val="accent1">
-              <a:shade val="50000"/>
-            </a:schemeClr>
-          </a:lnRef>
-          <a:fillRef idx="1">
-            <a:schemeClr val="accent1"/>
-          </a:fillRef>
-          <a:effectRef idx="0">
-            <a:schemeClr val="accent1"/>
-          </a:effectRef>
-          <a:fontRef idx="minor">
-            <a:schemeClr val="lt1"/>
-          </a:fontRef>
-        </p:style>
-        <p:txBody>
-          <a:bodyPr rtlCol="0" anchor="ctr"/>
-          <a:lstStyle/>
-          <a:p>
-            <a:pPr algn="ctr"/>
-            <a:endParaRPr lang="en-US" dirty="0"/>
-          </a:p>
-        </p:txBody>
-      </p:sp>
-      <p:sp>
-        <p:nvSpPr>
-          <p:cNvPr id="10" name="Rectangle 9">
-            <a:extLst>
-              <a:ext uri="{FF2B5EF4-FFF2-40B4-BE49-F238E27FC236}">
-                <a16:creationId xmlns:a16="http://schemas.microsoft.com/office/drawing/2014/main" xmlns="" id="{F1F7FD00-BF97-4325-B7C2-E451F20840A7}"/>
-              </a:ext>
-              <a:ext uri="{C183D7F6-B498-43B3-948B-1728B52AA6E4}">
-                <adec:decorative xmlns:adec="http://schemas.microsoft.com/office/drawing/2017/decorative" xmlns="" val="1"/>
-              </a:ext>
-            </a:extLst>
-          </p:cNvPr>
-          <p:cNvSpPr>
-            <a:spLocks noGrp="1" noRot="1" noChangeAspect="1" noMove="1" noResize="1" noEditPoints="1" noAdjustHandles="1" noChangeArrowheads="1" noChangeShapeType="1" noTextEdit="1"/>
-          </p:cNvSpPr>
-          <p:nvPr>
-            <p:extLst>
-              <p:ext uri="{386F3935-93C4-4BCD-93E2-E3B085C9AB24}">
-                <p16:designElem xmlns:p16="http://schemas.microsoft.com/office/powerpoint/2015/main" xmlns="" val="1"/>
-              </p:ext>
-            </p:extLst>
-          </p:nvPr>
-        </p:nvSpPr>
-        <p:spPr>
-          <a:xfrm>
-            <a:off x="0" y="0"/>
-            <a:ext cx="12192000" cy="2306695"/>
-          </a:xfrm>
-          <a:prstGeom prst="rect">
-            <a:avLst/>
-          </a:prstGeom>
-          <a:solidFill>
-            <a:schemeClr val="tx2">
-              <a:lumMod val="50000"/>
-            </a:schemeClr>
-          </a:solidFill>
-          <a:ln>
-            <a:noFill/>
-          </a:ln>
-          <a:effectLst/>
-        </p:spPr>
-        <p:style>
-          <a:lnRef idx="1">
-            <a:schemeClr val="accent1"/>
-          </a:lnRef>
-          <a:fillRef idx="3">
-            <a:schemeClr val="accent1"/>
-          </a:fillRef>
-          <a:effectRef idx="2">
-            <a:schemeClr val="accent1"/>
-          </a:effectRef>
-          <a:fontRef idx="minor">
-            <a:schemeClr val="lt1"/>
-          </a:fontRef>
-        </p:style>
-      </p:sp>
-      <p:sp>
-        <p:nvSpPr>
-          <p:cNvPr id="2" name="Title 1">
-            <a:extLst>
-              <a:ext uri="{FF2B5EF4-FFF2-40B4-BE49-F238E27FC236}">
-                <a16:creationId xmlns:a16="http://schemas.microsoft.com/office/drawing/2014/main" xmlns="" id="{3B8A4B89-B2B3-4944-A853-1D91B1B61CA4}"/>
-              </a:ext>
-            </a:extLst>
-          </p:cNvPr>
-          <p:cNvSpPr>
-            <a:spLocks noGrp="1"/>
-          </p:cNvSpPr>
-          <p:nvPr>
-            <p:ph type="title"/>
-          </p:nvPr>
-        </p:nvSpPr>
-        <p:spPr>
-          <a:xfrm>
-            <a:off x="1843391" y="624110"/>
-            <a:ext cx="9383408" cy="1280890"/>
-          </a:xfrm>
-        </p:spPr>
-        <p:txBody>
-          <a:bodyPr>
-            <a:normAutofit/>
-          </a:bodyPr>
-          <a:lstStyle/>
-          <a:p>
-            <a:r>
-              <a:rPr lang="en-GB" b="1" dirty="0">
-                <a:solidFill>
-                  <a:srgbClr val="FFFFFF"/>
-                </a:solidFill>
-              </a:rPr>
-              <a:t>8</a:t>
-            </a:r>
-            <a:r>
-              <a:rPr lang="en-GB" b="1" dirty="0" smtClean="0">
-                <a:solidFill>
-                  <a:srgbClr val="FFFFFF"/>
-                </a:solidFill>
-              </a:rPr>
-              <a:t>. </a:t>
-            </a:r>
-            <a:r>
-              <a:rPr lang="en-GB" b="1" dirty="0">
-                <a:solidFill>
-                  <a:srgbClr val="FFFFFF"/>
-                </a:solidFill>
-              </a:rPr>
-              <a:t>EXISTING SYSTEM</a:t>
-            </a:r>
-            <a:endParaRPr lang="x-none" b="1" dirty="0">
-              <a:solidFill>
-                <a:srgbClr val="FFFFFF"/>
-              </a:solidFill>
-            </a:endParaRPr>
-          </a:p>
-        </p:txBody>
-      </p:sp>
-      <p:sp>
-        <p:nvSpPr>
-          <p:cNvPr id="12" name="Freeform 11">
-            <a:extLst>
-              <a:ext uri="{FF2B5EF4-FFF2-40B4-BE49-F238E27FC236}">
-                <a16:creationId xmlns:a16="http://schemas.microsoft.com/office/drawing/2014/main" xmlns="" id="{179B5294-DA4E-4926-B14A-DD6E07A12F67}"/>
-              </a:ext>
-              <a:ext uri="{C183D7F6-B498-43B3-948B-1728B52AA6E4}">
-                <adec:decorative xmlns:adec="http://schemas.microsoft.com/office/drawing/2017/decorative" xmlns="" val="1"/>
-              </a:ext>
-            </a:extLst>
-          </p:cNvPr>
-          <p:cNvSpPr>
-            <a:spLocks noGrp="1" noRot="1" noChangeAspect="1" noMove="1" noResize="1" noEditPoints="1" noAdjustHandles="1" noChangeArrowheads="1" noChangeShapeType="1" noTextEdit="1"/>
-          </p:cNvSpPr>
-          <p:nvPr>
-            <p:extLst>
-              <p:ext uri="{386F3935-93C4-4BCD-93E2-E3B085C9AB24}">
-                <p16:designElem xmlns:p16="http://schemas.microsoft.com/office/powerpoint/2015/main" xmlns="" val="1"/>
-              </p:ext>
-            </p:extLst>
-          </p:nvPr>
-        </p:nvSpPr>
-        <p:spPr bwMode="auto">
-          <a:xfrm flipV="1">
-            <a:off x="-4189" y="714375"/>
-            <a:ext cx="1588527" cy="507297"/>
-          </a:xfrm>
-          <a:custGeom>
-            <a:avLst/>
-            <a:gdLst/>
-            <a:ahLst/>
-            <a:cxnLst/>
-            <a:rect l="l" t="t" r="r" b="b"/>
-            <a:pathLst>
-              <a:path w="9248" h="10000">
-                <a:moveTo>
-                  <a:pt x="9248" y="4701"/>
-                </a:moveTo>
-                <a:lnTo>
-                  <a:pt x="7915" y="188"/>
-                </a:lnTo>
-                <a:cubicBezTo>
-                  <a:pt x="7906" y="156"/>
-                  <a:pt x="7895" y="126"/>
-                  <a:pt x="7886" y="94"/>
-                </a:cubicBezTo>
-                <a:cubicBezTo>
-                  <a:pt x="7859" y="0"/>
-                  <a:pt x="7831" y="0"/>
-                  <a:pt x="7803" y="0"/>
-                </a:cubicBezTo>
-                <a:lnTo>
-                  <a:pt x="7275" y="0"/>
-                </a:lnTo>
-                <a:lnTo>
-                  <a:pt x="0" y="70"/>
-                </a:lnTo>
-                <a:cubicBezTo>
-                  <a:pt x="8" y="3380"/>
-                  <a:pt x="17" y="6690"/>
-                  <a:pt x="25" y="10000"/>
-                </a:cubicBezTo>
-                <a:lnTo>
-                  <a:pt x="7275" y="9966"/>
-                </a:lnTo>
-                <a:lnTo>
-                  <a:pt x="7803" y="9966"/>
-                </a:lnTo>
-                <a:cubicBezTo>
-                  <a:pt x="7831" y="9966"/>
-                  <a:pt x="7859" y="9872"/>
-                  <a:pt x="7886" y="9872"/>
-                </a:cubicBezTo>
-                <a:cubicBezTo>
-                  <a:pt x="7886" y="9778"/>
-                  <a:pt x="7915" y="9778"/>
-                  <a:pt x="7915" y="9778"/>
-                </a:cubicBezTo>
-                <a:lnTo>
-                  <a:pt x="9248" y="5265"/>
-                </a:lnTo>
-                <a:cubicBezTo>
-                  <a:pt x="9303" y="5077"/>
-                  <a:pt x="9303" y="4889"/>
-                  <a:pt x="9248" y="4701"/>
-                </a:cubicBezTo>
-                <a:close/>
-              </a:path>
-            </a:pathLst>
-          </a:custGeom>
-          <a:solidFill>
-            <a:schemeClr val="accent1"/>
-          </a:solidFill>
-          <a:ln>
-            <a:noFill/>
-          </a:ln>
-        </p:spPr>
-      </p:sp>
-      <p:graphicFrame>
-        <p:nvGraphicFramePr>
-          <p:cNvPr id="9" name="Content Placeholder 8"/>
-          <p:cNvGraphicFramePr>
-            <a:graphicFrameLocks noGrp="1"/>
-          </p:cNvGraphicFramePr>
-          <p:nvPr>
-            <p:ph idx="1"/>
-          </p:nvPr>
-        </p:nvGraphicFramePr>
-        <p:xfrm>
-          <a:off x="3060701" y="2587925"/>
-          <a:ext cx="5486399" cy="3881885"/>
-        </p:xfrm>
-        <a:graphic>
-          <a:graphicData uri="http://schemas.openxmlformats.org/drawingml/2006/diagram">
-            <dgm:relIds xmlns:dgm="http://schemas.openxmlformats.org/drawingml/2006/diagram" xmlns:r="http://schemas.openxmlformats.org/officeDocument/2006/relationships" r:dm="rId2" r:lo="rId3" r:qs="rId4" r:cs="rId5"/>
-          </a:graphicData>
-        </a:graphic>
-      </p:graphicFrame>
-    </p:spTree>
-    <p:extLst>
-      <p:ext uri="{BB962C8B-B14F-4D97-AF65-F5344CB8AC3E}">
-        <p14:creationId xmlns:p14="http://schemas.microsoft.com/office/powerpoint/2010/main" xmlns="" val="890898475"/>
-      </p:ext>
-    </p:extLst>
-  </p:cSld>
-  <p:clrMapOvr>
-    <a:masterClrMapping/>
-  </p:clrMapOvr>
-  <p:transition spd="med">
-    <p:pull dir="d"/>
-  </p:transition>
-  <p:timing>
-    <p:tnLst>
-      <p:par>
-        <p:cTn id="1" dur="indefinite" restart="never" nodeType="tmRoot"/>
-      </p:par>
-    </p:tnLst>
-  </p:timing>
-</p:sld>
-</file>
-
-<file path=ppt/slides/slide15.xml><?xml version="1.0" encoding="utf-8"?>
-<p:sld xmlns:a="http://schemas.openxmlformats.org/drawingml/2006/main" xmlns:r="http://schemas.openxmlformats.org/officeDocument/2006/relationships" xmlns:p="http://schemas.openxmlformats.org/presentationml/2006/main">
-  <p:cSld>
-    <p:spTree>
-      <p:nvGrpSpPr>
-        <p:cNvPr id="1" name=""/>
-        <p:cNvGrpSpPr/>
-        <p:nvPr/>
-      </p:nvGrpSpPr>
-      <p:grpSpPr>
-        <a:xfrm>
-          <a:off x="0" y="0"/>
-          <a:ext cx="0" cy="0"/>
-          <a:chOff x="0" y="0"/>
-          <a:chExt cx="0" cy="0"/>
-        </a:xfrm>
-      </p:grpSpPr>
-      <p:sp useBgFill="1">
-        <p:nvSpPr>
-          <p:cNvPr id="8" name="Rectangle 7">
-            <a:extLst>
-              <a:ext uri="{FF2B5EF4-FFF2-40B4-BE49-F238E27FC236}">
-                <a16:creationId xmlns:a16="http://schemas.microsoft.com/office/drawing/2014/main" xmlns="" id="{3A3C2D7E-3F2E-404E-9B30-CB12DC972D50}"/>
-              </a:ext>
-              <a:ext uri="{C183D7F6-B498-43B3-948B-1728B52AA6E4}">
-                <adec:decorative xmlns:adec="http://schemas.microsoft.com/office/drawing/2017/decorative" xmlns="" val="1"/>
-              </a:ext>
-            </a:extLst>
-          </p:cNvPr>
-          <p:cNvSpPr>
-            <a:spLocks noGrp="1" noRot="1" noChangeAspect="1" noMove="1" noResize="1" noEditPoints="1" noAdjustHandles="1" noChangeArrowheads="1" noChangeShapeType="1" noTextEdit="1"/>
-          </p:cNvSpPr>
-          <p:nvPr>
-            <p:extLst>
-              <p:ext uri="{386F3935-93C4-4BCD-93E2-E3B085C9AB24}">
-                <p16:designElem xmlns:p16="http://schemas.microsoft.com/office/powerpoint/2015/main" xmlns="" val="1"/>
-              </p:ext>
-            </p:extLst>
-          </p:nvPr>
-        </p:nvSpPr>
-        <p:spPr>
-          <a:xfrm>
-            <a:off x="1" y="0"/>
-            <a:ext cx="12192000" cy="6858000"/>
-          </a:xfrm>
-          <a:prstGeom prst="rect">
-            <a:avLst/>
-          </a:prstGeom>
-          <a:ln>
-            <a:noFill/>
-          </a:ln>
-        </p:spPr>
-        <p:style>
-          <a:lnRef idx="2">
-            <a:schemeClr val="accent1">
-              <a:shade val="50000"/>
-            </a:schemeClr>
-          </a:lnRef>
-          <a:fillRef idx="1">
-            <a:schemeClr val="accent1"/>
-          </a:fillRef>
-          <a:effectRef idx="0">
-            <a:schemeClr val="accent1"/>
-          </a:effectRef>
-          <a:fontRef idx="minor">
-            <a:schemeClr val="lt1"/>
-          </a:fontRef>
-        </p:style>
-        <p:txBody>
-          <a:bodyPr rtlCol="0" anchor="ctr"/>
-          <a:lstStyle/>
-          <a:p>
-            <a:pPr algn="ctr"/>
-            <a:endParaRPr lang="en-US" dirty="0"/>
-          </a:p>
-        </p:txBody>
-      </p:sp>
-      <p:sp>
-        <p:nvSpPr>
-          <p:cNvPr id="10" name="Rectangle 9">
-            <a:extLst>
-              <a:ext uri="{FF2B5EF4-FFF2-40B4-BE49-F238E27FC236}">
-                <a16:creationId xmlns:a16="http://schemas.microsoft.com/office/drawing/2014/main" xmlns="" id="{F1F7FD00-BF97-4325-B7C2-E451F20840A7}"/>
-              </a:ext>
-              <a:ext uri="{C183D7F6-B498-43B3-948B-1728B52AA6E4}">
-                <adec:decorative xmlns:adec="http://schemas.microsoft.com/office/drawing/2017/decorative" xmlns="" val="1"/>
-              </a:ext>
-            </a:extLst>
-          </p:cNvPr>
-          <p:cNvSpPr>
-            <a:spLocks noGrp="1" noRot="1" noChangeAspect="1" noMove="1" noResize="1" noEditPoints="1" noAdjustHandles="1" noChangeArrowheads="1" noChangeShapeType="1" noTextEdit="1"/>
-          </p:cNvSpPr>
-          <p:nvPr>
-            <p:extLst>
-              <p:ext uri="{386F3935-93C4-4BCD-93E2-E3B085C9AB24}">
-                <p16:designElem xmlns:p16="http://schemas.microsoft.com/office/powerpoint/2015/main" xmlns="" val="1"/>
-              </p:ext>
-            </p:extLst>
-          </p:nvPr>
-        </p:nvSpPr>
-        <p:spPr>
-          <a:xfrm>
-            <a:off x="0" y="0"/>
-            <a:ext cx="12192000" cy="2306695"/>
-          </a:xfrm>
-          <a:prstGeom prst="rect">
-            <a:avLst/>
-          </a:prstGeom>
-          <a:solidFill>
-            <a:schemeClr val="tx2">
-              <a:lumMod val="50000"/>
-            </a:schemeClr>
-          </a:solidFill>
-          <a:ln>
-            <a:noFill/>
-          </a:ln>
-          <a:effectLst/>
-        </p:spPr>
-        <p:style>
-          <a:lnRef idx="1">
-            <a:schemeClr val="accent1"/>
-          </a:lnRef>
-          <a:fillRef idx="3">
-            <a:schemeClr val="accent1"/>
-          </a:fillRef>
-          <a:effectRef idx="2">
-            <a:schemeClr val="accent1"/>
-          </a:effectRef>
-          <a:fontRef idx="minor">
-            <a:schemeClr val="lt1"/>
-          </a:fontRef>
-        </p:style>
-      </p:sp>
-      <p:sp>
-        <p:nvSpPr>
-          <p:cNvPr id="2" name="Title 1">
-            <a:extLst>
-              <a:ext uri="{FF2B5EF4-FFF2-40B4-BE49-F238E27FC236}">
-                <a16:creationId xmlns:a16="http://schemas.microsoft.com/office/drawing/2014/main" xmlns="" id="{3B8A4B89-B2B3-4944-A853-1D91B1B61CA4}"/>
-              </a:ext>
-            </a:extLst>
-          </p:cNvPr>
-          <p:cNvSpPr>
-            <a:spLocks noGrp="1"/>
-          </p:cNvSpPr>
-          <p:nvPr>
-            <p:ph type="title"/>
-          </p:nvPr>
-        </p:nvSpPr>
-        <p:spPr>
-          <a:xfrm>
-            <a:off x="1843391" y="624110"/>
-            <a:ext cx="9383408" cy="1280890"/>
-          </a:xfrm>
-        </p:spPr>
-        <p:txBody>
-          <a:bodyPr>
-            <a:normAutofit/>
-          </a:bodyPr>
-          <a:lstStyle/>
-          <a:p>
-            <a:r>
-              <a:rPr lang="en-GB" b="1" dirty="0">
-                <a:solidFill>
-                  <a:srgbClr val="FFFFFF"/>
-                </a:solidFill>
-              </a:rPr>
-              <a:t>9</a:t>
-            </a:r>
-            <a:r>
-              <a:rPr lang="en-GB" b="1" dirty="0" smtClean="0">
-                <a:solidFill>
-                  <a:srgbClr val="FFFFFF"/>
-                </a:solidFill>
-              </a:rPr>
-              <a:t>. </a:t>
-            </a:r>
-            <a:r>
-              <a:rPr lang="en-GB" b="1" dirty="0">
-                <a:solidFill>
-                  <a:srgbClr val="FFFFFF"/>
-                </a:solidFill>
-              </a:rPr>
-              <a:t>EXISTING SYSTEM</a:t>
-            </a:r>
-            <a:endParaRPr lang="x-none" b="1" dirty="0">
-              <a:solidFill>
-                <a:srgbClr val="FFFFFF"/>
-              </a:solidFill>
-            </a:endParaRPr>
-          </a:p>
-        </p:txBody>
-      </p:sp>
-      <p:sp>
-        <p:nvSpPr>
-          <p:cNvPr id="12" name="Freeform 11">
-            <a:extLst>
-              <a:ext uri="{FF2B5EF4-FFF2-40B4-BE49-F238E27FC236}">
-                <a16:creationId xmlns:a16="http://schemas.microsoft.com/office/drawing/2014/main" xmlns="" id="{179B5294-DA4E-4926-B14A-DD6E07A12F67}"/>
-              </a:ext>
-              <a:ext uri="{C183D7F6-B498-43B3-948B-1728B52AA6E4}">
-                <adec:decorative xmlns:adec="http://schemas.microsoft.com/office/drawing/2017/decorative" xmlns="" val="1"/>
-              </a:ext>
-            </a:extLst>
-          </p:cNvPr>
-          <p:cNvSpPr>
-            <a:spLocks noGrp="1" noRot="1" noChangeAspect="1" noMove="1" noResize="1" noEditPoints="1" noAdjustHandles="1" noChangeArrowheads="1" noChangeShapeType="1" noTextEdit="1"/>
-          </p:cNvSpPr>
-          <p:nvPr>
-            <p:extLst>
-              <p:ext uri="{386F3935-93C4-4BCD-93E2-E3B085C9AB24}">
-                <p16:designElem xmlns:p16="http://schemas.microsoft.com/office/powerpoint/2015/main" xmlns="" val="1"/>
-              </p:ext>
-            </p:extLst>
-          </p:nvPr>
-        </p:nvSpPr>
-        <p:spPr bwMode="auto">
-          <a:xfrm flipV="1">
-            <a:off x="-4189" y="714375"/>
-            <a:ext cx="1588527" cy="507297"/>
-          </a:xfrm>
-          <a:custGeom>
-            <a:avLst/>
-            <a:gdLst/>
-            <a:ahLst/>
-            <a:cxnLst/>
-            <a:rect l="l" t="t" r="r" b="b"/>
-            <a:pathLst>
-              <a:path w="9248" h="10000">
-                <a:moveTo>
-                  <a:pt x="9248" y="4701"/>
-                </a:moveTo>
-                <a:lnTo>
-                  <a:pt x="7915" y="188"/>
-                </a:lnTo>
-                <a:cubicBezTo>
-                  <a:pt x="7906" y="156"/>
-                  <a:pt x="7895" y="126"/>
-                  <a:pt x="7886" y="94"/>
-                </a:cubicBezTo>
-                <a:cubicBezTo>
-                  <a:pt x="7859" y="0"/>
-                  <a:pt x="7831" y="0"/>
-                  <a:pt x="7803" y="0"/>
-                </a:cubicBezTo>
-                <a:lnTo>
-                  <a:pt x="7275" y="0"/>
-                </a:lnTo>
-                <a:lnTo>
-                  <a:pt x="0" y="70"/>
-                </a:lnTo>
-                <a:cubicBezTo>
-                  <a:pt x="8" y="3380"/>
-                  <a:pt x="17" y="6690"/>
-                  <a:pt x="25" y="10000"/>
-                </a:cubicBezTo>
-                <a:lnTo>
-                  <a:pt x="7275" y="9966"/>
-                </a:lnTo>
-                <a:lnTo>
-                  <a:pt x="7803" y="9966"/>
-                </a:lnTo>
-                <a:cubicBezTo>
-                  <a:pt x="7831" y="9966"/>
-                  <a:pt x="7859" y="9872"/>
-                  <a:pt x="7886" y="9872"/>
-                </a:cubicBezTo>
-                <a:cubicBezTo>
-                  <a:pt x="7886" y="9778"/>
-                  <a:pt x="7915" y="9778"/>
-                  <a:pt x="7915" y="9778"/>
-                </a:cubicBezTo>
-                <a:lnTo>
-                  <a:pt x="9248" y="5265"/>
-                </a:lnTo>
-                <a:cubicBezTo>
-                  <a:pt x="9303" y="5077"/>
-                  <a:pt x="9303" y="4889"/>
-                  <a:pt x="9248" y="4701"/>
-                </a:cubicBezTo>
-                <a:close/>
-              </a:path>
-            </a:pathLst>
-          </a:custGeom>
-          <a:solidFill>
-            <a:schemeClr val="accent1"/>
-          </a:solidFill>
-          <a:ln>
-            <a:noFill/>
-          </a:ln>
-        </p:spPr>
-      </p:sp>
-      <p:pic>
-        <p:nvPicPr>
-          <p:cNvPr id="11" name="Content Placeholder 6" descr="Capture.PNG"/>
-          <p:cNvPicPr>
-            <a:picLocks noGrp="1" noChangeAspect="1"/>
-          </p:cNvPicPr>
-          <p:nvPr>
-            <p:ph idx="1"/>
-          </p:nvPr>
-        </p:nvPicPr>
-        <p:blipFill>
-          <a:blip r:embed="rId2"/>
-          <a:stretch>
-            <a:fillRect/>
-          </a:stretch>
-        </p:blipFill>
-        <p:spPr>
-          <a:xfrm>
-            <a:off x="0" y="1308539"/>
-            <a:ext cx="12191999" cy="5549462"/>
-          </a:xfrm>
-        </p:spPr>
-      </p:pic>
-    </p:spTree>
-    <p:extLst>
-      <p:ext uri="{BB962C8B-B14F-4D97-AF65-F5344CB8AC3E}">
-        <p14:creationId xmlns:p14="http://schemas.microsoft.com/office/powerpoint/2010/main" xmlns="" val="890898475"/>
-      </p:ext>
-    </p:extLst>
-  </p:cSld>
-  <p:clrMapOvr>
-    <a:masterClrMapping/>
-  </p:clrMapOvr>
-  <p:transition spd="med">
-    <p:pull dir="d"/>
-  </p:transition>
-  <p:timing>
-    <p:tnLst>
-      <p:par>
-        <p:cTn id="1" dur="indefinite" restart="never" nodeType="tmRoot"/>
-      </p:par>
-    </p:tnLst>
-  </p:timing>
-</p:sld>
-</file>
-
-<file path=ppt/slides/slide16.xml><?xml version="1.0" encoding="utf-8"?>
-<p:sld xmlns:a="http://schemas.openxmlformats.org/drawingml/2006/main" xmlns:r="http://schemas.openxmlformats.org/officeDocument/2006/relationships" xmlns:p="http://schemas.openxmlformats.org/presentationml/2006/main">
-  <p:cSld>
-    <p:spTree>
-      <p:nvGrpSpPr>
-        <p:cNvPr id="1" name=""/>
-        <p:cNvGrpSpPr/>
-        <p:nvPr/>
-      </p:nvGrpSpPr>
-      <p:grpSpPr>
-        <a:xfrm>
-          <a:off x="0" y="0"/>
-          <a:ext cx="0" cy="0"/>
-          <a:chOff x="0" y="0"/>
-          <a:chExt cx="0" cy="0"/>
-        </a:xfrm>
-      </p:grpSpPr>
-      <p:sp useBgFill="1">
-        <p:nvSpPr>
-          <p:cNvPr id="8" name="Rectangle 7">
-            <a:extLst>
-              <a:ext uri="{FF2B5EF4-FFF2-40B4-BE49-F238E27FC236}">
-                <a16:creationId xmlns:a16="http://schemas.microsoft.com/office/drawing/2014/main" xmlns="" id="{3A3C2D7E-3F2E-404E-9B30-CB12DC972D50}"/>
-              </a:ext>
-              <a:ext uri="{C183D7F6-B498-43B3-948B-1728B52AA6E4}">
-                <adec:decorative xmlns:adec="http://schemas.microsoft.com/office/drawing/2017/decorative" xmlns="" val="1"/>
-              </a:ext>
-            </a:extLst>
-          </p:cNvPr>
-          <p:cNvSpPr>
-            <a:spLocks noGrp="1" noRot="1" noChangeAspect="1" noMove="1" noResize="1" noEditPoints="1" noAdjustHandles="1" noChangeArrowheads="1" noChangeShapeType="1" noTextEdit="1"/>
-          </p:cNvSpPr>
-          <p:nvPr>
-            <p:extLst>
-              <p:ext uri="{386F3935-93C4-4BCD-93E2-E3B085C9AB24}">
-                <p16:designElem xmlns:p16="http://schemas.microsoft.com/office/powerpoint/2015/main" xmlns="" val="1"/>
-              </p:ext>
-            </p:extLst>
-          </p:nvPr>
-        </p:nvSpPr>
-        <p:spPr>
-          <a:xfrm>
-            <a:off x="1" y="0"/>
-            <a:ext cx="12192000" cy="6858000"/>
-          </a:xfrm>
-          <a:prstGeom prst="rect">
-            <a:avLst/>
-          </a:prstGeom>
-          <a:ln>
-            <a:noFill/>
-          </a:ln>
-        </p:spPr>
-        <p:style>
-          <a:lnRef idx="2">
-            <a:schemeClr val="accent1">
-              <a:shade val="50000"/>
-            </a:schemeClr>
-          </a:lnRef>
-          <a:fillRef idx="1">
-            <a:schemeClr val="accent1"/>
-          </a:fillRef>
-          <a:effectRef idx="0">
-            <a:schemeClr val="accent1"/>
-          </a:effectRef>
-          <a:fontRef idx="minor">
-            <a:schemeClr val="lt1"/>
-          </a:fontRef>
-        </p:style>
-        <p:txBody>
-          <a:bodyPr rtlCol="0" anchor="ctr"/>
-          <a:lstStyle/>
-          <a:p>
-            <a:pPr algn="ctr"/>
-            <a:endParaRPr lang="en-US" dirty="0"/>
-          </a:p>
-        </p:txBody>
-      </p:sp>
-      <p:sp>
-        <p:nvSpPr>
-          <p:cNvPr id="10" name="Rectangle 9">
-            <a:extLst>
-              <a:ext uri="{FF2B5EF4-FFF2-40B4-BE49-F238E27FC236}">
-                <a16:creationId xmlns:a16="http://schemas.microsoft.com/office/drawing/2014/main" xmlns="" id="{F1F7FD00-BF97-4325-B7C2-E451F20840A7}"/>
-              </a:ext>
-              <a:ext uri="{C183D7F6-B498-43B3-948B-1728B52AA6E4}">
-                <adec:decorative xmlns:adec="http://schemas.microsoft.com/office/drawing/2017/decorative" xmlns="" val="1"/>
-              </a:ext>
-            </a:extLst>
-          </p:cNvPr>
-          <p:cNvSpPr>
-            <a:spLocks noGrp="1" noRot="1" noChangeAspect="1" noMove="1" noResize="1" noEditPoints="1" noAdjustHandles="1" noChangeArrowheads="1" noChangeShapeType="1" noTextEdit="1"/>
-          </p:cNvSpPr>
-          <p:nvPr>
-            <p:extLst>
-              <p:ext uri="{386F3935-93C4-4BCD-93E2-E3B085C9AB24}">
-                <p16:designElem xmlns:p16="http://schemas.microsoft.com/office/powerpoint/2015/main" xmlns="" val="1"/>
-              </p:ext>
-            </p:extLst>
-          </p:nvPr>
-        </p:nvSpPr>
-        <p:spPr>
-          <a:xfrm>
-            <a:off x="0" y="0"/>
-            <a:ext cx="12192000" cy="2306695"/>
-          </a:xfrm>
-          <a:prstGeom prst="rect">
-            <a:avLst/>
-          </a:prstGeom>
-          <a:solidFill>
-            <a:schemeClr val="tx2">
-              <a:lumMod val="50000"/>
-            </a:schemeClr>
-          </a:solidFill>
-          <a:ln>
-            <a:noFill/>
-          </a:ln>
-          <a:effectLst/>
-        </p:spPr>
-        <p:style>
-          <a:lnRef idx="1">
-            <a:schemeClr val="accent1"/>
-          </a:lnRef>
-          <a:fillRef idx="3">
-            <a:schemeClr val="accent1"/>
-          </a:fillRef>
-          <a:effectRef idx="2">
-            <a:schemeClr val="accent1"/>
-          </a:effectRef>
-          <a:fontRef idx="minor">
-            <a:schemeClr val="lt1"/>
-          </a:fontRef>
-        </p:style>
-      </p:sp>
-      <p:sp>
-        <p:nvSpPr>
-          <p:cNvPr id="2" name="Title 1">
-            <a:extLst>
-              <a:ext uri="{FF2B5EF4-FFF2-40B4-BE49-F238E27FC236}">
-                <a16:creationId xmlns:a16="http://schemas.microsoft.com/office/drawing/2014/main" xmlns="" id="{3B8A4B89-B2B3-4944-A853-1D91B1B61CA4}"/>
-              </a:ext>
-            </a:extLst>
-          </p:cNvPr>
-          <p:cNvSpPr>
-            <a:spLocks noGrp="1"/>
-          </p:cNvSpPr>
-          <p:nvPr>
-            <p:ph type="title"/>
-          </p:nvPr>
-        </p:nvSpPr>
-        <p:spPr>
-          <a:xfrm>
-            <a:off x="1843391" y="624110"/>
-            <a:ext cx="9383408" cy="1280890"/>
-          </a:xfrm>
-        </p:spPr>
-        <p:txBody>
-          <a:bodyPr>
-            <a:normAutofit/>
-          </a:bodyPr>
-          <a:lstStyle/>
-          <a:p>
-            <a:r>
-              <a:rPr lang="en-GB" b="1" dirty="0" smtClean="0">
-                <a:solidFill>
-                  <a:srgbClr val="FFFFFF"/>
-                </a:solidFill>
-              </a:rPr>
-              <a:t>10. DRAWBACKS OF EXISTING </a:t>
-            </a:r>
-            <a:r>
-              <a:rPr lang="en-GB" b="1" dirty="0">
-                <a:solidFill>
-                  <a:srgbClr val="FFFFFF"/>
-                </a:solidFill>
-              </a:rPr>
-              <a:t>SYSTEM</a:t>
-            </a:r>
-            <a:endParaRPr lang="x-none" b="1" dirty="0">
-              <a:solidFill>
-                <a:srgbClr val="FFFFFF"/>
-              </a:solidFill>
-            </a:endParaRPr>
-          </a:p>
-        </p:txBody>
-      </p:sp>
-      <p:sp>
-        <p:nvSpPr>
-          <p:cNvPr id="12" name="Freeform 11">
-            <a:extLst>
-              <a:ext uri="{FF2B5EF4-FFF2-40B4-BE49-F238E27FC236}">
-                <a16:creationId xmlns:a16="http://schemas.microsoft.com/office/drawing/2014/main" xmlns="" id="{179B5294-DA4E-4926-B14A-DD6E07A12F67}"/>
-              </a:ext>
-              <a:ext uri="{C183D7F6-B498-43B3-948B-1728B52AA6E4}">
-                <adec:decorative xmlns:adec="http://schemas.microsoft.com/office/drawing/2017/decorative" xmlns="" val="1"/>
-              </a:ext>
-            </a:extLst>
-          </p:cNvPr>
-          <p:cNvSpPr>
-            <a:spLocks noGrp="1" noRot="1" noChangeAspect="1" noMove="1" noResize="1" noEditPoints="1" noAdjustHandles="1" noChangeArrowheads="1" noChangeShapeType="1" noTextEdit="1"/>
-          </p:cNvSpPr>
-          <p:nvPr>
-            <p:extLst>
-              <p:ext uri="{386F3935-93C4-4BCD-93E2-E3B085C9AB24}">
-                <p16:designElem xmlns:p16="http://schemas.microsoft.com/office/powerpoint/2015/main" xmlns="" val="1"/>
-              </p:ext>
-            </p:extLst>
-          </p:nvPr>
-        </p:nvSpPr>
-        <p:spPr bwMode="auto">
-          <a:xfrm flipV="1">
-            <a:off x="-4189" y="714375"/>
-            <a:ext cx="1588527" cy="507297"/>
-          </a:xfrm>
-          <a:custGeom>
-            <a:avLst/>
-            <a:gdLst/>
-            <a:ahLst/>
-            <a:cxnLst/>
-            <a:rect l="l" t="t" r="r" b="b"/>
-            <a:pathLst>
-              <a:path w="9248" h="10000">
-                <a:moveTo>
-                  <a:pt x="9248" y="4701"/>
-                </a:moveTo>
-                <a:lnTo>
-                  <a:pt x="7915" y="188"/>
-                </a:lnTo>
-                <a:cubicBezTo>
-                  <a:pt x="7906" y="156"/>
-                  <a:pt x="7895" y="126"/>
-                  <a:pt x="7886" y="94"/>
-                </a:cubicBezTo>
-                <a:cubicBezTo>
-                  <a:pt x="7859" y="0"/>
-                  <a:pt x="7831" y="0"/>
-                  <a:pt x="7803" y="0"/>
-                </a:cubicBezTo>
-                <a:lnTo>
-                  <a:pt x="7275" y="0"/>
-                </a:lnTo>
-                <a:lnTo>
-                  <a:pt x="0" y="70"/>
-                </a:lnTo>
-                <a:cubicBezTo>
-                  <a:pt x="8" y="3380"/>
-                  <a:pt x="17" y="6690"/>
-                  <a:pt x="25" y="10000"/>
-                </a:cubicBezTo>
-                <a:lnTo>
-                  <a:pt x="7275" y="9966"/>
-                </a:lnTo>
-                <a:lnTo>
-                  <a:pt x="7803" y="9966"/>
-                </a:lnTo>
-                <a:cubicBezTo>
-                  <a:pt x="7831" y="9966"/>
-                  <a:pt x="7859" y="9872"/>
-                  <a:pt x="7886" y="9872"/>
-                </a:cubicBezTo>
-                <a:cubicBezTo>
-                  <a:pt x="7886" y="9778"/>
-                  <a:pt x="7915" y="9778"/>
-                  <a:pt x="7915" y="9778"/>
-                </a:cubicBezTo>
-                <a:lnTo>
-                  <a:pt x="9248" y="5265"/>
-                </a:lnTo>
-                <a:cubicBezTo>
-                  <a:pt x="9303" y="5077"/>
-                  <a:pt x="9303" y="4889"/>
-                  <a:pt x="9248" y="4701"/>
-                </a:cubicBezTo>
-                <a:close/>
-              </a:path>
-            </a:pathLst>
-          </a:custGeom>
-          <a:solidFill>
-            <a:schemeClr val="accent1"/>
-          </a:solidFill>
-          <a:ln>
-            <a:noFill/>
-          </a:ln>
-        </p:spPr>
-      </p:sp>
-      <p:graphicFrame>
-        <p:nvGraphicFramePr>
-          <p:cNvPr id="7" name="Content Placeholder 6"/>
-          <p:cNvGraphicFramePr>
-            <a:graphicFrameLocks noGrp="1"/>
-          </p:cNvGraphicFramePr>
-          <p:nvPr>
-            <p:ph idx="1"/>
-          </p:nvPr>
-        </p:nvGraphicFramePr>
-        <p:xfrm>
-          <a:off x="0" y="2336800"/>
-          <a:ext cx="12192000" cy="4271034"/>
-        </p:xfrm>
-        <a:graphic>
-          <a:graphicData uri="http://schemas.openxmlformats.org/drawingml/2006/diagram">
-            <dgm:relIds xmlns:dgm="http://schemas.openxmlformats.org/drawingml/2006/diagram" xmlns:r="http://schemas.openxmlformats.org/officeDocument/2006/relationships" r:dm="rId2" r:lo="rId3" r:qs="rId4" r:cs="rId5"/>
-          </a:graphicData>
-        </a:graphic>
-      </p:graphicFrame>
-    </p:spTree>
-    <p:extLst>
-      <p:ext uri="{BB962C8B-B14F-4D97-AF65-F5344CB8AC3E}">
-        <p14:creationId xmlns:p14="http://schemas.microsoft.com/office/powerpoint/2010/main" xmlns="" val="890898475"/>
-      </p:ext>
-    </p:extLst>
-  </p:cSld>
-  <p:clrMapOvr>
-    <a:masterClrMapping/>
-  </p:clrMapOvr>
-  <p:transition spd="med">
-    <p:pull dir="d"/>
-  </p:transition>
-  <p:timing>
-    <p:tnLst>
-      <p:par>
-        <p:cTn id="1" dur="indefinite" restart="never" nodeType="tmRoot"/>
-      </p:par>
-    </p:tnLst>
-  </p:timing>
-</p:sld>
-</file>
-
-<file path=ppt/slides/slide17.xml><?xml version="1.0" encoding="utf-8"?>
-<p:sld xmlns:a="http://schemas.openxmlformats.org/drawingml/2006/main" xmlns:r="http://schemas.openxmlformats.org/officeDocument/2006/relationships" xmlns:p="http://schemas.openxmlformats.org/presentationml/2006/main">
-  <p:cSld>
-    <p:bg>
-      <p:bgPr>
-        <a:gradFill rotWithShape="1">
-          <a:gsLst>
-            <a:gs pos="0">
-              <a:schemeClr val="bg2">
-                <a:tint val="90000"/>
-                <a:satMod val="92000"/>
-                <a:lumMod val="120000"/>
-              </a:schemeClr>
-            </a:gs>
-            <a:gs pos="100000">
-              <a:schemeClr val="bg2">
-                <a:shade val="98000"/>
-                <a:satMod val="120000"/>
-                <a:lumMod val="98000"/>
-              </a:schemeClr>
-            </a:gs>
-          </a:gsLst>
-          <a:path path="circle">
-            <a:fillToRect l="50000" t="50000" r="100000" b="100000"/>
-          </a:path>
-        </a:gradFill>
-        <a:effectLst/>
-      </p:bgPr>
-    </p:bg>
     <p:spTree>
       <p:nvGrpSpPr>
         <p:cNvPr id="1" name=""/>
@@ -40098,388 +40230,6 @@
             <p:ph type="title"/>
           </p:nvPr>
         </p:nvSpPr>
-        <p:spPr/>
-        <p:txBody>
-          <a:bodyPr>
-            <a:normAutofit/>
-          </a:bodyPr>
-          <a:lstStyle/>
-          <a:p>
-            <a:r>
-              <a:rPr lang="en-GB" b="1" dirty="0" smtClean="0">
-                <a:solidFill>
-                  <a:srgbClr val="FFFFFF"/>
-                </a:solidFill>
-              </a:rPr>
-              <a:t>11. </a:t>
-            </a:r>
-            <a:r>
-              <a:rPr lang="en-GB" b="1" dirty="0">
-                <a:solidFill>
-                  <a:srgbClr val="FFFFFF"/>
-                </a:solidFill>
-              </a:rPr>
-              <a:t>PROPOSED SYSTEM</a:t>
-            </a:r>
-            <a:endParaRPr lang="x-none" b="1">
-              <a:solidFill>
-                <a:srgbClr val="FFFFFF"/>
-              </a:solidFill>
-            </a:endParaRPr>
-          </a:p>
-        </p:txBody>
-      </p:sp>
-      <p:sp>
-        <p:nvSpPr>
-          <p:cNvPr id="3" name="Content Placeholder 2">
-            <a:extLst>
-              <a:ext uri="{FF2B5EF4-FFF2-40B4-BE49-F238E27FC236}">
-                <a16:creationId xmlns="" xmlns:a16="http://schemas.microsoft.com/office/drawing/2014/main" id="{66B44562-E5EF-4950-B1F8-A0575CB9B0D8}"/>
-              </a:ext>
-            </a:extLst>
-          </p:cNvPr>
-          <p:cNvSpPr>
-            <a:spLocks noGrp="1"/>
-          </p:cNvSpPr>
-          <p:nvPr>
-            <p:ph sz="half" idx="1"/>
-          </p:nvPr>
-        </p:nvSpPr>
-        <p:spPr>
-          <a:xfrm>
-            <a:off x="1091488" y="2506716"/>
-            <a:ext cx="4313864" cy="3941379"/>
-          </a:xfrm>
-        </p:spPr>
-        <p:txBody>
-          <a:bodyPr>
-            <a:normAutofit/>
-          </a:bodyPr>
-          <a:lstStyle/>
-          <a:p>
-            <a:r>
-              <a:rPr lang="en-US" sz="2400" dirty="0" smtClean="0"/>
-              <a:t> Project Idea</a:t>
-            </a:r>
-          </a:p>
-          <a:p>
-            <a:r>
-              <a:rPr lang="en-US" sz="2400" dirty="0" smtClean="0"/>
-              <a:t> Develop a unity based desktop application</a:t>
-            </a:r>
-          </a:p>
-          <a:p>
-            <a:r>
-              <a:rPr lang="en-US" sz="2400" dirty="0" smtClean="0"/>
-              <a:t> Use python scripts for image processing</a:t>
-            </a:r>
-          </a:p>
-          <a:p>
-            <a:r>
-              <a:rPr lang="en-US" sz="2400" dirty="0" smtClean="0"/>
-              <a:t> Innovation factor</a:t>
-            </a:r>
-          </a:p>
-          <a:p>
-            <a:r>
-              <a:rPr lang="en-US" sz="2400" dirty="0" smtClean="0"/>
-              <a:t> Features </a:t>
-            </a:r>
-            <a:endParaRPr lang="x-none" sz="2400"/>
-          </a:p>
-        </p:txBody>
-      </p:sp>
-      <p:sp>
-        <p:nvSpPr>
-          <p:cNvPr id="12" name="Freeform 11">
-            <a:extLst>
-              <a:ext uri="{FF2B5EF4-FFF2-40B4-BE49-F238E27FC236}">
-                <a16:creationId xmlns="" xmlns:a16="http://schemas.microsoft.com/office/drawing/2014/main" id="{179B5294-DA4E-4926-B14A-DD6E07A12F67}"/>
-              </a:ext>
-              <a:ext uri="{C183D7F6-B498-43B3-948B-1728B52AA6E4}">
-                <adec:decorative xmlns="" xmlns:adec="http://schemas.microsoft.com/office/drawing/2017/decorative" val="1"/>
-              </a:ext>
-            </a:extLst>
-          </p:cNvPr>
-          <p:cNvSpPr>
-            <a:spLocks noGrp="1" noRot="1" noChangeAspect="1" noMove="1" noResize="1" noEditPoints="1" noAdjustHandles="1" noChangeArrowheads="1" noChangeShapeType="1" noTextEdit="1"/>
-          </p:cNvSpPr>
-          <p:nvPr>
-            <p:extLst>
-              <p:ext uri="{386F3935-93C4-4BCD-93E2-E3B085C9AB24}">
-                <p16:designElem xmlns="" xmlns:p16="http://schemas.microsoft.com/office/powerpoint/2015/main" val="1"/>
-              </p:ext>
-            </p:extLst>
-          </p:nvPr>
-        </p:nvSpPr>
-        <p:spPr bwMode="auto">
-          <a:xfrm flipV="1">
-            <a:off x="-4189" y="714375"/>
-            <a:ext cx="1588527" cy="507297"/>
-          </a:xfrm>
-          <a:custGeom>
-            <a:avLst/>
-            <a:gdLst/>
-            <a:ahLst/>
-            <a:cxnLst/>
-            <a:rect l="l" t="t" r="r" b="b"/>
-            <a:pathLst>
-              <a:path w="9248" h="10000">
-                <a:moveTo>
-                  <a:pt x="9248" y="4701"/>
-                </a:moveTo>
-                <a:lnTo>
-                  <a:pt x="7915" y="188"/>
-                </a:lnTo>
-                <a:cubicBezTo>
-                  <a:pt x="7906" y="156"/>
-                  <a:pt x="7895" y="126"/>
-                  <a:pt x="7886" y="94"/>
-                </a:cubicBezTo>
-                <a:cubicBezTo>
-                  <a:pt x="7859" y="0"/>
-                  <a:pt x="7831" y="0"/>
-                  <a:pt x="7803" y="0"/>
-                </a:cubicBezTo>
-                <a:lnTo>
-                  <a:pt x="7275" y="0"/>
-                </a:lnTo>
-                <a:lnTo>
-                  <a:pt x="0" y="70"/>
-                </a:lnTo>
-                <a:cubicBezTo>
-                  <a:pt x="8" y="3380"/>
-                  <a:pt x="17" y="6690"/>
-                  <a:pt x="25" y="10000"/>
-                </a:cubicBezTo>
-                <a:lnTo>
-                  <a:pt x="7275" y="9966"/>
-                </a:lnTo>
-                <a:lnTo>
-                  <a:pt x="7803" y="9966"/>
-                </a:lnTo>
-                <a:cubicBezTo>
-                  <a:pt x="7831" y="9966"/>
-                  <a:pt x="7859" y="9872"/>
-                  <a:pt x="7886" y="9872"/>
-                </a:cubicBezTo>
-                <a:cubicBezTo>
-                  <a:pt x="7886" y="9778"/>
-                  <a:pt x="7915" y="9778"/>
-                  <a:pt x="7915" y="9778"/>
-                </a:cubicBezTo>
-                <a:lnTo>
-                  <a:pt x="9248" y="5265"/>
-                </a:lnTo>
-                <a:cubicBezTo>
-                  <a:pt x="9303" y="5077"/>
-                  <a:pt x="9303" y="4889"/>
-                  <a:pt x="9248" y="4701"/>
-                </a:cubicBezTo>
-                <a:close/>
-              </a:path>
-            </a:pathLst>
-          </a:custGeom>
-          <a:solidFill>
-            <a:schemeClr val="accent1"/>
-          </a:solidFill>
-          <a:ln>
-            <a:noFill/>
-          </a:ln>
-        </p:spPr>
-      </p:sp>
-      <p:graphicFrame>
-        <p:nvGraphicFramePr>
-          <p:cNvPr id="15" name="Content Placeholder 14"/>
-          <p:cNvGraphicFramePr>
-            <a:graphicFrameLocks noGrp="1"/>
-          </p:cNvGraphicFramePr>
-          <p:nvPr>
-            <p:ph sz="half" idx="2"/>
-          </p:nvPr>
-        </p:nvGraphicFramePr>
-        <p:xfrm>
-          <a:off x="6526924" y="2837792"/>
-          <a:ext cx="4977689" cy="2908465"/>
-        </p:xfrm>
-        <a:graphic>
-          <a:graphicData uri="http://schemas.openxmlformats.org/drawingml/2006/diagram">
-            <dgm:relIds xmlns:dgm="http://schemas.openxmlformats.org/drawingml/2006/diagram" xmlns:r="http://schemas.openxmlformats.org/officeDocument/2006/relationships" r:dm="rId2" r:lo="rId3" r:qs="rId4" r:cs="rId5"/>
-          </a:graphicData>
-        </a:graphic>
-      </p:graphicFrame>
-    </p:spTree>
-    <p:extLst>
-      <p:ext uri="{BB962C8B-B14F-4D97-AF65-F5344CB8AC3E}">
-        <p14:creationId xmlns:p14="http://schemas.microsoft.com/office/powerpoint/2010/main" xmlns="" val="3389632859"/>
-      </p:ext>
-    </p:extLst>
-  </p:cSld>
-  <p:clrMapOvr>
-    <a:masterClrMapping/>
-  </p:clrMapOvr>
-  <p:transition spd="med">
-    <p:pull dir="d"/>
-  </p:transition>
-  <p:timing>
-    <p:tnLst>
-      <p:par>
-        <p:cTn id="1" dur="indefinite" restart="never" nodeType="tmRoot"/>
-      </p:par>
-    </p:tnLst>
-  </p:timing>
-</p:sld>
-</file>
-
-<file path=ppt/slides/slide18.xml><?xml version="1.0" encoding="utf-8"?>
-<p:sld xmlns:a="http://schemas.openxmlformats.org/drawingml/2006/main" xmlns:r="http://schemas.openxmlformats.org/officeDocument/2006/relationships" xmlns:p="http://schemas.openxmlformats.org/presentationml/2006/main">
-  <p:cSld>
-    <p:spTree>
-      <p:nvGrpSpPr>
-        <p:cNvPr id="1" name=""/>
-        <p:cNvGrpSpPr/>
-        <p:nvPr/>
-      </p:nvGrpSpPr>
-      <p:grpSpPr>
-        <a:xfrm>
-          <a:off x="0" y="0"/>
-          <a:ext cx="0" cy="0"/>
-          <a:chOff x="0" y="0"/>
-          <a:chExt cx="0" cy="0"/>
-        </a:xfrm>
-      </p:grpSpPr>
-      <p:sp useBgFill="1">
-        <p:nvSpPr>
-          <p:cNvPr id="8" name="Rectangle 7">
-            <a:extLst>
-              <a:ext uri="{FF2B5EF4-FFF2-40B4-BE49-F238E27FC236}">
-                <a16:creationId xmlns:a16="http://schemas.microsoft.com/office/drawing/2014/main" xmlns="" id="{3A3C2D7E-3F2E-404E-9B30-CB12DC972D50}"/>
-              </a:ext>
-              <a:ext uri="{C183D7F6-B498-43B3-948B-1728B52AA6E4}">
-                <adec:decorative xmlns:adec="http://schemas.microsoft.com/office/drawing/2017/decorative" xmlns="" val="1"/>
-              </a:ext>
-            </a:extLst>
-          </p:cNvPr>
-          <p:cNvSpPr>
-            <a:spLocks noGrp="1" noRot="1" noChangeAspect="1" noMove="1" noResize="1" noEditPoints="1" noAdjustHandles="1" noChangeArrowheads="1" noChangeShapeType="1" noTextEdit="1"/>
-          </p:cNvSpPr>
-          <p:nvPr>
-            <p:extLst>
-              <p:ext uri="{386F3935-93C4-4BCD-93E2-E3B085C9AB24}">
-                <p16:designElem xmlns:p16="http://schemas.microsoft.com/office/powerpoint/2015/main" xmlns="" val="1"/>
-              </p:ext>
-            </p:extLst>
-          </p:nvPr>
-        </p:nvSpPr>
-        <p:spPr>
-          <a:xfrm>
-            <a:off x="1" y="0"/>
-            <a:ext cx="12192000" cy="6858000"/>
-          </a:xfrm>
-          <a:prstGeom prst="rect">
-            <a:avLst/>
-          </a:prstGeom>
-          <a:ln>
-            <a:noFill/>
-          </a:ln>
-        </p:spPr>
-        <p:style>
-          <a:lnRef idx="2">
-            <a:schemeClr val="accent1">
-              <a:shade val="50000"/>
-            </a:schemeClr>
-          </a:lnRef>
-          <a:fillRef idx="1">
-            <a:schemeClr val="accent1"/>
-          </a:fillRef>
-          <a:effectRef idx="0">
-            <a:schemeClr val="accent1"/>
-          </a:effectRef>
-          <a:fontRef idx="minor">
-            <a:schemeClr val="lt1"/>
-          </a:fontRef>
-        </p:style>
-        <p:txBody>
-          <a:bodyPr rtlCol="0" anchor="ctr"/>
-          <a:lstStyle/>
-          <a:p>
-            <a:pPr algn="ctr"/>
-            <a:endParaRPr lang="en-US" dirty="0"/>
-          </a:p>
-        </p:txBody>
-      </p:sp>
-      <p:sp>
-        <p:nvSpPr>
-          <p:cNvPr id="10" name="Rectangle 9">
-            <a:extLst>
-              <a:ext uri="{FF2B5EF4-FFF2-40B4-BE49-F238E27FC236}">
-                <a16:creationId xmlns:a16="http://schemas.microsoft.com/office/drawing/2014/main" xmlns="" id="{F1F7FD00-BF97-4325-B7C2-E451F20840A7}"/>
-              </a:ext>
-              <a:ext uri="{C183D7F6-B498-43B3-948B-1728B52AA6E4}">
-                <adec:decorative xmlns:adec="http://schemas.microsoft.com/office/drawing/2017/decorative" xmlns="" val="1"/>
-              </a:ext>
-            </a:extLst>
-          </p:cNvPr>
-          <p:cNvSpPr>
-            <a:spLocks noGrp="1" noRot="1" noChangeAspect="1" noMove="1" noResize="1" noEditPoints="1" noAdjustHandles="1" noChangeArrowheads="1" noChangeShapeType="1" noTextEdit="1"/>
-          </p:cNvSpPr>
-          <p:nvPr>
-            <p:extLst>
-              <p:ext uri="{386F3935-93C4-4BCD-93E2-E3B085C9AB24}">
-                <p16:designElem xmlns:p16="http://schemas.microsoft.com/office/powerpoint/2015/main" xmlns="" val="1"/>
-              </p:ext>
-            </p:extLst>
-          </p:nvPr>
-        </p:nvSpPr>
-        <p:spPr>
-          <a:xfrm>
-            <a:off x="0" y="0"/>
-            <a:ext cx="12192000" cy="2306695"/>
-          </a:xfrm>
-          <a:prstGeom prst="rect">
-            <a:avLst/>
-          </a:prstGeom>
-          <a:solidFill>
-            <a:schemeClr val="tx2">
-              <a:lumMod val="50000"/>
-            </a:schemeClr>
-          </a:solidFill>
-          <a:ln>
-            <a:noFill/>
-          </a:ln>
-          <a:effectLst/>
-        </p:spPr>
-        <p:style>
-          <a:lnRef idx="1">
-            <a:schemeClr val="accent1"/>
-          </a:lnRef>
-          <a:fillRef idx="3">
-            <a:schemeClr val="accent1"/>
-          </a:fillRef>
-          <a:effectRef idx="2">
-            <a:schemeClr val="accent1"/>
-          </a:effectRef>
-          <a:fontRef idx="minor">
-            <a:schemeClr val="lt1"/>
-          </a:fontRef>
-        </p:style>
-      </p:sp>
-      <p:sp>
-        <p:nvSpPr>
-          <p:cNvPr id="2" name="Title 1">
-            <a:extLst>
-              <a:ext uri="{FF2B5EF4-FFF2-40B4-BE49-F238E27FC236}">
-                <a16:creationId xmlns:a16="http://schemas.microsoft.com/office/drawing/2014/main" xmlns="" id="{C60221F0-E61F-4AD3-B683-685CA8D02591}"/>
-              </a:ext>
-            </a:extLst>
-          </p:cNvPr>
-          <p:cNvSpPr>
-            <a:spLocks noGrp="1"/>
-          </p:cNvSpPr>
-          <p:nvPr>
-            <p:ph type="title"/>
-          </p:nvPr>
-        </p:nvSpPr>
         <p:spPr>
           <a:xfrm>
             <a:off x="1843391" y="624110"/>
@@ -40513,10 +40263,10 @@
           <p:cNvPr id="12" name="Freeform 11">
             <a:extLst>
               <a:ext uri="{FF2B5EF4-FFF2-40B4-BE49-F238E27FC236}">
-                <a16:creationId xmlns:a16="http://schemas.microsoft.com/office/drawing/2014/main" xmlns="" id="{179B5294-DA4E-4926-B14A-DD6E07A12F67}"/>
+                <a16:creationId xmlns="" xmlns:a16="http://schemas.microsoft.com/office/drawing/2014/main" id="{179B5294-DA4E-4926-B14A-DD6E07A12F67}"/>
               </a:ext>
               <a:ext uri="{C183D7F6-B498-43B3-948B-1728B52AA6E4}">
-                <adec:decorative xmlns:adec="http://schemas.microsoft.com/office/drawing/2017/decorative" xmlns="" val="1"/>
+                <adec:decorative xmlns="" xmlns:adec="http://schemas.microsoft.com/office/drawing/2017/decorative" val="1"/>
               </a:ext>
             </a:extLst>
           </p:cNvPr>
@@ -40526,7 +40276,7 @@
           <p:nvPr>
             <p:extLst>
               <p:ext uri="{386F3935-93C4-4BCD-93E2-E3B085C9AB24}">
-                <p16:designElem xmlns:p16="http://schemas.microsoft.com/office/powerpoint/2015/main" xmlns="" val="1"/>
+                <p16:designElem xmlns="" xmlns:p16="http://schemas.microsoft.com/office/powerpoint/2015/main" val="1"/>
               </p:ext>
             </p:extLst>
           </p:nvPr>
@@ -40790,7 +40540,7 @@
     </p:spTree>
     <p:extLst>
       <p:ext uri="{BB962C8B-B14F-4D97-AF65-F5344CB8AC3E}">
-        <p14:creationId xmlns:p14="http://schemas.microsoft.com/office/powerpoint/2010/main" xmlns="" val="1939423074"/>
+        <p14:creationId xmlns="" xmlns:p14="http://schemas.microsoft.com/office/powerpoint/2010/main" val="1939423074"/>
       </p:ext>
     </p:extLst>
   </p:cSld>
@@ -40832,10 +40582,10 @@
           <p:cNvPr id="8" name="Rectangle 7">
             <a:extLst>
               <a:ext uri="{FF2B5EF4-FFF2-40B4-BE49-F238E27FC236}">
-                <a16:creationId xmlns:a16="http://schemas.microsoft.com/office/drawing/2014/main" xmlns="" id="{3A3C2D7E-3F2E-404E-9B30-CB12DC972D50}"/>
+                <a16:creationId xmlns="" xmlns:a16="http://schemas.microsoft.com/office/drawing/2014/main" id="{3A3C2D7E-3F2E-404E-9B30-CB12DC972D50}"/>
               </a:ext>
               <a:ext uri="{C183D7F6-B498-43B3-948B-1728B52AA6E4}">
-                <adec:decorative xmlns:adec="http://schemas.microsoft.com/office/drawing/2017/decorative" xmlns="" val="1"/>
+                <adec:decorative xmlns="" xmlns:adec="http://schemas.microsoft.com/office/drawing/2017/decorative" val="1"/>
               </a:ext>
             </a:extLst>
           </p:cNvPr>
@@ -40845,7 +40595,7 @@
           <p:nvPr>
             <p:extLst>
               <p:ext uri="{386F3935-93C4-4BCD-93E2-E3B085C9AB24}">
-                <p16:designElem xmlns:p16="http://schemas.microsoft.com/office/powerpoint/2015/main" xmlns="" val="1"/>
+                <p16:designElem xmlns="" xmlns:p16="http://schemas.microsoft.com/office/powerpoint/2015/main" val="1"/>
               </p:ext>
             </p:extLst>
           </p:nvPr>
@@ -40896,10 +40646,10 @@
           <p:cNvPr id="10" name="Rectangle 9">
             <a:extLst>
               <a:ext uri="{FF2B5EF4-FFF2-40B4-BE49-F238E27FC236}">
-                <a16:creationId xmlns:a16="http://schemas.microsoft.com/office/drawing/2014/main" xmlns="" id="{F1F7FD00-BF97-4325-B7C2-E451F20840A7}"/>
+                <a16:creationId xmlns="" xmlns:a16="http://schemas.microsoft.com/office/drawing/2014/main" id="{F1F7FD00-BF97-4325-B7C2-E451F20840A7}"/>
               </a:ext>
               <a:ext uri="{C183D7F6-B498-43B3-948B-1728B52AA6E4}">
-                <adec:decorative xmlns:adec="http://schemas.microsoft.com/office/drawing/2017/decorative" xmlns="" val="1"/>
+                <adec:decorative xmlns="" xmlns:adec="http://schemas.microsoft.com/office/drawing/2017/decorative" val="1"/>
               </a:ext>
             </a:extLst>
           </p:cNvPr>
@@ -40909,7 +40659,7 @@
           <p:nvPr>
             <p:extLst>
               <p:ext uri="{386F3935-93C4-4BCD-93E2-E3B085C9AB24}">
-                <p16:designElem xmlns:p16="http://schemas.microsoft.com/office/powerpoint/2015/main" xmlns="" val="1"/>
+                <p16:designElem xmlns="" xmlns:p16="http://schemas.microsoft.com/office/powerpoint/2015/main" val="1"/>
               </p:ext>
             </p:extLst>
           </p:nvPr>
@@ -40952,7 +40702,7 @@
           <p:cNvPr id="2" name="Title 1">
             <a:extLst>
               <a:ext uri="{FF2B5EF4-FFF2-40B4-BE49-F238E27FC236}">
-                <a16:creationId xmlns:a16="http://schemas.microsoft.com/office/drawing/2014/main" xmlns="" id="{2A87B431-52D1-443E-8FC5-EBEABF21BD8E}"/>
+                <a16:creationId xmlns="" xmlns:a16="http://schemas.microsoft.com/office/drawing/2014/main" id="{2A87B431-52D1-443E-8FC5-EBEABF21BD8E}"/>
               </a:ext>
             </a:extLst>
           </p:cNvPr>
@@ -41019,10 +40769,10 @@
           <p:cNvPr id="12" name="Freeform 11">
             <a:extLst>
               <a:ext uri="{FF2B5EF4-FFF2-40B4-BE49-F238E27FC236}">
-                <a16:creationId xmlns:a16="http://schemas.microsoft.com/office/drawing/2014/main" xmlns="" id="{179B5294-DA4E-4926-B14A-DD6E07A12F67}"/>
+                <a16:creationId xmlns="" xmlns:a16="http://schemas.microsoft.com/office/drawing/2014/main" id="{179B5294-DA4E-4926-B14A-DD6E07A12F67}"/>
               </a:ext>
               <a:ext uri="{C183D7F6-B498-43B3-948B-1728B52AA6E4}">
-                <adec:decorative xmlns:adec="http://schemas.microsoft.com/office/drawing/2017/decorative" xmlns="" val="1"/>
+                <adec:decorative xmlns="" xmlns:adec="http://schemas.microsoft.com/office/drawing/2017/decorative" val="1"/>
               </a:ext>
             </a:extLst>
           </p:cNvPr>
@@ -41032,7 +40782,7 @@
           <p:nvPr>
             <p:extLst>
               <p:ext uri="{386F3935-93C4-4BCD-93E2-E3B085C9AB24}">
-                <p16:designElem xmlns:p16="http://schemas.microsoft.com/office/powerpoint/2015/main" xmlns="" val="1"/>
+                <p16:designElem xmlns="" xmlns:p16="http://schemas.microsoft.com/office/powerpoint/2015/main" val="1"/>
               </p:ext>
             </p:extLst>
           </p:nvPr>
@@ -41219,7 +40969,7 @@
     </p:spTree>
     <p:extLst>
       <p:ext uri="{BB962C8B-B14F-4D97-AF65-F5344CB8AC3E}">
-        <p14:creationId xmlns:p14="http://schemas.microsoft.com/office/powerpoint/2010/main" xmlns="" val="524905541"/>
+        <p14:creationId xmlns="" xmlns:p14="http://schemas.microsoft.com/office/powerpoint/2010/main" val="524905541"/>
       </p:ext>
     </p:extLst>
   </p:cSld>
@@ -41268,6 +41018,432 @@
         <a:effectLst/>
       </p:bgPr>
     </p:bg>
+    <p:spTree>
+      <p:nvGrpSpPr>
+        <p:cNvPr id="1" name=""/>
+        <p:cNvGrpSpPr/>
+        <p:nvPr/>
+      </p:nvGrpSpPr>
+      <p:grpSpPr>
+        <a:xfrm>
+          <a:off x="0" y="0"/>
+          <a:ext cx="0" cy="0"/>
+          <a:chOff x="0" y="0"/>
+          <a:chExt cx="0" cy="0"/>
+        </a:xfrm>
+      </p:grpSpPr>
+      <p:sp useBgFill="1">
+        <p:nvSpPr>
+          <p:cNvPr id="8" name="Rectangle 7">
+            <a:extLst>
+              <a:ext uri="{FF2B5EF4-FFF2-40B4-BE49-F238E27FC236}">
+                <a16:creationId xmlns:a16="http://schemas.microsoft.com/office/drawing/2014/main" xmlns="" id="{3A3C2D7E-3F2E-404E-9B30-CB12DC972D50}"/>
+              </a:ext>
+              <a:ext uri="{C183D7F6-B498-43B3-948B-1728B52AA6E4}">
+                <adec:decorative xmlns:adec="http://schemas.microsoft.com/office/drawing/2017/decorative" xmlns="" val="1"/>
+              </a:ext>
+            </a:extLst>
+          </p:cNvPr>
+          <p:cNvSpPr>
+            <a:spLocks noGrp="1" noRot="1" noChangeAspect="1" noMove="1" noResize="1" noEditPoints="1" noAdjustHandles="1" noChangeArrowheads="1" noChangeShapeType="1" noTextEdit="1"/>
+          </p:cNvSpPr>
+          <p:nvPr>
+            <p:extLst>
+              <p:ext uri="{386F3935-93C4-4BCD-93E2-E3B085C9AB24}">
+                <p16:designElem xmlns:p16="http://schemas.microsoft.com/office/powerpoint/2015/main" xmlns="" val="1"/>
+              </p:ext>
+            </p:extLst>
+          </p:nvPr>
+        </p:nvSpPr>
+        <p:spPr>
+          <a:xfrm>
+            <a:off x="1" y="0"/>
+            <a:ext cx="12192000" cy="6858000"/>
+          </a:xfrm>
+          <a:prstGeom prst="rect">
+            <a:avLst/>
+          </a:prstGeom>
+          <a:ln>
+            <a:noFill/>
+          </a:ln>
+        </p:spPr>
+        <p:style>
+          <a:lnRef idx="2">
+            <a:schemeClr val="accent1">
+              <a:shade val="50000"/>
+            </a:schemeClr>
+          </a:lnRef>
+          <a:fillRef idx="1">
+            <a:schemeClr val="accent1"/>
+          </a:fillRef>
+          <a:effectRef idx="0">
+            <a:schemeClr val="accent1"/>
+          </a:effectRef>
+          <a:fontRef idx="minor">
+            <a:schemeClr val="lt1"/>
+          </a:fontRef>
+        </p:style>
+        <p:txBody>
+          <a:bodyPr rtlCol="0" anchor="ctr"/>
+          <a:lstStyle/>
+          <a:p>
+            <a:pPr algn="ctr"/>
+            <a:endParaRPr lang="en-US" dirty="0"/>
+          </a:p>
+        </p:txBody>
+      </p:sp>
+      <p:sp>
+        <p:nvSpPr>
+          <p:cNvPr id="10" name="Rectangle 9">
+            <a:extLst>
+              <a:ext uri="{FF2B5EF4-FFF2-40B4-BE49-F238E27FC236}">
+                <a16:creationId xmlns:a16="http://schemas.microsoft.com/office/drawing/2014/main" xmlns="" id="{F1F7FD00-BF97-4325-B7C2-E451F20840A7}"/>
+              </a:ext>
+              <a:ext uri="{C183D7F6-B498-43B3-948B-1728B52AA6E4}">
+                <adec:decorative xmlns:adec="http://schemas.microsoft.com/office/drawing/2017/decorative" xmlns="" val="1"/>
+              </a:ext>
+            </a:extLst>
+          </p:cNvPr>
+          <p:cNvSpPr>
+            <a:spLocks noGrp="1" noRot="1" noChangeAspect="1" noMove="1" noResize="1" noEditPoints="1" noAdjustHandles="1" noChangeArrowheads="1" noChangeShapeType="1" noTextEdit="1"/>
+          </p:cNvSpPr>
+          <p:nvPr>
+            <p:extLst>
+              <p:ext uri="{386F3935-93C4-4BCD-93E2-E3B085C9AB24}">
+                <p16:designElem xmlns:p16="http://schemas.microsoft.com/office/powerpoint/2015/main" xmlns="" val="1"/>
+              </p:ext>
+            </p:extLst>
+          </p:nvPr>
+        </p:nvSpPr>
+        <p:spPr>
+          <a:xfrm>
+            <a:off x="0" y="0"/>
+            <a:ext cx="12192000" cy="2306695"/>
+          </a:xfrm>
+          <a:prstGeom prst="rect">
+            <a:avLst/>
+          </a:prstGeom>
+          <a:solidFill>
+            <a:schemeClr val="tx2">
+              <a:lumMod val="50000"/>
+            </a:schemeClr>
+          </a:solidFill>
+          <a:ln>
+            <a:noFill/>
+          </a:ln>
+          <a:effectLst/>
+        </p:spPr>
+        <p:style>
+          <a:lnRef idx="1">
+            <a:schemeClr val="accent1"/>
+          </a:lnRef>
+          <a:fillRef idx="3">
+            <a:schemeClr val="accent1"/>
+          </a:fillRef>
+          <a:effectRef idx="2">
+            <a:schemeClr val="accent1"/>
+          </a:effectRef>
+          <a:fontRef idx="minor">
+            <a:schemeClr val="lt1"/>
+          </a:fontRef>
+        </p:style>
+      </p:sp>
+      <p:sp>
+        <p:nvSpPr>
+          <p:cNvPr id="2" name="Title 1">
+            <a:extLst>
+              <a:ext uri="{FF2B5EF4-FFF2-40B4-BE49-F238E27FC236}">
+                <a16:creationId xmlns:a16="http://schemas.microsoft.com/office/drawing/2014/main" xmlns="" id="{BA2BFF53-F080-4837-B3FC-77C4CC391CF6}"/>
+              </a:ext>
+            </a:extLst>
+          </p:cNvPr>
+          <p:cNvSpPr>
+            <a:spLocks noGrp="1"/>
+          </p:cNvSpPr>
+          <p:nvPr>
+            <p:ph type="title"/>
+          </p:nvPr>
+        </p:nvSpPr>
+        <p:spPr/>
+        <p:txBody>
+          <a:bodyPr>
+            <a:normAutofit/>
+          </a:bodyPr>
+          <a:lstStyle/>
+          <a:p>
+            <a:r>
+              <a:rPr lang="en-GB" b="1" dirty="0">
+                <a:solidFill>
+                  <a:srgbClr val="FFFFFF"/>
+                </a:solidFill>
+              </a:rPr>
+              <a:t>Idea </a:t>
+            </a:r>
+            <a:r>
+              <a:rPr lang="en-GB" b="1" dirty="0" smtClean="0">
+                <a:solidFill>
+                  <a:srgbClr val="FFFFFF"/>
+                </a:solidFill>
+              </a:rPr>
+              <a:t>Defence Presentation</a:t>
+            </a:r>
+            <a:endParaRPr lang="x-none" b="1">
+              <a:solidFill>
+                <a:srgbClr val="FFFFFF"/>
+              </a:solidFill>
+            </a:endParaRPr>
+          </a:p>
+        </p:txBody>
+      </p:sp>
+      <p:sp>
+        <p:nvSpPr>
+          <p:cNvPr id="3" name="Content Placeholder 2">
+            <a:extLst>
+              <a:ext uri="{FF2B5EF4-FFF2-40B4-BE49-F238E27FC236}">
+                <a16:creationId xmlns:a16="http://schemas.microsoft.com/office/drawing/2014/main" xmlns="" id="{5AE71383-70B6-4A9E-A22E-EE6057E31C1C}"/>
+              </a:ext>
+            </a:extLst>
+          </p:cNvPr>
+          <p:cNvSpPr>
+            <a:spLocks noGrp="1"/>
+          </p:cNvSpPr>
+          <p:nvPr>
+            <p:ph sz="half" idx="1"/>
+          </p:nvPr>
+        </p:nvSpPr>
+        <p:spPr>
+          <a:xfrm>
+            <a:off x="783771" y="2416628"/>
+            <a:ext cx="10424160" cy="4219303"/>
+          </a:xfrm>
+        </p:spPr>
+        <p:txBody>
+          <a:bodyPr vert="horz" lIns="91440" tIns="45720" rIns="91440" bIns="45720" rtlCol="0" anchor="t">
+            <a:normAutofit fontScale="92500" lnSpcReduction="20000"/>
+          </a:bodyPr>
+          <a:lstStyle/>
+          <a:p>
+            <a:pPr lvl="0">
+              <a:buNone/>
+            </a:pPr>
+            <a:endParaRPr lang="en-GB" sz="4000" b="1" dirty="0"/>
+          </a:p>
+          <a:p>
+            <a:pPr marL="0" indent="0">
+              <a:buNone/>
+            </a:pPr>
+            <a:r>
+              <a:rPr lang="en-US" sz="4000" dirty="0"/>
+              <a:t>Supervisor</a:t>
+            </a:r>
+          </a:p>
+          <a:p>
+            <a:pPr algn="ctr">
+              <a:buFont typeface="Wingdings" charset="2"/>
+              <a:buChar char="Ø"/>
+            </a:pPr>
+            <a:r>
+              <a:rPr lang="en-US" sz="4000" dirty="0"/>
+              <a:t> </a:t>
+            </a:r>
+            <a:r>
+              <a:rPr lang="en-US" sz="4300" dirty="0"/>
+              <a:t> Dr. Sheikh Faisal Rasheed</a:t>
+            </a:r>
+          </a:p>
+          <a:p>
+            <a:pPr marL="0" indent="0">
+              <a:buNone/>
+            </a:pPr>
+            <a:r>
+              <a:rPr lang="en-US" sz="4300" dirty="0"/>
+              <a:t>Co-Advisor</a:t>
+            </a:r>
+          </a:p>
+          <a:p>
+            <a:pPr marL="571500" indent="-571500" algn="ctr">
+              <a:buFont typeface="Wingdings" charset="2"/>
+              <a:buChar char="Ø"/>
+            </a:pPr>
+            <a:r>
+              <a:rPr lang="en-US" sz="4300" dirty="0"/>
+              <a:t> Mr. Ahmad Awais </a:t>
+            </a:r>
+            <a:endParaRPr lang="en-US" dirty="0"/>
+          </a:p>
+          <a:p>
+            <a:pPr marL="0" indent="0">
+              <a:buNone/>
+            </a:pPr>
+            <a:endParaRPr lang="en-US" sz="4300" dirty="0"/>
+          </a:p>
+          <a:p>
+            <a:pPr marL="0" indent="0">
+              <a:buNone/>
+            </a:pPr>
+            <a:r>
+              <a:rPr lang="en-US" sz="2400" dirty="0"/>
+              <a:t>        </a:t>
+            </a:r>
+            <a:r>
+              <a:rPr lang="en-US" sz="2400" dirty="0">
+                <a:solidFill>
+                  <a:srgbClr val="FF0000"/>
+                </a:solidFill>
+              </a:rPr>
+              <a:t>Computer Science and Engineering Department, </a:t>
+            </a:r>
+            <a:r>
+              <a:rPr lang="en-US" sz="2400" dirty="0" smtClean="0">
+                <a:solidFill>
+                  <a:srgbClr val="FF0000"/>
+                </a:solidFill>
+              </a:rPr>
+              <a:t>UET Lahore.</a:t>
+            </a:r>
+            <a:endParaRPr lang="en-US" sz="2400" dirty="0">
+              <a:solidFill>
+                <a:srgbClr val="FF0000"/>
+              </a:solidFill>
+            </a:endParaRPr>
+          </a:p>
+          <a:p>
+            <a:pPr marL="0" indent="0">
+              <a:buNone/>
+            </a:pPr>
+            <a:endParaRPr lang="en-GB" sz="2900" b="1" dirty="0">
+              <a:solidFill>
+                <a:srgbClr val="FF0000"/>
+              </a:solidFill>
+            </a:endParaRPr>
+          </a:p>
+        </p:txBody>
+      </p:sp>
+      <p:sp>
+        <p:nvSpPr>
+          <p:cNvPr id="12" name="Freeform 11">
+            <a:extLst>
+              <a:ext uri="{FF2B5EF4-FFF2-40B4-BE49-F238E27FC236}">
+                <a16:creationId xmlns:a16="http://schemas.microsoft.com/office/drawing/2014/main" xmlns="" id="{179B5294-DA4E-4926-B14A-DD6E07A12F67}"/>
+              </a:ext>
+              <a:ext uri="{C183D7F6-B498-43B3-948B-1728B52AA6E4}">
+                <adec:decorative xmlns:adec="http://schemas.microsoft.com/office/drawing/2017/decorative" xmlns="" val="1"/>
+              </a:ext>
+            </a:extLst>
+          </p:cNvPr>
+          <p:cNvSpPr>
+            <a:spLocks noGrp="1" noRot="1" noChangeAspect="1" noMove="1" noResize="1" noEditPoints="1" noAdjustHandles="1" noChangeArrowheads="1" noChangeShapeType="1" noTextEdit="1"/>
+          </p:cNvSpPr>
+          <p:nvPr>
+            <p:extLst>
+              <p:ext uri="{386F3935-93C4-4BCD-93E2-E3B085C9AB24}">
+                <p16:designElem xmlns:p16="http://schemas.microsoft.com/office/powerpoint/2015/main" xmlns="" val="1"/>
+              </p:ext>
+            </p:extLst>
+          </p:nvPr>
+        </p:nvSpPr>
+        <p:spPr bwMode="auto">
+          <a:xfrm flipV="1">
+            <a:off x="-4189" y="714375"/>
+            <a:ext cx="1588527" cy="507297"/>
+          </a:xfrm>
+          <a:custGeom>
+            <a:avLst/>
+            <a:gdLst/>
+            <a:ahLst/>
+            <a:cxnLst/>
+            <a:rect l="l" t="t" r="r" b="b"/>
+            <a:pathLst>
+              <a:path w="9248" h="10000">
+                <a:moveTo>
+                  <a:pt x="9248" y="4701"/>
+                </a:moveTo>
+                <a:lnTo>
+                  <a:pt x="7915" y="188"/>
+                </a:lnTo>
+                <a:cubicBezTo>
+                  <a:pt x="7906" y="156"/>
+                  <a:pt x="7895" y="126"/>
+                  <a:pt x="7886" y="94"/>
+                </a:cubicBezTo>
+                <a:cubicBezTo>
+                  <a:pt x="7859" y="0"/>
+                  <a:pt x="7831" y="0"/>
+                  <a:pt x="7803" y="0"/>
+                </a:cubicBezTo>
+                <a:lnTo>
+                  <a:pt x="7275" y="0"/>
+                </a:lnTo>
+                <a:lnTo>
+                  <a:pt x="0" y="70"/>
+                </a:lnTo>
+                <a:cubicBezTo>
+                  <a:pt x="8" y="3380"/>
+                  <a:pt x="17" y="6690"/>
+                  <a:pt x="25" y="10000"/>
+                </a:cubicBezTo>
+                <a:lnTo>
+                  <a:pt x="7275" y="9966"/>
+                </a:lnTo>
+                <a:lnTo>
+                  <a:pt x="7803" y="9966"/>
+                </a:lnTo>
+                <a:cubicBezTo>
+                  <a:pt x="7831" y="9966"/>
+                  <a:pt x="7859" y="9872"/>
+                  <a:pt x="7886" y="9872"/>
+                </a:cubicBezTo>
+                <a:cubicBezTo>
+                  <a:pt x="7886" y="9778"/>
+                  <a:pt x="7915" y="9778"/>
+                  <a:pt x="7915" y="9778"/>
+                </a:cubicBezTo>
+                <a:lnTo>
+                  <a:pt x="9248" y="5265"/>
+                </a:lnTo>
+                <a:cubicBezTo>
+                  <a:pt x="9303" y="5077"/>
+                  <a:pt x="9303" y="4889"/>
+                  <a:pt x="9248" y="4701"/>
+                </a:cubicBezTo>
+                <a:close/>
+              </a:path>
+            </a:pathLst>
+          </a:custGeom>
+          <a:solidFill>
+            <a:schemeClr val="accent1"/>
+          </a:solidFill>
+          <a:ln>
+            <a:noFill/>
+          </a:ln>
+        </p:spPr>
+      </p:sp>
+    </p:spTree>
+    <p:extLst>
+      <p:ext uri="{BB962C8B-B14F-4D97-AF65-F5344CB8AC3E}">
+        <p14:creationId xmlns="" xmlns:p14="http://schemas.microsoft.com/office/powerpoint/2010/main" val="3974696075"/>
+      </p:ext>
+    </p:extLst>
+  </p:cSld>
+  <p:clrMapOvr>
+    <a:masterClrMapping/>
+  </p:clrMapOvr>
+  <p:transition spd="med">
+    <p:pull dir="d"/>
+  </p:transition>
+  <p:timing>
+    <p:tnLst>
+      <p:par>
+        <p:cTn id="1" dur="indefinite" restart="never" nodeType="tmRoot"/>
+      </p:par>
+    </p:tnLst>
+  </p:timing>
+</p:sld>
+</file>
+
+<file path=ppt/slides/slide20.xml><?xml version="1.0" encoding="utf-8"?>
+<p:sld xmlns:a="http://schemas.openxmlformats.org/drawingml/2006/main" xmlns:r="http://schemas.openxmlformats.org/officeDocument/2006/relationships" xmlns:p="http://schemas.openxmlformats.org/presentationml/2006/main">
+  <p:cSld>
     <p:spTree>
       <p:nvGrpSpPr>
         <p:cNvPr id="1" name=""/>
@@ -41403,7 +41579,7 @@
           <p:cNvPr id="2" name="Title 1">
             <a:extLst>
               <a:ext uri="{FF2B5EF4-FFF2-40B4-BE49-F238E27FC236}">
-                <a16:creationId xmlns="" xmlns:a16="http://schemas.microsoft.com/office/drawing/2014/main" id="{BA2BFF53-F080-4837-B3FC-77C4CC391CF6}"/>
+                <a16:creationId xmlns="" xmlns:a16="http://schemas.microsoft.com/office/drawing/2014/main" id="{A875E76E-82C7-4FA8-9842-E997F8767AB0}"/>
               </a:ext>
             </a:extLst>
           </p:cNvPr>
@@ -41414,7 +41590,12 @@
             <p:ph type="title"/>
           </p:nvPr>
         </p:nvSpPr>
-        <p:spPr/>
+        <p:spPr>
+          <a:xfrm>
+            <a:off x="1843391" y="624110"/>
+            <a:ext cx="9383408" cy="1280890"/>
+          </a:xfrm>
+        </p:spPr>
         <p:txBody>
           <a:bodyPr>
             <a:normAutofit/>
@@ -41422,12 +41603,20 @@
           <a:lstStyle/>
           <a:p>
             <a:r>
+              <a:rPr lang="en-GB" b="1" dirty="0" smtClean="0">
+                <a:solidFill>
+                  <a:srgbClr val="FFFFFF"/>
+                </a:solidFill>
+              </a:rPr>
+              <a:t>14. </a:t>
+            </a:r>
+            <a:r>
               <a:rPr lang="en-GB" b="1" dirty="0">
                 <a:solidFill>
                   <a:srgbClr val="FFFFFF"/>
                 </a:solidFill>
               </a:rPr>
-              <a:t>Idea </a:t>
+              <a:t>POSSIBLE </a:t>
             </a:r>
             <a:r>
               <a:rPr lang="en-GB" b="1" dirty="0" smtClean="0">
@@ -41435,135 +41624,19 @@
                   <a:srgbClr val="FFFFFF"/>
                 </a:solidFill>
               </a:rPr>
-              <a:t>Defence Presentation</a:t>
+              <a:t>APPLICATIONS </a:t>
             </a:r>
-            <a:endParaRPr lang="x-none" b="1">
+            <a:r>
+              <a:rPr lang="en-GB" b="1" dirty="0">
+                <a:solidFill>
+                  <a:srgbClr val="FFFFFF"/>
+                </a:solidFill>
+              </a:rPr>
+              <a:t>OF WORK </a:t>
+            </a:r>
+            <a:endParaRPr lang="x-none" b="1" dirty="0">
               <a:solidFill>
                 <a:srgbClr val="FFFFFF"/>
-              </a:solidFill>
-            </a:endParaRPr>
-          </a:p>
-        </p:txBody>
-      </p:sp>
-      <p:sp>
-        <p:nvSpPr>
-          <p:cNvPr id="3" name="Content Placeholder 2">
-            <a:extLst>
-              <a:ext uri="{FF2B5EF4-FFF2-40B4-BE49-F238E27FC236}">
-                <a16:creationId xmlns="" xmlns:a16="http://schemas.microsoft.com/office/drawing/2014/main" id="{5AE71383-70B6-4A9E-A22E-EE6057E31C1C}"/>
-              </a:ext>
-            </a:extLst>
-          </p:cNvPr>
-          <p:cNvSpPr>
-            <a:spLocks noGrp="1"/>
-          </p:cNvSpPr>
-          <p:nvPr>
-            <p:ph sz="half" idx="1"/>
-          </p:nvPr>
-        </p:nvSpPr>
-        <p:spPr>
-          <a:xfrm>
-            <a:off x="783771" y="2416628"/>
-            <a:ext cx="10424160" cy="4219303"/>
-          </a:xfrm>
-        </p:spPr>
-        <p:txBody>
-          <a:bodyPr vert="horz" lIns="91440" tIns="45720" rIns="91440" bIns="45720" rtlCol="0" anchor="t">
-            <a:normAutofit fontScale="92500" lnSpcReduction="20000"/>
-          </a:bodyPr>
-          <a:lstStyle/>
-          <a:p>
-            <a:pPr lvl="0">
-              <a:buNone/>
-            </a:pPr>
-            <a:endParaRPr lang="en-GB" sz="4000" b="1" dirty="0"/>
-          </a:p>
-          <a:p>
-            <a:pPr marL="0" indent="0">
-              <a:buNone/>
-            </a:pPr>
-            <a:r>
-              <a:rPr lang="en-US" sz="4000" dirty="0"/>
-              <a:t>Supervisor</a:t>
-            </a:r>
-          </a:p>
-          <a:p>
-            <a:pPr algn="ctr">
-              <a:buFont typeface="Wingdings" charset="2"/>
-              <a:buChar char="Ø"/>
-            </a:pPr>
-            <a:r>
-              <a:rPr lang="en-US" sz="4000" dirty="0"/>
-              <a:t> </a:t>
-            </a:r>
-            <a:r>
-              <a:rPr lang="en-US" sz="4300" dirty="0"/>
-              <a:t> Dr. Sheikh Faisal Rasheed</a:t>
-            </a:r>
-          </a:p>
-          <a:p>
-            <a:pPr marL="0" indent="0">
-              <a:buNone/>
-            </a:pPr>
-            <a:r>
-              <a:rPr lang="en-US" sz="4300" dirty="0"/>
-              <a:t>Co-Advisor</a:t>
-            </a:r>
-          </a:p>
-          <a:p>
-            <a:pPr marL="571500" indent="-571500" algn="ctr">
-              <a:buFont typeface="Wingdings" charset="2"/>
-              <a:buChar char="Ø"/>
-            </a:pPr>
-            <a:r>
-              <a:rPr lang="en-US" sz="4300" dirty="0"/>
-              <a:t> Mr. Ahmad Awais </a:t>
-            </a:r>
-            <a:endParaRPr lang="en-US" dirty="0"/>
-          </a:p>
-          <a:p>
-            <a:pPr marL="0" indent="0">
-              <a:buNone/>
-            </a:pPr>
-            <a:endParaRPr lang="en-US" sz="4300" dirty="0"/>
-          </a:p>
-          <a:p>
-            <a:pPr marL="0" indent="0">
-              <a:buNone/>
-            </a:pPr>
-            <a:r>
-              <a:rPr lang="en-US" sz="2400" dirty="0"/>
-              <a:t>        </a:t>
-            </a:r>
-            <a:r>
-              <a:rPr lang="en-US" sz="2400" dirty="0">
-                <a:solidFill>
-                  <a:srgbClr val="FF0000"/>
-                </a:solidFill>
-              </a:rPr>
-              <a:t>Computer Science and Engineering Department, </a:t>
-            </a:r>
-            <a:r>
-              <a:rPr lang="en-US" sz="2400" dirty="0" smtClean="0">
-                <a:solidFill>
-                  <a:srgbClr val="FF0000"/>
-                </a:solidFill>
-              </a:rPr>
-              <a:t>UET Lahore.</a:t>
-            </a:r>
-            <a:endParaRPr lang="en-US" sz="2400" dirty="0">
-              <a:solidFill>
-                <a:srgbClr val="FF0000"/>
-              </a:solidFill>
-            </a:endParaRPr>
-          </a:p>
-          <a:p>
-            <a:pPr marL="0" indent="0">
-              <a:buNone/>
-            </a:pPr>
-            <a:endParaRPr lang="en-GB" sz="2900" b="1" dirty="0">
-              <a:solidFill>
-                <a:srgbClr val="FF0000"/>
               </a:solidFill>
             </a:endParaRPr>
           </a:p>
@@ -41668,10 +41741,30 @@
           </a:ln>
         </p:spPr>
       </p:sp>
+      <p:graphicFrame>
+        <p:nvGraphicFramePr>
+          <p:cNvPr id="11" name="Content Placeholder 10"/>
+          <p:cNvGraphicFramePr>
+            <a:graphicFrameLocks noGrp="1"/>
+          </p:cNvGraphicFramePr>
+          <p:nvPr>
+            <p:ph idx="1"/>
+          </p:nvPr>
+        </p:nvGraphicFramePr>
+        <p:xfrm>
+          <a:off x="2144110" y="2743199"/>
+          <a:ext cx="7749190" cy="3817257"/>
+        </p:xfrm>
+        <a:graphic>
+          <a:graphicData uri="http://schemas.openxmlformats.org/drawingml/2006/diagram">
+            <dgm:relIds xmlns:dgm="http://schemas.openxmlformats.org/drawingml/2006/diagram" xmlns:r="http://schemas.openxmlformats.org/officeDocument/2006/relationships" r:dm="rId2" r:lo="rId3" r:qs="rId4" r:cs="rId5"/>
+          </a:graphicData>
+        </a:graphic>
+      </p:graphicFrame>
     </p:spTree>
     <p:extLst>
       <p:ext uri="{BB962C8B-B14F-4D97-AF65-F5344CB8AC3E}">
-        <p14:creationId xmlns:p14="http://schemas.microsoft.com/office/powerpoint/2010/main" xmlns="" val="3974696075"/>
+        <p14:creationId xmlns="" xmlns:p14="http://schemas.microsoft.com/office/powerpoint/2010/main" val="119922345"/>
       </p:ext>
     </p:extLst>
   </p:cSld>
@@ -41691,7 +41784,7 @@
 </p:sld>
 </file>
 
-<file path=ppt/slides/slide20.xml><?xml version="1.0" encoding="utf-8"?>
+<file path=ppt/slides/slide21.xml><?xml version="1.0" encoding="utf-8"?>
 <p:sld xmlns:a="http://schemas.openxmlformats.org/drawingml/2006/main" xmlns:r="http://schemas.openxmlformats.org/officeDocument/2006/relationships" xmlns:p="http://schemas.openxmlformats.org/presentationml/2006/main">
   <p:cSld>
     <p:spTree>
@@ -41829,7 +41922,7 @@
           <p:cNvPr id="2" name="Title 1">
             <a:extLst>
               <a:ext uri="{FF2B5EF4-FFF2-40B4-BE49-F238E27FC236}">
-                <a16:creationId xmlns:a16="http://schemas.microsoft.com/office/drawing/2014/main" xmlns="" id="{A875E76E-82C7-4FA8-9842-E997F8767AB0}"/>
+                <a16:creationId xmlns:a16="http://schemas.microsoft.com/office/drawing/2014/main" xmlns="" id="{705EB085-B337-4199-A40E-269BA49121BE}"/>
               </a:ext>
             </a:extLst>
           </p:cNvPr>
@@ -41858,7 +41951,7 @@
                   <a:srgbClr val="FFFFFF"/>
                 </a:solidFill>
               </a:rPr>
-              <a:t>14. </a:t>
+              <a:t>15. </a:t>
             </a:r>
             <a:r>
               <a:rPr lang="en-GB" b="1" dirty="0">
@@ -41866,25 +41959,9 @@
                   <a:srgbClr val="FFFFFF"/>
                 </a:solidFill>
               </a:rPr>
-              <a:t>POSSIBLE </a:t>
+              <a:t>FEASIBILITY STUDY </a:t>
             </a:r>
-            <a:r>
-              <a:rPr lang="en-GB" b="1" dirty="0" smtClean="0">
-                <a:solidFill>
-                  <a:srgbClr val="FFFFFF"/>
-                </a:solidFill>
-              </a:rPr>
-              <a:t>APPLICATIONS </a:t>
-            </a:r>
-            <a:r>
-              <a:rPr lang="en-GB" b="1" dirty="0">
-                <a:solidFill>
-                  <a:srgbClr val="FFFFFF"/>
-                </a:solidFill>
-              </a:rPr>
-              <a:t>OF WORK </a:t>
-            </a:r>
-            <a:endParaRPr lang="x-none" b="1" dirty="0">
+            <a:endParaRPr lang="x-none" b="1">
               <a:solidFill>
                 <a:srgbClr val="FFFFFF"/>
               </a:solidFill>
@@ -41993,333 +42070,6 @@
       </p:sp>
       <p:graphicFrame>
         <p:nvGraphicFramePr>
-          <p:cNvPr id="11" name="Content Placeholder 10"/>
-          <p:cNvGraphicFramePr>
-            <a:graphicFrameLocks noGrp="1"/>
-          </p:cNvGraphicFramePr>
-          <p:nvPr>
-            <p:ph idx="1"/>
-          </p:nvPr>
-        </p:nvGraphicFramePr>
-        <p:xfrm>
-          <a:off x="1752599" y="2380343"/>
-          <a:ext cx="8140701" cy="4180114"/>
-        </p:xfrm>
-        <a:graphic>
-          <a:graphicData uri="http://schemas.openxmlformats.org/drawingml/2006/diagram">
-            <dgm:relIds xmlns:dgm="http://schemas.openxmlformats.org/drawingml/2006/diagram" xmlns:r="http://schemas.openxmlformats.org/officeDocument/2006/relationships" r:dm="rId2" r:lo="rId3" r:qs="rId4" r:cs="rId5"/>
-          </a:graphicData>
-        </a:graphic>
-      </p:graphicFrame>
-    </p:spTree>
-    <p:extLst>
-      <p:ext uri="{BB962C8B-B14F-4D97-AF65-F5344CB8AC3E}">
-        <p14:creationId xmlns:p14="http://schemas.microsoft.com/office/powerpoint/2010/main" xmlns="" val="119922345"/>
-      </p:ext>
-    </p:extLst>
-  </p:cSld>
-  <p:clrMapOvr>
-    <a:masterClrMapping/>
-  </p:clrMapOvr>
-  <p:transition spd="med">
-    <p:pull dir="d"/>
-  </p:transition>
-  <p:timing>
-    <p:tnLst>
-      <p:par>
-        <p:cTn id="1" dur="indefinite" restart="never" nodeType="tmRoot"/>
-      </p:par>
-    </p:tnLst>
-  </p:timing>
-</p:sld>
-</file>
-
-<file path=ppt/slides/slide21.xml><?xml version="1.0" encoding="utf-8"?>
-<p:sld xmlns:a="http://schemas.openxmlformats.org/drawingml/2006/main" xmlns:r="http://schemas.openxmlformats.org/officeDocument/2006/relationships" xmlns:p="http://schemas.openxmlformats.org/presentationml/2006/main">
-  <p:cSld>
-    <p:spTree>
-      <p:nvGrpSpPr>
-        <p:cNvPr id="1" name=""/>
-        <p:cNvGrpSpPr/>
-        <p:nvPr/>
-      </p:nvGrpSpPr>
-      <p:grpSpPr>
-        <a:xfrm>
-          <a:off x="0" y="0"/>
-          <a:ext cx="0" cy="0"/>
-          <a:chOff x="0" y="0"/>
-          <a:chExt cx="0" cy="0"/>
-        </a:xfrm>
-      </p:grpSpPr>
-      <p:sp useBgFill="1">
-        <p:nvSpPr>
-          <p:cNvPr id="8" name="Rectangle 7">
-            <a:extLst>
-              <a:ext uri="{FF2B5EF4-FFF2-40B4-BE49-F238E27FC236}">
-                <a16:creationId xmlns="" xmlns:a16="http://schemas.microsoft.com/office/drawing/2014/main" id="{3A3C2D7E-3F2E-404E-9B30-CB12DC972D50}"/>
-              </a:ext>
-              <a:ext uri="{C183D7F6-B498-43B3-948B-1728B52AA6E4}">
-                <adec:decorative xmlns="" xmlns:adec="http://schemas.microsoft.com/office/drawing/2017/decorative" val="1"/>
-              </a:ext>
-            </a:extLst>
-          </p:cNvPr>
-          <p:cNvSpPr>
-            <a:spLocks noGrp="1" noRot="1" noChangeAspect="1" noMove="1" noResize="1" noEditPoints="1" noAdjustHandles="1" noChangeArrowheads="1" noChangeShapeType="1" noTextEdit="1"/>
-          </p:cNvSpPr>
-          <p:nvPr>
-            <p:extLst>
-              <p:ext uri="{386F3935-93C4-4BCD-93E2-E3B085C9AB24}">
-                <p16:designElem xmlns="" xmlns:p16="http://schemas.microsoft.com/office/powerpoint/2015/main" val="1"/>
-              </p:ext>
-            </p:extLst>
-          </p:nvPr>
-        </p:nvSpPr>
-        <p:spPr>
-          <a:xfrm>
-            <a:off x="1" y="0"/>
-            <a:ext cx="12192000" cy="6858000"/>
-          </a:xfrm>
-          <a:prstGeom prst="rect">
-            <a:avLst/>
-          </a:prstGeom>
-          <a:ln>
-            <a:noFill/>
-          </a:ln>
-        </p:spPr>
-        <p:style>
-          <a:lnRef idx="2">
-            <a:schemeClr val="accent1">
-              <a:shade val="50000"/>
-            </a:schemeClr>
-          </a:lnRef>
-          <a:fillRef idx="1">
-            <a:schemeClr val="accent1"/>
-          </a:fillRef>
-          <a:effectRef idx="0">
-            <a:schemeClr val="accent1"/>
-          </a:effectRef>
-          <a:fontRef idx="minor">
-            <a:schemeClr val="lt1"/>
-          </a:fontRef>
-        </p:style>
-        <p:txBody>
-          <a:bodyPr rtlCol="0" anchor="ctr"/>
-          <a:lstStyle/>
-          <a:p>
-            <a:pPr algn="ctr"/>
-            <a:endParaRPr lang="en-US" dirty="0"/>
-          </a:p>
-        </p:txBody>
-      </p:sp>
-      <p:sp>
-        <p:nvSpPr>
-          <p:cNvPr id="10" name="Rectangle 9">
-            <a:extLst>
-              <a:ext uri="{FF2B5EF4-FFF2-40B4-BE49-F238E27FC236}">
-                <a16:creationId xmlns="" xmlns:a16="http://schemas.microsoft.com/office/drawing/2014/main" id="{F1F7FD00-BF97-4325-B7C2-E451F20840A7}"/>
-              </a:ext>
-              <a:ext uri="{C183D7F6-B498-43B3-948B-1728B52AA6E4}">
-                <adec:decorative xmlns="" xmlns:adec="http://schemas.microsoft.com/office/drawing/2017/decorative" val="1"/>
-              </a:ext>
-            </a:extLst>
-          </p:cNvPr>
-          <p:cNvSpPr>
-            <a:spLocks noGrp="1" noRot="1" noChangeAspect="1" noMove="1" noResize="1" noEditPoints="1" noAdjustHandles="1" noChangeArrowheads="1" noChangeShapeType="1" noTextEdit="1"/>
-          </p:cNvSpPr>
-          <p:nvPr>
-            <p:extLst>
-              <p:ext uri="{386F3935-93C4-4BCD-93E2-E3B085C9AB24}">
-                <p16:designElem xmlns="" xmlns:p16="http://schemas.microsoft.com/office/powerpoint/2015/main" val="1"/>
-              </p:ext>
-            </p:extLst>
-          </p:nvPr>
-        </p:nvSpPr>
-        <p:spPr>
-          <a:xfrm>
-            <a:off x="0" y="0"/>
-            <a:ext cx="12192000" cy="2306695"/>
-          </a:xfrm>
-          <a:prstGeom prst="rect">
-            <a:avLst/>
-          </a:prstGeom>
-          <a:solidFill>
-            <a:schemeClr val="tx2">
-              <a:lumMod val="50000"/>
-            </a:schemeClr>
-          </a:solidFill>
-          <a:ln>
-            <a:noFill/>
-          </a:ln>
-          <a:effectLst/>
-        </p:spPr>
-        <p:style>
-          <a:lnRef idx="1">
-            <a:schemeClr val="accent1"/>
-          </a:lnRef>
-          <a:fillRef idx="3">
-            <a:schemeClr val="accent1"/>
-          </a:fillRef>
-          <a:effectRef idx="2">
-            <a:schemeClr val="accent1"/>
-          </a:effectRef>
-          <a:fontRef idx="minor">
-            <a:schemeClr val="lt1"/>
-          </a:fontRef>
-        </p:style>
-      </p:sp>
-      <p:sp>
-        <p:nvSpPr>
-          <p:cNvPr id="2" name="Title 1">
-            <a:extLst>
-              <a:ext uri="{FF2B5EF4-FFF2-40B4-BE49-F238E27FC236}">
-                <a16:creationId xmlns="" xmlns:a16="http://schemas.microsoft.com/office/drawing/2014/main" id="{705EB085-B337-4199-A40E-269BA49121BE}"/>
-              </a:ext>
-            </a:extLst>
-          </p:cNvPr>
-          <p:cNvSpPr>
-            <a:spLocks noGrp="1"/>
-          </p:cNvSpPr>
-          <p:nvPr>
-            <p:ph type="title"/>
-          </p:nvPr>
-        </p:nvSpPr>
-        <p:spPr>
-          <a:xfrm>
-            <a:off x="1843391" y="624110"/>
-            <a:ext cx="9383408" cy="1280890"/>
-          </a:xfrm>
-        </p:spPr>
-        <p:txBody>
-          <a:bodyPr>
-            <a:normAutofit/>
-          </a:bodyPr>
-          <a:lstStyle/>
-          <a:p>
-            <a:r>
-              <a:rPr lang="en-GB" b="1" dirty="0" smtClean="0">
-                <a:solidFill>
-                  <a:srgbClr val="FFFFFF"/>
-                </a:solidFill>
-              </a:rPr>
-              <a:t>15. </a:t>
-            </a:r>
-            <a:r>
-              <a:rPr lang="en-GB" b="1" dirty="0">
-                <a:solidFill>
-                  <a:srgbClr val="FFFFFF"/>
-                </a:solidFill>
-              </a:rPr>
-              <a:t>FEASIBILITY STUDY </a:t>
-            </a:r>
-            <a:endParaRPr lang="x-none" b="1">
-              <a:solidFill>
-                <a:srgbClr val="FFFFFF"/>
-              </a:solidFill>
-            </a:endParaRPr>
-          </a:p>
-        </p:txBody>
-      </p:sp>
-      <p:sp>
-        <p:nvSpPr>
-          <p:cNvPr id="12" name="Freeform 11">
-            <a:extLst>
-              <a:ext uri="{FF2B5EF4-FFF2-40B4-BE49-F238E27FC236}">
-                <a16:creationId xmlns="" xmlns:a16="http://schemas.microsoft.com/office/drawing/2014/main" id="{179B5294-DA4E-4926-B14A-DD6E07A12F67}"/>
-              </a:ext>
-              <a:ext uri="{C183D7F6-B498-43B3-948B-1728B52AA6E4}">
-                <adec:decorative xmlns="" xmlns:adec="http://schemas.microsoft.com/office/drawing/2017/decorative" val="1"/>
-              </a:ext>
-            </a:extLst>
-          </p:cNvPr>
-          <p:cNvSpPr>
-            <a:spLocks noGrp="1" noRot="1" noChangeAspect="1" noMove="1" noResize="1" noEditPoints="1" noAdjustHandles="1" noChangeArrowheads="1" noChangeShapeType="1" noTextEdit="1"/>
-          </p:cNvSpPr>
-          <p:nvPr>
-            <p:extLst>
-              <p:ext uri="{386F3935-93C4-4BCD-93E2-E3B085C9AB24}">
-                <p16:designElem xmlns="" xmlns:p16="http://schemas.microsoft.com/office/powerpoint/2015/main" val="1"/>
-              </p:ext>
-            </p:extLst>
-          </p:nvPr>
-        </p:nvSpPr>
-        <p:spPr bwMode="auto">
-          <a:xfrm flipV="1">
-            <a:off x="-4189" y="714375"/>
-            <a:ext cx="1588527" cy="507297"/>
-          </a:xfrm>
-          <a:custGeom>
-            <a:avLst/>
-            <a:gdLst/>
-            <a:ahLst/>
-            <a:cxnLst/>
-            <a:rect l="l" t="t" r="r" b="b"/>
-            <a:pathLst>
-              <a:path w="9248" h="10000">
-                <a:moveTo>
-                  <a:pt x="9248" y="4701"/>
-                </a:moveTo>
-                <a:lnTo>
-                  <a:pt x="7915" y="188"/>
-                </a:lnTo>
-                <a:cubicBezTo>
-                  <a:pt x="7906" y="156"/>
-                  <a:pt x="7895" y="126"/>
-                  <a:pt x="7886" y="94"/>
-                </a:cubicBezTo>
-                <a:cubicBezTo>
-                  <a:pt x="7859" y="0"/>
-                  <a:pt x="7831" y="0"/>
-                  <a:pt x="7803" y="0"/>
-                </a:cubicBezTo>
-                <a:lnTo>
-                  <a:pt x="7275" y="0"/>
-                </a:lnTo>
-                <a:lnTo>
-                  <a:pt x="0" y="70"/>
-                </a:lnTo>
-                <a:cubicBezTo>
-                  <a:pt x="8" y="3380"/>
-                  <a:pt x="17" y="6690"/>
-                  <a:pt x="25" y="10000"/>
-                </a:cubicBezTo>
-                <a:lnTo>
-                  <a:pt x="7275" y="9966"/>
-                </a:lnTo>
-                <a:lnTo>
-                  <a:pt x="7803" y="9966"/>
-                </a:lnTo>
-                <a:cubicBezTo>
-                  <a:pt x="7831" y="9966"/>
-                  <a:pt x="7859" y="9872"/>
-                  <a:pt x="7886" y="9872"/>
-                </a:cubicBezTo>
-                <a:cubicBezTo>
-                  <a:pt x="7886" y="9778"/>
-                  <a:pt x="7915" y="9778"/>
-                  <a:pt x="7915" y="9778"/>
-                </a:cubicBezTo>
-                <a:lnTo>
-                  <a:pt x="9248" y="5265"/>
-                </a:lnTo>
-                <a:cubicBezTo>
-                  <a:pt x="9303" y="5077"/>
-                  <a:pt x="9303" y="4889"/>
-                  <a:pt x="9248" y="4701"/>
-                </a:cubicBezTo>
-                <a:close/>
-              </a:path>
-            </a:pathLst>
-          </a:custGeom>
-          <a:solidFill>
-            <a:schemeClr val="accent1"/>
-          </a:solidFill>
-          <a:ln>
-            <a:noFill/>
-          </a:ln>
-        </p:spPr>
-      </p:sp>
-      <p:graphicFrame>
-        <p:nvGraphicFramePr>
           <p:cNvPr id="9" name="Content Placeholder 8"/>
           <p:cNvGraphicFramePr>
             <a:graphicFrameLocks noGrp="1"/>
@@ -42341,7 +42091,7 @@
     </p:spTree>
     <p:extLst>
       <p:ext uri="{BB962C8B-B14F-4D97-AF65-F5344CB8AC3E}">
-        <p14:creationId xmlns:p14="http://schemas.microsoft.com/office/powerpoint/2010/main" xmlns="" val="2977952652"/>
+        <p14:creationId xmlns="" xmlns:p14="http://schemas.microsoft.com/office/powerpoint/2010/main" val="2977952652"/>
       </p:ext>
     </p:extLst>
   </p:cSld>
@@ -42409,10 +42159,10 @@
           <p:cNvPr id="8" name="Rectangle 7">
             <a:extLst>
               <a:ext uri="{FF2B5EF4-FFF2-40B4-BE49-F238E27FC236}">
-                <a16:creationId xmlns="" xmlns:a16="http://schemas.microsoft.com/office/drawing/2014/main" id="{3A3C2D7E-3F2E-404E-9B30-CB12DC972D50}"/>
+                <a16:creationId xmlns:a16="http://schemas.microsoft.com/office/drawing/2014/main" xmlns="" id="{3A3C2D7E-3F2E-404E-9B30-CB12DC972D50}"/>
               </a:ext>
               <a:ext uri="{C183D7F6-B498-43B3-948B-1728B52AA6E4}">
-                <adec:decorative xmlns="" xmlns:adec="http://schemas.microsoft.com/office/drawing/2017/decorative" val="1"/>
+                <adec:decorative xmlns:adec="http://schemas.microsoft.com/office/drawing/2017/decorative" xmlns="" val="1"/>
               </a:ext>
             </a:extLst>
           </p:cNvPr>
@@ -42422,7 +42172,7 @@
           <p:nvPr>
             <p:extLst>
               <p:ext uri="{386F3935-93C4-4BCD-93E2-E3B085C9AB24}">
-                <p16:designElem xmlns="" xmlns:p16="http://schemas.microsoft.com/office/powerpoint/2015/main" val="1"/>
+                <p16:designElem xmlns:p16="http://schemas.microsoft.com/office/powerpoint/2015/main" xmlns="" val="1"/>
               </p:ext>
             </p:extLst>
           </p:nvPr>
@@ -42469,10 +42219,10 @@
           <p:cNvPr id="10" name="Rectangle 9">
             <a:extLst>
               <a:ext uri="{FF2B5EF4-FFF2-40B4-BE49-F238E27FC236}">
-                <a16:creationId xmlns="" xmlns:a16="http://schemas.microsoft.com/office/drawing/2014/main" id="{F1F7FD00-BF97-4325-B7C2-E451F20840A7}"/>
+                <a16:creationId xmlns:a16="http://schemas.microsoft.com/office/drawing/2014/main" xmlns="" id="{F1F7FD00-BF97-4325-B7C2-E451F20840A7}"/>
               </a:ext>
               <a:ext uri="{C183D7F6-B498-43B3-948B-1728B52AA6E4}">
-                <adec:decorative xmlns="" xmlns:adec="http://schemas.microsoft.com/office/drawing/2017/decorative" val="1"/>
+                <adec:decorative xmlns:adec="http://schemas.microsoft.com/office/drawing/2017/decorative" xmlns="" val="1"/>
               </a:ext>
             </a:extLst>
           </p:cNvPr>
@@ -42482,7 +42232,7 @@
           <p:nvPr>
             <p:extLst>
               <p:ext uri="{386F3935-93C4-4BCD-93E2-E3B085C9AB24}">
-                <p16:designElem xmlns="" xmlns:p16="http://schemas.microsoft.com/office/powerpoint/2015/main" val="1"/>
+                <p16:designElem xmlns:p16="http://schemas.microsoft.com/office/powerpoint/2015/main" xmlns="" val="1"/>
               </p:ext>
             </p:extLst>
           </p:nvPr>
@@ -42525,7 +42275,7 @@
           <p:cNvPr id="2" name="Title 1">
             <a:extLst>
               <a:ext uri="{FF2B5EF4-FFF2-40B4-BE49-F238E27FC236}">
-                <a16:creationId xmlns="" xmlns:a16="http://schemas.microsoft.com/office/drawing/2014/main" id="{705EB085-B337-4199-A40E-269BA49121BE}"/>
+                <a16:creationId xmlns:a16="http://schemas.microsoft.com/office/drawing/2014/main" xmlns="" id="{705EB085-B337-4199-A40E-269BA49121BE}"/>
               </a:ext>
             </a:extLst>
           </p:cNvPr>
@@ -42585,10 +42335,10 @@
           <p:cNvPr id="12" name="Freeform 11">
             <a:extLst>
               <a:ext uri="{FF2B5EF4-FFF2-40B4-BE49-F238E27FC236}">
-                <a16:creationId xmlns="" xmlns:a16="http://schemas.microsoft.com/office/drawing/2014/main" id="{179B5294-DA4E-4926-B14A-DD6E07A12F67}"/>
+                <a16:creationId xmlns:a16="http://schemas.microsoft.com/office/drawing/2014/main" xmlns="" id="{179B5294-DA4E-4926-B14A-DD6E07A12F67}"/>
               </a:ext>
               <a:ext uri="{C183D7F6-B498-43B3-948B-1728B52AA6E4}">
-                <adec:decorative xmlns="" xmlns:adec="http://schemas.microsoft.com/office/drawing/2017/decorative" val="1"/>
+                <adec:decorative xmlns:adec="http://schemas.microsoft.com/office/drawing/2017/decorative" xmlns="" val="1"/>
               </a:ext>
             </a:extLst>
           </p:cNvPr>
@@ -42598,7 +42348,7 @@
           <p:nvPr>
             <p:extLst>
               <p:ext uri="{386F3935-93C4-4BCD-93E2-E3B085C9AB24}">
-                <p16:designElem xmlns="" xmlns:p16="http://schemas.microsoft.com/office/powerpoint/2015/main" val="1"/>
+                <p16:designElem xmlns:p16="http://schemas.microsoft.com/office/powerpoint/2015/main" xmlns="" val="1"/>
               </p:ext>
             </p:extLst>
           </p:nvPr>
@@ -42718,7 +42468,7 @@
     </p:spTree>
     <p:extLst>
       <p:ext uri="{BB962C8B-B14F-4D97-AF65-F5344CB8AC3E}">
-        <p14:creationId xmlns:p14="http://schemas.microsoft.com/office/powerpoint/2010/main" xmlns="" val="2977952652"/>
+        <p14:creationId xmlns="" xmlns:p14="http://schemas.microsoft.com/office/powerpoint/2010/main" val="2977952652"/>
       </p:ext>
     </p:extLst>
   </p:cSld>
@@ -42786,10 +42536,10 @@
           <p:cNvPr id="8" name="Rectangle 7">
             <a:extLst>
               <a:ext uri="{FF2B5EF4-FFF2-40B4-BE49-F238E27FC236}">
-                <a16:creationId xmlns="" xmlns:a16="http://schemas.microsoft.com/office/drawing/2014/main" id="{3A3C2D7E-3F2E-404E-9B30-CB12DC972D50}"/>
+                <a16:creationId xmlns:a16="http://schemas.microsoft.com/office/drawing/2014/main" xmlns="" id="{3A3C2D7E-3F2E-404E-9B30-CB12DC972D50}"/>
               </a:ext>
               <a:ext uri="{C183D7F6-B498-43B3-948B-1728B52AA6E4}">
-                <adec:decorative xmlns="" xmlns:adec="http://schemas.microsoft.com/office/drawing/2017/decorative" val="1"/>
+                <adec:decorative xmlns:adec="http://schemas.microsoft.com/office/drawing/2017/decorative" xmlns="" val="1"/>
               </a:ext>
             </a:extLst>
           </p:cNvPr>
@@ -42799,7 +42549,7 @@
           <p:nvPr>
             <p:extLst>
               <p:ext uri="{386F3935-93C4-4BCD-93E2-E3B085C9AB24}">
-                <p16:designElem xmlns="" xmlns:p16="http://schemas.microsoft.com/office/powerpoint/2015/main" val="1"/>
+                <p16:designElem xmlns:p16="http://schemas.microsoft.com/office/powerpoint/2015/main" xmlns="" val="1"/>
               </p:ext>
             </p:extLst>
           </p:nvPr>
@@ -42846,10 +42596,10 @@
           <p:cNvPr id="10" name="Rectangle 9">
             <a:extLst>
               <a:ext uri="{FF2B5EF4-FFF2-40B4-BE49-F238E27FC236}">
-                <a16:creationId xmlns="" xmlns:a16="http://schemas.microsoft.com/office/drawing/2014/main" id="{F1F7FD00-BF97-4325-B7C2-E451F20840A7}"/>
+                <a16:creationId xmlns:a16="http://schemas.microsoft.com/office/drawing/2014/main" xmlns="" id="{F1F7FD00-BF97-4325-B7C2-E451F20840A7}"/>
               </a:ext>
               <a:ext uri="{C183D7F6-B498-43B3-948B-1728B52AA6E4}">
-                <adec:decorative xmlns="" xmlns:adec="http://schemas.microsoft.com/office/drawing/2017/decorative" val="1"/>
+                <adec:decorative xmlns:adec="http://schemas.microsoft.com/office/drawing/2017/decorative" xmlns="" val="1"/>
               </a:ext>
             </a:extLst>
           </p:cNvPr>
@@ -42859,7 +42609,7 @@
           <p:nvPr>
             <p:extLst>
               <p:ext uri="{386F3935-93C4-4BCD-93E2-E3B085C9AB24}">
-                <p16:designElem xmlns="" xmlns:p16="http://schemas.microsoft.com/office/powerpoint/2015/main" val="1"/>
+                <p16:designElem xmlns:p16="http://schemas.microsoft.com/office/powerpoint/2015/main" xmlns="" val="1"/>
               </p:ext>
             </p:extLst>
           </p:nvPr>
@@ -42902,7 +42652,7 @@
           <p:cNvPr id="2" name="Title 1">
             <a:extLst>
               <a:ext uri="{FF2B5EF4-FFF2-40B4-BE49-F238E27FC236}">
-                <a16:creationId xmlns="" xmlns:a16="http://schemas.microsoft.com/office/drawing/2014/main" id="{705EB085-B337-4199-A40E-269BA49121BE}"/>
+                <a16:creationId xmlns:a16="http://schemas.microsoft.com/office/drawing/2014/main" xmlns="" id="{705EB085-B337-4199-A40E-269BA49121BE}"/>
               </a:ext>
             </a:extLst>
           </p:cNvPr>
@@ -42962,10 +42712,10 @@
           <p:cNvPr id="12" name="Freeform 11">
             <a:extLst>
               <a:ext uri="{FF2B5EF4-FFF2-40B4-BE49-F238E27FC236}">
-                <a16:creationId xmlns="" xmlns:a16="http://schemas.microsoft.com/office/drawing/2014/main" id="{179B5294-DA4E-4926-B14A-DD6E07A12F67}"/>
+                <a16:creationId xmlns:a16="http://schemas.microsoft.com/office/drawing/2014/main" xmlns="" id="{179B5294-DA4E-4926-B14A-DD6E07A12F67}"/>
               </a:ext>
               <a:ext uri="{C183D7F6-B498-43B3-948B-1728B52AA6E4}">
-                <adec:decorative xmlns="" xmlns:adec="http://schemas.microsoft.com/office/drawing/2017/decorative" val="1"/>
+                <adec:decorative xmlns:adec="http://schemas.microsoft.com/office/drawing/2017/decorative" xmlns="" val="1"/>
               </a:ext>
             </a:extLst>
           </p:cNvPr>
@@ -42975,7 +42725,7 @@
           <p:nvPr>
             <p:extLst>
               <p:ext uri="{386F3935-93C4-4BCD-93E2-E3B085C9AB24}">
-                <p16:designElem xmlns="" xmlns:p16="http://schemas.microsoft.com/office/powerpoint/2015/main" val="1"/>
+                <p16:designElem xmlns:p16="http://schemas.microsoft.com/office/powerpoint/2015/main" xmlns="" val="1"/>
               </p:ext>
             </p:extLst>
           </p:nvPr>
@@ -43093,7 +42843,7 @@
     </p:spTree>
     <p:extLst>
       <p:ext uri="{BB962C8B-B14F-4D97-AF65-F5344CB8AC3E}">
-        <p14:creationId xmlns:p14="http://schemas.microsoft.com/office/powerpoint/2010/main" xmlns="" val="2977952652"/>
+        <p14:creationId xmlns="" xmlns:p14="http://schemas.microsoft.com/office/powerpoint/2010/main" val="2977952652"/>
       </p:ext>
     </p:extLst>
   </p:cSld>
@@ -43161,10 +42911,10 @@
           <p:cNvPr id="8" name="Rectangle 7">
             <a:extLst>
               <a:ext uri="{FF2B5EF4-FFF2-40B4-BE49-F238E27FC236}">
-                <a16:creationId xmlns="" xmlns:a16="http://schemas.microsoft.com/office/drawing/2014/main" id="{3A3C2D7E-3F2E-404E-9B30-CB12DC972D50}"/>
+                <a16:creationId xmlns:a16="http://schemas.microsoft.com/office/drawing/2014/main" xmlns="" id="{3A3C2D7E-3F2E-404E-9B30-CB12DC972D50}"/>
               </a:ext>
               <a:ext uri="{C183D7F6-B498-43B3-948B-1728B52AA6E4}">
-                <adec:decorative xmlns="" xmlns:adec="http://schemas.microsoft.com/office/drawing/2017/decorative" val="1"/>
+                <adec:decorative xmlns:adec="http://schemas.microsoft.com/office/drawing/2017/decorative" xmlns="" val="1"/>
               </a:ext>
             </a:extLst>
           </p:cNvPr>
@@ -43174,7 +42924,7 @@
           <p:nvPr>
             <p:extLst>
               <p:ext uri="{386F3935-93C4-4BCD-93E2-E3B085C9AB24}">
-                <p16:designElem xmlns="" xmlns:p16="http://schemas.microsoft.com/office/powerpoint/2015/main" val="1"/>
+                <p16:designElem xmlns:p16="http://schemas.microsoft.com/office/powerpoint/2015/main" xmlns="" val="1"/>
               </p:ext>
             </p:extLst>
           </p:nvPr>
@@ -43221,10 +42971,10 @@
           <p:cNvPr id="10" name="Rectangle 9">
             <a:extLst>
               <a:ext uri="{FF2B5EF4-FFF2-40B4-BE49-F238E27FC236}">
-                <a16:creationId xmlns="" xmlns:a16="http://schemas.microsoft.com/office/drawing/2014/main" id="{F1F7FD00-BF97-4325-B7C2-E451F20840A7}"/>
+                <a16:creationId xmlns:a16="http://schemas.microsoft.com/office/drawing/2014/main" xmlns="" id="{F1F7FD00-BF97-4325-B7C2-E451F20840A7}"/>
               </a:ext>
               <a:ext uri="{C183D7F6-B498-43B3-948B-1728B52AA6E4}">
-                <adec:decorative xmlns="" xmlns:adec="http://schemas.microsoft.com/office/drawing/2017/decorative" val="1"/>
+                <adec:decorative xmlns:adec="http://schemas.microsoft.com/office/drawing/2017/decorative" xmlns="" val="1"/>
               </a:ext>
             </a:extLst>
           </p:cNvPr>
@@ -43234,7 +42984,7 @@
           <p:nvPr>
             <p:extLst>
               <p:ext uri="{386F3935-93C4-4BCD-93E2-E3B085C9AB24}">
-                <p16:designElem xmlns="" xmlns:p16="http://schemas.microsoft.com/office/powerpoint/2015/main" val="1"/>
+                <p16:designElem xmlns:p16="http://schemas.microsoft.com/office/powerpoint/2015/main" xmlns="" val="1"/>
               </p:ext>
             </p:extLst>
           </p:nvPr>
@@ -43277,7 +43027,7 @@
           <p:cNvPr id="2" name="Title 1">
             <a:extLst>
               <a:ext uri="{FF2B5EF4-FFF2-40B4-BE49-F238E27FC236}">
-                <a16:creationId xmlns="" xmlns:a16="http://schemas.microsoft.com/office/drawing/2014/main" id="{705EB085-B337-4199-A40E-269BA49121BE}"/>
+                <a16:creationId xmlns:a16="http://schemas.microsoft.com/office/drawing/2014/main" xmlns="" id="{705EB085-B337-4199-A40E-269BA49121BE}"/>
               </a:ext>
             </a:extLst>
           </p:cNvPr>
@@ -43337,10 +43087,10 @@
           <p:cNvPr id="12" name="Freeform 11">
             <a:extLst>
               <a:ext uri="{FF2B5EF4-FFF2-40B4-BE49-F238E27FC236}">
-                <a16:creationId xmlns="" xmlns:a16="http://schemas.microsoft.com/office/drawing/2014/main" id="{179B5294-DA4E-4926-B14A-DD6E07A12F67}"/>
+                <a16:creationId xmlns:a16="http://schemas.microsoft.com/office/drawing/2014/main" xmlns="" id="{179B5294-DA4E-4926-B14A-DD6E07A12F67}"/>
               </a:ext>
               <a:ext uri="{C183D7F6-B498-43B3-948B-1728B52AA6E4}">
-                <adec:decorative xmlns="" xmlns:adec="http://schemas.microsoft.com/office/drawing/2017/decorative" val="1"/>
+                <adec:decorative xmlns:adec="http://schemas.microsoft.com/office/drawing/2017/decorative" xmlns="" val="1"/>
               </a:ext>
             </a:extLst>
           </p:cNvPr>
@@ -43350,7 +43100,7 @@
           <p:nvPr>
             <p:extLst>
               <p:ext uri="{386F3935-93C4-4BCD-93E2-E3B085C9AB24}">
-                <p16:designElem xmlns="" xmlns:p16="http://schemas.microsoft.com/office/powerpoint/2015/main" val="1"/>
+                <p16:designElem xmlns:p16="http://schemas.microsoft.com/office/powerpoint/2015/main" xmlns="" val="1"/>
               </p:ext>
             </p:extLst>
           </p:nvPr>
@@ -43470,7 +43220,7 @@
     </p:spTree>
     <p:extLst>
       <p:ext uri="{BB962C8B-B14F-4D97-AF65-F5344CB8AC3E}">
-        <p14:creationId xmlns:p14="http://schemas.microsoft.com/office/powerpoint/2010/main" xmlns="" val="2977952652"/>
+        <p14:creationId xmlns="" xmlns:p14="http://schemas.microsoft.com/office/powerpoint/2010/main" val="2977952652"/>
       </p:ext>
     </p:extLst>
   </p:cSld>
@@ -43538,10 +43288,10 @@
           <p:cNvPr id="8" name="Rectangle 7">
             <a:extLst>
               <a:ext uri="{FF2B5EF4-FFF2-40B4-BE49-F238E27FC236}">
-                <a16:creationId xmlns="" xmlns:a16="http://schemas.microsoft.com/office/drawing/2014/main" id="{3A3C2D7E-3F2E-404E-9B30-CB12DC972D50}"/>
+                <a16:creationId xmlns:a16="http://schemas.microsoft.com/office/drawing/2014/main" xmlns="" id="{3A3C2D7E-3F2E-404E-9B30-CB12DC972D50}"/>
               </a:ext>
               <a:ext uri="{C183D7F6-B498-43B3-948B-1728B52AA6E4}">
-                <adec:decorative xmlns="" xmlns:adec="http://schemas.microsoft.com/office/drawing/2017/decorative" val="1"/>
+                <adec:decorative xmlns:adec="http://schemas.microsoft.com/office/drawing/2017/decorative" xmlns="" val="1"/>
               </a:ext>
             </a:extLst>
           </p:cNvPr>
@@ -43551,7 +43301,7 @@
           <p:nvPr>
             <p:extLst>
               <p:ext uri="{386F3935-93C4-4BCD-93E2-E3B085C9AB24}">
-                <p16:designElem xmlns="" xmlns:p16="http://schemas.microsoft.com/office/powerpoint/2015/main" val="1"/>
+                <p16:designElem xmlns:p16="http://schemas.microsoft.com/office/powerpoint/2015/main" xmlns="" val="1"/>
               </p:ext>
             </p:extLst>
           </p:nvPr>
@@ -43598,10 +43348,10 @@
           <p:cNvPr id="10" name="Rectangle 9">
             <a:extLst>
               <a:ext uri="{FF2B5EF4-FFF2-40B4-BE49-F238E27FC236}">
-                <a16:creationId xmlns="" xmlns:a16="http://schemas.microsoft.com/office/drawing/2014/main" id="{F1F7FD00-BF97-4325-B7C2-E451F20840A7}"/>
+                <a16:creationId xmlns:a16="http://schemas.microsoft.com/office/drawing/2014/main" xmlns="" id="{F1F7FD00-BF97-4325-B7C2-E451F20840A7}"/>
               </a:ext>
               <a:ext uri="{C183D7F6-B498-43B3-948B-1728B52AA6E4}">
-                <adec:decorative xmlns="" xmlns:adec="http://schemas.microsoft.com/office/drawing/2017/decorative" val="1"/>
+                <adec:decorative xmlns:adec="http://schemas.microsoft.com/office/drawing/2017/decorative" xmlns="" val="1"/>
               </a:ext>
             </a:extLst>
           </p:cNvPr>
@@ -43611,7 +43361,7 @@
           <p:nvPr>
             <p:extLst>
               <p:ext uri="{386F3935-93C4-4BCD-93E2-E3B085C9AB24}">
-                <p16:designElem xmlns="" xmlns:p16="http://schemas.microsoft.com/office/powerpoint/2015/main" val="1"/>
+                <p16:designElem xmlns:p16="http://schemas.microsoft.com/office/powerpoint/2015/main" xmlns="" val="1"/>
               </p:ext>
             </p:extLst>
           </p:nvPr>
@@ -43654,7 +43404,7 @@
           <p:cNvPr id="2" name="Title 1">
             <a:extLst>
               <a:ext uri="{FF2B5EF4-FFF2-40B4-BE49-F238E27FC236}">
-                <a16:creationId xmlns="" xmlns:a16="http://schemas.microsoft.com/office/drawing/2014/main" id="{93B97C3A-D8DD-49BC-B84D-44CD0BB5C8AC}"/>
+                <a16:creationId xmlns:a16="http://schemas.microsoft.com/office/drawing/2014/main" xmlns="" id="{93B97C3A-D8DD-49BC-B84D-44CD0BB5C8AC}"/>
               </a:ext>
             </a:extLst>
           </p:cNvPr>
@@ -43706,10 +43456,10 @@
           <p:cNvPr id="12" name="Freeform 11">
             <a:extLst>
               <a:ext uri="{FF2B5EF4-FFF2-40B4-BE49-F238E27FC236}">
-                <a16:creationId xmlns="" xmlns:a16="http://schemas.microsoft.com/office/drawing/2014/main" id="{179B5294-DA4E-4926-B14A-DD6E07A12F67}"/>
+                <a16:creationId xmlns:a16="http://schemas.microsoft.com/office/drawing/2014/main" xmlns="" id="{179B5294-DA4E-4926-B14A-DD6E07A12F67}"/>
               </a:ext>
               <a:ext uri="{C183D7F6-B498-43B3-948B-1728B52AA6E4}">
-                <adec:decorative xmlns="" xmlns:adec="http://schemas.microsoft.com/office/drawing/2017/decorative" val="1"/>
+                <adec:decorative xmlns:adec="http://schemas.microsoft.com/office/drawing/2017/decorative" xmlns="" val="1"/>
               </a:ext>
             </a:extLst>
           </p:cNvPr>
@@ -43719,7 +43469,7 @@
           <p:nvPr>
             <p:extLst>
               <p:ext uri="{386F3935-93C4-4BCD-93E2-E3B085C9AB24}">
-                <p16:designElem xmlns="" xmlns:p16="http://schemas.microsoft.com/office/powerpoint/2015/main" val="1"/>
+                <p16:designElem xmlns:p16="http://schemas.microsoft.com/office/powerpoint/2015/main" xmlns="" val="1"/>
               </p:ext>
             </p:extLst>
           </p:nvPr>
@@ -43839,7 +43589,7 @@
     </p:spTree>
     <p:extLst>
       <p:ext uri="{BB962C8B-B14F-4D97-AF65-F5344CB8AC3E}">
-        <p14:creationId xmlns:p14="http://schemas.microsoft.com/office/powerpoint/2010/main" xmlns="" val="210636299"/>
+        <p14:creationId xmlns="" xmlns:p14="http://schemas.microsoft.com/office/powerpoint/2010/main" val="210636299"/>
       </p:ext>
     </p:extLst>
   </p:cSld>
@@ -43907,10 +43657,10 @@
           <p:cNvPr id="8" name="Rectangle 7">
             <a:extLst>
               <a:ext uri="{FF2B5EF4-FFF2-40B4-BE49-F238E27FC236}">
-                <a16:creationId xmlns="" xmlns:a16="http://schemas.microsoft.com/office/drawing/2014/main" id="{3A3C2D7E-3F2E-404E-9B30-CB12DC972D50}"/>
+                <a16:creationId xmlns:a16="http://schemas.microsoft.com/office/drawing/2014/main" xmlns="" id="{3A3C2D7E-3F2E-404E-9B30-CB12DC972D50}"/>
               </a:ext>
               <a:ext uri="{C183D7F6-B498-43B3-948B-1728B52AA6E4}">
-                <adec:decorative xmlns="" xmlns:adec="http://schemas.microsoft.com/office/drawing/2017/decorative" val="1"/>
+                <adec:decorative xmlns:adec="http://schemas.microsoft.com/office/drawing/2017/decorative" xmlns="" val="1"/>
               </a:ext>
             </a:extLst>
           </p:cNvPr>
@@ -43920,7 +43670,7 @@
           <p:nvPr>
             <p:extLst>
               <p:ext uri="{386F3935-93C4-4BCD-93E2-E3B085C9AB24}">
-                <p16:designElem xmlns="" xmlns:p16="http://schemas.microsoft.com/office/powerpoint/2015/main" val="1"/>
+                <p16:designElem xmlns:p16="http://schemas.microsoft.com/office/powerpoint/2015/main" xmlns="" val="1"/>
               </p:ext>
             </p:extLst>
           </p:nvPr>
@@ -43967,10 +43717,10 @@
           <p:cNvPr id="10" name="Rectangle 9">
             <a:extLst>
               <a:ext uri="{FF2B5EF4-FFF2-40B4-BE49-F238E27FC236}">
-                <a16:creationId xmlns="" xmlns:a16="http://schemas.microsoft.com/office/drawing/2014/main" id="{F1F7FD00-BF97-4325-B7C2-E451F20840A7}"/>
+                <a16:creationId xmlns:a16="http://schemas.microsoft.com/office/drawing/2014/main" xmlns="" id="{F1F7FD00-BF97-4325-B7C2-E451F20840A7}"/>
               </a:ext>
               <a:ext uri="{C183D7F6-B498-43B3-948B-1728B52AA6E4}">
-                <adec:decorative xmlns="" xmlns:adec="http://schemas.microsoft.com/office/drawing/2017/decorative" val="1"/>
+                <adec:decorative xmlns:adec="http://schemas.microsoft.com/office/drawing/2017/decorative" xmlns="" val="1"/>
               </a:ext>
             </a:extLst>
           </p:cNvPr>
@@ -43980,7 +43730,7 @@
           <p:nvPr>
             <p:extLst>
               <p:ext uri="{386F3935-93C4-4BCD-93E2-E3B085C9AB24}">
-                <p16:designElem xmlns="" xmlns:p16="http://schemas.microsoft.com/office/powerpoint/2015/main" val="1"/>
+                <p16:designElem xmlns:p16="http://schemas.microsoft.com/office/powerpoint/2015/main" xmlns="" val="1"/>
               </p:ext>
             </p:extLst>
           </p:nvPr>
@@ -44023,7 +43773,7 @@
           <p:cNvPr id="2" name="Title 1">
             <a:extLst>
               <a:ext uri="{FF2B5EF4-FFF2-40B4-BE49-F238E27FC236}">
-                <a16:creationId xmlns="" xmlns:a16="http://schemas.microsoft.com/office/drawing/2014/main" id="{5C40D58B-9133-4C06-AAD6-7E29E772C732}"/>
+                <a16:creationId xmlns:a16="http://schemas.microsoft.com/office/drawing/2014/main" xmlns="" id="{5C40D58B-9133-4C06-AAD6-7E29E772C732}"/>
               </a:ext>
             </a:extLst>
           </p:cNvPr>
@@ -44075,10 +43825,10 @@
           <p:cNvPr id="12" name="Freeform 11">
             <a:extLst>
               <a:ext uri="{FF2B5EF4-FFF2-40B4-BE49-F238E27FC236}">
-                <a16:creationId xmlns="" xmlns:a16="http://schemas.microsoft.com/office/drawing/2014/main" id="{179B5294-DA4E-4926-B14A-DD6E07A12F67}"/>
+                <a16:creationId xmlns:a16="http://schemas.microsoft.com/office/drawing/2014/main" xmlns="" id="{179B5294-DA4E-4926-B14A-DD6E07A12F67}"/>
               </a:ext>
               <a:ext uri="{C183D7F6-B498-43B3-948B-1728B52AA6E4}">
-                <adec:decorative xmlns="" xmlns:adec="http://schemas.microsoft.com/office/drawing/2017/decorative" val="1"/>
+                <adec:decorative xmlns:adec="http://schemas.microsoft.com/office/drawing/2017/decorative" xmlns="" val="1"/>
               </a:ext>
             </a:extLst>
           </p:cNvPr>
@@ -44088,7 +43838,7 @@
           <p:nvPr>
             <p:extLst>
               <p:ext uri="{386F3935-93C4-4BCD-93E2-E3B085C9AB24}">
-                <p16:designElem xmlns="" xmlns:p16="http://schemas.microsoft.com/office/powerpoint/2015/main" val="1"/>
+                <p16:designElem xmlns:p16="http://schemas.microsoft.com/office/powerpoint/2015/main" xmlns="" val="1"/>
               </p:ext>
             </p:extLst>
           </p:nvPr>
@@ -44174,7 +43924,7 @@
           <p:cNvPr id="3" name="Content Placeholder 2">
             <a:extLst>
               <a:ext uri="{FF2B5EF4-FFF2-40B4-BE49-F238E27FC236}">
-                <a16:creationId xmlns="" xmlns:a16="http://schemas.microsoft.com/office/drawing/2014/main" id="{7D0FD512-3ED8-4D99-AC7E-FFC3F80BEE8B}"/>
+                <a16:creationId xmlns:a16="http://schemas.microsoft.com/office/drawing/2014/main" xmlns="" id="{7D0FD512-3ED8-4D99-AC7E-FFC3F80BEE8B}"/>
               </a:ext>
             </a:extLst>
           </p:cNvPr>
@@ -44243,7 +43993,7 @@
     </p:spTree>
     <p:extLst>
       <p:ext uri="{BB962C8B-B14F-4D97-AF65-F5344CB8AC3E}">
-        <p14:creationId xmlns:p14="http://schemas.microsoft.com/office/powerpoint/2010/main" xmlns="" val="1587355965"/>
+        <p14:creationId xmlns="" xmlns:p14="http://schemas.microsoft.com/office/powerpoint/2010/main" val="1587355965"/>
       </p:ext>
     </p:extLst>
   </p:cSld>
@@ -44285,7 +44035,7 @@
           <p:cNvPr id="5" name="Content Placeholder 4" descr="A close up of a logo&#10;&#10;Description automatically generated">
             <a:extLst>
               <a:ext uri="{FF2B5EF4-FFF2-40B4-BE49-F238E27FC236}">
-                <a16:creationId xmlns="" xmlns:a16="http://schemas.microsoft.com/office/drawing/2014/main" id="{C1A8FEED-AADA-461C-9F95-1647F28E3199}"/>
+                <a16:creationId xmlns:a16="http://schemas.microsoft.com/office/drawing/2014/main" xmlns="" id="{C1A8FEED-AADA-461C-9F95-1647F28E3199}"/>
               </a:ext>
             </a:extLst>
           </p:cNvPr>
@@ -44312,7 +44062,7 @@
     </p:spTree>
     <p:extLst>
       <p:ext uri="{BB962C8B-B14F-4D97-AF65-F5344CB8AC3E}">
-        <p14:creationId xmlns:p14="http://schemas.microsoft.com/office/powerpoint/2010/main" xmlns="" val="4224507378"/>
+        <p14:creationId xmlns="" xmlns:p14="http://schemas.microsoft.com/office/powerpoint/2010/main" val="4224507378"/>
       </p:ext>
     </p:extLst>
   </p:cSld>
@@ -44380,10 +44130,10 @@
           <p:cNvPr id="8" name="Rectangle 7">
             <a:extLst>
               <a:ext uri="{FF2B5EF4-FFF2-40B4-BE49-F238E27FC236}">
-                <a16:creationId xmlns="" xmlns:a16="http://schemas.microsoft.com/office/drawing/2014/main" id="{3A3C2D7E-3F2E-404E-9B30-CB12DC972D50}"/>
+                <a16:creationId xmlns:a16="http://schemas.microsoft.com/office/drawing/2014/main" xmlns="" id="{3A3C2D7E-3F2E-404E-9B30-CB12DC972D50}"/>
               </a:ext>
               <a:ext uri="{C183D7F6-B498-43B3-948B-1728B52AA6E4}">
-                <adec:decorative xmlns="" xmlns:adec="http://schemas.microsoft.com/office/drawing/2017/decorative" val="1"/>
+                <adec:decorative xmlns:adec="http://schemas.microsoft.com/office/drawing/2017/decorative" xmlns="" val="1"/>
               </a:ext>
             </a:extLst>
           </p:cNvPr>
@@ -44393,7 +44143,7 @@
           <p:nvPr>
             <p:extLst>
               <p:ext uri="{386F3935-93C4-4BCD-93E2-E3B085C9AB24}">
-                <p16:designElem xmlns="" xmlns:p16="http://schemas.microsoft.com/office/powerpoint/2015/main" val="1"/>
+                <p16:designElem xmlns:p16="http://schemas.microsoft.com/office/powerpoint/2015/main" xmlns="" val="1"/>
               </p:ext>
             </p:extLst>
           </p:nvPr>
@@ -44440,10 +44190,10 @@
           <p:cNvPr id="10" name="Rectangle 9">
             <a:extLst>
               <a:ext uri="{FF2B5EF4-FFF2-40B4-BE49-F238E27FC236}">
-                <a16:creationId xmlns="" xmlns:a16="http://schemas.microsoft.com/office/drawing/2014/main" id="{F1F7FD00-BF97-4325-B7C2-E451F20840A7}"/>
+                <a16:creationId xmlns:a16="http://schemas.microsoft.com/office/drawing/2014/main" xmlns="" id="{F1F7FD00-BF97-4325-B7C2-E451F20840A7}"/>
               </a:ext>
               <a:ext uri="{C183D7F6-B498-43B3-948B-1728B52AA6E4}">
-                <adec:decorative xmlns="" xmlns:adec="http://schemas.microsoft.com/office/drawing/2017/decorative" val="1"/>
+                <adec:decorative xmlns:adec="http://schemas.microsoft.com/office/drawing/2017/decorative" xmlns="" val="1"/>
               </a:ext>
             </a:extLst>
           </p:cNvPr>
@@ -44453,7 +44203,7 @@
           <p:nvPr>
             <p:extLst>
               <p:ext uri="{386F3935-93C4-4BCD-93E2-E3B085C9AB24}">
-                <p16:designElem xmlns="" xmlns:p16="http://schemas.microsoft.com/office/powerpoint/2015/main" val="1"/>
+                <p16:designElem xmlns:p16="http://schemas.microsoft.com/office/powerpoint/2015/main" xmlns="" val="1"/>
               </p:ext>
             </p:extLst>
           </p:nvPr>
@@ -44496,7 +44246,7 @@
           <p:cNvPr id="2" name="Title 1">
             <a:extLst>
               <a:ext uri="{FF2B5EF4-FFF2-40B4-BE49-F238E27FC236}">
-                <a16:creationId xmlns="" xmlns:a16="http://schemas.microsoft.com/office/drawing/2014/main" id="{0652C70D-7098-408E-880E-3F22F905AF82}"/>
+                <a16:creationId xmlns:a16="http://schemas.microsoft.com/office/drawing/2014/main" xmlns="" id="{0652C70D-7098-408E-880E-3F22F905AF82}"/>
               </a:ext>
             </a:extLst>
           </p:cNvPr>
@@ -44545,10 +44295,10 @@
           <p:cNvPr id="12" name="Freeform 11">
             <a:extLst>
               <a:ext uri="{FF2B5EF4-FFF2-40B4-BE49-F238E27FC236}">
-                <a16:creationId xmlns="" xmlns:a16="http://schemas.microsoft.com/office/drawing/2014/main" id="{179B5294-DA4E-4926-B14A-DD6E07A12F67}"/>
+                <a16:creationId xmlns:a16="http://schemas.microsoft.com/office/drawing/2014/main" xmlns="" id="{179B5294-DA4E-4926-B14A-DD6E07A12F67}"/>
               </a:ext>
               <a:ext uri="{C183D7F6-B498-43B3-948B-1728B52AA6E4}">
-                <adec:decorative xmlns="" xmlns:adec="http://schemas.microsoft.com/office/drawing/2017/decorative" val="1"/>
+                <adec:decorative xmlns:adec="http://schemas.microsoft.com/office/drawing/2017/decorative" xmlns="" val="1"/>
               </a:ext>
             </a:extLst>
           </p:cNvPr>
@@ -44558,7 +44308,7 @@
           <p:nvPr>
             <p:extLst>
               <p:ext uri="{386F3935-93C4-4BCD-93E2-E3B085C9AB24}">
-                <p16:designElem xmlns="" xmlns:p16="http://schemas.microsoft.com/office/powerpoint/2015/main" val="1"/>
+                <p16:designElem xmlns:p16="http://schemas.microsoft.com/office/powerpoint/2015/main" xmlns="" val="1"/>
               </p:ext>
             </p:extLst>
           </p:nvPr>
@@ -44644,7 +44394,7 @@
           <p:cNvPr id="3" name="Content Placeholder 2">
             <a:extLst>
               <a:ext uri="{FF2B5EF4-FFF2-40B4-BE49-F238E27FC236}">
-                <a16:creationId xmlns="" xmlns:a16="http://schemas.microsoft.com/office/drawing/2014/main" id="{B1C6EA51-866C-4C34-B123-039CBFDAA574}"/>
+                <a16:creationId xmlns:a16="http://schemas.microsoft.com/office/drawing/2014/main" xmlns="" id="{B1C6EA51-866C-4C34-B123-039CBFDAA574}"/>
               </a:ext>
             </a:extLst>
           </p:cNvPr>
@@ -44763,7 +44513,7 @@
           <p:cNvPr id="4" name="Content Placeholder 2">
             <a:extLst>
               <a:ext uri="{FF2B5EF4-FFF2-40B4-BE49-F238E27FC236}">
-                <a16:creationId xmlns="" xmlns:a16="http://schemas.microsoft.com/office/drawing/2014/main" id="{9FA367FB-AF4D-4D32-B56D-4069D1ED2CA0}"/>
+                <a16:creationId xmlns:a16="http://schemas.microsoft.com/office/drawing/2014/main" xmlns="" id="{9FA367FB-AF4D-4D32-B56D-4069D1ED2CA0}"/>
               </a:ext>
             </a:extLst>
           </p:cNvPr>
@@ -45111,7 +44861,7 @@
     </p:spTree>
     <p:extLst>
       <p:ext uri="{BB962C8B-B14F-4D97-AF65-F5344CB8AC3E}">
-        <p14:creationId xmlns:p14="http://schemas.microsoft.com/office/powerpoint/2010/main" xmlns="" val="2976388370"/>
+        <p14:creationId xmlns="" xmlns:p14="http://schemas.microsoft.com/office/powerpoint/2010/main" val="2976388370"/>
       </p:ext>
     </p:extLst>
   </p:cSld>
@@ -45179,10 +44929,10 @@
           <p:cNvPr id="8" name="Rectangle 7">
             <a:extLst>
               <a:ext uri="{FF2B5EF4-FFF2-40B4-BE49-F238E27FC236}">
-                <a16:creationId xmlns="" xmlns:a16="http://schemas.microsoft.com/office/drawing/2014/main" id="{3A3C2D7E-3F2E-404E-9B30-CB12DC972D50}"/>
+                <a16:creationId xmlns:a16="http://schemas.microsoft.com/office/drawing/2014/main" xmlns="" id="{3A3C2D7E-3F2E-404E-9B30-CB12DC972D50}"/>
               </a:ext>
               <a:ext uri="{C183D7F6-B498-43B3-948B-1728B52AA6E4}">
-                <adec:decorative xmlns="" xmlns:adec="http://schemas.microsoft.com/office/drawing/2017/decorative" val="1"/>
+                <adec:decorative xmlns:adec="http://schemas.microsoft.com/office/drawing/2017/decorative" xmlns="" val="1"/>
               </a:ext>
             </a:extLst>
           </p:cNvPr>
@@ -45192,7 +44942,7 @@
           <p:nvPr>
             <p:extLst>
               <p:ext uri="{386F3935-93C4-4BCD-93E2-E3B085C9AB24}">
-                <p16:designElem xmlns="" xmlns:p16="http://schemas.microsoft.com/office/powerpoint/2015/main" val="1"/>
+                <p16:designElem xmlns:p16="http://schemas.microsoft.com/office/powerpoint/2015/main" xmlns="" val="1"/>
               </p:ext>
             </p:extLst>
           </p:nvPr>
@@ -45239,10 +44989,10 @@
           <p:cNvPr id="10" name="Rectangle 9">
             <a:extLst>
               <a:ext uri="{FF2B5EF4-FFF2-40B4-BE49-F238E27FC236}">
-                <a16:creationId xmlns="" xmlns:a16="http://schemas.microsoft.com/office/drawing/2014/main" id="{F1F7FD00-BF97-4325-B7C2-E451F20840A7}"/>
+                <a16:creationId xmlns:a16="http://schemas.microsoft.com/office/drawing/2014/main" xmlns="" id="{F1F7FD00-BF97-4325-B7C2-E451F20840A7}"/>
               </a:ext>
               <a:ext uri="{C183D7F6-B498-43B3-948B-1728B52AA6E4}">
-                <adec:decorative xmlns="" xmlns:adec="http://schemas.microsoft.com/office/drawing/2017/decorative" val="1"/>
+                <adec:decorative xmlns:adec="http://schemas.microsoft.com/office/drawing/2017/decorative" xmlns="" val="1"/>
               </a:ext>
             </a:extLst>
           </p:cNvPr>
@@ -45252,7 +45002,7 @@
           <p:nvPr>
             <p:extLst>
               <p:ext uri="{386F3935-93C4-4BCD-93E2-E3B085C9AB24}">
-                <p16:designElem xmlns="" xmlns:p16="http://schemas.microsoft.com/office/powerpoint/2015/main" val="1"/>
+                <p16:designElem xmlns:p16="http://schemas.microsoft.com/office/powerpoint/2015/main" xmlns="" val="1"/>
               </p:ext>
             </p:extLst>
           </p:nvPr>
@@ -45295,7 +45045,7 @@
           <p:cNvPr id="2" name="Title 1">
             <a:extLst>
               <a:ext uri="{FF2B5EF4-FFF2-40B4-BE49-F238E27FC236}">
-                <a16:creationId xmlns="" xmlns:a16="http://schemas.microsoft.com/office/drawing/2014/main" id="{BA2BFF53-F080-4837-B3FC-77C4CC391CF6}"/>
+                <a16:creationId xmlns:a16="http://schemas.microsoft.com/office/drawing/2014/main" xmlns="" id="{BA2BFF53-F080-4837-B3FC-77C4CC391CF6}"/>
               </a:ext>
             </a:extLst>
           </p:cNvPr>
@@ -45334,7 +45084,7 @@
           <p:cNvPr id="3" name="Content Placeholder 2">
             <a:extLst>
               <a:ext uri="{FF2B5EF4-FFF2-40B4-BE49-F238E27FC236}">
-                <a16:creationId xmlns="" xmlns:a16="http://schemas.microsoft.com/office/drawing/2014/main" id="{5AE71383-70B6-4A9E-A22E-EE6057E31C1C}"/>
+                <a16:creationId xmlns:a16="http://schemas.microsoft.com/office/drawing/2014/main" xmlns="" id="{5AE71383-70B6-4A9E-A22E-EE6057E31C1C}"/>
               </a:ext>
             </a:extLst>
           </p:cNvPr>
@@ -45424,10 +45174,10 @@
           <p:cNvPr id="12" name="Freeform 11">
             <a:extLst>
               <a:ext uri="{FF2B5EF4-FFF2-40B4-BE49-F238E27FC236}">
-                <a16:creationId xmlns="" xmlns:a16="http://schemas.microsoft.com/office/drawing/2014/main" id="{179B5294-DA4E-4926-B14A-DD6E07A12F67}"/>
+                <a16:creationId xmlns:a16="http://schemas.microsoft.com/office/drawing/2014/main" xmlns="" id="{179B5294-DA4E-4926-B14A-DD6E07A12F67}"/>
               </a:ext>
               <a:ext uri="{C183D7F6-B498-43B3-948B-1728B52AA6E4}">
-                <adec:decorative xmlns="" xmlns:adec="http://schemas.microsoft.com/office/drawing/2017/decorative" val="1"/>
+                <adec:decorative xmlns:adec="http://schemas.microsoft.com/office/drawing/2017/decorative" xmlns="" val="1"/>
               </a:ext>
             </a:extLst>
           </p:cNvPr>
@@ -45437,7 +45187,7 @@
           <p:nvPr>
             <p:extLst>
               <p:ext uri="{386F3935-93C4-4BCD-93E2-E3B085C9AB24}">
-                <p16:designElem xmlns="" xmlns:p16="http://schemas.microsoft.com/office/powerpoint/2015/main" val="1"/>
+                <p16:designElem xmlns:p16="http://schemas.microsoft.com/office/powerpoint/2015/main" xmlns="" val="1"/>
               </p:ext>
             </p:extLst>
           </p:nvPr>
@@ -45521,7 +45271,7 @@
     </p:spTree>
     <p:extLst>
       <p:ext uri="{BB962C8B-B14F-4D97-AF65-F5344CB8AC3E}">
-        <p14:creationId xmlns:p14="http://schemas.microsoft.com/office/powerpoint/2010/main" xmlns="" val="2995477651"/>
+        <p14:creationId xmlns="" xmlns:p14="http://schemas.microsoft.com/office/powerpoint/2010/main" val="2995477651"/>
       </p:ext>
     </p:extLst>
   </p:cSld>
@@ -45833,10 +45583,10 @@
           <p:cNvPr id="8" name="Rectangle 7">
             <a:extLst>
               <a:ext uri="{FF2B5EF4-FFF2-40B4-BE49-F238E27FC236}">
-                <a16:creationId xmlns="" xmlns:a16="http://schemas.microsoft.com/office/drawing/2014/main" id="{3A3C2D7E-3F2E-404E-9B30-CB12DC972D50}"/>
+                <a16:creationId xmlns:a16="http://schemas.microsoft.com/office/drawing/2014/main" xmlns="" id="{3A3C2D7E-3F2E-404E-9B30-CB12DC972D50}"/>
               </a:ext>
               <a:ext uri="{C183D7F6-B498-43B3-948B-1728B52AA6E4}">
-                <adec:decorative xmlns="" xmlns:adec="http://schemas.microsoft.com/office/drawing/2017/decorative" val="1"/>
+                <adec:decorative xmlns:adec="http://schemas.microsoft.com/office/drawing/2017/decorative" xmlns="" val="1"/>
               </a:ext>
             </a:extLst>
           </p:cNvPr>
@@ -45846,7 +45596,7 @@
           <p:nvPr>
             <p:extLst>
               <p:ext uri="{386F3935-93C4-4BCD-93E2-E3B085C9AB24}">
-                <p16:designElem xmlns="" xmlns:p16="http://schemas.microsoft.com/office/powerpoint/2015/main" val="1"/>
+                <p16:designElem xmlns:p16="http://schemas.microsoft.com/office/powerpoint/2015/main" xmlns="" val="1"/>
               </p:ext>
             </p:extLst>
           </p:nvPr>
@@ -45893,10 +45643,10 @@
           <p:cNvPr id="10" name="Rectangle 9">
             <a:extLst>
               <a:ext uri="{FF2B5EF4-FFF2-40B4-BE49-F238E27FC236}">
-                <a16:creationId xmlns="" xmlns:a16="http://schemas.microsoft.com/office/drawing/2014/main" id="{F1F7FD00-BF97-4325-B7C2-E451F20840A7}"/>
+                <a16:creationId xmlns:a16="http://schemas.microsoft.com/office/drawing/2014/main" xmlns="" id="{F1F7FD00-BF97-4325-B7C2-E451F20840A7}"/>
               </a:ext>
               <a:ext uri="{C183D7F6-B498-43B3-948B-1728B52AA6E4}">
-                <adec:decorative xmlns="" xmlns:adec="http://schemas.microsoft.com/office/drawing/2017/decorative" val="1"/>
+                <adec:decorative xmlns:adec="http://schemas.microsoft.com/office/drawing/2017/decorative" xmlns="" val="1"/>
               </a:ext>
             </a:extLst>
           </p:cNvPr>
@@ -45906,7 +45656,7 @@
           <p:nvPr>
             <p:extLst>
               <p:ext uri="{386F3935-93C4-4BCD-93E2-E3B085C9AB24}">
-                <p16:designElem xmlns="" xmlns:p16="http://schemas.microsoft.com/office/powerpoint/2015/main" val="1"/>
+                <p16:designElem xmlns:p16="http://schemas.microsoft.com/office/powerpoint/2015/main" xmlns="" val="1"/>
               </p:ext>
             </p:extLst>
           </p:nvPr>
@@ -45949,7 +45699,7 @@
           <p:cNvPr id="2" name="Title 1">
             <a:extLst>
               <a:ext uri="{FF2B5EF4-FFF2-40B4-BE49-F238E27FC236}">
-                <a16:creationId xmlns="" xmlns:a16="http://schemas.microsoft.com/office/drawing/2014/main" id="{BA2BFF53-F080-4837-B3FC-77C4CC391CF6}"/>
+                <a16:creationId xmlns:a16="http://schemas.microsoft.com/office/drawing/2014/main" xmlns="" id="{BA2BFF53-F080-4837-B3FC-77C4CC391CF6}"/>
               </a:ext>
             </a:extLst>
           </p:cNvPr>
@@ -45996,10 +45746,10 @@
           <p:cNvPr id="12" name="Freeform 11">
             <a:extLst>
               <a:ext uri="{FF2B5EF4-FFF2-40B4-BE49-F238E27FC236}">
-                <a16:creationId xmlns="" xmlns:a16="http://schemas.microsoft.com/office/drawing/2014/main" id="{179B5294-DA4E-4926-B14A-DD6E07A12F67}"/>
+                <a16:creationId xmlns:a16="http://schemas.microsoft.com/office/drawing/2014/main" xmlns="" id="{179B5294-DA4E-4926-B14A-DD6E07A12F67}"/>
               </a:ext>
               <a:ext uri="{C183D7F6-B498-43B3-948B-1728B52AA6E4}">
-                <adec:decorative xmlns="" xmlns:adec="http://schemas.microsoft.com/office/drawing/2017/decorative" val="1"/>
+                <adec:decorative xmlns:adec="http://schemas.microsoft.com/office/drawing/2017/decorative" xmlns="" val="1"/>
               </a:ext>
             </a:extLst>
           </p:cNvPr>
@@ -46009,7 +45759,7 @@
           <p:nvPr>
             <p:extLst>
               <p:ext uri="{386F3935-93C4-4BCD-93E2-E3B085C9AB24}">
-                <p16:designElem xmlns="" xmlns:p16="http://schemas.microsoft.com/office/powerpoint/2015/main" val="1"/>
+                <p16:designElem xmlns:p16="http://schemas.microsoft.com/office/powerpoint/2015/main" xmlns="" val="1"/>
               </p:ext>
             </p:extLst>
           </p:nvPr>
@@ -46095,7 +45845,7 @@
           <p:cNvPr id="4" name="Picture 4">
             <a:extLst>
               <a:ext uri="{FF2B5EF4-FFF2-40B4-BE49-F238E27FC236}">
-                <a16:creationId xmlns="" xmlns:a16="http://schemas.microsoft.com/office/drawing/2014/main" id="{51B23E30-1143-449A-BE02-554D6258FD57}"/>
+                <a16:creationId xmlns:a16="http://schemas.microsoft.com/office/drawing/2014/main" xmlns="" id="{51B23E30-1143-449A-BE02-554D6258FD57}"/>
               </a:ext>
             </a:extLst>
           </p:cNvPr>
@@ -46125,7 +45875,7 @@
           <p:cNvPr id="6" name="Picture 6">
             <a:extLst>
               <a:ext uri="{FF2B5EF4-FFF2-40B4-BE49-F238E27FC236}">
-                <a16:creationId xmlns="" xmlns:a16="http://schemas.microsoft.com/office/drawing/2014/main" id="{88990048-B9F8-49D5-B15C-2D7E26EC636A}"/>
+                <a16:creationId xmlns:a16="http://schemas.microsoft.com/office/drawing/2014/main" xmlns="" id="{88990048-B9F8-49D5-B15C-2D7E26EC636A}"/>
               </a:ext>
             </a:extLst>
           </p:cNvPr>
@@ -46155,7 +45905,7 @@
           <p:cNvPr id="21" name="Picture 21">
             <a:extLst>
               <a:ext uri="{FF2B5EF4-FFF2-40B4-BE49-F238E27FC236}">
-                <a16:creationId xmlns="" xmlns:a16="http://schemas.microsoft.com/office/drawing/2014/main" id="{161F73F1-2999-4D23-B653-3E56A238A0C7}"/>
+                <a16:creationId xmlns:a16="http://schemas.microsoft.com/office/drawing/2014/main" xmlns="" id="{161F73F1-2999-4D23-B653-3E56A238A0C7}"/>
               </a:ext>
             </a:extLst>
           </p:cNvPr>
@@ -46183,7 +45933,7 @@
     </p:spTree>
     <p:extLst>
       <p:ext uri="{BB962C8B-B14F-4D97-AF65-F5344CB8AC3E}">
-        <p14:creationId xmlns:p14="http://schemas.microsoft.com/office/powerpoint/2010/main" xmlns="" val="3397500478"/>
+        <p14:creationId xmlns="" xmlns:p14="http://schemas.microsoft.com/office/powerpoint/2010/main" val="3397500478"/>
       </p:ext>
     </p:extLst>
   </p:cSld>
@@ -46475,10 +46225,10 @@
           <p:cNvPr id="8" name="Rectangle 7">
             <a:extLst>
               <a:ext uri="{FF2B5EF4-FFF2-40B4-BE49-F238E27FC236}">
-                <a16:creationId xmlns="" xmlns:a16="http://schemas.microsoft.com/office/drawing/2014/main" id="{3A3C2D7E-3F2E-404E-9B30-CB12DC972D50}"/>
+                <a16:creationId xmlns:a16="http://schemas.microsoft.com/office/drawing/2014/main" xmlns="" id="{3A3C2D7E-3F2E-404E-9B30-CB12DC972D50}"/>
               </a:ext>
               <a:ext uri="{C183D7F6-B498-43B3-948B-1728B52AA6E4}">
-                <adec:decorative xmlns="" xmlns:adec="http://schemas.microsoft.com/office/drawing/2017/decorative" val="1"/>
+                <adec:decorative xmlns:adec="http://schemas.microsoft.com/office/drawing/2017/decorative" xmlns="" val="1"/>
               </a:ext>
             </a:extLst>
           </p:cNvPr>
@@ -46488,7 +46238,7 @@
           <p:nvPr>
             <p:extLst>
               <p:ext uri="{386F3935-93C4-4BCD-93E2-E3B085C9AB24}">
-                <p16:designElem xmlns="" xmlns:p16="http://schemas.microsoft.com/office/powerpoint/2015/main" val="1"/>
+                <p16:designElem xmlns:p16="http://schemas.microsoft.com/office/powerpoint/2015/main" xmlns="" val="1"/>
               </p:ext>
             </p:extLst>
           </p:nvPr>
@@ -46535,10 +46285,10 @@
           <p:cNvPr id="10" name="Rectangle 9">
             <a:extLst>
               <a:ext uri="{FF2B5EF4-FFF2-40B4-BE49-F238E27FC236}">
-                <a16:creationId xmlns="" xmlns:a16="http://schemas.microsoft.com/office/drawing/2014/main" id="{F1F7FD00-BF97-4325-B7C2-E451F20840A7}"/>
+                <a16:creationId xmlns:a16="http://schemas.microsoft.com/office/drawing/2014/main" xmlns="" id="{F1F7FD00-BF97-4325-B7C2-E451F20840A7}"/>
               </a:ext>
               <a:ext uri="{C183D7F6-B498-43B3-948B-1728B52AA6E4}">
-                <adec:decorative xmlns="" xmlns:adec="http://schemas.microsoft.com/office/drawing/2017/decorative" val="1"/>
+                <adec:decorative xmlns:adec="http://schemas.microsoft.com/office/drawing/2017/decorative" xmlns="" val="1"/>
               </a:ext>
             </a:extLst>
           </p:cNvPr>
@@ -46548,7 +46298,7 @@
           <p:nvPr>
             <p:extLst>
               <p:ext uri="{386F3935-93C4-4BCD-93E2-E3B085C9AB24}">
-                <p16:designElem xmlns="" xmlns:p16="http://schemas.microsoft.com/office/powerpoint/2015/main" val="1"/>
+                <p16:designElem xmlns:p16="http://schemas.microsoft.com/office/powerpoint/2015/main" xmlns="" val="1"/>
               </p:ext>
             </p:extLst>
           </p:nvPr>
@@ -46591,7 +46341,7 @@
           <p:cNvPr id="2" name="Title 1">
             <a:extLst>
               <a:ext uri="{FF2B5EF4-FFF2-40B4-BE49-F238E27FC236}">
-                <a16:creationId xmlns="" xmlns:a16="http://schemas.microsoft.com/office/drawing/2014/main" id="{BA2BFF53-F080-4837-B3FC-77C4CC391CF6}"/>
+                <a16:creationId xmlns:a16="http://schemas.microsoft.com/office/drawing/2014/main" xmlns="" id="{BA2BFF53-F080-4837-B3FC-77C4CC391CF6}"/>
               </a:ext>
             </a:extLst>
           </p:cNvPr>
@@ -46638,7 +46388,7 @@
           <p:cNvPr id="3" name="Content Placeholder 2">
             <a:extLst>
               <a:ext uri="{FF2B5EF4-FFF2-40B4-BE49-F238E27FC236}">
-                <a16:creationId xmlns="" xmlns:a16="http://schemas.microsoft.com/office/drawing/2014/main" id="{5AE71383-70B6-4A9E-A22E-EE6057E31C1C}"/>
+                <a16:creationId xmlns:a16="http://schemas.microsoft.com/office/drawing/2014/main" xmlns="" id="{5AE71383-70B6-4A9E-A22E-EE6057E31C1C}"/>
               </a:ext>
             </a:extLst>
           </p:cNvPr>
@@ -46700,10 +46450,10 @@
           <p:cNvPr id="12" name="Freeform 11">
             <a:extLst>
               <a:ext uri="{FF2B5EF4-FFF2-40B4-BE49-F238E27FC236}">
-                <a16:creationId xmlns="" xmlns:a16="http://schemas.microsoft.com/office/drawing/2014/main" id="{179B5294-DA4E-4926-B14A-DD6E07A12F67}"/>
+                <a16:creationId xmlns:a16="http://schemas.microsoft.com/office/drawing/2014/main" xmlns="" id="{179B5294-DA4E-4926-B14A-DD6E07A12F67}"/>
               </a:ext>
               <a:ext uri="{C183D7F6-B498-43B3-948B-1728B52AA6E4}">
-                <adec:decorative xmlns="" xmlns:adec="http://schemas.microsoft.com/office/drawing/2017/decorative" val="1"/>
+                <adec:decorative xmlns:adec="http://schemas.microsoft.com/office/drawing/2017/decorative" xmlns="" val="1"/>
               </a:ext>
             </a:extLst>
           </p:cNvPr>
@@ -46713,7 +46463,7 @@
           <p:nvPr>
             <p:extLst>
               <p:ext uri="{386F3935-93C4-4BCD-93E2-E3B085C9AB24}">
-                <p16:designElem xmlns="" xmlns:p16="http://schemas.microsoft.com/office/powerpoint/2015/main" val="1"/>
+                <p16:designElem xmlns:p16="http://schemas.microsoft.com/office/powerpoint/2015/main" xmlns="" val="1"/>
               </p:ext>
             </p:extLst>
           </p:nvPr>
@@ -46797,7 +46547,7 @@
     </p:spTree>
     <p:extLst>
       <p:ext uri="{BB962C8B-B14F-4D97-AF65-F5344CB8AC3E}">
-        <p14:creationId xmlns:p14="http://schemas.microsoft.com/office/powerpoint/2010/main" xmlns="" val="3397500478"/>
+        <p14:creationId xmlns="" xmlns:p14="http://schemas.microsoft.com/office/powerpoint/2010/main" val="3397500478"/>
       </p:ext>
     </p:extLst>
   </p:cSld>
@@ -46949,10 +46699,10 @@
           <p:cNvPr id="8" name="Rectangle 7">
             <a:extLst>
               <a:ext uri="{FF2B5EF4-FFF2-40B4-BE49-F238E27FC236}">
-                <a16:creationId xmlns="" xmlns:a16="http://schemas.microsoft.com/office/drawing/2014/main" id="{3A3C2D7E-3F2E-404E-9B30-CB12DC972D50}"/>
+                <a16:creationId xmlns:a16="http://schemas.microsoft.com/office/drawing/2014/main" xmlns="" id="{3A3C2D7E-3F2E-404E-9B30-CB12DC972D50}"/>
               </a:ext>
               <a:ext uri="{C183D7F6-B498-43B3-948B-1728B52AA6E4}">
-                <adec:decorative xmlns="" xmlns:adec="http://schemas.microsoft.com/office/drawing/2017/decorative" val="1"/>
+                <adec:decorative xmlns:adec="http://schemas.microsoft.com/office/drawing/2017/decorative" xmlns="" val="1"/>
               </a:ext>
             </a:extLst>
           </p:cNvPr>
@@ -46962,7 +46712,7 @@
           <p:nvPr>
             <p:extLst>
               <p:ext uri="{386F3935-93C4-4BCD-93E2-E3B085C9AB24}">
-                <p16:designElem xmlns="" xmlns:p16="http://schemas.microsoft.com/office/powerpoint/2015/main" val="1"/>
+                <p16:designElem xmlns:p16="http://schemas.microsoft.com/office/powerpoint/2015/main" xmlns="" val="1"/>
               </p:ext>
             </p:extLst>
           </p:nvPr>
@@ -47009,10 +46759,10 @@
           <p:cNvPr id="10" name="Rectangle 9">
             <a:extLst>
               <a:ext uri="{FF2B5EF4-FFF2-40B4-BE49-F238E27FC236}">
-                <a16:creationId xmlns="" xmlns:a16="http://schemas.microsoft.com/office/drawing/2014/main" id="{F1F7FD00-BF97-4325-B7C2-E451F20840A7}"/>
+                <a16:creationId xmlns:a16="http://schemas.microsoft.com/office/drawing/2014/main" xmlns="" id="{F1F7FD00-BF97-4325-B7C2-E451F20840A7}"/>
               </a:ext>
               <a:ext uri="{C183D7F6-B498-43B3-948B-1728B52AA6E4}">
-                <adec:decorative xmlns="" xmlns:adec="http://schemas.microsoft.com/office/drawing/2017/decorative" val="1"/>
+                <adec:decorative xmlns:adec="http://schemas.microsoft.com/office/drawing/2017/decorative" xmlns="" val="1"/>
               </a:ext>
             </a:extLst>
           </p:cNvPr>
@@ -47022,7 +46772,7 @@
           <p:nvPr>
             <p:extLst>
               <p:ext uri="{386F3935-93C4-4BCD-93E2-E3B085C9AB24}">
-                <p16:designElem xmlns="" xmlns:p16="http://schemas.microsoft.com/office/powerpoint/2015/main" val="1"/>
+                <p16:designElem xmlns:p16="http://schemas.microsoft.com/office/powerpoint/2015/main" xmlns="" val="1"/>
               </p:ext>
             </p:extLst>
           </p:nvPr>
@@ -47065,7 +46815,7 @@
           <p:cNvPr id="2" name="Title 1">
             <a:extLst>
               <a:ext uri="{FF2B5EF4-FFF2-40B4-BE49-F238E27FC236}">
-                <a16:creationId xmlns="" xmlns:a16="http://schemas.microsoft.com/office/drawing/2014/main" id="{62E540F1-2380-4634-BD56-DBBD8B0EB077}"/>
+                <a16:creationId xmlns:a16="http://schemas.microsoft.com/office/drawing/2014/main" xmlns="" id="{62E540F1-2380-4634-BD56-DBBD8B0EB077}"/>
               </a:ext>
             </a:extLst>
           </p:cNvPr>
@@ -47117,10 +46867,10 @@
           <p:cNvPr id="12" name="Freeform 11">
             <a:extLst>
               <a:ext uri="{FF2B5EF4-FFF2-40B4-BE49-F238E27FC236}">
-                <a16:creationId xmlns="" xmlns:a16="http://schemas.microsoft.com/office/drawing/2014/main" id="{179B5294-DA4E-4926-B14A-DD6E07A12F67}"/>
+                <a16:creationId xmlns:a16="http://schemas.microsoft.com/office/drawing/2014/main" xmlns="" id="{179B5294-DA4E-4926-B14A-DD6E07A12F67}"/>
               </a:ext>
               <a:ext uri="{C183D7F6-B498-43B3-948B-1728B52AA6E4}">
-                <adec:decorative xmlns="" xmlns:adec="http://schemas.microsoft.com/office/drawing/2017/decorative" val="1"/>
+                <adec:decorative xmlns:adec="http://schemas.microsoft.com/office/drawing/2017/decorative" xmlns="" val="1"/>
               </a:ext>
             </a:extLst>
           </p:cNvPr>
@@ -47130,7 +46880,7 @@
           <p:nvPr>
             <p:extLst>
               <p:ext uri="{386F3935-93C4-4BCD-93E2-E3B085C9AB24}">
-                <p16:designElem xmlns="" xmlns:p16="http://schemas.microsoft.com/office/powerpoint/2015/main" val="1"/>
+                <p16:designElem xmlns:p16="http://schemas.microsoft.com/office/powerpoint/2015/main" xmlns="" val="1"/>
               </p:ext>
             </p:extLst>
           </p:nvPr>
@@ -47216,7 +46966,7 @@
           <p:cNvPr id="3" name="Content Placeholder 2">
             <a:extLst>
               <a:ext uri="{FF2B5EF4-FFF2-40B4-BE49-F238E27FC236}">
-                <a16:creationId xmlns="" xmlns:a16="http://schemas.microsoft.com/office/drawing/2014/main" id="{9C657378-D759-4613-A83A-E0D10AE57573}"/>
+                <a16:creationId xmlns:a16="http://schemas.microsoft.com/office/drawing/2014/main" xmlns="" id="{9C657378-D759-4613-A83A-E0D10AE57573}"/>
               </a:ext>
             </a:extLst>
           </p:cNvPr>
@@ -47272,7 +47022,7 @@
           <p:cNvPr id="4" name="Picture 4">
             <a:extLst>
               <a:ext uri="{FF2B5EF4-FFF2-40B4-BE49-F238E27FC236}">
-                <a16:creationId xmlns="" xmlns:a16="http://schemas.microsoft.com/office/drawing/2014/main" id="{EE027726-0F37-434C-A68F-B6FD0BFA07A6}"/>
+                <a16:creationId xmlns:a16="http://schemas.microsoft.com/office/drawing/2014/main" xmlns="" id="{EE027726-0F37-434C-A68F-B6FD0BFA07A6}"/>
               </a:ext>
             </a:extLst>
           </p:cNvPr>
@@ -47300,7 +47050,7 @@
     </p:spTree>
     <p:extLst>
       <p:ext uri="{BB962C8B-B14F-4D97-AF65-F5344CB8AC3E}">
-        <p14:creationId xmlns:p14="http://schemas.microsoft.com/office/powerpoint/2010/main" xmlns="" val="1558129202"/>
+        <p14:creationId xmlns="" xmlns:p14="http://schemas.microsoft.com/office/powerpoint/2010/main" val="1558129202"/>
       </p:ext>
     </p:extLst>
   </p:cSld>
@@ -47368,10 +47118,10 @@
           <p:cNvPr id="8" name="Rectangle 7">
             <a:extLst>
               <a:ext uri="{FF2B5EF4-FFF2-40B4-BE49-F238E27FC236}">
-                <a16:creationId xmlns="" xmlns:a16="http://schemas.microsoft.com/office/drawing/2014/main" id="{3A3C2D7E-3F2E-404E-9B30-CB12DC972D50}"/>
+                <a16:creationId xmlns:a16="http://schemas.microsoft.com/office/drawing/2014/main" xmlns="" id="{3A3C2D7E-3F2E-404E-9B30-CB12DC972D50}"/>
               </a:ext>
               <a:ext uri="{C183D7F6-B498-43B3-948B-1728B52AA6E4}">
-                <adec:decorative xmlns="" xmlns:adec="http://schemas.microsoft.com/office/drawing/2017/decorative" val="1"/>
+                <adec:decorative xmlns:adec="http://schemas.microsoft.com/office/drawing/2017/decorative" xmlns="" val="1"/>
               </a:ext>
             </a:extLst>
           </p:cNvPr>
@@ -47381,7 +47131,7 @@
           <p:nvPr>
             <p:extLst>
               <p:ext uri="{386F3935-93C4-4BCD-93E2-E3B085C9AB24}">
-                <p16:designElem xmlns="" xmlns:p16="http://schemas.microsoft.com/office/powerpoint/2015/main" val="1"/>
+                <p16:designElem xmlns:p16="http://schemas.microsoft.com/office/powerpoint/2015/main" xmlns="" val="1"/>
               </p:ext>
             </p:extLst>
           </p:nvPr>
@@ -47428,10 +47178,10 @@
           <p:cNvPr id="10" name="Rectangle 9">
             <a:extLst>
               <a:ext uri="{FF2B5EF4-FFF2-40B4-BE49-F238E27FC236}">
-                <a16:creationId xmlns="" xmlns:a16="http://schemas.microsoft.com/office/drawing/2014/main" id="{F1F7FD00-BF97-4325-B7C2-E451F20840A7}"/>
+                <a16:creationId xmlns:a16="http://schemas.microsoft.com/office/drawing/2014/main" xmlns="" id="{F1F7FD00-BF97-4325-B7C2-E451F20840A7}"/>
               </a:ext>
               <a:ext uri="{C183D7F6-B498-43B3-948B-1728B52AA6E4}">
-                <adec:decorative xmlns="" xmlns:adec="http://schemas.microsoft.com/office/drawing/2017/decorative" val="1"/>
+                <adec:decorative xmlns:adec="http://schemas.microsoft.com/office/drawing/2017/decorative" xmlns="" val="1"/>
               </a:ext>
             </a:extLst>
           </p:cNvPr>
@@ -47441,7 +47191,7 @@
           <p:nvPr>
             <p:extLst>
               <p:ext uri="{386F3935-93C4-4BCD-93E2-E3B085C9AB24}">
-                <p16:designElem xmlns="" xmlns:p16="http://schemas.microsoft.com/office/powerpoint/2015/main" val="1"/>
+                <p16:designElem xmlns:p16="http://schemas.microsoft.com/office/powerpoint/2015/main" xmlns="" val="1"/>
               </p:ext>
             </p:extLst>
           </p:nvPr>
@@ -47484,7 +47234,7 @@
           <p:cNvPr id="2" name="Title 1">
             <a:extLst>
               <a:ext uri="{FF2B5EF4-FFF2-40B4-BE49-F238E27FC236}">
-                <a16:creationId xmlns="" xmlns:a16="http://schemas.microsoft.com/office/drawing/2014/main" id="{0652C70D-7098-408E-880E-3F22F905AF82}"/>
+                <a16:creationId xmlns:a16="http://schemas.microsoft.com/office/drawing/2014/main" xmlns="" id="{0652C70D-7098-408E-880E-3F22F905AF82}"/>
               </a:ext>
             </a:extLst>
           </p:cNvPr>
@@ -47545,10 +47295,10 @@
           <p:cNvPr id="12" name="Freeform 11">
             <a:extLst>
               <a:ext uri="{FF2B5EF4-FFF2-40B4-BE49-F238E27FC236}">
-                <a16:creationId xmlns="" xmlns:a16="http://schemas.microsoft.com/office/drawing/2014/main" id="{179B5294-DA4E-4926-B14A-DD6E07A12F67}"/>
+                <a16:creationId xmlns:a16="http://schemas.microsoft.com/office/drawing/2014/main" xmlns="" id="{179B5294-DA4E-4926-B14A-DD6E07A12F67}"/>
               </a:ext>
               <a:ext uri="{C183D7F6-B498-43B3-948B-1728B52AA6E4}">
-                <adec:decorative xmlns="" xmlns:adec="http://schemas.microsoft.com/office/drawing/2017/decorative" val="1"/>
+                <adec:decorative xmlns:adec="http://schemas.microsoft.com/office/drawing/2017/decorative" xmlns="" val="1"/>
               </a:ext>
             </a:extLst>
           </p:cNvPr>
@@ -47558,7 +47308,7 @@
           <p:nvPr>
             <p:extLst>
               <p:ext uri="{386F3935-93C4-4BCD-93E2-E3B085C9AB24}">
-                <p16:designElem xmlns="" xmlns:p16="http://schemas.microsoft.com/office/powerpoint/2015/main" val="1"/>
+                <p16:designElem xmlns:p16="http://schemas.microsoft.com/office/powerpoint/2015/main" xmlns="" val="1"/>
               </p:ext>
             </p:extLst>
           </p:nvPr>
@@ -47662,7 +47412,7 @@
     </p:spTree>
     <p:extLst>
       <p:ext uri="{BB962C8B-B14F-4D97-AF65-F5344CB8AC3E}">
-        <p14:creationId xmlns:p14="http://schemas.microsoft.com/office/powerpoint/2010/main" xmlns="" val="2092328621"/>
+        <p14:creationId xmlns="" xmlns:p14="http://schemas.microsoft.com/office/powerpoint/2010/main" val="2092328621"/>
       </p:ext>
     </p:extLst>
   </p:cSld>
@@ -47730,10 +47480,10 @@
           <p:cNvPr id="8" name="Rectangle 7">
             <a:extLst>
               <a:ext uri="{FF2B5EF4-FFF2-40B4-BE49-F238E27FC236}">
-                <a16:creationId xmlns="" xmlns:a16="http://schemas.microsoft.com/office/drawing/2014/main" id="{3A3C2D7E-3F2E-404E-9B30-CB12DC972D50}"/>
+                <a16:creationId xmlns:a16="http://schemas.microsoft.com/office/drawing/2014/main" xmlns="" id="{3A3C2D7E-3F2E-404E-9B30-CB12DC972D50}"/>
               </a:ext>
               <a:ext uri="{C183D7F6-B498-43B3-948B-1728B52AA6E4}">
-                <adec:decorative xmlns="" xmlns:adec="http://schemas.microsoft.com/office/drawing/2017/decorative" val="1"/>
+                <adec:decorative xmlns:adec="http://schemas.microsoft.com/office/drawing/2017/decorative" xmlns="" val="1"/>
               </a:ext>
             </a:extLst>
           </p:cNvPr>
@@ -47743,7 +47493,7 @@
           <p:nvPr>
             <p:extLst>
               <p:ext uri="{386F3935-93C4-4BCD-93E2-E3B085C9AB24}">
-                <p16:designElem xmlns="" xmlns:p16="http://schemas.microsoft.com/office/powerpoint/2015/main" val="1"/>
+                <p16:designElem xmlns:p16="http://schemas.microsoft.com/office/powerpoint/2015/main" xmlns="" val="1"/>
               </p:ext>
             </p:extLst>
           </p:nvPr>
@@ -47790,10 +47540,10 @@
           <p:cNvPr id="10" name="Rectangle 9">
             <a:extLst>
               <a:ext uri="{FF2B5EF4-FFF2-40B4-BE49-F238E27FC236}">
-                <a16:creationId xmlns="" xmlns:a16="http://schemas.microsoft.com/office/drawing/2014/main" id="{F1F7FD00-BF97-4325-B7C2-E451F20840A7}"/>
+                <a16:creationId xmlns:a16="http://schemas.microsoft.com/office/drawing/2014/main" xmlns="" id="{F1F7FD00-BF97-4325-B7C2-E451F20840A7}"/>
               </a:ext>
               <a:ext uri="{C183D7F6-B498-43B3-948B-1728B52AA6E4}">
-                <adec:decorative xmlns="" xmlns:adec="http://schemas.microsoft.com/office/drawing/2017/decorative" val="1"/>
+                <adec:decorative xmlns:adec="http://schemas.microsoft.com/office/drawing/2017/decorative" xmlns="" val="1"/>
               </a:ext>
             </a:extLst>
           </p:cNvPr>
@@ -47803,7 +47553,7 @@
           <p:nvPr>
             <p:extLst>
               <p:ext uri="{386F3935-93C4-4BCD-93E2-E3B085C9AB24}">
-                <p16:designElem xmlns="" xmlns:p16="http://schemas.microsoft.com/office/powerpoint/2015/main" val="1"/>
+                <p16:designElem xmlns:p16="http://schemas.microsoft.com/office/powerpoint/2015/main" xmlns="" val="1"/>
               </p:ext>
             </p:extLst>
           </p:nvPr>
@@ -47846,7 +47596,7 @@
           <p:cNvPr id="2" name="Title 1">
             <a:extLst>
               <a:ext uri="{FF2B5EF4-FFF2-40B4-BE49-F238E27FC236}">
-                <a16:creationId xmlns="" xmlns:a16="http://schemas.microsoft.com/office/drawing/2014/main" id="{0652C70D-7098-408E-880E-3F22F905AF82}"/>
+                <a16:creationId xmlns:a16="http://schemas.microsoft.com/office/drawing/2014/main" xmlns="" id="{0652C70D-7098-408E-880E-3F22F905AF82}"/>
               </a:ext>
             </a:extLst>
           </p:cNvPr>
@@ -47898,10 +47648,10 @@
           <p:cNvPr id="12" name="Freeform 11">
             <a:extLst>
               <a:ext uri="{FF2B5EF4-FFF2-40B4-BE49-F238E27FC236}">
-                <a16:creationId xmlns="" xmlns:a16="http://schemas.microsoft.com/office/drawing/2014/main" id="{179B5294-DA4E-4926-B14A-DD6E07A12F67}"/>
+                <a16:creationId xmlns:a16="http://schemas.microsoft.com/office/drawing/2014/main" xmlns="" id="{179B5294-DA4E-4926-B14A-DD6E07A12F67}"/>
               </a:ext>
               <a:ext uri="{C183D7F6-B498-43B3-948B-1728B52AA6E4}">
-                <adec:decorative xmlns="" xmlns:adec="http://schemas.microsoft.com/office/drawing/2017/decorative" val="1"/>
+                <adec:decorative xmlns:adec="http://schemas.microsoft.com/office/drawing/2017/decorative" xmlns="" val="1"/>
               </a:ext>
             </a:extLst>
           </p:cNvPr>
@@ -47911,7 +47661,7 @@
           <p:nvPr>
             <p:extLst>
               <p:ext uri="{386F3935-93C4-4BCD-93E2-E3B085C9AB24}">
-                <p16:designElem xmlns="" xmlns:p16="http://schemas.microsoft.com/office/powerpoint/2015/main" val="1"/>
+                <p16:designElem xmlns:p16="http://schemas.microsoft.com/office/powerpoint/2015/main" xmlns="" val="1"/>
               </p:ext>
             </p:extLst>
           </p:nvPr>
@@ -47997,7 +47747,7 @@
           <p:cNvPr id="3" name="Content Placeholder 2">
             <a:extLst>
               <a:ext uri="{FF2B5EF4-FFF2-40B4-BE49-F238E27FC236}">
-                <a16:creationId xmlns="" xmlns:a16="http://schemas.microsoft.com/office/drawing/2014/main" id="{B1C6EA51-866C-4C34-B123-039CBFDAA574}"/>
+                <a16:creationId xmlns:a16="http://schemas.microsoft.com/office/drawing/2014/main" xmlns="" id="{B1C6EA51-866C-4C34-B123-039CBFDAA574}"/>
               </a:ext>
             </a:extLst>
           </p:cNvPr>
@@ -48128,7 +47878,7 @@
     </p:spTree>
     <p:extLst>
       <p:ext uri="{BB962C8B-B14F-4D97-AF65-F5344CB8AC3E}">
-        <p14:creationId xmlns:p14="http://schemas.microsoft.com/office/powerpoint/2010/main" xmlns="" val="2873321571"/>
+        <p14:creationId xmlns="" xmlns:p14="http://schemas.microsoft.com/office/powerpoint/2010/main" val="2873321571"/>
       </p:ext>
     </p:extLst>
   </p:cSld>
@@ -48385,7 +48135,7 @@
   <a:extraClrSchemeLst/>
   <a:extLst>
     <a:ext uri="{05A4C25C-085E-4340-85A3-A5531E510DB2}">
-      <thm15:themeFamily xmlns="" xmlns:thm15="http://schemas.microsoft.com/office/thememl/2012/main" name="Wisp" id="{7CB32D59-10C0-40DD-B7BD-2E94284A981C}" vid="{24B1A44C-C006-48B2-A4D7-E5549B3D8CD4}"/>
+      <thm15:themeFamily xmlns:thm15="http://schemas.microsoft.com/office/thememl/2012/main" xmlns="" name="Wisp" id="{7CB32D59-10C0-40DD-B7BD-2E94284A981C}" vid="{24B1A44C-C006-48B2-A4D7-E5549B3D8CD4}"/>
     </a:ext>
   </a:extLst>
 </a:theme>

--- a/Project slides.pptx
+++ b/Project slides.pptx
@@ -26,7 +26,7 @@
     <p:sldId id="299" r:id="rId17"/>
     <p:sldId id="272" r:id="rId18"/>
     <p:sldId id="300" r:id="rId19"/>
-    <p:sldId id="301" r:id="rId20"/>
+    <p:sldId id="315" r:id="rId20"/>
     <p:sldId id="302" r:id="rId21"/>
     <p:sldId id="309" r:id="rId22"/>
     <p:sldId id="273" r:id="rId23"/>
@@ -6946,7 +6946,7 @@
         <a:p>
           <a:r>
             <a:rPr lang="en-US" dirty="0" smtClean="0"/>
-            <a:t>Platform for architects to see 3D models of their 2D floor plans before actual implementation</a:t>
+            <a:t>Platform for architects to see 3D models of their 2D floor plans before actual implementation and enables them to do interior designing</a:t>
           </a:r>
           <a:endParaRPr lang="en-US" dirty="0"/>
         </a:p>
@@ -7016,7 +7016,7 @@
         <a:p>
           <a:r>
             <a:rPr lang="en-US" dirty="0" smtClean="0"/>
-            <a:t>Get rid to do a lot of manual work to generate 3D models on existing systems </a:t>
+            <a:t>Get rid to do a lot of manual work to generate 3D models unlike existing systems </a:t>
           </a:r>
           <a:endParaRPr lang="en-US" dirty="0"/>
         </a:p>
@@ -7086,7 +7086,19 @@
         <a:p>
           <a:r>
             <a:rPr lang="en-US" dirty="0" smtClean="0"/>
-            <a:t>Enable common users to do interior designing before purchasing and proper placement in real environment</a:t>
+            <a:t>Computer</a:t>
+          </a:r>
+          <a:r>
+            <a:rPr lang="en-US" baseline="0" dirty="0" smtClean="0"/>
+            <a:t> Vision , Artificial Intelligence And Software </a:t>
+          </a:r>
+          <a:r>
+            <a:rPr lang="en-US" baseline="0" smtClean="0"/>
+            <a:t>Engineering subject areas </a:t>
+          </a:r>
+          <a:r>
+            <a:rPr lang="en-US" baseline="0" dirty="0" smtClean="0"/>
+            <a:t>motivated us to do this project</a:t>
           </a:r>
           <a:endParaRPr lang="en-US" dirty="0"/>
         </a:p>
@@ -9839,7 +9851,7 @@
           <a:pPr rtl="0"/>
           <a:r>
             <a:rPr lang="en-US" dirty="0" smtClean="0"/>
-            <a:t>How our solution is</a:t>
+            <a:t>How our idea is</a:t>
           </a:r>
           <a:endParaRPr lang="en-US" dirty="0"/>
         </a:p>
@@ -10124,43 +10136,38 @@
     </dgm:pt>
   </dgm:ptLst>
   <dgm:cxnLst>
-    <dgm:cxn modelId="{39E639F2-004B-4954-8547-84542AFEA5A3}" type="presOf" srcId="{E2B6297A-6D14-4600-B357-ACBE64B4A9B9}" destId="{E3AC153E-2405-49CD-B76E-1B040E7FC225}" srcOrd="0" destOrd="0" presId="urn:microsoft.com/office/officeart/2005/8/layout/hierarchy1"/>
     <dgm:cxn modelId="{F4C0BF7A-B1E0-4D62-9414-6AA2DCAF82E9}" srcId="{5BC4BA8C-EB0C-4224-8CA6-152404F7C0F9}" destId="{B0084BE7-D0A5-4F49-937B-6276073D0188}" srcOrd="1" destOrd="0" parTransId="{2BCD650E-1AD8-48FA-AA38-424B3F6A131B}" sibTransId="{8CA9026C-D3EC-48B9-A778-66A85F542BF2}"/>
     <dgm:cxn modelId="{29F04D53-B5B6-4E7C-BED3-FAB62E9E7832}" srcId="{5BC4BA8C-EB0C-4224-8CA6-152404F7C0F9}" destId="{78CE01FA-94A5-4FD5-8A9B-DA68FFF34474}" srcOrd="2" destOrd="0" parTransId="{101D9C40-BB3E-41BF-88D8-070AEE6126E5}" sibTransId="{AD99C7D1-281D-4C02-A052-E711386EB87B}"/>
+    <dgm:cxn modelId="{F543B52B-F4BD-4CD5-A06F-EB1AD11DFD78}" type="presOf" srcId="{78CE01FA-94A5-4FD5-8A9B-DA68FFF34474}" destId="{C171F404-56EF-48A6-8149-6F312CAE5A19}" srcOrd="0" destOrd="0" presId="urn:microsoft.com/office/officeart/2005/8/layout/hierarchy1"/>
     <dgm:cxn modelId="{E6EFF42B-E087-45D3-9FD0-0CF0DB0AC2AB}" srcId="{5BC4BA8C-EB0C-4224-8CA6-152404F7C0F9}" destId="{E2B6297A-6D14-4600-B357-ACBE64B4A9B9}" srcOrd="0" destOrd="0" parTransId="{0DB87D7F-566F-4276-B69A-1CBB3EACC342}" sibTransId="{518534E3-8280-4250-A4D6-AF3ED0F20527}"/>
-    <dgm:cxn modelId="{6680A340-62E3-41B3-A3F8-69EC724530B6}" type="presOf" srcId="{B0084BE7-D0A5-4F49-937B-6276073D0188}" destId="{DF9D0EF3-519D-4806-9CF2-C22B83A19DF4}" srcOrd="0" destOrd="0" presId="urn:microsoft.com/office/officeart/2005/8/layout/hierarchy1"/>
-    <dgm:cxn modelId="{79E5E07C-DFED-4799-9D19-CC66CB615A90}" type="presOf" srcId="{5BC4BA8C-EB0C-4224-8CA6-152404F7C0F9}" destId="{FEE44FA0-E419-4EFA-9223-2726D2760862}" srcOrd="0" destOrd="0" presId="urn:microsoft.com/office/officeart/2005/8/layout/hierarchy1"/>
-    <dgm:cxn modelId="{0A5B7340-BE6D-44F6-8BCE-3AD91F0D83C5}" type="presOf" srcId="{D4D37C82-B324-458B-86E2-24E1BFF7CDEE}" destId="{D081F884-7F61-4E44-BDD7-1A1659224BF8}" srcOrd="0" destOrd="0" presId="urn:microsoft.com/office/officeart/2005/8/layout/hierarchy1"/>
-    <dgm:cxn modelId="{A495515F-5F87-460F-A38A-9685158BBA38}" type="presOf" srcId="{78CE01FA-94A5-4FD5-8A9B-DA68FFF34474}" destId="{C171F404-56EF-48A6-8149-6F312CAE5A19}" srcOrd="0" destOrd="0" presId="urn:microsoft.com/office/officeart/2005/8/layout/hierarchy1"/>
+    <dgm:cxn modelId="{0145BF11-5B77-40EB-B498-7398D187A0EF}" type="presOf" srcId="{E2B6297A-6D14-4600-B357-ACBE64B4A9B9}" destId="{E3AC153E-2405-49CD-B76E-1B040E7FC225}" srcOrd="0" destOrd="0" presId="urn:microsoft.com/office/officeart/2005/8/layout/hierarchy1"/>
+    <dgm:cxn modelId="{AC24B595-B1D8-4894-948C-35B4E8867E36}" type="presOf" srcId="{B0084BE7-D0A5-4F49-937B-6276073D0188}" destId="{DF9D0EF3-519D-4806-9CF2-C22B83A19DF4}" srcOrd="0" destOrd="0" presId="urn:microsoft.com/office/officeart/2005/8/layout/hierarchy1"/>
+    <dgm:cxn modelId="{FEC6E054-4827-4994-825F-838111198A20}" type="presOf" srcId="{D4D37C82-B324-458B-86E2-24E1BFF7CDEE}" destId="{D081F884-7F61-4E44-BDD7-1A1659224BF8}" srcOrd="0" destOrd="0" presId="urn:microsoft.com/office/officeart/2005/8/layout/hierarchy1"/>
     <dgm:cxn modelId="{D6DBED0C-38B2-4A20-BE2A-52B78D015FA7}" srcId="{5BC4BA8C-EB0C-4224-8CA6-152404F7C0F9}" destId="{D4D37C82-B324-458B-86E2-24E1BFF7CDEE}" srcOrd="3" destOrd="0" parTransId="{F2536BA1-F301-4A52-8A4D-6B904A867820}" sibTransId="{A8EAAF16-989C-4109-A521-691546E95F2E}"/>
-    <dgm:cxn modelId="{B7C9D06A-5708-4435-AF3E-D132F2E0AC96}" type="presParOf" srcId="{FEE44FA0-E419-4EFA-9223-2726D2760862}" destId="{C647BF02-D0D8-4D16-BAEC-98E62B500FEE}" srcOrd="0" destOrd="0" presId="urn:microsoft.com/office/officeart/2005/8/layout/hierarchy1"/>
-    <dgm:cxn modelId="{BC7D6722-05C7-4351-AE29-E7CB16176A32}" type="presParOf" srcId="{C647BF02-D0D8-4D16-BAEC-98E62B500FEE}" destId="{ED97EE76-3647-4F63-8788-F1D60D1A44BA}" srcOrd="0" destOrd="0" presId="urn:microsoft.com/office/officeart/2005/8/layout/hierarchy1"/>
-    <dgm:cxn modelId="{6FCB7185-9545-4FC4-83D8-367DD2880923}" type="presParOf" srcId="{ED97EE76-3647-4F63-8788-F1D60D1A44BA}" destId="{84B4EBF7-A0C1-425B-B378-0839BBDA9FEA}" srcOrd="0" destOrd="0" presId="urn:microsoft.com/office/officeart/2005/8/layout/hierarchy1"/>
-    <dgm:cxn modelId="{96BB33C7-4755-4803-AE1A-CEC82F686B97}" type="presParOf" srcId="{ED97EE76-3647-4F63-8788-F1D60D1A44BA}" destId="{E3AC153E-2405-49CD-B76E-1B040E7FC225}" srcOrd="1" destOrd="0" presId="urn:microsoft.com/office/officeart/2005/8/layout/hierarchy1"/>
-    <dgm:cxn modelId="{B33AF0C5-11FF-4A31-9C19-66F27F92D1BA}" type="presParOf" srcId="{C647BF02-D0D8-4D16-BAEC-98E62B500FEE}" destId="{286411D7-3DC7-4938-B4F3-CA3E96B23ED8}" srcOrd="1" destOrd="0" presId="urn:microsoft.com/office/officeart/2005/8/layout/hierarchy1"/>
-    <dgm:cxn modelId="{5F03DCDD-5A25-4F99-B541-CC45D3692038}" type="presParOf" srcId="{FEE44FA0-E419-4EFA-9223-2726D2760862}" destId="{8D26479E-FFA3-4423-AFC8-BD9CC7F5B014}" srcOrd="1" destOrd="0" presId="urn:microsoft.com/office/officeart/2005/8/layout/hierarchy1"/>
-    <dgm:cxn modelId="{846738CF-076E-49AA-9408-7F83C1240E10}" type="presParOf" srcId="{8D26479E-FFA3-4423-AFC8-BD9CC7F5B014}" destId="{20795240-064A-44F5-9A3E-12C6876ECEFC}" srcOrd="0" destOrd="0" presId="urn:microsoft.com/office/officeart/2005/8/layout/hierarchy1"/>
-    <dgm:cxn modelId="{59F41283-AB9A-4862-B2D2-573CD4F7C2F5}" type="presParOf" srcId="{20795240-064A-44F5-9A3E-12C6876ECEFC}" destId="{D294A8D5-27EF-4CD2-A50F-C05DC99AD704}" srcOrd="0" destOrd="0" presId="urn:microsoft.com/office/officeart/2005/8/layout/hierarchy1"/>
-    <dgm:cxn modelId="{CD320865-02CE-44D9-9793-17139568AD9A}" type="presParOf" srcId="{20795240-064A-44F5-9A3E-12C6876ECEFC}" destId="{DF9D0EF3-519D-4806-9CF2-C22B83A19DF4}" srcOrd="1" destOrd="0" presId="urn:microsoft.com/office/officeart/2005/8/layout/hierarchy1"/>
-    <dgm:cxn modelId="{BF3BB6B3-B658-4256-B6A1-A6DB4F7A5286}" type="presParOf" srcId="{8D26479E-FFA3-4423-AFC8-BD9CC7F5B014}" destId="{60341F5E-8EC3-4F7C-962A-23DB8C680DEC}" srcOrd="1" destOrd="0" presId="urn:microsoft.com/office/officeart/2005/8/layout/hierarchy1"/>
-    <dgm:cxn modelId="{418BB32E-48E0-4B48-9E44-61BD37BBBE6B}" type="presParOf" srcId="{FEE44FA0-E419-4EFA-9223-2726D2760862}" destId="{3A7A77FF-FB37-4204-AF4D-BB8F59FCFBE9}" srcOrd="2" destOrd="0" presId="urn:microsoft.com/office/officeart/2005/8/layout/hierarchy1"/>
-    <dgm:cxn modelId="{A3C1BCC5-A423-4790-8F2F-798BD0C02E09}" type="presParOf" srcId="{3A7A77FF-FB37-4204-AF4D-BB8F59FCFBE9}" destId="{CA0E1498-642A-4DB8-9F9A-12BB978C3DC6}" srcOrd="0" destOrd="0" presId="urn:microsoft.com/office/officeart/2005/8/layout/hierarchy1"/>
-    <dgm:cxn modelId="{7A7FDF5C-12F2-4F9E-BB6A-C00570CA4298}" type="presParOf" srcId="{CA0E1498-642A-4DB8-9F9A-12BB978C3DC6}" destId="{A5BFB8E4-5619-4313-8B09-23B569AFAF5E}" srcOrd="0" destOrd="0" presId="urn:microsoft.com/office/officeart/2005/8/layout/hierarchy1"/>
-    <dgm:cxn modelId="{2F3BAF35-830E-4A99-9C84-193ECCEA8237}" type="presParOf" srcId="{CA0E1498-642A-4DB8-9F9A-12BB978C3DC6}" destId="{C171F404-56EF-48A6-8149-6F312CAE5A19}" srcOrd="1" destOrd="0" presId="urn:microsoft.com/office/officeart/2005/8/layout/hierarchy1"/>
-    <dgm:cxn modelId="{81B897DA-BF51-4F67-966F-F71E5FB703B5}" type="presParOf" srcId="{3A7A77FF-FB37-4204-AF4D-BB8F59FCFBE9}" destId="{0A2B80F8-6752-4164-9665-6E15A4D4C3F0}" srcOrd="1" destOrd="0" presId="urn:microsoft.com/office/officeart/2005/8/layout/hierarchy1"/>
-    <dgm:cxn modelId="{3E037676-13D6-4B49-ABCB-1AAB54F0C1AD}" type="presParOf" srcId="{FEE44FA0-E419-4EFA-9223-2726D2760862}" destId="{425714F9-082D-4CD1-9A3D-EDBA6B76A115}" srcOrd="3" destOrd="0" presId="urn:microsoft.com/office/officeart/2005/8/layout/hierarchy1"/>
-    <dgm:cxn modelId="{26E510C7-9B7D-4E7E-9CB3-143A5BCA4284}" type="presParOf" srcId="{425714F9-082D-4CD1-9A3D-EDBA6B76A115}" destId="{87633F3F-4113-4C7F-AE6E-CCEBB6369710}" srcOrd="0" destOrd="0" presId="urn:microsoft.com/office/officeart/2005/8/layout/hierarchy1"/>
-    <dgm:cxn modelId="{607D3715-112A-458E-AAED-36B72E20F0C1}" type="presParOf" srcId="{87633F3F-4113-4C7F-AE6E-CCEBB6369710}" destId="{5A2DABD8-3878-4B71-BAAF-E5D503A787B8}" srcOrd="0" destOrd="0" presId="urn:microsoft.com/office/officeart/2005/8/layout/hierarchy1"/>
-    <dgm:cxn modelId="{3AA9CB8C-EC90-4AEB-BF9F-97912EA14538}" type="presParOf" srcId="{87633F3F-4113-4C7F-AE6E-CCEBB6369710}" destId="{D081F884-7F61-4E44-BDD7-1A1659224BF8}" srcOrd="1" destOrd="0" presId="urn:microsoft.com/office/officeart/2005/8/layout/hierarchy1"/>
-    <dgm:cxn modelId="{BEB24E0E-4F8F-4E4D-8397-454B24B26095}" type="presParOf" srcId="{425714F9-082D-4CD1-9A3D-EDBA6B76A115}" destId="{C07B1FBD-11D4-47FD-B7F5-EF20F205C0F2}" srcOrd="1" destOrd="0" presId="urn:microsoft.com/office/officeart/2005/8/layout/hierarchy1"/>
+    <dgm:cxn modelId="{0385E0BD-C905-4120-A4A3-D332D6D1A9A0}" type="presOf" srcId="{5BC4BA8C-EB0C-4224-8CA6-152404F7C0F9}" destId="{FEE44FA0-E419-4EFA-9223-2726D2760862}" srcOrd="0" destOrd="0" presId="urn:microsoft.com/office/officeart/2005/8/layout/hierarchy1"/>
+    <dgm:cxn modelId="{10C990AE-4B40-49A4-BC6E-85AFBECA56B8}" type="presParOf" srcId="{FEE44FA0-E419-4EFA-9223-2726D2760862}" destId="{C647BF02-D0D8-4D16-BAEC-98E62B500FEE}" srcOrd="0" destOrd="0" presId="urn:microsoft.com/office/officeart/2005/8/layout/hierarchy1"/>
+    <dgm:cxn modelId="{F70EA798-3BDC-429A-B5E1-5B4429978699}" type="presParOf" srcId="{C647BF02-D0D8-4D16-BAEC-98E62B500FEE}" destId="{ED97EE76-3647-4F63-8788-F1D60D1A44BA}" srcOrd="0" destOrd="0" presId="urn:microsoft.com/office/officeart/2005/8/layout/hierarchy1"/>
+    <dgm:cxn modelId="{ACE54EEC-BFA1-4187-B810-3F544BF4CC59}" type="presParOf" srcId="{ED97EE76-3647-4F63-8788-F1D60D1A44BA}" destId="{84B4EBF7-A0C1-425B-B378-0839BBDA9FEA}" srcOrd="0" destOrd="0" presId="urn:microsoft.com/office/officeart/2005/8/layout/hierarchy1"/>
+    <dgm:cxn modelId="{B75A683D-C4E3-4CCB-BA8F-B6BB5E580B44}" type="presParOf" srcId="{ED97EE76-3647-4F63-8788-F1D60D1A44BA}" destId="{E3AC153E-2405-49CD-B76E-1B040E7FC225}" srcOrd="1" destOrd="0" presId="urn:microsoft.com/office/officeart/2005/8/layout/hierarchy1"/>
+    <dgm:cxn modelId="{07000E8E-7BBA-467C-BA55-C0D1964229D6}" type="presParOf" srcId="{C647BF02-D0D8-4D16-BAEC-98E62B500FEE}" destId="{286411D7-3DC7-4938-B4F3-CA3E96B23ED8}" srcOrd="1" destOrd="0" presId="urn:microsoft.com/office/officeart/2005/8/layout/hierarchy1"/>
+    <dgm:cxn modelId="{B0C9E847-FFC0-4E53-B9E6-DA4A6AC95464}" type="presParOf" srcId="{FEE44FA0-E419-4EFA-9223-2726D2760862}" destId="{8D26479E-FFA3-4423-AFC8-BD9CC7F5B014}" srcOrd="1" destOrd="0" presId="urn:microsoft.com/office/officeart/2005/8/layout/hierarchy1"/>
+    <dgm:cxn modelId="{F8459050-A1AD-4AD2-92F9-90F09384F64C}" type="presParOf" srcId="{8D26479E-FFA3-4423-AFC8-BD9CC7F5B014}" destId="{20795240-064A-44F5-9A3E-12C6876ECEFC}" srcOrd="0" destOrd="0" presId="urn:microsoft.com/office/officeart/2005/8/layout/hierarchy1"/>
+    <dgm:cxn modelId="{83E2E870-273B-42BB-AB57-7BF75AA2DAA2}" type="presParOf" srcId="{20795240-064A-44F5-9A3E-12C6876ECEFC}" destId="{D294A8D5-27EF-4CD2-A50F-C05DC99AD704}" srcOrd="0" destOrd="0" presId="urn:microsoft.com/office/officeart/2005/8/layout/hierarchy1"/>
+    <dgm:cxn modelId="{B4802904-36EA-4963-A49E-FFE96AE87D56}" type="presParOf" srcId="{20795240-064A-44F5-9A3E-12C6876ECEFC}" destId="{DF9D0EF3-519D-4806-9CF2-C22B83A19DF4}" srcOrd="1" destOrd="0" presId="urn:microsoft.com/office/officeart/2005/8/layout/hierarchy1"/>
+    <dgm:cxn modelId="{BD00DB49-14EF-42D4-AA9D-530CFD298C8B}" type="presParOf" srcId="{8D26479E-FFA3-4423-AFC8-BD9CC7F5B014}" destId="{60341F5E-8EC3-4F7C-962A-23DB8C680DEC}" srcOrd="1" destOrd="0" presId="urn:microsoft.com/office/officeart/2005/8/layout/hierarchy1"/>
+    <dgm:cxn modelId="{6AAC16DA-211E-47CD-A6F6-F41670B098FD}" type="presParOf" srcId="{FEE44FA0-E419-4EFA-9223-2726D2760862}" destId="{3A7A77FF-FB37-4204-AF4D-BB8F59FCFBE9}" srcOrd="2" destOrd="0" presId="urn:microsoft.com/office/officeart/2005/8/layout/hierarchy1"/>
+    <dgm:cxn modelId="{0770B771-1B30-4A77-8A1F-BD1EA0BF2F33}" type="presParOf" srcId="{3A7A77FF-FB37-4204-AF4D-BB8F59FCFBE9}" destId="{CA0E1498-642A-4DB8-9F9A-12BB978C3DC6}" srcOrd="0" destOrd="0" presId="urn:microsoft.com/office/officeart/2005/8/layout/hierarchy1"/>
+    <dgm:cxn modelId="{53D6F142-562B-402A-BCDD-35309A0C27FD}" type="presParOf" srcId="{CA0E1498-642A-4DB8-9F9A-12BB978C3DC6}" destId="{A5BFB8E4-5619-4313-8B09-23B569AFAF5E}" srcOrd="0" destOrd="0" presId="urn:microsoft.com/office/officeart/2005/8/layout/hierarchy1"/>
+    <dgm:cxn modelId="{13E1F368-6729-43E9-895E-D86C1C0CBEB2}" type="presParOf" srcId="{CA0E1498-642A-4DB8-9F9A-12BB978C3DC6}" destId="{C171F404-56EF-48A6-8149-6F312CAE5A19}" srcOrd="1" destOrd="0" presId="urn:microsoft.com/office/officeart/2005/8/layout/hierarchy1"/>
+    <dgm:cxn modelId="{1C770F99-0BF6-4A3F-9419-8DAE4E2AC150}" type="presParOf" srcId="{3A7A77FF-FB37-4204-AF4D-BB8F59FCFBE9}" destId="{0A2B80F8-6752-4164-9665-6E15A4D4C3F0}" srcOrd="1" destOrd="0" presId="urn:microsoft.com/office/officeart/2005/8/layout/hierarchy1"/>
+    <dgm:cxn modelId="{B307FE83-73DD-4104-958A-0E481C9DCF27}" type="presParOf" srcId="{FEE44FA0-E419-4EFA-9223-2726D2760862}" destId="{425714F9-082D-4CD1-9A3D-EDBA6B76A115}" srcOrd="3" destOrd="0" presId="urn:microsoft.com/office/officeart/2005/8/layout/hierarchy1"/>
+    <dgm:cxn modelId="{8AF9AD25-1A89-4D17-95AF-50A81D97690D}" type="presParOf" srcId="{425714F9-082D-4CD1-9A3D-EDBA6B76A115}" destId="{87633F3F-4113-4C7F-AE6E-CCEBB6369710}" srcOrd="0" destOrd="0" presId="urn:microsoft.com/office/officeart/2005/8/layout/hierarchy1"/>
+    <dgm:cxn modelId="{01D3D3F6-95E2-40B8-9709-651C71751C7A}" type="presParOf" srcId="{87633F3F-4113-4C7F-AE6E-CCEBB6369710}" destId="{5A2DABD8-3878-4B71-BAAF-E5D503A787B8}" srcOrd="0" destOrd="0" presId="urn:microsoft.com/office/officeart/2005/8/layout/hierarchy1"/>
+    <dgm:cxn modelId="{2A1BB8D3-ED1B-4DB9-B62F-5589434F2118}" type="presParOf" srcId="{87633F3F-4113-4C7F-AE6E-CCEBB6369710}" destId="{D081F884-7F61-4E44-BDD7-1A1659224BF8}" srcOrd="1" destOrd="0" presId="urn:microsoft.com/office/officeart/2005/8/layout/hierarchy1"/>
+    <dgm:cxn modelId="{AB68F343-81CB-4A7E-8E3B-C26AA04CCC3E}" type="presParOf" srcId="{425714F9-082D-4CD1-9A3D-EDBA6B76A115}" destId="{C07B1FBD-11D4-47FD-B7F5-EF20F205C0F2}" srcOrd="1" destOrd="0" presId="urn:microsoft.com/office/officeart/2005/8/layout/hierarchy1"/>
   </dgm:cxnLst>
   <dgm:bg/>
   <dgm:whole/>
-  <dgm:extLst>
-    <a:ext uri="http://schemas.microsoft.com/office/drawing/2008/diagram">
-      <dsp:dataModelExt xmlns="" xmlns:dsp="http://schemas.microsoft.com/office/drawing/2008/diagram" relId="rId6" minVer="http://schemas.openxmlformats.org/drawingml/2006/diagram"/>
-    </a:ext>
-  </dgm:extLst>
 </dgm:dataModel>
 </file>
 
@@ -10322,8 +10329,8 @@
         </a:p>
       </dgm:t>
     </dgm:pt>
-    <dgm:pt modelId="{A439171F-86BA-4847-A5FF-7A9EAC4AFF3D}" type="pres">
-      <dgm:prSet presAssocID="{78AF6D12-7132-4857-A48B-235039694114}" presName="ThreeNodes_1" presStyleLbl="node1" presStyleIdx="0" presStyleCnt="3">
+    <dgm:pt modelId="{CA172606-131F-4016-A992-22EE3651A136}" type="pres">
+      <dgm:prSet presAssocID="{78AF6D12-7132-4857-A48B-235039694114}" presName="ThreeNodes_1" presStyleLbl="node1" presStyleIdx="0" presStyleCnt="3" custLinFactNeighborY="-8403">
         <dgm:presLayoutVars>
           <dgm:bulletEnabled val="1"/>
         </dgm:presLayoutVars>
@@ -10337,7 +10344,7 @@
         </a:p>
       </dgm:t>
     </dgm:pt>
-    <dgm:pt modelId="{C9BDDBA8-0E9A-4E79-9349-9F896333209B}" type="pres">
+    <dgm:pt modelId="{9C0B5E94-E8DC-43C9-ADB6-3A9E5F6B277E}" type="pres">
       <dgm:prSet presAssocID="{78AF6D12-7132-4857-A48B-235039694114}" presName="ThreeNodes_2" presStyleLbl="node1" presStyleIdx="1" presStyleCnt="3">
         <dgm:presLayoutVars>
           <dgm:bulletEnabled val="1"/>
@@ -10352,7 +10359,7 @@
         </a:p>
       </dgm:t>
     </dgm:pt>
-    <dgm:pt modelId="{F4B7FD0D-AE1E-4368-9C3D-06BB52154F65}" type="pres">
+    <dgm:pt modelId="{6E726087-E059-4D1C-B49E-6F29DE920FAF}" type="pres">
       <dgm:prSet presAssocID="{78AF6D12-7132-4857-A48B-235039694114}" presName="ThreeNodes_3" presStyleLbl="node1" presStyleIdx="2" presStyleCnt="3">
         <dgm:presLayoutVars>
           <dgm:bulletEnabled val="1"/>
@@ -10367,7 +10374,7 @@
         </a:p>
       </dgm:t>
     </dgm:pt>
-    <dgm:pt modelId="{51E5F39E-DFAF-483E-AF2C-DC1391FFC3D3}" type="pres">
+    <dgm:pt modelId="{A27B5C85-ED5C-4158-BEF8-0F3E5E210F44}" type="pres">
       <dgm:prSet presAssocID="{78AF6D12-7132-4857-A48B-235039694114}" presName="ThreeConn_1-2" presStyleLbl="fgAccFollowNode1" presStyleIdx="0" presStyleCnt="2">
         <dgm:presLayoutVars>
           <dgm:bulletEnabled val="1"/>
@@ -10382,7 +10389,7 @@
         </a:p>
       </dgm:t>
     </dgm:pt>
-    <dgm:pt modelId="{FBF4CDB4-5553-4E1A-BB9B-D09027C55F30}" type="pres">
+    <dgm:pt modelId="{3430FA1F-56D3-48AA-BBBF-4EE64517EA0C}" type="pres">
       <dgm:prSet presAssocID="{78AF6D12-7132-4857-A48B-235039694114}" presName="ThreeConn_2-3" presStyleLbl="fgAccFollowNode1" presStyleIdx="1" presStyleCnt="2">
         <dgm:presLayoutVars>
           <dgm:bulletEnabled val="1"/>
@@ -10397,7 +10404,7 @@
         </a:p>
       </dgm:t>
     </dgm:pt>
-    <dgm:pt modelId="{1F08600C-FF6E-4AA1-B98D-0EBBF757613F}" type="pres">
+    <dgm:pt modelId="{18223B10-6CFF-435D-9546-78E02D38B691}" type="pres">
       <dgm:prSet presAssocID="{78AF6D12-7132-4857-A48B-235039694114}" presName="ThreeNodes_1_text" presStyleLbl="node1" presStyleIdx="2" presStyleCnt="3">
         <dgm:presLayoutVars>
           <dgm:bulletEnabled val="1"/>
@@ -10412,7 +10419,7 @@
         </a:p>
       </dgm:t>
     </dgm:pt>
-    <dgm:pt modelId="{46C12065-91B1-42A4-8091-3178E06AC19B}" type="pres">
+    <dgm:pt modelId="{503B2F75-A845-47D7-A40D-E877BEADDF7D}" type="pres">
       <dgm:prSet presAssocID="{78AF6D12-7132-4857-A48B-235039694114}" presName="ThreeNodes_2_text" presStyleLbl="node1" presStyleIdx="2" presStyleCnt="3">
         <dgm:presLayoutVars>
           <dgm:bulletEnabled val="1"/>
@@ -10427,7 +10434,7 @@
         </a:p>
       </dgm:t>
     </dgm:pt>
-    <dgm:pt modelId="{78B3AF84-FBCA-4DC1-9275-2E5B2EE7DD35}" type="pres">
+    <dgm:pt modelId="{94645B41-5EF6-4E61-B72D-2850709DCF29}" type="pres">
       <dgm:prSet presAssocID="{78AF6D12-7132-4857-A48B-235039694114}" presName="ThreeNodes_3_text" presStyleLbl="node1" presStyleIdx="2" presStyleCnt="3">
         <dgm:presLayoutVars>
           <dgm:bulletEnabled val="1"/>
@@ -10444,27 +10451,27 @@
     </dgm:pt>
   </dgm:ptLst>
   <dgm:cxnLst>
+    <dgm:cxn modelId="{A90E323D-4F2A-4402-83CE-F2F65B7F9585}" type="presOf" srcId="{F0584FD5-344B-44BD-8017-764EB89418F6}" destId="{A27B5C85-ED5C-4158-BEF8-0F3E5E210F44}" srcOrd="0" destOrd="0" presId="urn:microsoft.com/office/officeart/2005/8/layout/vProcess5"/>
+    <dgm:cxn modelId="{0487C8AB-3283-4A24-BBEF-F6D7911BCADC}" type="presOf" srcId="{6E67C376-1ABB-4654-9BC6-B3EBE7DDB5EE}" destId="{18223B10-6CFF-435D-9546-78E02D38B691}" srcOrd="1" destOrd="0" presId="urn:microsoft.com/office/officeart/2005/8/layout/vProcess5"/>
+    <dgm:cxn modelId="{F93C665D-92A4-4509-803F-8258D8EF6530}" srcId="{78AF6D12-7132-4857-A48B-235039694114}" destId="{6E67C376-1ABB-4654-9BC6-B3EBE7DDB5EE}" srcOrd="0" destOrd="0" parTransId="{D0536690-4E7C-4E8C-9F46-D9AAA41B6783}" sibTransId="{F0584FD5-344B-44BD-8017-764EB89418F6}"/>
+    <dgm:cxn modelId="{2C5088B1-FF0F-4985-89F1-EFD8FD5ED1AC}" type="presOf" srcId="{C2553214-337A-49BD-BEBB-C37947F6D9C5}" destId="{9C0B5E94-E8DC-43C9-ADB6-3A9E5F6B277E}" srcOrd="0" destOrd="0" presId="urn:microsoft.com/office/officeart/2005/8/layout/vProcess5"/>
+    <dgm:cxn modelId="{B55FCBBE-1661-4CDD-95B6-9C69E3F007D3}" type="presOf" srcId="{78AF6D12-7132-4857-A48B-235039694114}" destId="{8CD406DB-898E-4C6F-85F7-2A0C7B577420}" srcOrd="0" destOrd="0" presId="urn:microsoft.com/office/officeart/2005/8/layout/vProcess5"/>
+    <dgm:cxn modelId="{BAE26A2A-F7A4-45EE-B7F9-FB2A84988377}" type="presOf" srcId="{3C168FB4-280A-464D-913C-9501F50D9B0C}" destId="{6E726087-E059-4D1C-B49E-6F29DE920FAF}" srcOrd="0" destOrd="0" presId="urn:microsoft.com/office/officeart/2005/8/layout/vProcess5"/>
+    <dgm:cxn modelId="{8BDDCF13-1F04-421A-BB46-F106DF031169}" type="presOf" srcId="{C2553214-337A-49BD-BEBB-C37947F6D9C5}" destId="{503B2F75-A845-47D7-A40D-E877BEADDF7D}" srcOrd="1" destOrd="0" presId="urn:microsoft.com/office/officeart/2005/8/layout/vProcess5"/>
     <dgm:cxn modelId="{242541A8-E196-496E-A11A-63326CBF26F9}" srcId="{78AF6D12-7132-4857-A48B-235039694114}" destId="{C2553214-337A-49BD-BEBB-C37947F6D9C5}" srcOrd="1" destOrd="0" parTransId="{899699ED-0DF4-4E96-9519-D5B9786AFFF1}" sibTransId="{B229CDB2-6C7A-432D-A49A-D518142AB75D}"/>
-    <dgm:cxn modelId="{C13B5278-8363-47E8-AA32-53537D84BD25}" type="presOf" srcId="{F0584FD5-344B-44BD-8017-764EB89418F6}" destId="{51E5F39E-DFAF-483E-AF2C-DC1391FFC3D3}" srcOrd="0" destOrd="0" presId="urn:microsoft.com/office/officeart/2005/8/layout/vProcess5"/>
-    <dgm:cxn modelId="{F93C665D-92A4-4509-803F-8258D8EF6530}" srcId="{78AF6D12-7132-4857-A48B-235039694114}" destId="{6E67C376-1ABB-4654-9BC6-B3EBE7DDB5EE}" srcOrd="0" destOrd="0" parTransId="{D0536690-4E7C-4E8C-9F46-D9AAA41B6783}" sibTransId="{F0584FD5-344B-44BD-8017-764EB89418F6}"/>
-    <dgm:cxn modelId="{35741374-E292-41E4-9F4B-90CC47A41643}" type="presOf" srcId="{C2553214-337A-49BD-BEBB-C37947F6D9C5}" destId="{46C12065-91B1-42A4-8091-3178E06AC19B}" srcOrd="1" destOrd="0" presId="urn:microsoft.com/office/officeart/2005/8/layout/vProcess5"/>
-    <dgm:cxn modelId="{0FF74C2F-51A2-48D7-AA80-8CB51759B417}" type="presOf" srcId="{B229CDB2-6C7A-432D-A49A-D518142AB75D}" destId="{FBF4CDB4-5553-4E1A-BB9B-D09027C55F30}" srcOrd="0" destOrd="0" presId="urn:microsoft.com/office/officeart/2005/8/layout/vProcess5"/>
     <dgm:cxn modelId="{73A4DAE5-79E9-46A1-9B82-E6EFF5C94313}" srcId="{78AF6D12-7132-4857-A48B-235039694114}" destId="{3C168FB4-280A-464D-913C-9501F50D9B0C}" srcOrd="2" destOrd="0" parTransId="{2680BA29-8F49-4B3A-87D4-D293D4464705}" sibTransId="{C32153BF-43BC-454E-94DD-BBA7696F7D16}"/>
-    <dgm:cxn modelId="{D523D6B2-DDD4-4F20-A8D6-ABAC3861199E}" type="presOf" srcId="{3C168FB4-280A-464D-913C-9501F50D9B0C}" destId="{F4B7FD0D-AE1E-4368-9C3D-06BB52154F65}" srcOrd="0" destOrd="0" presId="urn:microsoft.com/office/officeart/2005/8/layout/vProcess5"/>
-    <dgm:cxn modelId="{6E88BE75-4FD0-438F-BB23-4D21F2161F4D}" type="presOf" srcId="{C2553214-337A-49BD-BEBB-C37947F6D9C5}" destId="{C9BDDBA8-0E9A-4E79-9349-9F896333209B}" srcOrd="0" destOrd="0" presId="urn:microsoft.com/office/officeart/2005/8/layout/vProcess5"/>
-    <dgm:cxn modelId="{B55FCBBE-1661-4CDD-95B6-9C69E3F007D3}" type="presOf" srcId="{78AF6D12-7132-4857-A48B-235039694114}" destId="{8CD406DB-898E-4C6F-85F7-2A0C7B577420}" srcOrd="0" destOrd="0" presId="urn:microsoft.com/office/officeart/2005/8/layout/vProcess5"/>
-    <dgm:cxn modelId="{71729B4E-6DCB-4FCD-B204-38FB65108971}" type="presOf" srcId="{6E67C376-1ABB-4654-9BC6-B3EBE7DDB5EE}" destId="{1F08600C-FF6E-4AA1-B98D-0EBBF757613F}" srcOrd="1" destOrd="0" presId="urn:microsoft.com/office/officeart/2005/8/layout/vProcess5"/>
-    <dgm:cxn modelId="{B37C3008-65F1-4248-B529-B15ABA6FF071}" type="presOf" srcId="{6E67C376-1ABB-4654-9BC6-B3EBE7DDB5EE}" destId="{A439171F-86BA-4847-A5FF-7A9EAC4AFF3D}" srcOrd="0" destOrd="0" presId="urn:microsoft.com/office/officeart/2005/8/layout/vProcess5"/>
-    <dgm:cxn modelId="{9EA2EC6B-C2BA-411B-A50F-CD35D496F22E}" type="presOf" srcId="{3C168FB4-280A-464D-913C-9501F50D9B0C}" destId="{78B3AF84-FBCA-4DC1-9275-2E5B2EE7DD35}" srcOrd="1" destOrd="0" presId="urn:microsoft.com/office/officeart/2005/8/layout/vProcess5"/>
+    <dgm:cxn modelId="{E0FB2D3D-6EF9-40D1-B007-E4A71C3DB153}" type="presOf" srcId="{3C168FB4-280A-464D-913C-9501F50D9B0C}" destId="{94645B41-5EF6-4E61-B72D-2850709DCF29}" srcOrd="1" destOrd="0" presId="urn:microsoft.com/office/officeart/2005/8/layout/vProcess5"/>
+    <dgm:cxn modelId="{79D9EECC-241C-47F7-8601-6C145B5B55EF}" type="presOf" srcId="{B229CDB2-6C7A-432D-A49A-D518142AB75D}" destId="{3430FA1F-56D3-48AA-BBBF-4EE64517EA0C}" srcOrd="0" destOrd="0" presId="urn:microsoft.com/office/officeart/2005/8/layout/vProcess5"/>
+    <dgm:cxn modelId="{79772312-E266-4147-80AA-F0D4DA701C6C}" type="presOf" srcId="{6E67C376-1ABB-4654-9BC6-B3EBE7DDB5EE}" destId="{CA172606-131F-4016-A992-22EE3651A136}" srcOrd="0" destOrd="0" presId="urn:microsoft.com/office/officeart/2005/8/layout/vProcess5"/>
     <dgm:cxn modelId="{B133FA66-5B52-4591-88C1-DF21F70754C7}" type="presParOf" srcId="{8CD406DB-898E-4C6F-85F7-2A0C7B577420}" destId="{E96FFECF-C0D0-4499-9E76-F694247A2E9B}" srcOrd="0" destOrd="0" presId="urn:microsoft.com/office/officeart/2005/8/layout/vProcess5"/>
-    <dgm:cxn modelId="{733CC450-352B-4473-9AFB-9FAB5F9C4FA9}" type="presParOf" srcId="{8CD406DB-898E-4C6F-85F7-2A0C7B577420}" destId="{A439171F-86BA-4847-A5FF-7A9EAC4AFF3D}" srcOrd="1" destOrd="0" presId="urn:microsoft.com/office/officeart/2005/8/layout/vProcess5"/>
-    <dgm:cxn modelId="{9F7F25CE-00A7-492A-A3DF-B3DB1018E38B}" type="presParOf" srcId="{8CD406DB-898E-4C6F-85F7-2A0C7B577420}" destId="{C9BDDBA8-0E9A-4E79-9349-9F896333209B}" srcOrd="2" destOrd="0" presId="urn:microsoft.com/office/officeart/2005/8/layout/vProcess5"/>
-    <dgm:cxn modelId="{444C78D0-7B27-4EF6-9F9C-656D20A392E6}" type="presParOf" srcId="{8CD406DB-898E-4C6F-85F7-2A0C7B577420}" destId="{F4B7FD0D-AE1E-4368-9C3D-06BB52154F65}" srcOrd="3" destOrd="0" presId="urn:microsoft.com/office/officeart/2005/8/layout/vProcess5"/>
-    <dgm:cxn modelId="{D556FEDA-E77F-4D2F-8558-3CCAB1A00EA5}" type="presParOf" srcId="{8CD406DB-898E-4C6F-85F7-2A0C7B577420}" destId="{51E5F39E-DFAF-483E-AF2C-DC1391FFC3D3}" srcOrd="4" destOrd="0" presId="urn:microsoft.com/office/officeart/2005/8/layout/vProcess5"/>
-    <dgm:cxn modelId="{1388BB92-8434-4785-9CFA-9F5A8603B59E}" type="presParOf" srcId="{8CD406DB-898E-4C6F-85F7-2A0C7B577420}" destId="{FBF4CDB4-5553-4E1A-BB9B-D09027C55F30}" srcOrd="5" destOrd="0" presId="urn:microsoft.com/office/officeart/2005/8/layout/vProcess5"/>
-    <dgm:cxn modelId="{118810E6-17C4-4480-951D-BDBCBB6B1A6A}" type="presParOf" srcId="{8CD406DB-898E-4C6F-85F7-2A0C7B577420}" destId="{1F08600C-FF6E-4AA1-B98D-0EBBF757613F}" srcOrd="6" destOrd="0" presId="urn:microsoft.com/office/officeart/2005/8/layout/vProcess5"/>
-    <dgm:cxn modelId="{9EE54A25-38A4-4647-BB2C-D69597CD3675}" type="presParOf" srcId="{8CD406DB-898E-4C6F-85F7-2A0C7B577420}" destId="{46C12065-91B1-42A4-8091-3178E06AC19B}" srcOrd="7" destOrd="0" presId="urn:microsoft.com/office/officeart/2005/8/layout/vProcess5"/>
-    <dgm:cxn modelId="{F7424381-71A2-4AC2-BB36-C27541E47B59}" type="presParOf" srcId="{8CD406DB-898E-4C6F-85F7-2A0C7B577420}" destId="{78B3AF84-FBCA-4DC1-9275-2E5B2EE7DD35}" srcOrd="8" destOrd="0" presId="urn:microsoft.com/office/officeart/2005/8/layout/vProcess5"/>
+    <dgm:cxn modelId="{473B92C1-5C93-4CAB-A726-BFBD805EF7F7}" type="presParOf" srcId="{8CD406DB-898E-4C6F-85F7-2A0C7B577420}" destId="{CA172606-131F-4016-A992-22EE3651A136}" srcOrd="1" destOrd="0" presId="urn:microsoft.com/office/officeart/2005/8/layout/vProcess5"/>
+    <dgm:cxn modelId="{135B2CCE-7617-4448-B899-5E1D780FEEE4}" type="presParOf" srcId="{8CD406DB-898E-4C6F-85F7-2A0C7B577420}" destId="{9C0B5E94-E8DC-43C9-ADB6-3A9E5F6B277E}" srcOrd="2" destOrd="0" presId="urn:microsoft.com/office/officeart/2005/8/layout/vProcess5"/>
+    <dgm:cxn modelId="{DDA79FB4-6E96-475F-BD77-3F2BC47ABC14}" type="presParOf" srcId="{8CD406DB-898E-4C6F-85F7-2A0C7B577420}" destId="{6E726087-E059-4D1C-B49E-6F29DE920FAF}" srcOrd="3" destOrd="0" presId="urn:microsoft.com/office/officeart/2005/8/layout/vProcess5"/>
+    <dgm:cxn modelId="{3466F390-45B5-4B85-833E-16B2760BB3F9}" type="presParOf" srcId="{8CD406DB-898E-4C6F-85F7-2A0C7B577420}" destId="{A27B5C85-ED5C-4158-BEF8-0F3E5E210F44}" srcOrd="4" destOrd="0" presId="urn:microsoft.com/office/officeart/2005/8/layout/vProcess5"/>
+    <dgm:cxn modelId="{9DD2680B-67B6-4934-AA48-276BBE49D759}" type="presParOf" srcId="{8CD406DB-898E-4C6F-85F7-2A0C7B577420}" destId="{3430FA1F-56D3-48AA-BBBF-4EE64517EA0C}" srcOrd="5" destOrd="0" presId="urn:microsoft.com/office/officeart/2005/8/layout/vProcess5"/>
+    <dgm:cxn modelId="{DC801B95-D13F-4CC2-A676-F60126DB41CD}" type="presParOf" srcId="{8CD406DB-898E-4C6F-85F7-2A0C7B577420}" destId="{18223B10-6CFF-435D-9546-78E02D38B691}" srcOrd="6" destOrd="0" presId="urn:microsoft.com/office/officeart/2005/8/layout/vProcess5"/>
+    <dgm:cxn modelId="{C354367F-7A57-441B-B9CB-FC1A50688745}" type="presParOf" srcId="{8CD406DB-898E-4C6F-85F7-2A0C7B577420}" destId="{503B2F75-A845-47D7-A40D-E877BEADDF7D}" srcOrd="7" destOrd="0" presId="urn:microsoft.com/office/officeart/2005/8/layout/vProcess5"/>
+    <dgm:cxn modelId="{A2DC38B4-16B7-4CE3-A3E4-F6CAFBB45141}" type="presParOf" srcId="{8CD406DB-898E-4C6F-85F7-2A0C7B577420}" destId="{94645B41-5EF6-4E61-B72D-2850709DCF29}" srcOrd="8" destOrd="0" presId="urn:microsoft.com/office/officeart/2005/8/layout/vProcess5"/>
   </dgm:cxnLst>
   <dgm:bg/>
   <dgm:whole/>
@@ -14088,594 +14095,6 @@
       <dsp:txXfrm>
         <a:off x="6629192" y="1750468"/>
         <a:ext cx="1624904" cy="951266"/>
-      </dsp:txXfrm>
-    </dsp:sp>
-  </dsp:spTree>
-</dsp:drawing>
-</file>
-
-<file path=ppt/diagrams/drawing6.xml><?xml version="1.0" encoding="utf-8"?>
-<dsp:drawing xmlns:dgm="http://schemas.openxmlformats.org/drawingml/2006/diagram" xmlns:dsp="http://schemas.microsoft.com/office/drawing/2008/diagram" xmlns:a="http://schemas.openxmlformats.org/drawingml/2006/main">
-  <dsp:spTree>
-    <dsp:nvGrpSpPr>
-      <dsp:cNvPr id="0" name=""/>
-      <dsp:cNvGrpSpPr/>
-    </dsp:nvGrpSpPr>
-    <dsp:grpSpPr/>
-    <dsp:sp modelId="{84B4EBF7-A0C1-425B-B378-0839BBDA9FEA}">
-      <dsp:nvSpPr>
-        <dsp:cNvPr id="0" name=""/>
-        <dsp:cNvSpPr/>
-      </dsp:nvSpPr>
-      <dsp:spPr>
-        <a:xfrm>
-          <a:off x="2961768" y="-186713"/>
-          <a:ext cx="1768863" cy="1123228"/>
-        </a:xfrm>
-        <a:prstGeom prst="roundRect">
-          <a:avLst>
-            <a:gd name="adj" fmla="val 10000"/>
-          </a:avLst>
-        </a:prstGeom>
-        <a:gradFill rotWithShape="0">
-          <a:gsLst>
-            <a:gs pos="0">
-              <a:schemeClr val="accent1">
-                <a:hueOff val="0"/>
-                <a:satOff val="0"/>
-                <a:lumOff val="0"/>
-                <a:alphaOff val="0"/>
-                <a:tint val="96000"/>
-                <a:lumMod val="104000"/>
-              </a:schemeClr>
-            </a:gs>
-            <a:gs pos="100000">
-              <a:schemeClr val="accent1">
-                <a:hueOff val="0"/>
-                <a:satOff val="0"/>
-                <a:lumOff val="0"/>
-                <a:alphaOff val="0"/>
-                <a:shade val="98000"/>
-                <a:lumMod val="94000"/>
-              </a:schemeClr>
-            </a:gs>
-          </a:gsLst>
-          <a:lin ang="5400000" scaled="0"/>
-        </a:gradFill>
-        <a:ln>
-          <a:noFill/>
-        </a:ln>
-        <a:effectLst>
-          <a:outerShdw blurRad="38100" dist="25400" dir="5400000" rotWithShape="0">
-            <a:srgbClr val="000000">
-              <a:alpha val="25000"/>
-            </a:srgbClr>
-          </a:outerShdw>
-        </a:effectLst>
-      </dsp:spPr>
-      <dsp:style>
-        <a:lnRef idx="0">
-          <a:scrgbClr r="0" g="0" b="0"/>
-        </a:lnRef>
-        <a:fillRef idx="3">
-          <a:scrgbClr r="0" g="0" b="0"/>
-        </a:fillRef>
-        <a:effectRef idx="2">
-          <a:scrgbClr r="0" g="0" b="0"/>
-        </a:effectRef>
-        <a:fontRef idx="minor">
-          <a:schemeClr val="lt1"/>
-        </a:fontRef>
-      </dsp:style>
-    </dsp:sp>
-    <dsp:sp modelId="{E3AC153E-2405-49CD-B76E-1B040E7FC225}">
-      <dsp:nvSpPr>
-        <dsp:cNvPr id="0" name=""/>
-        <dsp:cNvSpPr/>
-      </dsp:nvSpPr>
-      <dsp:spPr>
-        <a:xfrm>
-          <a:off x="3158308" y="0"/>
-          <a:ext cx="1768863" cy="1123228"/>
-        </a:xfrm>
-        <a:prstGeom prst="roundRect">
-          <a:avLst>
-            <a:gd name="adj" fmla="val 10000"/>
-          </a:avLst>
-        </a:prstGeom>
-        <a:solidFill>
-          <a:schemeClr val="lt1">
-            <a:alpha val="90000"/>
-            <a:hueOff val="0"/>
-            <a:satOff val="0"/>
-            <a:lumOff val="0"/>
-            <a:alphaOff val="0"/>
-          </a:schemeClr>
-        </a:solidFill>
-        <a:ln w="9525" cap="rnd" cmpd="sng" algn="ctr">
-          <a:solidFill>
-            <a:schemeClr val="accent1">
-              <a:hueOff val="0"/>
-              <a:satOff val="0"/>
-              <a:lumOff val="0"/>
-              <a:alphaOff val="0"/>
-            </a:schemeClr>
-          </a:solidFill>
-          <a:prstDash val="solid"/>
-        </a:ln>
-        <a:effectLst/>
-      </dsp:spPr>
-      <dsp:style>
-        <a:lnRef idx="1">
-          <a:scrgbClr r="0" g="0" b="0"/>
-        </a:lnRef>
-        <a:fillRef idx="1">
-          <a:scrgbClr r="0" g="0" b="0"/>
-        </a:fillRef>
-        <a:effectRef idx="0">
-          <a:scrgbClr r="0" g="0" b="0"/>
-        </a:effectRef>
-        <a:fontRef idx="minor"/>
-      </dsp:style>
-      <dsp:txBody>
-        <a:bodyPr spcFirstLastPara="0" vert="horz" wrap="square" lIns="99060" tIns="99060" rIns="99060" bIns="99060" numCol="1" spcCol="1270" anchor="ctr" anchorCtr="0">
-          <a:noAutofit/>
-        </a:bodyPr>
-        <a:lstStyle/>
-        <a:p>
-          <a:pPr lvl="0" algn="ctr" defTabSz="1155700" rtl="0">
-            <a:lnSpc>
-              <a:spcPct val="90000"/>
-            </a:lnSpc>
-            <a:spcBef>
-              <a:spcPct val="0"/>
-            </a:spcBef>
-            <a:spcAft>
-              <a:spcPct val="35000"/>
-            </a:spcAft>
-          </a:pPr>
-          <a:r>
-            <a:rPr lang="en-US" sz="2600" kern="1200" dirty="0" smtClean="0"/>
-            <a:t>How our solution is</a:t>
-          </a:r>
-          <a:endParaRPr lang="en-US" sz="2600" kern="1200" dirty="0"/>
-        </a:p>
-      </dsp:txBody>
-      <dsp:txXfrm>
-        <a:off x="3191206" y="32898"/>
-        <a:ext cx="1703067" cy="1057432"/>
-      </dsp:txXfrm>
-    </dsp:sp>
-    <dsp:sp modelId="{D294A8D5-27EF-4CD2-A50F-C05DC99AD704}">
-      <dsp:nvSpPr>
-        <dsp:cNvPr id="0" name=""/>
-        <dsp:cNvSpPr/>
-      </dsp:nvSpPr>
-      <dsp:spPr>
-        <a:xfrm>
-          <a:off x="378647" y="1379631"/>
-          <a:ext cx="1768863" cy="1123228"/>
-        </a:xfrm>
-        <a:prstGeom prst="roundRect">
-          <a:avLst>
-            <a:gd name="adj" fmla="val 10000"/>
-          </a:avLst>
-        </a:prstGeom>
-        <a:gradFill rotWithShape="0">
-          <a:gsLst>
-            <a:gs pos="0">
-              <a:schemeClr val="accent1">
-                <a:hueOff val="0"/>
-                <a:satOff val="0"/>
-                <a:lumOff val="0"/>
-                <a:alphaOff val="0"/>
-                <a:tint val="96000"/>
-                <a:lumMod val="104000"/>
-              </a:schemeClr>
-            </a:gs>
-            <a:gs pos="100000">
-              <a:schemeClr val="accent1">
-                <a:hueOff val="0"/>
-                <a:satOff val="0"/>
-                <a:lumOff val="0"/>
-                <a:alphaOff val="0"/>
-                <a:shade val="98000"/>
-                <a:lumMod val="94000"/>
-              </a:schemeClr>
-            </a:gs>
-          </a:gsLst>
-          <a:lin ang="5400000" scaled="0"/>
-        </a:gradFill>
-        <a:ln>
-          <a:noFill/>
-        </a:ln>
-        <a:effectLst>
-          <a:outerShdw blurRad="38100" dist="25400" dir="5400000" rotWithShape="0">
-            <a:srgbClr val="000000">
-              <a:alpha val="25000"/>
-            </a:srgbClr>
-          </a:outerShdw>
-        </a:effectLst>
-      </dsp:spPr>
-      <dsp:style>
-        <a:lnRef idx="0">
-          <a:scrgbClr r="0" g="0" b="0"/>
-        </a:lnRef>
-        <a:fillRef idx="3">
-          <a:scrgbClr r="0" g="0" b="0"/>
-        </a:fillRef>
-        <a:effectRef idx="2">
-          <a:scrgbClr r="0" g="0" b="0"/>
-        </a:effectRef>
-        <a:fontRef idx="minor">
-          <a:schemeClr val="lt1"/>
-        </a:fontRef>
-      </dsp:style>
-    </dsp:sp>
-    <dsp:sp modelId="{DF9D0EF3-519D-4806-9CF2-C22B83A19DF4}">
-      <dsp:nvSpPr>
-        <dsp:cNvPr id="0" name=""/>
-        <dsp:cNvSpPr/>
-      </dsp:nvSpPr>
-      <dsp:spPr>
-        <a:xfrm>
-          <a:off x="575188" y="1566344"/>
-          <a:ext cx="1768863" cy="1123228"/>
-        </a:xfrm>
-        <a:prstGeom prst="roundRect">
-          <a:avLst>
-            <a:gd name="adj" fmla="val 10000"/>
-          </a:avLst>
-        </a:prstGeom>
-        <a:solidFill>
-          <a:schemeClr val="lt1">
-            <a:alpha val="90000"/>
-            <a:hueOff val="0"/>
-            <a:satOff val="0"/>
-            <a:lumOff val="0"/>
-            <a:alphaOff val="0"/>
-          </a:schemeClr>
-        </a:solidFill>
-        <a:ln w="9525" cap="rnd" cmpd="sng" algn="ctr">
-          <a:solidFill>
-            <a:schemeClr val="accent1">
-              <a:hueOff val="0"/>
-              <a:satOff val="0"/>
-              <a:lumOff val="0"/>
-              <a:alphaOff val="0"/>
-            </a:schemeClr>
-          </a:solidFill>
-          <a:prstDash val="solid"/>
-        </a:ln>
-        <a:effectLst/>
-      </dsp:spPr>
-      <dsp:style>
-        <a:lnRef idx="1">
-          <a:scrgbClr r="0" g="0" b="0"/>
-        </a:lnRef>
-        <a:fillRef idx="1">
-          <a:scrgbClr r="0" g="0" b="0"/>
-        </a:fillRef>
-        <a:effectRef idx="0">
-          <a:scrgbClr r="0" g="0" b="0"/>
-        </a:effectRef>
-        <a:fontRef idx="minor"/>
-      </dsp:style>
-      <dsp:txBody>
-        <a:bodyPr spcFirstLastPara="0" vert="horz" wrap="square" lIns="99060" tIns="99060" rIns="99060" bIns="99060" numCol="1" spcCol="1270" anchor="ctr" anchorCtr="0">
-          <a:noAutofit/>
-        </a:bodyPr>
-        <a:lstStyle/>
-        <a:p>
-          <a:pPr lvl="0" algn="ctr" defTabSz="1155700" rtl="0">
-            <a:lnSpc>
-              <a:spcPct val="90000"/>
-            </a:lnSpc>
-            <a:spcBef>
-              <a:spcPct val="0"/>
-            </a:spcBef>
-            <a:spcAft>
-              <a:spcPct val="35000"/>
-            </a:spcAft>
-          </a:pPr>
-          <a:r>
-            <a:rPr lang="en-US" sz="2600" kern="1200" dirty="0" smtClean="0"/>
-            <a:t>Different</a:t>
-          </a:r>
-          <a:endParaRPr lang="en-US" sz="2600" kern="1200" dirty="0"/>
-        </a:p>
-      </dsp:txBody>
-      <dsp:txXfrm>
-        <a:off x="608086" y="1599242"/>
-        <a:ext cx="1703067" cy="1057432"/>
-      </dsp:txXfrm>
-    </dsp:sp>
-    <dsp:sp modelId="{A5BFB8E4-5619-4313-8B09-23B569AFAF5E}">
-      <dsp:nvSpPr>
-        <dsp:cNvPr id="0" name=""/>
-        <dsp:cNvSpPr/>
-      </dsp:nvSpPr>
-      <dsp:spPr>
-        <a:xfrm>
-          <a:off x="3101834" y="1413642"/>
-          <a:ext cx="1768863" cy="1123228"/>
-        </a:xfrm>
-        <a:prstGeom prst="roundRect">
-          <a:avLst>
-            <a:gd name="adj" fmla="val 10000"/>
-          </a:avLst>
-        </a:prstGeom>
-        <a:gradFill rotWithShape="0">
-          <a:gsLst>
-            <a:gs pos="0">
-              <a:schemeClr val="accent1">
-                <a:hueOff val="0"/>
-                <a:satOff val="0"/>
-                <a:lumOff val="0"/>
-                <a:alphaOff val="0"/>
-                <a:tint val="96000"/>
-                <a:lumMod val="104000"/>
-              </a:schemeClr>
-            </a:gs>
-            <a:gs pos="100000">
-              <a:schemeClr val="accent1">
-                <a:hueOff val="0"/>
-                <a:satOff val="0"/>
-                <a:lumOff val="0"/>
-                <a:alphaOff val="0"/>
-                <a:shade val="98000"/>
-                <a:lumMod val="94000"/>
-              </a:schemeClr>
-            </a:gs>
-          </a:gsLst>
-          <a:lin ang="5400000" scaled="0"/>
-        </a:gradFill>
-        <a:ln>
-          <a:noFill/>
-        </a:ln>
-        <a:effectLst>
-          <a:outerShdw blurRad="38100" dist="25400" dir="5400000" rotWithShape="0">
-            <a:srgbClr val="000000">
-              <a:alpha val="25000"/>
-            </a:srgbClr>
-          </a:outerShdw>
-        </a:effectLst>
-      </dsp:spPr>
-      <dsp:style>
-        <a:lnRef idx="0">
-          <a:scrgbClr r="0" g="0" b="0"/>
-        </a:lnRef>
-        <a:fillRef idx="3">
-          <a:scrgbClr r="0" g="0" b="0"/>
-        </a:fillRef>
-        <a:effectRef idx="2">
-          <a:scrgbClr r="0" g="0" b="0"/>
-        </a:effectRef>
-        <a:fontRef idx="minor">
-          <a:schemeClr val="lt1"/>
-        </a:fontRef>
-      </dsp:style>
-    </dsp:sp>
-    <dsp:sp modelId="{C171F404-56EF-48A6-8149-6F312CAE5A19}">
-      <dsp:nvSpPr>
-        <dsp:cNvPr id="0" name=""/>
-        <dsp:cNvSpPr/>
-      </dsp:nvSpPr>
-      <dsp:spPr>
-        <a:xfrm>
-          <a:off x="3298375" y="1600356"/>
-          <a:ext cx="1768863" cy="1123228"/>
-        </a:xfrm>
-        <a:prstGeom prst="roundRect">
-          <a:avLst>
-            <a:gd name="adj" fmla="val 10000"/>
-          </a:avLst>
-        </a:prstGeom>
-        <a:solidFill>
-          <a:schemeClr val="lt1">
-            <a:alpha val="90000"/>
-            <a:hueOff val="0"/>
-            <a:satOff val="0"/>
-            <a:lumOff val="0"/>
-            <a:alphaOff val="0"/>
-          </a:schemeClr>
-        </a:solidFill>
-        <a:ln w="9525" cap="rnd" cmpd="sng" algn="ctr">
-          <a:solidFill>
-            <a:schemeClr val="accent1">
-              <a:hueOff val="0"/>
-              <a:satOff val="0"/>
-              <a:lumOff val="0"/>
-              <a:alphaOff val="0"/>
-            </a:schemeClr>
-          </a:solidFill>
-          <a:prstDash val="solid"/>
-        </a:ln>
-        <a:effectLst/>
-      </dsp:spPr>
-      <dsp:style>
-        <a:lnRef idx="1">
-          <a:scrgbClr r="0" g="0" b="0"/>
-        </a:lnRef>
-        <a:fillRef idx="1">
-          <a:scrgbClr r="0" g="0" b="0"/>
-        </a:fillRef>
-        <a:effectRef idx="0">
-          <a:scrgbClr r="0" g="0" b="0"/>
-        </a:effectRef>
-        <a:fontRef idx="minor"/>
-      </dsp:style>
-      <dsp:txBody>
-        <a:bodyPr spcFirstLastPara="0" vert="horz" wrap="square" lIns="99060" tIns="99060" rIns="99060" bIns="99060" numCol="1" spcCol="1270" anchor="ctr" anchorCtr="0">
-          <a:noAutofit/>
-        </a:bodyPr>
-        <a:lstStyle/>
-        <a:p>
-          <a:pPr lvl="0" algn="ctr" defTabSz="1155700" rtl="0">
-            <a:lnSpc>
-              <a:spcPct val="90000"/>
-            </a:lnSpc>
-            <a:spcBef>
-              <a:spcPct val="0"/>
-            </a:spcBef>
-            <a:spcAft>
-              <a:spcPct val="35000"/>
-            </a:spcAft>
-          </a:pPr>
-          <a:r>
-            <a:rPr lang="en-US" sz="2600" kern="1200" dirty="0" smtClean="0"/>
-            <a:t>Efficient</a:t>
-          </a:r>
-          <a:endParaRPr lang="en-US" sz="2600" kern="1200" dirty="0"/>
-        </a:p>
-      </dsp:txBody>
-      <dsp:txXfrm>
-        <a:off x="3331273" y="1633254"/>
-        <a:ext cx="1703067" cy="1057432"/>
-      </dsp:txXfrm>
-    </dsp:sp>
-    <dsp:sp modelId="{5A2DABD8-3878-4B71-BAAF-E5D503A787B8}">
-      <dsp:nvSpPr>
-        <dsp:cNvPr id="0" name=""/>
-        <dsp:cNvSpPr/>
-      </dsp:nvSpPr>
-      <dsp:spPr>
-        <a:xfrm>
-          <a:off x="5569916" y="1413642"/>
-          <a:ext cx="1768863" cy="1123228"/>
-        </a:xfrm>
-        <a:prstGeom prst="roundRect">
-          <a:avLst>
-            <a:gd name="adj" fmla="val 10000"/>
-          </a:avLst>
-        </a:prstGeom>
-        <a:gradFill rotWithShape="0">
-          <a:gsLst>
-            <a:gs pos="0">
-              <a:schemeClr val="accent1">
-                <a:hueOff val="0"/>
-                <a:satOff val="0"/>
-                <a:lumOff val="0"/>
-                <a:alphaOff val="0"/>
-                <a:tint val="96000"/>
-                <a:lumMod val="104000"/>
-              </a:schemeClr>
-            </a:gs>
-            <a:gs pos="100000">
-              <a:schemeClr val="accent1">
-                <a:hueOff val="0"/>
-                <a:satOff val="0"/>
-                <a:lumOff val="0"/>
-                <a:alphaOff val="0"/>
-                <a:shade val="98000"/>
-                <a:lumMod val="94000"/>
-              </a:schemeClr>
-            </a:gs>
-          </a:gsLst>
-          <a:lin ang="5400000" scaled="0"/>
-        </a:gradFill>
-        <a:ln>
-          <a:noFill/>
-        </a:ln>
-        <a:effectLst>
-          <a:outerShdw blurRad="38100" dist="25400" dir="5400000" rotWithShape="0">
-            <a:srgbClr val="000000">
-              <a:alpha val="25000"/>
-            </a:srgbClr>
-          </a:outerShdw>
-        </a:effectLst>
-      </dsp:spPr>
-      <dsp:style>
-        <a:lnRef idx="0">
-          <a:scrgbClr r="0" g="0" b="0"/>
-        </a:lnRef>
-        <a:fillRef idx="3">
-          <a:scrgbClr r="0" g="0" b="0"/>
-        </a:fillRef>
-        <a:effectRef idx="2">
-          <a:scrgbClr r="0" g="0" b="0"/>
-        </a:effectRef>
-        <a:fontRef idx="minor">
-          <a:schemeClr val="lt1"/>
-        </a:fontRef>
-      </dsp:style>
-    </dsp:sp>
-    <dsp:sp modelId="{D081F884-7F61-4E44-BDD7-1A1659224BF8}">
-      <dsp:nvSpPr>
-        <dsp:cNvPr id="0" name=""/>
-        <dsp:cNvSpPr/>
-      </dsp:nvSpPr>
-      <dsp:spPr>
-        <a:xfrm>
-          <a:off x="5766457" y="1600356"/>
-          <a:ext cx="1768863" cy="1123228"/>
-        </a:xfrm>
-        <a:prstGeom prst="roundRect">
-          <a:avLst>
-            <a:gd name="adj" fmla="val 10000"/>
-          </a:avLst>
-        </a:prstGeom>
-        <a:solidFill>
-          <a:schemeClr val="lt1">
-            <a:alpha val="90000"/>
-            <a:hueOff val="0"/>
-            <a:satOff val="0"/>
-            <a:lumOff val="0"/>
-            <a:alphaOff val="0"/>
-          </a:schemeClr>
-        </a:solidFill>
-        <a:ln w="9525" cap="rnd" cmpd="sng" algn="ctr">
-          <a:solidFill>
-            <a:schemeClr val="accent1">
-              <a:hueOff val="0"/>
-              <a:satOff val="0"/>
-              <a:lumOff val="0"/>
-              <a:alphaOff val="0"/>
-            </a:schemeClr>
-          </a:solidFill>
-          <a:prstDash val="solid"/>
-        </a:ln>
-        <a:effectLst/>
-      </dsp:spPr>
-      <dsp:style>
-        <a:lnRef idx="1">
-          <a:scrgbClr r="0" g="0" b="0"/>
-        </a:lnRef>
-        <a:fillRef idx="1">
-          <a:scrgbClr r="0" g="0" b="0"/>
-        </a:fillRef>
-        <a:effectRef idx="0">
-          <a:scrgbClr r="0" g="0" b="0"/>
-        </a:effectRef>
-        <a:fontRef idx="minor"/>
-      </dsp:style>
-      <dsp:txBody>
-        <a:bodyPr spcFirstLastPara="0" vert="horz" wrap="square" lIns="99060" tIns="99060" rIns="99060" bIns="99060" numCol="1" spcCol="1270" anchor="ctr" anchorCtr="0">
-          <a:noAutofit/>
-        </a:bodyPr>
-        <a:lstStyle/>
-        <a:p>
-          <a:pPr lvl="0" algn="ctr" defTabSz="1155700" rtl="0">
-            <a:lnSpc>
-              <a:spcPct val="90000"/>
-            </a:lnSpc>
-            <a:spcBef>
-              <a:spcPct val="0"/>
-            </a:spcBef>
-            <a:spcAft>
-              <a:spcPct val="35000"/>
-            </a:spcAft>
-          </a:pPr>
-          <a:r>
-            <a:rPr lang="en-US" sz="2600" kern="1200" dirty="0" smtClean="0"/>
-            <a:t>Complex</a:t>
-          </a:r>
-          <a:endParaRPr lang="x-none" sz="2600" kern="1200"/>
-        </a:p>
-      </dsp:txBody>
-      <dsp:txXfrm>
-        <a:off x="5799355" y="1633254"/>
-        <a:ext cx="1703067" cy="1057432"/>
       </dsp:txXfrm>
     </dsp:sp>
   </dsp:spTree>
@@ -28156,7 +27575,7 @@
             <a:fld id="{F24FA93D-49F0-4227-B2BD-3971B8090463}" type="datetimeFigureOut">
               <a:rPr lang="en-US" smtClean="0"/>
               <a:pPr/>
-              <a:t>9/12/2019</a:t>
+              <a:t>9/14/2019</a:t>
             </a:fld>
             <a:endParaRPr lang="en-US" dirty="0"/>
           </a:p>
@@ -28855,7 +28274,7 @@
             <a:fld id="{B61BEF0D-F0BB-DE4B-95CE-6DB70DBA9567}" type="datetimeFigureOut">
               <a:rPr lang="en-US" dirty="0"/>
               <a:pPr/>
-              <a:t>9/12/2019</a:t>
+              <a:t>9/14/2019</a:t>
             </a:fld>
             <a:endParaRPr lang="en-US" dirty="0"/>
           </a:p>
@@ -29192,7 +28611,7 @@
             <a:fld id="{B61BEF0D-F0BB-DE4B-95CE-6DB70DBA9567}" type="datetimeFigureOut">
               <a:rPr lang="en-US" dirty="0"/>
               <a:pPr/>
-              <a:t>9/12/2019</a:t>
+              <a:t>9/14/2019</a:t>
             </a:fld>
             <a:endParaRPr lang="en-US" dirty="0"/>
           </a:p>
@@ -29592,7 +29011,7 @@
             <a:fld id="{B61BEF0D-F0BB-DE4B-95CE-6DB70DBA9567}" type="datetimeFigureOut">
               <a:rPr lang="en-US" dirty="0"/>
               <a:pPr/>
-              <a:t>9/12/2019</a:t>
+              <a:t>9/14/2019</a:t>
             </a:fld>
             <a:endParaRPr lang="en-US" dirty="0"/>
           </a:p>
@@ -29927,7 +29346,7 @@
             <a:fld id="{B61BEF0D-F0BB-DE4B-95CE-6DB70DBA9567}" type="datetimeFigureOut">
               <a:rPr lang="en-US" dirty="0"/>
               <a:pPr/>
-              <a:t>9/12/2019</a:t>
+              <a:t>9/14/2019</a:t>
             </a:fld>
             <a:endParaRPr lang="en-US" dirty="0"/>
           </a:p>
@@ -30246,7 +29665,7 @@
             <a:fld id="{B61BEF0D-F0BB-DE4B-95CE-6DB70DBA9567}" type="datetimeFigureOut">
               <a:rPr lang="en-US" dirty="0"/>
               <a:pPr/>
-              <a:t>9/12/2019</a:t>
+              <a:t>9/14/2019</a:t>
             </a:fld>
             <a:endParaRPr lang="en-US" dirty="0"/>
           </a:p>
@@ -30641,7 +30060,7 @@
             <a:fld id="{B61BEF0D-F0BB-DE4B-95CE-6DB70DBA9567}" type="datetimeFigureOut">
               <a:rPr lang="en-US" dirty="0"/>
               <a:pPr/>
-              <a:t>9/12/2019</a:t>
+              <a:t>9/14/2019</a:t>
             </a:fld>
             <a:endParaRPr lang="en-US" dirty="0"/>
           </a:p>
@@ -30896,7 +30315,7 @@
             <a:fld id="{B61BEF0D-F0BB-DE4B-95CE-6DB70DBA9567}" type="datetimeFigureOut">
               <a:rPr lang="en-US" dirty="0"/>
               <a:pPr/>
-              <a:t>9/12/2019</a:t>
+              <a:t>9/14/2019</a:t>
             </a:fld>
             <a:endParaRPr lang="en-US" dirty="0"/>
           </a:p>
@@ -31156,7 +30575,7 @@
             <a:fld id="{B61BEF0D-F0BB-DE4B-95CE-6DB70DBA9567}" type="datetimeFigureOut">
               <a:rPr lang="en-US" dirty="0"/>
               <a:pPr/>
-              <a:t>9/12/2019</a:t>
+              <a:t>9/14/2019</a:t>
             </a:fld>
             <a:endParaRPr lang="en-US" dirty="0"/>
           </a:p>
@@ -31416,7 +30835,7 @@
             <a:fld id="{B61BEF0D-F0BB-DE4B-95CE-6DB70DBA9567}" type="datetimeFigureOut">
               <a:rPr lang="en-US" dirty="0"/>
               <a:pPr/>
-              <a:t>9/12/2019</a:t>
+              <a:t>9/14/2019</a:t>
             </a:fld>
             <a:endParaRPr lang="en-US" dirty="0"/>
           </a:p>
@@ -31744,7 +31163,7 @@
             <a:fld id="{B61BEF0D-F0BB-DE4B-95CE-6DB70DBA9567}" type="datetimeFigureOut">
               <a:rPr lang="en-US" dirty="0"/>
               <a:pPr/>
-              <a:t>9/12/2019</a:t>
+              <a:t>9/14/2019</a:t>
             </a:fld>
             <a:endParaRPr lang="en-US" dirty="0"/>
           </a:p>
@@ -32064,7 +31483,7 @@
             <a:fld id="{B61BEF0D-F0BB-DE4B-95CE-6DB70DBA9567}" type="datetimeFigureOut">
               <a:rPr lang="en-US" dirty="0"/>
               <a:pPr/>
-              <a:t>9/12/2019</a:t>
+              <a:t>9/14/2019</a:t>
             </a:fld>
             <a:endParaRPr lang="en-US" dirty="0"/>
           </a:p>
@@ -32518,7 +31937,7 @@
             <a:fld id="{B61BEF0D-F0BB-DE4B-95CE-6DB70DBA9567}" type="datetimeFigureOut">
               <a:rPr lang="en-US" dirty="0"/>
               <a:pPr/>
-              <a:t>9/12/2019</a:t>
+              <a:t>9/14/2019</a:t>
             </a:fld>
             <a:endParaRPr lang="en-US" dirty="0"/>
           </a:p>
@@ -32722,7 +32141,7 @@
             <a:fld id="{B61BEF0D-F0BB-DE4B-95CE-6DB70DBA9567}" type="datetimeFigureOut">
               <a:rPr lang="en-US" dirty="0"/>
               <a:pPr/>
-              <a:t>9/12/2019</a:t>
+              <a:t>9/14/2019</a:t>
             </a:fld>
             <a:endParaRPr lang="en-US" dirty="0"/>
           </a:p>
@@ -32899,7 +32318,7 @@
             <a:fld id="{B61BEF0D-F0BB-DE4B-95CE-6DB70DBA9567}" type="datetimeFigureOut">
               <a:rPr lang="en-US" dirty="0"/>
               <a:pPr/>
-              <a:t>9/12/2019</a:t>
+              <a:t>9/14/2019</a:t>
             </a:fld>
             <a:endParaRPr lang="en-US" dirty="0"/>
           </a:p>
@@ -33230,7 +32649,7 @@
             <a:fld id="{B61BEF0D-F0BB-DE4B-95CE-6DB70DBA9567}" type="datetimeFigureOut">
               <a:rPr lang="en-US" dirty="0"/>
               <a:pPr/>
-              <a:t>9/12/2019</a:t>
+              <a:t>9/14/2019</a:t>
             </a:fld>
             <a:endParaRPr lang="en-US" dirty="0"/>
           </a:p>
@@ -33573,7 +32992,7 @@
             <a:fld id="{B61BEF0D-F0BB-DE4B-95CE-6DB70DBA9567}" type="datetimeFigureOut">
               <a:rPr lang="en-US" dirty="0"/>
               <a:pPr/>
-              <a:t>9/12/2019</a:t>
+              <a:t>9/14/2019</a:t>
             </a:fld>
             <a:endParaRPr lang="en-US" dirty="0"/>
           </a:p>
@@ -35688,7 +35107,7 @@
             <a:fld id="{B61BEF0D-F0BB-DE4B-95CE-6DB70DBA9567}" type="datetimeFigureOut">
               <a:rPr lang="en-US" dirty="0"/>
               <a:pPr/>
-              <a:t>9/12/2019</a:t>
+              <a:t>9/14/2019</a:t>
             </a:fld>
             <a:endParaRPr lang="en-US" dirty="0"/>
           </a:p>
@@ -36343,7 +35762,15 @@
                   <a:schemeClr val="tx1"/>
                 </a:solidFill>
               </a:rPr>
-              <a:t>AUTOGENERATION OF 3D MODEL FROM ROOM IMAGES</a:t>
+              <a:t>AUTOGENERATION OF 3D </a:t>
+            </a:r>
+            <a:r>
+              <a:rPr lang="en-GB" sz="5000" dirty="0" smtClean="0">
+                <a:solidFill>
+                  <a:schemeClr val="tx1"/>
+                </a:solidFill>
+              </a:rPr>
+              <a:t>MODELS FROM 2D Floor Plan Images</a:t>
             </a:r>
             <a:endParaRPr lang="x-none" sz="5000">
               <a:solidFill>
@@ -41752,8 +41179,8 @@
           </p:nvPr>
         </p:nvGraphicFramePr>
         <p:xfrm>
-          <a:off x="2144110" y="2743199"/>
-          <a:ext cx="7749190" cy="3817257"/>
+          <a:off x="1939158" y="2695903"/>
+          <a:ext cx="7788165" cy="3752194"/>
         </p:xfrm>
         <a:graphic>
           <a:graphicData uri="http://schemas.openxmlformats.org/drawingml/2006/diagram">
@@ -44257,12 +43684,7 @@
             <p:ph type="title"/>
           </p:nvPr>
         </p:nvSpPr>
-        <p:spPr>
-          <a:xfrm>
-            <a:off x="1843391" y="624110"/>
-            <a:ext cx="9383408" cy="1280890"/>
-          </a:xfrm>
-        </p:spPr>
+        <p:spPr/>
         <p:txBody>
           <a:bodyPr>
             <a:normAutofit/>
@@ -44391,125 +43813,6 @@
       </p:sp>
       <p:sp>
         <p:nvSpPr>
-          <p:cNvPr id="3" name="Content Placeholder 2">
-            <a:extLst>
-              <a:ext uri="{FF2B5EF4-FFF2-40B4-BE49-F238E27FC236}">
-                <a16:creationId xmlns:a16="http://schemas.microsoft.com/office/drawing/2014/main" xmlns="" id="{B1C6EA51-866C-4C34-B123-039CBFDAA574}"/>
-              </a:ext>
-            </a:extLst>
-          </p:cNvPr>
-          <p:cNvSpPr>
-            <a:spLocks noGrp="1"/>
-          </p:cNvSpPr>
-          <p:nvPr>
-            <p:ph idx="1"/>
-          </p:nvPr>
-        </p:nvSpPr>
-        <p:spPr>
-          <a:xfrm flipH="1">
-            <a:off x="5663828" y="2580798"/>
-            <a:ext cx="4489677" cy="3848008"/>
-          </a:xfrm>
-        </p:spPr>
-        <p:txBody>
-          <a:bodyPr vert="horz" lIns="91440" tIns="45720" rIns="91440" bIns="45720" rtlCol="0" anchor="t">
-            <a:normAutofit fontScale="92500" lnSpcReduction="10000"/>
-          </a:bodyPr>
-          <a:lstStyle/>
-          <a:p>
-            <a:r>
-              <a:rPr lang="en-US" sz="2800" dirty="0">
-                <a:solidFill>
-                  <a:schemeClr val="accent1">
-                    <a:lumMod val="75000"/>
-                  </a:schemeClr>
-                </a:solidFill>
-                <a:ea typeface="+mn-lt"/>
-                <a:cs typeface="+mn-lt"/>
-              </a:rPr>
-              <a:t>Methodology</a:t>
-            </a:r>
-          </a:p>
-          <a:p>
-            <a:r>
-              <a:rPr lang="en-US" sz="2800" dirty="0">
-                <a:solidFill>
-                  <a:schemeClr val="accent1">
-                    <a:lumMod val="75000"/>
-                  </a:schemeClr>
-                </a:solidFill>
-                <a:ea typeface="+mn-lt"/>
-                <a:cs typeface="+mn-lt"/>
-              </a:rPr>
-              <a:t>Idea Complexity</a:t>
-            </a:r>
-          </a:p>
-          <a:p>
-            <a:r>
-              <a:rPr lang="en-US" sz="2800" dirty="0">
-                <a:solidFill>
-                  <a:schemeClr val="accent1">
-                    <a:lumMod val="75000"/>
-                  </a:schemeClr>
-                </a:solidFill>
-                <a:ea typeface="+mn-lt"/>
-                <a:cs typeface="+mn-lt"/>
-              </a:rPr>
-              <a:t>Possible Applications of Work</a:t>
-            </a:r>
-          </a:p>
-          <a:p>
-            <a:r>
-              <a:rPr lang="en-US" sz="2800" dirty="0">
-                <a:solidFill>
-                  <a:schemeClr val="accent1">
-                    <a:lumMod val="75000"/>
-                  </a:schemeClr>
-                </a:solidFill>
-                <a:ea typeface="+mn-lt"/>
-                <a:cs typeface="+mn-lt"/>
-              </a:rPr>
-              <a:t>Feasibility Study</a:t>
-            </a:r>
-          </a:p>
-          <a:p>
-            <a:r>
-              <a:rPr lang="en-US" sz="2800" dirty="0">
-                <a:solidFill>
-                  <a:schemeClr val="accent1">
-                    <a:lumMod val="75000"/>
-                  </a:schemeClr>
-                </a:solidFill>
-                <a:ea typeface="+mn-lt"/>
-                <a:cs typeface="+mn-lt"/>
-              </a:rPr>
-              <a:t>Market Survey</a:t>
-            </a:r>
-          </a:p>
-          <a:p>
-            <a:r>
-              <a:rPr lang="en-US" sz="2800" dirty="0">
-                <a:solidFill>
-                  <a:schemeClr val="accent1">
-                    <a:lumMod val="75000"/>
-                  </a:schemeClr>
-                </a:solidFill>
-                <a:ea typeface="+mn-lt"/>
-                <a:cs typeface="+mn-lt"/>
-              </a:rPr>
-              <a:t>Limitations and Challenges</a:t>
-            </a:r>
-          </a:p>
-          <a:p>
-            <a:endParaRPr lang="en-US" sz="2800" dirty="0">
-              <a:ea typeface="+mn-lt"/>
-              <a:cs typeface="+mn-lt"/>
-            </a:endParaRPr>
-          </a:p>
-        </p:txBody>
-      </p:sp>
-      <p:sp>
-        <p:nvSpPr>
           <p:cNvPr id="4" name="Content Placeholder 2">
             <a:extLst>
               <a:ext uri="{FF2B5EF4-FFF2-40B4-BE49-F238E27FC236}">
@@ -44524,8 +43827,8 @@
         </p:nvSpPr>
         <p:spPr>
           <a:xfrm>
-            <a:off x="1517017" y="2574778"/>
-            <a:ext cx="3622542" cy="3936382"/>
+            <a:off x="6511160" y="2585546"/>
+            <a:ext cx="4540468" cy="3626068"/>
           </a:xfrm>
           <a:prstGeom prst="rect">
             <a:avLst/>
@@ -44755,7 +44058,107 @@
           </a:lstStyle>
           <a:p>
             <a:r>
-              <a:rPr lang="en-US" sz="2800" dirty="0">
+              <a:rPr lang="en-US" sz="2800" dirty="0" smtClean="0"/>
+              <a:t>Methodology</a:t>
+            </a:r>
+          </a:p>
+          <a:p>
+            <a:r>
+              <a:rPr lang="en-US" sz="2800" dirty="0" smtClean="0"/>
+              <a:t>Idea Complexity</a:t>
+            </a:r>
+          </a:p>
+          <a:p>
+            <a:r>
+              <a:rPr lang="en-US" sz="2800" dirty="0" smtClean="0"/>
+              <a:t>Possible Applications of Work</a:t>
+            </a:r>
+          </a:p>
+          <a:p>
+            <a:r>
+              <a:rPr lang="en-US" sz="2800" dirty="0" smtClean="0"/>
+              <a:t>Feasibility Study</a:t>
+            </a:r>
+          </a:p>
+          <a:p>
+            <a:r>
+              <a:rPr lang="en-US" sz="2800" dirty="0" smtClean="0"/>
+              <a:t>Market Survey</a:t>
+            </a:r>
+          </a:p>
+          <a:p>
+            <a:r>
+              <a:rPr lang="en-US" sz="2800" dirty="0" smtClean="0"/>
+              <a:t>Limitations and Challenges</a:t>
+            </a:r>
+          </a:p>
+          <a:p>
+            <a:endParaRPr lang="en" sz="2800" dirty="0" smtClean="0"/>
+          </a:p>
+          <a:p>
+            <a:endParaRPr lang="en-US" sz="2800" dirty="0"/>
+          </a:p>
+        </p:txBody>
+      </p:sp>
+      <p:sp>
+        <p:nvSpPr>
+          <p:cNvPr id="13" name="Content Placeholder 12"/>
+          <p:cNvSpPr>
+            <a:spLocks noGrp="1"/>
+          </p:cNvSpPr>
+          <p:nvPr>
+            <p:ph sz="half" idx="1"/>
+          </p:nvPr>
+        </p:nvSpPr>
+        <p:spPr>
+          <a:xfrm>
+            <a:off x="1450428" y="2443655"/>
+            <a:ext cx="4193627" cy="3941380"/>
+          </a:xfrm>
+        </p:spPr>
+        <p:txBody>
+          <a:bodyPr>
+            <a:normAutofit fontScale="92500" lnSpcReduction="10000"/>
+          </a:bodyPr>
+          <a:lstStyle/>
+          <a:p>
+            <a:pPr>
+              <a:buNone/>
+            </a:pPr>
+            <a:endParaRPr lang="en-US" dirty="0"/>
+          </a:p>
+        </p:txBody>
+      </p:sp>
+      <p:sp>
+        <p:nvSpPr>
+          <p:cNvPr id="14" name="Content Placeholder 2">
+            <a:extLst>
+              <a:ext uri="{FF2B5EF4-FFF2-40B4-BE49-F238E27FC236}">
+                <a16:creationId xmlns:a16="http://schemas.microsoft.com/office/drawing/2014/main" xmlns="" id="{B1C6EA51-866C-4C34-B123-039CBFDAA574}"/>
+              </a:ext>
+            </a:extLst>
+          </p:cNvPr>
+          <p:cNvSpPr>
+            <a:spLocks noGrp="1"/>
+          </p:cNvSpPr>
+          <p:nvPr>
+            <p:ph sz="half" idx="2"/>
+          </p:nvPr>
+        </p:nvSpPr>
+        <p:spPr>
+          <a:xfrm flipH="1">
+            <a:off x="1513487" y="2538247"/>
+            <a:ext cx="3878319" cy="4035973"/>
+          </a:xfrm>
+        </p:spPr>
+        <p:txBody>
+          <a:bodyPr vert="horz" lIns="91440" tIns="45720" rIns="91440" bIns="45720" rtlCol="0" anchor="t">
+            <a:normAutofit fontScale="92500" lnSpcReduction="10000"/>
+          </a:bodyPr>
+          <a:lstStyle/>
+          <a:p>
+            <a:r>
+              <a:rPr lang="en-US" sz="2800" dirty="0" smtClean="0">
                 <a:solidFill>
                   <a:schemeClr val="accent1">
                     <a:lumMod val="75000"/>
@@ -44767,7 +44170,7 @@
           </a:p>
           <a:p>
             <a:r>
-              <a:rPr lang="en-US" sz="2800" dirty="0">
+              <a:rPr lang="en-US" sz="2800" dirty="0" smtClean="0">
                 <a:solidFill>
                   <a:schemeClr val="accent1">
                     <a:lumMod val="75000"/>
@@ -44779,7 +44182,7 @@
           </a:p>
           <a:p>
             <a:r>
-              <a:rPr lang="en-US" sz="2800" dirty="0">
+              <a:rPr lang="en-US" sz="2800" dirty="0" smtClean="0">
                 <a:solidFill>
                   <a:schemeClr val="accent1">
                     <a:lumMod val="75000"/>
@@ -44791,7 +44194,7 @@
           </a:p>
           <a:p>
             <a:r>
-              <a:rPr lang="en-US" sz="2800" dirty="0">
+              <a:rPr lang="en-US" sz="2800" dirty="0" smtClean="0">
                 <a:solidFill>
                   <a:schemeClr val="accent1">
                     <a:lumMod val="75000"/>
@@ -44803,7 +44206,7 @@
           </a:p>
           <a:p>
             <a:r>
-              <a:rPr lang="en-US" sz="2800" dirty="0">
+              <a:rPr lang="en-US" sz="2800" dirty="0" smtClean="0">
                 <a:solidFill>
                   <a:schemeClr val="accent1">
                     <a:lumMod val="75000"/>
@@ -44815,7 +44218,7 @@
           </a:p>
           <a:p>
             <a:r>
-              <a:rPr lang="en-US" sz="2800" dirty="0">
+              <a:rPr lang="en-US" sz="2800" dirty="0" smtClean="0">
                 <a:solidFill>
                   <a:schemeClr val="accent1">
                     <a:lumMod val="75000"/>
@@ -44827,7 +44230,7 @@
           </a:p>
           <a:p>
             <a:r>
-              <a:rPr lang="en-US" sz="2800" dirty="0">
+              <a:rPr lang="en-US" sz="2800" dirty="0" smtClean="0">
                 <a:solidFill>
                   <a:schemeClr val="accent1">
                     <a:lumMod val="75000"/>
@@ -44841,7 +44244,7 @@
           </a:p>
           <a:p>
             <a:r>
-              <a:rPr lang="en-US" sz="2800" dirty="0">
+              <a:rPr lang="en-US" sz="2800" dirty="0" smtClean="0">
                 <a:solidFill>
                   <a:schemeClr val="accent1">
                     <a:lumMod val="75000"/>
@@ -44874,9 +44277,155 @@
   <p:timing>
     <p:tnLst>
       <p:par>
-        <p:cTn id="1" dur="indefinite" restart="never" nodeType="tmRoot"/>
+        <p:cTn id="1" dur="indefinite" restart="never" nodeType="tmRoot">
+          <p:childTnLst>
+            <p:seq concurrent="1" nextAc="seek">
+              <p:cTn id="2" dur="indefinite" nodeType="mainSeq">
+                <p:childTnLst>
+                  <p:par>
+                    <p:cTn id="3" fill="hold">
+                      <p:stCondLst>
+                        <p:cond delay="indefinite"/>
+                      </p:stCondLst>
+                      <p:childTnLst>
+                        <p:par>
+                          <p:cTn id="4" fill="hold">
+                            <p:stCondLst>
+                              <p:cond delay="0"/>
+                            </p:stCondLst>
+                            <p:childTnLst>
+                              <p:par>
+                                <p:cTn id="5" presetID="4" presetClass="entr" presetSubtype="16" fill="hold" grpId="0" nodeType="clickEffect">
+                                  <p:stCondLst>
+                                    <p:cond delay="0"/>
+                                  </p:stCondLst>
+                                  <p:childTnLst>
+                                    <p:set>
+                                      <p:cBhvr>
+                                        <p:cTn id="6" dur="1" fill="hold">
+                                          <p:stCondLst>
+                                            <p:cond delay="0"/>
+                                          </p:stCondLst>
+                                        </p:cTn>
+                                        <p:tgtEl>
+                                          <p:spTgt spid="4"/>
+                                        </p:tgtEl>
+                                        <p:attrNameLst>
+                                          <p:attrName>style.visibility</p:attrName>
+                                        </p:attrNameLst>
+                                      </p:cBhvr>
+                                      <p:to>
+                                        <p:strVal val="visible"/>
+                                      </p:to>
+                                    </p:set>
+                                    <p:animEffect transition="in" filter="box(in)">
+                                      <p:cBhvr>
+                                        <p:cTn id="7" dur="500"/>
+                                        <p:tgtEl>
+                                          <p:spTgt spid="4"/>
+                                        </p:tgtEl>
+                                      </p:cBhvr>
+                                    </p:animEffect>
+                                  </p:childTnLst>
+                                </p:cTn>
+                              </p:par>
+                            </p:childTnLst>
+                          </p:cTn>
+                        </p:par>
+                      </p:childTnLst>
+                    </p:cTn>
+                  </p:par>
+                  <p:par>
+                    <p:cTn id="8" fill="hold">
+                      <p:stCondLst>
+                        <p:cond delay="indefinite"/>
+                      </p:stCondLst>
+                      <p:childTnLst>
+                        <p:par>
+                          <p:cTn id="9" fill="hold">
+                            <p:stCondLst>
+                              <p:cond delay="0"/>
+                            </p:stCondLst>
+                            <p:childTnLst>
+                              <p:par>
+                                <p:cTn id="10" presetID="4" presetClass="entr" presetSubtype="16" fill="hold" grpId="0" nodeType="clickEffect" nodePh="1">
+                                  <p:stCondLst>
+                                    <p:cond delay="0"/>
+                                  </p:stCondLst>
+                                  <p:endCondLst>
+                                    <p:cond evt="begin" delay="0">
+                                      <p:tn val="10"/>
+                                    </p:cond>
+                                  </p:endCondLst>
+                                  <p:childTnLst>
+                                    <p:set>
+                                      <p:cBhvr>
+                                        <p:cTn id="11" dur="1" fill="hold">
+                                          <p:stCondLst>
+                                            <p:cond delay="0"/>
+                                          </p:stCondLst>
+                                        </p:cTn>
+                                        <p:tgtEl>
+                                          <p:spTgt spid="13">
+                                            <p:txEl>
+                                              <p:pRg st="0" end="0"/>
+                                            </p:txEl>
+                                          </p:spTgt>
+                                        </p:tgtEl>
+                                        <p:attrNameLst>
+                                          <p:attrName>style.visibility</p:attrName>
+                                        </p:attrNameLst>
+                                      </p:cBhvr>
+                                      <p:to>
+                                        <p:strVal val="visible"/>
+                                      </p:to>
+                                    </p:set>
+                                    <p:animEffect transition="in" filter="box(in)">
+                                      <p:cBhvr>
+                                        <p:cTn id="12" dur="500"/>
+                                        <p:tgtEl>
+                                          <p:spTgt spid="13">
+                                            <p:txEl>
+                                              <p:pRg st="0" end="0"/>
+                                            </p:txEl>
+                                          </p:spTgt>
+                                        </p:tgtEl>
+                                      </p:cBhvr>
+                                    </p:animEffect>
+                                  </p:childTnLst>
+                                </p:cTn>
+                              </p:par>
+                            </p:childTnLst>
+                          </p:cTn>
+                        </p:par>
+                      </p:childTnLst>
+                    </p:cTn>
+                  </p:par>
+                </p:childTnLst>
+              </p:cTn>
+              <p:prevCondLst>
+                <p:cond evt="onPrev" delay="0">
+                  <p:tgtEl>
+                    <p:sldTgt/>
+                  </p:tgtEl>
+                </p:cond>
+              </p:prevCondLst>
+              <p:nextCondLst>
+                <p:cond evt="onNext" delay="0">
+                  <p:tgtEl>
+                    <p:sldTgt/>
+                  </p:tgtEl>
+                </p:cond>
+              </p:nextCondLst>
+            </p:seq>
+          </p:childTnLst>
+        </p:cTn>
       </p:par>
     </p:tnLst>
+    <p:bldLst>
+      <p:bldP spid="4" grpId="0"/>
+      <p:bldP spid="13" grpId="0" build="p"/>
+    </p:bldLst>
   </p:timing>
 </p:sld>
 </file>
@@ -45127,7 +44676,7 @@
             </a:r>
             <a:r>
               <a:rPr lang="en-US" sz="3800" dirty="0" smtClean="0"/>
-              <a:t>to the image imported </a:t>
+              <a:t>to the image of imported </a:t>
             </a:r>
             <a:r>
               <a:rPr lang="en-US" sz="3800" dirty="0"/>
@@ -45863,7 +45412,7 @@
         <p:spPr>
           <a:xfrm>
             <a:off x="1375781" y="2797415"/>
-            <a:ext cx="3133157" cy="3383492"/>
+            <a:ext cx="3059397" cy="3303840"/>
           </a:xfrm>
           <a:prstGeom prst="rect">
             <a:avLst/>
@@ -45891,9 +45440,9 @@
           </a:stretch>
         </p:blipFill>
         <p:spPr>
-          <a:xfrm rot="-60000">
-            <a:off x="7030451" y="2696193"/>
-            <a:ext cx="3631175" cy="3387963"/>
+          <a:xfrm rot="16200000">
+            <a:off x="7325195" y="2564594"/>
+            <a:ext cx="3416895" cy="3657597"/>
           </a:xfrm>
           <a:prstGeom prst="rect">
             <a:avLst/>
@@ -45922,7 +45471,7 @@
         </p:blipFill>
         <p:spPr>
           <a:xfrm>
-            <a:off x="5055975" y="3892332"/>
+            <a:off x="5103272" y="3955395"/>
             <a:ext cx="1264309" cy="941898"/>
           </a:xfrm>
           <a:prstGeom prst="rect">

--- a/Project slides.pptx
+++ b/Project slides.pptx
@@ -5,7 +5,7 @@
     <p:sldMasterId id="2147483648" r:id="rId1"/>
   </p:sldMasterIdLst>
   <p:notesMasterIdLst>
-    <p:notesMasterId r:id="rId29"/>
+    <p:notesMasterId r:id="rId30"/>
   </p:notesMasterIdLst>
   <p:sldIdLst>
     <p:sldId id="256" r:id="rId2"/>
@@ -26,7 +26,7 @@
     <p:sldId id="299" r:id="rId17"/>
     <p:sldId id="272" r:id="rId18"/>
     <p:sldId id="300" r:id="rId19"/>
-    <p:sldId id="315" r:id="rId20"/>
+    <p:sldId id="316" r:id="rId20"/>
     <p:sldId id="302" r:id="rId21"/>
     <p:sldId id="309" r:id="rId22"/>
     <p:sldId id="273" r:id="rId23"/>
@@ -34,7 +34,8 @@
     <p:sldId id="305" r:id="rId25"/>
     <p:sldId id="280" r:id="rId26"/>
     <p:sldId id="278" r:id="rId27"/>
-    <p:sldId id="281" r:id="rId28"/>
+    <p:sldId id="317" r:id="rId28"/>
+    <p:sldId id="281" r:id="rId29"/>
   </p:sldIdLst>
   <p:sldSz cx="12192000" cy="6858000"/>
   <p:notesSz cx="6858000" cy="9144000"/>
@@ -135,7 +136,7 @@
   </p:defaultTextStyle>
   <p:extLst>
     <p:ext uri="{EFAFB233-063F-42B5-8137-9DF3F51BA10A}">
-      <p15:sldGuideLst xmlns:p15="http://schemas.microsoft.com/office/powerpoint/2012/main" xmlns="">
+      <p15:sldGuideLst xmlns="" xmlns:p15="http://schemas.microsoft.com/office/powerpoint/2012/main">
         <p15:guide id="1" orient="horz" pos="2160">
           <p15:clr>
             <a:srgbClr val="A4A3A4"/>
@@ -7622,7 +7623,7 @@
   <dgm:whole/>
   <dgm:extLst>
     <a:ext uri="http://schemas.microsoft.com/office/drawing/2008/diagram">
-      <dsp:dataModelExt xmlns="" xmlns:dsp="http://schemas.microsoft.com/office/drawing/2008/diagram" relId="rId6" minVer="http://schemas.openxmlformats.org/drawingml/2006/diagram"/>
+      <dsp:dataModelExt xmlns:dsp="http://schemas.microsoft.com/office/drawing/2008/diagram" xmlns="" relId="rId6" minVer="http://schemas.openxmlformats.org/drawingml/2006/diagram"/>
     </a:ext>
   </dgm:extLst>
 </dgm:dataModel>
@@ -8265,7 +8266,7 @@
   <dgm:whole/>
   <dgm:extLst>
     <a:ext uri="http://schemas.microsoft.com/office/drawing/2008/diagram">
-      <dsp:dataModelExt xmlns="" xmlns:dsp="http://schemas.microsoft.com/office/drawing/2008/diagram" relId="rId6" minVer="http://schemas.openxmlformats.org/drawingml/2006/diagram"/>
+      <dsp:dataModelExt xmlns:dsp="http://schemas.microsoft.com/office/drawing/2008/diagram" xmlns="" relId="rId6" minVer="http://schemas.openxmlformats.org/drawingml/2006/diagram"/>
     </a:ext>
   </dgm:extLst>
 </dgm:dataModel>
@@ -8848,8 +8849,8 @@
     <dgm:cxn modelId="{4AA56429-1519-4660-A7AE-DDFCDBAC71F8}" type="presOf" srcId="{9E626EBB-B485-4DDE-B5A4-380EB1A4D9AF}" destId="{79472641-66CD-4B1A-821E-23380DE6748C}" srcOrd="0" destOrd="0" presId="urn:microsoft.com/office/officeart/2005/8/layout/cycle6"/>
     <dgm:cxn modelId="{9798133A-9D44-492C-9BEE-855A28F96324}" type="presOf" srcId="{D24CCF26-F4FD-46E7-8294-4EC337385235}" destId="{927E6873-1309-4ADA-ABDE-F467470D20BE}" srcOrd="0" destOrd="0" presId="urn:microsoft.com/office/officeart/2005/8/layout/cycle6"/>
     <dgm:cxn modelId="{CA8CB9DE-031D-42C6-AF96-FDF784FAE2C2}" type="presOf" srcId="{BAD60A6A-D1F7-4C42-9B3B-08C323554D82}" destId="{C090A18A-DB05-4B47-A1A5-E1028DBA3B0A}" srcOrd="0" destOrd="0" presId="urn:microsoft.com/office/officeart/2005/8/layout/cycle6"/>
+    <dgm:cxn modelId="{2DC9FED3-E784-444C-9658-6CA465B9BE28}" type="presOf" srcId="{0FA78B75-082C-43DC-933C-7FFF0E969434}" destId="{B21F0599-B944-425B-B2F8-623CD6CEAC6F}" srcOrd="0" destOrd="0" presId="urn:microsoft.com/office/officeart/2005/8/layout/cycle6"/>
     <dgm:cxn modelId="{CA434B0F-B49F-4ED4-AC30-92D8A74D99CD}" srcId="{BAD60A6A-D1F7-4C42-9B3B-08C323554D82}" destId="{9417A54C-EB95-4A5D-99D1-3622B07BEC7A}" srcOrd="3" destOrd="0" parTransId="{27286432-A277-4448-9FF3-F9D628284E35}" sibTransId="{1AFB04A5-BBE7-4D1E-BC70-F55A03A39DB1}"/>
-    <dgm:cxn modelId="{2DC9FED3-E784-444C-9658-6CA465B9BE28}" type="presOf" srcId="{0FA78B75-082C-43DC-933C-7FFF0E969434}" destId="{B21F0599-B944-425B-B2F8-623CD6CEAC6F}" srcOrd="0" destOrd="0" presId="urn:microsoft.com/office/officeart/2005/8/layout/cycle6"/>
     <dgm:cxn modelId="{EF620AFB-45B5-44DF-969A-6CB774DE2047}" type="presParOf" srcId="{C090A18A-DB05-4B47-A1A5-E1028DBA3B0A}" destId="{927E6873-1309-4ADA-ABDE-F467470D20BE}" srcOrd="0" destOrd="0" presId="urn:microsoft.com/office/officeart/2005/8/layout/cycle6"/>
     <dgm:cxn modelId="{3878F9C5-E78B-47D6-967D-098419C365E3}" type="presParOf" srcId="{C090A18A-DB05-4B47-A1A5-E1028DBA3B0A}" destId="{077C3D06-71E1-45FF-8E8E-384289E18F33}" srcOrd="1" destOrd="0" presId="urn:microsoft.com/office/officeart/2005/8/layout/cycle6"/>
     <dgm:cxn modelId="{2623E5CF-ED1B-4578-AD47-74D78A8C4A81}" type="presParOf" srcId="{C090A18A-DB05-4B47-A1A5-E1028DBA3B0A}" destId="{604D8B83-AD61-46F0-969A-B8E73AEDF0BA}" srcOrd="2" destOrd="0" presId="urn:microsoft.com/office/officeart/2005/8/layout/cycle6"/>
@@ -8876,7 +8877,7 @@
   <dgm:whole/>
   <dgm:extLst>
     <a:ext uri="http://schemas.microsoft.com/office/drawing/2008/diagram">
-      <dsp:dataModelExt xmlns="" xmlns:dsp="http://schemas.microsoft.com/office/drawing/2008/diagram" relId="rId6" minVer="http://schemas.openxmlformats.org/drawingml/2006/diagram"/>
+      <dsp:dataModelExt xmlns:dsp="http://schemas.microsoft.com/office/drawing/2008/diagram" xmlns="" relId="rId6" minVer="http://schemas.openxmlformats.org/drawingml/2006/diagram"/>
     </a:ext>
   </dgm:extLst>
 </dgm:dataModel>
@@ -9233,7 +9234,7 @@
         <a:p>
           <a:r>
             <a:rPr lang="en-US" sz="1600" dirty="0" smtClean="0"/>
-            <a:t>Wall construction</a:t>
+            <a:t>Scaling and setting of parameters for 3D model</a:t>
           </a:r>
           <a:endParaRPr lang="en-US" sz="1600" dirty="0"/>
         </a:p>
@@ -9270,7 +9271,7 @@
         <a:p>
           <a:r>
             <a:rPr lang="en-US" sz="1600" dirty="0" smtClean="0"/>
-            <a:t>Object mapping</a:t>
+            <a:t>Wall construction and Object mapping</a:t>
           </a:r>
           <a:endParaRPr lang="en-US" sz="1600" dirty="0"/>
         </a:p>
@@ -9307,7 +9308,7 @@
         <a:p>
           <a:r>
             <a:rPr lang="en-US" sz="1600" dirty="0" smtClean="0"/>
-            <a:t>Floor and ceiling construction. </a:t>
+            <a:t>Floor construction. </a:t>
           </a:r>
           <a:endParaRPr lang="en-US" sz="1600" dirty="0"/>
         </a:p>
@@ -9707,7 +9708,7 @@
   <dgm:whole/>
   <dgm:extLst>
     <a:ext uri="http://schemas.microsoft.com/office/drawing/2008/diagram">
-      <dsp:dataModelExt xmlns="" xmlns:dsp="http://schemas.microsoft.com/office/drawing/2008/diagram" relId="rId6" minVer="http://schemas.openxmlformats.org/drawingml/2006/diagram"/>
+      <dsp:dataModelExt xmlns:dsp="http://schemas.microsoft.com/office/drawing/2008/diagram" xmlns="" relId="rId6" minVer="http://schemas.openxmlformats.org/drawingml/2006/diagram"/>
     </a:ext>
   </dgm:extLst>
 </dgm:dataModel>
@@ -9737,7 +9738,7 @@
           <a:pPr rtl="0"/>
           <a:r>
             <a:rPr lang="en-US" dirty="0" smtClean="0"/>
-            <a:t>Different</a:t>
+            <a:t>Smart</a:t>
           </a:r>
           <a:endParaRPr lang="en-US" dirty="0"/>
         </a:p>
@@ -9755,44 +9756,6 @@
       </dgm:t>
     </dgm:pt>
     <dgm:pt modelId="{8CA9026C-D3EC-48B9-A778-66A85F542BF2}" type="sibTrans" cxnId="{F4C0BF7A-B1E0-4D62-9414-6AA2DCAF82E9}">
-      <dgm:prSet/>
-      <dgm:spPr/>
-      <dgm:t>
-        <a:bodyPr/>
-        <a:lstStyle/>
-        <a:p>
-          <a:endParaRPr lang="en-US"/>
-        </a:p>
-      </dgm:t>
-    </dgm:pt>
-    <dgm:pt modelId="{78CE01FA-94A5-4FD5-8A9B-DA68FFF34474}">
-      <dgm:prSet/>
-      <dgm:spPr/>
-      <dgm:t>
-        <a:bodyPr/>
-        <a:lstStyle/>
-        <a:p>
-          <a:pPr rtl="0"/>
-          <a:r>
-            <a:rPr lang="en-US" dirty="0" smtClean="0"/>
-            <a:t>Efficient</a:t>
-          </a:r>
-          <a:endParaRPr lang="en-US" dirty="0"/>
-        </a:p>
-      </dgm:t>
-    </dgm:pt>
-    <dgm:pt modelId="{101D9C40-BB3E-41BF-88D8-070AEE6126E5}" type="parTrans" cxnId="{29F04D53-B5B6-4E7C-BED3-FAB62E9E7832}">
-      <dgm:prSet/>
-      <dgm:spPr/>
-      <dgm:t>
-        <a:bodyPr/>
-        <a:lstStyle/>
-        <a:p>
-          <a:endParaRPr lang="en-US"/>
-        </a:p>
-      </dgm:t>
-    </dgm:pt>
-    <dgm:pt modelId="{AD99C7D1-281D-4C02-A052-E711386EB87B}" type="sibTrans" cxnId="{29F04D53-B5B6-4E7C-BED3-FAB62E9E7832}">
       <dgm:prSet/>
       <dgm:spPr/>
       <dgm:t>
@@ -9921,7 +9884,7 @@
       </dgm:t>
     </dgm:pt>
     <dgm:pt modelId="{84B4EBF7-A0C1-425B-B378-0839BBDA9FEA}" type="pres">
-      <dgm:prSet presAssocID="{E2B6297A-6D14-4600-B357-ACBE64B4A9B9}" presName="background" presStyleLbl="node0" presStyleIdx="0" presStyleCnt="4"/>
+      <dgm:prSet presAssocID="{E2B6297A-6D14-4600-B357-ACBE64B4A9B9}" presName="background" presStyleLbl="node0" presStyleIdx="0" presStyleCnt="3"/>
       <dgm:spPr/>
       <dgm:t>
         <a:bodyPr/>
@@ -9932,7 +9895,7 @@
       </dgm:t>
     </dgm:pt>
     <dgm:pt modelId="{E3AC153E-2405-49CD-B76E-1B040E7FC225}" type="pres">
-      <dgm:prSet presAssocID="{E2B6297A-6D14-4600-B357-ACBE64B4A9B9}" presName="text" presStyleLbl="fgAcc0" presStyleIdx="0" presStyleCnt="4" custLinFactX="67299" custLinFactY="-42331" custLinFactNeighborX="100000" custLinFactNeighborY="-100000">
+      <dgm:prSet presAssocID="{E2B6297A-6D14-4600-B357-ACBE64B4A9B9}" presName="text" presStyleLbl="fgAcc0" presStyleIdx="0" presStyleCnt="3" custScaleX="74833" custScaleY="67486" custLinFactNeighborX="99730" custLinFactNeighborY="-69570">
         <dgm:presLayoutVars>
           <dgm:chPref val="3"/>
         </dgm:presLayoutVars>
@@ -9980,7 +9943,7 @@
       </dgm:t>
     </dgm:pt>
     <dgm:pt modelId="{D294A8D5-27EF-4CD2-A50F-C05DC99AD704}" type="pres">
-      <dgm:prSet presAssocID="{B0084BE7-D0A5-4F49-937B-6276073D0188}" presName="background" presStyleLbl="node0" presStyleIdx="1" presStyleCnt="4"/>
+      <dgm:prSet presAssocID="{B0084BE7-D0A5-4F49-937B-6276073D0188}" presName="background" presStyleLbl="node0" presStyleIdx="1" presStyleCnt="3"/>
       <dgm:spPr/>
       <dgm:t>
         <a:bodyPr/>
@@ -9991,7 +9954,7 @@
       </dgm:t>
     </dgm:pt>
     <dgm:pt modelId="{DF9D0EF3-519D-4806-9CF2-C22B83A19DF4}" type="pres">
-      <dgm:prSet presAssocID="{B0084BE7-D0A5-4F49-937B-6276073D0188}" presName="text" presStyleLbl="fgAcc0" presStyleIdx="1" presStyleCnt="4" custLinFactX="-7195" custLinFactNeighborX="-100000" custLinFactNeighborY="6091">
+      <dgm:prSet presAssocID="{B0084BE7-D0A5-4F49-937B-6276073D0188}" presName="text" presStyleLbl="fgAcc0" presStyleIdx="1" presStyleCnt="3" custScaleX="87279" custScaleY="59910" custLinFactX="-8320" custLinFactNeighborX="-100000" custLinFactNeighborY="17558">
         <dgm:presLayoutVars>
           <dgm:chPref val="3"/>
         </dgm:presLayoutVars>
@@ -10007,65 +9970,6 @@
     </dgm:pt>
     <dgm:pt modelId="{60341F5E-8EC3-4F7C-962A-23DB8C680DEC}" type="pres">
       <dgm:prSet presAssocID="{B0084BE7-D0A5-4F49-937B-6276073D0188}" presName="hierChild2" presStyleCnt="0"/>
-      <dgm:spPr/>
-      <dgm:t>
-        <a:bodyPr/>
-        <a:lstStyle/>
-        <a:p>
-          <a:endParaRPr lang="en-US"/>
-        </a:p>
-      </dgm:t>
-    </dgm:pt>
-    <dgm:pt modelId="{3A7A77FF-FB37-4204-AF4D-BB8F59FCFBE9}" type="pres">
-      <dgm:prSet presAssocID="{78CE01FA-94A5-4FD5-8A9B-DA68FFF34474}" presName="hierRoot1" presStyleCnt="0"/>
-      <dgm:spPr/>
-      <dgm:t>
-        <a:bodyPr/>
-        <a:lstStyle/>
-        <a:p>
-          <a:endParaRPr lang="en-US"/>
-        </a:p>
-      </dgm:t>
-    </dgm:pt>
-    <dgm:pt modelId="{CA0E1498-642A-4DB8-9F9A-12BB978C3DC6}" type="pres">
-      <dgm:prSet presAssocID="{78CE01FA-94A5-4FD5-8A9B-DA68FFF34474}" presName="composite" presStyleCnt="0"/>
-      <dgm:spPr/>
-      <dgm:t>
-        <a:bodyPr/>
-        <a:lstStyle/>
-        <a:p>
-          <a:endParaRPr lang="en-US"/>
-        </a:p>
-      </dgm:t>
-    </dgm:pt>
-    <dgm:pt modelId="{A5BFB8E4-5619-4313-8B09-23B569AFAF5E}" type="pres">
-      <dgm:prSet presAssocID="{78CE01FA-94A5-4FD5-8A9B-DA68FFF34474}" presName="background" presStyleLbl="node0" presStyleIdx="2" presStyleCnt="4"/>
-      <dgm:spPr/>
-      <dgm:t>
-        <a:bodyPr/>
-        <a:lstStyle/>
-        <a:p>
-          <a:endParaRPr lang="en-US"/>
-        </a:p>
-      </dgm:t>
-    </dgm:pt>
-    <dgm:pt modelId="{C171F404-56EF-48A6-8149-6F312CAE5A19}" type="pres">
-      <dgm:prSet presAssocID="{78CE01FA-94A5-4FD5-8A9B-DA68FFF34474}" presName="text" presStyleLbl="fgAcc0" presStyleIdx="2" presStyleCnt="4" custLinFactNeighborX="-69227" custLinFactNeighborY="37191">
-        <dgm:presLayoutVars>
-          <dgm:chPref val="3"/>
-        </dgm:presLayoutVars>
-      </dgm:prSet>
-      <dgm:spPr/>
-      <dgm:t>
-        <a:bodyPr/>
-        <a:lstStyle/>
-        <a:p>
-          <a:endParaRPr lang="en-US"/>
-        </a:p>
-      </dgm:t>
-    </dgm:pt>
-    <dgm:pt modelId="{0A2B80F8-6752-4164-9665-6E15A4D4C3F0}" type="pres">
-      <dgm:prSet presAssocID="{78CE01FA-94A5-4FD5-8A9B-DA68FFF34474}" presName="hierChild2" presStyleCnt="0"/>
       <dgm:spPr/>
       <dgm:t>
         <a:bodyPr/>
@@ -10098,7 +10002,7 @@
       </dgm:t>
     </dgm:pt>
     <dgm:pt modelId="{5A2DABD8-3878-4B71-BAAF-E5D503A787B8}" type="pres">
-      <dgm:prSet presAssocID="{D4D37C82-B324-458B-86E2-24E1BFF7CDEE}" presName="background" presStyleLbl="node0" presStyleIdx="3" presStyleCnt="4"/>
+      <dgm:prSet presAssocID="{D4D37C82-B324-458B-86E2-24E1BFF7CDEE}" presName="background" presStyleLbl="node0" presStyleIdx="2" presStyleCnt="3"/>
       <dgm:spPr/>
       <dgm:t>
         <a:bodyPr/>
@@ -10109,7 +10013,7 @@
       </dgm:t>
     </dgm:pt>
     <dgm:pt modelId="{D081F884-7F61-4E44-BDD7-1A1659224BF8}" type="pres">
-      <dgm:prSet presAssocID="{D4D37C82-B324-458B-86E2-24E1BFF7CDEE}" presName="text" presStyleLbl="fgAcc0" presStyleIdx="3" presStyleCnt="4" custLinFactNeighborX="-52812" custLinFactNeighborY="7715">
+      <dgm:prSet presAssocID="{D4D37C82-B324-458B-86E2-24E1BFF7CDEE}" presName="text" presStyleLbl="fgAcc0" presStyleIdx="2" presStyleCnt="3" custScaleX="74441" custScaleY="54425" custLinFactNeighborX="672" custLinFactNeighborY="19981">
         <dgm:presLayoutVars>
           <dgm:chPref val="3"/>
         </dgm:presLayoutVars>
@@ -10136,35 +10040,28 @@
     </dgm:pt>
   </dgm:ptLst>
   <dgm:cxnLst>
+    <dgm:cxn modelId="{E6EFF42B-E087-45D3-9FD0-0CF0DB0AC2AB}" srcId="{5BC4BA8C-EB0C-4224-8CA6-152404F7C0F9}" destId="{E2B6297A-6D14-4600-B357-ACBE64B4A9B9}" srcOrd="0" destOrd="0" parTransId="{0DB87D7F-566F-4276-B69A-1CBB3EACC342}" sibTransId="{518534E3-8280-4250-A4D6-AF3ED0F20527}"/>
+    <dgm:cxn modelId="{82AB9CF0-1A67-478B-AC95-994DC2E5415A}" type="presOf" srcId="{D4D37C82-B324-458B-86E2-24E1BFF7CDEE}" destId="{D081F884-7F61-4E44-BDD7-1A1659224BF8}" srcOrd="0" destOrd="0" presId="urn:microsoft.com/office/officeart/2005/8/layout/hierarchy1"/>
+    <dgm:cxn modelId="{D6DBED0C-38B2-4A20-BE2A-52B78D015FA7}" srcId="{5BC4BA8C-EB0C-4224-8CA6-152404F7C0F9}" destId="{D4D37C82-B324-458B-86E2-24E1BFF7CDEE}" srcOrd="2" destOrd="0" parTransId="{F2536BA1-F301-4A52-8A4D-6B904A867820}" sibTransId="{A8EAAF16-989C-4109-A521-691546E95F2E}"/>
+    <dgm:cxn modelId="{17ACE61C-DDB3-4A4D-B851-A24F66E2D5EB}" type="presOf" srcId="{B0084BE7-D0A5-4F49-937B-6276073D0188}" destId="{DF9D0EF3-519D-4806-9CF2-C22B83A19DF4}" srcOrd="0" destOrd="0" presId="urn:microsoft.com/office/officeart/2005/8/layout/hierarchy1"/>
+    <dgm:cxn modelId="{FA490642-9C3E-44A6-8396-2DC1EB6CCD2C}" type="presOf" srcId="{5BC4BA8C-EB0C-4224-8CA6-152404F7C0F9}" destId="{FEE44FA0-E419-4EFA-9223-2726D2760862}" srcOrd="0" destOrd="0" presId="urn:microsoft.com/office/officeart/2005/8/layout/hierarchy1"/>
+    <dgm:cxn modelId="{94F1CCA3-DD7E-4531-9555-AF2CE41EFDC9}" type="presOf" srcId="{E2B6297A-6D14-4600-B357-ACBE64B4A9B9}" destId="{E3AC153E-2405-49CD-B76E-1B040E7FC225}" srcOrd="0" destOrd="0" presId="urn:microsoft.com/office/officeart/2005/8/layout/hierarchy1"/>
     <dgm:cxn modelId="{F4C0BF7A-B1E0-4D62-9414-6AA2DCAF82E9}" srcId="{5BC4BA8C-EB0C-4224-8CA6-152404F7C0F9}" destId="{B0084BE7-D0A5-4F49-937B-6276073D0188}" srcOrd="1" destOrd="0" parTransId="{2BCD650E-1AD8-48FA-AA38-424B3F6A131B}" sibTransId="{8CA9026C-D3EC-48B9-A778-66A85F542BF2}"/>
-    <dgm:cxn modelId="{29F04D53-B5B6-4E7C-BED3-FAB62E9E7832}" srcId="{5BC4BA8C-EB0C-4224-8CA6-152404F7C0F9}" destId="{78CE01FA-94A5-4FD5-8A9B-DA68FFF34474}" srcOrd="2" destOrd="0" parTransId="{101D9C40-BB3E-41BF-88D8-070AEE6126E5}" sibTransId="{AD99C7D1-281D-4C02-A052-E711386EB87B}"/>
-    <dgm:cxn modelId="{F543B52B-F4BD-4CD5-A06F-EB1AD11DFD78}" type="presOf" srcId="{78CE01FA-94A5-4FD5-8A9B-DA68FFF34474}" destId="{C171F404-56EF-48A6-8149-6F312CAE5A19}" srcOrd="0" destOrd="0" presId="urn:microsoft.com/office/officeart/2005/8/layout/hierarchy1"/>
-    <dgm:cxn modelId="{E6EFF42B-E087-45D3-9FD0-0CF0DB0AC2AB}" srcId="{5BC4BA8C-EB0C-4224-8CA6-152404F7C0F9}" destId="{E2B6297A-6D14-4600-B357-ACBE64B4A9B9}" srcOrd="0" destOrd="0" parTransId="{0DB87D7F-566F-4276-B69A-1CBB3EACC342}" sibTransId="{518534E3-8280-4250-A4D6-AF3ED0F20527}"/>
-    <dgm:cxn modelId="{0145BF11-5B77-40EB-B498-7398D187A0EF}" type="presOf" srcId="{E2B6297A-6D14-4600-B357-ACBE64B4A9B9}" destId="{E3AC153E-2405-49CD-B76E-1B040E7FC225}" srcOrd="0" destOrd="0" presId="urn:microsoft.com/office/officeart/2005/8/layout/hierarchy1"/>
-    <dgm:cxn modelId="{AC24B595-B1D8-4894-948C-35B4E8867E36}" type="presOf" srcId="{B0084BE7-D0A5-4F49-937B-6276073D0188}" destId="{DF9D0EF3-519D-4806-9CF2-C22B83A19DF4}" srcOrd="0" destOrd="0" presId="urn:microsoft.com/office/officeart/2005/8/layout/hierarchy1"/>
-    <dgm:cxn modelId="{FEC6E054-4827-4994-825F-838111198A20}" type="presOf" srcId="{D4D37C82-B324-458B-86E2-24E1BFF7CDEE}" destId="{D081F884-7F61-4E44-BDD7-1A1659224BF8}" srcOrd="0" destOrd="0" presId="urn:microsoft.com/office/officeart/2005/8/layout/hierarchy1"/>
-    <dgm:cxn modelId="{D6DBED0C-38B2-4A20-BE2A-52B78D015FA7}" srcId="{5BC4BA8C-EB0C-4224-8CA6-152404F7C0F9}" destId="{D4D37C82-B324-458B-86E2-24E1BFF7CDEE}" srcOrd="3" destOrd="0" parTransId="{F2536BA1-F301-4A52-8A4D-6B904A867820}" sibTransId="{A8EAAF16-989C-4109-A521-691546E95F2E}"/>
-    <dgm:cxn modelId="{0385E0BD-C905-4120-A4A3-D332D6D1A9A0}" type="presOf" srcId="{5BC4BA8C-EB0C-4224-8CA6-152404F7C0F9}" destId="{FEE44FA0-E419-4EFA-9223-2726D2760862}" srcOrd="0" destOrd="0" presId="urn:microsoft.com/office/officeart/2005/8/layout/hierarchy1"/>
-    <dgm:cxn modelId="{10C990AE-4B40-49A4-BC6E-85AFBECA56B8}" type="presParOf" srcId="{FEE44FA0-E419-4EFA-9223-2726D2760862}" destId="{C647BF02-D0D8-4D16-BAEC-98E62B500FEE}" srcOrd="0" destOrd="0" presId="urn:microsoft.com/office/officeart/2005/8/layout/hierarchy1"/>
-    <dgm:cxn modelId="{F70EA798-3BDC-429A-B5E1-5B4429978699}" type="presParOf" srcId="{C647BF02-D0D8-4D16-BAEC-98E62B500FEE}" destId="{ED97EE76-3647-4F63-8788-F1D60D1A44BA}" srcOrd="0" destOrd="0" presId="urn:microsoft.com/office/officeart/2005/8/layout/hierarchy1"/>
-    <dgm:cxn modelId="{ACE54EEC-BFA1-4187-B810-3F544BF4CC59}" type="presParOf" srcId="{ED97EE76-3647-4F63-8788-F1D60D1A44BA}" destId="{84B4EBF7-A0C1-425B-B378-0839BBDA9FEA}" srcOrd="0" destOrd="0" presId="urn:microsoft.com/office/officeart/2005/8/layout/hierarchy1"/>
-    <dgm:cxn modelId="{B75A683D-C4E3-4CCB-BA8F-B6BB5E580B44}" type="presParOf" srcId="{ED97EE76-3647-4F63-8788-F1D60D1A44BA}" destId="{E3AC153E-2405-49CD-B76E-1B040E7FC225}" srcOrd="1" destOrd="0" presId="urn:microsoft.com/office/officeart/2005/8/layout/hierarchy1"/>
-    <dgm:cxn modelId="{07000E8E-7BBA-467C-BA55-C0D1964229D6}" type="presParOf" srcId="{C647BF02-D0D8-4D16-BAEC-98E62B500FEE}" destId="{286411D7-3DC7-4938-B4F3-CA3E96B23ED8}" srcOrd="1" destOrd="0" presId="urn:microsoft.com/office/officeart/2005/8/layout/hierarchy1"/>
-    <dgm:cxn modelId="{B0C9E847-FFC0-4E53-B9E6-DA4A6AC95464}" type="presParOf" srcId="{FEE44FA0-E419-4EFA-9223-2726D2760862}" destId="{8D26479E-FFA3-4423-AFC8-BD9CC7F5B014}" srcOrd="1" destOrd="0" presId="urn:microsoft.com/office/officeart/2005/8/layout/hierarchy1"/>
-    <dgm:cxn modelId="{F8459050-A1AD-4AD2-92F9-90F09384F64C}" type="presParOf" srcId="{8D26479E-FFA3-4423-AFC8-BD9CC7F5B014}" destId="{20795240-064A-44F5-9A3E-12C6876ECEFC}" srcOrd="0" destOrd="0" presId="urn:microsoft.com/office/officeart/2005/8/layout/hierarchy1"/>
-    <dgm:cxn modelId="{83E2E870-273B-42BB-AB57-7BF75AA2DAA2}" type="presParOf" srcId="{20795240-064A-44F5-9A3E-12C6876ECEFC}" destId="{D294A8D5-27EF-4CD2-A50F-C05DC99AD704}" srcOrd="0" destOrd="0" presId="urn:microsoft.com/office/officeart/2005/8/layout/hierarchy1"/>
-    <dgm:cxn modelId="{B4802904-36EA-4963-A49E-FFE96AE87D56}" type="presParOf" srcId="{20795240-064A-44F5-9A3E-12C6876ECEFC}" destId="{DF9D0EF3-519D-4806-9CF2-C22B83A19DF4}" srcOrd="1" destOrd="0" presId="urn:microsoft.com/office/officeart/2005/8/layout/hierarchy1"/>
-    <dgm:cxn modelId="{BD00DB49-14EF-42D4-AA9D-530CFD298C8B}" type="presParOf" srcId="{8D26479E-FFA3-4423-AFC8-BD9CC7F5B014}" destId="{60341F5E-8EC3-4F7C-962A-23DB8C680DEC}" srcOrd="1" destOrd="0" presId="urn:microsoft.com/office/officeart/2005/8/layout/hierarchy1"/>
-    <dgm:cxn modelId="{6AAC16DA-211E-47CD-A6F6-F41670B098FD}" type="presParOf" srcId="{FEE44FA0-E419-4EFA-9223-2726D2760862}" destId="{3A7A77FF-FB37-4204-AF4D-BB8F59FCFBE9}" srcOrd="2" destOrd="0" presId="urn:microsoft.com/office/officeart/2005/8/layout/hierarchy1"/>
-    <dgm:cxn modelId="{0770B771-1B30-4A77-8A1F-BD1EA0BF2F33}" type="presParOf" srcId="{3A7A77FF-FB37-4204-AF4D-BB8F59FCFBE9}" destId="{CA0E1498-642A-4DB8-9F9A-12BB978C3DC6}" srcOrd="0" destOrd="0" presId="urn:microsoft.com/office/officeart/2005/8/layout/hierarchy1"/>
-    <dgm:cxn modelId="{53D6F142-562B-402A-BCDD-35309A0C27FD}" type="presParOf" srcId="{CA0E1498-642A-4DB8-9F9A-12BB978C3DC6}" destId="{A5BFB8E4-5619-4313-8B09-23B569AFAF5E}" srcOrd="0" destOrd="0" presId="urn:microsoft.com/office/officeart/2005/8/layout/hierarchy1"/>
-    <dgm:cxn modelId="{13E1F368-6729-43E9-895E-D86C1C0CBEB2}" type="presParOf" srcId="{CA0E1498-642A-4DB8-9F9A-12BB978C3DC6}" destId="{C171F404-56EF-48A6-8149-6F312CAE5A19}" srcOrd="1" destOrd="0" presId="urn:microsoft.com/office/officeart/2005/8/layout/hierarchy1"/>
-    <dgm:cxn modelId="{1C770F99-0BF6-4A3F-9419-8DAE4E2AC150}" type="presParOf" srcId="{3A7A77FF-FB37-4204-AF4D-BB8F59FCFBE9}" destId="{0A2B80F8-6752-4164-9665-6E15A4D4C3F0}" srcOrd="1" destOrd="0" presId="urn:microsoft.com/office/officeart/2005/8/layout/hierarchy1"/>
-    <dgm:cxn modelId="{B307FE83-73DD-4104-958A-0E481C9DCF27}" type="presParOf" srcId="{FEE44FA0-E419-4EFA-9223-2726D2760862}" destId="{425714F9-082D-4CD1-9A3D-EDBA6B76A115}" srcOrd="3" destOrd="0" presId="urn:microsoft.com/office/officeart/2005/8/layout/hierarchy1"/>
-    <dgm:cxn modelId="{8AF9AD25-1A89-4D17-95AF-50A81D97690D}" type="presParOf" srcId="{425714F9-082D-4CD1-9A3D-EDBA6B76A115}" destId="{87633F3F-4113-4C7F-AE6E-CCEBB6369710}" srcOrd="0" destOrd="0" presId="urn:microsoft.com/office/officeart/2005/8/layout/hierarchy1"/>
-    <dgm:cxn modelId="{01D3D3F6-95E2-40B8-9709-651C71751C7A}" type="presParOf" srcId="{87633F3F-4113-4C7F-AE6E-CCEBB6369710}" destId="{5A2DABD8-3878-4B71-BAAF-E5D503A787B8}" srcOrd="0" destOrd="0" presId="urn:microsoft.com/office/officeart/2005/8/layout/hierarchy1"/>
-    <dgm:cxn modelId="{2A1BB8D3-ED1B-4DB9-B62F-5589434F2118}" type="presParOf" srcId="{87633F3F-4113-4C7F-AE6E-CCEBB6369710}" destId="{D081F884-7F61-4E44-BDD7-1A1659224BF8}" srcOrd="1" destOrd="0" presId="urn:microsoft.com/office/officeart/2005/8/layout/hierarchy1"/>
-    <dgm:cxn modelId="{AB68F343-81CB-4A7E-8E3B-C26AA04CCC3E}" type="presParOf" srcId="{425714F9-082D-4CD1-9A3D-EDBA6B76A115}" destId="{C07B1FBD-11D4-47FD-B7F5-EF20F205C0F2}" srcOrd="1" destOrd="0" presId="urn:microsoft.com/office/officeart/2005/8/layout/hierarchy1"/>
+    <dgm:cxn modelId="{6FA8B496-4657-4707-908A-EF9C9D2E8CC9}" type="presParOf" srcId="{FEE44FA0-E419-4EFA-9223-2726D2760862}" destId="{C647BF02-D0D8-4D16-BAEC-98E62B500FEE}" srcOrd="0" destOrd="0" presId="urn:microsoft.com/office/officeart/2005/8/layout/hierarchy1"/>
+    <dgm:cxn modelId="{509296E2-99C5-4E1F-B644-37B7F9F5F95E}" type="presParOf" srcId="{C647BF02-D0D8-4D16-BAEC-98E62B500FEE}" destId="{ED97EE76-3647-4F63-8788-F1D60D1A44BA}" srcOrd="0" destOrd="0" presId="urn:microsoft.com/office/officeart/2005/8/layout/hierarchy1"/>
+    <dgm:cxn modelId="{E87DC76C-950F-4133-8736-512F78EFD945}" type="presParOf" srcId="{ED97EE76-3647-4F63-8788-F1D60D1A44BA}" destId="{84B4EBF7-A0C1-425B-B378-0839BBDA9FEA}" srcOrd="0" destOrd="0" presId="urn:microsoft.com/office/officeart/2005/8/layout/hierarchy1"/>
+    <dgm:cxn modelId="{7CAA74BA-5B92-4680-B3E5-A020AE238D7A}" type="presParOf" srcId="{ED97EE76-3647-4F63-8788-F1D60D1A44BA}" destId="{E3AC153E-2405-49CD-B76E-1B040E7FC225}" srcOrd="1" destOrd="0" presId="urn:microsoft.com/office/officeart/2005/8/layout/hierarchy1"/>
+    <dgm:cxn modelId="{3A509B13-0E5A-4C34-A19C-64EB532F16E3}" type="presParOf" srcId="{C647BF02-D0D8-4D16-BAEC-98E62B500FEE}" destId="{286411D7-3DC7-4938-B4F3-CA3E96B23ED8}" srcOrd="1" destOrd="0" presId="urn:microsoft.com/office/officeart/2005/8/layout/hierarchy1"/>
+    <dgm:cxn modelId="{05AF52EA-E990-40AE-94DA-0E6FC38638BE}" type="presParOf" srcId="{FEE44FA0-E419-4EFA-9223-2726D2760862}" destId="{8D26479E-FFA3-4423-AFC8-BD9CC7F5B014}" srcOrd="1" destOrd="0" presId="urn:microsoft.com/office/officeart/2005/8/layout/hierarchy1"/>
+    <dgm:cxn modelId="{BC62A6C5-EFB0-4310-BA0C-DFDCD369FBAA}" type="presParOf" srcId="{8D26479E-FFA3-4423-AFC8-BD9CC7F5B014}" destId="{20795240-064A-44F5-9A3E-12C6876ECEFC}" srcOrd="0" destOrd="0" presId="urn:microsoft.com/office/officeart/2005/8/layout/hierarchy1"/>
+    <dgm:cxn modelId="{C16B6693-570F-4DC0-A98F-4BD396A05EEA}" type="presParOf" srcId="{20795240-064A-44F5-9A3E-12C6876ECEFC}" destId="{D294A8D5-27EF-4CD2-A50F-C05DC99AD704}" srcOrd="0" destOrd="0" presId="urn:microsoft.com/office/officeart/2005/8/layout/hierarchy1"/>
+    <dgm:cxn modelId="{91131561-C2AF-40E4-BE9D-D681AA008071}" type="presParOf" srcId="{20795240-064A-44F5-9A3E-12C6876ECEFC}" destId="{DF9D0EF3-519D-4806-9CF2-C22B83A19DF4}" srcOrd="1" destOrd="0" presId="urn:microsoft.com/office/officeart/2005/8/layout/hierarchy1"/>
+    <dgm:cxn modelId="{3069D5AC-0F03-44B8-AF6C-2B197D959FF4}" type="presParOf" srcId="{8D26479E-FFA3-4423-AFC8-BD9CC7F5B014}" destId="{60341F5E-8EC3-4F7C-962A-23DB8C680DEC}" srcOrd="1" destOrd="0" presId="urn:microsoft.com/office/officeart/2005/8/layout/hierarchy1"/>
+    <dgm:cxn modelId="{1A2D4100-43C9-4E4F-B784-217970F8253E}" type="presParOf" srcId="{FEE44FA0-E419-4EFA-9223-2726D2760862}" destId="{425714F9-082D-4CD1-9A3D-EDBA6B76A115}" srcOrd="2" destOrd="0" presId="urn:microsoft.com/office/officeart/2005/8/layout/hierarchy1"/>
+    <dgm:cxn modelId="{BAA9F61C-84FC-456C-84C5-D1B5EE6ED2CE}" type="presParOf" srcId="{425714F9-082D-4CD1-9A3D-EDBA6B76A115}" destId="{87633F3F-4113-4C7F-AE6E-CCEBB6369710}" srcOrd="0" destOrd="0" presId="urn:microsoft.com/office/officeart/2005/8/layout/hierarchy1"/>
+    <dgm:cxn modelId="{A1AD8B58-0AC5-42B8-AFC9-61314C572AA3}" type="presParOf" srcId="{87633F3F-4113-4C7F-AE6E-CCEBB6369710}" destId="{5A2DABD8-3878-4B71-BAAF-E5D503A787B8}" srcOrd="0" destOrd="0" presId="urn:microsoft.com/office/officeart/2005/8/layout/hierarchy1"/>
+    <dgm:cxn modelId="{FFF36EC3-CFD2-469F-91BD-4176FF1AC40B}" type="presParOf" srcId="{87633F3F-4113-4C7F-AE6E-CCEBB6369710}" destId="{D081F884-7F61-4E44-BDD7-1A1659224BF8}" srcOrd="1" destOrd="0" presId="urn:microsoft.com/office/officeart/2005/8/layout/hierarchy1"/>
+    <dgm:cxn modelId="{2BBA29AA-A8F0-4328-A8E9-468845220A83}" type="presParOf" srcId="{425714F9-082D-4CD1-9A3D-EDBA6B76A115}" destId="{C07B1FBD-11D4-47FD-B7F5-EF20F205C0F2}" srcOrd="1" destOrd="0" presId="urn:microsoft.com/office/officeart/2005/8/layout/hierarchy1"/>
   </dgm:cxnLst>
   <dgm:bg/>
   <dgm:whole/>
@@ -10477,7 +10374,7 @@
   <dgm:whole/>
   <dgm:extLst>
     <a:ext uri="http://schemas.microsoft.com/office/drawing/2008/diagram">
-      <dsp:dataModelExt xmlns="" xmlns:dsp="http://schemas.microsoft.com/office/drawing/2008/diagram" relId="rId6" minVer="http://schemas.openxmlformats.org/drawingml/2006/diagram"/>
+      <dsp:dataModelExt xmlns:dsp="http://schemas.microsoft.com/office/drawing/2008/diagram" xmlns="" relId="rId6" minVer="http://schemas.openxmlformats.org/drawingml/2006/diagram"/>
     </a:ext>
   </dgm:extLst>
 </dgm:dataModel>
@@ -27575,7 +27472,7 @@
             <a:fld id="{F24FA93D-49F0-4227-B2BD-3971B8090463}" type="datetimeFigureOut">
               <a:rPr lang="en-US" smtClean="0"/>
               <a:pPr/>
-              <a:t>9/14/2019</a:t>
+              <a:t>9/15/2019</a:t>
             </a:fld>
             <a:endParaRPr lang="en-US" dirty="0"/>
           </a:p>
@@ -28274,7 +28171,7 @@
             <a:fld id="{B61BEF0D-F0BB-DE4B-95CE-6DB70DBA9567}" type="datetimeFigureOut">
               <a:rPr lang="en-US" dirty="0"/>
               <a:pPr/>
-              <a:t>9/14/2019</a:t>
+              <a:t>9/15/2019</a:t>
             </a:fld>
             <a:endParaRPr lang="en-US" dirty="0"/>
           </a:p>
@@ -28611,7 +28508,7 @@
             <a:fld id="{B61BEF0D-F0BB-DE4B-95CE-6DB70DBA9567}" type="datetimeFigureOut">
               <a:rPr lang="en-US" dirty="0"/>
               <a:pPr/>
-              <a:t>9/14/2019</a:t>
+              <a:t>9/15/2019</a:t>
             </a:fld>
             <a:endParaRPr lang="en-US" dirty="0"/>
           </a:p>
@@ -29011,7 +28908,7 @@
             <a:fld id="{B61BEF0D-F0BB-DE4B-95CE-6DB70DBA9567}" type="datetimeFigureOut">
               <a:rPr lang="en-US" dirty="0"/>
               <a:pPr/>
-              <a:t>9/14/2019</a:t>
+              <a:t>9/15/2019</a:t>
             </a:fld>
             <a:endParaRPr lang="en-US" dirty="0"/>
           </a:p>
@@ -29346,7 +29243,7 @@
             <a:fld id="{B61BEF0D-F0BB-DE4B-95CE-6DB70DBA9567}" type="datetimeFigureOut">
               <a:rPr lang="en-US" dirty="0"/>
               <a:pPr/>
-              <a:t>9/14/2019</a:t>
+              <a:t>9/15/2019</a:t>
             </a:fld>
             <a:endParaRPr lang="en-US" dirty="0"/>
           </a:p>
@@ -29665,7 +29562,7 @@
             <a:fld id="{B61BEF0D-F0BB-DE4B-95CE-6DB70DBA9567}" type="datetimeFigureOut">
               <a:rPr lang="en-US" dirty="0"/>
               <a:pPr/>
-              <a:t>9/14/2019</a:t>
+              <a:t>9/15/2019</a:t>
             </a:fld>
             <a:endParaRPr lang="en-US" dirty="0"/>
           </a:p>
@@ -30060,7 +29957,7 @@
             <a:fld id="{B61BEF0D-F0BB-DE4B-95CE-6DB70DBA9567}" type="datetimeFigureOut">
               <a:rPr lang="en-US" dirty="0"/>
               <a:pPr/>
-              <a:t>9/14/2019</a:t>
+              <a:t>9/15/2019</a:t>
             </a:fld>
             <a:endParaRPr lang="en-US" dirty="0"/>
           </a:p>
@@ -30315,7 +30212,7 @@
             <a:fld id="{B61BEF0D-F0BB-DE4B-95CE-6DB70DBA9567}" type="datetimeFigureOut">
               <a:rPr lang="en-US" dirty="0"/>
               <a:pPr/>
-              <a:t>9/14/2019</a:t>
+              <a:t>9/15/2019</a:t>
             </a:fld>
             <a:endParaRPr lang="en-US" dirty="0"/>
           </a:p>
@@ -30575,7 +30472,7 @@
             <a:fld id="{B61BEF0D-F0BB-DE4B-95CE-6DB70DBA9567}" type="datetimeFigureOut">
               <a:rPr lang="en-US" dirty="0"/>
               <a:pPr/>
-              <a:t>9/14/2019</a:t>
+              <a:t>9/15/2019</a:t>
             </a:fld>
             <a:endParaRPr lang="en-US" dirty="0"/>
           </a:p>
@@ -30835,7 +30732,7 @@
             <a:fld id="{B61BEF0D-F0BB-DE4B-95CE-6DB70DBA9567}" type="datetimeFigureOut">
               <a:rPr lang="en-US" dirty="0"/>
               <a:pPr/>
-              <a:t>9/14/2019</a:t>
+              <a:t>9/15/2019</a:t>
             </a:fld>
             <a:endParaRPr lang="en-US" dirty="0"/>
           </a:p>
@@ -31163,7 +31060,7 @@
             <a:fld id="{B61BEF0D-F0BB-DE4B-95CE-6DB70DBA9567}" type="datetimeFigureOut">
               <a:rPr lang="en-US" dirty="0"/>
               <a:pPr/>
-              <a:t>9/14/2019</a:t>
+              <a:t>9/15/2019</a:t>
             </a:fld>
             <a:endParaRPr lang="en-US" dirty="0"/>
           </a:p>
@@ -31483,7 +31380,7 @@
             <a:fld id="{B61BEF0D-F0BB-DE4B-95CE-6DB70DBA9567}" type="datetimeFigureOut">
               <a:rPr lang="en-US" dirty="0"/>
               <a:pPr/>
-              <a:t>9/14/2019</a:t>
+              <a:t>9/15/2019</a:t>
             </a:fld>
             <a:endParaRPr lang="en-US" dirty="0"/>
           </a:p>
@@ -31937,7 +31834,7 @@
             <a:fld id="{B61BEF0D-F0BB-DE4B-95CE-6DB70DBA9567}" type="datetimeFigureOut">
               <a:rPr lang="en-US" dirty="0"/>
               <a:pPr/>
-              <a:t>9/14/2019</a:t>
+              <a:t>9/15/2019</a:t>
             </a:fld>
             <a:endParaRPr lang="en-US" dirty="0"/>
           </a:p>
@@ -32141,7 +32038,7 @@
             <a:fld id="{B61BEF0D-F0BB-DE4B-95CE-6DB70DBA9567}" type="datetimeFigureOut">
               <a:rPr lang="en-US" dirty="0"/>
               <a:pPr/>
-              <a:t>9/14/2019</a:t>
+              <a:t>9/15/2019</a:t>
             </a:fld>
             <a:endParaRPr lang="en-US" dirty="0"/>
           </a:p>
@@ -32318,7 +32215,7 @@
             <a:fld id="{B61BEF0D-F0BB-DE4B-95CE-6DB70DBA9567}" type="datetimeFigureOut">
               <a:rPr lang="en-US" dirty="0"/>
               <a:pPr/>
-              <a:t>9/14/2019</a:t>
+              <a:t>9/15/2019</a:t>
             </a:fld>
             <a:endParaRPr lang="en-US" dirty="0"/>
           </a:p>
@@ -32649,7 +32546,7 @@
             <a:fld id="{B61BEF0D-F0BB-DE4B-95CE-6DB70DBA9567}" type="datetimeFigureOut">
               <a:rPr lang="en-US" dirty="0"/>
               <a:pPr/>
-              <a:t>9/14/2019</a:t>
+              <a:t>9/15/2019</a:t>
             </a:fld>
             <a:endParaRPr lang="en-US" dirty="0"/>
           </a:p>
@@ -32992,7 +32889,7 @@
             <a:fld id="{B61BEF0D-F0BB-DE4B-95CE-6DB70DBA9567}" type="datetimeFigureOut">
               <a:rPr lang="en-US" dirty="0"/>
               <a:pPr/>
-              <a:t>9/14/2019</a:t>
+              <a:t>9/15/2019</a:t>
             </a:fld>
             <a:endParaRPr lang="en-US" dirty="0"/>
           </a:p>
@@ -35107,7 +35004,7 @@
             <a:fld id="{B61BEF0D-F0BB-DE4B-95CE-6DB70DBA9567}" type="datetimeFigureOut">
               <a:rPr lang="en-US" dirty="0"/>
               <a:pPr/>
-              <a:t>9/14/2019</a:t>
+              <a:t>9/15/2019</a:t>
             </a:fld>
             <a:endParaRPr lang="en-US" dirty="0"/>
           </a:p>
@@ -35637,10 +35534,10 @@
           <p:cNvPr id="12" name="Rectangle 11">
             <a:extLst>
               <a:ext uri="{FF2B5EF4-FFF2-40B4-BE49-F238E27FC236}">
-                <a16:creationId xmlns:a16="http://schemas.microsoft.com/office/drawing/2014/main" xmlns="" id="{1FF9CEF5-A50D-4B8B-9852-D76F7037867E}"/>
+                <a16:creationId xmlns="" xmlns:a16="http://schemas.microsoft.com/office/drawing/2014/main" id="{1FF9CEF5-A50D-4B8B-9852-D76F7037867E}"/>
               </a:ext>
               <a:ext uri="{C183D7F6-B498-43B3-948B-1728B52AA6E4}">
-                <adec:decorative xmlns:adec="http://schemas.microsoft.com/office/drawing/2017/decorative" xmlns="" val="1"/>
+                <adec:decorative xmlns="" xmlns:adec="http://schemas.microsoft.com/office/drawing/2017/decorative" val="1"/>
               </a:ext>
             </a:extLst>
           </p:cNvPr>
@@ -35650,7 +35547,7 @@
           <p:nvPr>
             <p:extLst>
               <p:ext uri="{386F3935-93C4-4BCD-93E2-E3B085C9AB24}">
-                <p16:designElem xmlns:p16="http://schemas.microsoft.com/office/powerpoint/2015/main" xmlns="" val="1"/>
+                <p16:designElem xmlns="" xmlns:p16="http://schemas.microsoft.com/office/powerpoint/2015/main" val="1"/>
               </p:ext>
             </p:extLst>
           </p:nvPr>
@@ -35697,7 +35594,7 @@
           <p:cNvPr id="7" name="Picture 6">
             <a:extLst>
               <a:ext uri="{FF2B5EF4-FFF2-40B4-BE49-F238E27FC236}">
-                <a16:creationId xmlns:a16="http://schemas.microsoft.com/office/drawing/2014/main" xmlns="" id="{1AE838C9-87D8-493B-875B-C02B7A03A86F}"/>
+                <a16:creationId xmlns="" xmlns:a16="http://schemas.microsoft.com/office/drawing/2014/main" id="{1AE838C9-87D8-493B-875B-C02B7A03A86F}"/>
               </a:ext>
             </a:extLst>
           </p:cNvPr>
@@ -35728,7 +35625,7 @@
           <p:cNvPr id="2" name="Title 1">
             <a:extLst>
               <a:ext uri="{FF2B5EF4-FFF2-40B4-BE49-F238E27FC236}">
-                <a16:creationId xmlns:a16="http://schemas.microsoft.com/office/drawing/2014/main" xmlns="" id="{63A912D1-813C-4FD6-97D4-DAE0D6BD8436}"/>
+                <a16:creationId xmlns="" xmlns:a16="http://schemas.microsoft.com/office/drawing/2014/main" id="{63A912D1-813C-4FD6-97D4-DAE0D6BD8436}"/>
               </a:ext>
             </a:extLst>
           </p:cNvPr>
@@ -35757,12 +35654,20 @@
               </a:lnSpc>
             </a:pPr>
             <a:r>
+              <a:rPr lang="en-GB" sz="5000" dirty="0" smtClean="0">
+                <a:solidFill>
+                  <a:schemeClr val="tx1"/>
+                </a:solidFill>
+              </a:rPr>
+              <a:t>AUTOGENERATION </a:t>
+            </a:r>
+            <a:r>
               <a:rPr lang="en-GB" sz="5000" dirty="0">
                 <a:solidFill>
                   <a:schemeClr val="tx1"/>
                 </a:solidFill>
               </a:rPr>
-              <a:t>AUTOGENERATION OF 3D </a:t>
+              <a:t>OF 3D </a:t>
             </a:r>
             <a:r>
               <a:rPr lang="en-GB" sz="5000" dirty="0" smtClean="0">
@@ -35770,7 +35675,7 @@
                   <a:schemeClr val="tx1"/>
                 </a:solidFill>
               </a:rPr>
-              <a:t>MODELS FROM 2D Floor Plan Images</a:t>
+              <a:t>MODELS FROM 2D FLOOR PLAN IMAGES</a:t>
             </a:r>
             <a:endParaRPr lang="x-none" sz="5000">
               <a:solidFill>
@@ -35785,7 +35690,7 @@
           <p:cNvPr id="3" name="Subtitle 2">
             <a:extLst>
               <a:ext uri="{FF2B5EF4-FFF2-40B4-BE49-F238E27FC236}">
-                <a16:creationId xmlns:a16="http://schemas.microsoft.com/office/drawing/2014/main" xmlns="" id="{6E08BC59-F98D-4612-8299-16FFCF3F3CB4}"/>
+                <a16:creationId xmlns="" xmlns:a16="http://schemas.microsoft.com/office/drawing/2014/main" id="{6E08BC59-F98D-4612-8299-16FFCF3F3CB4}"/>
               </a:ext>
             </a:extLst>
           </p:cNvPr>
@@ -35859,10 +35764,10 @@
           <p:cNvPr id="14" name="Rectangle 13">
             <a:extLst>
               <a:ext uri="{FF2B5EF4-FFF2-40B4-BE49-F238E27FC236}">
-                <a16:creationId xmlns:a16="http://schemas.microsoft.com/office/drawing/2014/main" xmlns="" id="{30684D86-C9D1-40C3-A9B6-EC935C7312E3}"/>
+                <a16:creationId xmlns="" xmlns:a16="http://schemas.microsoft.com/office/drawing/2014/main" id="{30684D86-C9D1-40C3-A9B6-EC935C7312E3}"/>
               </a:ext>
               <a:ext uri="{C183D7F6-B498-43B3-948B-1728B52AA6E4}">
-                <adec:decorative xmlns:adec="http://schemas.microsoft.com/office/drawing/2017/decorative" xmlns="" val="1"/>
+                <adec:decorative xmlns="" xmlns:adec="http://schemas.microsoft.com/office/drawing/2017/decorative" val="1"/>
               </a:ext>
             </a:extLst>
           </p:cNvPr>
@@ -35872,7 +35777,7 @@
           <p:nvPr>
             <p:extLst>
               <p:ext uri="{386F3935-93C4-4BCD-93E2-E3B085C9AB24}">
-                <p16:designElem xmlns:p16="http://schemas.microsoft.com/office/powerpoint/2015/main" xmlns="" val="1"/>
+                <p16:designElem xmlns="" xmlns:p16="http://schemas.microsoft.com/office/powerpoint/2015/main" val="1"/>
               </p:ext>
             </p:extLst>
           </p:nvPr>
@@ -35913,10 +35818,10 @@
           <p:cNvPr id="16" name="Freeform 33">
             <a:extLst>
               <a:ext uri="{FF2B5EF4-FFF2-40B4-BE49-F238E27FC236}">
-                <a16:creationId xmlns:a16="http://schemas.microsoft.com/office/drawing/2014/main" xmlns="" id="{1EDF7896-F56A-49DA-90F3-F5CE8B9833AD}"/>
+                <a16:creationId xmlns="" xmlns:a16="http://schemas.microsoft.com/office/drawing/2014/main" id="{1EDF7896-F56A-49DA-90F3-F5CE8B9833AD}"/>
               </a:ext>
               <a:ext uri="{C183D7F6-B498-43B3-948B-1728B52AA6E4}">
-                <adec:decorative xmlns:adec="http://schemas.microsoft.com/office/drawing/2017/decorative" xmlns="" val="1"/>
+                <adec:decorative xmlns="" xmlns:adec="http://schemas.microsoft.com/office/drawing/2017/decorative" val="1"/>
               </a:ext>
             </a:extLst>
           </p:cNvPr>
@@ -35926,7 +35831,7 @@
           <p:nvPr>
             <p:extLst>
               <p:ext uri="{386F3935-93C4-4BCD-93E2-E3B085C9AB24}">
-                <p16:designElem xmlns:p16="http://schemas.microsoft.com/office/powerpoint/2015/main" xmlns="" val="1"/>
+                <p16:designElem xmlns="" xmlns:p16="http://schemas.microsoft.com/office/powerpoint/2015/main" val="1"/>
               </p:ext>
             </p:extLst>
           </p:nvPr>
@@ -36010,7 +35915,7 @@
     </p:spTree>
     <p:extLst>
       <p:ext uri="{BB962C8B-B14F-4D97-AF65-F5344CB8AC3E}">
-        <p14:creationId xmlns="" xmlns:p14="http://schemas.microsoft.com/office/powerpoint/2010/main" val="4138910587"/>
+        <p14:creationId xmlns:p14="http://schemas.microsoft.com/office/powerpoint/2010/main" xmlns="" val="4138910587"/>
       </p:ext>
     </p:extLst>
   </p:cSld>
@@ -36078,10 +35983,10 @@
           <p:cNvPr id="8" name="Rectangle 7">
             <a:extLst>
               <a:ext uri="{FF2B5EF4-FFF2-40B4-BE49-F238E27FC236}">
-                <a16:creationId xmlns:a16="http://schemas.microsoft.com/office/drawing/2014/main" xmlns="" id="{3A3C2D7E-3F2E-404E-9B30-CB12DC972D50}"/>
+                <a16:creationId xmlns="" xmlns:a16="http://schemas.microsoft.com/office/drawing/2014/main" id="{3A3C2D7E-3F2E-404E-9B30-CB12DC972D50}"/>
               </a:ext>
               <a:ext uri="{C183D7F6-B498-43B3-948B-1728B52AA6E4}">
-                <adec:decorative xmlns:adec="http://schemas.microsoft.com/office/drawing/2017/decorative" xmlns="" val="1"/>
+                <adec:decorative xmlns="" xmlns:adec="http://schemas.microsoft.com/office/drawing/2017/decorative" val="1"/>
               </a:ext>
             </a:extLst>
           </p:cNvPr>
@@ -36091,7 +35996,7 @@
           <p:nvPr>
             <p:extLst>
               <p:ext uri="{386F3935-93C4-4BCD-93E2-E3B085C9AB24}">
-                <p16:designElem xmlns:p16="http://schemas.microsoft.com/office/powerpoint/2015/main" xmlns="" val="1"/>
+                <p16:designElem xmlns="" xmlns:p16="http://schemas.microsoft.com/office/powerpoint/2015/main" val="1"/>
               </p:ext>
             </p:extLst>
           </p:nvPr>
@@ -36138,10 +36043,10 @@
           <p:cNvPr id="10" name="Rectangle 9">
             <a:extLst>
               <a:ext uri="{FF2B5EF4-FFF2-40B4-BE49-F238E27FC236}">
-                <a16:creationId xmlns:a16="http://schemas.microsoft.com/office/drawing/2014/main" xmlns="" id="{F1F7FD00-BF97-4325-B7C2-E451F20840A7}"/>
+                <a16:creationId xmlns="" xmlns:a16="http://schemas.microsoft.com/office/drawing/2014/main" id="{F1F7FD00-BF97-4325-B7C2-E451F20840A7}"/>
               </a:ext>
               <a:ext uri="{C183D7F6-B498-43B3-948B-1728B52AA6E4}">
-                <adec:decorative xmlns:adec="http://schemas.microsoft.com/office/drawing/2017/decorative" xmlns="" val="1"/>
+                <adec:decorative xmlns="" xmlns:adec="http://schemas.microsoft.com/office/drawing/2017/decorative" val="1"/>
               </a:ext>
             </a:extLst>
           </p:cNvPr>
@@ -36151,7 +36056,7 @@
           <p:nvPr>
             <p:extLst>
               <p:ext uri="{386F3935-93C4-4BCD-93E2-E3B085C9AB24}">
-                <p16:designElem xmlns:p16="http://schemas.microsoft.com/office/powerpoint/2015/main" xmlns="" val="1"/>
+                <p16:designElem xmlns="" xmlns:p16="http://schemas.microsoft.com/office/powerpoint/2015/main" val="1"/>
               </p:ext>
             </p:extLst>
           </p:nvPr>
@@ -36194,7 +36099,7 @@
           <p:cNvPr id="2" name="Title 1">
             <a:extLst>
               <a:ext uri="{FF2B5EF4-FFF2-40B4-BE49-F238E27FC236}">
-                <a16:creationId xmlns:a16="http://schemas.microsoft.com/office/drawing/2014/main" xmlns="" id="{0652C70D-7098-408E-880E-3F22F905AF82}"/>
+                <a16:creationId xmlns="" xmlns:a16="http://schemas.microsoft.com/office/drawing/2014/main" id="{0652C70D-7098-408E-880E-3F22F905AF82}"/>
               </a:ext>
             </a:extLst>
           </p:cNvPr>
@@ -36246,10 +36151,10 @@
           <p:cNvPr id="12" name="Freeform 11">
             <a:extLst>
               <a:ext uri="{FF2B5EF4-FFF2-40B4-BE49-F238E27FC236}">
-                <a16:creationId xmlns:a16="http://schemas.microsoft.com/office/drawing/2014/main" xmlns="" id="{179B5294-DA4E-4926-B14A-DD6E07A12F67}"/>
+                <a16:creationId xmlns="" xmlns:a16="http://schemas.microsoft.com/office/drawing/2014/main" id="{179B5294-DA4E-4926-B14A-DD6E07A12F67}"/>
               </a:ext>
               <a:ext uri="{C183D7F6-B498-43B3-948B-1728B52AA6E4}">
-                <adec:decorative xmlns:adec="http://schemas.microsoft.com/office/drawing/2017/decorative" xmlns="" val="1"/>
+                <adec:decorative xmlns="" xmlns:adec="http://schemas.microsoft.com/office/drawing/2017/decorative" val="1"/>
               </a:ext>
             </a:extLst>
           </p:cNvPr>
@@ -36259,7 +36164,7 @@
           <p:nvPr>
             <p:extLst>
               <p:ext uri="{386F3935-93C4-4BCD-93E2-E3B085C9AB24}">
-                <p16:designElem xmlns:p16="http://schemas.microsoft.com/office/powerpoint/2015/main" xmlns="" val="1"/>
+                <p16:designElem xmlns="" xmlns:p16="http://schemas.microsoft.com/office/powerpoint/2015/main" val="1"/>
               </p:ext>
             </p:extLst>
           </p:nvPr>
@@ -36345,7 +36250,7 @@
           <p:cNvPr id="3" name="Content Placeholder 2">
             <a:extLst>
               <a:ext uri="{FF2B5EF4-FFF2-40B4-BE49-F238E27FC236}">
-                <a16:creationId xmlns:a16="http://schemas.microsoft.com/office/drawing/2014/main" xmlns="" id="{B1C6EA51-866C-4C34-B123-039CBFDAA574}"/>
+                <a16:creationId xmlns="" xmlns:a16="http://schemas.microsoft.com/office/drawing/2014/main" id="{B1C6EA51-866C-4C34-B123-039CBFDAA574}"/>
               </a:ext>
             </a:extLst>
           </p:cNvPr>
@@ -36452,7 +36357,7 @@
     </p:spTree>
     <p:extLst>
       <p:ext uri="{BB962C8B-B14F-4D97-AF65-F5344CB8AC3E}">
-        <p14:creationId xmlns="" xmlns:p14="http://schemas.microsoft.com/office/powerpoint/2010/main" val="2873321571"/>
+        <p14:creationId xmlns:p14="http://schemas.microsoft.com/office/powerpoint/2010/main" xmlns="" val="2873321571"/>
       </p:ext>
     </p:extLst>
   </p:cSld>
@@ -36647,10 +36552,10 @@
           <p:cNvPr id="8" name="Rectangle 7">
             <a:extLst>
               <a:ext uri="{FF2B5EF4-FFF2-40B4-BE49-F238E27FC236}">
-                <a16:creationId xmlns:a16="http://schemas.microsoft.com/office/drawing/2014/main" xmlns="" id="{3A3C2D7E-3F2E-404E-9B30-CB12DC972D50}"/>
+                <a16:creationId xmlns="" xmlns:a16="http://schemas.microsoft.com/office/drawing/2014/main" id="{3A3C2D7E-3F2E-404E-9B30-CB12DC972D50}"/>
               </a:ext>
               <a:ext uri="{C183D7F6-B498-43B3-948B-1728B52AA6E4}">
-                <adec:decorative xmlns:adec="http://schemas.microsoft.com/office/drawing/2017/decorative" xmlns="" val="1"/>
+                <adec:decorative xmlns="" xmlns:adec="http://schemas.microsoft.com/office/drawing/2017/decorative" val="1"/>
               </a:ext>
             </a:extLst>
           </p:cNvPr>
@@ -36660,7 +36565,7 @@
           <p:nvPr>
             <p:extLst>
               <p:ext uri="{386F3935-93C4-4BCD-93E2-E3B085C9AB24}">
-                <p16:designElem xmlns:p16="http://schemas.microsoft.com/office/powerpoint/2015/main" xmlns="" val="1"/>
+                <p16:designElem xmlns="" xmlns:p16="http://schemas.microsoft.com/office/powerpoint/2015/main" val="1"/>
               </p:ext>
             </p:extLst>
           </p:nvPr>
@@ -36707,10 +36612,10 @@
           <p:cNvPr id="10" name="Rectangle 9">
             <a:extLst>
               <a:ext uri="{FF2B5EF4-FFF2-40B4-BE49-F238E27FC236}">
-                <a16:creationId xmlns:a16="http://schemas.microsoft.com/office/drawing/2014/main" xmlns="" id="{F1F7FD00-BF97-4325-B7C2-E451F20840A7}"/>
+                <a16:creationId xmlns="" xmlns:a16="http://schemas.microsoft.com/office/drawing/2014/main" id="{F1F7FD00-BF97-4325-B7C2-E451F20840A7}"/>
               </a:ext>
               <a:ext uri="{C183D7F6-B498-43B3-948B-1728B52AA6E4}">
-                <adec:decorative xmlns:adec="http://schemas.microsoft.com/office/drawing/2017/decorative" xmlns="" val="1"/>
+                <adec:decorative xmlns="" xmlns:adec="http://schemas.microsoft.com/office/drawing/2017/decorative" val="1"/>
               </a:ext>
             </a:extLst>
           </p:cNvPr>
@@ -36720,7 +36625,7 @@
           <p:nvPr>
             <p:extLst>
               <p:ext uri="{386F3935-93C4-4BCD-93E2-E3B085C9AB24}">
-                <p16:designElem xmlns:p16="http://schemas.microsoft.com/office/powerpoint/2015/main" xmlns="" val="1"/>
+                <p16:designElem xmlns="" xmlns:p16="http://schemas.microsoft.com/office/powerpoint/2015/main" val="1"/>
               </p:ext>
             </p:extLst>
           </p:nvPr>
@@ -36763,7 +36668,7 @@
           <p:cNvPr id="2" name="Title 1">
             <a:extLst>
               <a:ext uri="{FF2B5EF4-FFF2-40B4-BE49-F238E27FC236}">
-                <a16:creationId xmlns:a16="http://schemas.microsoft.com/office/drawing/2014/main" xmlns="" id="{0652C70D-7098-408E-880E-3F22F905AF82}"/>
+                <a16:creationId xmlns="" xmlns:a16="http://schemas.microsoft.com/office/drawing/2014/main" id="{0652C70D-7098-408E-880E-3F22F905AF82}"/>
               </a:ext>
             </a:extLst>
           </p:cNvPr>
@@ -36818,7 +36723,7 @@
           <p:cNvPr id="3" name="Content Placeholder 2">
             <a:extLst>
               <a:ext uri="{FF2B5EF4-FFF2-40B4-BE49-F238E27FC236}">
-                <a16:creationId xmlns:a16="http://schemas.microsoft.com/office/drawing/2014/main" xmlns="" id="{B1C6EA51-866C-4C34-B123-039CBFDAA574}"/>
+                <a16:creationId xmlns="" xmlns:a16="http://schemas.microsoft.com/office/drawing/2014/main" id="{B1C6EA51-866C-4C34-B123-039CBFDAA574}"/>
               </a:ext>
             </a:extLst>
           </p:cNvPr>
@@ -36916,10 +36821,10 @@
           <p:cNvPr id="12" name="Freeform 11">
             <a:extLst>
               <a:ext uri="{FF2B5EF4-FFF2-40B4-BE49-F238E27FC236}">
-                <a16:creationId xmlns:a16="http://schemas.microsoft.com/office/drawing/2014/main" xmlns="" id="{179B5294-DA4E-4926-B14A-DD6E07A12F67}"/>
+                <a16:creationId xmlns="" xmlns:a16="http://schemas.microsoft.com/office/drawing/2014/main" id="{179B5294-DA4E-4926-B14A-DD6E07A12F67}"/>
               </a:ext>
               <a:ext uri="{C183D7F6-B498-43B3-948B-1728B52AA6E4}">
-                <adec:decorative xmlns:adec="http://schemas.microsoft.com/office/drawing/2017/decorative" xmlns="" val="1"/>
+                <adec:decorative xmlns="" xmlns:adec="http://schemas.microsoft.com/office/drawing/2017/decorative" val="1"/>
               </a:ext>
             </a:extLst>
           </p:cNvPr>
@@ -36929,7 +36834,7 @@
           <p:nvPr>
             <p:extLst>
               <p:ext uri="{386F3935-93C4-4BCD-93E2-E3B085C9AB24}">
-                <p16:designElem xmlns:p16="http://schemas.microsoft.com/office/powerpoint/2015/main" xmlns="" val="1"/>
+                <p16:designElem xmlns="" xmlns:p16="http://schemas.microsoft.com/office/powerpoint/2015/main" val="1"/>
               </p:ext>
             </p:extLst>
           </p:nvPr>
@@ -37039,7 +36944,7 @@
           <p:cNvPr id="14" name="Picture 4">
             <a:extLst>
               <a:ext uri="{FF2B5EF4-FFF2-40B4-BE49-F238E27FC236}">
-                <a16:creationId xmlns="" xmlns:a16="http://schemas.microsoft.com/office/drawing/2014/main" id="{7EEAB0AE-0460-41B8-9D67-191EB26FCEE5}"/>
+                <a16:creationId xmlns:a16="http://schemas.microsoft.com/office/drawing/2014/main" xmlns="" id="{7EEAB0AE-0460-41B8-9D67-191EB26FCEE5}"/>
               </a:ext>
             </a:extLst>
           </p:cNvPr>
@@ -37069,7 +36974,7 @@
           <p:cNvPr id="15" name="Picture 6">
             <a:extLst>
               <a:ext uri="{FF2B5EF4-FFF2-40B4-BE49-F238E27FC236}">
-                <a16:creationId xmlns="" xmlns:a16="http://schemas.microsoft.com/office/drawing/2014/main" id="{8AD37409-6513-4DCC-BDCD-33581937F0C1}"/>
+                <a16:creationId xmlns:a16="http://schemas.microsoft.com/office/drawing/2014/main" xmlns="" id="{8AD37409-6513-4DCC-BDCD-33581937F0C1}"/>
               </a:ext>
             </a:extLst>
           </p:cNvPr>
@@ -37121,7 +37026,7 @@
     </p:spTree>
     <p:extLst>
       <p:ext uri="{BB962C8B-B14F-4D97-AF65-F5344CB8AC3E}">
-        <p14:creationId xmlns="" xmlns:p14="http://schemas.microsoft.com/office/powerpoint/2010/main" val="1640973740"/>
+        <p14:creationId xmlns:p14="http://schemas.microsoft.com/office/powerpoint/2010/main" xmlns="" val="1640973740"/>
       </p:ext>
     </p:extLst>
   </p:cSld>
@@ -37419,10 +37324,10 @@
           <p:cNvPr id="8" name="Rectangle 7">
             <a:extLst>
               <a:ext uri="{FF2B5EF4-FFF2-40B4-BE49-F238E27FC236}">
-                <a16:creationId xmlns="" xmlns:a16="http://schemas.microsoft.com/office/drawing/2014/main" id="{3A3C2D7E-3F2E-404E-9B30-CB12DC972D50}"/>
+                <a16:creationId xmlns:a16="http://schemas.microsoft.com/office/drawing/2014/main" xmlns="" id="{3A3C2D7E-3F2E-404E-9B30-CB12DC972D50}"/>
               </a:ext>
               <a:ext uri="{C183D7F6-B498-43B3-948B-1728B52AA6E4}">
-                <adec:decorative xmlns="" xmlns:adec="http://schemas.microsoft.com/office/drawing/2017/decorative" val="1"/>
+                <adec:decorative xmlns:adec="http://schemas.microsoft.com/office/drawing/2017/decorative" xmlns="" val="1"/>
               </a:ext>
             </a:extLst>
           </p:cNvPr>
@@ -37432,7 +37337,7 @@
           <p:nvPr>
             <p:extLst>
               <p:ext uri="{386F3935-93C4-4BCD-93E2-E3B085C9AB24}">
-                <p16:designElem xmlns="" xmlns:p16="http://schemas.microsoft.com/office/powerpoint/2015/main" val="1"/>
+                <p16:designElem xmlns:p16="http://schemas.microsoft.com/office/powerpoint/2015/main" xmlns="" val="1"/>
               </p:ext>
             </p:extLst>
           </p:nvPr>
@@ -37483,10 +37388,10 @@
           <p:cNvPr id="10" name="Rectangle 9">
             <a:extLst>
               <a:ext uri="{FF2B5EF4-FFF2-40B4-BE49-F238E27FC236}">
-                <a16:creationId xmlns="" xmlns:a16="http://schemas.microsoft.com/office/drawing/2014/main" id="{F1F7FD00-BF97-4325-B7C2-E451F20840A7}"/>
+                <a16:creationId xmlns:a16="http://schemas.microsoft.com/office/drawing/2014/main" xmlns="" id="{F1F7FD00-BF97-4325-B7C2-E451F20840A7}"/>
               </a:ext>
               <a:ext uri="{C183D7F6-B498-43B3-948B-1728B52AA6E4}">
-                <adec:decorative xmlns="" xmlns:adec="http://schemas.microsoft.com/office/drawing/2017/decorative" val="1"/>
+                <adec:decorative xmlns:adec="http://schemas.microsoft.com/office/drawing/2017/decorative" xmlns="" val="1"/>
               </a:ext>
             </a:extLst>
           </p:cNvPr>
@@ -37496,7 +37401,7 @@
           <p:nvPr>
             <p:extLst>
               <p:ext uri="{386F3935-93C4-4BCD-93E2-E3B085C9AB24}">
-                <p16:designElem xmlns="" xmlns:p16="http://schemas.microsoft.com/office/powerpoint/2015/main" val="1"/>
+                <p16:designElem xmlns:p16="http://schemas.microsoft.com/office/powerpoint/2015/main" xmlns="" val="1"/>
               </p:ext>
             </p:extLst>
           </p:nvPr>
@@ -37539,7 +37444,7 @@
           <p:cNvPr id="2" name="Title 1">
             <a:extLst>
               <a:ext uri="{FF2B5EF4-FFF2-40B4-BE49-F238E27FC236}">
-                <a16:creationId xmlns="" xmlns:a16="http://schemas.microsoft.com/office/drawing/2014/main" id="{C60221F0-E61F-4AD3-B683-685CA8D02591}"/>
+                <a16:creationId xmlns:a16="http://schemas.microsoft.com/office/drawing/2014/main" xmlns="" id="{C60221F0-E61F-4AD3-B683-685CA8D02591}"/>
               </a:ext>
             </a:extLst>
           </p:cNvPr>
@@ -37603,7 +37508,7 @@
           <a:blip r:embed="rId2">
             <a:extLst>
               <a:ext uri="{28A0092B-C50C-407E-A947-70E740481C1C}">
-                <a14:useLocalDpi xmlns:a14="http://schemas.microsoft.com/office/drawing/2010/main" xmlns="" val="0"/>
+                <a14:useLocalDpi xmlns="" xmlns:a14="http://schemas.microsoft.com/office/drawing/2010/main" val="0"/>
               </a:ext>
             </a:extLst>
           </a:blip>
@@ -37656,10 +37561,10 @@
           <p:cNvPr id="12" name="Freeform 11">
             <a:extLst>
               <a:ext uri="{FF2B5EF4-FFF2-40B4-BE49-F238E27FC236}">
-                <a16:creationId xmlns="" xmlns:a16="http://schemas.microsoft.com/office/drawing/2014/main" id="{179B5294-DA4E-4926-B14A-DD6E07A12F67}"/>
+                <a16:creationId xmlns:a16="http://schemas.microsoft.com/office/drawing/2014/main" xmlns="" id="{179B5294-DA4E-4926-B14A-DD6E07A12F67}"/>
               </a:ext>
               <a:ext uri="{C183D7F6-B498-43B3-948B-1728B52AA6E4}">
-                <adec:decorative xmlns="" xmlns:adec="http://schemas.microsoft.com/office/drawing/2017/decorative" val="1"/>
+                <adec:decorative xmlns:adec="http://schemas.microsoft.com/office/drawing/2017/decorative" xmlns="" val="1"/>
               </a:ext>
             </a:extLst>
           </p:cNvPr>
@@ -37669,7 +37574,7 @@
           <p:nvPr>
             <p:extLst>
               <p:ext uri="{386F3935-93C4-4BCD-93E2-E3B085C9AB24}">
-                <p16:designElem xmlns="" xmlns:p16="http://schemas.microsoft.com/office/powerpoint/2015/main" val="1"/>
+                <p16:designElem xmlns:p16="http://schemas.microsoft.com/office/powerpoint/2015/main" xmlns="" val="1"/>
               </p:ext>
             </p:extLst>
           </p:nvPr>
@@ -37753,7 +37658,7 @@
     </p:spTree>
     <p:extLst>
       <p:ext uri="{BB962C8B-B14F-4D97-AF65-F5344CB8AC3E}">
-        <p14:creationId xmlns:p14="http://schemas.microsoft.com/office/powerpoint/2010/main" xmlns="" val="2600019642"/>
+        <p14:creationId xmlns="" xmlns:p14="http://schemas.microsoft.com/office/powerpoint/2010/main" val="2600019642"/>
       </p:ext>
     </p:extLst>
   </p:cSld>
@@ -37776,6 +37681,1359 @@
 <file path=ppt/slides/slide13.xml><?xml version="1.0" encoding="utf-8"?>
 <p:sld xmlns:a="http://schemas.openxmlformats.org/drawingml/2006/main" xmlns:r="http://schemas.openxmlformats.org/officeDocument/2006/relationships" xmlns:p="http://schemas.openxmlformats.org/presentationml/2006/main">
   <p:cSld>
+    <p:spTree>
+      <p:nvGrpSpPr>
+        <p:cNvPr id="1" name=""/>
+        <p:cNvGrpSpPr/>
+        <p:nvPr/>
+      </p:nvGrpSpPr>
+      <p:grpSpPr>
+        <a:xfrm>
+          <a:off x="0" y="0"/>
+          <a:ext cx="0" cy="0"/>
+          <a:chOff x="0" y="0"/>
+          <a:chExt cx="0" cy="0"/>
+        </a:xfrm>
+      </p:grpSpPr>
+      <p:sp useBgFill="1">
+        <p:nvSpPr>
+          <p:cNvPr id="8" name="Rectangle 7">
+            <a:extLst>
+              <a:ext uri="{FF2B5EF4-FFF2-40B4-BE49-F238E27FC236}">
+                <a16:creationId xmlns:a16="http://schemas.microsoft.com/office/drawing/2014/main" xmlns="" id="{3A3C2D7E-3F2E-404E-9B30-CB12DC972D50}"/>
+              </a:ext>
+              <a:ext uri="{C183D7F6-B498-43B3-948B-1728B52AA6E4}">
+                <adec:decorative xmlns:adec="http://schemas.microsoft.com/office/drawing/2017/decorative" xmlns="" val="1"/>
+              </a:ext>
+            </a:extLst>
+          </p:cNvPr>
+          <p:cNvSpPr>
+            <a:spLocks noGrp="1" noRot="1" noChangeAspect="1" noMove="1" noResize="1" noEditPoints="1" noAdjustHandles="1" noChangeArrowheads="1" noChangeShapeType="1" noTextEdit="1"/>
+          </p:cNvSpPr>
+          <p:nvPr>
+            <p:extLst>
+              <p:ext uri="{386F3935-93C4-4BCD-93E2-E3B085C9AB24}">
+                <p16:designElem xmlns:p16="http://schemas.microsoft.com/office/powerpoint/2015/main" xmlns="" val="1"/>
+              </p:ext>
+            </p:extLst>
+          </p:nvPr>
+        </p:nvSpPr>
+        <p:spPr>
+          <a:xfrm>
+            <a:off x="1" y="0"/>
+            <a:ext cx="12192000" cy="6858000"/>
+          </a:xfrm>
+          <a:prstGeom prst="rect">
+            <a:avLst/>
+          </a:prstGeom>
+          <a:ln>
+            <a:noFill/>
+          </a:ln>
+        </p:spPr>
+        <p:style>
+          <a:lnRef idx="2">
+            <a:schemeClr val="accent1">
+              <a:shade val="50000"/>
+            </a:schemeClr>
+          </a:lnRef>
+          <a:fillRef idx="1">
+            <a:schemeClr val="accent1"/>
+          </a:fillRef>
+          <a:effectRef idx="0">
+            <a:schemeClr val="accent1"/>
+          </a:effectRef>
+          <a:fontRef idx="minor">
+            <a:schemeClr val="lt1"/>
+          </a:fontRef>
+        </p:style>
+        <p:txBody>
+          <a:bodyPr rtlCol="0" anchor="ctr"/>
+          <a:lstStyle/>
+          <a:p>
+            <a:pPr algn="ctr"/>
+            <a:endParaRPr lang="en-US" dirty="0"/>
+          </a:p>
+        </p:txBody>
+      </p:sp>
+      <p:sp>
+        <p:nvSpPr>
+          <p:cNvPr id="10" name="Rectangle 9">
+            <a:extLst>
+              <a:ext uri="{FF2B5EF4-FFF2-40B4-BE49-F238E27FC236}">
+                <a16:creationId xmlns:a16="http://schemas.microsoft.com/office/drawing/2014/main" xmlns="" id="{F1F7FD00-BF97-4325-B7C2-E451F20840A7}"/>
+              </a:ext>
+              <a:ext uri="{C183D7F6-B498-43B3-948B-1728B52AA6E4}">
+                <adec:decorative xmlns:adec="http://schemas.microsoft.com/office/drawing/2017/decorative" xmlns="" val="1"/>
+              </a:ext>
+            </a:extLst>
+          </p:cNvPr>
+          <p:cNvSpPr>
+            <a:spLocks noGrp="1" noRot="1" noChangeAspect="1" noMove="1" noResize="1" noEditPoints="1" noAdjustHandles="1" noChangeArrowheads="1" noChangeShapeType="1" noTextEdit="1"/>
+          </p:cNvSpPr>
+          <p:nvPr>
+            <p:extLst>
+              <p:ext uri="{386F3935-93C4-4BCD-93E2-E3B085C9AB24}">
+                <p16:designElem xmlns:p16="http://schemas.microsoft.com/office/powerpoint/2015/main" xmlns="" val="1"/>
+              </p:ext>
+            </p:extLst>
+          </p:nvPr>
+        </p:nvSpPr>
+        <p:spPr>
+          <a:xfrm>
+            <a:off x="0" y="0"/>
+            <a:ext cx="12192000" cy="2306695"/>
+          </a:xfrm>
+          <a:prstGeom prst="rect">
+            <a:avLst/>
+          </a:prstGeom>
+          <a:solidFill>
+            <a:schemeClr val="tx2">
+              <a:lumMod val="50000"/>
+            </a:schemeClr>
+          </a:solidFill>
+          <a:ln>
+            <a:noFill/>
+          </a:ln>
+          <a:effectLst/>
+        </p:spPr>
+        <p:style>
+          <a:lnRef idx="1">
+            <a:schemeClr val="accent1"/>
+          </a:lnRef>
+          <a:fillRef idx="3">
+            <a:schemeClr val="accent1"/>
+          </a:fillRef>
+          <a:effectRef idx="2">
+            <a:schemeClr val="accent1"/>
+          </a:effectRef>
+          <a:fontRef idx="minor">
+            <a:schemeClr val="lt1"/>
+          </a:fontRef>
+        </p:style>
+      </p:sp>
+      <p:sp>
+        <p:nvSpPr>
+          <p:cNvPr id="2" name="Title 1">
+            <a:extLst>
+              <a:ext uri="{FF2B5EF4-FFF2-40B4-BE49-F238E27FC236}">
+                <a16:creationId xmlns:a16="http://schemas.microsoft.com/office/drawing/2014/main" xmlns="" id="{938C7F7E-8CB2-47D8-95C9-439ED4C84A5C}"/>
+              </a:ext>
+            </a:extLst>
+          </p:cNvPr>
+          <p:cNvSpPr>
+            <a:spLocks noGrp="1"/>
+          </p:cNvSpPr>
+          <p:nvPr>
+            <p:ph type="title"/>
+          </p:nvPr>
+        </p:nvSpPr>
+        <p:spPr>
+          <a:xfrm>
+            <a:off x="1843391" y="624110"/>
+            <a:ext cx="9383408" cy="1280890"/>
+          </a:xfrm>
+        </p:spPr>
+        <p:txBody>
+          <a:bodyPr>
+            <a:normAutofit/>
+          </a:bodyPr>
+          <a:lstStyle/>
+          <a:p>
+            <a:r>
+              <a:rPr lang="en-GB" b="1" dirty="0" smtClean="0">
+                <a:solidFill>
+                  <a:srgbClr val="FFFFFF"/>
+                </a:solidFill>
+              </a:rPr>
+              <a:t>7. </a:t>
+            </a:r>
+            <a:r>
+              <a:rPr lang="en-GB" b="1" dirty="0">
+                <a:solidFill>
+                  <a:srgbClr val="FFFFFF"/>
+                </a:solidFill>
+              </a:rPr>
+              <a:t>TARGET AUDIENCE </a:t>
+            </a:r>
+            <a:endParaRPr lang="x-none" b="1" dirty="0">
+              <a:solidFill>
+                <a:srgbClr val="FFFFFF"/>
+              </a:solidFill>
+            </a:endParaRPr>
+          </a:p>
+        </p:txBody>
+      </p:sp>
+      <p:sp>
+        <p:nvSpPr>
+          <p:cNvPr id="12" name="Freeform 11">
+            <a:extLst>
+              <a:ext uri="{FF2B5EF4-FFF2-40B4-BE49-F238E27FC236}">
+                <a16:creationId xmlns:a16="http://schemas.microsoft.com/office/drawing/2014/main" xmlns="" id="{179B5294-DA4E-4926-B14A-DD6E07A12F67}"/>
+              </a:ext>
+              <a:ext uri="{C183D7F6-B498-43B3-948B-1728B52AA6E4}">
+                <adec:decorative xmlns:adec="http://schemas.microsoft.com/office/drawing/2017/decorative" xmlns="" val="1"/>
+              </a:ext>
+            </a:extLst>
+          </p:cNvPr>
+          <p:cNvSpPr>
+            <a:spLocks noGrp="1" noRot="1" noChangeAspect="1" noMove="1" noResize="1" noEditPoints="1" noAdjustHandles="1" noChangeArrowheads="1" noChangeShapeType="1" noTextEdit="1"/>
+          </p:cNvSpPr>
+          <p:nvPr>
+            <p:extLst>
+              <p:ext uri="{386F3935-93C4-4BCD-93E2-E3B085C9AB24}">
+                <p16:designElem xmlns:p16="http://schemas.microsoft.com/office/powerpoint/2015/main" xmlns="" val="1"/>
+              </p:ext>
+            </p:extLst>
+          </p:nvPr>
+        </p:nvSpPr>
+        <p:spPr bwMode="auto">
+          <a:xfrm flipV="1">
+            <a:off x="-4189" y="714375"/>
+            <a:ext cx="1588527" cy="507297"/>
+          </a:xfrm>
+          <a:custGeom>
+            <a:avLst/>
+            <a:gdLst/>
+            <a:ahLst/>
+            <a:cxnLst/>
+            <a:rect l="l" t="t" r="r" b="b"/>
+            <a:pathLst>
+              <a:path w="9248" h="10000">
+                <a:moveTo>
+                  <a:pt x="9248" y="4701"/>
+                </a:moveTo>
+                <a:lnTo>
+                  <a:pt x="7915" y="188"/>
+                </a:lnTo>
+                <a:cubicBezTo>
+                  <a:pt x="7906" y="156"/>
+                  <a:pt x="7895" y="126"/>
+                  <a:pt x="7886" y="94"/>
+                </a:cubicBezTo>
+                <a:cubicBezTo>
+                  <a:pt x="7859" y="0"/>
+                  <a:pt x="7831" y="0"/>
+                  <a:pt x="7803" y="0"/>
+                </a:cubicBezTo>
+                <a:lnTo>
+                  <a:pt x="7275" y="0"/>
+                </a:lnTo>
+                <a:lnTo>
+                  <a:pt x="0" y="70"/>
+                </a:lnTo>
+                <a:cubicBezTo>
+                  <a:pt x="8" y="3380"/>
+                  <a:pt x="17" y="6690"/>
+                  <a:pt x="25" y="10000"/>
+                </a:cubicBezTo>
+                <a:lnTo>
+                  <a:pt x="7275" y="9966"/>
+                </a:lnTo>
+                <a:lnTo>
+                  <a:pt x="7803" y="9966"/>
+                </a:lnTo>
+                <a:cubicBezTo>
+                  <a:pt x="7831" y="9966"/>
+                  <a:pt x="7859" y="9872"/>
+                  <a:pt x="7886" y="9872"/>
+                </a:cubicBezTo>
+                <a:cubicBezTo>
+                  <a:pt x="7886" y="9778"/>
+                  <a:pt x="7915" y="9778"/>
+                  <a:pt x="7915" y="9778"/>
+                </a:cubicBezTo>
+                <a:lnTo>
+                  <a:pt x="9248" y="5265"/>
+                </a:lnTo>
+                <a:cubicBezTo>
+                  <a:pt x="9303" y="5077"/>
+                  <a:pt x="9303" y="4889"/>
+                  <a:pt x="9248" y="4701"/>
+                </a:cubicBezTo>
+                <a:close/>
+              </a:path>
+            </a:pathLst>
+          </a:custGeom>
+          <a:solidFill>
+            <a:schemeClr val="accent1"/>
+          </a:solidFill>
+          <a:ln>
+            <a:noFill/>
+          </a:ln>
+        </p:spPr>
+      </p:sp>
+      <p:graphicFrame>
+        <p:nvGraphicFramePr>
+          <p:cNvPr id="7" name="Content Placeholder 6"/>
+          <p:cNvGraphicFramePr>
+            <a:graphicFrameLocks noGrp="1"/>
+          </p:cNvGraphicFramePr>
+          <p:nvPr>
+            <p:ph idx="1"/>
+          </p:nvPr>
+        </p:nvGraphicFramePr>
+        <p:xfrm>
+          <a:off x="348342" y="2410623"/>
+          <a:ext cx="11292113" cy="4223657"/>
+        </p:xfrm>
+        <a:graphic>
+          <a:graphicData uri="http://schemas.openxmlformats.org/drawingml/2006/diagram">
+            <dgm:relIds xmlns:dgm="http://schemas.openxmlformats.org/drawingml/2006/diagram" xmlns:r="http://schemas.openxmlformats.org/officeDocument/2006/relationships" r:dm="rId2" r:lo="rId3" r:qs="rId4" r:cs="rId5"/>
+          </a:graphicData>
+        </a:graphic>
+      </p:graphicFrame>
+    </p:spTree>
+    <p:extLst>
+      <p:ext uri="{BB962C8B-B14F-4D97-AF65-F5344CB8AC3E}">
+        <p14:creationId xmlns:p14="http://schemas.microsoft.com/office/powerpoint/2010/main" xmlns="" val="245502956"/>
+      </p:ext>
+    </p:extLst>
+  </p:cSld>
+  <p:clrMapOvr>
+    <a:masterClrMapping/>
+  </p:clrMapOvr>
+  <p:transition spd="med">
+    <p:pull dir="d"/>
+  </p:transition>
+  <p:timing>
+    <p:tnLst>
+      <p:par>
+        <p:cTn id="1" dur="indefinite" restart="never" nodeType="tmRoot"/>
+      </p:par>
+    </p:tnLst>
+  </p:timing>
+</p:sld>
+</file>
+
+<file path=ppt/slides/slide14.xml><?xml version="1.0" encoding="utf-8"?>
+<p:sld xmlns:a="http://schemas.openxmlformats.org/drawingml/2006/main" xmlns:r="http://schemas.openxmlformats.org/officeDocument/2006/relationships" xmlns:p="http://schemas.openxmlformats.org/presentationml/2006/main">
+  <p:cSld>
+    <p:spTree>
+      <p:nvGrpSpPr>
+        <p:cNvPr id="1" name=""/>
+        <p:cNvGrpSpPr/>
+        <p:nvPr/>
+      </p:nvGrpSpPr>
+      <p:grpSpPr>
+        <a:xfrm>
+          <a:off x="0" y="0"/>
+          <a:ext cx="0" cy="0"/>
+          <a:chOff x="0" y="0"/>
+          <a:chExt cx="0" cy="0"/>
+        </a:xfrm>
+      </p:grpSpPr>
+      <p:sp useBgFill="1">
+        <p:nvSpPr>
+          <p:cNvPr id="8" name="Rectangle 7">
+            <a:extLst>
+              <a:ext uri="{FF2B5EF4-FFF2-40B4-BE49-F238E27FC236}">
+                <a16:creationId xmlns:a16="http://schemas.microsoft.com/office/drawing/2014/main" xmlns="" id="{3A3C2D7E-3F2E-404E-9B30-CB12DC972D50}"/>
+              </a:ext>
+              <a:ext uri="{C183D7F6-B498-43B3-948B-1728B52AA6E4}">
+                <adec:decorative xmlns:adec="http://schemas.microsoft.com/office/drawing/2017/decorative" xmlns="" val="1"/>
+              </a:ext>
+            </a:extLst>
+          </p:cNvPr>
+          <p:cNvSpPr>
+            <a:spLocks noGrp="1" noRot="1" noChangeAspect="1" noMove="1" noResize="1" noEditPoints="1" noAdjustHandles="1" noChangeArrowheads="1" noChangeShapeType="1" noTextEdit="1"/>
+          </p:cNvSpPr>
+          <p:nvPr>
+            <p:extLst>
+              <p:ext uri="{386F3935-93C4-4BCD-93E2-E3B085C9AB24}">
+                <p16:designElem xmlns:p16="http://schemas.microsoft.com/office/powerpoint/2015/main" xmlns="" val="1"/>
+              </p:ext>
+            </p:extLst>
+          </p:nvPr>
+        </p:nvSpPr>
+        <p:spPr>
+          <a:xfrm>
+            <a:off x="1" y="0"/>
+            <a:ext cx="12192000" cy="6858000"/>
+          </a:xfrm>
+          <a:prstGeom prst="rect">
+            <a:avLst/>
+          </a:prstGeom>
+          <a:ln>
+            <a:noFill/>
+          </a:ln>
+        </p:spPr>
+        <p:style>
+          <a:lnRef idx="2">
+            <a:schemeClr val="accent1">
+              <a:shade val="50000"/>
+            </a:schemeClr>
+          </a:lnRef>
+          <a:fillRef idx="1">
+            <a:schemeClr val="accent1"/>
+          </a:fillRef>
+          <a:effectRef idx="0">
+            <a:schemeClr val="accent1"/>
+          </a:effectRef>
+          <a:fontRef idx="minor">
+            <a:schemeClr val="lt1"/>
+          </a:fontRef>
+        </p:style>
+        <p:txBody>
+          <a:bodyPr rtlCol="0" anchor="ctr"/>
+          <a:lstStyle/>
+          <a:p>
+            <a:pPr algn="ctr"/>
+            <a:endParaRPr lang="en-US" dirty="0"/>
+          </a:p>
+        </p:txBody>
+      </p:sp>
+      <p:sp>
+        <p:nvSpPr>
+          <p:cNvPr id="10" name="Rectangle 9">
+            <a:extLst>
+              <a:ext uri="{FF2B5EF4-FFF2-40B4-BE49-F238E27FC236}">
+                <a16:creationId xmlns:a16="http://schemas.microsoft.com/office/drawing/2014/main" xmlns="" id="{F1F7FD00-BF97-4325-B7C2-E451F20840A7}"/>
+              </a:ext>
+              <a:ext uri="{C183D7F6-B498-43B3-948B-1728B52AA6E4}">
+                <adec:decorative xmlns:adec="http://schemas.microsoft.com/office/drawing/2017/decorative" xmlns="" val="1"/>
+              </a:ext>
+            </a:extLst>
+          </p:cNvPr>
+          <p:cNvSpPr>
+            <a:spLocks noGrp="1" noRot="1" noChangeAspect="1" noMove="1" noResize="1" noEditPoints="1" noAdjustHandles="1" noChangeArrowheads="1" noChangeShapeType="1" noTextEdit="1"/>
+          </p:cNvSpPr>
+          <p:nvPr>
+            <p:extLst>
+              <p:ext uri="{386F3935-93C4-4BCD-93E2-E3B085C9AB24}">
+                <p16:designElem xmlns:p16="http://schemas.microsoft.com/office/powerpoint/2015/main" xmlns="" val="1"/>
+              </p:ext>
+            </p:extLst>
+          </p:nvPr>
+        </p:nvSpPr>
+        <p:spPr>
+          <a:xfrm>
+            <a:off x="0" y="0"/>
+            <a:ext cx="12192000" cy="2306695"/>
+          </a:xfrm>
+          <a:prstGeom prst="rect">
+            <a:avLst/>
+          </a:prstGeom>
+          <a:solidFill>
+            <a:schemeClr val="tx2">
+              <a:lumMod val="50000"/>
+            </a:schemeClr>
+          </a:solidFill>
+          <a:ln>
+            <a:noFill/>
+          </a:ln>
+          <a:effectLst/>
+        </p:spPr>
+        <p:style>
+          <a:lnRef idx="1">
+            <a:schemeClr val="accent1"/>
+          </a:lnRef>
+          <a:fillRef idx="3">
+            <a:schemeClr val="accent1"/>
+          </a:fillRef>
+          <a:effectRef idx="2">
+            <a:schemeClr val="accent1"/>
+          </a:effectRef>
+          <a:fontRef idx="minor">
+            <a:schemeClr val="lt1"/>
+          </a:fontRef>
+        </p:style>
+      </p:sp>
+      <p:sp>
+        <p:nvSpPr>
+          <p:cNvPr id="2" name="Title 1">
+            <a:extLst>
+              <a:ext uri="{FF2B5EF4-FFF2-40B4-BE49-F238E27FC236}">
+                <a16:creationId xmlns:a16="http://schemas.microsoft.com/office/drawing/2014/main" xmlns="" id="{3B8A4B89-B2B3-4944-A853-1D91B1B61CA4}"/>
+              </a:ext>
+            </a:extLst>
+          </p:cNvPr>
+          <p:cNvSpPr>
+            <a:spLocks noGrp="1"/>
+          </p:cNvSpPr>
+          <p:nvPr>
+            <p:ph type="title"/>
+          </p:nvPr>
+        </p:nvSpPr>
+        <p:spPr>
+          <a:xfrm>
+            <a:off x="1843391" y="624110"/>
+            <a:ext cx="9383408" cy="1280890"/>
+          </a:xfrm>
+        </p:spPr>
+        <p:txBody>
+          <a:bodyPr>
+            <a:normAutofit/>
+          </a:bodyPr>
+          <a:lstStyle/>
+          <a:p>
+            <a:r>
+              <a:rPr lang="en-GB" b="1" dirty="0">
+                <a:solidFill>
+                  <a:srgbClr val="FFFFFF"/>
+                </a:solidFill>
+              </a:rPr>
+              <a:t>8</a:t>
+            </a:r>
+            <a:r>
+              <a:rPr lang="en-GB" b="1" dirty="0" smtClean="0">
+                <a:solidFill>
+                  <a:srgbClr val="FFFFFF"/>
+                </a:solidFill>
+              </a:rPr>
+              <a:t>. </a:t>
+            </a:r>
+            <a:r>
+              <a:rPr lang="en-GB" b="1" dirty="0">
+                <a:solidFill>
+                  <a:srgbClr val="FFFFFF"/>
+                </a:solidFill>
+              </a:rPr>
+              <a:t>EXISTING SYSTEM</a:t>
+            </a:r>
+            <a:endParaRPr lang="x-none" b="1" dirty="0">
+              <a:solidFill>
+                <a:srgbClr val="FFFFFF"/>
+              </a:solidFill>
+            </a:endParaRPr>
+          </a:p>
+        </p:txBody>
+      </p:sp>
+      <p:sp>
+        <p:nvSpPr>
+          <p:cNvPr id="12" name="Freeform 11">
+            <a:extLst>
+              <a:ext uri="{FF2B5EF4-FFF2-40B4-BE49-F238E27FC236}">
+                <a16:creationId xmlns:a16="http://schemas.microsoft.com/office/drawing/2014/main" xmlns="" id="{179B5294-DA4E-4926-B14A-DD6E07A12F67}"/>
+              </a:ext>
+              <a:ext uri="{C183D7F6-B498-43B3-948B-1728B52AA6E4}">
+                <adec:decorative xmlns:adec="http://schemas.microsoft.com/office/drawing/2017/decorative" xmlns="" val="1"/>
+              </a:ext>
+            </a:extLst>
+          </p:cNvPr>
+          <p:cNvSpPr>
+            <a:spLocks noGrp="1" noRot="1" noChangeAspect="1" noMove="1" noResize="1" noEditPoints="1" noAdjustHandles="1" noChangeArrowheads="1" noChangeShapeType="1" noTextEdit="1"/>
+          </p:cNvSpPr>
+          <p:nvPr>
+            <p:extLst>
+              <p:ext uri="{386F3935-93C4-4BCD-93E2-E3B085C9AB24}">
+                <p16:designElem xmlns:p16="http://schemas.microsoft.com/office/powerpoint/2015/main" xmlns="" val="1"/>
+              </p:ext>
+            </p:extLst>
+          </p:nvPr>
+        </p:nvSpPr>
+        <p:spPr bwMode="auto">
+          <a:xfrm flipV="1">
+            <a:off x="-4189" y="714375"/>
+            <a:ext cx="1588527" cy="507297"/>
+          </a:xfrm>
+          <a:custGeom>
+            <a:avLst/>
+            <a:gdLst/>
+            <a:ahLst/>
+            <a:cxnLst/>
+            <a:rect l="l" t="t" r="r" b="b"/>
+            <a:pathLst>
+              <a:path w="9248" h="10000">
+                <a:moveTo>
+                  <a:pt x="9248" y="4701"/>
+                </a:moveTo>
+                <a:lnTo>
+                  <a:pt x="7915" y="188"/>
+                </a:lnTo>
+                <a:cubicBezTo>
+                  <a:pt x="7906" y="156"/>
+                  <a:pt x="7895" y="126"/>
+                  <a:pt x="7886" y="94"/>
+                </a:cubicBezTo>
+                <a:cubicBezTo>
+                  <a:pt x="7859" y="0"/>
+                  <a:pt x="7831" y="0"/>
+                  <a:pt x="7803" y="0"/>
+                </a:cubicBezTo>
+                <a:lnTo>
+                  <a:pt x="7275" y="0"/>
+                </a:lnTo>
+                <a:lnTo>
+                  <a:pt x="0" y="70"/>
+                </a:lnTo>
+                <a:cubicBezTo>
+                  <a:pt x="8" y="3380"/>
+                  <a:pt x="17" y="6690"/>
+                  <a:pt x="25" y="10000"/>
+                </a:cubicBezTo>
+                <a:lnTo>
+                  <a:pt x="7275" y="9966"/>
+                </a:lnTo>
+                <a:lnTo>
+                  <a:pt x="7803" y="9966"/>
+                </a:lnTo>
+                <a:cubicBezTo>
+                  <a:pt x="7831" y="9966"/>
+                  <a:pt x="7859" y="9872"/>
+                  <a:pt x="7886" y="9872"/>
+                </a:cubicBezTo>
+                <a:cubicBezTo>
+                  <a:pt x="7886" y="9778"/>
+                  <a:pt x="7915" y="9778"/>
+                  <a:pt x="7915" y="9778"/>
+                </a:cubicBezTo>
+                <a:lnTo>
+                  <a:pt x="9248" y="5265"/>
+                </a:lnTo>
+                <a:cubicBezTo>
+                  <a:pt x="9303" y="5077"/>
+                  <a:pt x="9303" y="4889"/>
+                  <a:pt x="9248" y="4701"/>
+                </a:cubicBezTo>
+                <a:close/>
+              </a:path>
+            </a:pathLst>
+          </a:custGeom>
+          <a:solidFill>
+            <a:schemeClr val="accent1"/>
+          </a:solidFill>
+          <a:ln>
+            <a:noFill/>
+          </a:ln>
+        </p:spPr>
+      </p:sp>
+      <p:graphicFrame>
+        <p:nvGraphicFramePr>
+          <p:cNvPr id="9" name="Content Placeholder 8"/>
+          <p:cNvGraphicFramePr>
+            <a:graphicFrameLocks noGrp="1"/>
+          </p:cNvGraphicFramePr>
+          <p:nvPr>
+            <p:ph idx="1"/>
+          </p:nvPr>
+        </p:nvGraphicFramePr>
+        <p:xfrm>
+          <a:off x="3060701" y="2587925"/>
+          <a:ext cx="5486399" cy="3881885"/>
+        </p:xfrm>
+        <a:graphic>
+          <a:graphicData uri="http://schemas.openxmlformats.org/drawingml/2006/diagram">
+            <dgm:relIds xmlns:dgm="http://schemas.openxmlformats.org/drawingml/2006/diagram" xmlns:r="http://schemas.openxmlformats.org/officeDocument/2006/relationships" r:dm="rId2" r:lo="rId3" r:qs="rId4" r:cs="rId5"/>
+          </a:graphicData>
+        </a:graphic>
+      </p:graphicFrame>
+    </p:spTree>
+    <p:extLst>
+      <p:ext uri="{BB962C8B-B14F-4D97-AF65-F5344CB8AC3E}">
+        <p14:creationId xmlns:p14="http://schemas.microsoft.com/office/powerpoint/2010/main" xmlns="" val="890898475"/>
+      </p:ext>
+    </p:extLst>
+  </p:cSld>
+  <p:clrMapOvr>
+    <a:masterClrMapping/>
+  </p:clrMapOvr>
+  <p:transition spd="med">
+    <p:pull dir="d"/>
+  </p:transition>
+  <p:timing>
+    <p:tnLst>
+      <p:par>
+        <p:cTn id="1" dur="indefinite" restart="never" nodeType="tmRoot"/>
+      </p:par>
+    </p:tnLst>
+  </p:timing>
+</p:sld>
+</file>
+
+<file path=ppt/slides/slide15.xml><?xml version="1.0" encoding="utf-8"?>
+<p:sld xmlns:a="http://schemas.openxmlformats.org/drawingml/2006/main" xmlns:r="http://schemas.openxmlformats.org/officeDocument/2006/relationships" xmlns:p="http://schemas.openxmlformats.org/presentationml/2006/main">
+  <p:cSld>
+    <p:spTree>
+      <p:nvGrpSpPr>
+        <p:cNvPr id="1" name=""/>
+        <p:cNvGrpSpPr/>
+        <p:nvPr/>
+      </p:nvGrpSpPr>
+      <p:grpSpPr>
+        <a:xfrm>
+          <a:off x="0" y="0"/>
+          <a:ext cx="0" cy="0"/>
+          <a:chOff x="0" y="0"/>
+          <a:chExt cx="0" cy="0"/>
+        </a:xfrm>
+      </p:grpSpPr>
+      <p:sp useBgFill="1">
+        <p:nvSpPr>
+          <p:cNvPr id="8" name="Rectangle 7">
+            <a:extLst>
+              <a:ext uri="{FF2B5EF4-FFF2-40B4-BE49-F238E27FC236}">
+                <a16:creationId xmlns:a16="http://schemas.microsoft.com/office/drawing/2014/main" xmlns="" id="{3A3C2D7E-3F2E-404E-9B30-CB12DC972D50}"/>
+              </a:ext>
+              <a:ext uri="{C183D7F6-B498-43B3-948B-1728B52AA6E4}">
+                <adec:decorative xmlns:adec="http://schemas.microsoft.com/office/drawing/2017/decorative" xmlns="" val="1"/>
+              </a:ext>
+            </a:extLst>
+          </p:cNvPr>
+          <p:cNvSpPr>
+            <a:spLocks noGrp="1" noRot="1" noChangeAspect="1" noMove="1" noResize="1" noEditPoints="1" noAdjustHandles="1" noChangeArrowheads="1" noChangeShapeType="1" noTextEdit="1"/>
+          </p:cNvSpPr>
+          <p:nvPr>
+            <p:extLst>
+              <p:ext uri="{386F3935-93C4-4BCD-93E2-E3B085C9AB24}">
+                <p16:designElem xmlns:p16="http://schemas.microsoft.com/office/powerpoint/2015/main" xmlns="" val="1"/>
+              </p:ext>
+            </p:extLst>
+          </p:nvPr>
+        </p:nvSpPr>
+        <p:spPr>
+          <a:xfrm>
+            <a:off x="1" y="0"/>
+            <a:ext cx="12192000" cy="6858000"/>
+          </a:xfrm>
+          <a:prstGeom prst="rect">
+            <a:avLst/>
+          </a:prstGeom>
+          <a:ln>
+            <a:noFill/>
+          </a:ln>
+        </p:spPr>
+        <p:style>
+          <a:lnRef idx="2">
+            <a:schemeClr val="accent1">
+              <a:shade val="50000"/>
+            </a:schemeClr>
+          </a:lnRef>
+          <a:fillRef idx="1">
+            <a:schemeClr val="accent1"/>
+          </a:fillRef>
+          <a:effectRef idx="0">
+            <a:schemeClr val="accent1"/>
+          </a:effectRef>
+          <a:fontRef idx="minor">
+            <a:schemeClr val="lt1"/>
+          </a:fontRef>
+        </p:style>
+        <p:txBody>
+          <a:bodyPr rtlCol="0" anchor="ctr"/>
+          <a:lstStyle/>
+          <a:p>
+            <a:pPr algn="ctr"/>
+            <a:endParaRPr lang="en-US" dirty="0"/>
+          </a:p>
+        </p:txBody>
+      </p:sp>
+      <p:sp>
+        <p:nvSpPr>
+          <p:cNvPr id="10" name="Rectangle 9">
+            <a:extLst>
+              <a:ext uri="{FF2B5EF4-FFF2-40B4-BE49-F238E27FC236}">
+                <a16:creationId xmlns:a16="http://schemas.microsoft.com/office/drawing/2014/main" xmlns="" id="{F1F7FD00-BF97-4325-B7C2-E451F20840A7}"/>
+              </a:ext>
+              <a:ext uri="{C183D7F6-B498-43B3-948B-1728B52AA6E4}">
+                <adec:decorative xmlns:adec="http://schemas.microsoft.com/office/drawing/2017/decorative" xmlns="" val="1"/>
+              </a:ext>
+            </a:extLst>
+          </p:cNvPr>
+          <p:cNvSpPr>
+            <a:spLocks noGrp="1" noRot="1" noChangeAspect="1" noMove="1" noResize="1" noEditPoints="1" noAdjustHandles="1" noChangeArrowheads="1" noChangeShapeType="1" noTextEdit="1"/>
+          </p:cNvSpPr>
+          <p:nvPr>
+            <p:extLst>
+              <p:ext uri="{386F3935-93C4-4BCD-93E2-E3B085C9AB24}">
+                <p16:designElem xmlns:p16="http://schemas.microsoft.com/office/powerpoint/2015/main" xmlns="" val="1"/>
+              </p:ext>
+            </p:extLst>
+          </p:nvPr>
+        </p:nvSpPr>
+        <p:spPr>
+          <a:xfrm>
+            <a:off x="0" y="0"/>
+            <a:ext cx="12192000" cy="2306695"/>
+          </a:xfrm>
+          <a:prstGeom prst="rect">
+            <a:avLst/>
+          </a:prstGeom>
+          <a:solidFill>
+            <a:schemeClr val="tx2">
+              <a:lumMod val="50000"/>
+            </a:schemeClr>
+          </a:solidFill>
+          <a:ln>
+            <a:noFill/>
+          </a:ln>
+          <a:effectLst/>
+        </p:spPr>
+        <p:style>
+          <a:lnRef idx="1">
+            <a:schemeClr val="accent1"/>
+          </a:lnRef>
+          <a:fillRef idx="3">
+            <a:schemeClr val="accent1"/>
+          </a:fillRef>
+          <a:effectRef idx="2">
+            <a:schemeClr val="accent1"/>
+          </a:effectRef>
+          <a:fontRef idx="minor">
+            <a:schemeClr val="lt1"/>
+          </a:fontRef>
+        </p:style>
+      </p:sp>
+      <p:sp>
+        <p:nvSpPr>
+          <p:cNvPr id="2" name="Title 1">
+            <a:extLst>
+              <a:ext uri="{FF2B5EF4-FFF2-40B4-BE49-F238E27FC236}">
+                <a16:creationId xmlns:a16="http://schemas.microsoft.com/office/drawing/2014/main" xmlns="" id="{3B8A4B89-B2B3-4944-A853-1D91B1B61CA4}"/>
+              </a:ext>
+            </a:extLst>
+          </p:cNvPr>
+          <p:cNvSpPr>
+            <a:spLocks noGrp="1"/>
+          </p:cNvSpPr>
+          <p:nvPr>
+            <p:ph type="title"/>
+          </p:nvPr>
+        </p:nvSpPr>
+        <p:spPr>
+          <a:xfrm>
+            <a:off x="1843391" y="624110"/>
+            <a:ext cx="9383408" cy="1280890"/>
+          </a:xfrm>
+        </p:spPr>
+        <p:txBody>
+          <a:bodyPr>
+            <a:normAutofit/>
+          </a:bodyPr>
+          <a:lstStyle/>
+          <a:p>
+            <a:r>
+              <a:rPr lang="en-GB" b="1" dirty="0">
+                <a:solidFill>
+                  <a:srgbClr val="FFFFFF"/>
+                </a:solidFill>
+              </a:rPr>
+              <a:t>9</a:t>
+            </a:r>
+            <a:r>
+              <a:rPr lang="en-GB" b="1" dirty="0" smtClean="0">
+                <a:solidFill>
+                  <a:srgbClr val="FFFFFF"/>
+                </a:solidFill>
+              </a:rPr>
+              <a:t>. </a:t>
+            </a:r>
+            <a:r>
+              <a:rPr lang="en-GB" b="1" dirty="0">
+                <a:solidFill>
+                  <a:srgbClr val="FFFFFF"/>
+                </a:solidFill>
+              </a:rPr>
+              <a:t>EXISTING SYSTEM</a:t>
+            </a:r>
+            <a:endParaRPr lang="x-none" b="1" dirty="0">
+              <a:solidFill>
+                <a:srgbClr val="FFFFFF"/>
+              </a:solidFill>
+            </a:endParaRPr>
+          </a:p>
+        </p:txBody>
+      </p:sp>
+      <p:sp>
+        <p:nvSpPr>
+          <p:cNvPr id="12" name="Freeform 11">
+            <a:extLst>
+              <a:ext uri="{FF2B5EF4-FFF2-40B4-BE49-F238E27FC236}">
+                <a16:creationId xmlns:a16="http://schemas.microsoft.com/office/drawing/2014/main" xmlns="" id="{179B5294-DA4E-4926-B14A-DD6E07A12F67}"/>
+              </a:ext>
+              <a:ext uri="{C183D7F6-B498-43B3-948B-1728B52AA6E4}">
+                <adec:decorative xmlns:adec="http://schemas.microsoft.com/office/drawing/2017/decorative" xmlns="" val="1"/>
+              </a:ext>
+            </a:extLst>
+          </p:cNvPr>
+          <p:cNvSpPr>
+            <a:spLocks noGrp="1" noRot="1" noChangeAspect="1" noMove="1" noResize="1" noEditPoints="1" noAdjustHandles="1" noChangeArrowheads="1" noChangeShapeType="1" noTextEdit="1"/>
+          </p:cNvSpPr>
+          <p:nvPr>
+            <p:extLst>
+              <p:ext uri="{386F3935-93C4-4BCD-93E2-E3B085C9AB24}">
+                <p16:designElem xmlns:p16="http://schemas.microsoft.com/office/powerpoint/2015/main" xmlns="" val="1"/>
+              </p:ext>
+            </p:extLst>
+          </p:nvPr>
+        </p:nvSpPr>
+        <p:spPr bwMode="auto">
+          <a:xfrm flipV="1">
+            <a:off x="-4189" y="714375"/>
+            <a:ext cx="1588527" cy="507297"/>
+          </a:xfrm>
+          <a:custGeom>
+            <a:avLst/>
+            <a:gdLst/>
+            <a:ahLst/>
+            <a:cxnLst/>
+            <a:rect l="l" t="t" r="r" b="b"/>
+            <a:pathLst>
+              <a:path w="9248" h="10000">
+                <a:moveTo>
+                  <a:pt x="9248" y="4701"/>
+                </a:moveTo>
+                <a:lnTo>
+                  <a:pt x="7915" y="188"/>
+                </a:lnTo>
+                <a:cubicBezTo>
+                  <a:pt x="7906" y="156"/>
+                  <a:pt x="7895" y="126"/>
+                  <a:pt x="7886" y="94"/>
+                </a:cubicBezTo>
+                <a:cubicBezTo>
+                  <a:pt x="7859" y="0"/>
+                  <a:pt x="7831" y="0"/>
+                  <a:pt x="7803" y="0"/>
+                </a:cubicBezTo>
+                <a:lnTo>
+                  <a:pt x="7275" y="0"/>
+                </a:lnTo>
+                <a:lnTo>
+                  <a:pt x="0" y="70"/>
+                </a:lnTo>
+                <a:cubicBezTo>
+                  <a:pt x="8" y="3380"/>
+                  <a:pt x="17" y="6690"/>
+                  <a:pt x="25" y="10000"/>
+                </a:cubicBezTo>
+                <a:lnTo>
+                  <a:pt x="7275" y="9966"/>
+                </a:lnTo>
+                <a:lnTo>
+                  <a:pt x="7803" y="9966"/>
+                </a:lnTo>
+                <a:cubicBezTo>
+                  <a:pt x="7831" y="9966"/>
+                  <a:pt x="7859" y="9872"/>
+                  <a:pt x="7886" y="9872"/>
+                </a:cubicBezTo>
+                <a:cubicBezTo>
+                  <a:pt x="7886" y="9778"/>
+                  <a:pt x="7915" y="9778"/>
+                  <a:pt x="7915" y="9778"/>
+                </a:cubicBezTo>
+                <a:lnTo>
+                  <a:pt x="9248" y="5265"/>
+                </a:lnTo>
+                <a:cubicBezTo>
+                  <a:pt x="9303" y="5077"/>
+                  <a:pt x="9303" y="4889"/>
+                  <a:pt x="9248" y="4701"/>
+                </a:cubicBezTo>
+                <a:close/>
+              </a:path>
+            </a:pathLst>
+          </a:custGeom>
+          <a:solidFill>
+            <a:schemeClr val="accent1"/>
+          </a:solidFill>
+          <a:ln>
+            <a:noFill/>
+          </a:ln>
+        </p:spPr>
+      </p:sp>
+      <p:pic>
+        <p:nvPicPr>
+          <p:cNvPr id="11" name="Content Placeholder 6" descr="Capture.PNG"/>
+          <p:cNvPicPr>
+            <a:picLocks noGrp="1" noChangeAspect="1"/>
+          </p:cNvPicPr>
+          <p:nvPr>
+            <p:ph idx="1"/>
+          </p:nvPr>
+        </p:nvPicPr>
+        <p:blipFill>
+          <a:blip r:embed="rId2"/>
+          <a:stretch>
+            <a:fillRect/>
+          </a:stretch>
+        </p:blipFill>
+        <p:spPr>
+          <a:xfrm>
+            <a:off x="0" y="1308539"/>
+            <a:ext cx="12191999" cy="5549462"/>
+          </a:xfrm>
+        </p:spPr>
+      </p:pic>
+    </p:spTree>
+    <p:extLst>
+      <p:ext uri="{BB962C8B-B14F-4D97-AF65-F5344CB8AC3E}">
+        <p14:creationId xmlns:p14="http://schemas.microsoft.com/office/powerpoint/2010/main" xmlns="" val="890898475"/>
+      </p:ext>
+    </p:extLst>
+  </p:cSld>
+  <p:clrMapOvr>
+    <a:masterClrMapping/>
+  </p:clrMapOvr>
+  <p:transition spd="med">
+    <p:pull dir="d"/>
+  </p:transition>
+  <p:timing>
+    <p:tnLst>
+      <p:par>
+        <p:cTn id="1" dur="indefinite" restart="never" nodeType="tmRoot"/>
+      </p:par>
+    </p:tnLst>
+  </p:timing>
+</p:sld>
+</file>
+
+<file path=ppt/slides/slide16.xml><?xml version="1.0" encoding="utf-8"?>
+<p:sld xmlns:a="http://schemas.openxmlformats.org/drawingml/2006/main" xmlns:r="http://schemas.openxmlformats.org/officeDocument/2006/relationships" xmlns:p="http://schemas.openxmlformats.org/presentationml/2006/main">
+  <p:cSld>
+    <p:spTree>
+      <p:nvGrpSpPr>
+        <p:cNvPr id="1" name=""/>
+        <p:cNvGrpSpPr/>
+        <p:nvPr/>
+      </p:nvGrpSpPr>
+      <p:grpSpPr>
+        <a:xfrm>
+          <a:off x="0" y="0"/>
+          <a:ext cx="0" cy="0"/>
+          <a:chOff x="0" y="0"/>
+          <a:chExt cx="0" cy="0"/>
+        </a:xfrm>
+      </p:grpSpPr>
+      <p:sp useBgFill="1">
+        <p:nvSpPr>
+          <p:cNvPr id="8" name="Rectangle 7">
+            <a:extLst>
+              <a:ext uri="{FF2B5EF4-FFF2-40B4-BE49-F238E27FC236}">
+                <a16:creationId xmlns:a16="http://schemas.microsoft.com/office/drawing/2014/main" xmlns="" id="{3A3C2D7E-3F2E-404E-9B30-CB12DC972D50}"/>
+              </a:ext>
+              <a:ext uri="{C183D7F6-B498-43B3-948B-1728B52AA6E4}">
+                <adec:decorative xmlns:adec="http://schemas.microsoft.com/office/drawing/2017/decorative" xmlns="" val="1"/>
+              </a:ext>
+            </a:extLst>
+          </p:cNvPr>
+          <p:cNvSpPr>
+            <a:spLocks noGrp="1" noRot="1" noChangeAspect="1" noMove="1" noResize="1" noEditPoints="1" noAdjustHandles="1" noChangeArrowheads="1" noChangeShapeType="1" noTextEdit="1"/>
+          </p:cNvSpPr>
+          <p:nvPr>
+            <p:extLst>
+              <p:ext uri="{386F3935-93C4-4BCD-93E2-E3B085C9AB24}">
+                <p16:designElem xmlns:p16="http://schemas.microsoft.com/office/powerpoint/2015/main" xmlns="" val="1"/>
+              </p:ext>
+            </p:extLst>
+          </p:nvPr>
+        </p:nvSpPr>
+        <p:spPr>
+          <a:xfrm>
+            <a:off x="1" y="0"/>
+            <a:ext cx="12192000" cy="6858000"/>
+          </a:xfrm>
+          <a:prstGeom prst="rect">
+            <a:avLst/>
+          </a:prstGeom>
+          <a:ln>
+            <a:noFill/>
+          </a:ln>
+        </p:spPr>
+        <p:style>
+          <a:lnRef idx="2">
+            <a:schemeClr val="accent1">
+              <a:shade val="50000"/>
+            </a:schemeClr>
+          </a:lnRef>
+          <a:fillRef idx="1">
+            <a:schemeClr val="accent1"/>
+          </a:fillRef>
+          <a:effectRef idx="0">
+            <a:schemeClr val="accent1"/>
+          </a:effectRef>
+          <a:fontRef idx="minor">
+            <a:schemeClr val="lt1"/>
+          </a:fontRef>
+        </p:style>
+        <p:txBody>
+          <a:bodyPr rtlCol="0" anchor="ctr"/>
+          <a:lstStyle/>
+          <a:p>
+            <a:pPr algn="ctr"/>
+            <a:endParaRPr lang="en-US" dirty="0"/>
+          </a:p>
+        </p:txBody>
+      </p:sp>
+      <p:sp>
+        <p:nvSpPr>
+          <p:cNvPr id="10" name="Rectangle 9">
+            <a:extLst>
+              <a:ext uri="{FF2B5EF4-FFF2-40B4-BE49-F238E27FC236}">
+                <a16:creationId xmlns:a16="http://schemas.microsoft.com/office/drawing/2014/main" xmlns="" id="{F1F7FD00-BF97-4325-B7C2-E451F20840A7}"/>
+              </a:ext>
+              <a:ext uri="{C183D7F6-B498-43B3-948B-1728B52AA6E4}">
+                <adec:decorative xmlns:adec="http://schemas.microsoft.com/office/drawing/2017/decorative" xmlns="" val="1"/>
+              </a:ext>
+            </a:extLst>
+          </p:cNvPr>
+          <p:cNvSpPr>
+            <a:spLocks noGrp="1" noRot="1" noChangeAspect="1" noMove="1" noResize="1" noEditPoints="1" noAdjustHandles="1" noChangeArrowheads="1" noChangeShapeType="1" noTextEdit="1"/>
+          </p:cNvSpPr>
+          <p:nvPr>
+            <p:extLst>
+              <p:ext uri="{386F3935-93C4-4BCD-93E2-E3B085C9AB24}">
+                <p16:designElem xmlns:p16="http://schemas.microsoft.com/office/powerpoint/2015/main" xmlns="" val="1"/>
+              </p:ext>
+            </p:extLst>
+          </p:nvPr>
+        </p:nvSpPr>
+        <p:spPr>
+          <a:xfrm>
+            <a:off x="0" y="0"/>
+            <a:ext cx="12192000" cy="2306695"/>
+          </a:xfrm>
+          <a:prstGeom prst="rect">
+            <a:avLst/>
+          </a:prstGeom>
+          <a:solidFill>
+            <a:schemeClr val="tx2">
+              <a:lumMod val="50000"/>
+            </a:schemeClr>
+          </a:solidFill>
+          <a:ln>
+            <a:noFill/>
+          </a:ln>
+          <a:effectLst/>
+        </p:spPr>
+        <p:style>
+          <a:lnRef idx="1">
+            <a:schemeClr val="accent1"/>
+          </a:lnRef>
+          <a:fillRef idx="3">
+            <a:schemeClr val="accent1"/>
+          </a:fillRef>
+          <a:effectRef idx="2">
+            <a:schemeClr val="accent1"/>
+          </a:effectRef>
+          <a:fontRef idx="minor">
+            <a:schemeClr val="lt1"/>
+          </a:fontRef>
+        </p:style>
+      </p:sp>
+      <p:sp>
+        <p:nvSpPr>
+          <p:cNvPr id="2" name="Title 1">
+            <a:extLst>
+              <a:ext uri="{FF2B5EF4-FFF2-40B4-BE49-F238E27FC236}">
+                <a16:creationId xmlns:a16="http://schemas.microsoft.com/office/drawing/2014/main" xmlns="" id="{3B8A4B89-B2B3-4944-A853-1D91B1B61CA4}"/>
+              </a:ext>
+            </a:extLst>
+          </p:cNvPr>
+          <p:cNvSpPr>
+            <a:spLocks noGrp="1"/>
+          </p:cNvSpPr>
+          <p:nvPr>
+            <p:ph type="title"/>
+          </p:nvPr>
+        </p:nvSpPr>
+        <p:spPr>
+          <a:xfrm>
+            <a:off x="1843391" y="624110"/>
+            <a:ext cx="9383408" cy="1280890"/>
+          </a:xfrm>
+        </p:spPr>
+        <p:txBody>
+          <a:bodyPr>
+            <a:normAutofit/>
+          </a:bodyPr>
+          <a:lstStyle/>
+          <a:p>
+            <a:r>
+              <a:rPr lang="en-GB" b="1" dirty="0" smtClean="0">
+                <a:solidFill>
+                  <a:srgbClr val="FFFFFF"/>
+                </a:solidFill>
+              </a:rPr>
+              <a:t>10. DRAWBACKS OF EXISTING </a:t>
+            </a:r>
+            <a:r>
+              <a:rPr lang="en-GB" b="1" dirty="0">
+                <a:solidFill>
+                  <a:srgbClr val="FFFFFF"/>
+                </a:solidFill>
+              </a:rPr>
+              <a:t>SYSTEM</a:t>
+            </a:r>
+            <a:endParaRPr lang="x-none" b="1" dirty="0">
+              <a:solidFill>
+                <a:srgbClr val="FFFFFF"/>
+              </a:solidFill>
+            </a:endParaRPr>
+          </a:p>
+        </p:txBody>
+      </p:sp>
+      <p:sp>
+        <p:nvSpPr>
+          <p:cNvPr id="12" name="Freeform 11">
+            <a:extLst>
+              <a:ext uri="{FF2B5EF4-FFF2-40B4-BE49-F238E27FC236}">
+                <a16:creationId xmlns:a16="http://schemas.microsoft.com/office/drawing/2014/main" xmlns="" id="{179B5294-DA4E-4926-B14A-DD6E07A12F67}"/>
+              </a:ext>
+              <a:ext uri="{C183D7F6-B498-43B3-948B-1728B52AA6E4}">
+                <adec:decorative xmlns:adec="http://schemas.microsoft.com/office/drawing/2017/decorative" xmlns="" val="1"/>
+              </a:ext>
+            </a:extLst>
+          </p:cNvPr>
+          <p:cNvSpPr>
+            <a:spLocks noGrp="1" noRot="1" noChangeAspect="1" noMove="1" noResize="1" noEditPoints="1" noAdjustHandles="1" noChangeArrowheads="1" noChangeShapeType="1" noTextEdit="1"/>
+          </p:cNvSpPr>
+          <p:nvPr>
+            <p:extLst>
+              <p:ext uri="{386F3935-93C4-4BCD-93E2-E3B085C9AB24}">
+                <p16:designElem xmlns:p16="http://schemas.microsoft.com/office/powerpoint/2015/main" xmlns="" val="1"/>
+              </p:ext>
+            </p:extLst>
+          </p:nvPr>
+        </p:nvSpPr>
+        <p:spPr bwMode="auto">
+          <a:xfrm flipV="1">
+            <a:off x="-4189" y="714375"/>
+            <a:ext cx="1588527" cy="507297"/>
+          </a:xfrm>
+          <a:custGeom>
+            <a:avLst/>
+            <a:gdLst/>
+            <a:ahLst/>
+            <a:cxnLst/>
+            <a:rect l="l" t="t" r="r" b="b"/>
+            <a:pathLst>
+              <a:path w="9248" h="10000">
+                <a:moveTo>
+                  <a:pt x="9248" y="4701"/>
+                </a:moveTo>
+                <a:lnTo>
+                  <a:pt x="7915" y="188"/>
+                </a:lnTo>
+                <a:cubicBezTo>
+                  <a:pt x="7906" y="156"/>
+                  <a:pt x="7895" y="126"/>
+                  <a:pt x="7886" y="94"/>
+                </a:cubicBezTo>
+                <a:cubicBezTo>
+                  <a:pt x="7859" y="0"/>
+                  <a:pt x="7831" y="0"/>
+                  <a:pt x="7803" y="0"/>
+                </a:cubicBezTo>
+                <a:lnTo>
+                  <a:pt x="7275" y="0"/>
+                </a:lnTo>
+                <a:lnTo>
+                  <a:pt x="0" y="70"/>
+                </a:lnTo>
+                <a:cubicBezTo>
+                  <a:pt x="8" y="3380"/>
+                  <a:pt x="17" y="6690"/>
+                  <a:pt x="25" y="10000"/>
+                </a:cubicBezTo>
+                <a:lnTo>
+                  <a:pt x="7275" y="9966"/>
+                </a:lnTo>
+                <a:lnTo>
+                  <a:pt x="7803" y="9966"/>
+                </a:lnTo>
+                <a:cubicBezTo>
+                  <a:pt x="7831" y="9966"/>
+                  <a:pt x="7859" y="9872"/>
+                  <a:pt x="7886" y="9872"/>
+                </a:cubicBezTo>
+                <a:cubicBezTo>
+                  <a:pt x="7886" y="9778"/>
+                  <a:pt x="7915" y="9778"/>
+                  <a:pt x="7915" y="9778"/>
+                </a:cubicBezTo>
+                <a:lnTo>
+                  <a:pt x="9248" y="5265"/>
+                </a:lnTo>
+                <a:cubicBezTo>
+                  <a:pt x="9303" y="5077"/>
+                  <a:pt x="9303" y="4889"/>
+                  <a:pt x="9248" y="4701"/>
+                </a:cubicBezTo>
+                <a:close/>
+              </a:path>
+            </a:pathLst>
+          </a:custGeom>
+          <a:solidFill>
+            <a:schemeClr val="accent1"/>
+          </a:solidFill>
+          <a:ln>
+            <a:noFill/>
+          </a:ln>
+        </p:spPr>
+      </p:sp>
+      <p:graphicFrame>
+        <p:nvGraphicFramePr>
+          <p:cNvPr id="7" name="Content Placeholder 6"/>
+          <p:cNvGraphicFramePr>
+            <a:graphicFrameLocks noGrp="1"/>
+          </p:cNvGraphicFramePr>
+          <p:nvPr>
+            <p:ph idx="1"/>
+          </p:nvPr>
+        </p:nvGraphicFramePr>
+        <p:xfrm>
+          <a:off x="0" y="2336800"/>
+          <a:ext cx="12192000" cy="4271034"/>
+        </p:xfrm>
+        <a:graphic>
+          <a:graphicData uri="http://schemas.openxmlformats.org/drawingml/2006/diagram">
+            <dgm:relIds xmlns:dgm="http://schemas.openxmlformats.org/drawingml/2006/diagram" xmlns:r="http://schemas.openxmlformats.org/officeDocument/2006/relationships" r:dm="rId2" r:lo="rId3" r:qs="rId4" r:cs="rId5"/>
+          </a:graphicData>
+        </a:graphic>
+      </p:graphicFrame>
+    </p:spTree>
+    <p:extLst>
+      <p:ext uri="{BB962C8B-B14F-4D97-AF65-F5344CB8AC3E}">
+        <p14:creationId xmlns:p14="http://schemas.microsoft.com/office/powerpoint/2010/main" xmlns="" val="890898475"/>
+      </p:ext>
+    </p:extLst>
+  </p:cSld>
+  <p:clrMapOvr>
+    <a:masterClrMapping/>
+  </p:clrMapOvr>
+  <p:transition spd="med">
+    <p:pull dir="d"/>
+  </p:transition>
+  <p:timing>
+    <p:tnLst>
+      <p:par>
+        <p:cTn id="1" dur="indefinite" restart="never" nodeType="tmRoot"/>
+      </p:par>
+    </p:tnLst>
+  </p:timing>
+</p:sld>
+</file>
+
+<file path=ppt/slides/slide17.xml><?xml version="1.0" encoding="utf-8"?>
+<p:sld xmlns:a="http://schemas.openxmlformats.org/drawingml/2006/main" xmlns:r="http://schemas.openxmlformats.org/officeDocument/2006/relationships" xmlns:p="http://schemas.openxmlformats.org/presentationml/2006/main">
+  <p:cSld>
+    <p:bg>
+      <p:bgPr>
+        <a:gradFill rotWithShape="1">
+          <a:gsLst>
+            <a:gs pos="0">
+              <a:schemeClr val="bg2">
+                <a:tint val="90000"/>
+                <a:satMod val="92000"/>
+                <a:lumMod val="120000"/>
+              </a:schemeClr>
+            </a:gs>
+            <a:gs pos="100000">
+              <a:schemeClr val="bg2">
+                <a:shade val="98000"/>
+                <a:satMod val="120000"/>
+                <a:lumMod val="98000"/>
+              </a:schemeClr>
+            </a:gs>
+          </a:gsLst>
+          <a:path path="circle">
+            <a:fillToRect l="50000" t="50000" r="100000" b="100000"/>
+          </a:path>
+        </a:gradFill>
+        <a:effectLst/>
+      </p:bgPr>
+    </p:bg>
     <p:spTree>
       <p:nvGrpSpPr>
         <p:cNvPr id="1" name=""/>
@@ -37911,7 +39169,7 @@
           <p:cNvPr id="2" name="Title 1">
             <a:extLst>
               <a:ext uri="{FF2B5EF4-FFF2-40B4-BE49-F238E27FC236}">
-                <a16:creationId xmlns="" xmlns:a16="http://schemas.microsoft.com/office/drawing/2014/main" id="{938C7F7E-8CB2-47D8-95C9-439ED4C84A5C}"/>
+                <a16:creationId xmlns="" xmlns:a16="http://schemas.microsoft.com/office/drawing/2014/main" id="{C60221F0-E61F-4AD3-B683-685CA8D02591}"/>
               </a:ext>
             </a:extLst>
           </p:cNvPr>
@@ -37922,12 +39180,7 @@
             <p:ph type="title"/>
           </p:nvPr>
         </p:nvSpPr>
-        <p:spPr>
-          <a:xfrm>
-            <a:off x="1843391" y="624110"/>
-            <a:ext cx="9383408" cy="1280890"/>
-          </a:xfrm>
-        </p:spPr>
+        <p:spPr/>
         <p:txBody>
           <a:bodyPr>
             <a:normAutofit/>
@@ -37940,7 +39193,7 @@
                   <a:srgbClr val="FFFFFF"/>
                 </a:solidFill>
               </a:rPr>
-              <a:t>7. </a:t>
+              <a:t>11. </a:t>
             </a:r>
             <a:r>
               <a:rPr lang="en-GB" b="1" dirty="0">
@@ -37948,13 +39201,73 @@
                   <a:srgbClr val="FFFFFF"/>
                 </a:solidFill>
               </a:rPr>
-              <a:t>TARGET AUDIENCE </a:t>
+              <a:t>PROPOSED SYSTEM</a:t>
             </a:r>
-            <a:endParaRPr lang="x-none" b="1" dirty="0">
+            <a:endParaRPr lang="x-none" b="1">
               <a:solidFill>
                 <a:srgbClr val="FFFFFF"/>
               </a:solidFill>
             </a:endParaRPr>
+          </a:p>
+        </p:txBody>
+      </p:sp>
+      <p:sp>
+        <p:nvSpPr>
+          <p:cNvPr id="3" name="Content Placeholder 2">
+            <a:extLst>
+              <a:ext uri="{FF2B5EF4-FFF2-40B4-BE49-F238E27FC236}">
+                <a16:creationId xmlns="" xmlns:a16="http://schemas.microsoft.com/office/drawing/2014/main" id="{66B44562-E5EF-4950-B1F8-A0575CB9B0D8}"/>
+              </a:ext>
+            </a:extLst>
+          </p:cNvPr>
+          <p:cNvSpPr>
+            <a:spLocks noGrp="1"/>
+          </p:cNvSpPr>
+          <p:nvPr>
+            <p:ph sz="half" idx="1"/>
+          </p:nvPr>
+        </p:nvSpPr>
+        <p:spPr>
+          <a:xfrm>
+            <a:off x="1091488" y="2506716"/>
+            <a:ext cx="4313864" cy="3941379"/>
+          </a:xfrm>
+        </p:spPr>
+        <p:txBody>
+          <a:bodyPr>
+            <a:normAutofit/>
+          </a:bodyPr>
+          <a:lstStyle/>
+          <a:p>
+            <a:r>
+              <a:rPr lang="en-US" sz="2400" dirty="0" smtClean="0"/>
+              <a:t> Project Idea</a:t>
+            </a:r>
+          </a:p>
+          <a:p>
+            <a:r>
+              <a:rPr lang="en-US" sz="2400" dirty="0" smtClean="0"/>
+              <a:t> Develop a unity based desktop application</a:t>
+            </a:r>
+          </a:p>
+          <a:p>
+            <a:r>
+              <a:rPr lang="en-US" sz="2400" dirty="0" smtClean="0"/>
+              <a:t> Use python scripts for image processing</a:t>
+            </a:r>
+          </a:p>
+          <a:p>
+            <a:r>
+              <a:rPr lang="en-US" sz="2400" dirty="0" smtClean="0"/>
+              <a:t> Innovation factor</a:t>
+            </a:r>
+          </a:p>
+          <a:p>
+            <a:r>
+              <a:rPr lang="en-US" sz="2400" dirty="0" smtClean="0"/>
+              <a:t> Features </a:t>
+            </a:r>
+            <a:endParaRPr lang="x-none" sz="2400"/>
           </a:p>
         </p:txBody>
       </p:sp>
@@ -38059,17 +39372,17 @@
       </p:sp>
       <p:graphicFrame>
         <p:nvGraphicFramePr>
-          <p:cNvPr id="7" name="Content Placeholder 6"/>
+          <p:cNvPr id="15" name="Content Placeholder 14"/>
           <p:cNvGraphicFramePr>
             <a:graphicFrameLocks noGrp="1"/>
           </p:cNvGraphicFramePr>
           <p:nvPr>
-            <p:ph idx="1"/>
+            <p:ph sz="half" idx="2"/>
           </p:nvPr>
         </p:nvGraphicFramePr>
         <p:xfrm>
-          <a:off x="348342" y="2410623"/>
-          <a:ext cx="11292113" cy="4223657"/>
+          <a:off x="6526924" y="2837792"/>
+          <a:ext cx="4977689" cy="2908465"/>
         </p:xfrm>
         <a:graphic>
           <a:graphicData uri="http://schemas.openxmlformats.org/drawingml/2006/diagram">
@@ -38080,7 +39393,7 @@
     </p:spTree>
     <p:extLst>
       <p:ext uri="{BB962C8B-B14F-4D97-AF65-F5344CB8AC3E}">
-        <p14:creationId xmlns="" xmlns:p14="http://schemas.microsoft.com/office/powerpoint/2010/main" val="245502956"/>
+        <p14:creationId xmlns:p14="http://schemas.microsoft.com/office/powerpoint/2010/main" xmlns="" val="3389632859"/>
       </p:ext>
     </p:extLst>
   </p:cSld>
@@ -38100,1035 +39413,9 @@
 </p:sld>
 </file>
 
-<file path=ppt/slides/slide14.xml><?xml version="1.0" encoding="utf-8"?>
+<file path=ppt/slides/slide18.xml><?xml version="1.0" encoding="utf-8"?>
 <p:sld xmlns:a="http://schemas.openxmlformats.org/drawingml/2006/main" xmlns:r="http://schemas.openxmlformats.org/officeDocument/2006/relationships" xmlns:p="http://schemas.openxmlformats.org/presentationml/2006/main">
   <p:cSld>
-    <p:spTree>
-      <p:nvGrpSpPr>
-        <p:cNvPr id="1" name=""/>
-        <p:cNvGrpSpPr/>
-        <p:nvPr/>
-      </p:nvGrpSpPr>
-      <p:grpSpPr>
-        <a:xfrm>
-          <a:off x="0" y="0"/>
-          <a:ext cx="0" cy="0"/>
-          <a:chOff x="0" y="0"/>
-          <a:chExt cx="0" cy="0"/>
-        </a:xfrm>
-      </p:grpSpPr>
-      <p:sp useBgFill="1">
-        <p:nvSpPr>
-          <p:cNvPr id="8" name="Rectangle 7">
-            <a:extLst>
-              <a:ext uri="{FF2B5EF4-FFF2-40B4-BE49-F238E27FC236}">
-                <a16:creationId xmlns="" xmlns:a16="http://schemas.microsoft.com/office/drawing/2014/main" id="{3A3C2D7E-3F2E-404E-9B30-CB12DC972D50}"/>
-              </a:ext>
-              <a:ext uri="{C183D7F6-B498-43B3-948B-1728B52AA6E4}">
-                <adec:decorative xmlns="" xmlns:adec="http://schemas.microsoft.com/office/drawing/2017/decorative" val="1"/>
-              </a:ext>
-            </a:extLst>
-          </p:cNvPr>
-          <p:cNvSpPr>
-            <a:spLocks noGrp="1" noRot="1" noChangeAspect="1" noMove="1" noResize="1" noEditPoints="1" noAdjustHandles="1" noChangeArrowheads="1" noChangeShapeType="1" noTextEdit="1"/>
-          </p:cNvSpPr>
-          <p:nvPr>
-            <p:extLst>
-              <p:ext uri="{386F3935-93C4-4BCD-93E2-E3B085C9AB24}">
-                <p16:designElem xmlns="" xmlns:p16="http://schemas.microsoft.com/office/powerpoint/2015/main" val="1"/>
-              </p:ext>
-            </p:extLst>
-          </p:nvPr>
-        </p:nvSpPr>
-        <p:spPr>
-          <a:xfrm>
-            <a:off x="1" y="0"/>
-            <a:ext cx="12192000" cy="6858000"/>
-          </a:xfrm>
-          <a:prstGeom prst="rect">
-            <a:avLst/>
-          </a:prstGeom>
-          <a:ln>
-            <a:noFill/>
-          </a:ln>
-        </p:spPr>
-        <p:style>
-          <a:lnRef idx="2">
-            <a:schemeClr val="accent1">
-              <a:shade val="50000"/>
-            </a:schemeClr>
-          </a:lnRef>
-          <a:fillRef idx="1">
-            <a:schemeClr val="accent1"/>
-          </a:fillRef>
-          <a:effectRef idx="0">
-            <a:schemeClr val="accent1"/>
-          </a:effectRef>
-          <a:fontRef idx="minor">
-            <a:schemeClr val="lt1"/>
-          </a:fontRef>
-        </p:style>
-        <p:txBody>
-          <a:bodyPr rtlCol="0" anchor="ctr"/>
-          <a:lstStyle/>
-          <a:p>
-            <a:pPr algn="ctr"/>
-            <a:endParaRPr lang="en-US" dirty="0"/>
-          </a:p>
-        </p:txBody>
-      </p:sp>
-      <p:sp>
-        <p:nvSpPr>
-          <p:cNvPr id="10" name="Rectangle 9">
-            <a:extLst>
-              <a:ext uri="{FF2B5EF4-FFF2-40B4-BE49-F238E27FC236}">
-                <a16:creationId xmlns="" xmlns:a16="http://schemas.microsoft.com/office/drawing/2014/main" id="{F1F7FD00-BF97-4325-B7C2-E451F20840A7}"/>
-              </a:ext>
-              <a:ext uri="{C183D7F6-B498-43B3-948B-1728B52AA6E4}">
-                <adec:decorative xmlns="" xmlns:adec="http://schemas.microsoft.com/office/drawing/2017/decorative" val="1"/>
-              </a:ext>
-            </a:extLst>
-          </p:cNvPr>
-          <p:cNvSpPr>
-            <a:spLocks noGrp="1" noRot="1" noChangeAspect="1" noMove="1" noResize="1" noEditPoints="1" noAdjustHandles="1" noChangeArrowheads="1" noChangeShapeType="1" noTextEdit="1"/>
-          </p:cNvSpPr>
-          <p:nvPr>
-            <p:extLst>
-              <p:ext uri="{386F3935-93C4-4BCD-93E2-E3B085C9AB24}">
-                <p16:designElem xmlns="" xmlns:p16="http://schemas.microsoft.com/office/powerpoint/2015/main" val="1"/>
-              </p:ext>
-            </p:extLst>
-          </p:nvPr>
-        </p:nvSpPr>
-        <p:spPr>
-          <a:xfrm>
-            <a:off x="0" y="0"/>
-            <a:ext cx="12192000" cy="2306695"/>
-          </a:xfrm>
-          <a:prstGeom prst="rect">
-            <a:avLst/>
-          </a:prstGeom>
-          <a:solidFill>
-            <a:schemeClr val="tx2">
-              <a:lumMod val="50000"/>
-            </a:schemeClr>
-          </a:solidFill>
-          <a:ln>
-            <a:noFill/>
-          </a:ln>
-          <a:effectLst/>
-        </p:spPr>
-        <p:style>
-          <a:lnRef idx="1">
-            <a:schemeClr val="accent1"/>
-          </a:lnRef>
-          <a:fillRef idx="3">
-            <a:schemeClr val="accent1"/>
-          </a:fillRef>
-          <a:effectRef idx="2">
-            <a:schemeClr val="accent1"/>
-          </a:effectRef>
-          <a:fontRef idx="minor">
-            <a:schemeClr val="lt1"/>
-          </a:fontRef>
-        </p:style>
-      </p:sp>
-      <p:sp>
-        <p:nvSpPr>
-          <p:cNvPr id="2" name="Title 1">
-            <a:extLst>
-              <a:ext uri="{FF2B5EF4-FFF2-40B4-BE49-F238E27FC236}">
-                <a16:creationId xmlns="" xmlns:a16="http://schemas.microsoft.com/office/drawing/2014/main" id="{3B8A4B89-B2B3-4944-A853-1D91B1B61CA4}"/>
-              </a:ext>
-            </a:extLst>
-          </p:cNvPr>
-          <p:cNvSpPr>
-            <a:spLocks noGrp="1"/>
-          </p:cNvSpPr>
-          <p:nvPr>
-            <p:ph type="title"/>
-          </p:nvPr>
-        </p:nvSpPr>
-        <p:spPr>
-          <a:xfrm>
-            <a:off x="1843391" y="624110"/>
-            <a:ext cx="9383408" cy="1280890"/>
-          </a:xfrm>
-        </p:spPr>
-        <p:txBody>
-          <a:bodyPr>
-            <a:normAutofit/>
-          </a:bodyPr>
-          <a:lstStyle/>
-          <a:p>
-            <a:r>
-              <a:rPr lang="en-GB" b="1" dirty="0">
-                <a:solidFill>
-                  <a:srgbClr val="FFFFFF"/>
-                </a:solidFill>
-              </a:rPr>
-              <a:t>8</a:t>
-            </a:r>
-            <a:r>
-              <a:rPr lang="en-GB" b="1" dirty="0" smtClean="0">
-                <a:solidFill>
-                  <a:srgbClr val="FFFFFF"/>
-                </a:solidFill>
-              </a:rPr>
-              <a:t>. </a:t>
-            </a:r>
-            <a:r>
-              <a:rPr lang="en-GB" b="1" dirty="0">
-                <a:solidFill>
-                  <a:srgbClr val="FFFFFF"/>
-                </a:solidFill>
-              </a:rPr>
-              <a:t>EXISTING SYSTEM</a:t>
-            </a:r>
-            <a:endParaRPr lang="x-none" b="1" dirty="0">
-              <a:solidFill>
-                <a:srgbClr val="FFFFFF"/>
-              </a:solidFill>
-            </a:endParaRPr>
-          </a:p>
-        </p:txBody>
-      </p:sp>
-      <p:sp>
-        <p:nvSpPr>
-          <p:cNvPr id="12" name="Freeform 11">
-            <a:extLst>
-              <a:ext uri="{FF2B5EF4-FFF2-40B4-BE49-F238E27FC236}">
-                <a16:creationId xmlns="" xmlns:a16="http://schemas.microsoft.com/office/drawing/2014/main" id="{179B5294-DA4E-4926-B14A-DD6E07A12F67}"/>
-              </a:ext>
-              <a:ext uri="{C183D7F6-B498-43B3-948B-1728B52AA6E4}">
-                <adec:decorative xmlns="" xmlns:adec="http://schemas.microsoft.com/office/drawing/2017/decorative" val="1"/>
-              </a:ext>
-            </a:extLst>
-          </p:cNvPr>
-          <p:cNvSpPr>
-            <a:spLocks noGrp="1" noRot="1" noChangeAspect="1" noMove="1" noResize="1" noEditPoints="1" noAdjustHandles="1" noChangeArrowheads="1" noChangeShapeType="1" noTextEdit="1"/>
-          </p:cNvSpPr>
-          <p:nvPr>
-            <p:extLst>
-              <p:ext uri="{386F3935-93C4-4BCD-93E2-E3B085C9AB24}">
-                <p16:designElem xmlns="" xmlns:p16="http://schemas.microsoft.com/office/powerpoint/2015/main" val="1"/>
-              </p:ext>
-            </p:extLst>
-          </p:nvPr>
-        </p:nvSpPr>
-        <p:spPr bwMode="auto">
-          <a:xfrm flipV="1">
-            <a:off x="-4189" y="714375"/>
-            <a:ext cx="1588527" cy="507297"/>
-          </a:xfrm>
-          <a:custGeom>
-            <a:avLst/>
-            <a:gdLst/>
-            <a:ahLst/>
-            <a:cxnLst/>
-            <a:rect l="l" t="t" r="r" b="b"/>
-            <a:pathLst>
-              <a:path w="9248" h="10000">
-                <a:moveTo>
-                  <a:pt x="9248" y="4701"/>
-                </a:moveTo>
-                <a:lnTo>
-                  <a:pt x="7915" y="188"/>
-                </a:lnTo>
-                <a:cubicBezTo>
-                  <a:pt x="7906" y="156"/>
-                  <a:pt x="7895" y="126"/>
-                  <a:pt x="7886" y="94"/>
-                </a:cubicBezTo>
-                <a:cubicBezTo>
-                  <a:pt x="7859" y="0"/>
-                  <a:pt x="7831" y="0"/>
-                  <a:pt x="7803" y="0"/>
-                </a:cubicBezTo>
-                <a:lnTo>
-                  <a:pt x="7275" y="0"/>
-                </a:lnTo>
-                <a:lnTo>
-                  <a:pt x="0" y="70"/>
-                </a:lnTo>
-                <a:cubicBezTo>
-                  <a:pt x="8" y="3380"/>
-                  <a:pt x="17" y="6690"/>
-                  <a:pt x="25" y="10000"/>
-                </a:cubicBezTo>
-                <a:lnTo>
-                  <a:pt x="7275" y="9966"/>
-                </a:lnTo>
-                <a:lnTo>
-                  <a:pt x="7803" y="9966"/>
-                </a:lnTo>
-                <a:cubicBezTo>
-                  <a:pt x="7831" y="9966"/>
-                  <a:pt x="7859" y="9872"/>
-                  <a:pt x="7886" y="9872"/>
-                </a:cubicBezTo>
-                <a:cubicBezTo>
-                  <a:pt x="7886" y="9778"/>
-                  <a:pt x="7915" y="9778"/>
-                  <a:pt x="7915" y="9778"/>
-                </a:cubicBezTo>
-                <a:lnTo>
-                  <a:pt x="9248" y="5265"/>
-                </a:lnTo>
-                <a:cubicBezTo>
-                  <a:pt x="9303" y="5077"/>
-                  <a:pt x="9303" y="4889"/>
-                  <a:pt x="9248" y="4701"/>
-                </a:cubicBezTo>
-                <a:close/>
-              </a:path>
-            </a:pathLst>
-          </a:custGeom>
-          <a:solidFill>
-            <a:schemeClr val="accent1"/>
-          </a:solidFill>
-          <a:ln>
-            <a:noFill/>
-          </a:ln>
-        </p:spPr>
-      </p:sp>
-      <p:graphicFrame>
-        <p:nvGraphicFramePr>
-          <p:cNvPr id="9" name="Content Placeholder 8"/>
-          <p:cNvGraphicFramePr>
-            <a:graphicFrameLocks noGrp="1"/>
-          </p:cNvGraphicFramePr>
-          <p:nvPr>
-            <p:ph idx="1"/>
-          </p:nvPr>
-        </p:nvGraphicFramePr>
-        <p:xfrm>
-          <a:off x="3060701" y="2587925"/>
-          <a:ext cx="5486399" cy="3881885"/>
-        </p:xfrm>
-        <a:graphic>
-          <a:graphicData uri="http://schemas.openxmlformats.org/drawingml/2006/diagram">
-            <dgm:relIds xmlns:dgm="http://schemas.openxmlformats.org/drawingml/2006/diagram" xmlns:r="http://schemas.openxmlformats.org/officeDocument/2006/relationships" r:dm="rId2" r:lo="rId3" r:qs="rId4" r:cs="rId5"/>
-          </a:graphicData>
-        </a:graphic>
-      </p:graphicFrame>
-    </p:spTree>
-    <p:extLst>
-      <p:ext uri="{BB962C8B-B14F-4D97-AF65-F5344CB8AC3E}">
-        <p14:creationId xmlns="" xmlns:p14="http://schemas.microsoft.com/office/powerpoint/2010/main" val="890898475"/>
-      </p:ext>
-    </p:extLst>
-  </p:cSld>
-  <p:clrMapOvr>
-    <a:masterClrMapping/>
-  </p:clrMapOvr>
-  <p:transition spd="med">
-    <p:pull dir="d"/>
-  </p:transition>
-  <p:timing>
-    <p:tnLst>
-      <p:par>
-        <p:cTn id="1" dur="indefinite" restart="never" nodeType="tmRoot"/>
-      </p:par>
-    </p:tnLst>
-  </p:timing>
-</p:sld>
-</file>
-
-<file path=ppt/slides/slide15.xml><?xml version="1.0" encoding="utf-8"?>
-<p:sld xmlns:a="http://schemas.openxmlformats.org/drawingml/2006/main" xmlns:r="http://schemas.openxmlformats.org/officeDocument/2006/relationships" xmlns:p="http://schemas.openxmlformats.org/presentationml/2006/main">
-  <p:cSld>
-    <p:spTree>
-      <p:nvGrpSpPr>
-        <p:cNvPr id="1" name=""/>
-        <p:cNvGrpSpPr/>
-        <p:nvPr/>
-      </p:nvGrpSpPr>
-      <p:grpSpPr>
-        <a:xfrm>
-          <a:off x="0" y="0"/>
-          <a:ext cx="0" cy="0"/>
-          <a:chOff x="0" y="0"/>
-          <a:chExt cx="0" cy="0"/>
-        </a:xfrm>
-      </p:grpSpPr>
-      <p:sp useBgFill="1">
-        <p:nvSpPr>
-          <p:cNvPr id="8" name="Rectangle 7">
-            <a:extLst>
-              <a:ext uri="{FF2B5EF4-FFF2-40B4-BE49-F238E27FC236}">
-                <a16:creationId xmlns="" xmlns:a16="http://schemas.microsoft.com/office/drawing/2014/main" id="{3A3C2D7E-3F2E-404E-9B30-CB12DC972D50}"/>
-              </a:ext>
-              <a:ext uri="{C183D7F6-B498-43B3-948B-1728B52AA6E4}">
-                <adec:decorative xmlns="" xmlns:adec="http://schemas.microsoft.com/office/drawing/2017/decorative" val="1"/>
-              </a:ext>
-            </a:extLst>
-          </p:cNvPr>
-          <p:cNvSpPr>
-            <a:spLocks noGrp="1" noRot="1" noChangeAspect="1" noMove="1" noResize="1" noEditPoints="1" noAdjustHandles="1" noChangeArrowheads="1" noChangeShapeType="1" noTextEdit="1"/>
-          </p:cNvSpPr>
-          <p:nvPr>
-            <p:extLst>
-              <p:ext uri="{386F3935-93C4-4BCD-93E2-E3B085C9AB24}">
-                <p16:designElem xmlns="" xmlns:p16="http://schemas.microsoft.com/office/powerpoint/2015/main" val="1"/>
-              </p:ext>
-            </p:extLst>
-          </p:nvPr>
-        </p:nvSpPr>
-        <p:spPr>
-          <a:xfrm>
-            <a:off x="1" y="0"/>
-            <a:ext cx="12192000" cy="6858000"/>
-          </a:xfrm>
-          <a:prstGeom prst="rect">
-            <a:avLst/>
-          </a:prstGeom>
-          <a:ln>
-            <a:noFill/>
-          </a:ln>
-        </p:spPr>
-        <p:style>
-          <a:lnRef idx="2">
-            <a:schemeClr val="accent1">
-              <a:shade val="50000"/>
-            </a:schemeClr>
-          </a:lnRef>
-          <a:fillRef idx="1">
-            <a:schemeClr val="accent1"/>
-          </a:fillRef>
-          <a:effectRef idx="0">
-            <a:schemeClr val="accent1"/>
-          </a:effectRef>
-          <a:fontRef idx="minor">
-            <a:schemeClr val="lt1"/>
-          </a:fontRef>
-        </p:style>
-        <p:txBody>
-          <a:bodyPr rtlCol="0" anchor="ctr"/>
-          <a:lstStyle/>
-          <a:p>
-            <a:pPr algn="ctr"/>
-            <a:endParaRPr lang="en-US" dirty="0"/>
-          </a:p>
-        </p:txBody>
-      </p:sp>
-      <p:sp>
-        <p:nvSpPr>
-          <p:cNvPr id="10" name="Rectangle 9">
-            <a:extLst>
-              <a:ext uri="{FF2B5EF4-FFF2-40B4-BE49-F238E27FC236}">
-                <a16:creationId xmlns="" xmlns:a16="http://schemas.microsoft.com/office/drawing/2014/main" id="{F1F7FD00-BF97-4325-B7C2-E451F20840A7}"/>
-              </a:ext>
-              <a:ext uri="{C183D7F6-B498-43B3-948B-1728B52AA6E4}">
-                <adec:decorative xmlns="" xmlns:adec="http://schemas.microsoft.com/office/drawing/2017/decorative" val="1"/>
-              </a:ext>
-            </a:extLst>
-          </p:cNvPr>
-          <p:cNvSpPr>
-            <a:spLocks noGrp="1" noRot="1" noChangeAspect="1" noMove="1" noResize="1" noEditPoints="1" noAdjustHandles="1" noChangeArrowheads="1" noChangeShapeType="1" noTextEdit="1"/>
-          </p:cNvSpPr>
-          <p:nvPr>
-            <p:extLst>
-              <p:ext uri="{386F3935-93C4-4BCD-93E2-E3B085C9AB24}">
-                <p16:designElem xmlns="" xmlns:p16="http://schemas.microsoft.com/office/powerpoint/2015/main" val="1"/>
-              </p:ext>
-            </p:extLst>
-          </p:nvPr>
-        </p:nvSpPr>
-        <p:spPr>
-          <a:xfrm>
-            <a:off x="0" y="0"/>
-            <a:ext cx="12192000" cy="2306695"/>
-          </a:xfrm>
-          <a:prstGeom prst="rect">
-            <a:avLst/>
-          </a:prstGeom>
-          <a:solidFill>
-            <a:schemeClr val="tx2">
-              <a:lumMod val="50000"/>
-            </a:schemeClr>
-          </a:solidFill>
-          <a:ln>
-            <a:noFill/>
-          </a:ln>
-          <a:effectLst/>
-        </p:spPr>
-        <p:style>
-          <a:lnRef idx="1">
-            <a:schemeClr val="accent1"/>
-          </a:lnRef>
-          <a:fillRef idx="3">
-            <a:schemeClr val="accent1"/>
-          </a:fillRef>
-          <a:effectRef idx="2">
-            <a:schemeClr val="accent1"/>
-          </a:effectRef>
-          <a:fontRef idx="minor">
-            <a:schemeClr val="lt1"/>
-          </a:fontRef>
-        </p:style>
-      </p:sp>
-      <p:sp>
-        <p:nvSpPr>
-          <p:cNvPr id="2" name="Title 1">
-            <a:extLst>
-              <a:ext uri="{FF2B5EF4-FFF2-40B4-BE49-F238E27FC236}">
-                <a16:creationId xmlns="" xmlns:a16="http://schemas.microsoft.com/office/drawing/2014/main" id="{3B8A4B89-B2B3-4944-A853-1D91B1B61CA4}"/>
-              </a:ext>
-            </a:extLst>
-          </p:cNvPr>
-          <p:cNvSpPr>
-            <a:spLocks noGrp="1"/>
-          </p:cNvSpPr>
-          <p:nvPr>
-            <p:ph type="title"/>
-          </p:nvPr>
-        </p:nvSpPr>
-        <p:spPr>
-          <a:xfrm>
-            <a:off x="1843391" y="624110"/>
-            <a:ext cx="9383408" cy="1280890"/>
-          </a:xfrm>
-        </p:spPr>
-        <p:txBody>
-          <a:bodyPr>
-            <a:normAutofit/>
-          </a:bodyPr>
-          <a:lstStyle/>
-          <a:p>
-            <a:r>
-              <a:rPr lang="en-GB" b="1" dirty="0">
-                <a:solidFill>
-                  <a:srgbClr val="FFFFFF"/>
-                </a:solidFill>
-              </a:rPr>
-              <a:t>9</a:t>
-            </a:r>
-            <a:r>
-              <a:rPr lang="en-GB" b="1" dirty="0" smtClean="0">
-                <a:solidFill>
-                  <a:srgbClr val="FFFFFF"/>
-                </a:solidFill>
-              </a:rPr>
-              <a:t>. </a:t>
-            </a:r>
-            <a:r>
-              <a:rPr lang="en-GB" b="1" dirty="0">
-                <a:solidFill>
-                  <a:srgbClr val="FFFFFF"/>
-                </a:solidFill>
-              </a:rPr>
-              <a:t>EXISTING SYSTEM</a:t>
-            </a:r>
-            <a:endParaRPr lang="x-none" b="1" dirty="0">
-              <a:solidFill>
-                <a:srgbClr val="FFFFFF"/>
-              </a:solidFill>
-            </a:endParaRPr>
-          </a:p>
-        </p:txBody>
-      </p:sp>
-      <p:sp>
-        <p:nvSpPr>
-          <p:cNvPr id="12" name="Freeform 11">
-            <a:extLst>
-              <a:ext uri="{FF2B5EF4-FFF2-40B4-BE49-F238E27FC236}">
-                <a16:creationId xmlns="" xmlns:a16="http://schemas.microsoft.com/office/drawing/2014/main" id="{179B5294-DA4E-4926-B14A-DD6E07A12F67}"/>
-              </a:ext>
-              <a:ext uri="{C183D7F6-B498-43B3-948B-1728B52AA6E4}">
-                <adec:decorative xmlns="" xmlns:adec="http://schemas.microsoft.com/office/drawing/2017/decorative" val="1"/>
-              </a:ext>
-            </a:extLst>
-          </p:cNvPr>
-          <p:cNvSpPr>
-            <a:spLocks noGrp="1" noRot="1" noChangeAspect="1" noMove="1" noResize="1" noEditPoints="1" noAdjustHandles="1" noChangeArrowheads="1" noChangeShapeType="1" noTextEdit="1"/>
-          </p:cNvSpPr>
-          <p:nvPr>
-            <p:extLst>
-              <p:ext uri="{386F3935-93C4-4BCD-93E2-E3B085C9AB24}">
-                <p16:designElem xmlns="" xmlns:p16="http://schemas.microsoft.com/office/powerpoint/2015/main" val="1"/>
-              </p:ext>
-            </p:extLst>
-          </p:nvPr>
-        </p:nvSpPr>
-        <p:spPr bwMode="auto">
-          <a:xfrm flipV="1">
-            <a:off x="-4189" y="714375"/>
-            <a:ext cx="1588527" cy="507297"/>
-          </a:xfrm>
-          <a:custGeom>
-            <a:avLst/>
-            <a:gdLst/>
-            <a:ahLst/>
-            <a:cxnLst/>
-            <a:rect l="l" t="t" r="r" b="b"/>
-            <a:pathLst>
-              <a:path w="9248" h="10000">
-                <a:moveTo>
-                  <a:pt x="9248" y="4701"/>
-                </a:moveTo>
-                <a:lnTo>
-                  <a:pt x="7915" y="188"/>
-                </a:lnTo>
-                <a:cubicBezTo>
-                  <a:pt x="7906" y="156"/>
-                  <a:pt x="7895" y="126"/>
-                  <a:pt x="7886" y="94"/>
-                </a:cubicBezTo>
-                <a:cubicBezTo>
-                  <a:pt x="7859" y="0"/>
-                  <a:pt x="7831" y="0"/>
-                  <a:pt x="7803" y="0"/>
-                </a:cubicBezTo>
-                <a:lnTo>
-                  <a:pt x="7275" y="0"/>
-                </a:lnTo>
-                <a:lnTo>
-                  <a:pt x="0" y="70"/>
-                </a:lnTo>
-                <a:cubicBezTo>
-                  <a:pt x="8" y="3380"/>
-                  <a:pt x="17" y="6690"/>
-                  <a:pt x="25" y="10000"/>
-                </a:cubicBezTo>
-                <a:lnTo>
-                  <a:pt x="7275" y="9966"/>
-                </a:lnTo>
-                <a:lnTo>
-                  <a:pt x="7803" y="9966"/>
-                </a:lnTo>
-                <a:cubicBezTo>
-                  <a:pt x="7831" y="9966"/>
-                  <a:pt x="7859" y="9872"/>
-                  <a:pt x="7886" y="9872"/>
-                </a:cubicBezTo>
-                <a:cubicBezTo>
-                  <a:pt x="7886" y="9778"/>
-                  <a:pt x="7915" y="9778"/>
-                  <a:pt x="7915" y="9778"/>
-                </a:cubicBezTo>
-                <a:lnTo>
-                  <a:pt x="9248" y="5265"/>
-                </a:lnTo>
-                <a:cubicBezTo>
-                  <a:pt x="9303" y="5077"/>
-                  <a:pt x="9303" y="4889"/>
-                  <a:pt x="9248" y="4701"/>
-                </a:cubicBezTo>
-                <a:close/>
-              </a:path>
-            </a:pathLst>
-          </a:custGeom>
-          <a:solidFill>
-            <a:schemeClr val="accent1"/>
-          </a:solidFill>
-          <a:ln>
-            <a:noFill/>
-          </a:ln>
-        </p:spPr>
-      </p:sp>
-      <p:pic>
-        <p:nvPicPr>
-          <p:cNvPr id="11" name="Content Placeholder 6" descr="Capture.PNG"/>
-          <p:cNvPicPr>
-            <a:picLocks noGrp="1" noChangeAspect="1"/>
-          </p:cNvPicPr>
-          <p:nvPr>
-            <p:ph idx="1"/>
-          </p:nvPr>
-        </p:nvPicPr>
-        <p:blipFill>
-          <a:blip r:embed="rId2"/>
-          <a:stretch>
-            <a:fillRect/>
-          </a:stretch>
-        </p:blipFill>
-        <p:spPr>
-          <a:xfrm>
-            <a:off x="0" y="1308539"/>
-            <a:ext cx="12191999" cy="5549462"/>
-          </a:xfrm>
-        </p:spPr>
-      </p:pic>
-    </p:spTree>
-    <p:extLst>
-      <p:ext uri="{BB962C8B-B14F-4D97-AF65-F5344CB8AC3E}">
-        <p14:creationId xmlns="" xmlns:p14="http://schemas.microsoft.com/office/powerpoint/2010/main" val="890898475"/>
-      </p:ext>
-    </p:extLst>
-  </p:cSld>
-  <p:clrMapOvr>
-    <a:masterClrMapping/>
-  </p:clrMapOvr>
-  <p:transition spd="med">
-    <p:pull dir="d"/>
-  </p:transition>
-  <p:timing>
-    <p:tnLst>
-      <p:par>
-        <p:cTn id="1" dur="indefinite" restart="never" nodeType="tmRoot"/>
-      </p:par>
-    </p:tnLst>
-  </p:timing>
-</p:sld>
-</file>
-
-<file path=ppt/slides/slide16.xml><?xml version="1.0" encoding="utf-8"?>
-<p:sld xmlns:a="http://schemas.openxmlformats.org/drawingml/2006/main" xmlns:r="http://schemas.openxmlformats.org/officeDocument/2006/relationships" xmlns:p="http://schemas.openxmlformats.org/presentationml/2006/main">
-  <p:cSld>
-    <p:spTree>
-      <p:nvGrpSpPr>
-        <p:cNvPr id="1" name=""/>
-        <p:cNvGrpSpPr/>
-        <p:nvPr/>
-      </p:nvGrpSpPr>
-      <p:grpSpPr>
-        <a:xfrm>
-          <a:off x="0" y="0"/>
-          <a:ext cx="0" cy="0"/>
-          <a:chOff x="0" y="0"/>
-          <a:chExt cx="0" cy="0"/>
-        </a:xfrm>
-      </p:grpSpPr>
-      <p:sp useBgFill="1">
-        <p:nvSpPr>
-          <p:cNvPr id="8" name="Rectangle 7">
-            <a:extLst>
-              <a:ext uri="{FF2B5EF4-FFF2-40B4-BE49-F238E27FC236}">
-                <a16:creationId xmlns="" xmlns:a16="http://schemas.microsoft.com/office/drawing/2014/main" id="{3A3C2D7E-3F2E-404E-9B30-CB12DC972D50}"/>
-              </a:ext>
-              <a:ext uri="{C183D7F6-B498-43B3-948B-1728B52AA6E4}">
-                <adec:decorative xmlns="" xmlns:adec="http://schemas.microsoft.com/office/drawing/2017/decorative" val="1"/>
-              </a:ext>
-            </a:extLst>
-          </p:cNvPr>
-          <p:cNvSpPr>
-            <a:spLocks noGrp="1" noRot="1" noChangeAspect="1" noMove="1" noResize="1" noEditPoints="1" noAdjustHandles="1" noChangeArrowheads="1" noChangeShapeType="1" noTextEdit="1"/>
-          </p:cNvSpPr>
-          <p:nvPr>
-            <p:extLst>
-              <p:ext uri="{386F3935-93C4-4BCD-93E2-E3B085C9AB24}">
-                <p16:designElem xmlns="" xmlns:p16="http://schemas.microsoft.com/office/powerpoint/2015/main" val="1"/>
-              </p:ext>
-            </p:extLst>
-          </p:nvPr>
-        </p:nvSpPr>
-        <p:spPr>
-          <a:xfrm>
-            <a:off x="1" y="0"/>
-            <a:ext cx="12192000" cy="6858000"/>
-          </a:xfrm>
-          <a:prstGeom prst="rect">
-            <a:avLst/>
-          </a:prstGeom>
-          <a:ln>
-            <a:noFill/>
-          </a:ln>
-        </p:spPr>
-        <p:style>
-          <a:lnRef idx="2">
-            <a:schemeClr val="accent1">
-              <a:shade val="50000"/>
-            </a:schemeClr>
-          </a:lnRef>
-          <a:fillRef idx="1">
-            <a:schemeClr val="accent1"/>
-          </a:fillRef>
-          <a:effectRef idx="0">
-            <a:schemeClr val="accent1"/>
-          </a:effectRef>
-          <a:fontRef idx="minor">
-            <a:schemeClr val="lt1"/>
-          </a:fontRef>
-        </p:style>
-        <p:txBody>
-          <a:bodyPr rtlCol="0" anchor="ctr"/>
-          <a:lstStyle/>
-          <a:p>
-            <a:pPr algn="ctr"/>
-            <a:endParaRPr lang="en-US" dirty="0"/>
-          </a:p>
-        </p:txBody>
-      </p:sp>
-      <p:sp>
-        <p:nvSpPr>
-          <p:cNvPr id="10" name="Rectangle 9">
-            <a:extLst>
-              <a:ext uri="{FF2B5EF4-FFF2-40B4-BE49-F238E27FC236}">
-                <a16:creationId xmlns="" xmlns:a16="http://schemas.microsoft.com/office/drawing/2014/main" id="{F1F7FD00-BF97-4325-B7C2-E451F20840A7}"/>
-              </a:ext>
-              <a:ext uri="{C183D7F6-B498-43B3-948B-1728B52AA6E4}">
-                <adec:decorative xmlns="" xmlns:adec="http://schemas.microsoft.com/office/drawing/2017/decorative" val="1"/>
-              </a:ext>
-            </a:extLst>
-          </p:cNvPr>
-          <p:cNvSpPr>
-            <a:spLocks noGrp="1" noRot="1" noChangeAspect="1" noMove="1" noResize="1" noEditPoints="1" noAdjustHandles="1" noChangeArrowheads="1" noChangeShapeType="1" noTextEdit="1"/>
-          </p:cNvSpPr>
-          <p:nvPr>
-            <p:extLst>
-              <p:ext uri="{386F3935-93C4-4BCD-93E2-E3B085C9AB24}">
-                <p16:designElem xmlns="" xmlns:p16="http://schemas.microsoft.com/office/powerpoint/2015/main" val="1"/>
-              </p:ext>
-            </p:extLst>
-          </p:nvPr>
-        </p:nvSpPr>
-        <p:spPr>
-          <a:xfrm>
-            <a:off x="0" y="0"/>
-            <a:ext cx="12192000" cy="2306695"/>
-          </a:xfrm>
-          <a:prstGeom prst="rect">
-            <a:avLst/>
-          </a:prstGeom>
-          <a:solidFill>
-            <a:schemeClr val="tx2">
-              <a:lumMod val="50000"/>
-            </a:schemeClr>
-          </a:solidFill>
-          <a:ln>
-            <a:noFill/>
-          </a:ln>
-          <a:effectLst/>
-        </p:spPr>
-        <p:style>
-          <a:lnRef idx="1">
-            <a:schemeClr val="accent1"/>
-          </a:lnRef>
-          <a:fillRef idx="3">
-            <a:schemeClr val="accent1"/>
-          </a:fillRef>
-          <a:effectRef idx="2">
-            <a:schemeClr val="accent1"/>
-          </a:effectRef>
-          <a:fontRef idx="minor">
-            <a:schemeClr val="lt1"/>
-          </a:fontRef>
-        </p:style>
-      </p:sp>
-      <p:sp>
-        <p:nvSpPr>
-          <p:cNvPr id="2" name="Title 1">
-            <a:extLst>
-              <a:ext uri="{FF2B5EF4-FFF2-40B4-BE49-F238E27FC236}">
-                <a16:creationId xmlns="" xmlns:a16="http://schemas.microsoft.com/office/drawing/2014/main" id="{3B8A4B89-B2B3-4944-A853-1D91B1B61CA4}"/>
-              </a:ext>
-            </a:extLst>
-          </p:cNvPr>
-          <p:cNvSpPr>
-            <a:spLocks noGrp="1"/>
-          </p:cNvSpPr>
-          <p:nvPr>
-            <p:ph type="title"/>
-          </p:nvPr>
-        </p:nvSpPr>
-        <p:spPr>
-          <a:xfrm>
-            <a:off x="1843391" y="624110"/>
-            <a:ext cx="9383408" cy="1280890"/>
-          </a:xfrm>
-        </p:spPr>
-        <p:txBody>
-          <a:bodyPr>
-            <a:normAutofit/>
-          </a:bodyPr>
-          <a:lstStyle/>
-          <a:p>
-            <a:r>
-              <a:rPr lang="en-GB" b="1" dirty="0" smtClean="0">
-                <a:solidFill>
-                  <a:srgbClr val="FFFFFF"/>
-                </a:solidFill>
-              </a:rPr>
-              <a:t>10. DRAWBACKS OF EXISTING </a:t>
-            </a:r>
-            <a:r>
-              <a:rPr lang="en-GB" b="1" dirty="0">
-                <a:solidFill>
-                  <a:srgbClr val="FFFFFF"/>
-                </a:solidFill>
-              </a:rPr>
-              <a:t>SYSTEM</a:t>
-            </a:r>
-            <a:endParaRPr lang="x-none" b="1" dirty="0">
-              <a:solidFill>
-                <a:srgbClr val="FFFFFF"/>
-              </a:solidFill>
-            </a:endParaRPr>
-          </a:p>
-        </p:txBody>
-      </p:sp>
-      <p:sp>
-        <p:nvSpPr>
-          <p:cNvPr id="12" name="Freeform 11">
-            <a:extLst>
-              <a:ext uri="{FF2B5EF4-FFF2-40B4-BE49-F238E27FC236}">
-                <a16:creationId xmlns="" xmlns:a16="http://schemas.microsoft.com/office/drawing/2014/main" id="{179B5294-DA4E-4926-B14A-DD6E07A12F67}"/>
-              </a:ext>
-              <a:ext uri="{C183D7F6-B498-43B3-948B-1728B52AA6E4}">
-                <adec:decorative xmlns="" xmlns:adec="http://schemas.microsoft.com/office/drawing/2017/decorative" val="1"/>
-              </a:ext>
-            </a:extLst>
-          </p:cNvPr>
-          <p:cNvSpPr>
-            <a:spLocks noGrp="1" noRot="1" noChangeAspect="1" noMove="1" noResize="1" noEditPoints="1" noAdjustHandles="1" noChangeArrowheads="1" noChangeShapeType="1" noTextEdit="1"/>
-          </p:cNvSpPr>
-          <p:nvPr>
-            <p:extLst>
-              <p:ext uri="{386F3935-93C4-4BCD-93E2-E3B085C9AB24}">
-                <p16:designElem xmlns="" xmlns:p16="http://schemas.microsoft.com/office/powerpoint/2015/main" val="1"/>
-              </p:ext>
-            </p:extLst>
-          </p:nvPr>
-        </p:nvSpPr>
-        <p:spPr bwMode="auto">
-          <a:xfrm flipV="1">
-            <a:off x="-4189" y="714375"/>
-            <a:ext cx="1588527" cy="507297"/>
-          </a:xfrm>
-          <a:custGeom>
-            <a:avLst/>
-            <a:gdLst/>
-            <a:ahLst/>
-            <a:cxnLst/>
-            <a:rect l="l" t="t" r="r" b="b"/>
-            <a:pathLst>
-              <a:path w="9248" h="10000">
-                <a:moveTo>
-                  <a:pt x="9248" y="4701"/>
-                </a:moveTo>
-                <a:lnTo>
-                  <a:pt x="7915" y="188"/>
-                </a:lnTo>
-                <a:cubicBezTo>
-                  <a:pt x="7906" y="156"/>
-                  <a:pt x="7895" y="126"/>
-                  <a:pt x="7886" y="94"/>
-                </a:cubicBezTo>
-                <a:cubicBezTo>
-                  <a:pt x="7859" y="0"/>
-                  <a:pt x="7831" y="0"/>
-                  <a:pt x="7803" y="0"/>
-                </a:cubicBezTo>
-                <a:lnTo>
-                  <a:pt x="7275" y="0"/>
-                </a:lnTo>
-                <a:lnTo>
-                  <a:pt x="0" y="70"/>
-                </a:lnTo>
-                <a:cubicBezTo>
-                  <a:pt x="8" y="3380"/>
-                  <a:pt x="17" y="6690"/>
-                  <a:pt x="25" y="10000"/>
-                </a:cubicBezTo>
-                <a:lnTo>
-                  <a:pt x="7275" y="9966"/>
-                </a:lnTo>
-                <a:lnTo>
-                  <a:pt x="7803" y="9966"/>
-                </a:lnTo>
-                <a:cubicBezTo>
-                  <a:pt x="7831" y="9966"/>
-                  <a:pt x="7859" y="9872"/>
-                  <a:pt x="7886" y="9872"/>
-                </a:cubicBezTo>
-                <a:cubicBezTo>
-                  <a:pt x="7886" y="9778"/>
-                  <a:pt x="7915" y="9778"/>
-                  <a:pt x="7915" y="9778"/>
-                </a:cubicBezTo>
-                <a:lnTo>
-                  <a:pt x="9248" y="5265"/>
-                </a:lnTo>
-                <a:cubicBezTo>
-                  <a:pt x="9303" y="5077"/>
-                  <a:pt x="9303" y="4889"/>
-                  <a:pt x="9248" y="4701"/>
-                </a:cubicBezTo>
-                <a:close/>
-              </a:path>
-            </a:pathLst>
-          </a:custGeom>
-          <a:solidFill>
-            <a:schemeClr val="accent1"/>
-          </a:solidFill>
-          <a:ln>
-            <a:noFill/>
-          </a:ln>
-        </p:spPr>
-      </p:sp>
-      <p:graphicFrame>
-        <p:nvGraphicFramePr>
-          <p:cNvPr id="7" name="Content Placeholder 6"/>
-          <p:cNvGraphicFramePr>
-            <a:graphicFrameLocks noGrp="1"/>
-          </p:cNvGraphicFramePr>
-          <p:nvPr>
-            <p:ph idx="1"/>
-          </p:nvPr>
-        </p:nvGraphicFramePr>
-        <p:xfrm>
-          <a:off x="0" y="2336800"/>
-          <a:ext cx="12192000" cy="4271034"/>
-        </p:xfrm>
-        <a:graphic>
-          <a:graphicData uri="http://schemas.openxmlformats.org/drawingml/2006/diagram">
-            <dgm:relIds xmlns:dgm="http://schemas.openxmlformats.org/drawingml/2006/diagram" xmlns:r="http://schemas.openxmlformats.org/officeDocument/2006/relationships" r:dm="rId2" r:lo="rId3" r:qs="rId4" r:cs="rId5"/>
-          </a:graphicData>
-        </a:graphic>
-      </p:graphicFrame>
-    </p:spTree>
-    <p:extLst>
-      <p:ext uri="{BB962C8B-B14F-4D97-AF65-F5344CB8AC3E}">
-        <p14:creationId xmlns="" xmlns:p14="http://schemas.microsoft.com/office/powerpoint/2010/main" val="890898475"/>
-      </p:ext>
-    </p:extLst>
-  </p:cSld>
-  <p:clrMapOvr>
-    <a:masterClrMapping/>
-  </p:clrMapOvr>
-  <p:transition spd="med">
-    <p:pull dir="d"/>
-  </p:transition>
-  <p:timing>
-    <p:tnLst>
-      <p:par>
-        <p:cTn id="1" dur="indefinite" restart="never" nodeType="tmRoot"/>
-      </p:par>
-    </p:tnLst>
-  </p:timing>
-</p:sld>
-</file>
-
-<file path=ppt/slides/slide17.xml><?xml version="1.0" encoding="utf-8"?>
-<p:sld xmlns:a="http://schemas.openxmlformats.org/drawingml/2006/main" xmlns:r="http://schemas.openxmlformats.org/officeDocument/2006/relationships" xmlns:p="http://schemas.openxmlformats.org/presentationml/2006/main">
-  <p:cSld>
-    <p:bg>
-      <p:bgPr>
-        <a:gradFill rotWithShape="1">
-          <a:gsLst>
-            <a:gs pos="0">
-              <a:schemeClr val="bg2">
-                <a:tint val="90000"/>
-                <a:satMod val="92000"/>
-                <a:lumMod val="120000"/>
-              </a:schemeClr>
-            </a:gs>
-            <a:gs pos="100000">
-              <a:schemeClr val="bg2">
-                <a:shade val="98000"/>
-                <a:satMod val="120000"/>
-                <a:lumMod val="98000"/>
-              </a:schemeClr>
-            </a:gs>
-          </a:gsLst>
-          <a:path path="circle">
-            <a:fillToRect l="50000" t="50000" r="100000" b="100000"/>
-          </a:path>
-        </a:gradFill>
-        <a:effectLst/>
-      </p:bgPr>
-    </p:bg>
     <p:spTree>
       <p:nvGrpSpPr>
         <p:cNvPr id="1" name=""/>
@@ -39275,7 +39562,12 @@
             <p:ph type="title"/>
           </p:nvPr>
         </p:nvSpPr>
-        <p:spPr/>
+        <p:spPr>
+          <a:xfrm>
+            <a:off x="1843391" y="624110"/>
+            <a:ext cx="9383408" cy="1280890"/>
+          </a:xfrm>
+        </p:spPr>
         <p:txBody>
           <a:bodyPr>
             <a:normAutofit/>
@@ -39288,81 +39580,13 @@
                   <a:srgbClr val="FFFFFF"/>
                 </a:solidFill>
               </a:rPr>
-              <a:t>11. </a:t>
+              <a:t>12. PROJECT ARCHITECTURE</a:t>
             </a:r>
-            <a:r>
-              <a:rPr lang="en-GB" b="1" dirty="0">
-                <a:solidFill>
-                  <a:srgbClr val="FFFFFF"/>
-                </a:solidFill>
-              </a:rPr>
-              <a:t>PROPOSED SYSTEM</a:t>
-            </a:r>
-            <a:endParaRPr lang="x-none" b="1">
+            <a:endParaRPr lang="x-none" b="1" dirty="0">
               <a:solidFill>
                 <a:srgbClr val="FFFFFF"/>
               </a:solidFill>
             </a:endParaRPr>
-          </a:p>
-        </p:txBody>
-      </p:sp>
-      <p:sp>
-        <p:nvSpPr>
-          <p:cNvPr id="3" name="Content Placeholder 2">
-            <a:extLst>
-              <a:ext uri="{FF2B5EF4-FFF2-40B4-BE49-F238E27FC236}">
-                <a16:creationId xmlns:a16="http://schemas.microsoft.com/office/drawing/2014/main" xmlns="" id="{66B44562-E5EF-4950-B1F8-A0575CB9B0D8}"/>
-              </a:ext>
-            </a:extLst>
-          </p:cNvPr>
-          <p:cNvSpPr>
-            <a:spLocks noGrp="1"/>
-          </p:cNvSpPr>
-          <p:nvPr>
-            <p:ph sz="half" idx="1"/>
-          </p:nvPr>
-        </p:nvSpPr>
-        <p:spPr>
-          <a:xfrm>
-            <a:off x="1091488" y="2506716"/>
-            <a:ext cx="4313864" cy="3941379"/>
-          </a:xfrm>
-        </p:spPr>
-        <p:txBody>
-          <a:bodyPr>
-            <a:normAutofit/>
-          </a:bodyPr>
-          <a:lstStyle/>
-          <a:p>
-            <a:r>
-              <a:rPr lang="en-US" sz="2400" dirty="0" smtClean="0"/>
-              <a:t> Project Idea</a:t>
-            </a:r>
-          </a:p>
-          <a:p>
-            <a:r>
-              <a:rPr lang="en-US" sz="2400" dirty="0" smtClean="0"/>
-              <a:t> Develop a unity based desktop application</a:t>
-            </a:r>
-          </a:p>
-          <a:p>
-            <a:r>
-              <a:rPr lang="en-US" sz="2400" dirty="0" smtClean="0"/>
-              <a:t> Use python scripts for image processing</a:t>
-            </a:r>
-          </a:p>
-          <a:p>
-            <a:r>
-              <a:rPr lang="en-US" sz="2400" dirty="0" smtClean="0"/>
-              <a:t> Innovation factor</a:t>
-            </a:r>
-          </a:p>
-          <a:p>
-            <a:r>
-              <a:rPr lang="en-US" sz="2400" dirty="0" smtClean="0"/>
-              <a:t> Features </a:t>
-            </a:r>
-            <a:endParaRPr lang="x-none" sz="2400"/>
           </a:p>
         </p:txBody>
       </p:sp>
@@ -39472,330 +39696,11 @@
             <a:graphicFrameLocks noGrp="1"/>
           </p:cNvGraphicFramePr>
           <p:nvPr>
-            <p:ph sz="half" idx="2"/>
-          </p:nvPr>
-        </p:nvGraphicFramePr>
-        <p:xfrm>
-          <a:off x="6526924" y="2837792"/>
-          <a:ext cx="4977689" cy="2908465"/>
-        </p:xfrm>
-        <a:graphic>
-          <a:graphicData uri="http://schemas.openxmlformats.org/drawingml/2006/diagram">
-            <dgm:relIds xmlns:dgm="http://schemas.openxmlformats.org/drawingml/2006/diagram" xmlns:r="http://schemas.openxmlformats.org/officeDocument/2006/relationships" r:dm="rId2" r:lo="rId3" r:qs="rId4" r:cs="rId5"/>
-          </a:graphicData>
-        </a:graphic>
-      </p:graphicFrame>
-    </p:spTree>
-    <p:extLst>
-      <p:ext uri="{BB962C8B-B14F-4D97-AF65-F5344CB8AC3E}">
-        <p14:creationId xmlns="" xmlns:p14="http://schemas.microsoft.com/office/powerpoint/2010/main" val="3389632859"/>
-      </p:ext>
-    </p:extLst>
-  </p:cSld>
-  <p:clrMapOvr>
-    <a:masterClrMapping/>
-  </p:clrMapOvr>
-  <p:transition spd="med">
-    <p:pull dir="d"/>
-  </p:transition>
-  <p:timing>
-    <p:tnLst>
-      <p:par>
-        <p:cTn id="1" dur="indefinite" restart="never" nodeType="tmRoot"/>
-      </p:par>
-    </p:tnLst>
-  </p:timing>
-</p:sld>
-</file>
-
-<file path=ppt/slides/slide18.xml><?xml version="1.0" encoding="utf-8"?>
-<p:sld xmlns:a="http://schemas.openxmlformats.org/drawingml/2006/main" xmlns:r="http://schemas.openxmlformats.org/officeDocument/2006/relationships" xmlns:p="http://schemas.openxmlformats.org/presentationml/2006/main">
-  <p:cSld>
-    <p:spTree>
-      <p:nvGrpSpPr>
-        <p:cNvPr id="1" name=""/>
-        <p:cNvGrpSpPr/>
-        <p:nvPr/>
-      </p:nvGrpSpPr>
-      <p:grpSpPr>
-        <a:xfrm>
-          <a:off x="0" y="0"/>
-          <a:ext cx="0" cy="0"/>
-          <a:chOff x="0" y="0"/>
-          <a:chExt cx="0" cy="0"/>
-        </a:xfrm>
-      </p:grpSpPr>
-      <p:sp useBgFill="1">
-        <p:nvSpPr>
-          <p:cNvPr id="8" name="Rectangle 7">
-            <a:extLst>
-              <a:ext uri="{FF2B5EF4-FFF2-40B4-BE49-F238E27FC236}">
-                <a16:creationId xmlns="" xmlns:a16="http://schemas.microsoft.com/office/drawing/2014/main" id="{3A3C2D7E-3F2E-404E-9B30-CB12DC972D50}"/>
-              </a:ext>
-              <a:ext uri="{C183D7F6-B498-43B3-948B-1728B52AA6E4}">
-                <adec:decorative xmlns="" xmlns:adec="http://schemas.microsoft.com/office/drawing/2017/decorative" val="1"/>
-              </a:ext>
-            </a:extLst>
-          </p:cNvPr>
-          <p:cNvSpPr>
-            <a:spLocks noGrp="1" noRot="1" noChangeAspect="1" noMove="1" noResize="1" noEditPoints="1" noAdjustHandles="1" noChangeArrowheads="1" noChangeShapeType="1" noTextEdit="1"/>
-          </p:cNvSpPr>
-          <p:nvPr>
-            <p:extLst>
-              <p:ext uri="{386F3935-93C4-4BCD-93E2-E3B085C9AB24}">
-                <p16:designElem xmlns="" xmlns:p16="http://schemas.microsoft.com/office/powerpoint/2015/main" val="1"/>
-              </p:ext>
-            </p:extLst>
-          </p:nvPr>
-        </p:nvSpPr>
-        <p:spPr>
-          <a:xfrm>
-            <a:off x="1" y="0"/>
-            <a:ext cx="12192000" cy="6858000"/>
-          </a:xfrm>
-          <a:prstGeom prst="rect">
-            <a:avLst/>
-          </a:prstGeom>
-          <a:ln>
-            <a:noFill/>
-          </a:ln>
-        </p:spPr>
-        <p:style>
-          <a:lnRef idx="2">
-            <a:schemeClr val="accent1">
-              <a:shade val="50000"/>
-            </a:schemeClr>
-          </a:lnRef>
-          <a:fillRef idx="1">
-            <a:schemeClr val="accent1"/>
-          </a:fillRef>
-          <a:effectRef idx="0">
-            <a:schemeClr val="accent1"/>
-          </a:effectRef>
-          <a:fontRef idx="minor">
-            <a:schemeClr val="lt1"/>
-          </a:fontRef>
-        </p:style>
-        <p:txBody>
-          <a:bodyPr rtlCol="0" anchor="ctr"/>
-          <a:lstStyle/>
-          <a:p>
-            <a:pPr algn="ctr"/>
-            <a:endParaRPr lang="en-US" dirty="0"/>
-          </a:p>
-        </p:txBody>
-      </p:sp>
-      <p:sp>
-        <p:nvSpPr>
-          <p:cNvPr id="10" name="Rectangle 9">
-            <a:extLst>
-              <a:ext uri="{FF2B5EF4-FFF2-40B4-BE49-F238E27FC236}">
-                <a16:creationId xmlns="" xmlns:a16="http://schemas.microsoft.com/office/drawing/2014/main" id="{F1F7FD00-BF97-4325-B7C2-E451F20840A7}"/>
-              </a:ext>
-              <a:ext uri="{C183D7F6-B498-43B3-948B-1728B52AA6E4}">
-                <adec:decorative xmlns="" xmlns:adec="http://schemas.microsoft.com/office/drawing/2017/decorative" val="1"/>
-              </a:ext>
-            </a:extLst>
-          </p:cNvPr>
-          <p:cNvSpPr>
-            <a:spLocks noGrp="1" noRot="1" noChangeAspect="1" noMove="1" noResize="1" noEditPoints="1" noAdjustHandles="1" noChangeArrowheads="1" noChangeShapeType="1" noTextEdit="1"/>
-          </p:cNvSpPr>
-          <p:nvPr>
-            <p:extLst>
-              <p:ext uri="{386F3935-93C4-4BCD-93E2-E3B085C9AB24}">
-                <p16:designElem xmlns="" xmlns:p16="http://schemas.microsoft.com/office/powerpoint/2015/main" val="1"/>
-              </p:ext>
-            </p:extLst>
-          </p:nvPr>
-        </p:nvSpPr>
-        <p:spPr>
-          <a:xfrm>
-            <a:off x="0" y="0"/>
-            <a:ext cx="12192000" cy="2306695"/>
-          </a:xfrm>
-          <a:prstGeom prst="rect">
-            <a:avLst/>
-          </a:prstGeom>
-          <a:solidFill>
-            <a:schemeClr val="tx2">
-              <a:lumMod val="50000"/>
-            </a:schemeClr>
-          </a:solidFill>
-          <a:ln>
-            <a:noFill/>
-          </a:ln>
-          <a:effectLst/>
-        </p:spPr>
-        <p:style>
-          <a:lnRef idx="1">
-            <a:schemeClr val="accent1"/>
-          </a:lnRef>
-          <a:fillRef idx="3">
-            <a:schemeClr val="accent1"/>
-          </a:fillRef>
-          <a:effectRef idx="2">
-            <a:schemeClr val="accent1"/>
-          </a:effectRef>
-          <a:fontRef idx="minor">
-            <a:schemeClr val="lt1"/>
-          </a:fontRef>
-        </p:style>
-      </p:sp>
-      <p:sp>
-        <p:nvSpPr>
-          <p:cNvPr id="2" name="Title 1">
-            <a:extLst>
-              <a:ext uri="{FF2B5EF4-FFF2-40B4-BE49-F238E27FC236}">
-                <a16:creationId xmlns="" xmlns:a16="http://schemas.microsoft.com/office/drawing/2014/main" id="{C60221F0-E61F-4AD3-B683-685CA8D02591}"/>
-              </a:ext>
-            </a:extLst>
-          </p:cNvPr>
-          <p:cNvSpPr>
-            <a:spLocks noGrp="1"/>
-          </p:cNvSpPr>
-          <p:nvPr>
-            <p:ph type="title"/>
-          </p:nvPr>
-        </p:nvSpPr>
-        <p:spPr>
-          <a:xfrm>
-            <a:off x="1843391" y="624110"/>
-            <a:ext cx="9383408" cy="1280890"/>
-          </a:xfrm>
-        </p:spPr>
-        <p:txBody>
-          <a:bodyPr>
-            <a:normAutofit/>
-          </a:bodyPr>
-          <a:lstStyle/>
-          <a:p>
-            <a:r>
-              <a:rPr lang="en-GB" b="1" dirty="0" smtClean="0">
-                <a:solidFill>
-                  <a:srgbClr val="FFFFFF"/>
-                </a:solidFill>
-              </a:rPr>
-              <a:t>12. PROJECT ARCHITECTURE</a:t>
-            </a:r>
-            <a:endParaRPr lang="x-none" b="1" dirty="0">
-              <a:solidFill>
-                <a:srgbClr val="FFFFFF"/>
-              </a:solidFill>
-            </a:endParaRPr>
-          </a:p>
-        </p:txBody>
-      </p:sp>
-      <p:sp>
-        <p:nvSpPr>
-          <p:cNvPr id="12" name="Freeform 11">
-            <a:extLst>
-              <a:ext uri="{FF2B5EF4-FFF2-40B4-BE49-F238E27FC236}">
-                <a16:creationId xmlns="" xmlns:a16="http://schemas.microsoft.com/office/drawing/2014/main" id="{179B5294-DA4E-4926-B14A-DD6E07A12F67}"/>
-              </a:ext>
-              <a:ext uri="{C183D7F6-B498-43B3-948B-1728B52AA6E4}">
-                <adec:decorative xmlns="" xmlns:adec="http://schemas.microsoft.com/office/drawing/2017/decorative" val="1"/>
-              </a:ext>
-            </a:extLst>
-          </p:cNvPr>
-          <p:cNvSpPr>
-            <a:spLocks noGrp="1" noRot="1" noChangeAspect="1" noMove="1" noResize="1" noEditPoints="1" noAdjustHandles="1" noChangeArrowheads="1" noChangeShapeType="1" noTextEdit="1"/>
-          </p:cNvSpPr>
-          <p:nvPr>
-            <p:extLst>
-              <p:ext uri="{386F3935-93C4-4BCD-93E2-E3B085C9AB24}">
-                <p16:designElem xmlns="" xmlns:p16="http://schemas.microsoft.com/office/powerpoint/2015/main" val="1"/>
-              </p:ext>
-            </p:extLst>
-          </p:nvPr>
-        </p:nvSpPr>
-        <p:spPr bwMode="auto">
-          <a:xfrm flipV="1">
-            <a:off x="-4189" y="714375"/>
-            <a:ext cx="1588527" cy="507297"/>
-          </a:xfrm>
-          <a:custGeom>
-            <a:avLst/>
-            <a:gdLst/>
-            <a:ahLst/>
-            <a:cxnLst/>
-            <a:rect l="l" t="t" r="r" b="b"/>
-            <a:pathLst>
-              <a:path w="9248" h="10000">
-                <a:moveTo>
-                  <a:pt x="9248" y="4701"/>
-                </a:moveTo>
-                <a:lnTo>
-                  <a:pt x="7915" y="188"/>
-                </a:lnTo>
-                <a:cubicBezTo>
-                  <a:pt x="7906" y="156"/>
-                  <a:pt x="7895" y="126"/>
-                  <a:pt x="7886" y="94"/>
-                </a:cubicBezTo>
-                <a:cubicBezTo>
-                  <a:pt x="7859" y="0"/>
-                  <a:pt x="7831" y="0"/>
-                  <a:pt x="7803" y="0"/>
-                </a:cubicBezTo>
-                <a:lnTo>
-                  <a:pt x="7275" y="0"/>
-                </a:lnTo>
-                <a:lnTo>
-                  <a:pt x="0" y="70"/>
-                </a:lnTo>
-                <a:cubicBezTo>
-                  <a:pt x="8" y="3380"/>
-                  <a:pt x="17" y="6690"/>
-                  <a:pt x="25" y="10000"/>
-                </a:cubicBezTo>
-                <a:lnTo>
-                  <a:pt x="7275" y="9966"/>
-                </a:lnTo>
-                <a:lnTo>
-                  <a:pt x="7803" y="9966"/>
-                </a:lnTo>
-                <a:cubicBezTo>
-                  <a:pt x="7831" y="9966"/>
-                  <a:pt x="7859" y="9872"/>
-                  <a:pt x="7886" y="9872"/>
-                </a:cubicBezTo>
-                <a:cubicBezTo>
-                  <a:pt x="7886" y="9778"/>
-                  <a:pt x="7915" y="9778"/>
-                  <a:pt x="7915" y="9778"/>
-                </a:cubicBezTo>
-                <a:lnTo>
-                  <a:pt x="9248" y="5265"/>
-                </a:lnTo>
-                <a:cubicBezTo>
-                  <a:pt x="9303" y="5077"/>
-                  <a:pt x="9303" y="4889"/>
-                  <a:pt x="9248" y="4701"/>
-                </a:cubicBezTo>
-                <a:close/>
-              </a:path>
-            </a:pathLst>
-          </a:custGeom>
-          <a:solidFill>
-            <a:schemeClr val="accent1"/>
-          </a:solidFill>
-          <a:ln>
-            <a:noFill/>
-          </a:ln>
-        </p:spPr>
-      </p:sp>
-      <p:graphicFrame>
-        <p:nvGraphicFramePr>
-          <p:cNvPr id="15" name="Content Placeholder 14"/>
-          <p:cNvGraphicFramePr>
-            <a:graphicFrameLocks noGrp="1"/>
-          </p:cNvGraphicFramePr>
-          <p:nvPr>
             <p:ph idx="1"/>
           </p:nvPr>
         </p:nvGraphicFramePr>
         <p:xfrm>
-          <a:off x="378823" y="2725947"/>
+          <a:off x="378823" y="2741713"/>
           <a:ext cx="11612880" cy="3536830"/>
         </p:xfrm>
         <a:graphic>
@@ -39967,7 +39872,7 @@
     </p:spTree>
     <p:extLst>
       <p:ext uri="{BB962C8B-B14F-4D97-AF65-F5344CB8AC3E}">
-        <p14:creationId xmlns="" xmlns:p14="http://schemas.microsoft.com/office/powerpoint/2010/main" val="1939423074"/>
+        <p14:creationId xmlns:p14="http://schemas.microsoft.com/office/powerpoint/2010/main" xmlns="" val="1939423074"/>
       </p:ext>
     </p:extLst>
   </p:cSld>
@@ -40182,8 +40087,8 @@
           </p:nvPr>
         </p:nvGraphicFramePr>
         <p:xfrm>
-          <a:off x="1826495" y="2967487"/>
-          <a:ext cx="8456192" cy="3490944"/>
+          <a:off x="1385061" y="2569779"/>
+          <a:ext cx="8988650" cy="3935948"/>
         </p:xfrm>
         <a:graphic>
           <a:graphicData uri="http://schemas.openxmlformats.org/drawingml/2006/diagram">
@@ -40292,46 +40197,13 @@
       </p:sp>
       <p:cxnSp>
         <p:nvCxnSpPr>
-          <p:cNvPr id="20" name="Straight Arrow Connector 19"/>
-          <p:cNvCxnSpPr/>
-          <p:nvPr/>
-        </p:nvCxnSpPr>
-        <p:spPr>
-          <a:xfrm rot="16200000" flipH="1">
-            <a:off x="5714444" y="4295546"/>
-            <a:ext cx="383433" cy="11818"/>
-          </a:xfrm>
-          <a:prstGeom prst="straightConnector1">
-            <a:avLst/>
-          </a:prstGeom>
-          <a:ln>
-            <a:tailEnd type="arrow"/>
-          </a:ln>
-        </p:spPr>
-        <p:style>
-          <a:lnRef idx="1">
-            <a:schemeClr val="accent1"/>
-          </a:lnRef>
-          <a:fillRef idx="0">
-            <a:schemeClr val="accent1"/>
-          </a:fillRef>
-          <a:effectRef idx="0">
-            <a:schemeClr val="accent1"/>
-          </a:effectRef>
-          <a:fontRef idx="minor">
-            <a:schemeClr val="tx1"/>
-          </a:fontRef>
-        </p:style>
-      </p:cxnSp>
-      <p:cxnSp>
-        <p:nvCxnSpPr>
           <p:cNvPr id="22" name="Elbow Connector 21"/>
           <p:cNvCxnSpPr/>
           <p:nvPr/>
         </p:nvCxnSpPr>
         <p:spPr>
           <a:xfrm rot="10800000" flipV="1">
-            <a:off x="4062098" y="3772464"/>
+            <a:off x="4014801" y="3819760"/>
             <a:ext cx="796834" cy="679268"/>
           </a:xfrm>
           <a:prstGeom prst="bentConnector3">
@@ -40360,14 +40232,14 @@
       </p:cxnSp>
       <p:cxnSp>
         <p:nvCxnSpPr>
-          <p:cNvPr id="24" name="Elbow Connector 23"/>
+          <p:cNvPr id="15" name="Elbow Connector 14"/>
           <p:cNvCxnSpPr/>
           <p:nvPr/>
         </p:nvCxnSpPr>
         <p:spPr>
           <a:xfrm>
-            <a:off x="6753046" y="3743635"/>
-            <a:ext cx="653143" cy="613954"/>
+            <a:off x="7031420" y="3720662"/>
+            <a:ext cx="740983" cy="725217"/>
           </a:xfrm>
           <a:prstGeom prst="bentConnector3">
             <a:avLst>
@@ -40445,6 +40317,432 @@
         <a:effectLst/>
       </p:bgPr>
     </p:bg>
+    <p:spTree>
+      <p:nvGrpSpPr>
+        <p:cNvPr id="1" name=""/>
+        <p:cNvGrpSpPr/>
+        <p:nvPr/>
+      </p:nvGrpSpPr>
+      <p:grpSpPr>
+        <a:xfrm>
+          <a:off x="0" y="0"/>
+          <a:ext cx="0" cy="0"/>
+          <a:chOff x="0" y="0"/>
+          <a:chExt cx="0" cy="0"/>
+        </a:xfrm>
+      </p:grpSpPr>
+      <p:sp useBgFill="1">
+        <p:nvSpPr>
+          <p:cNvPr id="8" name="Rectangle 7">
+            <a:extLst>
+              <a:ext uri="{FF2B5EF4-FFF2-40B4-BE49-F238E27FC236}">
+                <a16:creationId xmlns="" xmlns:a16="http://schemas.microsoft.com/office/drawing/2014/main" id="{3A3C2D7E-3F2E-404E-9B30-CB12DC972D50}"/>
+              </a:ext>
+              <a:ext uri="{C183D7F6-B498-43B3-948B-1728B52AA6E4}">
+                <adec:decorative xmlns="" xmlns:adec="http://schemas.microsoft.com/office/drawing/2017/decorative" val="1"/>
+              </a:ext>
+            </a:extLst>
+          </p:cNvPr>
+          <p:cNvSpPr>
+            <a:spLocks noGrp="1" noRot="1" noChangeAspect="1" noMove="1" noResize="1" noEditPoints="1" noAdjustHandles="1" noChangeArrowheads="1" noChangeShapeType="1" noTextEdit="1"/>
+          </p:cNvSpPr>
+          <p:nvPr>
+            <p:extLst>
+              <p:ext uri="{386F3935-93C4-4BCD-93E2-E3B085C9AB24}">
+                <p16:designElem xmlns="" xmlns:p16="http://schemas.microsoft.com/office/powerpoint/2015/main" val="1"/>
+              </p:ext>
+            </p:extLst>
+          </p:nvPr>
+        </p:nvSpPr>
+        <p:spPr>
+          <a:xfrm>
+            <a:off x="1" y="0"/>
+            <a:ext cx="12192000" cy="6858000"/>
+          </a:xfrm>
+          <a:prstGeom prst="rect">
+            <a:avLst/>
+          </a:prstGeom>
+          <a:ln>
+            <a:noFill/>
+          </a:ln>
+        </p:spPr>
+        <p:style>
+          <a:lnRef idx="2">
+            <a:schemeClr val="accent1">
+              <a:shade val="50000"/>
+            </a:schemeClr>
+          </a:lnRef>
+          <a:fillRef idx="1">
+            <a:schemeClr val="accent1"/>
+          </a:fillRef>
+          <a:effectRef idx="0">
+            <a:schemeClr val="accent1"/>
+          </a:effectRef>
+          <a:fontRef idx="minor">
+            <a:schemeClr val="lt1"/>
+          </a:fontRef>
+        </p:style>
+        <p:txBody>
+          <a:bodyPr rtlCol="0" anchor="ctr"/>
+          <a:lstStyle/>
+          <a:p>
+            <a:pPr algn="ctr"/>
+            <a:endParaRPr lang="en-US" dirty="0"/>
+          </a:p>
+        </p:txBody>
+      </p:sp>
+      <p:sp>
+        <p:nvSpPr>
+          <p:cNvPr id="10" name="Rectangle 9">
+            <a:extLst>
+              <a:ext uri="{FF2B5EF4-FFF2-40B4-BE49-F238E27FC236}">
+                <a16:creationId xmlns="" xmlns:a16="http://schemas.microsoft.com/office/drawing/2014/main" id="{F1F7FD00-BF97-4325-B7C2-E451F20840A7}"/>
+              </a:ext>
+              <a:ext uri="{C183D7F6-B498-43B3-948B-1728B52AA6E4}">
+                <adec:decorative xmlns="" xmlns:adec="http://schemas.microsoft.com/office/drawing/2017/decorative" val="1"/>
+              </a:ext>
+            </a:extLst>
+          </p:cNvPr>
+          <p:cNvSpPr>
+            <a:spLocks noGrp="1" noRot="1" noChangeAspect="1" noMove="1" noResize="1" noEditPoints="1" noAdjustHandles="1" noChangeArrowheads="1" noChangeShapeType="1" noTextEdit="1"/>
+          </p:cNvSpPr>
+          <p:nvPr>
+            <p:extLst>
+              <p:ext uri="{386F3935-93C4-4BCD-93E2-E3B085C9AB24}">
+                <p16:designElem xmlns="" xmlns:p16="http://schemas.microsoft.com/office/powerpoint/2015/main" val="1"/>
+              </p:ext>
+            </p:extLst>
+          </p:nvPr>
+        </p:nvSpPr>
+        <p:spPr>
+          <a:xfrm>
+            <a:off x="0" y="0"/>
+            <a:ext cx="12192000" cy="2306695"/>
+          </a:xfrm>
+          <a:prstGeom prst="rect">
+            <a:avLst/>
+          </a:prstGeom>
+          <a:solidFill>
+            <a:schemeClr val="tx2">
+              <a:lumMod val="50000"/>
+            </a:schemeClr>
+          </a:solidFill>
+          <a:ln>
+            <a:noFill/>
+          </a:ln>
+          <a:effectLst/>
+        </p:spPr>
+        <p:style>
+          <a:lnRef idx="1">
+            <a:schemeClr val="accent1"/>
+          </a:lnRef>
+          <a:fillRef idx="3">
+            <a:schemeClr val="accent1"/>
+          </a:fillRef>
+          <a:effectRef idx="2">
+            <a:schemeClr val="accent1"/>
+          </a:effectRef>
+          <a:fontRef idx="minor">
+            <a:schemeClr val="lt1"/>
+          </a:fontRef>
+        </p:style>
+      </p:sp>
+      <p:sp>
+        <p:nvSpPr>
+          <p:cNvPr id="2" name="Title 1">
+            <a:extLst>
+              <a:ext uri="{FF2B5EF4-FFF2-40B4-BE49-F238E27FC236}">
+                <a16:creationId xmlns="" xmlns:a16="http://schemas.microsoft.com/office/drawing/2014/main" id="{BA2BFF53-F080-4837-B3FC-77C4CC391CF6}"/>
+              </a:ext>
+            </a:extLst>
+          </p:cNvPr>
+          <p:cNvSpPr>
+            <a:spLocks noGrp="1"/>
+          </p:cNvSpPr>
+          <p:nvPr>
+            <p:ph type="title"/>
+          </p:nvPr>
+        </p:nvSpPr>
+        <p:spPr/>
+        <p:txBody>
+          <a:bodyPr>
+            <a:normAutofit/>
+          </a:bodyPr>
+          <a:lstStyle/>
+          <a:p>
+            <a:r>
+              <a:rPr lang="en-GB" b="1" dirty="0">
+                <a:solidFill>
+                  <a:srgbClr val="FFFFFF"/>
+                </a:solidFill>
+              </a:rPr>
+              <a:t>Idea </a:t>
+            </a:r>
+            <a:r>
+              <a:rPr lang="en-GB" b="1" dirty="0" smtClean="0">
+                <a:solidFill>
+                  <a:srgbClr val="FFFFFF"/>
+                </a:solidFill>
+              </a:rPr>
+              <a:t>Defence Presentation</a:t>
+            </a:r>
+            <a:endParaRPr lang="x-none" b="1">
+              <a:solidFill>
+                <a:srgbClr val="FFFFFF"/>
+              </a:solidFill>
+            </a:endParaRPr>
+          </a:p>
+        </p:txBody>
+      </p:sp>
+      <p:sp>
+        <p:nvSpPr>
+          <p:cNvPr id="3" name="Content Placeholder 2">
+            <a:extLst>
+              <a:ext uri="{FF2B5EF4-FFF2-40B4-BE49-F238E27FC236}">
+                <a16:creationId xmlns="" xmlns:a16="http://schemas.microsoft.com/office/drawing/2014/main" id="{5AE71383-70B6-4A9E-A22E-EE6057E31C1C}"/>
+              </a:ext>
+            </a:extLst>
+          </p:cNvPr>
+          <p:cNvSpPr>
+            <a:spLocks noGrp="1"/>
+          </p:cNvSpPr>
+          <p:nvPr>
+            <p:ph sz="half" idx="1"/>
+          </p:nvPr>
+        </p:nvSpPr>
+        <p:spPr>
+          <a:xfrm>
+            <a:off x="783771" y="2416628"/>
+            <a:ext cx="10424160" cy="4219303"/>
+          </a:xfrm>
+        </p:spPr>
+        <p:txBody>
+          <a:bodyPr vert="horz" lIns="91440" tIns="45720" rIns="91440" bIns="45720" rtlCol="0" anchor="t">
+            <a:normAutofit fontScale="92500" lnSpcReduction="20000"/>
+          </a:bodyPr>
+          <a:lstStyle/>
+          <a:p>
+            <a:pPr lvl="0">
+              <a:buNone/>
+            </a:pPr>
+            <a:endParaRPr lang="en-GB" sz="4000" b="1" dirty="0"/>
+          </a:p>
+          <a:p>
+            <a:pPr marL="0" indent="0">
+              <a:buNone/>
+            </a:pPr>
+            <a:r>
+              <a:rPr lang="en-US" sz="4000" dirty="0"/>
+              <a:t>Supervisor</a:t>
+            </a:r>
+          </a:p>
+          <a:p>
+            <a:pPr algn="ctr">
+              <a:buFont typeface="Wingdings" charset="2"/>
+              <a:buChar char="Ø"/>
+            </a:pPr>
+            <a:r>
+              <a:rPr lang="en-US" sz="4000" dirty="0"/>
+              <a:t> </a:t>
+            </a:r>
+            <a:r>
+              <a:rPr lang="en-US" sz="4300" dirty="0"/>
+              <a:t> Dr. Sheikh Faisal Rasheed</a:t>
+            </a:r>
+          </a:p>
+          <a:p>
+            <a:pPr marL="0" indent="0">
+              <a:buNone/>
+            </a:pPr>
+            <a:r>
+              <a:rPr lang="en-US" sz="4300" dirty="0"/>
+              <a:t>Co-Advisor</a:t>
+            </a:r>
+          </a:p>
+          <a:p>
+            <a:pPr marL="571500" indent="-571500" algn="ctr">
+              <a:buFont typeface="Wingdings" charset="2"/>
+              <a:buChar char="Ø"/>
+            </a:pPr>
+            <a:r>
+              <a:rPr lang="en-US" sz="4300" dirty="0"/>
+              <a:t> Mr. Ahmad Awais </a:t>
+            </a:r>
+            <a:endParaRPr lang="en-US" dirty="0"/>
+          </a:p>
+          <a:p>
+            <a:pPr marL="0" indent="0">
+              <a:buNone/>
+            </a:pPr>
+            <a:endParaRPr lang="en-US" sz="4300" dirty="0"/>
+          </a:p>
+          <a:p>
+            <a:pPr marL="0" indent="0">
+              <a:buNone/>
+            </a:pPr>
+            <a:r>
+              <a:rPr lang="en-US" sz="2400" dirty="0"/>
+              <a:t>        </a:t>
+            </a:r>
+            <a:r>
+              <a:rPr lang="en-US" sz="2400" dirty="0">
+                <a:solidFill>
+                  <a:srgbClr val="FF0000"/>
+                </a:solidFill>
+              </a:rPr>
+              <a:t>Computer Science and Engineering Department, </a:t>
+            </a:r>
+            <a:r>
+              <a:rPr lang="en-US" sz="2400" dirty="0" smtClean="0">
+                <a:solidFill>
+                  <a:srgbClr val="FF0000"/>
+                </a:solidFill>
+              </a:rPr>
+              <a:t>UET Lahore.</a:t>
+            </a:r>
+            <a:endParaRPr lang="en-US" sz="2400" dirty="0">
+              <a:solidFill>
+                <a:srgbClr val="FF0000"/>
+              </a:solidFill>
+            </a:endParaRPr>
+          </a:p>
+          <a:p>
+            <a:pPr marL="0" indent="0">
+              <a:buNone/>
+            </a:pPr>
+            <a:endParaRPr lang="en-GB" sz="2900" b="1" dirty="0">
+              <a:solidFill>
+                <a:srgbClr val="FF0000"/>
+              </a:solidFill>
+            </a:endParaRPr>
+          </a:p>
+        </p:txBody>
+      </p:sp>
+      <p:sp>
+        <p:nvSpPr>
+          <p:cNvPr id="12" name="Freeform 11">
+            <a:extLst>
+              <a:ext uri="{FF2B5EF4-FFF2-40B4-BE49-F238E27FC236}">
+                <a16:creationId xmlns="" xmlns:a16="http://schemas.microsoft.com/office/drawing/2014/main" id="{179B5294-DA4E-4926-B14A-DD6E07A12F67}"/>
+              </a:ext>
+              <a:ext uri="{C183D7F6-B498-43B3-948B-1728B52AA6E4}">
+                <adec:decorative xmlns="" xmlns:adec="http://schemas.microsoft.com/office/drawing/2017/decorative" val="1"/>
+              </a:ext>
+            </a:extLst>
+          </p:cNvPr>
+          <p:cNvSpPr>
+            <a:spLocks noGrp="1" noRot="1" noChangeAspect="1" noMove="1" noResize="1" noEditPoints="1" noAdjustHandles="1" noChangeArrowheads="1" noChangeShapeType="1" noTextEdit="1"/>
+          </p:cNvSpPr>
+          <p:nvPr>
+            <p:extLst>
+              <p:ext uri="{386F3935-93C4-4BCD-93E2-E3B085C9AB24}">
+                <p16:designElem xmlns="" xmlns:p16="http://schemas.microsoft.com/office/powerpoint/2015/main" val="1"/>
+              </p:ext>
+            </p:extLst>
+          </p:nvPr>
+        </p:nvSpPr>
+        <p:spPr bwMode="auto">
+          <a:xfrm flipV="1">
+            <a:off x="-4189" y="714375"/>
+            <a:ext cx="1588527" cy="507297"/>
+          </a:xfrm>
+          <a:custGeom>
+            <a:avLst/>
+            <a:gdLst/>
+            <a:ahLst/>
+            <a:cxnLst/>
+            <a:rect l="l" t="t" r="r" b="b"/>
+            <a:pathLst>
+              <a:path w="9248" h="10000">
+                <a:moveTo>
+                  <a:pt x="9248" y="4701"/>
+                </a:moveTo>
+                <a:lnTo>
+                  <a:pt x="7915" y="188"/>
+                </a:lnTo>
+                <a:cubicBezTo>
+                  <a:pt x="7906" y="156"/>
+                  <a:pt x="7895" y="126"/>
+                  <a:pt x="7886" y="94"/>
+                </a:cubicBezTo>
+                <a:cubicBezTo>
+                  <a:pt x="7859" y="0"/>
+                  <a:pt x="7831" y="0"/>
+                  <a:pt x="7803" y="0"/>
+                </a:cubicBezTo>
+                <a:lnTo>
+                  <a:pt x="7275" y="0"/>
+                </a:lnTo>
+                <a:lnTo>
+                  <a:pt x="0" y="70"/>
+                </a:lnTo>
+                <a:cubicBezTo>
+                  <a:pt x="8" y="3380"/>
+                  <a:pt x="17" y="6690"/>
+                  <a:pt x="25" y="10000"/>
+                </a:cubicBezTo>
+                <a:lnTo>
+                  <a:pt x="7275" y="9966"/>
+                </a:lnTo>
+                <a:lnTo>
+                  <a:pt x="7803" y="9966"/>
+                </a:lnTo>
+                <a:cubicBezTo>
+                  <a:pt x="7831" y="9966"/>
+                  <a:pt x="7859" y="9872"/>
+                  <a:pt x="7886" y="9872"/>
+                </a:cubicBezTo>
+                <a:cubicBezTo>
+                  <a:pt x="7886" y="9778"/>
+                  <a:pt x="7915" y="9778"/>
+                  <a:pt x="7915" y="9778"/>
+                </a:cubicBezTo>
+                <a:lnTo>
+                  <a:pt x="9248" y="5265"/>
+                </a:lnTo>
+                <a:cubicBezTo>
+                  <a:pt x="9303" y="5077"/>
+                  <a:pt x="9303" y="4889"/>
+                  <a:pt x="9248" y="4701"/>
+                </a:cubicBezTo>
+                <a:close/>
+              </a:path>
+            </a:pathLst>
+          </a:custGeom>
+          <a:solidFill>
+            <a:schemeClr val="accent1"/>
+          </a:solidFill>
+          <a:ln>
+            <a:noFill/>
+          </a:ln>
+        </p:spPr>
+      </p:sp>
+    </p:spTree>
+    <p:extLst>
+      <p:ext uri="{BB962C8B-B14F-4D97-AF65-F5344CB8AC3E}">
+        <p14:creationId xmlns:p14="http://schemas.microsoft.com/office/powerpoint/2010/main" xmlns="" val="3974696075"/>
+      </p:ext>
+    </p:extLst>
+  </p:cSld>
+  <p:clrMapOvr>
+    <a:masterClrMapping/>
+  </p:clrMapOvr>
+  <p:transition spd="med">
+    <p:pull dir="d"/>
+  </p:transition>
+  <p:timing>
+    <p:tnLst>
+      <p:par>
+        <p:cTn id="1" dur="indefinite" restart="never" nodeType="tmRoot"/>
+      </p:par>
+    </p:tnLst>
+  </p:timing>
+</p:sld>
+</file>
+
+<file path=ppt/slides/slide20.xml><?xml version="1.0" encoding="utf-8"?>
+<p:sld xmlns:a="http://schemas.openxmlformats.org/drawingml/2006/main" xmlns:r="http://schemas.openxmlformats.org/officeDocument/2006/relationships" xmlns:p="http://schemas.openxmlformats.org/presentationml/2006/main">
+  <p:cSld>
     <p:spTree>
       <p:nvGrpSpPr>
         <p:cNvPr id="1" name=""/>
@@ -40580,7 +40878,7 @@
           <p:cNvPr id="2" name="Title 1">
             <a:extLst>
               <a:ext uri="{FF2B5EF4-FFF2-40B4-BE49-F238E27FC236}">
-                <a16:creationId xmlns:a16="http://schemas.microsoft.com/office/drawing/2014/main" xmlns="" id="{BA2BFF53-F080-4837-B3FC-77C4CC391CF6}"/>
+                <a16:creationId xmlns:a16="http://schemas.microsoft.com/office/drawing/2014/main" xmlns="" id="{A875E76E-82C7-4FA8-9842-E997F8767AB0}"/>
               </a:ext>
             </a:extLst>
           </p:cNvPr>
@@ -40591,7 +40889,12 @@
             <p:ph type="title"/>
           </p:nvPr>
         </p:nvSpPr>
-        <p:spPr/>
+        <p:spPr>
+          <a:xfrm>
+            <a:off x="1843391" y="624110"/>
+            <a:ext cx="9383408" cy="1280890"/>
+          </a:xfrm>
+        </p:spPr>
         <p:txBody>
           <a:bodyPr>
             <a:normAutofit/>
@@ -40599,12 +40902,20 @@
           <a:lstStyle/>
           <a:p>
             <a:r>
+              <a:rPr lang="en-GB" b="1" dirty="0" smtClean="0">
+                <a:solidFill>
+                  <a:srgbClr val="FFFFFF"/>
+                </a:solidFill>
+              </a:rPr>
+              <a:t>14. </a:t>
+            </a:r>
+            <a:r>
               <a:rPr lang="en-GB" b="1" dirty="0">
                 <a:solidFill>
                   <a:srgbClr val="FFFFFF"/>
                 </a:solidFill>
               </a:rPr>
-              <a:t>Idea </a:t>
+              <a:t>POSSIBLE </a:t>
             </a:r>
             <a:r>
               <a:rPr lang="en-GB" b="1" dirty="0" smtClean="0">
@@ -40612,135 +40923,19 @@
                   <a:srgbClr val="FFFFFF"/>
                 </a:solidFill>
               </a:rPr>
-              <a:t>Defence Presentation</a:t>
+              <a:t>APPLICATIONS </a:t>
             </a:r>
-            <a:endParaRPr lang="x-none" b="1">
+            <a:r>
+              <a:rPr lang="en-GB" b="1" dirty="0">
+                <a:solidFill>
+                  <a:srgbClr val="FFFFFF"/>
+                </a:solidFill>
+              </a:rPr>
+              <a:t>OF WORK </a:t>
+            </a:r>
+            <a:endParaRPr lang="x-none" b="1" dirty="0">
               <a:solidFill>
                 <a:srgbClr val="FFFFFF"/>
-              </a:solidFill>
-            </a:endParaRPr>
-          </a:p>
-        </p:txBody>
-      </p:sp>
-      <p:sp>
-        <p:nvSpPr>
-          <p:cNvPr id="3" name="Content Placeholder 2">
-            <a:extLst>
-              <a:ext uri="{FF2B5EF4-FFF2-40B4-BE49-F238E27FC236}">
-                <a16:creationId xmlns:a16="http://schemas.microsoft.com/office/drawing/2014/main" xmlns="" id="{5AE71383-70B6-4A9E-A22E-EE6057E31C1C}"/>
-              </a:ext>
-            </a:extLst>
-          </p:cNvPr>
-          <p:cNvSpPr>
-            <a:spLocks noGrp="1"/>
-          </p:cNvSpPr>
-          <p:nvPr>
-            <p:ph sz="half" idx="1"/>
-          </p:nvPr>
-        </p:nvSpPr>
-        <p:spPr>
-          <a:xfrm>
-            <a:off x="783771" y="2416628"/>
-            <a:ext cx="10424160" cy="4219303"/>
-          </a:xfrm>
-        </p:spPr>
-        <p:txBody>
-          <a:bodyPr vert="horz" lIns="91440" tIns="45720" rIns="91440" bIns="45720" rtlCol="0" anchor="t">
-            <a:normAutofit fontScale="92500" lnSpcReduction="20000"/>
-          </a:bodyPr>
-          <a:lstStyle/>
-          <a:p>
-            <a:pPr lvl="0">
-              <a:buNone/>
-            </a:pPr>
-            <a:endParaRPr lang="en-GB" sz="4000" b="1" dirty="0"/>
-          </a:p>
-          <a:p>
-            <a:pPr marL="0" indent="0">
-              <a:buNone/>
-            </a:pPr>
-            <a:r>
-              <a:rPr lang="en-US" sz="4000" dirty="0"/>
-              <a:t>Supervisor</a:t>
-            </a:r>
-          </a:p>
-          <a:p>
-            <a:pPr algn="ctr">
-              <a:buFont typeface="Wingdings" charset="2"/>
-              <a:buChar char="Ø"/>
-            </a:pPr>
-            <a:r>
-              <a:rPr lang="en-US" sz="4000" dirty="0"/>
-              <a:t> </a:t>
-            </a:r>
-            <a:r>
-              <a:rPr lang="en-US" sz="4300" dirty="0"/>
-              <a:t> Dr. Sheikh Faisal Rasheed</a:t>
-            </a:r>
-          </a:p>
-          <a:p>
-            <a:pPr marL="0" indent="0">
-              <a:buNone/>
-            </a:pPr>
-            <a:r>
-              <a:rPr lang="en-US" sz="4300" dirty="0"/>
-              <a:t>Co-Advisor</a:t>
-            </a:r>
-          </a:p>
-          <a:p>
-            <a:pPr marL="571500" indent="-571500" algn="ctr">
-              <a:buFont typeface="Wingdings" charset="2"/>
-              <a:buChar char="Ø"/>
-            </a:pPr>
-            <a:r>
-              <a:rPr lang="en-US" sz="4300" dirty="0"/>
-              <a:t> Mr. Ahmad Awais </a:t>
-            </a:r>
-            <a:endParaRPr lang="en-US" dirty="0"/>
-          </a:p>
-          <a:p>
-            <a:pPr marL="0" indent="0">
-              <a:buNone/>
-            </a:pPr>
-            <a:endParaRPr lang="en-US" sz="4300" dirty="0"/>
-          </a:p>
-          <a:p>
-            <a:pPr marL="0" indent="0">
-              <a:buNone/>
-            </a:pPr>
-            <a:r>
-              <a:rPr lang="en-US" sz="2400" dirty="0"/>
-              <a:t>        </a:t>
-            </a:r>
-            <a:r>
-              <a:rPr lang="en-US" sz="2400" dirty="0">
-                <a:solidFill>
-                  <a:srgbClr val="FF0000"/>
-                </a:solidFill>
-              </a:rPr>
-              <a:t>Computer Science and Engineering Department, </a:t>
-            </a:r>
-            <a:r>
-              <a:rPr lang="en-US" sz="2400" dirty="0" smtClean="0">
-                <a:solidFill>
-                  <a:srgbClr val="FF0000"/>
-                </a:solidFill>
-              </a:rPr>
-              <a:t>UET Lahore.</a:t>
-            </a:r>
-            <a:endParaRPr lang="en-US" sz="2400" dirty="0">
-              <a:solidFill>
-                <a:srgbClr val="FF0000"/>
-              </a:solidFill>
-            </a:endParaRPr>
-          </a:p>
-          <a:p>
-            <a:pPr marL="0" indent="0">
-              <a:buNone/>
-            </a:pPr>
-            <a:endParaRPr lang="en-GB" sz="2900" b="1" dirty="0">
-              <a:solidFill>
-                <a:srgbClr val="FF0000"/>
               </a:solidFill>
             </a:endParaRPr>
           </a:p>
@@ -40845,10 +41040,30 @@
           </a:ln>
         </p:spPr>
       </p:sp>
+      <p:graphicFrame>
+        <p:nvGraphicFramePr>
+          <p:cNvPr id="11" name="Content Placeholder 10"/>
+          <p:cNvGraphicFramePr>
+            <a:graphicFrameLocks noGrp="1"/>
+          </p:cNvGraphicFramePr>
+          <p:nvPr>
+            <p:ph idx="1"/>
+          </p:nvPr>
+        </p:nvGraphicFramePr>
+        <p:xfrm>
+          <a:off x="1939158" y="2695903"/>
+          <a:ext cx="7788165" cy="3752194"/>
+        </p:xfrm>
+        <a:graphic>
+          <a:graphicData uri="http://schemas.openxmlformats.org/drawingml/2006/diagram">
+            <dgm:relIds xmlns:dgm="http://schemas.openxmlformats.org/drawingml/2006/diagram" xmlns:r="http://schemas.openxmlformats.org/officeDocument/2006/relationships" r:dm="rId2" r:lo="rId3" r:qs="rId4" r:cs="rId5"/>
+          </a:graphicData>
+        </a:graphic>
+      </p:graphicFrame>
     </p:spTree>
     <p:extLst>
       <p:ext uri="{BB962C8B-B14F-4D97-AF65-F5344CB8AC3E}">
-        <p14:creationId xmlns="" xmlns:p14="http://schemas.microsoft.com/office/powerpoint/2010/main" val="3974696075"/>
+        <p14:creationId xmlns:p14="http://schemas.microsoft.com/office/powerpoint/2010/main" xmlns="" val="119922345"/>
       </p:ext>
     </p:extLst>
   </p:cSld>
@@ -40868,7 +41083,7 @@
 </p:sld>
 </file>
 
-<file path=ppt/slides/slide20.xml><?xml version="1.0" encoding="utf-8"?>
+<file path=ppt/slides/slide21.xml><?xml version="1.0" encoding="utf-8"?>
 <p:sld xmlns:a="http://schemas.openxmlformats.org/drawingml/2006/main" xmlns:r="http://schemas.openxmlformats.org/officeDocument/2006/relationships" xmlns:p="http://schemas.openxmlformats.org/presentationml/2006/main">
   <p:cSld>
     <p:spTree>
@@ -41006,7 +41221,7 @@
           <p:cNvPr id="2" name="Title 1">
             <a:extLst>
               <a:ext uri="{FF2B5EF4-FFF2-40B4-BE49-F238E27FC236}">
-                <a16:creationId xmlns="" xmlns:a16="http://schemas.microsoft.com/office/drawing/2014/main" id="{A875E76E-82C7-4FA8-9842-E997F8767AB0}"/>
+                <a16:creationId xmlns="" xmlns:a16="http://schemas.microsoft.com/office/drawing/2014/main" id="{705EB085-B337-4199-A40E-269BA49121BE}"/>
               </a:ext>
             </a:extLst>
           </p:cNvPr>
@@ -41035,7 +41250,7 @@
                   <a:srgbClr val="FFFFFF"/>
                 </a:solidFill>
               </a:rPr>
-              <a:t>14. </a:t>
+              <a:t>15. </a:t>
             </a:r>
             <a:r>
               <a:rPr lang="en-GB" b="1" dirty="0">
@@ -41043,25 +41258,9 @@
                   <a:srgbClr val="FFFFFF"/>
                 </a:solidFill>
               </a:rPr>
-              <a:t>POSSIBLE </a:t>
+              <a:t>FEASIBILITY STUDY </a:t>
             </a:r>
-            <a:r>
-              <a:rPr lang="en-GB" b="1" dirty="0" smtClean="0">
-                <a:solidFill>
-                  <a:srgbClr val="FFFFFF"/>
-                </a:solidFill>
-              </a:rPr>
-              <a:t>APPLICATIONS </a:t>
-            </a:r>
-            <a:r>
-              <a:rPr lang="en-GB" b="1" dirty="0">
-                <a:solidFill>
-                  <a:srgbClr val="FFFFFF"/>
-                </a:solidFill>
-              </a:rPr>
-              <a:t>OF WORK </a:t>
-            </a:r>
-            <a:endParaRPr lang="x-none" b="1" dirty="0">
+            <a:endParaRPr lang="x-none" b="1">
               <a:solidFill>
                 <a:srgbClr val="FFFFFF"/>
               </a:solidFill>
@@ -41170,333 +41369,6 @@
       </p:sp>
       <p:graphicFrame>
         <p:nvGraphicFramePr>
-          <p:cNvPr id="11" name="Content Placeholder 10"/>
-          <p:cNvGraphicFramePr>
-            <a:graphicFrameLocks noGrp="1"/>
-          </p:cNvGraphicFramePr>
-          <p:nvPr>
-            <p:ph idx="1"/>
-          </p:nvPr>
-        </p:nvGraphicFramePr>
-        <p:xfrm>
-          <a:off x="1939158" y="2695903"/>
-          <a:ext cx="7788165" cy="3752194"/>
-        </p:xfrm>
-        <a:graphic>
-          <a:graphicData uri="http://schemas.openxmlformats.org/drawingml/2006/diagram">
-            <dgm:relIds xmlns:dgm="http://schemas.openxmlformats.org/drawingml/2006/diagram" xmlns:r="http://schemas.openxmlformats.org/officeDocument/2006/relationships" r:dm="rId2" r:lo="rId3" r:qs="rId4" r:cs="rId5"/>
-          </a:graphicData>
-        </a:graphic>
-      </p:graphicFrame>
-    </p:spTree>
-    <p:extLst>
-      <p:ext uri="{BB962C8B-B14F-4D97-AF65-F5344CB8AC3E}">
-        <p14:creationId xmlns="" xmlns:p14="http://schemas.microsoft.com/office/powerpoint/2010/main" val="119922345"/>
-      </p:ext>
-    </p:extLst>
-  </p:cSld>
-  <p:clrMapOvr>
-    <a:masterClrMapping/>
-  </p:clrMapOvr>
-  <p:transition spd="med">
-    <p:pull dir="d"/>
-  </p:transition>
-  <p:timing>
-    <p:tnLst>
-      <p:par>
-        <p:cTn id="1" dur="indefinite" restart="never" nodeType="tmRoot"/>
-      </p:par>
-    </p:tnLst>
-  </p:timing>
-</p:sld>
-</file>
-
-<file path=ppt/slides/slide21.xml><?xml version="1.0" encoding="utf-8"?>
-<p:sld xmlns:a="http://schemas.openxmlformats.org/drawingml/2006/main" xmlns:r="http://schemas.openxmlformats.org/officeDocument/2006/relationships" xmlns:p="http://schemas.openxmlformats.org/presentationml/2006/main">
-  <p:cSld>
-    <p:spTree>
-      <p:nvGrpSpPr>
-        <p:cNvPr id="1" name=""/>
-        <p:cNvGrpSpPr/>
-        <p:nvPr/>
-      </p:nvGrpSpPr>
-      <p:grpSpPr>
-        <a:xfrm>
-          <a:off x="0" y="0"/>
-          <a:ext cx="0" cy="0"/>
-          <a:chOff x="0" y="0"/>
-          <a:chExt cx="0" cy="0"/>
-        </a:xfrm>
-      </p:grpSpPr>
-      <p:sp useBgFill="1">
-        <p:nvSpPr>
-          <p:cNvPr id="8" name="Rectangle 7">
-            <a:extLst>
-              <a:ext uri="{FF2B5EF4-FFF2-40B4-BE49-F238E27FC236}">
-                <a16:creationId xmlns:a16="http://schemas.microsoft.com/office/drawing/2014/main" xmlns="" id="{3A3C2D7E-3F2E-404E-9B30-CB12DC972D50}"/>
-              </a:ext>
-              <a:ext uri="{C183D7F6-B498-43B3-948B-1728B52AA6E4}">
-                <adec:decorative xmlns:adec="http://schemas.microsoft.com/office/drawing/2017/decorative" xmlns="" val="1"/>
-              </a:ext>
-            </a:extLst>
-          </p:cNvPr>
-          <p:cNvSpPr>
-            <a:spLocks noGrp="1" noRot="1" noChangeAspect="1" noMove="1" noResize="1" noEditPoints="1" noAdjustHandles="1" noChangeArrowheads="1" noChangeShapeType="1" noTextEdit="1"/>
-          </p:cNvSpPr>
-          <p:nvPr>
-            <p:extLst>
-              <p:ext uri="{386F3935-93C4-4BCD-93E2-E3B085C9AB24}">
-                <p16:designElem xmlns:p16="http://schemas.microsoft.com/office/powerpoint/2015/main" xmlns="" val="1"/>
-              </p:ext>
-            </p:extLst>
-          </p:nvPr>
-        </p:nvSpPr>
-        <p:spPr>
-          <a:xfrm>
-            <a:off x="1" y="0"/>
-            <a:ext cx="12192000" cy="6858000"/>
-          </a:xfrm>
-          <a:prstGeom prst="rect">
-            <a:avLst/>
-          </a:prstGeom>
-          <a:ln>
-            <a:noFill/>
-          </a:ln>
-        </p:spPr>
-        <p:style>
-          <a:lnRef idx="2">
-            <a:schemeClr val="accent1">
-              <a:shade val="50000"/>
-            </a:schemeClr>
-          </a:lnRef>
-          <a:fillRef idx="1">
-            <a:schemeClr val="accent1"/>
-          </a:fillRef>
-          <a:effectRef idx="0">
-            <a:schemeClr val="accent1"/>
-          </a:effectRef>
-          <a:fontRef idx="minor">
-            <a:schemeClr val="lt1"/>
-          </a:fontRef>
-        </p:style>
-        <p:txBody>
-          <a:bodyPr rtlCol="0" anchor="ctr"/>
-          <a:lstStyle/>
-          <a:p>
-            <a:pPr algn="ctr"/>
-            <a:endParaRPr lang="en-US" dirty="0"/>
-          </a:p>
-        </p:txBody>
-      </p:sp>
-      <p:sp>
-        <p:nvSpPr>
-          <p:cNvPr id="10" name="Rectangle 9">
-            <a:extLst>
-              <a:ext uri="{FF2B5EF4-FFF2-40B4-BE49-F238E27FC236}">
-                <a16:creationId xmlns:a16="http://schemas.microsoft.com/office/drawing/2014/main" xmlns="" id="{F1F7FD00-BF97-4325-B7C2-E451F20840A7}"/>
-              </a:ext>
-              <a:ext uri="{C183D7F6-B498-43B3-948B-1728B52AA6E4}">
-                <adec:decorative xmlns:adec="http://schemas.microsoft.com/office/drawing/2017/decorative" xmlns="" val="1"/>
-              </a:ext>
-            </a:extLst>
-          </p:cNvPr>
-          <p:cNvSpPr>
-            <a:spLocks noGrp="1" noRot="1" noChangeAspect="1" noMove="1" noResize="1" noEditPoints="1" noAdjustHandles="1" noChangeArrowheads="1" noChangeShapeType="1" noTextEdit="1"/>
-          </p:cNvSpPr>
-          <p:nvPr>
-            <p:extLst>
-              <p:ext uri="{386F3935-93C4-4BCD-93E2-E3B085C9AB24}">
-                <p16:designElem xmlns:p16="http://schemas.microsoft.com/office/powerpoint/2015/main" xmlns="" val="1"/>
-              </p:ext>
-            </p:extLst>
-          </p:nvPr>
-        </p:nvSpPr>
-        <p:spPr>
-          <a:xfrm>
-            <a:off x="0" y="0"/>
-            <a:ext cx="12192000" cy="2306695"/>
-          </a:xfrm>
-          <a:prstGeom prst="rect">
-            <a:avLst/>
-          </a:prstGeom>
-          <a:solidFill>
-            <a:schemeClr val="tx2">
-              <a:lumMod val="50000"/>
-            </a:schemeClr>
-          </a:solidFill>
-          <a:ln>
-            <a:noFill/>
-          </a:ln>
-          <a:effectLst/>
-        </p:spPr>
-        <p:style>
-          <a:lnRef idx="1">
-            <a:schemeClr val="accent1"/>
-          </a:lnRef>
-          <a:fillRef idx="3">
-            <a:schemeClr val="accent1"/>
-          </a:fillRef>
-          <a:effectRef idx="2">
-            <a:schemeClr val="accent1"/>
-          </a:effectRef>
-          <a:fontRef idx="minor">
-            <a:schemeClr val="lt1"/>
-          </a:fontRef>
-        </p:style>
-      </p:sp>
-      <p:sp>
-        <p:nvSpPr>
-          <p:cNvPr id="2" name="Title 1">
-            <a:extLst>
-              <a:ext uri="{FF2B5EF4-FFF2-40B4-BE49-F238E27FC236}">
-                <a16:creationId xmlns:a16="http://schemas.microsoft.com/office/drawing/2014/main" xmlns="" id="{705EB085-B337-4199-A40E-269BA49121BE}"/>
-              </a:ext>
-            </a:extLst>
-          </p:cNvPr>
-          <p:cNvSpPr>
-            <a:spLocks noGrp="1"/>
-          </p:cNvSpPr>
-          <p:nvPr>
-            <p:ph type="title"/>
-          </p:nvPr>
-        </p:nvSpPr>
-        <p:spPr>
-          <a:xfrm>
-            <a:off x="1843391" y="624110"/>
-            <a:ext cx="9383408" cy="1280890"/>
-          </a:xfrm>
-        </p:spPr>
-        <p:txBody>
-          <a:bodyPr>
-            <a:normAutofit/>
-          </a:bodyPr>
-          <a:lstStyle/>
-          <a:p>
-            <a:r>
-              <a:rPr lang="en-GB" b="1" dirty="0" smtClean="0">
-                <a:solidFill>
-                  <a:srgbClr val="FFFFFF"/>
-                </a:solidFill>
-              </a:rPr>
-              <a:t>15. </a:t>
-            </a:r>
-            <a:r>
-              <a:rPr lang="en-GB" b="1" dirty="0">
-                <a:solidFill>
-                  <a:srgbClr val="FFFFFF"/>
-                </a:solidFill>
-              </a:rPr>
-              <a:t>FEASIBILITY STUDY </a:t>
-            </a:r>
-            <a:endParaRPr lang="x-none" b="1">
-              <a:solidFill>
-                <a:srgbClr val="FFFFFF"/>
-              </a:solidFill>
-            </a:endParaRPr>
-          </a:p>
-        </p:txBody>
-      </p:sp>
-      <p:sp>
-        <p:nvSpPr>
-          <p:cNvPr id="12" name="Freeform 11">
-            <a:extLst>
-              <a:ext uri="{FF2B5EF4-FFF2-40B4-BE49-F238E27FC236}">
-                <a16:creationId xmlns:a16="http://schemas.microsoft.com/office/drawing/2014/main" xmlns="" id="{179B5294-DA4E-4926-B14A-DD6E07A12F67}"/>
-              </a:ext>
-              <a:ext uri="{C183D7F6-B498-43B3-948B-1728B52AA6E4}">
-                <adec:decorative xmlns:adec="http://schemas.microsoft.com/office/drawing/2017/decorative" xmlns="" val="1"/>
-              </a:ext>
-            </a:extLst>
-          </p:cNvPr>
-          <p:cNvSpPr>
-            <a:spLocks noGrp="1" noRot="1" noChangeAspect="1" noMove="1" noResize="1" noEditPoints="1" noAdjustHandles="1" noChangeArrowheads="1" noChangeShapeType="1" noTextEdit="1"/>
-          </p:cNvSpPr>
-          <p:nvPr>
-            <p:extLst>
-              <p:ext uri="{386F3935-93C4-4BCD-93E2-E3B085C9AB24}">
-                <p16:designElem xmlns:p16="http://schemas.microsoft.com/office/powerpoint/2015/main" xmlns="" val="1"/>
-              </p:ext>
-            </p:extLst>
-          </p:nvPr>
-        </p:nvSpPr>
-        <p:spPr bwMode="auto">
-          <a:xfrm flipV="1">
-            <a:off x="-4189" y="714375"/>
-            <a:ext cx="1588527" cy="507297"/>
-          </a:xfrm>
-          <a:custGeom>
-            <a:avLst/>
-            <a:gdLst/>
-            <a:ahLst/>
-            <a:cxnLst/>
-            <a:rect l="l" t="t" r="r" b="b"/>
-            <a:pathLst>
-              <a:path w="9248" h="10000">
-                <a:moveTo>
-                  <a:pt x="9248" y="4701"/>
-                </a:moveTo>
-                <a:lnTo>
-                  <a:pt x="7915" y="188"/>
-                </a:lnTo>
-                <a:cubicBezTo>
-                  <a:pt x="7906" y="156"/>
-                  <a:pt x="7895" y="126"/>
-                  <a:pt x="7886" y="94"/>
-                </a:cubicBezTo>
-                <a:cubicBezTo>
-                  <a:pt x="7859" y="0"/>
-                  <a:pt x="7831" y="0"/>
-                  <a:pt x="7803" y="0"/>
-                </a:cubicBezTo>
-                <a:lnTo>
-                  <a:pt x="7275" y="0"/>
-                </a:lnTo>
-                <a:lnTo>
-                  <a:pt x="0" y="70"/>
-                </a:lnTo>
-                <a:cubicBezTo>
-                  <a:pt x="8" y="3380"/>
-                  <a:pt x="17" y="6690"/>
-                  <a:pt x="25" y="10000"/>
-                </a:cubicBezTo>
-                <a:lnTo>
-                  <a:pt x="7275" y="9966"/>
-                </a:lnTo>
-                <a:lnTo>
-                  <a:pt x="7803" y="9966"/>
-                </a:lnTo>
-                <a:cubicBezTo>
-                  <a:pt x="7831" y="9966"/>
-                  <a:pt x="7859" y="9872"/>
-                  <a:pt x="7886" y="9872"/>
-                </a:cubicBezTo>
-                <a:cubicBezTo>
-                  <a:pt x="7886" y="9778"/>
-                  <a:pt x="7915" y="9778"/>
-                  <a:pt x="7915" y="9778"/>
-                </a:cubicBezTo>
-                <a:lnTo>
-                  <a:pt x="9248" y="5265"/>
-                </a:lnTo>
-                <a:cubicBezTo>
-                  <a:pt x="9303" y="5077"/>
-                  <a:pt x="9303" y="4889"/>
-                  <a:pt x="9248" y="4701"/>
-                </a:cubicBezTo>
-                <a:close/>
-              </a:path>
-            </a:pathLst>
-          </a:custGeom>
-          <a:solidFill>
-            <a:schemeClr val="accent1"/>
-          </a:solidFill>
-          <a:ln>
-            <a:noFill/>
-          </a:ln>
-        </p:spPr>
-      </p:sp>
-      <p:graphicFrame>
-        <p:nvGraphicFramePr>
           <p:cNvPr id="9" name="Content Placeholder 8"/>
           <p:cNvGraphicFramePr>
             <a:graphicFrameLocks noGrp="1"/>
@@ -41518,7 +41390,7 @@
     </p:spTree>
     <p:extLst>
       <p:ext uri="{BB962C8B-B14F-4D97-AF65-F5344CB8AC3E}">
-        <p14:creationId xmlns="" xmlns:p14="http://schemas.microsoft.com/office/powerpoint/2010/main" val="2977952652"/>
+        <p14:creationId xmlns:p14="http://schemas.microsoft.com/office/powerpoint/2010/main" xmlns="" val="2977952652"/>
       </p:ext>
     </p:extLst>
   </p:cSld>
@@ -41586,10 +41458,10 @@
           <p:cNvPr id="8" name="Rectangle 7">
             <a:extLst>
               <a:ext uri="{FF2B5EF4-FFF2-40B4-BE49-F238E27FC236}">
-                <a16:creationId xmlns:a16="http://schemas.microsoft.com/office/drawing/2014/main" xmlns="" id="{3A3C2D7E-3F2E-404E-9B30-CB12DC972D50}"/>
+                <a16:creationId xmlns="" xmlns:a16="http://schemas.microsoft.com/office/drawing/2014/main" id="{3A3C2D7E-3F2E-404E-9B30-CB12DC972D50}"/>
               </a:ext>
               <a:ext uri="{C183D7F6-B498-43B3-948B-1728B52AA6E4}">
-                <adec:decorative xmlns:adec="http://schemas.microsoft.com/office/drawing/2017/decorative" xmlns="" val="1"/>
+                <adec:decorative xmlns="" xmlns:adec="http://schemas.microsoft.com/office/drawing/2017/decorative" val="1"/>
               </a:ext>
             </a:extLst>
           </p:cNvPr>
@@ -41599,7 +41471,7 @@
           <p:nvPr>
             <p:extLst>
               <p:ext uri="{386F3935-93C4-4BCD-93E2-E3B085C9AB24}">
-                <p16:designElem xmlns:p16="http://schemas.microsoft.com/office/powerpoint/2015/main" xmlns="" val="1"/>
+                <p16:designElem xmlns="" xmlns:p16="http://schemas.microsoft.com/office/powerpoint/2015/main" val="1"/>
               </p:ext>
             </p:extLst>
           </p:nvPr>
@@ -41646,10 +41518,10 @@
           <p:cNvPr id="10" name="Rectangle 9">
             <a:extLst>
               <a:ext uri="{FF2B5EF4-FFF2-40B4-BE49-F238E27FC236}">
-                <a16:creationId xmlns:a16="http://schemas.microsoft.com/office/drawing/2014/main" xmlns="" id="{F1F7FD00-BF97-4325-B7C2-E451F20840A7}"/>
+                <a16:creationId xmlns="" xmlns:a16="http://schemas.microsoft.com/office/drawing/2014/main" id="{F1F7FD00-BF97-4325-B7C2-E451F20840A7}"/>
               </a:ext>
               <a:ext uri="{C183D7F6-B498-43B3-948B-1728B52AA6E4}">
-                <adec:decorative xmlns:adec="http://schemas.microsoft.com/office/drawing/2017/decorative" xmlns="" val="1"/>
+                <adec:decorative xmlns="" xmlns:adec="http://schemas.microsoft.com/office/drawing/2017/decorative" val="1"/>
               </a:ext>
             </a:extLst>
           </p:cNvPr>
@@ -41659,7 +41531,7 @@
           <p:nvPr>
             <p:extLst>
               <p:ext uri="{386F3935-93C4-4BCD-93E2-E3B085C9AB24}">
-                <p16:designElem xmlns:p16="http://schemas.microsoft.com/office/powerpoint/2015/main" xmlns="" val="1"/>
+                <p16:designElem xmlns="" xmlns:p16="http://schemas.microsoft.com/office/powerpoint/2015/main" val="1"/>
               </p:ext>
             </p:extLst>
           </p:nvPr>
@@ -41702,7 +41574,7 @@
           <p:cNvPr id="2" name="Title 1">
             <a:extLst>
               <a:ext uri="{FF2B5EF4-FFF2-40B4-BE49-F238E27FC236}">
-                <a16:creationId xmlns:a16="http://schemas.microsoft.com/office/drawing/2014/main" xmlns="" id="{705EB085-B337-4199-A40E-269BA49121BE}"/>
+                <a16:creationId xmlns="" xmlns:a16="http://schemas.microsoft.com/office/drawing/2014/main" id="{705EB085-B337-4199-A40E-269BA49121BE}"/>
               </a:ext>
             </a:extLst>
           </p:cNvPr>
@@ -41762,10 +41634,10 @@
           <p:cNvPr id="12" name="Freeform 11">
             <a:extLst>
               <a:ext uri="{FF2B5EF4-FFF2-40B4-BE49-F238E27FC236}">
-                <a16:creationId xmlns:a16="http://schemas.microsoft.com/office/drawing/2014/main" xmlns="" id="{179B5294-DA4E-4926-B14A-DD6E07A12F67}"/>
+                <a16:creationId xmlns="" xmlns:a16="http://schemas.microsoft.com/office/drawing/2014/main" id="{179B5294-DA4E-4926-B14A-DD6E07A12F67}"/>
               </a:ext>
               <a:ext uri="{C183D7F6-B498-43B3-948B-1728B52AA6E4}">
-                <adec:decorative xmlns:adec="http://schemas.microsoft.com/office/drawing/2017/decorative" xmlns="" val="1"/>
+                <adec:decorative xmlns="" xmlns:adec="http://schemas.microsoft.com/office/drawing/2017/decorative" val="1"/>
               </a:ext>
             </a:extLst>
           </p:cNvPr>
@@ -41775,7 +41647,7 @@
           <p:nvPr>
             <p:extLst>
               <p:ext uri="{386F3935-93C4-4BCD-93E2-E3B085C9AB24}">
-                <p16:designElem xmlns:p16="http://schemas.microsoft.com/office/powerpoint/2015/main" xmlns="" val="1"/>
+                <p16:designElem xmlns="" xmlns:p16="http://schemas.microsoft.com/office/powerpoint/2015/main" val="1"/>
               </p:ext>
             </p:extLst>
           </p:nvPr>
@@ -41895,7 +41767,7 @@
     </p:spTree>
     <p:extLst>
       <p:ext uri="{BB962C8B-B14F-4D97-AF65-F5344CB8AC3E}">
-        <p14:creationId xmlns="" xmlns:p14="http://schemas.microsoft.com/office/powerpoint/2010/main" val="2977952652"/>
+        <p14:creationId xmlns:p14="http://schemas.microsoft.com/office/powerpoint/2010/main" xmlns="" val="2977952652"/>
       </p:ext>
     </p:extLst>
   </p:cSld>
@@ -41963,10 +41835,10 @@
           <p:cNvPr id="8" name="Rectangle 7">
             <a:extLst>
               <a:ext uri="{FF2B5EF4-FFF2-40B4-BE49-F238E27FC236}">
-                <a16:creationId xmlns:a16="http://schemas.microsoft.com/office/drawing/2014/main" xmlns="" id="{3A3C2D7E-3F2E-404E-9B30-CB12DC972D50}"/>
+                <a16:creationId xmlns="" xmlns:a16="http://schemas.microsoft.com/office/drawing/2014/main" id="{3A3C2D7E-3F2E-404E-9B30-CB12DC972D50}"/>
               </a:ext>
               <a:ext uri="{C183D7F6-B498-43B3-948B-1728B52AA6E4}">
-                <adec:decorative xmlns:adec="http://schemas.microsoft.com/office/drawing/2017/decorative" xmlns="" val="1"/>
+                <adec:decorative xmlns="" xmlns:adec="http://schemas.microsoft.com/office/drawing/2017/decorative" val="1"/>
               </a:ext>
             </a:extLst>
           </p:cNvPr>
@@ -41976,7 +41848,7 @@
           <p:nvPr>
             <p:extLst>
               <p:ext uri="{386F3935-93C4-4BCD-93E2-E3B085C9AB24}">
-                <p16:designElem xmlns:p16="http://schemas.microsoft.com/office/powerpoint/2015/main" xmlns="" val="1"/>
+                <p16:designElem xmlns="" xmlns:p16="http://schemas.microsoft.com/office/powerpoint/2015/main" val="1"/>
               </p:ext>
             </p:extLst>
           </p:nvPr>
@@ -42023,10 +41895,10 @@
           <p:cNvPr id="10" name="Rectangle 9">
             <a:extLst>
               <a:ext uri="{FF2B5EF4-FFF2-40B4-BE49-F238E27FC236}">
-                <a16:creationId xmlns:a16="http://schemas.microsoft.com/office/drawing/2014/main" xmlns="" id="{F1F7FD00-BF97-4325-B7C2-E451F20840A7}"/>
+                <a16:creationId xmlns="" xmlns:a16="http://schemas.microsoft.com/office/drawing/2014/main" id="{F1F7FD00-BF97-4325-B7C2-E451F20840A7}"/>
               </a:ext>
               <a:ext uri="{C183D7F6-B498-43B3-948B-1728B52AA6E4}">
-                <adec:decorative xmlns:adec="http://schemas.microsoft.com/office/drawing/2017/decorative" xmlns="" val="1"/>
+                <adec:decorative xmlns="" xmlns:adec="http://schemas.microsoft.com/office/drawing/2017/decorative" val="1"/>
               </a:ext>
             </a:extLst>
           </p:cNvPr>
@@ -42036,7 +41908,7 @@
           <p:nvPr>
             <p:extLst>
               <p:ext uri="{386F3935-93C4-4BCD-93E2-E3B085C9AB24}">
-                <p16:designElem xmlns:p16="http://schemas.microsoft.com/office/powerpoint/2015/main" xmlns="" val="1"/>
+                <p16:designElem xmlns="" xmlns:p16="http://schemas.microsoft.com/office/powerpoint/2015/main" val="1"/>
               </p:ext>
             </p:extLst>
           </p:nvPr>
@@ -42079,7 +41951,7 @@
           <p:cNvPr id="2" name="Title 1">
             <a:extLst>
               <a:ext uri="{FF2B5EF4-FFF2-40B4-BE49-F238E27FC236}">
-                <a16:creationId xmlns:a16="http://schemas.microsoft.com/office/drawing/2014/main" xmlns="" id="{705EB085-B337-4199-A40E-269BA49121BE}"/>
+                <a16:creationId xmlns="" xmlns:a16="http://schemas.microsoft.com/office/drawing/2014/main" id="{705EB085-B337-4199-A40E-269BA49121BE}"/>
               </a:ext>
             </a:extLst>
           </p:cNvPr>
@@ -42139,10 +42011,10 @@
           <p:cNvPr id="12" name="Freeform 11">
             <a:extLst>
               <a:ext uri="{FF2B5EF4-FFF2-40B4-BE49-F238E27FC236}">
-                <a16:creationId xmlns:a16="http://schemas.microsoft.com/office/drawing/2014/main" xmlns="" id="{179B5294-DA4E-4926-B14A-DD6E07A12F67}"/>
+                <a16:creationId xmlns="" xmlns:a16="http://schemas.microsoft.com/office/drawing/2014/main" id="{179B5294-DA4E-4926-B14A-DD6E07A12F67}"/>
               </a:ext>
               <a:ext uri="{C183D7F6-B498-43B3-948B-1728B52AA6E4}">
-                <adec:decorative xmlns:adec="http://schemas.microsoft.com/office/drawing/2017/decorative" xmlns="" val="1"/>
+                <adec:decorative xmlns="" xmlns:adec="http://schemas.microsoft.com/office/drawing/2017/decorative" val="1"/>
               </a:ext>
             </a:extLst>
           </p:cNvPr>
@@ -42152,7 +42024,7 @@
           <p:nvPr>
             <p:extLst>
               <p:ext uri="{386F3935-93C4-4BCD-93E2-E3B085C9AB24}">
-                <p16:designElem xmlns:p16="http://schemas.microsoft.com/office/powerpoint/2015/main" xmlns="" val="1"/>
+                <p16:designElem xmlns="" xmlns:p16="http://schemas.microsoft.com/office/powerpoint/2015/main" val="1"/>
               </p:ext>
             </p:extLst>
           </p:nvPr>
@@ -42270,7 +42142,7 @@
     </p:spTree>
     <p:extLst>
       <p:ext uri="{BB962C8B-B14F-4D97-AF65-F5344CB8AC3E}">
-        <p14:creationId xmlns="" xmlns:p14="http://schemas.microsoft.com/office/powerpoint/2010/main" val="2977952652"/>
+        <p14:creationId xmlns:p14="http://schemas.microsoft.com/office/powerpoint/2010/main" xmlns="" val="2977952652"/>
       </p:ext>
     </p:extLst>
   </p:cSld>
@@ -42338,10 +42210,10 @@
           <p:cNvPr id="8" name="Rectangle 7">
             <a:extLst>
               <a:ext uri="{FF2B5EF4-FFF2-40B4-BE49-F238E27FC236}">
-                <a16:creationId xmlns:a16="http://schemas.microsoft.com/office/drawing/2014/main" xmlns="" id="{3A3C2D7E-3F2E-404E-9B30-CB12DC972D50}"/>
+                <a16:creationId xmlns="" xmlns:a16="http://schemas.microsoft.com/office/drawing/2014/main" id="{3A3C2D7E-3F2E-404E-9B30-CB12DC972D50}"/>
               </a:ext>
               <a:ext uri="{C183D7F6-B498-43B3-948B-1728B52AA6E4}">
-                <adec:decorative xmlns:adec="http://schemas.microsoft.com/office/drawing/2017/decorative" xmlns="" val="1"/>
+                <adec:decorative xmlns="" xmlns:adec="http://schemas.microsoft.com/office/drawing/2017/decorative" val="1"/>
               </a:ext>
             </a:extLst>
           </p:cNvPr>
@@ -42351,7 +42223,7 @@
           <p:nvPr>
             <p:extLst>
               <p:ext uri="{386F3935-93C4-4BCD-93E2-E3B085C9AB24}">
-                <p16:designElem xmlns:p16="http://schemas.microsoft.com/office/powerpoint/2015/main" xmlns="" val="1"/>
+                <p16:designElem xmlns="" xmlns:p16="http://schemas.microsoft.com/office/powerpoint/2015/main" val="1"/>
               </p:ext>
             </p:extLst>
           </p:nvPr>
@@ -42398,10 +42270,10 @@
           <p:cNvPr id="10" name="Rectangle 9">
             <a:extLst>
               <a:ext uri="{FF2B5EF4-FFF2-40B4-BE49-F238E27FC236}">
-                <a16:creationId xmlns:a16="http://schemas.microsoft.com/office/drawing/2014/main" xmlns="" id="{F1F7FD00-BF97-4325-B7C2-E451F20840A7}"/>
+                <a16:creationId xmlns="" xmlns:a16="http://schemas.microsoft.com/office/drawing/2014/main" id="{F1F7FD00-BF97-4325-B7C2-E451F20840A7}"/>
               </a:ext>
               <a:ext uri="{C183D7F6-B498-43B3-948B-1728B52AA6E4}">
-                <adec:decorative xmlns:adec="http://schemas.microsoft.com/office/drawing/2017/decorative" xmlns="" val="1"/>
+                <adec:decorative xmlns="" xmlns:adec="http://schemas.microsoft.com/office/drawing/2017/decorative" val="1"/>
               </a:ext>
             </a:extLst>
           </p:cNvPr>
@@ -42411,7 +42283,7 @@
           <p:nvPr>
             <p:extLst>
               <p:ext uri="{386F3935-93C4-4BCD-93E2-E3B085C9AB24}">
-                <p16:designElem xmlns:p16="http://schemas.microsoft.com/office/powerpoint/2015/main" xmlns="" val="1"/>
+                <p16:designElem xmlns="" xmlns:p16="http://schemas.microsoft.com/office/powerpoint/2015/main" val="1"/>
               </p:ext>
             </p:extLst>
           </p:nvPr>
@@ -42454,7 +42326,7 @@
           <p:cNvPr id="2" name="Title 1">
             <a:extLst>
               <a:ext uri="{FF2B5EF4-FFF2-40B4-BE49-F238E27FC236}">
-                <a16:creationId xmlns:a16="http://schemas.microsoft.com/office/drawing/2014/main" xmlns="" id="{705EB085-B337-4199-A40E-269BA49121BE}"/>
+                <a16:creationId xmlns="" xmlns:a16="http://schemas.microsoft.com/office/drawing/2014/main" id="{705EB085-B337-4199-A40E-269BA49121BE}"/>
               </a:ext>
             </a:extLst>
           </p:cNvPr>
@@ -42514,10 +42386,10 @@
           <p:cNvPr id="12" name="Freeform 11">
             <a:extLst>
               <a:ext uri="{FF2B5EF4-FFF2-40B4-BE49-F238E27FC236}">
-                <a16:creationId xmlns:a16="http://schemas.microsoft.com/office/drawing/2014/main" xmlns="" id="{179B5294-DA4E-4926-B14A-DD6E07A12F67}"/>
+                <a16:creationId xmlns="" xmlns:a16="http://schemas.microsoft.com/office/drawing/2014/main" id="{179B5294-DA4E-4926-B14A-DD6E07A12F67}"/>
               </a:ext>
               <a:ext uri="{C183D7F6-B498-43B3-948B-1728B52AA6E4}">
-                <adec:decorative xmlns:adec="http://schemas.microsoft.com/office/drawing/2017/decorative" xmlns="" val="1"/>
+                <adec:decorative xmlns="" xmlns:adec="http://schemas.microsoft.com/office/drawing/2017/decorative" val="1"/>
               </a:ext>
             </a:extLst>
           </p:cNvPr>
@@ -42527,7 +42399,7 @@
           <p:nvPr>
             <p:extLst>
               <p:ext uri="{386F3935-93C4-4BCD-93E2-E3B085C9AB24}">
-                <p16:designElem xmlns:p16="http://schemas.microsoft.com/office/powerpoint/2015/main" xmlns="" val="1"/>
+                <p16:designElem xmlns="" xmlns:p16="http://schemas.microsoft.com/office/powerpoint/2015/main" val="1"/>
               </p:ext>
             </p:extLst>
           </p:nvPr>
@@ -42647,7 +42519,7 @@
     </p:spTree>
     <p:extLst>
       <p:ext uri="{BB962C8B-B14F-4D97-AF65-F5344CB8AC3E}">
-        <p14:creationId xmlns="" xmlns:p14="http://schemas.microsoft.com/office/powerpoint/2010/main" val="2977952652"/>
+        <p14:creationId xmlns:p14="http://schemas.microsoft.com/office/powerpoint/2010/main" xmlns="" val="2977952652"/>
       </p:ext>
     </p:extLst>
   </p:cSld>
@@ -42715,10 +42587,10 @@
           <p:cNvPr id="8" name="Rectangle 7">
             <a:extLst>
               <a:ext uri="{FF2B5EF4-FFF2-40B4-BE49-F238E27FC236}">
-                <a16:creationId xmlns:a16="http://schemas.microsoft.com/office/drawing/2014/main" xmlns="" id="{3A3C2D7E-3F2E-404E-9B30-CB12DC972D50}"/>
+                <a16:creationId xmlns="" xmlns:a16="http://schemas.microsoft.com/office/drawing/2014/main" id="{3A3C2D7E-3F2E-404E-9B30-CB12DC972D50}"/>
               </a:ext>
               <a:ext uri="{C183D7F6-B498-43B3-948B-1728B52AA6E4}">
-                <adec:decorative xmlns:adec="http://schemas.microsoft.com/office/drawing/2017/decorative" xmlns="" val="1"/>
+                <adec:decorative xmlns="" xmlns:adec="http://schemas.microsoft.com/office/drawing/2017/decorative" val="1"/>
               </a:ext>
             </a:extLst>
           </p:cNvPr>
@@ -42728,7 +42600,7 @@
           <p:nvPr>
             <p:extLst>
               <p:ext uri="{386F3935-93C4-4BCD-93E2-E3B085C9AB24}">
-                <p16:designElem xmlns:p16="http://schemas.microsoft.com/office/powerpoint/2015/main" xmlns="" val="1"/>
+                <p16:designElem xmlns="" xmlns:p16="http://schemas.microsoft.com/office/powerpoint/2015/main" val="1"/>
               </p:ext>
             </p:extLst>
           </p:nvPr>
@@ -42775,10 +42647,10 @@
           <p:cNvPr id="10" name="Rectangle 9">
             <a:extLst>
               <a:ext uri="{FF2B5EF4-FFF2-40B4-BE49-F238E27FC236}">
-                <a16:creationId xmlns:a16="http://schemas.microsoft.com/office/drawing/2014/main" xmlns="" id="{F1F7FD00-BF97-4325-B7C2-E451F20840A7}"/>
+                <a16:creationId xmlns="" xmlns:a16="http://schemas.microsoft.com/office/drawing/2014/main" id="{F1F7FD00-BF97-4325-B7C2-E451F20840A7}"/>
               </a:ext>
               <a:ext uri="{C183D7F6-B498-43B3-948B-1728B52AA6E4}">
-                <adec:decorative xmlns:adec="http://schemas.microsoft.com/office/drawing/2017/decorative" xmlns="" val="1"/>
+                <adec:decorative xmlns="" xmlns:adec="http://schemas.microsoft.com/office/drawing/2017/decorative" val="1"/>
               </a:ext>
             </a:extLst>
           </p:cNvPr>
@@ -42788,7 +42660,7 @@
           <p:nvPr>
             <p:extLst>
               <p:ext uri="{386F3935-93C4-4BCD-93E2-E3B085C9AB24}">
-                <p16:designElem xmlns:p16="http://schemas.microsoft.com/office/powerpoint/2015/main" xmlns="" val="1"/>
+                <p16:designElem xmlns="" xmlns:p16="http://schemas.microsoft.com/office/powerpoint/2015/main" val="1"/>
               </p:ext>
             </p:extLst>
           </p:nvPr>
@@ -42831,7 +42703,7 @@
           <p:cNvPr id="2" name="Title 1">
             <a:extLst>
               <a:ext uri="{FF2B5EF4-FFF2-40B4-BE49-F238E27FC236}">
-                <a16:creationId xmlns:a16="http://schemas.microsoft.com/office/drawing/2014/main" xmlns="" id="{93B97C3A-D8DD-49BC-B84D-44CD0BB5C8AC}"/>
+                <a16:creationId xmlns="" xmlns:a16="http://schemas.microsoft.com/office/drawing/2014/main" id="{93B97C3A-D8DD-49BC-B84D-44CD0BB5C8AC}"/>
               </a:ext>
             </a:extLst>
           </p:cNvPr>
@@ -42883,10 +42755,10 @@
           <p:cNvPr id="12" name="Freeform 11">
             <a:extLst>
               <a:ext uri="{FF2B5EF4-FFF2-40B4-BE49-F238E27FC236}">
-                <a16:creationId xmlns:a16="http://schemas.microsoft.com/office/drawing/2014/main" xmlns="" id="{179B5294-DA4E-4926-B14A-DD6E07A12F67}"/>
+                <a16:creationId xmlns="" xmlns:a16="http://schemas.microsoft.com/office/drawing/2014/main" id="{179B5294-DA4E-4926-B14A-DD6E07A12F67}"/>
               </a:ext>
               <a:ext uri="{C183D7F6-B498-43B3-948B-1728B52AA6E4}">
-                <adec:decorative xmlns:adec="http://schemas.microsoft.com/office/drawing/2017/decorative" xmlns="" val="1"/>
+                <adec:decorative xmlns="" xmlns:adec="http://schemas.microsoft.com/office/drawing/2017/decorative" val="1"/>
               </a:ext>
             </a:extLst>
           </p:cNvPr>
@@ -42896,7 +42768,7 @@
           <p:nvPr>
             <p:extLst>
               <p:ext uri="{386F3935-93C4-4BCD-93E2-E3B085C9AB24}">
-                <p16:designElem xmlns:p16="http://schemas.microsoft.com/office/powerpoint/2015/main" xmlns="" val="1"/>
+                <p16:designElem xmlns="" xmlns:p16="http://schemas.microsoft.com/office/powerpoint/2015/main" val="1"/>
               </p:ext>
             </p:extLst>
           </p:nvPr>
@@ -43016,7 +42888,7 @@
     </p:spTree>
     <p:extLst>
       <p:ext uri="{BB962C8B-B14F-4D97-AF65-F5344CB8AC3E}">
-        <p14:creationId xmlns="" xmlns:p14="http://schemas.microsoft.com/office/powerpoint/2010/main" val="210636299"/>
+        <p14:creationId xmlns:p14="http://schemas.microsoft.com/office/powerpoint/2010/main" xmlns="" val="210636299"/>
       </p:ext>
     </p:extLst>
   </p:cSld>
@@ -43084,10 +42956,10 @@
           <p:cNvPr id="8" name="Rectangle 7">
             <a:extLst>
               <a:ext uri="{FF2B5EF4-FFF2-40B4-BE49-F238E27FC236}">
-                <a16:creationId xmlns:a16="http://schemas.microsoft.com/office/drawing/2014/main" xmlns="" id="{3A3C2D7E-3F2E-404E-9B30-CB12DC972D50}"/>
+                <a16:creationId xmlns="" xmlns:a16="http://schemas.microsoft.com/office/drawing/2014/main" id="{3A3C2D7E-3F2E-404E-9B30-CB12DC972D50}"/>
               </a:ext>
               <a:ext uri="{C183D7F6-B498-43B3-948B-1728B52AA6E4}">
-                <adec:decorative xmlns:adec="http://schemas.microsoft.com/office/drawing/2017/decorative" xmlns="" val="1"/>
+                <adec:decorative xmlns="" xmlns:adec="http://schemas.microsoft.com/office/drawing/2017/decorative" val="1"/>
               </a:ext>
             </a:extLst>
           </p:cNvPr>
@@ -43097,7 +42969,7 @@
           <p:nvPr>
             <p:extLst>
               <p:ext uri="{386F3935-93C4-4BCD-93E2-E3B085C9AB24}">
-                <p16:designElem xmlns:p16="http://schemas.microsoft.com/office/powerpoint/2015/main" xmlns="" val="1"/>
+                <p16:designElem xmlns="" xmlns:p16="http://schemas.microsoft.com/office/powerpoint/2015/main" val="1"/>
               </p:ext>
             </p:extLst>
           </p:nvPr>
@@ -43144,10 +43016,10 @@
           <p:cNvPr id="10" name="Rectangle 9">
             <a:extLst>
               <a:ext uri="{FF2B5EF4-FFF2-40B4-BE49-F238E27FC236}">
-                <a16:creationId xmlns:a16="http://schemas.microsoft.com/office/drawing/2014/main" xmlns="" id="{F1F7FD00-BF97-4325-B7C2-E451F20840A7}"/>
+                <a16:creationId xmlns="" xmlns:a16="http://schemas.microsoft.com/office/drawing/2014/main" id="{F1F7FD00-BF97-4325-B7C2-E451F20840A7}"/>
               </a:ext>
               <a:ext uri="{C183D7F6-B498-43B3-948B-1728B52AA6E4}">
-                <adec:decorative xmlns:adec="http://schemas.microsoft.com/office/drawing/2017/decorative" xmlns="" val="1"/>
+                <adec:decorative xmlns="" xmlns:adec="http://schemas.microsoft.com/office/drawing/2017/decorative" val="1"/>
               </a:ext>
             </a:extLst>
           </p:cNvPr>
@@ -43157,7 +43029,7 @@
           <p:nvPr>
             <p:extLst>
               <p:ext uri="{386F3935-93C4-4BCD-93E2-E3B085C9AB24}">
-                <p16:designElem xmlns:p16="http://schemas.microsoft.com/office/powerpoint/2015/main" xmlns="" val="1"/>
+                <p16:designElem xmlns="" xmlns:p16="http://schemas.microsoft.com/office/powerpoint/2015/main" val="1"/>
               </p:ext>
             </p:extLst>
           </p:nvPr>
@@ -43200,7 +43072,7 @@
           <p:cNvPr id="2" name="Title 1">
             <a:extLst>
               <a:ext uri="{FF2B5EF4-FFF2-40B4-BE49-F238E27FC236}">
-                <a16:creationId xmlns:a16="http://schemas.microsoft.com/office/drawing/2014/main" xmlns="" id="{5C40D58B-9133-4C06-AAD6-7E29E772C732}"/>
+                <a16:creationId xmlns="" xmlns:a16="http://schemas.microsoft.com/office/drawing/2014/main" id="{5C40D58B-9133-4C06-AAD6-7E29E772C732}"/>
               </a:ext>
             </a:extLst>
           </p:cNvPr>
@@ -43252,10 +43124,10 @@
           <p:cNvPr id="12" name="Freeform 11">
             <a:extLst>
               <a:ext uri="{FF2B5EF4-FFF2-40B4-BE49-F238E27FC236}">
-                <a16:creationId xmlns:a16="http://schemas.microsoft.com/office/drawing/2014/main" xmlns="" id="{179B5294-DA4E-4926-B14A-DD6E07A12F67}"/>
+                <a16:creationId xmlns="" xmlns:a16="http://schemas.microsoft.com/office/drawing/2014/main" id="{179B5294-DA4E-4926-B14A-DD6E07A12F67}"/>
               </a:ext>
               <a:ext uri="{C183D7F6-B498-43B3-948B-1728B52AA6E4}">
-                <adec:decorative xmlns:adec="http://schemas.microsoft.com/office/drawing/2017/decorative" xmlns="" val="1"/>
+                <adec:decorative xmlns="" xmlns:adec="http://schemas.microsoft.com/office/drawing/2017/decorative" val="1"/>
               </a:ext>
             </a:extLst>
           </p:cNvPr>
@@ -43265,7 +43137,7 @@
           <p:nvPr>
             <p:extLst>
               <p:ext uri="{386F3935-93C4-4BCD-93E2-E3B085C9AB24}">
-                <p16:designElem xmlns:p16="http://schemas.microsoft.com/office/powerpoint/2015/main" xmlns="" val="1"/>
+                <p16:designElem xmlns="" xmlns:p16="http://schemas.microsoft.com/office/powerpoint/2015/main" val="1"/>
               </p:ext>
             </p:extLst>
           </p:nvPr>
@@ -43351,7 +43223,7 @@
           <p:cNvPr id="3" name="Content Placeholder 2">
             <a:extLst>
               <a:ext uri="{FF2B5EF4-FFF2-40B4-BE49-F238E27FC236}">
-                <a16:creationId xmlns:a16="http://schemas.microsoft.com/office/drawing/2014/main" xmlns="" id="{7D0FD512-3ED8-4D99-AC7E-FFC3F80BEE8B}"/>
+                <a16:creationId xmlns="" xmlns:a16="http://schemas.microsoft.com/office/drawing/2014/main" id="{7D0FD512-3ED8-4D99-AC7E-FFC3F80BEE8B}"/>
               </a:ext>
             </a:extLst>
           </p:cNvPr>
@@ -43420,7 +43292,7 @@
     </p:spTree>
     <p:extLst>
       <p:ext uri="{BB962C8B-B14F-4D97-AF65-F5344CB8AC3E}">
-        <p14:creationId xmlns="" xmlns:p14="http://schemas.microsoft.com/office/powerpoint/2010/main" val="1587355965"/>
+        <p14:creationId xmlns:p14="http://schemas.microsoft.com/office/powerpoint/2010/main" xmlns="" val="1587355965"/>
       </p:ext>
     </p:extLst>
   </p:cSld>
@@ -43457,12 +43329,266 @@
           <a:chExt cx="0" cy="0"/>
         </a:xfrm>
       </p:grpSpPr>
+      <p:sp useBgFill="1">
+        <p:nvSpPr>
+          <p:cNvPr id="8" name="Rectangle 7">
+            <a:extLst>
+              <a:ext uri="{FF2B5EF4-FFF2-40B4-BE49-F238E27FC236}">
+                <a16:creationId xmlns="" xmlns:a16="http://schemas.microsoft.com/office/drawing/2014/main" id="{3A3C2D7E-3F2E-404E-9B30-CB12DC972D50}"/>
+              </a:ext>
+              <a:ext uri="{C183D7F6-B498-43B3-948B-1728B52AA6E4}">
+                <adec:decorative xmlns="" xmlns:adec="http://schemas.microsoft.com/office/drawing/2017/decorative" val="1"/>
+              </a:ext>
+            </a:extLst>
+          </p:cNvPr>
+          <p:cNvSpPr>
+            <a:spLocks noGrp="1" noRot="1" noChangeAspect="1" noMove="1" noResize="1" noEditPoints="1" noAdjustHandles="1" noChangeArrowheads="1" noChangeShapeType="1" noTextEdit="1"/>
+          </p:cNvSpPr>
+          <p:nvPr>
+            <p:extLst>
+              <p:ext uri="{386F3935-93C4-4BCD-93E2-E3B085C9AB24}">
+                <p16:designElem xmlns="" xmlns:p16="http://schemas.microsoft.com/office/powerpoint/2015/main" val="1"/>
+              </p:ext>
+            </p:extLst>
+          </p:nvPr>
+        </p:nvSpPr>
+        <p:spPr>
+          <a:xfrm>
+            <a:off x="1" y="0"/>
+            <a:ext cx="12192000" cy="6858000"/>
+          </a:xfrm>
+          <a:prstGeom prst="rect">
+            <a:avLst/>
+          </a:prstGeom>
+          <a:ln>
+            <a:noFill/>
+          </a:ln>
+        </p:spPr>
+        <p:style>
+          <a:lnRef idx="2">
+            <a:schemeClr val="accent1">
+              <a:shade val="50000"/>
+            </a:schemeClr>
+          </a:lnRef>
+          <a:fillRef idx="1">
+            <a:schemeClr val="accent1"/>
+          </a:fillRef>
+          <a:effectRef idx="0">
+            <a:schemeClr val="accent1"/>
+          </a:effectRef>
+          <a:fontRef idx="minor">
+            <a:schemeClr val="lt1"/>
+          </a:fontRef>
+        </p:style>
+        <p:txBody>
+          <a:bodyPr rtlCol="0" anchor="ctr"/>
+          <a:lstStyle/>
+          <a:p>
+            <a:pPr algn="ctr"/>
+            <a:endParaRPr lang="en-US" dirty="0"/>
+          </a:p>
+        </p:txBody>
+      </p:sp>
+      <p:sp>
+        <p:nvSpPr>
+          <p:cNvPr id="3" name="Content Placeholder 2">
+            <a:extLst>
+              <a:ext uri="{FF2B5EF4-FFF2-40B4-BE49-F238E27FC236}">
+                <a16:creationId xmlns="" xmlns:a16="http://schemas.microsoft.com/office/drawing/2014/main" id="{7D0FD512-3ED8-4D99-AC7E-FFC3F80BEE8B}"/>
+              </a:ext>
+            </a:extLst>
+          </p:cNvPr>
+          <p:cNvSpPr>
+            <a:spLocks noGrp="1"/>
+          </p:cNvSpPr>
+          <p:nvPr>
+            <p:ph idx="1"/>
+          </p:nvPr>
+        </p:nvSpPr>
+        <p:spPr>
+          <a:xfrm>
+            <a:off x="927463" y="2690949"/>
+            <a:ext cx="10299337" cy="3487781"/>
+          </a:xfrm>
+        </p:spPr>
+        <p:txBody>
+          <a:bodyPr>
+            <a:normAutofit/>
+          </a:bodyPr>
+          <a:lstStyle/>
+          <a:p>
+            <a:pPr>
+              <a:buNone/>
+            </a:pPr>
+            <a:endParaRPr lang="en" sz="2400" dirty="0" smtClean="0"/>
+          </a:p>
+          <a:p>
+            <a:pPr>
+              <a:buNone/>
+            </a:pPr>
+            <a:endParaRPr lang="x-none" sz="2400"/>
+          </a:p>
+        </p:txBody>
+      </p:sp>
+      <p:pic>
+        <p:nvPicPr>
+          <p:cNvPr id="7" name="demo_prototype.webm">
+            <a:hlinkClick r:id="" action="ppaction://media"/>
+          </p:cNvPr>
+          <p:cNvPicPr>
+            <a:picLocks noRot="1" noChangeAspect="1"/>
+          </p:cNvPicPr>
+          <p:nvPr>
+            <a:videoFile r:link="rId1"/>
+          </p:nvPr>
+        </p:nvPicPr>
+        <p:blipFill>
+          <a:blip r:embed="rId3"/>
+          <a:stretch>
+            <a:fillRect/>
+          </a:stretch>
+        </p:blipFill>
+        <p:spPr>
+          <a:xfrm>
+            <a:off x="378374" y="283780"/>
+            <a:ext cx="11319640" cy="6195848"/>
+          </a:xfrm>
+          <a:prstGeom prst="rect">
+            <a:avLst/>
+          </a:prstGeom>
+        </p:spPr>
+      </p:pic>
+    </p:spTree>
+    <p:extLst>
+      <p:ext uri="{BB962C8B-B14F-4D97-AF65-F5344CB8AC3E}">
+        <p14:creationId xmlns:p14="http://schemas.microsoft.com/office/powerpoint/2010/main" xmlns="" val="1587355965"/>
+      </p:ext>
+    </p:extLst>
+  </p:cSld>
+  <p:clrMapOvr>
+    <a:masterClrMapping/>
+  </p:clrMapOvr>
+  <p:transition spd="med">
+    <p:pull dir="d"/>
+  </p:transition>
+  <p:timing>
+    <p:tnLst>
+      <p:par>
+        <p:cTn id="1" dur="indefinite" restart="never" nodeType="tmRoot">
+          <p:childTnLst>
+            <p:seq concurrent="1" nextAc="seek">
+              <p:cTn id="2" restart="whenNotActive" fill="hold" evtFilter="cancelBubble" nodeType="interactiveSeq">
+                <p:stCondLst>
+                  <p:cond evt="onClick" delay="0">
+                    <p:tgtEl>
+                      <p:spTgt spid="7"/>
+                    </p:tgtEl>
+                  </p:cond>
+                </p:stCondLst>
+                <p:endSync evt="end" delay="0">
+                  <p:rtn val="all"/>
+                </p:endSync>
+                <p:childTnLst>
+                  <p:par>
+                    <p:cTn id="3" fill="hold">
+                      <p:stCondLst>
+                        <p:cond delay="0"/>
+                      </p:stCondLst>
+                      <p:childTnLst>
+                        <p:par>
+                          <p:cTn id="4" fill="hold">
+                            <p:stCondLst>
+                              <p:cond delay="0"/>
+                            </p:stCondLst>
+                            <p:childTnLst>
+                              <p:par>
+                                <p:cTn id="5" presetID="2" presetClass="mediacall" presetSubtype="0" fill="hold" nodeType="clickEffect">
+                                  <p:stCondLst>
+                                    <p:cond delay="0"/>
+                                  </p:stCondLst>
+                                  <p:childTnLst>
+                                    <p:cmd type="call" cmd="togglePause">
+                                      <p:cBhvr>
+                                        <p:cTn id="6" dur="1" fill="hold"/>
+                                        <p:tgtEl>
+                                          <p:spTgt spid="7"/>
+                                        </p:tgtEl>
+                                      </p:cBhvr>
+                                    </p:cmd>
+                                  </p:childTnLst>
+                                </p:cTn>
+                              </p:par>
+                            </p:childTnLst>
+                          </p:cTn>
+                        </p:par>
+                      </p:childTnLst>
+                    </p:cTn>
+                  </p:par>
+                </p:childTnLst>
+              </p:cTn>
+              <p:nextCondLst>
+                <p:cond evt="onClick" delay="0">
+                  <p:tgtEl>
+                    <p:spTgt spid="7"/>
+                  </p:tgtEl>
+                </p:cond>
+              </p:nextCondLst>
+            </p:seq>
+            <p:video>
+              <p:cMediaNode>
+                <p:cTn id="7" fill="hold" display="0">
+                  <p:stCondLst>
+                    <p:cond delay="indefinite"/>
+                  </p:stCondLst>
+                  <p:endCondLst>
+                    <p:cond evt="onNext" delay="0">
+                      <p:tgtEl>
+                        <p:sldTgt/>
+                      </p:tgtEl>
+                    </p:cond>
+                    <p:cond evt="onPrev" delay="0">
+                      <p:tgtEl>
+                        <p:sldTgt/>
+                      </p:tgtEl>
+                    </p:cond>
+                  </p:endCondLst>
+                </p:cTn>
+                <p:tgtEl>
+                  <p:spTgt spid="7"/>
+                </p:tgtEl>
+              </p:cMediaNode>
+            </p:video>
+          </p:childTnLst>
+        </p:cTn>
+      </p:par>
+    </p:tnLst>
+  </p:timing>
+</p:sld>
+</file>
+
+<file path=ppt/slides/slide28.xml><?xml version="1.0" encoding="utf-8"?>
+<p:sld xmlns:a="http://schemas.openxmlformats.org/drawingml/2006/main" xmlns:r="http://schemas.openxmlformats.org/officeDocument/2006/relationships" xmlns:p="http://schemas.openxmlformats.org/presentationml/2006/main">
+  <p:cSld>
+    <p:spTree>
+      <p:nvGrpSpPr>
+        <p:cNvPr id="1" name=""/>
+        <p:cNvGrpSpPr/>
+        <p:nvPr/>
+      </p:nvGrpSpPr>
+      <p:grpSpPr>
+        <a:xfrm>
+          <a:off x="0" y="0"/>
+          <a:ext cx="0" cy="0"/>
+          <a:chOff x="0" y="0"/>
+          <a:chExt cx="0" cy="0"/>
+        </a:xfrm>
+      </p:grpSpPr>
       <p:pic>
         <p:nvPicPr>
           <p:cNvPr id="5" name="Content Placeholder 4" descr="A close up of a logo&#10;&#10;Description automatically generated">
             <a:extLst>
               <a:ext uri="{FF2B5EF4-FFF2-40B4-BE49-F238E27FC236}">
-                <a16:creationId xmlns:a16="http://schemas.microsoft.com/office/drawing/2014/main" xmlns="" id="{C1A8FEED-AADA-461C-9F95-1647F28E3199}"/>
+                <a16:creationId xmlns="" xmlns:a16="http://schemas.microsoft.com/office/drawing/2014/main" id="{C1A8FEED-AADA-461C-9F95-1647F28E3199}"/>
               </a:ext>
             </a:extLst>
           </p:cNvPr>
@@ -43489,7 +43615,7 @@
     </p:spTree>
     <p:extLst>
       <p:ext uri="{BB962C8B-B14F-4D97-AF65-F5344CB8AC3E}">
-        <p14:creationId xmlns="" xmlns:p14="http://schemas.microsoft.com/office/powerpoint/2010/main" val="4224507378"/>
+        <p14:creationId xmlns:p14="http://schemas.microsoft.com/office/powerpoint/2010/main" xmlns="" val="4224507378"/>
       </p:ext>
     </p:extLst>
   </p:cSld>
@@ -43557,10 +43683,10 @@
           <p:cNvPr id="8" name="Rectangle 7">
             <a:extLst>
               <a:ext uri="{FF2B5EF4-FFF2-40B4-BE49-F238E27FC236}">
-                <a16:creationId xmlns:a16="http://schemas.microsoft.com/office/drawing/2014/main" xmlns="" id="{3A3C2D7E-3F2E-404E-9B30-CB12DC972D50}"/>
+                <a16:creationId xmlns="" xmlns:a16="http://schemas.microsoft.com/office/drawing/2014/main" id="{3A3C2D7E-3F2E-404E-9B30-CB12DC972D50}"/>
               </a:ext>
               <a:ext uri="{C183D7F6-B498-43B3-948B-1728B52AA6E4}">
-                <adec:decorative xmlns:adec="http://schemas.microsoft.com/office/drawing/2017/decorative" xmlns="" val="1"/>
+                <adec:decorative xmlns="" xmlns:adec="http://schemas.microsoft.com/office/drawing/2017/decorative" val="1"/>
               </a:ext>
             </a:extLst>
           </p:cNvPr>
@@ -43570,7 +43696,7 @@
           <p:nvPr>
             <p:extLst>
               <p:ext uri="{386F3935-93C4-4BCD-93E2-E3B085C9AB24}">
-                <p16:designElem xmlns:p16="http://schemas.microsoft.com/office/powerpoint/2015/main" xmlns="" val="1"/>
+                <p16:designElem xmlns="" xmlns:p16="http://schemas.microsoft.com/office/powerpoint/2015/main" val="1"/>
               </p:ext>
             </p:extLst>
           </p:nvPr>
@@ -43617,10 +43743,10 @@
           <p:cNvPr id="10" name="Rectangle 9">
             <a:extLst>
               <a:ext uri="{FF2B5EF4-FFF2-40B4-BE49-F238E27FC236}">
-                <a16:creationId xmlns:a16="http://schemas.microsoft.com/office/drawing/2014/main" xmlns="" id="{F1F7FD00-BF97-4325-B7C2-E451F20840A7}"/>
+                <a16:creationId xmlns="" xmlns:a16="http://schemas.microsoft.com/office/drawing/2014/main" id="{F1F7FD00-BF97-4325-B7C2-E451F20840A7}"/>
               </a:ext>
               <a:ext uri="{C183D7F6-B498-43B3-948B-1728B52AA6E4}">
-                <adec:decorative xmlns:adec="http://schemas.microsoft.com/office/drawing/2017/decorative" xmlns="" val="1"/>
+                <adec:decorative xmlns="" xmlns:adec="http://schemas.microsoft.com/office/drawing/2017/decorative" val="1"/>
               </a:ext>
             </a:extLst>
           </p:cNvPr>
@@ -43630,7 +43756,7 @@
           <p:nvPr>
             <p:extLst>
               <p:ext uri="{386F3935-93C4-4BCD-93E2-E3B085C9AB24}">
-                <p16:designElem xmlns:p16="http://schemas.microsoft.com/office/powerpoint/2015/main" xmlns="" val="1"/>
+                <p16:designElem xmlns="" xmlns:p16="http://schemas.microsoft.com/office/powerpoint/2015/main" val="1"/>
               </p:ext>
             </p:extLst>
           </p:nvPr>
@@ -43673,7 +43799,7 @@
           <p:cNvPr id="2" name="Title 1">
             <a:extLst>
               <a:ext uri="{FF2B5EF4-FFF2-40B4-BE49-F238E27FC236}">
-                <a16:creationId xmlns:a16="http://schemas.microsoft.com/office/drawing/2014/main" xmlns="" id="{0652C70D-7098-408E-880E-3F22F905AF82}"/>
+                <a16:creationId xmlns="" xmlns:a16="http://schemas.microsoft.com/office/drawing/2014/main" id="{0652C70D-7098-408E-880E-3F22F905AF82}"/>
               </a:ext>
             </a:extLst>
           </p:cNvPr>
@@ -43717,10 +43843,10 @@
           <p:cNvPr id="12" name="Freeform 11">
             <a:extLst>
               <a:ext uri="{FF2B5EF4-FFF2-40B4-BE49-F238E27FC236}">
-                <a16:creationId xmlns:a16="http://schemas.microsoft.com/office/drawing/2014/main" xmlns="" id="{179B5294-DA4E-4926-B14A-DD6E07A12F67}"/>
+                <a16:creationId xmlns="" xmlns:a16="http://schemas.microsoft.com/office/drawing/2014/main" id="{179B5294-DA4E-4926-B14A-DD6E07A12F67}"/>
               </a:ext>
               <a:ext uri="{C183D7F6-B498-43B3-948B-1728B52AA6E4}">
-                <adec:decorative xmlns:adec="http://schemas.microsoft.com/office/drawing/2017/decorative" xmlns="" val="1"/>
+                <adec:decorative xmlns="" xmlns:adec="http://schemas.microsoft.com/office/drawing/2017/decorative" val="1"/>
               </a:ext>
             </a:extLst>
           </p:cNvPr>
@@ -43730,7 +43856,7 @@
           <p:nvPr>
             <p:extLst>
               <p:ext uri="{386F3935-93C4-4BCD-93E2-E3B085C9AB24}">
-                <p16:designElem xmlns:p16="http://schemas.microsoft.com/office/powerpoint/2015/main" xmlns="" val="1"/>
+                <p16:designElem xmlns="" xmlns:p16="http://schemas.microsoft.com/office/powerpoint/2015/main" val="1"/>
               </p:ext>
             </p:extLst>
           </p:nvPr>
@@ -43816,7 +43942,7 @@
           <p:cNvPr id="4" name="Content Placeholder 2">
             <a:extLst>
               <a:ext uri="{FF2B5EF4-FFF2-40B4-BE49-F238E27FC236}">
-                <a16:creationId xmlns:a16="http://schemas.microsoft.com/office/drawing/2014/main" xmlns="" id="{9FA367FB-AF4D-4D32-B56D-4069D1ED2CA0}"/>
+                <a16:creationId xmlns="" xmlns:a16="http://schemas.microsoft.com/office/drawing/2014/main" id="{9FA367FB-AF4D-4D32-B56D-4069D1ED2CA0}"/>
               </a:ext>
             </a:extLst>
           </p:cNvPr>
@@ -44058,37 +44184,73 @@
           </a:lstStyle>
           <a:p>
             <a:r>
-              <a:rPr lang="en-US" sz="2800" dirty="0" smtClean="0"/>
+              <a:rPr lang="en-US" sz="2800" dirty="0" smtClean="0">
+                <a:solidFill>
+                  <a:schemeClr val="accent1">
+                    <a:lumMod val="75000"/>
+                  </a:schemeClr>
+                </a:solidFill>
+              </a:rPr>
               <a:t>Methodology</a:t>
             </a:r>
           </a:p>
           <a:p>
             <a:r>
-              <a:rPr lang="en-US" sz="2800" dirty="0" smtClean="0"/>
+              <a:rPr lang="en-US" sz="2800" dirty="0" smtClean="0">
+                <a:solidFill>
+                  <a:schemeClr val="accent1">
+                    <a:lumMod val="75000"/>
+                  </a:schemeClr>
+                </a:solidFill>
+              </a:rPr>
               <a:t>Idea Complexity</a:t>
             </a:r>
           </a:p>
           <a:p>
             <a:r>
-              <a:rPr lang="en-US" sz="2800" dirty="0" smtClean="0"/>
+              <a:rPr lang="en-US" sz="2800" dirty="0" smtClean="0">
+                <a:solidFill>
+                  <a:schemeClr val="accent1">
+                    <a:lumMod val="75000"/>
+                  </a:schemeClr>
+                </a:solidFill>
+              </a:rPr>
               <a:t>Possible Applications of Work</a:t>
             </a:r>
           </a:p>
           <a:p>
             <a:r>
-              <a:rPr lang="en-US" sz="2800" dirty="0" smtClean="0"/>
+              <a:rPr lang="en-US" sz="2800" dirty="0" smtClean="0">
+                <a:solidFill>
+                  <a:schemeClr val="accent1">
+                    <a:lumMod val="75000"/>
+                  </a:schemeClr>
+                </a:solidFill>
+              </a:rPr>
               <a:t>Feasibility Study</a:t>
             </a:r>
           </a:p>
           <a:p>
             <a:r>
-              <a:rPr lang="en-US" sz="2800" dirty="0" smtClean="0"/>
+              <a:rPr lang="en-US" sz="2800" dirty="0" smtClean="0">
+                <a:solidFill>
+                  <a:schemeClr val="accent1">
+                    <a:lumMod val="75000"/>
+                  </a:schemeClr>
+                </a:solidFill>
+              </a:rPr>
               <a:t>Market Survey</a:t>
             </a:r>
           </a:p>
           <a:p>
             <a:r>
-              <a:rPr lang="en-US" sz="2800" dirty="0" smtClean="0"/>
+              <a:rPr lang="en-US" sz="2800" dirty="0" smtClean="0">
+                <a:solidFill>
+                  <a:schemeClr val="accent1">
+                    <a:lumMod val="75000"/>
+                  </a:schemeClr>
+                </a:solidFill>
+              </a:rPr>
               <a:t>Limitations and Challenges</a:t>
             </a:r>
           </a:p>
@@ -44102,39 +44264,10 @@
       </p:sp>
       <p:sp>
         <p:nvSpPr>
-          <p:cNvPr id="13" name="Content Placeholder 12"/>
-          <p:cNvSpPr>
-            <a:spLocks noGrp="1"/>
-          </p:cNvSpPr>
-          <p:nvPr>
-            <p:ph sz="half" idx="1"/>
-          </p:nvPr>
-        </p:nvSpPr>
-        <p:spPr>
-          <a:xfrm>
-            <a:off x="1450428" y="2443655"/>
-            <a:ext cx="4193627" cy="3941380"/>
-          </a:xfrm>
-        </p:spPr>
-        <p:txBody>
-          <a:bodyPr>
-            <a:normAutofit fontScale="92500" lnSpcReduction="10000"/>
-          </a:bodyPr>
-          <a:lstStyle/>
-          <a:p>
-            <a:pPr>
-              <a:buNone/>
-            </a:pPr>
-            <a:endParaRPr lang="en-US" dirty="0"/>
-          </a:p>
-        </p:txBody>
-      </p:sp>
-      <p:sp>
-        <p:nvSpPr>
           <p:cNvPr id="14" name="Content Placeholder 2">
             <a:extLst>
               <a:ext uri="{FF2B5EF4-FFF2-40B4-BE49-F238E27FC236}">
-                <a16:creationId xmlns:a16="http://schemas.microsoft.com/office/drawing/2014/main" xmlns="" id="{B1C6EA51-866C-4C34-B123-039CBFDAA574}"/>
+                <a16:creationId xmlns="" xmlns:a16="http://schemas.microsoft.com/office/drawing/2014/main" id="{B1C6EA51-866C-4C34-B123-039CBFDAA574}"/>
               </a:ext>
             </a:extLst>
           </p:cNvPr>
@@ -44147,7 +44280,7 @@
         </p:nvSpPr>
         <p:spPr>
           <a:xfrm flipH="1">
-            <a:off x="1513487" y="2538247"/>
+            <a:off x="1355832" y="2601308"/>
             <a:ext cx="3878319" cy="4035973"/>
           </a:xfrm>
         </p:spPr>
@@ -44264,7 +44397,7 @@
     </p:spTree>
     <p:extLst>
       <p:ext uri="{BB962C8B-B14F-4D97-AF65-F5344CB8AC3E}">
-        <p14:creationId xmlns="" xmlns:p14="http://schemas.microsoft.com/office/powerpoint/2010/main" val="2976388370"/>
+        <p14:creationId xmlns:p14="http://schemas.microsoft.com/office/powerpoint/2010/main" xmlns="" val="2976388370"/>
       </p:ext>
     </p:extLst>
   </p:cSld>
@@ -44335,72 +44468,6 @@
                       </p:childTnLst>
                     </p:cTn>
                   </p:par>
-                  <p:par>
-                    <p:cTn id="8" fill="hold">
-                      <p:stCondLst>
-                        <p:cond delay="indefinite"/>
-                      </p:stCondLst>
-                      <p:childTnLst>
-                        <p:par>
-                          <p:cTn id="9" fill="hold">
-                            <p:stCondLst>
-                              <p:cond delay="0"/>
-                            </p:stCondLst>
-                            <p:childTnLst>
-                              <p:par>
-                                <p:cTn id="10" presetID="4" presetClass="entr" presetSubtype="16" fill="hold" grpId="0" nodeType="clickEffect" nodePh="1">
-                                  <p:stCondLst>
-                                    <p:cond delay="0"/>
-                                  </p:stCondLst>
-                                  <p:endCondLst>
-                                    <p:cond evt="begin" delay="0">
-                                      <p:tn val="10"/>
-                                    </p:cond>
-                                  </p:endCondLst>
-                                  <p:childTnLst>
-                                    <p:set>
-                                      <p:cBhvr>
-                                        <p:cTn id="11" dur="1" fill="hold">
-                                          <p:stCondLst>
-                                            <p:cond delay="0"/>
-                                          </p:stCondLst>
-                                        </p:cTn>
-                                        <p:tgtEl>
-                                          <p:spTgt spid="13">
-                                            <p:txEl>
-                                              <p:pRg st="0" end="0"/>
-                                            </p:txEl>
-                                          </p:spTgt>
-                                        </p:tgtEl>
-                                        <p:attrNameLst>
-                                          <p:attrName>style.visibility</p:attrName>
-                                        </p:attrNameLst>
-                                      </p:cBhvr>
-                                      <p:to>
-                                        <p:strVal val="visible"/>
-                                      </p:to>
-                                    </p:set>
-                                    <p:animEffect transition="in" filter="box(in)">
-                                      <p:cBhvr>
-                                        <p:cTn id="12" dur="500"/>
-                                        <p:tgtEl>
-                                          <p:spTgt spid="13">
-                                            <p:txEl>
-                                              <p:pRg st="0" end="0"/>
-                                            </p:txEl>
-                                          </p:spTgt>
-                                        </p:tgtEl>
-                                      </p:cBhvr>
-                                    </p:animEffect>
-                                  </p:childTnLst>
-                                </p:cTn>
-                              </p:par>
-                            </p:childTnLst>
-                          </p:cTn>
-                        </p:par>
-                      </p:childTnLst>
-                    </p:cTn>
-                  </p:par>
                 </p:childTnLst>
               </p:cTn>
               <p:prevCondLst>
@@ -44424,7 +44491,6 @@
     </p:tnLst>
     <p:bldLst>
       <p:bldP spid="4" grpId="0"/>
-      <p:bldP spid="13" grpId="0" build="p"/>
     </p:bldLst>
   </p:timing>
 </p:sld>
@@ -44478,10 +44544,10 @@
           <p:cNvPr id="8" name="Rectangle 7">
             <a:extLst>
               <a:ext uri="{FF2B5EF4-FFF2-40B4-BE49-F238E27FC236}">
-                <a16:creationId xmlns:a16="http://schemas.microsoft.com/office/drawing/2014/main" xmlns="" id="{3A3C2D7E-3F2E-404E-9B30-CB12DC972D50}"/>
+                <a16:creationId xmlns="" xmlns:a16="http://schemas.microsoft.com/office/drawing/2014/main" id="{3A3C2D7E-3F2E-404E-9B30-CB12DC972D50}"/>
               </a:ext>
               <a:ext uri="{C183D7F6-B498-43B3-948B-1728B52AA6E4}">
-                <adec:decorative xmlns:adec="http://schemas.microsoft.com/office/drawing/2017/decorative" xmlns="" val="1"/>
+                <adec:decorative xmlns="" xmlns:adec="http://schemas.microsoft.com/office/drawing/2017/decorative" val="1"/>
               </a:ext>
             </a:extLst>
           </p:cNvPr>
@@ -44491,7 +44557,7 @@
           <p:nvPr>
             <p:extLst>
               <p:ext uri="{386F3935-93C4-4BCD-93E2-E3B085C9AB24}">
-                <p16:designElem xmlns:p16="http://schemas.microsoft.com/office/powerpoint/2015/main" xmlns="" val="1"/>
+                <p16:designElem xmlns="" xmlns:p16="http://schemas.microsoft.com/office/powerpoint/2015/main" val="1"/>
               </p:ext>
             </p:extLst>
           </p:nvPr>
@@ -44538,10 +44604,10 @@
           <p:cNvPr id="10" name="Rectangle 9">
             <a:extLst>
               <a:ext uri="{FF2B5EF4-FFF2-40B4-BE49-F238E27FC236}">
-                <a16:creationId xmlns:a16="http://schemas.microsoft.com/office/drawing/2014/main" xmlns="" id="{F1F7FD00-BF97-4325-B7C2-E451F20840A7}"/>
+                <a16:creationId xmlns="" xmlns:a16="http://schemas.microsoft.com/office/drawing/2014/main" id="{F1F7FD00-BF97-4325-B7C2-E451F20840A7}"/>
               </a:ext>
               <a:ext uri="{C183D7F6-B498-43B3-948B-1728B52AA6E4}">
-                <adec:decorative xmlns:adec="http://schemas.microsoft.com/office/drawing/2017/decorative" xmlns="" val="1"/>
+                <adec:decorative xmlns="" xmlns:adec="http://schemas.microsoft.com/office/drawing/2017/decorative" val="1"/>
               </a:ext>
             </a:extLst>
           </p:cNvPr>
@@ -44551,7 +44617,7 @@
           <p:nvPr>
             <p:extLst>
               <p:ext uri="{386F3935-93C4-4BCD-93E2-E3B085C9AB24}">
-                <p16:designElem xmlns:p16="http://schemas.microsoft.com/office/powerpoint/2015/main" xmlns="" val="1"/>
+                <p16:designElem xmlns="" xmlns:p16="http://schemas.microsoft.com/office/powerpoint/2015/main" val="1"/>
               </p:ext>
             </p:extLst>
           </p:nvPr>
@@ -44594,7 +44660,7 @@
           <p:cNvPr id="2" name="Title 1">
             <a:extLst>
               <a:ext uri="{FF2B5EF4-FFF2-40B4-BE49-F238E27FC236}">
-                <a16:creationId xmlns:a16="http://schemas.microsoft.com/office/drawing/2014/main" xmlns="" id="{BA2BFF53-F080-4837-B3FC-77C4CC391CF6}"/>
+                <a16:creationId xmlns="" xmlns:a16="http://schemas.microsoft.com/office/drawing/2014/main" id="{BA2BFF53-F080-4837-B3FC-77C4CC391CF6}"/>
               </a:ext>
             </a:extLst>
           </p:cNvPr>
@@ -44633,7 +44699,7 @@
           <p:cNvPr id="3" name="Content Placeholder 2">
             <a:extLst>
               <a:ext uri="{FF2B5EF4-FFF2-40B4-BE49-F238E27FC236}">
-                <a16:creationId xmlns:a16="http://schemas.microsoft.com/office/drawing/2014/main" xmlns="" id="{5AE71383-70B6-4A9E-A22E-EE6057E31C1C}"/>
+                <a16:creationId xmlns="" xmlns:a16="http://schemas.microsoft.com/office/drawing/2014/main" id="{5AE71383-70B6-4A9E-A22E-EE6057E31C1C}"/>
               </a:ext>
             </a:extLst>
           </p:cNvPr>
@@ -44723,10 +44789,10 @@
           <p:cNvPr id="12" name="Freeform 11">
             <a:extLst>
               <a:ext uri="{FF2B5EF4-FFF2-40B4-BE49-F238E27FC236}">
-                <a16:creationId xmlns:a16="http://schemas.microsoft.com/office/drawing/2014/main" xmlns="" id="{179B5294-DA4E-4926-B14A-DD6E07A12F67}"/>
+                <a16:creationId xmlns="" xmlns:a16="http://schemas.microsoft.com/office/drawing/2014/main" id="{179B5294-DA4E-4926-B14A-DD6E07A12F67}"/>
               </a:ext>
               <a:ext uri="{C183D7F6-B498-43B3-948B-1728B52AA6E4}">
-                <adec:decorative xmlns:adec="http://schemas.microsoft.com/office/drawing/2017/decorative" xmlns="" val="1"/>
+                <adec:decorative xmlns="" xmlns:adec="http://schemas.microsoft.com/office/drawing/2017/decorative" val="1"/>
               </a:ext>
             </a:extLst>
           </p:cNvPr>
@@ -44736,7 +44802,7 @@
           <p:nvPr>
             <p:extLst>
               <p:ext uri="{386F3935-93C4-4BCD-93E2-E3B085C9AB24}">
-                <p16:designElem xmlns:p16="http://schemas.microsoft.com/office/powerpoint/2015/main" xmlns="" val="1"/>
+                <p16:designElem xmlns="" xmlns:p16="http://schemas.microsoft.com/office/powerpoint/2015/main" val="1"/>
               </p:ext>
             </p:extLst>
           </p:nvPr>
@@ -44820,7 +44886,7 @@
     </p:spTree>
     <p:extLst>
       <p:ext uri="{BB962C8B-B14F-4D97-AF65-F5344CB8AC3E}">
-        <p14:creationId xmlns="" xmlns:p14="http://schemas.microsoft.com/office/powerpoint/2010/main" val="2995477651"/>
+        <p14:creationId xmlns:p14="http://schemas.microsoft.com/office/powerpoint/2010/main" xmlns="" val="2995477651"/>
       </p:ext>
     </p:extLst>
   </p:cSld>
@@ -45132,10 +45198,10 @@
           <p:cNvPr id="8" name="Rectangle 7">
             <a:extLst>
               <a:ext uri="{FF2B5EF4-FFF2-40B4-BE49-F238E27FC236}">
-                <a16:creationId xmlns:a16="http://schemas.microsoft.com/office/drawing/2014/main" xmlns="" id="{3A3C2D7E-3F2E-404E-9B30-CB12DC972D50}"/>
+                <a16:creationId xmlns="" xmlns:a16="http://schemas.microsoft.com/office/drawing/2014/main" id="{3A3C2D7E-3F2E-404E-9B30-CB12DC972D50}"/>
               </a:ext>
               <a:ext uri="{C183D7F6-B498-43B3-948B-1728B52AA6E4}">
-                <adec:decorative xmlns:adec="http://schemas.microsoft.com/office/drawing/2017/decorative" xmlns="" val="1"/>
+                <adec:decorative xmlns="" xmlns:adec="http://schemas.microsoft.com/office/drawing/2017/decorative" val="1"/>
               </a:ext>
             </a:extLst>
           </p:cNvPr>
@@ -45145,7 +45211,7 @@
           <p:nvPr>
             <p:extLst>
               <p:ext uri="{386F3935-93C4-4BCD-93E2-E3B085C9AB24}">
-                <p16:designElem xmlns:p16="http://schemas.microsoft.com/office/powerpoint/2015/main" xmlns="" val="1"/>
+                <p16:designElem xmlns="" xmlns:p16="http://schemas.microsoft.com/office/powerpoint/2015/main" val="1"/>
               </p:ext>
             </p:extLst>
           </p:nvPr>
@@ -45192,10 +45258,10 @@
           <p:cNvPr id="10" name="Rectangle 9">
             <a:extLst>
               <a:ext uri="{FF2B5EF4-FFF2-40B4-BE49-F238E27FC236}">
-                <a16:creationId xmlns:a16="http://schemas.microsoft.com/office/drawing/2014/main" xmlns="" id="{F1F7FD00-BF97-4325-B7C2-E451F20840A7}"/>
+                <a16:creationId xmlns="" xmlns:a16="http://schemas.microsoft.com/office/drawing/2014/main" id="{F1F7FD00-BF97-4325-B7C2-E451F20840A7}"/>
               </a:ext>
               <a:ext uri="{C183D7F6-B498-43B3-948B-1728B52AA6E4}">
-                <adec:decorative xmlns:adec="http://schemas.microsoft.com/office/drawing/2017/decorative" xmlns="" val="1"/>
+                <adec:decorative xmlns="" xmlns:adec="http://schemas.microsoft.com/office/drawing/2017/decorative" val="1"/>
               </a:ext>
             </a:extLst>
           </p:cNvPr>
@@ -45205,7 +45271,7 @@
           <p:nvPr>
             <p:extLst>
               <p:ext uri="{386F3935-93C4-4BCD-93E2-E3B085C9AB24}">
-                <p16:designElem xmlns:p16="http://schemas.microsoft.com/office/powerpoint/2015/main" xmlns="" val="1"/>
+                <p16:designElem xmlns="" xmlns:p16="http://schemas.microsoft.com/office/powerpoint/2015/main" val="1"/>
               </p:ext>
             </p:extLst>
           </p:nvPr>
@@ -45248,7 +45314,7 @@
           <p:cNvPr id="2" name="Title 1">
             <a:extLst>
               <a:ext uri="{FF2B5EF4-FFF2-40B4-BE49-F238E27FC236}">
-                <a16:creationId xmlns:a16="http://schemas.microsoft.com/office/drawing/2014/main" xmlns="" id="{BA2BFF53-F080-4837-B3FC-77C4CC391CF6}"/>
+                <a16:creationId xmlns="" xmlns:a16="http://schemas.microsoft.com/office/drawing/2014/main" id="{BA2BFF53-F080-4837-B3FC-77C4CC391CF6}"/>
               </a:ext>
             </a:extLst>
           </p:cNvPr>
@@ -45295,10 +45361,10 @@
           <p:cNvPr id="12" name="Freeform 11">
             <a:extLst>
               <a:ext uri="{FF2B5EF4-FFF2-40B4-BE49-F238E27FC236}">
-                <a16:creationId xmlns:a16="http://schemas.microsoft.com/office/drawing/2014/main" xmlns="" id="{179B5294-DA4E-4926-B14A-DD6E07A12F67}"/>
+                <a16:creationId xmlns="" xmlns:a16="http://schemas.microsoft.com/office/drawing/2014/main" id="{179B5294-DA4E-4926-B14A-DD6E07A12F67}"/>
               </a:ext>
               <a:ext uri="{C183D7F6-B498-43B3-948B-1728B52AA6E4}">
-                <adec:decorative xmlns:adec="http://schemas.microsoft.com/office/drawing/2017/decorative" xmlns="" val="1"/>
+                <adec:decorative xmlns="" xmlns:adec="http://schemas.microsoft.com/office/drawing/2017/decorative" val="1"/>
               </a:ext>
             </a:extLst>
           </p:cNvPr>
@@ -45308,7 +45374,7 @@
           <p:nvPr>
             <p:extLst>
               <p:ext uri="{386F3935-93C4-4BCD-93E2-E3B085C9AB24}">
-                <p16:designElem xmlns:p16="http://schemas.microsoft.com/office/powerpoint/2015/main" xmlns="" val="1"/>
+                <p16:designElem xmlns="" xmlns:p16="http://schemas.microsoft.com/office/powerpoint/2015/main" val="1"/>
               </p:ext>
             </p:extLst>
           </p:nvPr>
@@ -45394,7 +45460,7 @@
           <p:cNvPr id="4" name="Picture 4">
             <a:extLst>
               <a:ext uri="{FF2B5EF4-FFF2-40B4-BE49-F238E27FC236}">
-                <a16:creationId xmlns:a16="http://schemas.microsoft.com/office/drawing/2014/main" xmlns="" id="{51B23E30-1143-449A-BE02-554D6258FD57}"/>
+                <a16:creationId xmlns="" xmlns:a16="http://schemas.microsoft.com/office/drawing/2014/main" id="{51B23E30-1143-449A-BE02-554D6258FD57}"/>
               </a:ext>
             </a:extLst>
           </p:cNvPr>
@@ -45424,7 +45490,7 @@
           <p:cNvPr id="6" name="Picture 6">
             <a:extLst>
               <a:ext uri="{FF2B5EF4-FFF2-40B4-BE49-F238E27FC236}">
-                <a16:creationId xmlns:a16="http://schemas.microsoft.com/office/drawing/2014/main" xmlns="" id="{88990048-B9F8-49D5-B15C-2D7E26EC636A}"/>
+                <a16:creationId xmlns="" xmlns:a16="http://schemas.microsoft.com/office/drawing/2014/main" id="{88990048-B9F8-49D5-B15C-2D7E26EC636A}"/>
               </a:ext>
             </a:extLst>
           </p:cNvPr>
@@ -45454,7 +45520,7 @@
           <p:cNvPr id="21" name="Picture 21">
             <a:extLst>
               <a:ext uri="{FF2B5EF4-FFF2-40B4-BE49-F238E27FC236}">
-                <a16:creationId xmlns:a16="http://schemas.microsoft.com/office/drawing/2014/main" xmlns="" id="{161F73F1-2999-4D23-B653-3E56A238A0C7}"/>
+                <a16:creationId xmlns="" xmlns:a16="http://schemas.microsoft.com/office/drawing/2014/main" id="{161F73F1-2999-4D23-B653-3E56A238A0C7}"/>
               </a:ext>
             </a:extLst>
           </p:cNvPr>
@@ -45482,7 +45548,7 @@
     </p:spTree>
     <p:extLst>
       <p:ext uri="{BB962C8B-B14F-4D97-AF65-F5344CB8AC3E}">
-        <p14:creationId xmlns="" xmlns:p14="http://schemas.microsoft.com/office/powerpoint/2010/main" val="3397500478"/>
+        <p14:creationId xmlns:p14="http://schemas.microsoft.com/office/powerpoint/2010/main" xmlns="" val="3397500478"/>
       </p:ext>
     </p:extLst>
   </p:cSld>
@@ -45774,10 +45840,10 @@
           <p:cNvPr id="8" name="Rectangle 7">
             <a:extLst>
               <a:ext uri="{FF2B5EF4-FFF2-40B4-BE49-F238E27FC236}">
-                <a16:creationId xmlns:a16="http://schemas.microsoft.com/office/drawing/2014/main" xmlns="" id="{3A3C2D7E-3F2E-404E-9B30-CB12DC972D50}"/>
+                <a16:creationId xmlns="" xmlns:a16="http://schemas.microsoft.com/office/drawing/2014/main" id="{3A3C2D7E-3F2E-404E-9B30-CB12DC972D50}"/>
               </a:ext>
               <a:ext uri="{C183D7F6-B498-43B3-948B-1728B52AA6E4}">
-                <adec:decorative xmlns:adec="http://schemas.microsoft.com/office/drawing/2017/decorative" xmlns="" val="1"/>
+                <adec:decorative xmlns="" xmlns:adec="http://schemas.microsoft.com/office/drawing/2017/decorative" val="1"/>
               </a:ext>
             </a:extLst>
           </p:cNvPr>
@@ -45787,7 +45853,7 @@
           <p:nvPr>
             <p:extLst>
               <p:ext uri="{386F3935-93C4-4BCD-93E2-E3B085C9AB24}">
-                <p16:designElem xmlns:p16="http://schemas.microsoft.com/office/powerpoint/2015/main" xmlns="" val="1"/>
+                <p16:designElem xmlns="" xmlns:p16="http://schemas.microsoft.com/office/powerpoint/2015/main" val="1"/>
               </p:ext>
             </p:extLst>
           </p:nvPr>
@@ -45834,10 +45900,10 @@
           <p:cNvPr id="10" name="Rectangle 9">
             <a:extLst>
               <a:ext uri="{FF2B5EF4-FFF2-40B4-BE49-F238E27FC236}">
-                <a16:creationId xmlns:a16="http://schemas.microsoft.com/office/drawing/2014/main" xmlns="" id="{F1F7FD00-BF97-4325-B7C2-E451F20840A7}"/>
+                <a16:creationId xmlns="" xmlns:a16="http://schemas.microsoft.com/office/drawing/2014/main" id="{F1F7FD00-BF97-4325-B7C2-E451F20840A7}"/>
               </a:ext>
               <a:ext uri="{C183D7F6-B498-43B3-948B-1728B52AA6E4}">
-                <adec:decorative xmlns:adec="http://schemas.microsoft.com/office/drawing/2017/decorative" xmlns="" val="1"/>
+                <adec:decorative xmlns="" xmlns:adec="http://schemas.microsoft.com/office/drawing/2017/decorative" val="1"/>
               </a:ext>
             </a:extLst>
           </p:cNvPr>
@@ -45847,7 +45913,7 @@
           <p:nvPr>
             <p:extLst>
               <p:ext uri="{386F3935-93C4-4BCD-93E2-E3B085C9AB24}">
-                <p16:designElem xmlns:p16="http://schemas.microsoft.com/office/powerpoint/2015/main" xmlns="" val="1"/>
+                <p16:designElem xmlns="" xmlns:p16="http://schemas.microsoft.com/office/powerpoint/2015/main" val="1"/>
               </p:ext>
             </p:extLst>
           </p:nvPr>
@@ -45890,7 +45956,7 @@
           <p:cNvPr id="2" name="Title 1">
             <a:extLst>
               <a:ext uri="{FF2B5EF4-FFF2-40B4-BE49-F238E27FC236}">
-                <a16:creationId xmlns:a16="http://schemas.microsoft.com/office/drawing/2014/main" xmlns="" id="{BA2BFF53-F080-4837-B3FC-77C4CC391CF6}"/>
+                <a16:creationId xmlns="" xmlns:a16="http://schemas.microsoft.com/office/drawing/2014/main" id="{BA2BFF53-F080-4837-B3FC-77C4CC391CF6}"/>
               </a:ext>
             </a:extLst>
           </p:cNvPr>
@@ -45937,7 +46003,7 @@
           <p:cNvPr id="3" name="Content Placeholder 2">
             <a:extLst>
               <a:ext uri="{FF2B5EF4-FFF2-40B4-BE49-F238E27FC236}">
-                <a16:creationId xmlns:a16="http://schemas.microsoft.com/office/drawing/2014/main" xmlns="" id="{5AE71383-70B6-4A9E-A22E-EE6057E31C1C}"/>
+                <a16:creationId xmlns="" xmlns:a16="http://schemas.microsoft.com/office/drawing/2014/main" id="{5AE71383-70B6-4A9E-A22E-EE6057E31C1C}"/>
               </a:ext>
             </a:extLst>
           </p:cNvPr>
@@ -45999,10 +46065,10 @@
           <p:cNvPr id="12" name="Freeform 11">
             <a:extLst>
               <a:ext uri="{FF2B5EF4-FFF2-40B4-BE49-F238E27FC236}">
-                <a16:creationId xmlns:a16="http://schemas.microsoft.com/office/drawing/2014/main" xmlns="" id="{179B5294-DA4E-4926-B14A-DD6E07A12F67}"/>
+                <a16:creationId xmlns="" xmlns:a16="http://schemas.microsoft.com/office/drawing/2014/main" id="{179B5294-DA4E-4926-B14A-DD6E07A12F67}"/>
               </a:ext>
               <a:ext uri="{C183D7F6-B498-43B3-948B-1728B52AA6E4}">
-                <adec:decorative xmlns:adec="http://schemas.microsoft.com/office/drawing/2017/decorative" xmlns="" val="1"/>
+                <adec:decorative xmlns="" xmlns:adec="http://schemas.microsoft.com/office/drawing/2017/decorative" val="1"/>
               </a:ext>
             </a:extLst>
           </p:cNvPr>
@@ -46012,7 +46078,7 @@
           <p:nvPr>
             <p:extLst>
               <p:ext uri="{386F3935-93C4-4BCD-93E2-E3B085C9AB24}">
-                <p16:designElem xmlns:p16="http://schemas.microsoft.com/office/powerpoint/2015/main" xmlns="" val="1"/>
+                <p16:designElem xmlns="" xmlns:p16="http://schemas.microsoft.com/office/powerpoint/2015/main" val="1"/>
               </p:ext>
             </p:extLst>
           </p:nvPr>
@@ -46096,7 +46162,7 @@
     </p:spTree>
     <p:extLst>
       <p:ext uri="{BB962C8B-B14F-4D97-AF65-F5344CB8AC3E}">
-        <p14:creationId xmlns="" xmlns:p14="http://schemas.microsoft.com/office/powerpoint/2010/main" val="3397500478"/>
+        <p14:creationId xmlns:p14="http://schemas.microsoft.com/office/powerpoint/2010/main" xmlns="" val="3397500478"/>
       </p:ext>
     </p:extLst>
   </p:cSld>
@@ -46248,10 +46314,10 @@
           <p:cNvPr id="8" name="Rectangle 7">
             <a:extLst>
               <a:ext uri="{FF2B5EF4-FFF2-40B4-BE49-F238E27FC236}">
-                <a16:creationId xmlns:a16="http://schemas.microsoft.com/office/drawing/2014/main" xmlns="" id="{3A3C2D7E-3F2E-404E-9B30-CB12DC972D50}"/>
+                <a16:creationId xmlns="" xmlns:a16="http://schemas.microsoft.com/office/drawing/2014/main" id="{3A3C2D7E-3F2E-404E-9B30-CB12DC972D50}"/>
               </a:ext>
               <a:ext uri="{C183D7F6-B498-43B3-948B-1728B52AA6E4}">
-                <adec:decorative xmlns:adec="http://schemas.microsoft.com/office/drawing/2017/decorative" xmlns="" val="1"/>
+                <adec:decorative xmlns="" xmlns:adec="http://schemas.microsoft.com/office/drawing/2017/decorative" val="1"/>
               </a:ext>
             </a:extLst>
           </p:cNvPr>
@@ -46261,7 +46327,7 @@
           <p:nvPr>
             <p:extLst>
               <p:ext uri="{386F3935-93C4-4BCD-93E2-E3B085C9AB24}">
-                <p16:designElem xmlns:p16="http://schemas.microsoft.com/office/powerpoint/2015/main" xmlns="" val="1"/>
+                <p16:designElem xmlns="" xmlns:p16="http://schemas.microsoft.com/office/powerpoint/2015/main" val="1"/>
               </p:ext>
             </p:extLst>
           </p:nvPr>
@@ -46308,10 +46374,10 @@
           <p:cNvPr id="10" name="Rectangle 9">
             <a:extLst>
               <a:ext uri="{FF2B5EF4-FFF2-40B4-BE49-F238E27FC236}">
-                <a16:creationId xmlns:a16="http://schemas.microsoft.com/office/drawing/2014/main" xmlns="" id="{F1F7FD00-BF97-4325-B7C2-E451F20840A7}"/>
+                <a16:creationId xmlns="" xmlns:a16="http://schemas.microsoft.com/office/drawing/2014/main" id="{F1F7FD00-BF97-4325-B7C2-E451F20840A7}"/>
               </a:ext>
               <a:ext uri="{C183D7F6-B498-43B3-948B-1728B52AA6E4}">
-                <adec:decorative xmlns:adec="http://schemas.microsoft.com/office/drawing/2017/decorative" xmlns="" val="1"/>
+                <adec:decorative xmlns="" xmlns:adec="http://schemas.microsoft.com/office/drawing/2017/decorative" val="1"/>
               </a:ext>
             </a:extLst>
           </p:cNvPr>
@@ -46321,7 +46387,7 @@
           <p:nvPr>
             <p:extLst>
               <p:ext uri="{386F3935-93C4-4BCD-93E2-E3B085C9AB24}">
-                <p16:designElem xmlns:p16="http://schemas.microsoft.com/office/powerpoint/2015/main" xmlns="" val="1"/>
+                <p16:designElem xmlns="" xmlns:p16="http://schemas.microsoft.com/office/powerpoint/2015/main" val="1"/>
               </p:ext>
             </p:extLst>
           </p:nvPr>
@@ -46364,7 +46430,7 @@
           <p:cNvPr id="2" name="Title 1">
             <a:extLst>
               <a:ext uri="{FF2B5EF4-FFF2-40B4-BE49-F238E27FC236}">
-                <a16:creationId xmlns:a16="http://schemas.microsoft.com/office/drawing/2014/main" xmlns="" id="{62E540F1-2380-4634-BD56-DBBD8B0EB077}"/>
+                <a16:creationId xmlns="" xmlns:a16="http://schemas.microsoft.com/office/drawing/2014/main" id="{62E540F1-2380-4634-BD56-DBBD8B0EB077}"/>
               </a:ext>
             </a:extLst>
           </p:cNvPr>
@@ -46416,10 +46482,10 @@
           <p:cNvPr id="12" name="Freeform 11">
             <a:extLst>
               <a:ext uri="{FF2B5EF4-FFF2-40B4-BE49-F238E27FC236}">
-                <a16:creationId xmlns:a16="http://schemas.microsoft.com/office/drawing/2014/main" xmlns="" id="{179B5294-DA4E-4926-B14A-DD6E07A12F67}"/>
+                <a16:creationId xmlns="" xmlns:a16="http://schemas.microsoft.com/office/drawing/2014/main" id="{179B5294-DA4E-4926-B14A-DD6E07A12F67}"/>
               </a:ext>
               <a:ext uri="{C183D7F6-B498-43B3-948B-1728B52AA6E4}">
-                <adec:decorative xmlns:adec="http://schemas.microsoft.com/office/drawing/2017/decorative" xmlns="" val="1"/>
+                <adec:decorative xmlns="" xmlns:adec="http://schemas.microsoft.com/office/drawing/2017/decorative" val="1"/>
               </a:ext>
             </a:extLst>
           </p:cNvPr>
@@ -46429,7 +46495,7 @@
           <p:nvPr>
             <p:extLst>
               <p:ext uri="{386F3935-93C4-4BCD-93E2-E3B085C9AB24}">
-                <p16:designElem xmlns:p16="http://schemas.microsoft.com/office/powerpoint/2015/main" xmlns="" val="1"/>
+                <p16:designElem xmlns="" xmlns:p16="http://schemas.microsoft.com/office/powerpoint/2015/main" val="1"/>
               </p:ext>
             </p:extLst>
           </p:nvPr>
@@ -46515,7 +46581,7 @@
           <p:cNvPr id="3" name="Content Placeholder 2">
             <a:extLst>
               <a:ext uri="{FF2B5EF4-FFF2-40B4-BE49-F238E27FC236}">
-                <a16:creationId xmlns:a16="http://schemas.microsoft.com/office/drawing/2014/main" xmlns="" id="{9C657378-D759-4613-A83A-E0D10AE57573}"/>
+                <a16:creationId xmlns="" xmlns:a16="http://schemas.microsoft.com/office/drawing/2014/main" id="{9C657378-D759-4613-A83A-E0D10AE57573}"/>
               </a:ext>
             </a:extLst>
           </p:cNvPr>
@@ -46571,7 +46637,7 @@
           <p:cNvPr id="4" name="Picture 4">
             <a:extLst>
               <a:ext uri="{FF2B5EF4-FFF2-40B4-BE49-F238E27FC236}">
-                <a16:creationId xmlns:a16="http://schemas.microsoft.com/office/drawing/2014/main" xmlns="" id="{EE027726-0F37-434C-A68F-B6FD0BFA07A6}"/>
+                <a16:creationId xmlns="" xmlns:a16="http://schemas.microsoft.com/office/drawing/2014/main" id="{EE027726-0F37-434C-A68F-B6FD0BFA07A6}"/>
               </a:ext>
             </a:extLst>
           </p:cNvPr>
@@ -46599,7 +46665,7 @@
     </p:spTree>
     <p:extLst>
       <p:ext uri="{BB962C8B-B14F-4D97-AF65-F5344CB8AC3E}">
-        <p14:creationId xmlns="" xmlns:p14="http://schemas.microsoft.com/office/powerpoint/2010/main" val="1558129202"/>
+        <p14:creationId xmlns:p14="http://schemas.microsoft.com/office/powerpoint/2010/main" xmlns="" val="1558129202"/>
       </p:ext>
     </p:extLst>
   </p:cSld>
@@ -46667,10 +46733,10 @@
           <p:cNvPr id="8" name="Rectangle 7">
             <a:extLst>
               <a:ext uri="{FF2B5EF4-FFF2-40B4-BE49-F238E27FC236}">
-                <a16:creationId xmlns:a16="http://schemas.microsoft.com/office/drawing/2014/main" xmlns="" id="{3A3C2D7E-3F2E-404E-9B30-CB12DC972D50}"/>
+                <a16:creationId xmlns="" xmlns:a16="http://schemas.microsoft.com/office/drawing/2014/main" id="{3A3C2D7E-3F2E-404E-9B30-CB12DC972D50}"/>
               </a:ext>
               <a:ext uri="{C183D7F6-B498-43B3-948B-1728B52AA6E4}">
-                <adec:decorative xmlns:adec="http://schemas.microsoft.com/office/drawing/2017/decorative" xmlns="" val="1"/>
+                <adec:decorative xmlns="" xmlns:adec="http://schemas.microsoft.com/office/drawing/2017/decorative" val="1"/>
               </a:ext>
             </a:extLst>
           </p:cNvPr>
@@ -46680,7 +46746,7 @@
           <p:nvPr>
             <p:extLst>
               <p:ext uri="{386F3935-93C4-4BCD-93E2-E3B085C9AB24}">
-                <p16:designElem xmlns:p16="http://schemas.microsoft.com/office/powerpoint/2015/main" xmlns="" val="1"/>
+                <p16:designElem xmlns="" xmlns:p16="http://schemas.microsoft.com/office/powerpoint/2015/main" val="1"/>
               </p:ext>
             </p:extLst>
           </p:nvPr>
@@ -46727,10 +46793,10 @@
           <p:cNvPr id="10" name="Rectangle 9">
             <a:extLst>
               <a:ext uri="{FF2B5EF4-FFF2-40B4-BE49-F238E27FC236}">
-                <a16:creationId xmlns:a16="http://schemas.microsoft.com/office/drawing/2014/main" xmlns="" id="{F1F7FD00-BF97-4325-B7C2-E451F20840A7}"/>
+                <a16:creationId xmlns="" xmlns:a16="http://schemas.microsoft.com/office/drawing/2014/main" id="{F1F7FD00-BF97-4325-B7C2-E451F20840A7}"/>
               </a:ext>
               <a:ext uri="{C183D7F6-B498-43B3-948B-1728B52AA6E4}">
-                <adec:decorative xmlns:adec="http://schemas.microsoft.com/office/drawing/2017/decorative" xmlns="" val="1"/>
+                <adec:decorative xmlns="" xmlns:adec="http://schemas.microsoft.com/office/drawing/2017/decorative" val="1"/>
               </a:ext>
             </a:extLst>
           </p:cNvPr>
@@ -46740,7 +46806,7 @@
           <p:nvPr>
             <p:extLst>
               <p:ext uri="{386F3935-93C4-4BCD-93E2-E3B085C9AB24}">
-                <p16:designElem xmlns:p16="http://schemas.microsoft.com/office/powerpoint/2015/main" xmlns="" val="1"/>
+                <p16:designElem xmlns="" xmlns:p16="http://schemas.microsoft.com/office/powerpoint/2015/main" val="1"/>
               </p:ext>
             </p:extLst>
           </p:nvPr>
@@ -46783,7 +46849,7 @@
           <p:cNvPr id="2" name="Title 1">
             <a:extLst>
               <a:ext uri="{FF2B5EF4-FFF2-40B4-BE49-F238E27FC236}">
-                <a16:creationId xmlns:a16="http://schemas.microsoft.com/office/drawing/2014/main" xmlns="" id="{0652C70D-7098-408E-880E-3F22F905AF82}"/>
+                <a16:creationId xmlns="" xmlns:a16="http://schemas.microsoft.com/office/drawing/2014/main" id="{0652C70D-7098-408E-880E-3F22F905AF82}"/>
               </a:ext>
             </a:extLst>
           </p:cNvPr>
@@ -46844,10 +46910,10 @@
           <p:cNvPr id="12" name="Freeform 11">
             <a:extLst>
               <a:ext uri="{FF2B5EF4-FFF2-40B4-BE49-F238E27FC236}">
-                <a16:creationId xmlns:a16="http://schemas.microsoft.com/office/drawing/2014/main" xmlns="" id="{179B5294-DA4E-4926-B14A-DD6E07A12F67}"/>
+                <a16:creationId xmlns="" xmlns:a16="http://schemas.microsoft.com/office/drawing/2014/main" id="{179B5294-DA4E-4926-B14A-DD6E07A12F67}"/>
               </a:ext>
               <a:ext uri="{C183D7F6-B498-43B3-948B-1728B52AA6E4}">
-                <adec:decorative xmlns:adec="http://schemas.microsoft.com/office/drawing/2017/decorative" xmlns="" val="1"/>
+                <adec:decorative xmlns="" xmlns:adec="http://schemas.microsoft.com/office/drawing/2017/decorative" val="1"/>
               </a:ext>
             </a:extLst>
           </p:cNvPr>
@@ -46857,7 +46923,7 @@
           <p:nvPr>
             <p:extLst>
               <p:ext uri="{386F3935-93C4-4BCD-93E2-E3B085C9AB24}">
-                <p16:designElem xmlns:p16="http://schemas.microsoft.com/office/powerpoint/2015/main" xmlns="" val="1"/>
+                <p16:designElem xmlns="" xmlns:p16="http://schemas.microsoft.com/office/powerpoint/2015/main" val="1"/>
               </p:ext>
             </p:extLst>
           </p:nvPr>
@@ -46961,7 +47027,7 @@
     </p:spTree>
     <p:extLst>
       <p:ext uri="{BB962C8B-B14F-4D97-AF65-F5344CB8AC3E}">
-        <p14:creationId xmlns="" xmlns:p14="http://schemas.microsoft.com/office/powerpoint/2010/main" val="2092328621"/>
+        <p14:creationId xmlns:p14="http://schemas.microsoft.com/office/powerpoint/2010/main" xmlns="" val="2092328621"/>
       </p:ext>
     </p:extLst>
   </p:cSld>
@@ -47029,10 +47095,10 @@
           <p:cNvPr id="8" name="Rectangle 7">
             <a:extLst>
               <a:ext uri="{FF2B5EF4-FFF2-40B4-BE49-F238E27FC236}">
-                <a16:creationId xmlns:a16="http://schemas.microsoft.com/office/drawing/2014/main" xmlns="" id="{3A3C2D7E-3F2E-404E-9B30-CB12DC972D50}"/>
+                <a16:creationId xmlns="" xmlns:a16="http://schemas.microsoft.com/office/drawing/2014/main" id="{3A3C2D7E-3F2E-404E-9B30-CB12DC972D50}"/>
               </a:ext>
               <a:ext uri="{C183D7F6-B498-43B3-948B-1728B52AA6E4}">
-                <adec:decorative xmlns:adec="http://schemas.microsoft.com/office/drawing/2017/decorative" xmlns="" val="1"/>
+                <adec:decorative xmlns="" xmlns:adec="http://schemas.microsoft.com/office/drawing/2017/decorative" val="1"/>
               </a:ext>
             </a:extLst>
           </p:cNvPr>
@@ -47042,7 +47108,7 @@
           <p:nvPr>
             <p:extLst>
               <p:ext uri="{386F3935-93C4-4BCD-93E2-E3B085C9AB24}">
-                <p16:designElem xmlns:p16="http://schemas.microsoft.com/office/powerpoint/2015/main" xmlns="" val="1"/>
+                <p16:designElem xmlns="" xmlns:p16="http://schemas.microsoft.com/office/powerpoint/2015/main" val="1"/>
               </p:ext>
             </p:extLst>
           </p:nvPr>
@@ -47089,10 +47155,10 @@
           <p:cNvPr id="10" name="Rectangle 9">
             <a:extLst>
               <a:ext uri="{FF2B5EF4-FFF2-40B4-BE49-F238E27FC236}">
-                <a16:creationId xmlns:a16="http://schemas.microsoft.com/office/drawing/2014/main" xmlns="" id="{F1F7FD00-BF97-4325-B7C2-E451F20840A7}"/>
+                <a16:creationId xmlns="" xmlns:a16="http://schemas.microsoft.com/office/drawing/2014/main" id="{F1F7FD00-BF97-4325-B7C2-E451F20840A7}"/>
               </a:ext>
               <a:ext uri="{C183D7F6-B498-43B3-948B-1728B52AA6E4}">
-                <adec:decorative xmlns:adec="http://schemas.microsoft.com/office/drawing/2017/decorative" xmlns="" val="1"/>
+                <adec:decorative xmlns="" xmlns:adec="http://schemas.microsoft.com/office/drawing/2017/decorative" val="1"/>
               </a:ext>
             </a:extLst>
           </p:cNvPr>
@@ -47102,7 +47168,7 @@
           <p:nvPr>
             <p:extLst>
               <p:ext uri="{386F3935-93C4-4BCD-93E2-E3B085C9AB24}">
-                <p16:designElem xmlns:p16="http://schemas.microsoft.com/office/powerpoint/2015/main" xmlns="" val="1"/>
+                <p16:designElem xmlns="" xmlns:p16="http://schemas.microsoft.com/office/powerpoint/2015/main" val="1"/>
               </p:ext>
             </p:extLst>
           </p:nvPr>
@@ -47145,7 +47211,7 @@
           <p:cNvPr id="2" name="Title 1">
             <a:extLst>
               <a:ext uri="{FF2B5EF4-FFF2-40B4-BE49-F238E27FC236}">
-                <a16:creationId xmlns:a16="http://schemas.microsoft.com/office/drawing/2014/main" xmlns="" id="{0652C70D-7098-408E-880E-3F22F905AF82}"/>
+                <a16:creationId xmlns="" xmlns:a16="http://schemas.microsoft.com/office/drawing/2014/main" id="{0652C70D-7098-408E-880E-3F22F905AF82}"/>
               </a:ext>
             </a:extLst>
           </p:cNvPr>
@@ -47197,10 +47263,10 @@
           <p:cNvPr id="12" name="Freeform 11">
             <a:extLst>
               <a:ext uri="{FF2B5EF4-FFF2-40B4-BE49-F238E27FC236}">
-                <a16:creationId xmlns:a16="http://schemas.microsoft.com/office/drawing/2014/main" xmlns="" id="{179B5294-DA4E-4926-B14A-DD6E07A12F67}"/>
+                <a16:creationId xmlns="" xmlns:a16="http://schemas.microsoft.com/office/drawing/2014/main" id="{179B5294-DA4E-4926-B14A-DD6E07A12F67}"/>
               </a:ext>
               <a:ext uri="{C183D7F6-B498-43B3-948B-1728B52AA6E4}">
-                <adec:decorative xmlns:adec="http://schemas.microsoft.com/office/drawing/2017/decorative" xmlns="" val="1"/>
+                <adec:decorative xmlns="" xmlns:adec="http://schemas.microsoft.com/office/drawing/2017/decorative" val="1"/>
               </a:ext>
             </a:extLst>
           </p:cNvPr>
@@ -47210,7 +47276,7 @@
           <p:nvPr>
             <p:extLst>
               <p:ext uri="{386F3935-93C4-4BCD-93E2-E3B085C9AB24}">
-                <p16:designElem xmlns:p16="http://schemas.microsoft.com/office/powerpoint/2015/main" xmlns="" val="1"/>
+                <p16:designElem xmlns="" xmlns:p16="http://schemas.microsoft.com/office/powerpoint/2015/main" val="1"/>
               </p:ext>
             </p:extLst>
           </p:nvPr>
@@ -47296,7 +47362,7 @@
           <p:cNvPr id="3" name="Content Placeholder 2">
             <a:extLst>
               <a:ext uri="{FF2B5EF4-FFF2-40B4-BE49-F238E27FC236}">
-                <a16:creationId xmlns:a16="http://schemas.microsoft.com/office/drawing/2014/main" xmlns="" id="{B1C6EA51-866C-4C34-B123-039CBFDAA574}"/>
+                <a16:creationId xmlns="" xmlns:a16="http://schemas.microsoft.com/office/drawing/2014/main" id="{B1C6EA51-866C-4C34-B123-039CBFDAA574}"/>
               </a:ext>
             </a:extLst>
           </p:cNvPr>
@@ -47427,7 +47493,7 @@
     </p:spTree>
     <p:extLst>
       <p:ext uri="{BB962C8B-B14F-4D97-AF65-F5344CB8AC3E}">
-        <p14:creationId xmlns="" xmlns:p14="http://schemas.microsoft.com/office/powerpoint/2010/main" val="2873321571"/>
+        <p14:creationId xmlns:p14="http://schemas.microsoft.com/office/powerpoint/2010/main" xmlns="" val="2873321571"/>
       </p:ext>
     </p:extLst>
   </p:cSld>
@@ -47684,7 +47750,7 @@
   <a:extraClrSchemeLst/>
   <a:extLst>
     <a:ext uri="{05A4C25C-085E-4340-85A3-A5531E510DB2}">
-      <thm15:themeFamily xmlns:thm15="http://schemas.microsoft.com/office/thememl/2012/main" xmlns="" name="Wisp" id="{7CB32D59-10C0-40DD-B7BD-2E94284A981C}" vid="{24B1A44C-C006-48B2-A4D7-E5549B3D8CD4}"/>
+      <thm15:themeFamily xmlns="" xmlns:thm15="http://schemas.microsoft.com/office/thememl/2012/main" name="Wisp" id="{7CB32D59-10C0-40DD-B7BD-2E94284A981C}" vid="{24B1A44C-C006-48B2-A4D7-E5549B3D8CD4}"/>
     </a:ext>
   </a:extLst>
 </a:theme>
